--- a/PES_FH_VERS.pptx
+++ b/PES_FH_VERS.pptx
@@ -6,10 +6,10 @@
     <p:sldMasterId id="2147483666" r:id="rId2"/>
   </p:sldMasterIdLst>
   <p:notesMasterIdLst>
-    <p:notesMasterId r:id="rId40"/>
+    <p:notesMasterId r:id="rId49"/>
   </p:notesMasterIdLst>
   <p:handoutMasterIdLst>
-    <p:handoutMasterId r:id="rId41"/>
+    <p:handoutMasterId r:id="rId50"/>
   </p:handoutMasterIdLst>
   <p:sldIdLst>
     <p:sldId id="256" r:id="rId3"/>
@@ -40,15 +40,24 @@
     <p:sldId id="349" r:id="rId28"/>
     <p:sldId id="350" r:id="rId29"/>
     <p:sldId id="351" r:id="rId30"/>
-    <p:sldId id="329" r:id="rId31"/>
-    <p:sldId id="330" r:id="rId32"/>
-    <p:sldId id="331" r:id="rId33"/>
-    <p:sldId id="332" r:id="rId34"/>
-    <p:sldId id="334" r:id="rId35"/>
-    <p:sldId id="333" r:id="rId36"/>
-    <p:sldId id="335" r:id="rId37"/>
-    <p:sldId id="336" r:id="rId38"/>
-    <p:sldId id="337" r:id="rId39"/>
+    <p:sldId id="352" r:id="rId31"/>
+    <p:sldId id="353" r:id="rId32"/>
+    <p:sldId id="354" r:id="rId33"/>
+    <p:sldId id="355" r:id="rId34"/>
+    <p:sldId id="356" r:id="rId35"/>
+    <p:sldId id="332" r:id="rId36"/>
+    <p:sldId id="334" r:id="rId37"/>
+    <p:sldId id="335" r:id="rId38"/>
+    <p:sldId id="330" r:id="rId39"/>
+    <p:sldId id="333" r:id="rId40"/>
+    <p:sldId id="357" r:id="rId41"/>
+    <p:sldId id="358" r:id="rId42"/>
+    <p:sldId id="359" r:id="rId43"/>
+    <p:sldId id="360" r:id="rId44"/>
+    <p:sldId id="337" r:id="rId45"/>
+    <p:sldId id="329" r:id="rId46"/>
+    <p:sldId id="331" r:id="rId47"/>
+    <p:sldId id="336" r:id="rId48"/>
   </p:sldIdLst>
   <p:sldSz cx="9144000" cy="6858000" type="screen4x3"/>
   <p:notesSz cx="6858000" cy="9144000"/>
@@ -210,15 +219,24 @@
             <p14:sldId id="349"/>
             <p14:sldId id="350"/>
             <p14:sldId id="351"/>
-            <p14:sldId id="329"/>
-            <p14:sldId id="330"/>
-            <p14:sldId id="331"/>
+            <p14:sldId id="352"/>
+            <p14:sldId id="353"/>
+            <p14:sldId id="354"/>
+            <p14:sldId id="355"/>
+            <p14:sldId id="356"/>
             <p14:sldId id="332"/>
             <p14:sldId id="334"/>
+            <p14:sldId id="335"/>
+            <p14:sldId id="330"/>
             <p14:sldId id="333"/>
-            <p14:sldId id="335"/>
+            <p14:sldId id="357"/>
+            <p14:sldId id="358"/>
+            <p14:sldId id="359"/>
+            <p14:sldId id="360"/>
+            <p14:sldId id="337"/>
+            <p14:sldId id="329"/>
+            <p14:sldId id="331"/>
             <p14:sldId id="336"/>
-            <p14:sldId id="337"/>
           </p14:sldIdLst>
         </p14:section>
       </p14:sectionLst>
@@ -14955,23 +14973,7 @@
                   <a:schemeClr val="tx1"/>
                 </a:solidFill>
               </a:rPr>
-              <a:t>Screenshot des </a:t>
-            </a:r>
-            <a:r>
-              <a:rPr lang="de-DE" dirty="0" err="1">
-                <a:solidFill>
-                  <a:schemeClr val="tx1"/>
-                </a:solidFill>
-              </a:rPr>
-              <a:t>sendens</a:t>
-            </a:r>
-            <a:r>
-              <a:rPr lang="de-DE" dirty="0">
-                <a:solidFill>
-                  <a:schemeClr val="tx1"/>
-                </a:solidFill>
-              </a:rPr>
-              <a:t> !!!</a:t>
+              <a:t>Screenshot des Sendens !!!</a:t>
             </a:r>
           </a:p>
         </p:txBody>
@@ -15026,6 +15028,3352 @@
               <a:rPr lang="de-DE" smtClean="0"/>
               <a:pPr/>
               <a:t>29</a:t>
+            </a:fld>
+            <a:endParaRPr lang="de-DE" dirty="0"/>
+          </a:p>
+        </p:txBody>
+      </p:sp>
+      <p:sp>
+        <p:nvSpPr>
+          <p:cNvPr id="3" name="Textplatzhalter 2"/>
+          <p:cNvSpPr>
+            <a:spLocks noGrp="1"/>
+          </p:cNvSpPr>
+          <p:nvPr>
+            <p:ph type="body" sz="quarter" idx="15"/>
+          </p:nvPr>
+        </p:nvSpPr>
+        <p:spPr/>
+        <p:txBody>
+          <a:bodyPr/>
+          <a:lstStyle/>
+          <a:p>
+            <a:pPr marL="285750" indent="-285750">
+              <a:buFont typeface="Courier New" panose="02070309020205020404" pitchFamily="49" charset="0"/>
+              <a:buChar char="o"/>
+            </a:pPr>
+            <a:r>
+              <a:rPr lang="de-DE" dirty="0"/>
+              <a:t>Elektronik, Tools und Zubehör aus New York [6], [11]</a:t>
+            </a:r>
+          </a:p>
+          <a:p>
+            <a:pPr marL="681038" lvl="4" indent="-285750">
+              <a:buFont typeface="Arial" panose="020B0604020202020204" pitchFamily="34" charset="0"/>
+              <a:buChar char="•"/>
+            </a:pPr>
+            <a:r>
+              <a:rPr lang="de-DE" dirty="0" err="1"/>
+              <a:t>Arduino</a:t>
+            </a:r>
+            <a:r>
+              <a:rPr lang="de-DE" dirty="0"/>
+              <a:t> R3</a:t>
+            </a:r>
+          </a:p>
+          <a:p>
+            <a:pPr marL="681038" lvl="4" indent="-285750">
+              <a:buFont typeface="Arial" panose="020B0604020202020204" pitchFamily="34" charset="0"/>
+              <a:buChar char="•"/>
+            </a:pPr>
+            <a:r>
+              <a:rPr lang="de-DE" dirty="0" err="1"/>
+              <a:t>Arduino</a:t>
+            </a:r>
+            <a:r>
+              <a:rPr lang="de-DE" dirty="0"/>
+              <a:t> </a:t>
+            </a:r>
+            <a:r>
+              <a:rPr lang="de-DE" dirty="0" err="1"/>
+              <a:t>Mega</a:t>
+            </a:r>
+            <a:endParaRPr lang="de-DE" dirty="0"/>
+          </a:p>
+          <a:p>
+            <a:pPr marL="0" lvl="1" indent="0">
+              <a:buNone/>
+            </a:pPr>
+            <a:endParaRPr lang="de-DE" dirty="0"/>
+          </a:p>
+          <a:p>
+            <a:pPr marL="309563" lvl="2" indent="-285750">
+              <a:buFont typeface="Arial" panose="020B0604020202020204" pitchFamily="34" charset="0"/>
+              <a:buChar char="•"/>
+            </a:pPr>
+            <a:endParaRPr lang="de-DE" dirty="0"/>
+          </a:p>
+          <a:p>
+            <a:pPr marL="309563" lvl="2" indent="-285750">
+              <a:buFont typeface="Arial" panose="020B0604020202020204" pitchFamily="34" charset="0"/>
+              <a:buChar char="•"/>
+            </a:pPr>
+            <a:endParaRPr lang="de-DE" dirty="0"/>
+          </a:p>
+        </p:txBody>
+      </p:sp>
+      <p:sp>
+        <p:nvSpPr>
+          <p:cNvPr id="4" name="Titel 3"/>
+          <p:cNvSpPr>
+            <a:spLocks noGrp="1"/>
+          </p:cNvSpPr>
+          <p:nvPr>
+            <p:ph type="title"/>
+          </p:nvPr>
+        </p:nvSpPr>
+        <p:spPr/>
+        <p:txBody>
+          <a:bodyPr/>
+          <a:lstStyle/>
+          <a:p>
+            <a:r>
+              <a:rPr lang="de-DE" dirty="0" err="1"/>
+              <a:t>Adafruit</a:t>
+            </a:r>
+            <a:endParaRPr lang="de-DE" dirty="0"/>
+          </a:p>
+        </p:txBody>
+      </p:sp>
+      <p:sp>
+        <p:nvSpPr>
+          <p:cNvPr id="5" name="Fußzeilenplatzhalter 4"/>
+          <p:cNvSpPr>
+            <a:spLocks noGrp="1"/>
+          </p:cNvSpPr>
+          <p:nvPr>
+            <p:ph type="ftr" sz="quarter" idx="16"/>
+          </p:nvPr>
+        </p:nvSpPr>
+        <p:spPr/>
+        <p:txBody>
+          <a:bodyPr/>
+          <a:lstStyle/>
+          <a:p>
+            <a:r>
+              <a:rPr lang="en-US" altLang="de-DE"/>
+              <a:t>Hochschule Mannheim | Julia Geigl, Clemens Behr, Kevin Höfle</a:t>
+            </a:r>
+            <a:endParaRPr lang="de-DE" altLang="de-DE" dirty="0"/>
+          </a:p>
+        </p:txBody>
+      </p:sp>
+    </p:spTree>
+    <p:extLst>
+      <p:ext uri="{BB962C8B-B14F-4D97-AF65-F5344CB8AC3E}">
+        <p14:creationId xmlns:p14="http://schemas.microsoft.com/office/powerpoint/2010/main" val="316495987"/>
+      </p:ext>
+    </p:extLst>
+  </p:cSld>
+  <p:clrMapOvr>
+    <a:masterClrMapping/>
+  </p:clrMapOvr>
+  <p:transition/>
+</p:sld>
+</file>
+
+<file path=ppt/slides/slide3.xml><?xml version="1.0" encoding="utf-8"?>
+<p:sld xmlns:a="http://schemas.openxmlformats.org/drawingml/2006/main" xmlns:r="http://schemas.openxmlformats.org/officeDocument/2006/relationships" xmlns:p="http://schemas.openxmlformats.org/presentationml/2006/main">
+  <p:cSld>
+    <p:spTree>
+      <p:nvGrpSpPr>
+        <p:cNvPr id="1" name=""/>
+        <p:cNvGrpSpPr/>
+        <p:nvPr/>
+      </p:nvGrpSpPr>
+      <p:grpSpPr>
+        <a:xfrm>
+          <a:off x="0" y="0"/>
+          <a:ext cx="0" cy="0"/>
+          <a:chOff x="0" y="0"/>
+          <a:chExt cx="0" cy="0"/>
+        </a:xfrm>
+      </p:grpSpPr>
+      <p:sp>
+        <p:nvSpPr>
+          <p:cNvPr id="2" name="Foliennummernplatzhalter 1"/>
+          <p:cNvSpPr>
+            <a:spLocks noGrp="1"/>
+          </p:cNvSpPr>
+          <p:nvPr>
+            <p:ph type="sldNum" sz="quarter" idx="11"/>
+          </p:nvPr>
+        </p:nvSpPr>
+        <p:spPr/>
+        <p:txBody>
+          <a:bodyPr/>
+          <a:lstStyle/>
+          <a:p>
+            <a:fld id="{57D12BB6-0ED4-46B6-AB23-7758AD07EFBF}" type="slidenum">
+              <a:rPr lang="de-DE" smtClean="0"/>
+              <a:pPr/>
+              <a:t>3</a:t>
+            </a:fld>
+            <a:endParaRPr lang="de-DE" dirty="0"/>
+          </a:p>
+        </p:txBody>
+      </p:sp>
+      <p:sp>
+        <p:nvSpPr>
+          <p:cNvPr id="4" name="Titel 3"/>
+          <p:cNvSpPr>
+            <a:spLocks noGrp="1"/>
+          </p:cNvSpPr>
+          <p:nvPr>
+            <p:ph type="title"/>
+          </p:nvPr>
+        </p:nvSpPr>
+        <p:spPr>
+          <a:xfrm>
+            <a:off x="467544" y="2960948"/>
+            <a:ext cx="5040560" cy="863600"/>
+          </a:xfrm>
+        </p:spPr>
+        <p:txBody>
+          <a:bodyPr/>
+          <a:lstStyle/>
+          <a:p>
+            <a:r>
+              <a:rPr lang="de-DE" sz="9600" dirty="0"/>
+              <a:t>INTRO</a:t>
+            </a:r>
+            <a:br>
+              <a:rPr lang="de-DE" sz="9600" dirty="0"/>
+            </a:br>
+            <a:endParaRPr lang="de-DE" sz="9600" dirty="0"/>
+          </a:p>
+        </p:txBody>
+      </p:sp>
+      <p:sp>
+        <p:nvSpPr>
+          <p:cNvPr id="5" name="Fußzeilenplatzhalter 4"/>
+          <p:cNvSpPr>
+            <a:spLocks noGrp="1"/>
+          </p:cNvSpPr>
+          <p:nvPr>
+            <p:ph type="ftr" sz="quarter" idx="16"/>
+          </p:nvPr>
+        </p:nvSpPr>
+        <p:spPr/>
+        <p:txBody>
+          <a:bodyPr/>
+          <a:lstStyle/>
+          <a:p>
+            <a:r>
+              <a:rPr lang="en-US" altLang="de-DE"/>
+              <a:t>Hochschule Mannheim | Julia Geigl, Clemens Behr, Kevin Höfle</a:t>
+            </a:r>
+            <a:endParaRPr lang="de-DE" altLang="de-DE" dirty="0"/>
+          </a:p>
+        </p:txBody>
+      </p:sp>
+    </p:spTree>
+    <p:extLst>
+      <p:ext uri="{BB962C8B-B14F-4D97-AF65-F5344CB8AC3E}">
+        <p14:creationId xmlns:p14="http://schemas.microsoft.com/office/powerpoint/2010/main" val="2053114095"/>
+      </p:ext>
+    </p:extLst>
+  </p:cSld>
+  <p:clrMapOvr>
+    <a:masterClrMapping/>
+  </p:clrMapOvr>
+  <p:transition/>
+</p:sld>
+</file>
+
+<file path=ppt/slides/slide30.xml><?xml version="1.0" encoding="utf-8"?>
+<p:sld xmlns:a="http://schemas.openxmlformats.org/drawingml/2006/main" xmlns:r="http://schemas.openxmlformats.org/officeDocument/2006/relationships" xmlns:p="http://schemas.openxmlformats.org/presentationml/2006/main">
+  <p:cSld>
+    <p:spTree>
+      <p:nvGrpSpPr>
+        <p:cNvPr id="1" name=""/>
+        <p:cNvGrpSpPr/>
+        <p:nvPr/>
+      </p:nvGrpSpPr>
+      <p:grpSpPr>
+        <a:xfrm>
+          <a:off x="0" y="0"/>
+          <a:ext cx="0" cy="0"/>
+          <a:chOff x="0" y="0"/>
+          <a:chExt cx="0" cy="0"/>
+        </a:xfrm>
+      </p:grpSpPr>
+      <p:sp>
+        <p:nvSpPr>
+          <p:cNvPr id="2" name="Foliennummernplatzhalter 1"/>
+          <p:cNvSpPr>
+            <a:spLocks noGrp="1"/>
+          </p:cNvSpPr>
+          <p:nvPr>
+            <p:ph type="sldNum" sz="quarter" idx="11"/>
+          </p:nvPr>
+        </p:nvSpPr>
+        <p:spPr/>
+        <p:txBody>
+          <a:bodyPr/>
+          <a:lstStyle/>
+          <a:p>
+            <a:fld id="{57D12BB6-0ED4-46B6-AB23-7758AD07EFBF}" type="slidenum">
+              <a:rPr lang="de-DE" smtClean="0"/>
+              <a:pPr/>
+              <a:t>30</a:t>
+            </a:fld>
+            <a:endParaRPr lang="de-DE" dirty="0"/>
+          </a:p>
+        </p:txBody>
+      </p:sp>
+      <p:sp>
+        <p:nvSpPr>
+          <p:cNvPr id="3" name="Textplatzhalter 2"/>
+          <p:cNvSpPr>
+            <a:spLocks noGrp="1"/>
+          </p:cNvSpPr>
+          <p:nvPr>
+            <p:ph type="body" sz="quarter" idx="15"/>
+          </p:nvPr>
+        </p:nvSpPr>
+        <p:spPr>
+          <a:xfrm>
+            <a:off x="971550" y="2292349"/>
+            <a:ext cx="7740650" cy="4257675"/>
+          </a:xfrm>
+        </p:spPr>
+        <p:txBody>
+          <a:bodyPr/>
+          <a:lstStyle/>
+          <a:p>
+            <a:pPr marL="285750" indent="-285750">
+              <a:buFont typeface="Courier New" panose="02070309020205020404" pitchFamily="49" charset="0"/>
+              <a:buChar char="o"/>
+            </a:pPr>
+            <a:r>
+              <a:rPr lang="de-DE" sz="2000" dirty="0" err="1"/>
+              <a:t>IoT</a:t>
+            </a:r>
+            <a:r>
+              <a:rPr lang="de-DE" sz="2000" dirty="0"/>
+              <a:t> Plattform</a:t>
+            </a:r>
+          </a:p>
+          <a:p>
+            <a:pPr marL="495300" lvl="3" indent="-285750">
+              <a:buFont typeface="Arial" panose="020B0604020202020204" pitchFamily="34" charset="0"/>
+              <a:buChar char="•"/>
+            </a:pPr>
+            <a:r>
+              <a:rPr lang="de-DE" dirty="0"/>
+              <a:t>Einfache Bedienung</a:t>
+            </a:r>
+          </a:p>
+          <a:p>
+            <a:pPr marL="495300" lvl="3" indent="-285750">
+              <a:buFont typeface="Arial" panose="020B0604020202020204" pitchFamily="34" charset="0"/>
+              <a:buChar char="•"/>
+            </a:pPr>
+            <a:r>
+              <a:rPr lang="de-DE" dirty="0"/>
+              <a:t>Simpler Datenaustausch</a:t>
+            </a:r>
+          </a:p>
+          <a:p>
+            <a:pPr marL="495300" lvl="3" indent="-285750">
+              <a:buFont typeface="Arial" panose="020B0604020202020204" pitchFamily="34" charset="0"/>
+              <a:buChar char="•"/>
+            </a:pPr>
+            <a:r>
+              <a:rPr lang="de-DE" dirty="0"/>
+              <a:t>Kleine Programmierschnittstelle</a:t>
+            </a:r>
+          </a:p>
+          <a:p>
+            <a:pPr marL="495300" lvl="3" indent="-285750">
+              <a:buFont typeface="Arial" panose="020B0604020202020204" pitchFamily="34" charset="0"/>
+              <a:buChar char="•"/>
+            </a:pPr>
+            <a:endParaRPr lang="de-DE" dirty="0"/>
+          </a:p>
+          <a:p>
+            <a:pPr marL="125413" lvl="1" indent="-285750">
+              <a:buFont typeface="Courier New" panose="02070309020205020404" pitchFamily="49" charset="0"/>
+              <a:buChar char="o"/>
+            </a:pPr>
+            <a:r>
+              <a:rPr lang="de-DE" sz="2000" dirty="0"/>
+              <a:t>MQTT API</a:t>
+            </a:r>
+          </a:p>
+          <a:p>
+            <a:pPr marL="125413" lvl="1" indent="-285750">
+              <a:buFont typeface="Courier New" panose="02070309020205020404" pitchFamily="49" charset="0"/>
+              <a:buChar char="o"/>
+            </a:pPr>
+            <a:r>
+              <a:rPr lang="de-DE" sz="2000" dirty="0"/>
+              <a:t>REST API</a:t>
+            </a:r>
+          </a:p>
+          <a:p>
+            <a:pPr marL="495300" lvl="3" indent="-285750">
+              <a:buFont typeface="Arial" panose="020B0604020202020204" pitchFamily="34" charset="0"/>
+              <a:buChar char="•"/>
+            </a:pPr>
+            <a:endParaRPr lang="de-DE" sz="2000" dirty="0"/>
+          </a:p>
+          <a:p>
+            <a:pPr marL="309563" lvl="2" indent="-285750">
+              <a:buFont typeface="Courier New" panose="02070309020205020404" pitchFamily="49" charset="0"/>
+              <a:buChar char="o"/>
+            </a:pPr>
+            <a:r>
+              <a:rPr lang="de-DE" sz="2000" dirty="0" err="1"/>
+              <a:t>Adafruit</a:t>
+            </a:r>
+            <a:r>
+              <a:rPr lang="de-DE" sz="2000" dirty="0"/>
+              <a:t> Open Beta: </a:t>
+            </a:r>
+            <a:r>
+              <a:rPr lang="de-DE" sz="2000" dirty="0">
+                <a:hlinkClick r:id="rId2"/>
+              </a:rPr>
+              <a:t>https://io.adafruit.com/</a:t>
+            </a:r>
+            <a:r>
+              <a:rPr lang="de-DE" sz="2000" dirty="0"/>
+              <a:t> </a:t>
+            </a:r>
+            <a:endParaRPr lang="de-DE" sz="2000" dirty="0"/>
+          </a:p>
+          <a:p>
+            <a:pPr marL="495300" lvl="3" indent="-285750">
+              <a:buFont typeface="Arial" panose="020B0604020202020204" pitchFamily="34" charset="0"/>
+              <a:buChar char="•"/>
+            </a:pPr>
+            <a:endParaRPr lang="de-DE" dirty="0"/>
+          </a:p>
+          <a:p>
+            <a:pPr marL="209550" lvl="3" indent="0">
+              <a:buNone/>
+            </a:pPr>
+            <a:r>
+              <a:rPr lang="de-DE" sz="1200" dirty="0"/>
+              <a:t>API = </a:t>
+            </a:r>
+            <a:r>
+              <a:rPr lang="de-DE" sz="1200" dirty="0" err="1"/>
+              <a:t>Application</a:t>
+            </a:r>
+            <a:r>
+              <a:rPr lang="de-DE" sz="1200" dirty="0"/>
+              <a:t> </a:t>
+            </a:r>
+            <a:r>
+              <a:rPr lang="de-DE" sz="1200" dirty="0" err="1"/>
+              <a:t>Programming</a:t>
+            </a:r>
+            <a:r>
+              <a:rPr lang="de-DE" sz="1200" dirty="0"/>
+              <a:t> Interface</a:t>
+            </a:r>
+          </a:p>
+          <a:p>
+            <a:pPr marL="209550" lvl="3" indent="0">
+              <a:buNone/>
+            </a:pPr>
+            <a:r>
+              <a:rPr lang="de-DE" sz="1200" dirty="0"/>
+              <a:t>REST = </a:t>
+            </a:r>
+            <a:r>
+              <a:rPr lang="de-DE" sz="1200" dirty="0" err="1"/>
+              <a:t>Representational</a:t>
+            </a:r>
+            <a:r>
+              <a:rPr lang="de-DE" sz="1200" dirty="0"/>
+              <a:t> State Transfer</a:t>
+            </a:r>
+          </a:p>
+        </p:txBody>
+      </p:sp>
+      <p:sp>
+        <p:nvSpPr>
+          <p:cNvPr id="4" name="Titel 3"/>
+          <p:cNvSpPr>
+            <a:spLocks noGrp="1"/>
+          </p:cNvSpPr>
+          <p:nvPr>
+            <p:ph type="title"/>
+          </p:nvPr>
+        </p:nvSpPr>
+        <p:spPr/>
+        <p:txBody>
+          <a:bodyPr/>
+          <a:lstStyle/>
+          <a:p>
+            <a:r>
+              <a:rPr lang="de-DE" dirty="0" err="1"/>
+              <a:t>Adafruit</a:t>
+            </a:r>
+            <a:r>
+              <a:rPr lang="de-DE" dirty="0"/>
+              <a:t> IO </a:t>
+            </a:r>
+            <a:r>
+              <a:rPr lang="de-DE" sz="1200" b="0" dirty="0"/>
+              <a:t>[12]</a:t>
+            </a:r>
+            <a:endParaRPr lang="de-DE" b="0" dirty="0"/>
+          </a:p>
+        </p:txBody>
+      </p:sp>
+      <p:sp>
+        <p:nvSpPr>
+          <p:cNvPr id="5" name="Fußzeilenplatzhalter 4"/>
+          <p:cNvSpPr>
+            <a:spLocks noGrp="1"/>
+          </p:cNvSpPr>
+          <p:nvPr>
+            <p:ph type="ftr" sz="quarter" idx="16"/>
+          </p:nvPr>
+        </p:nvSpPr>
+        <p:spPr/>
+        <p:txBody>
+          <a:bodyPr/>
+          <a:lstStyle/>
+          <a:p>
+            <a:r>
+              <a:rPr lang="en-US" altLang="de-DE"/>
+              <a:t>Hochschule Mannheim | Julia Geigl, Clemens Behr, Kevin Höfle</a:t>
+            </a:r>
+            <a:endParaRPr lang="de-DE" altLang="de-DE" dirty="0"/>
+          </a:p>
+        </p:txBody>
+      </p:sp>
+      <p:pic>
+        <p:nvPicPr>
+          <p:cNvPr id="6" name="Picture 2" descr="Adafruit Logo"/>
+          <p:cNvPicPr>
+            <a:picLocks noChangeAspect="1" noChangeArrowheads="1"/>
+          </p:cNvPicPr>
+          <p:nvPr/>
+        </p:nvPicPr>
+        <p:blipFill>
+          <a:blip r:embed="rId3">
+            <a:extLst>
+              <a:ext uri="{28A0092B-C50C-407E-A947-70E740481C1C}">
+                <a14:useLocalDpi xmlns:a14="http://schemas.microsoft.com/office/drawing/2010/main" val="0"/>
+              </a:ext>
+            </a:extLst>
+          </a:blip>
+          <a:srcRect/>
+          <a:stretch>
+            <a:fillRect/>
+          </a:stretch>
+        </p:blipFill>
+        <p:spPr bwMode="auto">
+          <a:xfrm>
+            <a:off x="6192180" y="1542594"/>
+            <a:ext cx="2457451" cy="857251"/>
+          </a:xfrm>
+          <a:prstGeom prst="rect">
+            <a:avLst/>
+          </a:prstGeom>
+          <a:noFill/>
+          <a:extLst>
+            <a:ext uri="{909E8E84-426E-40DD-AFC4-6F175D3DCCD1}">
+              <a14:hiddenFill xmlns:a14="http://schemas.microsoft.com/office/drawing/2010/main">
+                <a:solidFill>
+                  <a:srgbClr val="FFFFFF"/>
+                </a:solidFill>
+              </a14:hiddenFill>
+            </a:ext>
+          </a:extLst>
+        </p:spPr>
+      </p:pic>
+    </p:spTree>
+    <p:extLst>
+      <p:ext uri="{BB962C8B-B14F-4D97-AF65-F5344CB8AC3E}">
+        <p14:creationId xmlns:p14="http://schemas.microsoft.com/office/powerpoint/2010/main" val="4036735921"/>
+      </p:ext>
+    </p:extLst>
+  </p:cSld>
+  <p:clrMapOvr>
+    <a:masterClrMapping/>
+  </p:clrMapOvr>
+  <p:transition/>
+</p:sld>
+</file>
+
+<file path=ppt/slides/slide31.xml><?xml version="1.0" encoding="utf-8"?>
+<p:sld xmlns:a="http://schemas.openxmlformats.org/drawingml/2006/main" xmlns:r="http://schemas.openxmlformats.org/officeDocument/2006/relationships" xmlns:p="http://schemas.openxmlformats.org/presentationml/2006/main">
+  <p:cSld>
+    <p:spTree>
+      <p:nvGrpSpPr>
+        <p:cNvPr id="1" name=""/>
+        <p:cNvGrpSpPr/>
+        <p:nvPr/>
+      </p:nvGrpSpPr>
+      <p:grpSpPr>
+        <a:xfrm>
+          <a:off x="0" y="0"/>
+          <a:ext cx="0" cy="0"/>
+          <a:chOff x="0" y="0"/>
+          <a:chExt cx="0" cy="0"/>
+        </a:xfrm>
+      </p:grpSpPr>
+      <p:sp>
+        <p:nvSpPr>
+          <p:cNvPr id="2" name="Foliennummernplatzhalter 1"/>
+          <p:cNvSpPr>
+            <a:spLocks noGrp="1"/>
+          </p:cNvSpPr>
+          <p:nvPr>
+            <p:ph type="sldNum" sz="quarter" idx="11"/>
+          </p:nvPr>
+        </p:nvSpPr>
+        <p:spPr/>
+        <p:txBody>
+          <a:bodyPr/>
+          <a:lstStyle/>
+          <a:p>
+            <a:fld id="{57D12BB6-0ED4-46B6-AB23-7758AD07EFBF}" type="slidenum">
+              <a:rPr lang="de-DE" smtClean="0"/>
+              <a:pPr/>
+              <a:t>31</a:t>
+            </a:fld>
+            <a:endParaRPr lang="de-DE" dirty="0"/>
+          </a:p>
+        </p:txBody>
+      </p:sp>
+      <p:sp>
+        <p:nvSpPr>
+          <p:cNvPr id="3" name="Textplatzhalter 2"/>
+          <p:cNvSpPr>
+            <a:spLocks noGrp="1"/>
+          </p:cNvSpPr>
+          <p:nvPr>
+            <p:ph type="body" sz="quarter" idx="15"/>
+          </p:nvPr>
+        </p:nvSpPr>
+        <p:spPr>
+          <a:xfrm>
+            <a:off x="971550" y="2292349"/>
+            <a:ext cx="7740650" cy="4257675"/>
+          </a:xfrm>
+        </p:spPr>
+        <p:txBody>
+          <a:bodyPr/>
+          <a:lstStyle/>
+          <a:p>
+            <a:pPr marL="285750" indent="-285750">
+              <a:buFont typeface="Courier New" panose="02070309020205020404" pitchFamily="49" charset="0"/>
+              <a:buChar char="o"/>
+            </a:pPr>
+            <a:r>
+              <a:rPr lang="de-DE" sz="2000" dirty="0"/>
+              <a:t>Libraries</a:t>
+            </a:r>
+          </a:p>
+          <a:p>
+            <a:pPr marL="495300" lvl="3" indent="-285750">
+              <a:buFont typeface="Arial" panose="020B0604020202020204" pitchFamily="34" charset="0"/>
+              <a:buChar char="•"/>
+            </a:pPr>
+            <a:r>
+              <a:rPr lang="de-DE" dirty="0" err="1"/>
+              <a:t>Arduino</a:t>
+            </a:r>
+            <a:endParaRPr lang="de-DE" dirty="0"/>
+          </a:p>
+          <a:p>
+            <a:pPr marL="495300" lvl="3" indent="-285750">
+              <a:buFont typeface="Arial" panose="020B0604020202020204" pitchFamily="34" charset="0"/>
+              <a:buChar char="•"/>
+            </a:pPr>
+            <a:r>
+              <a:rPr lang="de-DE" dirty="0"/>
+              <a:t>Ruby</a:t>
+            </a:r>
+          </a:p>
+          <a:p>
+            <a:pPr marL="495300" lvl="3" indent="-285750">
+              <a:buFont typeface="Arial" panose="020B0604020202020204" pitchFamily="34" charset="0"/>
+              <a:buChar char="•"/>
+            </a:pPr>
+            <a:r>
+              <a:rPr lang="de-DE" dirty="0"/>
+              <a:t>Python</a:t>
+            </a:r>
+          </a:p>
+          <a:p>
+            <a:pPr marL="495300" lvl="3" indent="-285750">
+              <a:buFont typeface="Arial" panose="020B0604020202020204" pitchFamily="34" charset="0"/>
+              <a:buChar char="•"/>
+            </a:pPr>
+            <a:r>
+              <a:rPr lang="de-DE" dirty="0"/>
+              <a:t>Node.js</a:t>
+            </a:r>
+          </a:p>
+          <a:p>
+            <a:pPr marL="209550" lvl="3" indent="0">
+              <a:buNone/>
+            </a:pPr>
+            <a:r>
+              <a:rPr lang="de-DE" sz="1200" dirty="0"/>
+              <a:t>[13]</a:t>
+            </a:r>
+          </a:p>
+          <a:p>
+            <a:pPr marL="209550" lvl="3" indent="0">
+              <a:buNone/>
+            </a:pPr>
+            <a:endParaRPr lang="de-DE" dirty="0"/>
+          </a:p>
+          <a:p>
+            <a:pPr marL="285750" lvl="1" indent="-285750">
+              <a:buFont typeface="Courier New" panose="02070309020205020404" pitchFamily="49" charset="0"/>
+              <a:buChar char="o"/>
+            </a:pPr>
+            <a:r>
+              <a:rPr lang="de-DE" sz="2000" dirty="0"/>
+              <a:t>Browser Beispiele</a:t>
+            </a:r>
+            <a:endParaRPr lang="de-DE" dirty="0"/>
+          </a:p>
+          <a:p>
+            <a:pPr marL="285750" lvl="1" indent="-285750">
+              <a:buFont typeface="Courier New" panose="02070309020205020404" pitchFamily="49" charset="0"/>
+              <a:buChar char="o"/>
+            </a:pPr>
+            <a:endParaRPr lang="de-DE" dirty="0"/>
+          </a:p>
+          <a:p>
+            <a:pPr marL="285750" lvl="1" indent="-285750">
+              <a:buFont typeface="Courier New" panose="02070309020205020404" pitchFamily="49" charset="0"/>
+              <a:buChar char="o"/>
+            </a:pPr>
+            <a:endParaRPr lang="de-DE" dirty="0"/>
+          </a:p>
+          <a:p>
+            <a:pPr marL="285750" lvl="1" indent="-285750">
+              <a:buFont typeface="Courier New" panose="02070309020205020404" pitchFamily="49" charset="0"/>
+              <a:buChar char="o"/>
+            </a:pPr>
+            <a:endParaRPr lang="de-DE" dirty="0"/>
+          </a:p>
+          <a:p>
+            <a:pPr marL="0" lvl="1" indent="0">
+              <a:buNone/>
+            </a:pPr>
+            <a:r>
+              <a:rPr lang="de-DE" sz="1200" dirty="0"/>
+              <a:t>     [14]</a:t>
+            </a:r>
+            <a:endParaRPr lang="de-DE" dirty="0"/>
+          </a:p>
+        </p:txBody>
+      </p:sp>
+      <p:sp>
+        <p:nvSpPr>
+          <p:cNvPr id="4" name="Titel 3"/>
+          <p:cNvSpPr>
+            <a:spLocks noGrp="1"/>
+          </p:cNvSpPr>
+          <p:nvPr>
+            <p:ph type="title"/>
+          </p:nvPr>
+        </p:nvSpPr>
+        <p:spPr/>
+        <p:txBody>
+          <a:bodyPr/>
+          <a:lstStyle/>
+          <a:p>
+            <a:r>
+              <a:rPr lang="de-DE" dirty="0" err="1"/>
+              <a:t>Adafruit</a:t>
+            </a:r>
+            <a:r>
+              <a:rPr lang="de-DE" dirty="0"/>
+              <a:t> IO - Einstiegshilfen</a:t>
+            </a:r>
+            <a:endParaRPr lang="de-DE" b="0" dirty="0"/>
+          </a:p>
+        </p:txBody>
+      </p:sp>
+      <p:sp>
+        <p:nvSpPr>
+          <p:cNvPr id="5" name="Fußzeilenplatzhalter 4"/>
+          <p:cNvSpPr>
+            <a:spLocks noGrp="1"/>
+          </p:cNvSpPr>
+          <p:nvPr>
+            <p:ph type="ftr" sz="quarter" idx="16"/>
+          </p:nvPr>
+        </p:nvSpPr>
+        <p:spPr/>
+        <p:txBody>
+          <a:bodyPr/>
+          <a:lstStyle/>
+          <a:p>
+            <a:r>
+              <a:rPr lang="en-US" altLang="de-DE"/>
+              <a:t>Hochschule Mannheim | Julia Geigl, Clemens Behr, Kevin Höfle</a:t>
+            </a:r>
+            <a:endParaRPr lang="de-DE" altLang="de-DE" dirty="0"/>
+          </a:p>
+        </p:txBody>
+      </p:sp>
+      <p:pic>
+        <p:nvPicPr>
+          <p:cNvPr id="6" name="Grafik 5"/>
+          <p:cNvPicPr>
+            <a:picLocks noChangeAspect="1"/>
+          </p:cNvPicPr>
+          <p:nvPr/>
+        </p:nvPicPr>
+        <p:blipFill>
+          <a:blip r:embed="rId2"/>
+          <a:stretch>
+            <a:fillRect/>
+          </a:stretch>
+        </p:blipFill>
+        <p:spPr>
+          <a:xfrm>
+            <a:off x="971550" y="5089754"/>
+            <a:ext cx="7296150" cy="1076325"/>
+          </a:xfrm>
+          <a:prstGeom prst="rect">
+            <a:avLst/>
+          </a:prstGeom>
+        </p:spPr>
+      </p:pic>
+    </p:spTree>
+    <p:extLst>
+      <p:ext uri="{BB962C8B-B14F-4D97-AF65-F5344CB8AC3E}">
+        <p14:creationId xmlns:p14="http://schemas.microsoft.com/office/powerpoint/2010/main" val="1420314666"/>
+      </p:ext>
+    </p:extLst>
+  </p:cSld>
+  <p:clrMapOvr>
+    <a:masterClrMapping/>
+  </p:clrMapOvr>
+  <p:transition/>
+</p:sld>
+</file>
+
+<file path=ppt/slides/slide32.xml><?xml version="1.0" encoding="utf-8"?>
+<p:sld xmlns:a="http://schemas.openxmlformats.org/drawingml/2006/main" xmlns:r="http://schemas.openxmlformats.org/officeDocument/2006/relationships" xmlns:p="http://schemas.openxmlformats.org/presentationml/2006/main">
+  <p:cSld>
+    <p:spTree>
+      <p:nvGrpSpPr>
+        <p:cNvPr id="1" name=""/>
+        <p:cNvGrpSpPr/>
+        <p:nvPr/>
+      </p:nvGrpSpPr>
+      <p:grpSpPr>
+        <a:xfrm>
+          <a:off x="0" y="0"/>
+          <a:ext cx="0" cy="0"/>
+          <a:chOff x="0" y="0"/>
+          <a:chExt cx="0" cy="0"/>
+        </a:xfrm>
+      </p:grpSpPr>
+      <p:sp>
+        <p:nvSpPr>
+          <p:cNvPr id="2" name="Foliennummernplatzhalter 1"/>
+          <p:cNvSpPr>
+            <a:spLocks noGrp="1"/>
+          </p:cNvSpPr>
+          <p:nvPr>
+            <p:ph type="sldNum" sz="quarter" idx="11"/>
+          </p:nvPr>
+        </p:nvSpPr>
+        <p:spPr/>
+        <p:txBody>
+          <a:bodyPr/>
+          <a:lstStyle/>
+          <a:p>
+            <a:fld id="{57D12BB6-0ED4-46B6-AB23-7758AD07EFBF}" type="slidenum">
+              <a:rPr lang="de-DE" smtClean="0"/>
+              <a:pPr/>
+              <a:t>32</a:t>
+            </a:fld>
+            <a:endParaRPr lang="de-DE" dirty="0"/>
+          </a:p>
+        </p:txBody>
+      </p:sp>
+      <p:sp>
+        <p:nvSpPr>
+          <p:cNvPr id="3" name="Textplatzhalter 2"/>
+          <p:cNvSpPr>
+            <a:spLocks noGrp="1"/>
+          </p:cNvSpPr>
+          <p:nvPr>
+            <p:ph type="body" sz="quarter" idx="15"/>
+          </p:nvPr>
+        </p:nvSpPr>
+        <p:spPr/>
+        <p:txBody>
+          <a:bodyPr/>
+          <a:lstStyle/>
+          <a:p>
+            <a:pPr marL="285750" indent="-285750">
+              <a:buFont typeface="Courier New" panose="02070309020205020404" pitchFamily="49" charset="0"/>
+              <a:buChar char="o"/>
+            </a:pPr>
+            <a:r>
+              <a:rPr lang="de-DE" dirty="0"/>
+              <a:t>REST API</a:t>
+            </a:r>
+          </a:p>
+          <a:p>
+            <a:pPr marL="0" indent="0">
+              <a:buNone/>
+            </a:pPr>
+            <a:r>
+              <a:rPr lang="de-DE" dirty="0">
+                <a:hlinkClick r:id="rId2"/>
+              </a:rPr>
+              <a:t>https://io.adafruit.com/api/docs/#!/Feeds/all</a:t>
+            </a:r>
+            <a:endParaRPr lang="de-DE" dirty="0"/>
+          </a:p>
+          <a:p>
+            <a:pPr marL="0" indent="0">
+              <a:buNone/>
+            </a:pPr>
+            <a:endParaRPr lang="de-DE" dirty="0"/>
+          </a:p>
+        </p:txBody>
+      </p:sp>
+      <p:sp>
+        <p:nvSpPr>
+          <p:cNvPr id="4" name="Titel 3"/>
+          <p:cNvSpPr>
+            <a:spLocks noGrp="1"/>
+          </p:cNvSpPr>
+          <p:nvPr>
+            <p:ph type="title"/>
+          </p:nvPr>
+        </p:nvSpPr>
+        <p:spPr/>
+        <p:txBody>
+          <a:bodyPr/>
+          <a:lstStyle/>
+          <a:p>
+            <a:r>
+              <a:rPr lang="de-DE" dirty="0" err="1"/>
+              <a:t>Adafruit</a:t>
+            </a:r>
+            <a:r>
+              <a:rPr lang="de-DE" dirty="0"/>
+              <a:t> IO - Einstiegshilfen</a:t>
+            </a:r>
+          </a:p>
+        </p:txBody>
+      </p:sp>
+      <p:sp>
+        <p:nvSpPr>
+          <p:cNvPr id="5" name="Fußzeilenplatzhalter 4"/>
+          <p:cNvSpPr>
+            <a:spLocks noGrp="1"/>
+          </p:cNvSpPr>
+          <p:nvPr>
+            <p:ph type="ftr" sz="quarter" idx="16"/>
+          </p:nvPr>
+        </p:nvSpPr>
+        <p:spPr/>
+        <p:txBody>
+          <a:bodyPr/>
+          <a:lstStyle/>
+          <a:p>
+            <a:r>
+              <a:rPr lang="en-US" altLang="de-DE"/>
+              <a:t>Hochschule Mannheim | Julia Geigl, Clemens Behr, Kevin Höfle</a:t>
+            </a:r>
+            <a:endParaRPr lang="de-DE" altLang="de-DE" dirty="0"/>
+          </a:p>
+        </p:txBody>
+      </p:sp>
+      <p:pic>
+        <p:nvPicPr>
+          <p:cNvPr id="6" name="Grafik 5"/>
+          <p:cNvPicPr>
+            <a:picLocks noChangeAspect="1"/>
+          </p:cNvPicPr>
+          <p:nvPr/>
+        </p:nvPicPr>
+        <p:blipFill>
+          <a:blip r:embed="rId3"/>
+          <a:stretch>
+            <a:fillRect/>
+          </a:stretch>
+        </p:blipFill>
+        <p:spPr>
+          <a:xfrm>
+            <a:off x="966774" y="2996953"/>
+            <a:ext cx="5297414" cy="3292838"/>
+          </a:xfrm>
+          <a:prstGeom prst="rect">
+            <a:avLst/>
+          </a:prstGeom>
+        </p:spPr>
+      </p:pic>
+    </p:spTree>
+    <p:extLst>
+      <p:ext uri="{BB962C8B-B14F-4D97-AF65-F5344CB8AC3E}">
+        <p14:creationId xmlns:p14="http://schemas.microsoft.com/office/powerpoint/2010/main" val="3584832991"/>
+      </p:ext>
+    </p:extLst>
+  </p:cSld>
+  <p:clrMapOvr>
+    <a:masterClrMapping/>
+  </p:clrMapOvr>
+  <p:transition/>
+</p:sld>
+</file>
+
+<file path=ppt/slides/slide33.xml><?xml version="1.0" encoding="utf-8"?>
+<p:sld xmlns:a="http://schemas.openxmlformats.org/drawingml/2006/main" xmlns:r="http://schemas.openxmlformats.org/officeDocument/2006/relationships" xmlns:p="http://schemas.openxmlformats.org/presentationml/2006/main">
+  <p:cSld>
+    <p:spTree>
+      <p:nvGrpSpPr>
+        <p:cNvPr id="1" name=""/>
+        <p:cNvGrpSpPr/>
+        <p:nvPr/>
+      </p:nvGrpSpPr>
+      <p:grpSpPr>
+        <a:xfrm>
+          <a:off x="0" y="0"/>
+          <a:ext cx="0" cy="0"/>
+          <a:chOff x="0" y="0"/>
+          <a:chExt cx="0" cy="0"/>
+        </a:xfrm>
+      </p:grpSpPr>
+      <p:sp>
+        <p:nvSpPr>
+          <p:cNvPr id="2" name="Foliennummernplatzhalter 1"/>
+          <p:cNvSpPr>
+            <a:spLocks noGrp="1"/>
+          </p:cNvSpPr>
+          <p:nvPr>
+            <p:ph type="sldNum" sz="quarter" idx="11"/>
+          </p:nvPr>
+        </p:nvSpPr>
+        <p:spPr/>
+        <p:txBody>
+          <a:bodyPr/>
+          <a:lstStyle/>
+          <a:p>
+            <a:fld id="{57D12BB6-0ED4-46B6-AB23-7758AD07EFBF}" type="slidenum">
+              <a:rPr lang="de-DE" smtClean="0"/>
+              <a:pPr/>
+              <a:t>33</a:t>
+            </a:fld>
+            <a:endParaRPr lang="de-DE" dirty="0"/>
+          </a:p>
+        </p:txBody>
+      </p:sp>
+      <p:sp>
+        <p:nvSpPr>
+          <p:cNvPr id="3" name="Textplatzhalter 2"/>
+          <p:cNvSpPr>
+            <a:spLocks noGrp="1"/>
+          </p:cNvSpPr>
+          <p:nvPr>
+            <p:ph type="body" sz="quarter" idx="15"/>
+          </p:nvPr>
+        </p:nvSpPr>
+        <p:spPr/>
+        <p:txBody>
+          <a:bodyPr/>
+          <a:lstStyle/>
+          <a:p>
+            <a:pPr marL="0" indent="0">
+              <a:buNone/>
+            </a:pPr>
+            <a:r>
+              <a:rPr lang="de-DE" sz="2000" dirty="0"/>
+              <a:t>Host:	io.adafruit.com</a:t>
+            </a:r>
+          </a:p>
+          <a:p>
+            <a:pPr marL="0" indent="0">
+              <a:buNone/>
+            </a:pPr>
+            <a:endParaRPr lang="de-DE" dirty="0"/>
+          </a:p>
+          <a:p>
+            <a:pPr marL="285750" indent="-285750">
+              <a:buFont typeface="Courier New" panose="02070309020205020404" pitchFamily="49" charset="0"/>
+              <a:buChar char="o"/>
+            </a:pPr>
+            <a:r>
+              <a:rPr lang="de-DE" dirty="0"/>
+              <a:t>HTTP		=&gt; 	Port 80</a:t>
+            </a:r>
+          </a:p>
+          <a:p>
+            <a:pPr marL="285750" indent="-285750">
+              <a:buFont typeface="Courier New" panose="02070309020205020404" pitchFamily="49" charset="0"/>
+              <a:buChar char="o"/>
+            </a:pPr>
+            <a:r>
+              <a:rPr lang="de-DE" dirty="0"/>
+              <a:t>HTTPS	=&gt;	Port 443</a:t>
+            </a:r>
+          </a:p>
+          <a:p>
+            <a:pPr marL="285750" indent="-285750">
+              <a:buFont typeface="Courier New" panose="02070309020205020404" pitchFamily="49" charset="0"/>
+              <a:buChar char="o"/>
+            </a:pPr>
+            <a:r>
+              <a:rPr lang="de-DE" dirty="0"/>
+              <a:t>MQTT	=&gt;	Port 1883</a:t>
+            </a:r>
+          </a:p>
+          <a:p>
+            <a:pPr marL="285750" indent="-285750">
+              <a:buFont typeface="Courier New" panose="02070309020205020404" pitchFamily="49" charset="0"/>
+              <a:buChar char="o"/>
+            </a:pPr>
+            <a:r>
+              <a:rPr lang="de-DE" dirty="0"/>
+              <a:t>MQTT + SSL	=&gt;	Port 8883</a:t>
+            </a:r>
+          </a:p>
+          <a:p>
+            <a:pPr marL="0" indent="0">
+              <a:buNone/>
+            </a:pPr>
+            <a:r>
+              <a:rPr lang="de-DE" sz="1200" dirty="0"/>
+              <a:t>[15]</a:t>
+            </a:r>
+            <a:endParaRPr lang="de-DE" dirty="0"/>
+          </a:p>
+        </p:txBody>
+      </p:sp>
+      <p:sp>
+        <p:nvSpPr>
+          <p:cNvPr id="4" name="Titel 3"/>
+          <p:cNvSpPr>
+            <a:spLocks noGrp="1"/>
+          </p:cNvSpPr>
+          <p:nvPr>
+            <p:ph type="title"/>
+          </p:nvPr>
+        </p:nvSpPr>
+        <p:spPr/>
+        <p:txBody>
+          <a:bodyPr/>
+          <a:lstStyle/>
+          <a:p>
+            <a:r>
+              <a:rPr lang="de-DE" dirty="0" err="1"/>
+              <a:t>Adafruit</a:t>
+            </a:r>
+            <a:r>
+              <a:rPr lang="de-DE" dirty="0"/>
+              <a:t> IO - Verbindung</a:t>
+            </a:r>
+          </a:p>
+        </p:txBody>
+      </p:sp>
+      <p:sp>
+        <p:nvSpPr>
+          <p:cNvPr id="5" name="Fußzeilenplatzhalter 4"/>
+          <p:cNvSpPr>
+            <a:spLocks noGrp="1"/>
+          </p:cNvSpPr>
+          <p:nvPr>
+            <p:ph type="ftr" sz="quarter" idx="16"/>
+          </p:nvPr>
+        </p:nvSpPr>
+        <p:spPr/>
+        <p:txBody>
+          <a:bodyPr/>
+          <a:lstStyle/>
+          <a:p>
+            <a:r>
+              <a:rPr lang="en-US" altLang="de-DE"/>
+              <a:t>Hochschule Mannheim | Julia Geigl, Clemens Behr, Kevin Höfle</a:t>
+            </a:r>
+            <a:endParaRPr lang="de-DE" altLang="de-DE" dirty="0"/>
+          </a:p>
+        </p:txBody>
+      </p:sp>
+    </p:spTree>
+    <p:extLst>
+      <p:ext uri="{BB962C8B-B14F-4D97-AF65-F5344CB8AC3E}">
+        <p14:creationId xmlns:p14="http://schemas.microsoft.com/office/powerpoint/2010/main" val="1689601534"/>
+      </p:ext>
+    </p:extLst>
+  </p:cSld>
+  <p:clrMapOvr>
+    <a:masterClrMapping/>
+  </p:clrMapOvr>
+  <p:transition/>
+</p:sld>
+</file>
+
+<file path=ppt/slides/slide34.xml><?xml version="1.0" encoding="utf-8"?>
+<p:sld xmlns:a="http://schemas.openxmlformats.org/drawingml/2006/main" xmlns:r="http://schemas.openxmlformats.org/officeDocument/2006/relationships" xmlns:p="http://schemas.openxmlformats.org/presentationml/2006/main">
+  <p:cSld>
+    <p:spTree>
+      <p:nvGrpSpPr>
+        <p:cNvPr id="1" name=""/>
+        <p:cNvGrpSpPr/>
+        <p:nvPr/>
+      </p:nvGrpSpPr>
+      <p:grpSpPr>
+        <a:xfrm>
+          <a:off x="0" y="0"/>
+          <a:ext cx="0" cy="0"/>
+          <a:chOff x="0" y="0"/>
+          <a:chExt cx="0" cy="0"/>
+        </a:xfrm>
+      </p:grpSpPr>
+      <p:sp>
+        <p:nvSpPr>
+          <p:cNvPr id="2" name="Foliennummernplatzhalter 1"/>
+          <p:cNvSpPr>
+            <a:spLocks noGrp="1"/>
+          </p:cNvSpPr>
+          <p:nvPr>
+            <p:ph type="sldNum" sz="quarter" idx="11"/>
+          </p:nvPr>
+        </p:nvSpPr>
+        <p:spPr/>
+        <p:txBody>
+          <a:bodyPr/>
+          <a:lstStyle/>
+          <a:p>
+            <a:fld id="{57D12BB6-0ED4-46B6-AB23-7758AD07EFBF}" type="slidenum">
+              <a:rPr lang="de-DE" smtClean="0"/>
+              <a:pPr/>
+              <a:t>34</a:t>
+            </a:fld>
+            <a:endParaRPr lang="de-DE" dirty="0"/>
+          </a:p>
+        </p:txBody>
+      </p:sp>
+      <p:sp>
+        <p:nvSpPr>
+          <p:cNvPr id="4" name="Titel 3"/>
+          <p:cNvSpPr>
+            <a:spLocks noGrp="1"/>
+          </p:cNvSpPr>
+          <p:nvPr>
+            <p:ph type="title"/>
+          </p:nvPr>
+        </p:nvSpPr>
+        <p:spPr/>
+        <p:txBody>
+          <a:bodyPr/>
+          <a:lstStyle/>
+          <a:p>
+            <a:r>
+              <a:rPr lang="de-DE" dirty="0" err="1"/>
+              <a:t>Adafruit</a:t>
+            </a:r>
+            <a:r>
+              <a:rPr lang="de-DE" dirty="0"/>
+              <a:t> IO – Feeds</a:t>
+            </a:r>
+          </a:p>
+        </p:txBody>
+      </p:sp>
+      <p:sp>
+        <p:nvSpPr>
+          <p:cNvPr id="5" name="Fußzeilenplatzhalter 4"/>
+          <p:cNvSpPr>
+            <a:spLocks noGrp="1"/>
+          </p:cNvSpPr>
+          <p:nvPr>
+            <p:ph type="ftr" sz="quarter" idx="16"/>
+          </p:nvPr>
+        </p:nvSpPr>
+        <p:spPr/>
+        <p:txBody>
+          <a:bodyPr/>
+          <a:lstStyle/>
+          <a:p>
+            <a:r>
+              <a:rPr lang="en-US" altLang="de-DE"/>
+              <a:t>Hochschule Mannheim | Julia Geigl, Clemens Behr, Kevin Höfle</a:t>
+            </a:r>
+            <a:endParaRPr lang="de-DE" altLang="de-DE" dirty="0"/>
+          </a:p>
+        </p:txBody>
+      </p:sp>
+      <p:pic>
+        <p:nvPicPr>
+          <p:cNvPr id="3" name="Grafik 2"/>
+          <p:cNvPicPr>
+            <a:picLocks noChangeAspect="1"/>
+          </p:cNvPicPr>
+          <p:nvPr/>
+        </p:nvPicPr>
+        <p:blipFill>
+          <a:blip r:embed="rId2"/>
+          <a:stretch>
+            <a:fillRect/>
+          </a:stretch>
+        </p:blipFill>
+        <p:spPr>
+          <a:xfrm>
+            <a:off x="503548" y="2996952"/>
+            <a:ext cx="8218276" cy="2972568"/>
+          </a:xfrm>
+          <a:prstGeom prst="rect">
+            <a:avLst/>
+          </a:prstGeom>
+        </p:spPr>
+      </p:pic>
+      <p:sp>
+        <p:nvSpPr>
+          <p:cNvPr id="8" name="Textfeld 7"/>
+          <p:cNvSpPr txBox="1"/>
+          <p:nvPr/>
+        </p:nvSpPr>
+        <p:spPr>
+          <a:xfrm>
+            <a:off x="719572" y="2291366"/>
+            <a:ext cx="7884876" cy="400110"/>
+          </a:xfrm>
+          <a:prstGeom prst="rect">
+            <a:avLst/>
+          </a:prstGeom>
+          <a:noFill/>
+        </p:spPr>
+        <p:txBody>
+          <a:bodyPr wrap="square" rtlCol="0">
+            <a:spAutoFit/>
+          </a:bodyPr>
+          <a:lstStyle/>
+          <a:p>
+            <a:pPr marL="285750" indent="-285750" algn="l">
+              <a:buFont typeface="Courier New" panose="02070309020205020404" pitchFamily="49" charset="0"/>
+              <a:buChar char="o"/>
+            </a:pPr>
+            <a:r>
+              <a:rPr lang="de-DE" sz="2000" dirty="0"/>
+              <a:t>Feed enthält die Daten =&gt; Folge von Daten</a:t>
+            </a:r>
+          </a:p>
+        </p:txBody>
+      </p:sp>
+    </p:spTree>
+    <p:extLst>
+      <p:ext uri="{BB962C8B-B14F-4D97-AF65-F5344CB8AC3E}">
+        <p14:creationId xmlns:p14="http://schemas.microsoft.com/office/powerpoint/2010/main" val="2769674007"/>
+      </p:ext>
+    </p:extLst>
+  </p:cSld>
+  <p:clrMapOvr>
+    <a:masterClrMapping/>
+  </p:clrMapOvr>
+  <p:transition/>
+</p:sld>
+</file>
+
+<file path=ppt/slides/slide35.xml><?xml version="1.0" encoding="utf-8"?>
+<p:sld xmlns:a="http://schemas.openxmlformats.org/drawingml/2006/main" xmlns:r="http://schemas.openxmlformats.org/officeDocument/2006/relationships" xmlns:p="http://schemas.openxmlformats.org/presentationml/2006/main">
+  <p:cSld>
+    <p:spTree>
+      <p:nvGrpSpPr>
+        <p:cNvPr id="1" name=""/>
+        <p:cNvGrpSpPr/>
+        <p:nvPr/>
+      </p:nvGrpSpPr>
+      <p:grpSpPr>
+        <a:xfrm>
+          <a:off x="0" y="0"/>
+          <a:ext cx="0" cy="0"/>
+          <a:chOff x="0" y="0"/>
+          <a:chExt cx="0" cy="0"/>
+        </a:xfrm>
+      </p:grpSpPr>
+      <p:sp>
+        <p:nvSpPr>
+          <p:cNvPr id="2" name="Foliennummernplatzhalter 1"/>
+          <p:cNvSpPr>
+            <a:spLocks noGrp="1"/>
+          </p:cNvSpPr>
+          <p:nvPr>
+            <p:ph type="sldNum" sz="quarter" idx="11"/>
+          </p:nvPr>
+        </p:nvSpPr>
+        <p:spPr/>
+        <p:txBody>
+          <a:bodyPr/>
+          <a:lstStyle/>
+          <a:p>
+            <a:fld id="{57D12BB6-0ED4-46B6-AB23-7758AD07EFBF}" type="slidenum">
+              <a:rPr lang="de-DE" smtClean="0"/>
+              <a:pPr/>
+              <a:t>35</a:t>
+            </a:fld>
+            <a:endParaRPr lang="de-DE" dirty="0"/>
+          </a:p>
+        </p:txBody>
+      </p:sp>
+      <p:sp>
+        <p:nvSpPr>
+          <p:cNvPr id="4" name="Titel 3"/>
+          <p:cNvSpPr>
+            <a:spLocks noGrp="1"/>
+          </p:cNvSpPr>
+          <p:nvPr>
+            <p:ph type="title"/>
+          </p:nvPr>
+        </p:nvSpPr>
+        <p:spPr/>
+        <p:txBody>
+          <a:bodyPr/>
+          <a:lstStyle/>
+          <a:p>
+            <a:r>
+              <a:rPr lang="de-DE" dirty="0" err="1"/>
+              <a:t>Adafruit</a:t>
+            </a:r>
+            <a:r>
+              <a:rPr lang="de-DE" dirty="0"/>
+              <a:t> IO – Create Feed</a:t>
+            </a:r>
+          </a:p>
+        </p:txBody>
+      </p:sp>
+      <p:sp>
+        <p:nvSpPr>
+          <p:cNvPr id="5" name="Fußzeilenplatzhalter 4"/>
+          <p:cNvSpPr>
+            <a:spLocks noGrp="1"/>
+          </p:cNvSpPr>
+          <p:nvPr>
+            <p:ph type="ftr" sz="quarter" idx="16"/>
+          </p:nvPr>
+        </p:nvSpPr>
+        <p:spPr/>
+        <p:txBody>
+          <a:bodyPr/>
+          <a:lstStyle/>
+          <a:p>
+            <a:r>
+              <a:rPr lang="en-US" altLang="de-DE"/>
+              <a:t>Hochschule Mannheim | Julia Geigl, Clemens Behr, Kevin Höfle</a:t>
+            </a:r>
+            <a:endParaRPr lang="de-DE" altLang="de-DE" dirty="0"/>
+          </a:p>
+        </p:txBody>
+      </p:sp>
+      <p:pic>
+        <p:nvPicPr>
+          <p:cNvPr id="6" name="Inhaltsplatzhalter 3"/>
+          <p:cNvPicPr>
+            <a:picLocks noChangeAspect="1"/>
+          </p:cNvPicPr>
+          <p:nvPr/>
+        </p:nvPicPr>
+        <p:blipFill>
+          <a:blip r:embed="rId2"/>
+          <a:stretch>
+            <a:fillRect/>
+          </a:stretch>
+        </p:blipFill>
+        <p:spPr>
+          <a:xfrm>
+            <a:off x="107504" y="2420888"/>
+            <a:ext cx="5070023" cy="1219256"/>
+          </a:xfrm>
+          <a:prstGeom prst="rect">
+            <a:avLst/>
+          </a:prstGeom>
+        </p:spPr>
+      </p:pic>
+      <p:sp>
+        <p:nvSpPr>
+          <p:cNvPr id="7" name="Pfeil nach rechts 4"/>
+          <p:cNvSpPr/>
+          <p:nvPr/>
+        </p:nvSpPr>
+        <p:spPr>
+          <a:xfrm rot="10800000">
+            <a:off x="5088506" y="2444746"/>
+            <a:ext cx="780863" cy="454937"/>
+          </a:xfrm>
+          <a:prstGeom prst="rightArrow">
+            <a:avLst/>
+          </a:prstGeom>
+          <a:solidFill>
+            <a:srgbClr val="FF0000"/>
+          </a:solidFill>
+        </p:spPr>
+        <p:style>
+          <a:lnRef idx="2">
+            <a:schemeClr val="accent1">
+              <a:shade val="50000"/>
+            </a:schemeClr>
+          </a:lnRef>
+          <a:fillRef idx="1">
+            <a:schemeClr val="accent1"/>
+          </a:fillRef>
+          <a:effectRef idx="0">
+            <a:schemeClr val="accent1"/>
+          </a:effectRef>
+          <a:fontRef idx="minor">
+            <a:schemeClr val="lt1"/>
+          </a:fontRef>
+        </p:style>
+        <p:txBody>
+          <a:bodyPr rtlCol="0" anchor="ctr"/>
+          <a:lstStyle/>
+          <a:p>
+            <a:pPr algn="ctr"/>
+            <a:endParaRPr lang="de-DE" sz="1351">
+              <a:solidFill>
+                <a:srgbClr val="FF0000"/>
+              </a:solidFill>
+            </a:endParaRPr>
+          </a:p>
+        </p:txBody>
+      </p:sp>
+      <p:pic>
+        <p:nvPicPr>
+          <p:cNvPr id="8" name="Grafik 7"/>
+          <p:cNvPicPr>
+            <a:picLocks noChangeAspect="1"/>
+          </p:cNvPicPr>
+          <p:nvPr/>
+        </p:nvPicPr>
+        <p:blipFill>
+          <a:blip r:embed="rId3"/>
+          <a:stretch>
+            <a:fillRect/>
+          </a:stretch>
+        </p:blipFill>
+        <p:spPr>
+          <a:xfrm>
+            <a:off x="4640651" y="3720402"/>
+            <a:ext cx="4237775" cy="1614203"/>
+          </a:xfrm>
+          <a:prstGeom prst="rect">
+            <a:avLst/>
+          </a:prstGeom>
+        </p:spPr>
+      </p:pic>
+    </p:spTree>
+    <p:extLst>
+      <p:ext uri="{BB962C8B-B14F-4D97-AF65-F5344CB8AC3E}">
+        <p14:creationId xmlns:p14="http://schemas.microsoft.com/office/powerpoint/2010/main" val="3321184630"/>
+      </p:ext>
+    </p:extLst>
+  </p:cSld>
+  <p:clrMapOvr>
+    <a:masterClrMapping/>
+  </p:clrMapOvr>
+  <p:transition/>
+</p:sld>
+</file>
+
+<file path=ppt/slides/slide36.xml><?xml version="1.0" encoding="utf-8"?>
+<p:sld xmlns:a="http://schemas.openxmlformats.org/drawingml/2006/main" xmlns:r="http://schemas.openxmlformats.org/officeDocument/2006/relationships" xmlns:p="http://schemas.openxmlformats.org/presentationml/2006/main">
+  <p:cSld>
+    <p:spTree>
+      <p:nvGrpSpPr>
+        <p:cNvPr id="1" name=""/>
+        <p:cNvGrpSpPr/>
+        <p:nvPr/>
+      </p:nvGrpSpPr>
+      <p:grpSpPr>
+        <a:xfrm>
+          <a:off x="0" y="0"/>
+          <a:ext cx="0" cy="0"/>
+          <a:chOff x="0" y="0"/>
+          <a:chExt cx="0" cy="0"/>
+        </a:xfrm>
+      </p:grpSpPr>
+      <p:sp>
+        <p:nvSpPr>
+          <p:cNvPr id="2" name="Foliennummernplatzhalter 1"/>
+          <p:cNvSpPr>
+            <a:spLocks noGrp="1"/>
+          </p:cNvSpPr>
+          <p:nvPr>
+            <p:ph type="sldNum" sz="quarter" idx="11"/>
+          </p:nvPr>
+        </p:nvSpPr>
+        <p:spPr/>
+        <p:txBody>
+          <a:bodyPr/>
+          <a:lstStyle/>
+          <a:p>
+            <a:fld id="{57D12BB6-0ED4-46B6-AB23-7758AD07EFBF}" type="slidenum">
+              <a:rPr lang="de-DE" smtClean="0"/>
+              <a:pPr/>
+              <a:t>36</a:t>
+            </a:fld>
+            <a:endParaRPr lang="de-DE" dirty="0"/>
+          </a:p>
+        </p:txBody>
+      </p:sp>
+      <p:sp>
+        <p:nvSpPr>
+          <p:cNvPr id="4" name="Titel 3"/>
+          <p:cNvSpPr>
+            <a:spLocks noGrp="1"/>
+          </p:cNvSpPr>
+          <p:nvPr>
+            <p:ph type="title"/>
+          </p:nvPr>
+        </p:nvSpPr>
+        <p:spPr/>
+        <p:txBody>
+          <a:bodyPr/>
+          <a:lstStyle/>
+          <a:p>
+            <a:r>
+              <a:rPr lang="de-DE" dirty="0" err="1"/>
+              <a:t>Adafruit</a:t>
+            </a:r>
+            <a:r>
+              <a:rPr lang="de-DE" dirty="0"/>
+              <a:t> IO – Groups</a:t>
+            </a:r>
+          </a:p>
+        </p:txBody>
+      </p:sp>
+      <p:sp>
+        <p:nvSpPr>
+          <p:cNvPr id="5" name="Fußzeilenplatzhalter 4"/>
+          <p:cNvSpPr>
+            <a:spLocks noGrp="1"/>
+          </p:cNvSpPr>
+          <p:nvPr>
+            <p:ph type="ftr" sz="quarter" idx="16"/>
+          </p:nvPr>
+        </p:nvSpPr>
+        <p:spPr/>
+        <p:txBody>
+          <a:bodyPr/>
+          <a:lstStyle/>
+          <a:p>
+            <a:r>
+              <a:rPr lang="en-US" altLang="de-DE"/>
+              <a:t>Hochschule Mannheim | Julia Geigl, Clemens Behr, Kevin Höfle</a:t>
+            </a:r>
+            <a:endParaRPr lang="de-DE" altLang="de-DE" dirty="0"/>
+          </a:p>
+        </p:txBody>
+      </p:sp>
+      <p:pic>
+        <p:nvPicPr>
+          <p:cNvPr id="3" name="Grafik 2"/>
+          <p:cNvPicPr>
+            <a:picLocks noChangeAspect="1"/>
+          </p:cNvPicPr>
+          <p:nvPr/>
+        </p:nvPicPr>
+        <p:blipFill>
+          <a:blip r:embed="rId2"/>
+          <a:stretch>
+            <a:fillRect/>
+          </a:stretch>
+        </p:blipFill>
+        <p:spPr>
+          <a:xfrm>
+            <a:off x="539750" y="3119455"/>
+            <a:ext cx="8172450" cy="2195830"/>
+          </a:xfrm>
+          <a:prstGeom prst="rect">
+            <a:avLst/>
+          </a:prstGeom>
+        </p:spPr>
+      </p:pic>
+      <p:sp>
+        <p:nvSpPr>
+          <p:cNvPr id="7" name="Textfeld 6"/>
+          <p:cNvSpPr txBox="1"/>
+          <p:nvPr/>
+        </p:nvSpPr>
+        <p:spPr>
+          <a:xfrm>
+            <a:off x="719572" y="2291366"/>
+            <a:ext cx="8002252" cy="400110"/>
+          </a:xfrm>
+          <a:prstGeom prst="rect">
+            <a:avLst/>
+          </a:prstGeom>
+          <a:noFill/>
+        </p:spPr>
+        <p:txBody>
+          <a:bodyPr wrap="square" rtlCol="0">
+            <a:spAutoFit/>
+          </a:bodyPr>
+          <a:lstStyle/>
+          <a:p>
+            <a:pPr marL="285750" indent="-285750" algn="l">
+              <a:buFont typeface="Courier New" panose="02070309020205020404" pitchFamily="49" charset="0"/>
+              <a:buChar char="o"/>
+            </a:pPr>
+            <a:r>
+              <a:rPr lang="de-DE" sz="2000" dirty="0"/>
+              <a:t>Feeds können in Gruppen eingeteilt werden</a:t>
+            </a:r>
+          </a:p>
+        </p:txBody>
+      </p:sp>
+    </p:spTree>
+    <p:extLst>
+      <p:ext uri="{BB962C8B-B14F-4D97-AF65-F5344CB8AC3E}">
+        <p14:creationId xmlns:p14="http://schemas.microsoft.com/office/powerpoint/2010/main" val="2151750626"/>
+      </p:ext>
+    </p:extLst>
+  </p:cSld>
+  <p:clrMapOvr>
+    <a:masterClrMapping/>
+  </p:clrMapOvr>
+  <p:transition/>
+</p:sld>
+</file>
+
+<file path=ppt/slides/slide37.xml><?xml version="1.0" encoding="utf-8"?>
+<p:sld xmlns:a="http://schemas.openxmlformats.org/drawingml/2006/main" xmlns:r="http://schemas.openxmlformats.org/officeDocument/2006/relationships" xmlns:p="http://schemas.openxmlformats.org/presentationml/2006/main">
+  <p:cSld>
+    <p:spTree>
+      <p:nvGrpSpPr>
+        <p:cNvPr id="1" name=""/>
+        <p:cNvGrpSpPr/>
+        <p:nvPr/>
+      </p:nvGrpSpPr>
+      <p:grpSpPr>
+        <a:xfrm>
+          <a:off x="0" y="0"/>
+          <a:ext cx="0" cy="0"/>
+          <a:chOff x="0" y="0"/>
+          <a:chExt cx="0" cy="0"/>
+        </a:xfrm>
+      </p:grpSpPr>
+      <p:sp>
+        <p:nvSpPr>
+          <p:cNvPr id="2" name="Foliennummernplatzhalter 1"/>
+          <p:cNvSpPr>
+            <a:spLocks noGrp="1"/>
+          </p:cNvSpPr>
+          <p:nvPr>
+            <p:ph type="sldNum" sz="quarter" idx="11"/>
+          </p:nvPr>
+        </p:nvSpPr>
+        <p:spPr/>
+        <p:txBody>
+          <a:bodyPr/>
+          <a:lstStyle/>
+          <a:p>
+            <a:fld id="{57D12BB6-0ED4-46B6-AB23-7758AD07EFBF}" type="slidenum">
+              <a:rPr lang="de-DE" smtClean="0"/>
+              <a:pPr/>
+              <a:t>37</a:t>
+            </a:fld>
+            <a:endParaRPr lang="de-DE" dirty="0"/>
+          </a:p>
+        </p:txBody>
+      </p:sp>
+      <p:sp>
+        <p:nvSpPr>
+          <p:cNvPr id="4" name="Titel 3"/>
+          <p:cNvSpPr>
+            <a:spLocks noGrp="1"/>
+          </p:cNvSpPr>
+          <p:nvPr>
+            <p:ph type="title"/>
+          </p:nvPr>
+        </p:nvSpPr>
+        <p:spPr/>
+        <p:txBody>
+          <a:bodyPr/>
+          <a:lstStyle/>
+          <a:p>
+            <a:r>
+              <a:rPr lang="de-DE" dirty="0" err="1"/>
+              <a:t>Adafruit</a:t>
+            </a:r>
+            <a:r>
+              <a:rPr lang="de-DE" dirty="0"/>
+              <a:t> IO - Dashboard</a:t>
+            </a:r>
+          </a:p>
+        </p:txBody>
+      </p:sp>
+      <p:sp>
+        <p:nvSpPr>
+          <p:cNvPr id="5" name="Fußzeilenplatzhalter 4"/>
+          <p:cNvSpPr>
+            <a:spLocks noGrp="1"/>
+          </p:cNvSpPr>
+          <p:nvPr>
+            <p:ph type="ftr" sz="quarter" idx="16"/>
+          </p:nvPr>
+        </p:nvSpPr>
+        <p:spPr/>
+        <p:txBody>
+          <a:bodyPr/>
+          <a:lstStyle/>
+          <a:p>
+            <a:r>
+              <a:rPr lang="en-US" altLang="de-DE"/>
+              <a:t>Hochschule Mannheim | Julia Geigl, Clemens Behr, Kevin Höfle</a:t>
+            </a:r>
+            <a:endParaRPr lang="de-DE" altLang="de-DE" dirty="0"/>
+          </a:p>
+        </p:txBody>
+      </p:sp>
+      <p:pic>
+        <p:nvPicPr>
+          <p:cNvPr id="3" name="Grafik 2"/>
+          <p:cNvPicPr>
+            <a:picLocks noChangeAspect="1"/>
+          </p:cNvPicPr>
+          <p:nvPr/>
+        </p:nvPicPr>
+        <p:blipFill>
+          <a:blip r:embed="rId2"/>
+          <a:stretch>
+            <a:fillRect/>
+          </a:stretch>
+        </p:blipFill>
+        <p:spPr>
+          <a:xfrm>
+            <a:off x="1493478" y="2491188"/>
+            <a:ext cx="6696794" cy="3878229"/>
+          </a:xfrm>
+          <a:prstGeom prst="rect">
+            <a:avLst/>
+          </a:prstGeom>
+        </p:spPr>
+      </p:pic>
+    </p:spTree>
+    <p:extLst>
+      <p:ext uri="{BB962C8B-B14F-4D97-AF65-F5344CB8AC3E}">
+        <p14:creationId xmlns:p14="http://schemas.microsoft.com/office/powerpoint/2010/main" val="1435382107"/>
+      </p:ext>
+    </p:extLst>
+  </p:cSld>
+  <p:clrMapOvr>
+    <a:masterClrMapping/>
+  </p:clrMapOvr>
+  <p:transition/>
+</p:sld>
+</file>
+
+<file path=ppt/slides/slide38.xml><?xml version="1.0" encoding="utf-8"?>
+<p:sld xmlns:a="http://schemas.openxmlformats.org/drawingml/2006/main" xmlns:r="http://schemas.openxmlformats.org/officeDocument/2006/relationships" xmlns:p="http://schemas.openxmlformats.org/presentationml/2006/main">
+  <p:cSld>
+    <p:spTree>
+      <p:nvGrpSpPr>
+        <p:cNvPr id="1" name=""/>
+        <p:cNvGrpSpPr/>
+        <p:nvPr/>
+      </p:nvGrpSpPr>
+      <p:grpSpPr>
+        <a:xfrm>
+          <a:off x="0" y="0"/>
+          <a:ext cx="0" cy="0"/>
+          <a:chOff x="0" y="0"/>
+          <a:chExt cx="0" cy="0"/>
+        </a:xfrm>
+      </p:grpSpPr>
+      <p:sp>
+        <p:nvSpPr>
+          <p:cNvPr id="2" name="Foliennummernplatzhalter 1"/>
+          <p:cNvSpPr>
+            <a:spLocks noGrp="1"/>
+          </p:cNvSpPr>
+          <p:nvPr>
+            <p:ph type="sldNum" sz="quarter" idx="11"/>
+          </p:nvPr>
+        </p:nvSpPr>
+        <p:spPr/>
+        <p:txBody>
+          <a:bodyPr/>
+          <a:lstStyle/>
+          <a:p>
+            <a:fld id="{57D12BB6-0ED4-46B6-AB23-7758AD07EFBF}" type="slidenum">
+              <a:rPr lang="de-DE" smtClean="0"/>
+              <a:pPr/>
+              <a:t>38</a:t>
+            </a:fld>
+            <a:endParaRPr lang="de-DE" dirty="0"/>
+          </a:p>
+        </p:txBody>
+      </p:sp>
+      <p:sp>
+        <p:nvSpPr>
+          <p:cNvPr id="4" name="Titel 3"/>
+          <p:cNvSpPr>
+            <a:spLocks noGrp="1"/>
+          </p:cNvSpPr>
+          <p:nvPr>
+            <p:ph type="title"/>
+          </p:nvPr>
+        </p:nvSpPr>
+        <p:spPr/>
+        <p:txBody>
+          <a:bodyPr/>
+          <a:lstStyle/>
+          <a:p>
+            <a:r>
+              <a:rPr lang="de-DE" dirty="0" err="1"/>
+              <a:t>Adafruit</a:t>
+            </a:r>
+            <a:r>
+              <a:rPr lang="de-DE" dirty="0"/>
+              <a:t> IO Feed - Key</a:t>
+            </a:r>
+          </a:p>
+        </p:txBody>
+      </p:sp>
+      <p:sp>
+        <p:nvSpPr>
+          <p:cNvPr id="5" name="Fußzeilenplatzhalter 4"/>
+          <p:cNvSpPr>
+            <a:spLocks noGrp="1"/>
+          </p:cNvSpPr>
+          <p:nvPr>
+            <p:ph type="ftr" sz="quarter" idx="16"/>
+          </p:nvPr>
+        </p:nvSpPr>
+        <p:spPr/>
+        <p:txBody>
+          <a:bodyPr/>
+          <a:lstStyle/>
+          <a:p>
+            <a:r>
+              <a:rPr lang="en-US" altLang="de-DE"/>
+              <a:t>Hochschule Mannheim | Julia Geigl, Clemens Behr, Kevin Höfle</a:t>
+            </a:r>
+            <a:endParaRPr lang="de-DE" altLang="de-DE" dirty="0"/>
+          </a:p>
+        </p:txBody>
+      </p:sp>
+      <p:pic>
+        <p:nvPicPr>
+          <p:cNvPr id="9" name="Grafik 8"/>
+          <p:cNvPicPr>
+            <a:picLocks noChangeAspect="1"/>
+          </p:cNvPicPr>
+          <p:nvPr/>
+        </p:nvPicPr>
+        <p:blipFill>
+          <a:blip r:embed="rId2"/>
+          <a:stretch>
+            <a:fillRect/>
+          </a:stretch>
+        </p:blipFill>
+        <p:spPr>
+          <a:xfrm>
+            <a:off x="1528766" y="2852936"/>
+            <a:ext cx="6115050" cy="2266950"/>
+          </a:xfrm>
+          <a:prstGeom prst="rect">
+            <a:avLst/>
+          </a:prstGeom>
+        </p:spPr>
+      </p:pic>
+      <p:sp>
+        <p:nvSpPr>
+          <p:cNvPr id="10" name="Textfeld 9"/>
+          <p:cNvSpPr txBox="1"/>
+          <p:nvPr/>
+        </p:nvSpPr>
+        <p:spPr>
+          <a:xfrm>
+            <a:off x="955101" y="2291366"/>
+            <a:ext cx="4428492" cy="369332"/>
+          </a:xfrm>
+          <a:prstGeom prst="rect">
+            <a:avLst/>
+          </a:prstGeom>
+          <a:noFill/>
+        </p:spPr>
+        <p:txBody>
+          <a:bodyPr wrap="square" rtlCol="0">
+            <a:spAutoFit/>
+          </a:bodyPr>
+          <a:lstStyle/>
+          <a:p>
+            <a:pPr marL="285750" indent="-285750" algn="l">
+              <a:buFont typeface="Courier New" panose="02070309020205020404" pitchFamily="49" charset="0"/>
+              <a:buChar char="o"/>
+            </a:pPr>
+            <a:r>
+              <a:rPr lang="de-DE" dirty="0"/>
+              <a:t>User Identifikation via AIO Key</a:t>
+            </a:r>
+          </a:p>
+        </p:txBody>
+      </p:sp>
+    </p:spTree>
+    <p:extLst>
+      <p:ext uri="{BB962C8B-B14F-4D97-AF65-F5344CB8AC3E}">
+        <p14:creationId xmlns:p14="http://schemas.microsoft.com/office/powerpoint/2010/main" val="789033031"/>
+      </p:ext>
+    </p:extLst>
+  </p:cSld>
+  <p:clrMapOvr>
+    <a:masterClrMapping/>
+  </p:clrMapOvr>
+  <p:transition/>
+</p:sld>
+</file>
+
+<file path=ppt/slides/slide39.xml><?xml version="1.0" encoding="utf-8"?>
+<p:sld xmlns:a="http://schemas.openxmlformats.org/drawingml/2006/main" xmlns:r="http://schemas.openxmlformats.org/officeDocument/2006/relationships" xmlns:p="http://schemas.openxmlformats.org/presentationml/2006/main">
+  <p:cSld>
+    <p:spTree>
+      <p:nvGrpSpPr>
+        <p:cNvPr id="1" name=""/>
+        <p:cNvGrpSpPr/>
+        <p:nvPr/>
+      </p:nvGrpSpPr>
+      <p:grpSpPr>
+        <a:xfrm>
+          <a:off x="0" y="0"/>
+          <a:ext cx="0" cy="0"/>
+          <a:chOff x="0" y="0"/>
+          <a:chExt cx="0" cy="0"/>
+        </a:xfrm>
+      </p:grpSpPr>
+      <p:sp>
+        <p:nvSpPr>
+          <p:cNvPr id="2" name="Foliennummernplatzhalter 1"/>
+          <p:cNvSpPr>
+            <a:spLocks noGrp="1"/>
+          </p:cNvSpPr>
+          <p:nvPr>
+            <p:ph type="sldNum" sz="quarter" idx="11"/>
+          </p:nvPr>
+        </p:nvSpPr>
+        <p:spPr/>
+        <p:txBody>
+          <a:bodyPr/>
+          <a:lstStyle/>
+          <a:p>
+            <a:fld id="{57D12BB6-0ED4-46B6-AB23-7758AD07EFBF}" type="slidenum">
+              <a:rPr lang="de-DE" smtClean="0"/>
+              <a:pPr/>
+              <a:t>39</a:t>
+            </a:fld>
+            <a:endParaRPr lang="de-DE" dirty="0"/>
+          </a:p>
+        </p:txBody>
+      </p:sp>
+      <p:pic>
+        <p:nvPicPr>
+          <p:cNvPr id="6" name="Grafik 5"/>
+          <p:cNvPicPr>
+            <a:picLocks noChangeAspect="1"/>
+          </p:cNvPicPr>
+          <p:nvPr/>
+        </p:nvPicPr>
+        <p:blipFill>
+          <a:blip r:embed="rId2"/>
+          <a:stretch>
+            <a:fillRect/>
+          </a:stretch>
+        </p:blipFill>
+        <p:spPr>
+          <a:xfrm>
+            <a:off x="3607921" y="3284984"/>
+            <a:ext cx="5312533" cy="2980594"/>
+          </a:xfrm>
+          <a:prstGeom prst="rect">
+            <a:avLst/>
+          </a:prstGeom>
+        </p:spPr>
+      </p:pic>
+      <p:sp>
+        <p:nvSpPr>
+          <p:cNvPr id="3" name="Textplatzhalter 2"/>
+          <p:cNvSpPr>
+            <a:spLocks noGrp="1"/>
+          </p:cNvSpPr>
+          <p:nvPr>
+            <p:ph type="body" sz="quarter" idx="15"/>
+          </p:nvPr>
+        </p:nvSpPr>
+        <p:spPr>
+          <a:xfrm>
+            <a:off x="971550" y="2292349"/>
+            <a:ext cx="7740650" cy="1496691"/>
+          </a:xfrm>
+        </p:spPr>
+        <p:txBody>
+          <a:bodyPr/>
+          <a:lstStyle/>
+          <a:p>
+            <a:pPr marL="285750" indent="-285750">
+              <a:buFont typeface="Courier New" panose="02070309020205020404" pitchFamily="49" charset="0"/>
+              <a:buChar char="o"/>
+            </a:pPr>
+            <a:r>
+              <a:rPr lang="de-DE" dirty="0"/>
+              <a:t>Trigger zur Reaktion auf Änderung von Feeds</a:t>
+            </a:r>
+          </a:p>
+          <a:p>
+            <a:pPr marL="285750" indent="-285750">
+              <a:buFont typeface="Courier New" panose="02070309020205020404" pitchFamily="49" charset="0"/>
+              <a:buChar char="o"/>
+            </a:pPr>
+            <a:r>
+              <a:rPr lang="de-DE" dirty="0"/>
+              <a:t>Reaktion:</a:t>
+            </a:r>
+          </a:p>
+          <a:p>
+            <a:pPr marL="469900" lvl="2" indent="-285750"/>
+            <a:r>
+              <a:rPr lang="de-DE" dirty="0"/>
+              <a:t>Feed Wert setzen</a:t>
+            </a:r>
+          </a:p>
+          <a:p>
+            <a:pPr marL="469900" lvl="2" indent="-285750"/>
+            <a:r>
+              <a:rPr lang="de-DE" dirty="0"/>
+              <a:t>Email versenden</a:t>
+            </a:r>
+          </a:p>
+        </p:txBody>
+      </p:sp>
+      <p:sp>
+        <p:nvSpPr>
+          <p:cNvPr id="4" name="Titel 3"/>
+          <p:cNvSpPr>
+            <a:spLocks noGrp="1"/>
+          </p:cNvSpPr>
+          <p:nvPr>
+            <p:ph type="title"/>
+          </p:nvPr>
+        </p:nvSpPr>
+        <p:spPr/>
+        <p:txBody>
+          <a:bodyPr/>
+          <a:lstStyle/>
+          <a:p>
+            <a:r>
+              <a:rPr lang="de-DE" dirty="0" err="1"/>
+              <a:t>Adafruit</a:t>
+            </a:r>
+            <a:r>
+              <a:rPr lang="de-DE" dirty="0"/>
+              <a:t> IO - Triggers</a:t>
+            </a:r>
+          </a:p>
+        </p:txBody>
+      </p:sp>
+      <p:sp>
+        <p:nvSpPr>
+          <p:cNvPr id="5" name="Fußzeilenplatzhalter 4"/>
+          <p:cNvSpPr>
+            <a:spLocks noGrp="1"/>
+          </p:cNvSpPr>
+          <p:nvPr>
+            <p:ph type="ftr" sz="quarter" idx="16"/>
+          </p:nvPr>
+        </p:nvSpPr>
+        <p:spPr/>
+        <p:txBody>
+          <a:bodyPr/>
+          <a:lstStyle/>
+          <a:p>
+            <a:r>
+              <a:rPr lang="en-US" altLang="de-DE"/>
+              <a:t>Hochschule Mannheim | Julia Geigl, Clemens Behr, Kevin Höfle</a:t>
+            </a:r>
+            <a:endParaRPr lang="de-DE" altLang="de-DE" dirty="0"/>
+          </a:p>
+        </p:txBody>
+      </p:sp>
+    </p:spTree>
+    <p:extLst>
+      <p:ext uri="{BB962C8B-B14F-4D97-AF65-F5344CB8AC3E}">
+        <p14:creationId xmlns:p14="http://schemas.microsoft.com/office/powerpoint/2010/main" val="4255730159"/>
+      </p:ext>
+    </p:extLst>
+  </p:cSld>
+  <p:clrMapOvr>
+    <a:masterClrMapping/>
+  </p:clrMapOvr>
+  <p:transition/>
+</p:sld>
+</file>
+
+<file path=ppt/slides/slide4.xml><?xml version="1.0" encoding="utf-8"?>
+<p:sld xmlns:a="http://schemas.openxmlformats.org/drawingml/2006/main" xmlns:r="http://schemas.openxmlformats.org/officeDocument/2006/relationships" xmlns:p="http://schemas.openxmlformats.org/presentationml/2006/main">
+  <p:cSld>
+    <p:spTree>
+      <p:nvGrpSpPr>
+        <p:cNvPr id="1" name=""/>
+        <p:cNvGrpSpPr/>
+        <p:nvPr/>
+      </p:nvGrpSpPr>
+      <p:grpSpPr>
+        <a:xfrm>
+          <a:off x="0" y="0"/>
+          <a:ext cx="0" cy="0"/>
+          <a:chOff x="0" y="0"/>
+          <a:chExt cx="0" cy="0"/>
+        </a:xfrm>
+      </p:grpSpPr>
+      <p:sp>
+        <p:nvSpPr>
+          <p:cNvPr id="2" name="Foliennummernplatzhalter 1"/>
+          <p:cNvSpPr>
+            <a:spLocks noGrp="1"/>
+          </p:cNvSpPr>
+          <p:nvPr>
+            <p:ph type="sldNum" sz="quarter" idx="11"/>
+          </p:nvPr>
+        </p:nvSpPr>
+        <p:spPr/>
+        <p:txBody>
+          <a:bodyPr/>
+          <a:lstStyle/>
+          <a:p>
+            <a:fld id="{57D12BB6-0ED4-46B6-AB23-7758AD07EFBF}" type="slidenum">
+              <a:rPr lang="de-DE" smtClean="0"/>
+              <a:pPr/>
+              <a:t>4</a:t>
+            </a:fld>
+            <a:endParaRPr lang="de-DE" dirty="0"/>
+          </a:p>
+        </p:txBody>
+      </p:sp>
+      <p:sp>
+        <p:nvSpPr>
+          <p:cNvPr id="3" name="Textplatzhalter 2"/>
+          <p:cNvSpPr>
+            <a:spLocks noGrp="1"/>
+          </p:cNvSpPr>
+          <p:nvPr>
+            <p:ph type="body" sz="quarter" idx="15"/>
+          </p:nvPr>
+        </p:nvSpPr>
+        <p:spPr/>
+        <p:txBody>
+          <a:bodyPr/>
+          <a:lstStyle/>
+          <a:p>
+            <a:pPr>
+              <a:buFont typeface="Arial" panose="020B0604020202020204" pitchFamily="34" charset="0"/>
+              <a:buChar char="•"/>
+            </a:pPr>
+            <a:r>
+              <a:rPr lang="de-DE" dirty="0"/>
+              <a:t>Messen der Luftfeuchtigkeit und Temperatur im Zusammenhang mit Fensterstatus </a:t>
+            </a:r>
+          </a:p>
+          <a:p>
+            <a:pPr marL="285750" indent="-285750">
+              <a:buFont typeface="Arial" panose="020B0604020202020204" pitchFamily="34" charset="0"/>
+              <a:buChar char="•"/>
+            </a:pPr>
+            <a:endParaRPr lang="de-DE" dirty="0"/>
+          </a:p>
+          <a:p>
+            <a:pPr>
+              <a:buFont typeface="Arial" panose="020B0604020202020204" pitchFamily="34" charset="0"/>
+              <a:buChar char="•"/>
+            </a:pPr>
+            <a:r>
+              <a:rPr lang="de-DE" dirty="0"/>
+              <a:t>Speichern und Visualisieren der Daten</a:t>
+            </a:r>
+          </a:p>
+          <a:p>
+            <a:pPr>
+              <a:buFont typeface="Arial" panose="020B0604020202020204" pitchFamily="34" charset="0"/>
+              <a:buChar char="•"/>
+            </a:pPr>
+            <a:endParaRPr lang="de-DE" dirty="0"/>
+          </a:p>
+          <a:p>
+            <a:pPr>
+              <a:buFont typeface="Arial" panose="020B0604020202020204" pitchFamily="34" charset="0"/>
+              <a:buChar char="•"/>
+            </a:pPr>
+            <a:r>
+              <a:rPr lang="de-DE" dirty="0"/>
+              <a:t>Aktion bei Überschreitung eines Feuchtigkeits- oder Temperatur-Wertes</a:t>
+            </a:r>
+          </a:p>
+          <a:p>
+            <a:pPr>
+              <a:buFont typeface="Arial" panose="020B0604020202020204" pitchFamily="34" charset="0"/>
+              <a:buChar char="•"/>
+            </a:pPr>
+            <a:endParaRPr lang="de-DE" dirty="0"/>
+          </a:p>
+          <a:p>
+            <a:pPr marL="0" indent="0">
+              <a:buNone/>
+            </a:pPr>
+            <a:endParaRPr lang="de-DE" dirty="0"/>
+          </a:p>
+          <a:p>
+            <a:endParaRPr lang="de-DE" dirty="0"/>
+          </a:p>
+        </p:txBody>
+      </p:sp>
+      <p:sp>
+        <p:nvSpPr>
+          <p:cNvPr id="4" name="Titel 3"/>
+          <p:cNvSpPr>
+            <a:spLocks noGrp="1"/>
+          </p:cNvSpPr>
+          <p:nvPr>
+            <p:ph type="title"/>
+          </p:nvPr>
+        </p:nvSpPr>
+        <p:spPr/>
+        <p:txBody>
+          <a:bodyPr/>
+          <a:lstStyle/>
+          <a:p>
+            <a:r>
+              <a:rPr lang="de-DE" dirty="0"/>
+              <a:t>Grund Konzept</a:t>
+            </a:r>
+          </a:p>
+        </p:txBody>
+      </p:sp>
+      <p:sp>
+        <p:nvSpPr>
+          <p:cNvPr id="5" name="Fußzeilenplatzhalter 4"/>
+          <p:cNvSpPr>
+            <a:spLocks noGrp="1"/>
+          </p:cNvSpPr>
+          <p:nvPr>
+            <p:ph type="ftr" sz="quarter" idx="16"/>
+          </p:nvPr>
+        </p:nvSpPr>
+        <p:spPr/>
+        <p:txBody>
+          <a:bodyPr/>
+          <a:lstStyle/>
+          <a:p>
+            <a:r>
+              <a:rPr lang="en-US" altLang="de-DE"/>
+              <a:t>Hochschule Mannheim | Julia Geigl, Clemens Behr, Kevin Höfle</a:t>
+            </a:r>
+            <a:endParaRPr lang="de-DE" altLang="de-DE" dirty="0"/>
+          </a:p>
+        </p:txBody>
+      </p:sp>
+    </p:spTree>
+    <p:extLst>
+      <p:ext uri="{BB962C8B-B14F-4D97-AF65-F5344CB8AC3E}">
+        <p14:creationId xmlns:p14="http://schemas.microsoft.com/office/powerpoint/2010/main" val="3888361227"/>
+      </p:ext>
+    </p:extLst>
+  </p:cSld>
+  <p:clrMapOvr>
+    <a:masterClrMapping/>
+  </p:clrMapOvr>
+  <p:transition/>
+</p:sld>
+</file>
+
+<file path=ppt/slides/slide40.xml><?xml version="1.0" encoding="utf-8"?>
+<p:sld xmlns:a="http://schemas.openxmlformats.org/drawingml/2006/main" xmlns:r="http://schemas.openxmlformats.org/officeDocument/2006/relationships" xmlns:p="http://schemas.openxmlformats.org/presentationml/2006/main">
+  <p:cSld>
+    <p:spTree>
+      <p:nvGrpSpPr>
+        <p:cNvPr id="1" name=""/>
+        <p:cNvGrpSpPr/>
+        <p:nvPr/>
+      </p:nvGrpSpPr>
+      <p:grpSpPr>
+        <a:xfrm>
+          <a:off x="0" y="0"/>
+          <a:ext cx="0" cy="0"/>
+          <a:chOff x="0" y="0"/>
+          <a:chExt cx="0" cy="0"/>
+        </a:xfrm>
+      </p:grpSpPr>
+      <p:sp>
+        <p:nvSpPr>
+          <p:cNvPr id="2" name="Foliennummernplatzhalter 1"/>
+          <p:cNvSpPr>
+            <a:spLocks noGrp="1"/>
+          </p:cNvSpPr>
+          <p:nvPr>
+            <p:ph type="sldNum" sz="quarter" idx="11"/>
+          </p:nvPr>
+        </p:nvSpPr>
+        <p:spPr/>
+        <p:txBody>
+          <a:bodyPr/>
+          <a:lstStyle/>
+          <a:p>
+            <a:fld id="{57D12BB6-0ED4-46B6-AB23-7758AD07EFBF}" type="slidenum">
+              <a:rPr lang="de-DE" smtClean="0"/>
+              <a:pPr/>
+              <a:t>40</a:t>
+            </a:fld>
+            <a:endParaRPr lang="de-DE" dirty="0"/>
+          </a:p>
+        </p:txBody>
+      </p:sp>
+      <p:sp>
+        <p:nvSpPr>
+          <p:cNvPr id="3" name="Textplatzhalter 2"/>
+          <p:cNvSpPr>
+            <a:spLocks noGrp="1"/>
+          </p:cNvSpPr>
+          <p:nvPr>
+            <p:ph type="body" sz="quarter" idx="15"/>
+          </p:nvPr>
+        </p:nvSpPr>
+        <p:spPr/>
+        <p:txBody>
+          <a:bodyPr/>
+          <a:lstStyle/>
+          <a:p>
+            <a:pPr marL="285750" indent="-285750">
+              <a:buFont typeface="Courier New" panose="02070309020205020404" pitchFamily="49" charset="0"/>
+              <a:buChar char="o"/>
+            </a:pPr>
+            <a:r>
+              <a:rPr lang="de-DE" dirty="0">
+                <a:hlinkClick r:id="rId2"/>
+              </a:rPr>
+              <a:t>https://ifttt.com/</a:t>
+            </a:r>
+            <a:endParaRPr lang="de-DE" dirty="0"/>
+          </a:p>
+          <a:p>
+            <a:pPr marL="285750" indent="-285750">
+              <a:buFont typeface="Courier New" panose="02070309020205020404" pitchFamily="49" charset="0"/>
+              <a:buChar char="o"/>
+            </a:pPr>
+            <a:r>
+              <a:rPr lang="de-DE" dirty="0"/>
+              <a:t>Applet:</a:t>
+            </a:r>
+          </a:p>
+          <a:p>
+            <a:pPr marL="495300" lvl="3" indent="-285750">
+              <a:buFont typeface="Arial" panose="020B0604020202020204" pitchFamily="34" charset="0"/>
+              <a:buChar char="•"/>
+            </a:pPr>
+            <a:r>
+              <a:rPr lang="de-DE" dirty="0"/>
+              <a:t>Entspricht Trigger</a:t>
+            </a:r>
+          </a:p>
+          <a:p>
+            <a:pPr marL="495300" lvl="3" indent="-285750">
+              <a:buFont typeface="Arial" panose="020B0604020202020204" pitchFamily="34" charset="0"/>
+              <a:buChar char="•"/>
+            </a:pPr>
+            <a:r>
+              <a:rPr lang="de-DE" dirty="0"/>
+              <a:t>Dienst registrieren</a:t>
+            </a:r>
+          </a:p>
+          <a:p>
+            <a:pPr marL="495300" lvl="3" indent="-285750">
+              <a:buFont typeface="Arial" panose="020B0604020202020204" pitchFamily="34" charset="0"/>
+              <a:buChar char="•"/>
+            </a:pPr>
+            <a:r>
+              <a:rPr lang="de-DE" dirty="0"/>
+              <a:t>Auf Dienst reagieren</a:t>
+            </a:r>
+          </a:p>
+          <a:p>
+            <a:pPr marL="495300" lvl="3" indent="-285750">
+              <a:buFont typeface="Arial" panose="020B0604020202020204" pitchFamily="34" charset="0"/>
+              <a:buChar char="•"/>
+            </a:pPr>
+            <a:r>
+              <a:rPr lang="de-DE" dirty="0"/>
+              <a:t>Dienst verwenden</a:t>
+            </a:r>
+          </a:p>
+        </p:txBody>
+      </p:sp>
+      <p:sp>
+        <p:nvSpPr>
+          <p:cNvPr id="4" name="Titel 3"/>
+          <p:cNvSpPr>
+            <a:spLocks noGrp="1"/>
+          </p:cNvSpPr>
+          <p:nvPr>
+            <p:ph type="title"/>
+          </p:nvPr>
+        </p:nvSpPr>
+        <p:spPr/>
+        <p:txBody>
+          <a:bodyPr/>
+          <a:lstStyle/>
+          <a:p>
+            <a:r>
+              <a:rPr lang="de-DE" dirty="0"/>
+              <a:t>IFTTT – </a:t>
+            </a:r>
+            <a:r>
+              <a:rPr lang="de-DE" dirty="0" err="1"/>
+              <a:t>If</a:t>
+            </a:r>
+            <a:r>
+              <a:rPr lang="de-DE" dirty="0"/>
+              <a:t> This </a:t>
+            </a:r>
+            <a:r>
+              <a:rPr lang="de-DE" dirty="0" err="1"/>
+              <a:t>Than</a:t>
+            </a:r>
+            <a:r>
+              <a:rPr lang="de-DE" dirty="0"/>
+              <a:t> </a:t>
+            </a:r>
+            <a:r>
+              <a:rPr lang="de-DE" dirty="0" err="1"/>
+              <a:t>That</a:t>
+            </a:r>
+            <a:endParaRPr lang="de-DE" dirty="0"/>
+          </a:p>
+        </p:txBody>
+      </p:sp>
+      <p:sp>
+        <p:nvSpPr>
+          <p:cNvPr id="5" name="Fußzeilenplatzhalter 4"/>
+          <p:cNvSpPr>
+            <a:spLocks noGrp="1"/>
+          </p:cNvSpPr>
+          <p:nvPr>
+            <p:ph type="ftr" sz="quarter" idx="16"/>
+          </p:nvPr>
+        </p:nvSpPr>
+        <p:spPr/>
+        <p:txBody>
+          <a:bodyPr/>
+          <a:lstStyle/>
+          <a:p>
+            <a:r>
+              <a:rPr lang="en-US" altLang="de-DE"/>
+              <a:t>Hochschule Mannheim | Julia Geigl, Clemens Behr, Kevin Höfle</a:t>
+            </a:r>
+            <a:endParaRPr lang="de-DE" altLang="de-DE" dirty="0"/>
+          </a:p>
+        </p:txBody>
+      </p:sp>
+      <p:pic>
+        <p:nvPicPr>
+          <p:cNvPr id="6" name="Grafik 5"/>
+          <p:cNvPicPr>
+            <a:picLocks noChangeAspect="1"/>
+          </p:cNvPicPr>
+          <p:nvPr/>
+        </p:nvPicPr>
+        <p:blipFill>
+          <a:blip r:embed="rId3"/>
+          <a:stretch>
+            <a:fillRect/>
+          </a:stretch>
+        </p:blipFill>
+        <p:spPr>
+          <a:xfrm>
+            <a:off x="5164236" y="1322388"/>
+            <a:ext cx="2847975" cy="4914900"/>
+          </a:xfrm>
+          <a:prstGeom prst="rect">
+            <a:avLst/>
+          </a:prstGeom>
+        </p:spPr>
+      </p:pic>
+    </p:spTree>
+    <p:extLst>
+      <p:ext uri="{BB962C8B-B14F-4D97-AF65-F5344CB8AC3E}">
+        <p14:creationId xmlns:p14="http://schemas.microsoft.com/office/powerpoint/2010/main" val="1415227468"/>
+      </p:ext>
+    </p:extLst>
+  </p:cSld>
+  <p:clrMapOvr>
+    <a:masterClrMapping/>
+  </p:clrMapOvr>
+  <p:transition/>
+</p:sld>
+</file>
+
+<file path=ppt/slides/slide41.xml><?xml version="1.0" encoding="utf-8"?>
+<p:sld xmlns:a="http://schemas.openxmlformats.org/drawingml/2006/main" xmlns:r="http://schemas.openxmlformats.org/officeDocument/2006/relationships" xmlns:p="http://schemas.openxmlformats.org/presentationml/2006/main">
+  <p:cSld>
+    <p:spTree>
+      <p:nvGrpSpPr>
+        <p:cNvPr id="1" name=""/>
+        <p:cNvGrpSpPr/>
+        <p:nvPr/>
+      </p:nvGrpSpPr>
+      <p:grpSpPr>
+        <a:xfrm>
+          <a:off x="0" y="0"/>
+          <a:ext cx="0" cy="0"/>
+          <a:chOff x="0" y="0"/>
+          <a:chExt cx="0" cy="0"/>
+        </a:xfrm>
+      </p:grpSpPr>
+      <p:sp>
+        <p:nvSpPr>
+          <p:cNvPr id="2" name="Foliennummernplatzhalter 1"/>
+          <p:cNvSpPr>
+            <a:spLocks noGrp="1"/>
+          </p:cNvSpPr>
+          <p:nvPr>
+            <p:ph type="sldNum" sz="quarter" idx="11"/>
+          </p:nvPr>
+        </p:nvSpPr>
+        <p:spPr/>
+        <p:txBody>
+          <a:bodyPr/>
+          <a:lstStyle/>
+          <a:p>
+            <a:fld id="{57D12BB6-0ED4-46B6-AB23-7758AD07EFBF}" type="slidenum">
+              <a:rPr lang="de-DE" smtClean="0"/>
+              <a:pPr/>
+              <a:t>41</a:t>
+            </a:fld>
+            <a:endParaRPr lang="de-DE" dirty="0"/>
+          </a:p>
+        </p:txBody>
+      </p:sp>
+      <p:pic>
+        <p:nvPicPr>
+          <p:cNvPr id="6" name="Grafik 5"/>
+          <p:cNvPicPr>
+            <a:picLocks noChangeAspect="1"/>
+          </p:cNvPicPr>
+          <p:nvPr/>
+        </p:nvPicPr>
+        <p:blipFill>
+          <a:blip r:embed="rId2"/>
+          <a:stretch>
+            <a:fillRect/>
+          </a:stretch>
+        </p:blipFill>
+        <p:spPr>
+          <a:xfrm>
+            <a:off x="719572" y="2309306"/>
+            <a:ext cx="7848364" cy="3457671"/>
+          </a:xfrm>
+          <a:prstGeom prst="rect">
+            <a:avLst/>
+          </a:prstGeom>
+        </p:spPr>
+      </p:pic>
+      <p:sp>
+        <p:nvSpPr>
+          <p:cNvPr id="4" name="Titel 3"/>
+          <p:cNvSpPr>
+            <a:spLocks noGrp="1"/>
+          </p:cNvSpPr>
+          <p:nvPr>
+            <p:ph type="title"/>
+          </p:nvPr>
+        </p:nvSpPr>
+        <p:spPr/>
+        <p:txBody>
+          <a:bodyPr/>
+          <a:lstStyle/>
+          <a:p>
+            <a:r>
+              <a:rPr lang="de-DE" dirty="0"/>
+              <a:t>IFTTT - Dienste</a:t>
+            </a:r>
+          </a:p>
+        </p:txBody>
+      </p:sp>
+      <p:sp>
+        <p:nvSpPr>
+          <p:cNvPr id="5" name="Fußzeilenplatzhalter 4"/>
+          <p:cNvSpPr>
+            <a:spLocks noGrp="1"/>
+          </p:cNvSpPr>
+          <p:nvPr>
+            <p:ph type="ftr" sz="quarter" idx="16"/>
+          </p:nvPr>
+        </p:nvSpPr>
+        <p:spPr/>
+        <p:txBody>
+          <a:bodyPr/>
+          <a:lstStyle/>
+          <a:p>
+            <a:r>
+              <a:rPr lang="en-US" altLang="de-DE"/>
+              <a:t>Hochschule Mannheim | Julia Geigl, Clemens Behr, Kevin Höfle</a:t>
+            </a:r>
+            <a:endParaRPr lang="de-DE" altLang="de-DE" dirty="0"/>
+          </a:p>
+        </p:txBody>
+      </p:sp>
+    </p:spTree>
+    <p:extLst>
+      <p:ext uri="{BB962C8B-B14F-4D97-AF65-F5344CB8AC3E}">
+        <p14:creationId xmlns:p14="http://schemas.microsoft.com/office/powerpoint/2010/main" val="2060748048"/>
+      </p:ext>
+    </p:extLst>
+  </p:cSld>
+  <p:clrMapOvr>
+    <a:masterClrMapping/>
+  </p:clrMapOvr>
+  <p:transition/>
+</p:sld>
+</file>
+
+<file path=ppt/slides/slide42.xml><?xml version="1.0" encoding="utf-8"?>
+<p:sld xmlns:a="http://schemas.openxmlformats.org/drawingml/2006/main" xmlns:r="http://schemas.openxmlformats.org/officeDocument/2006/relationships" xmlns:p="http://schemas.openxmlformats.org/presentationml/2006/main">
+  <p:cSld>
+    <p:spTree>
+      <p:nvGrpSpPr>
+        <p:cNvPr id="1" name=""/>
+        <p:cNvGrpSpPr/>
+        <p:nvPr/>
+      </p:nvGrpSpPr>
+      <p:grpSpPr>
+        <a:xfrm>
+          <a:off x="0" y="0"/>
+          <a:ext cx="0" cy="0"/>
+          <a:chOff x="0" y="0"/>
+          <a:chExt cx="0" cy="0"/>
+        </a:xfrm>
+      </p:grpSpPr>
+      <p:sp>
+        <p:nvSpPr>
+          <p:cNvPr id="2" name="Foliennummernplatzhalter 1"/>
+          <p:cNvSpPr>
+            <a:spLocks noGrp="1"/>
+          </p:cNvSpPr>
+          <p:nvPr>
+            <p:ph type="sldNum" sz="quarter" idx="11"/>
+          </p:nvPr>
+        </p:nvSpPr>
+        <p:spPr/>
+        <p:txBody>
+          <a:bodyPr/>
+          <a:lstStyle/>
+          <a:p>
+            <a:fld id="{57D12BB6-0ED4-46B6-AB23-7758AD07EFBF}" type="slidenum">
+              <a:rPr lang="de-DE" smtClean="0"/>
+              <a:pPr/>
+              <a:t>42</a:t>
+            </a:fld>
+            <a:endParaRPr lang="de-DE" dirty="0"/>
+          </a:p>
+        </p:txBody>
+      </p:sp>
+      <p:sp>
+        <p:nvSpPr>
+          <p:cNvPr id="3" name="Textplatzhalter 2"/>
+          <p:cNvSpPr>
+            <a:spLocks noGrp="1"/>
+          </p:cNvSpPr>
+          <p:nvPr>
+            <p:ph type="body" sz="quarter" idx="15"/>
+          </p:nvPr>
+        </p:nvSpPr>
+        <p:spPr/>
+        <p:txBody>
+          <a:bodyPr/>
+          <a:lstStyle/>
+          <a:p>
+            <a:pPr marL="0" indent="0">
+              <a:buNone/>
+            </a:pPr>
+            <a:endParaRPr lang="de-DE" dirty="0"/>
+          </a:p>
+        </p:txBody>
+      </p:sp>
+      <p:sp>
+        <p:nvSpPr>
+          <p:cNvPr id="4" name="Titel 3"/>
+          <p:cNvSpPr>
+            <a:spLocks noGrp="1"/>
+          </p:cNvSpPr>
+          <p:nvPr>
+            <p:ph type="title"/>
+          </p:nvPr>
+        </p:nvSpPr>
+        <p:spPr/>
+        <p:txBody>
+          <a:bodyPr/>
+          <a:lstStyle/>
+          <a:p>
+            <a:r>
+              <a:rPr lang="de-DE" dirty="0" err="1"/>
+              <a:t>Adafruit</a:t>
+            </a:r>
+            <a:r>
+              <a:rPr lang="de-DE" dirty="0"/>
+              <a:t> IO - Montage</a:t>
+            </a:r>
+          </a:p>
+        </p:txBody>
+      </p:sp>
+      <p:sp>
+        <p:nvSpPr>
+          <p:cNvPr id="5" name="Fußzeilenplatzhalter 4"/>
+          <p:cNvSpPr>
+            <a:spLocks noGrp="1"/>
+          </p:cNvSpPr>
+          <p:nvPr>
+            <p:ph type="ftr" sz="quarter" idx="16"/>
+          </p:nvPr>
+        </p:nvSpPr>
+        <p:spPr/>
+        <p:txBody>
+          <a:bodyPr/>
+          <a:lstStyle/>
+          <a:p>
+            <a:r>
+              <a:rPr lang="en-US" altLang="de-DE"/>
+              <a:t>Hochschule Mannheim | Julia Geigl, Clemens Behr, Kevin Höfle</a:t>
+            </a:r>
+            <a:endParaRPr lang="de-DE" altLang="de-DE" dirty="0"/>
+          </a:p>
+        </p:txBody>
+      </p:sp>
+      <p:pic>
+        <p:nvPicPr>
+          <p:cNvPr id="6" name="Grafik 5"/>
+          <p:cNvPicPr>
+            <a:picLocks noChangeAspect="1"/>
+          </p:cNvPicPr>
+          <p:nvPr/>
+        </p:nvPicPr>
+        <p:blipFill>
+          <a:blip r:embed="rId2" cstate="print">
+            <a:extLst>
+              <a:ext uri="{28A0092B-C50C-407E-A947-70E740481C1C}">
+                <a14:useLocalDpi xmlns:a14="http://schemas.microsoft.com/office/drawing/2010/main" val="0"/>
+              </a:ext>
+            </a:extLst>
+          </a:blip>
+          <a:stretch>
+            <a:fillRect/>
+          </a:stretch>
+        </p:blipFill>
+        <p:spPr>
+          <a:xfrm>
+            <a:off x="5004048" y="1427766"/>
+            <a:ext cx="2756130" cy="4906518"/>
+          </a:xfrm>
+          <a:prstGeom prst="rect">
+            <a:avLst/>
+          </a:prstGeom>
+        </p:spPr>
+      </p:pic>
+    </p:spTree>
+    <p:extLst>
+      <p:ext uri="{BB962C8B-B14F-4D97-AF65-F5344CB8AC3E}">
+        <p14:creationId xmlns:p14="http://schemas.microsoft.com/office/powerpoint/2010/main" val="3409337842"/>
+      </p:ext>
+    </p:extLst>
+  </p:cSld>
+  <p:clrMapOvr>
+    <a:masterClrMapping/>
+  </p:clrMapOvr>
+  <p:transition/>
+</p:sld>
+</file>
+
+<file path=ppt/slides/slide43.xml><?xml version="1.0" encoding="utf-8"?>
+<p:sld xmlns:a="http://schemas.openxmlformats.org/drawingml/2006/main" xmlns:r="http://schemas.openxmlformats.org/officeDocument/2006/relationships" xmlns:p="http://schemas.openxmlformats.org/presentationml/2006/main">
+  <p:cSld>
+    <p:spTree>
+      <p:nvGrpSpPr>
+        <p:cNvPr id="1" name=""/>
+        <p:cNvGrpSpPr/>
+        <p:nvPr/>
+      </p:nvGrpSpPr>
+      <p:grpSpPr>
+        <a:xfrm>
+          <a:off x="0" y="0"/>
+          <a:ext cx="0" cy="0"/>
+          <a:chOff x="0" y="0"/>
+          <a:chExt cx="0" cy="0"/>
+        </a:xfrm>
+      </p:grpSpPr>
+      <p:sp>
+        <p:nvSpPr>
+          <p:cNvPr id="2" name="Foliennummernplatzhalter 1"/>
+          <p:cNvSpPr>
+            <a:spLocks noGrp="1"/>
+          </p:cNvSpPr>
+          <p:nvPr>
+            <p:ph type="sldNum" sz="quarter" idx="11"/>
+          </p:nvPr>
+        </p:nvSpPr>
+        <p:spPr/>
+        <p:txBody>
+          <a:bodyPr/>
+          <a:lstStyle/>
+          <a:p>
+            <a:fld id="{57D12BB6-0ED4-46B6-AB23-7758AD07EFBF}" type="slidenum">
+              <a:rPr lang="de-DE" smtClean="0"/>
+              <a:pPr/>
+              <a:t>43</a:t>
+            </a:fld>
+            <a:endParaRPr lang="de-DE" dirty="0"/>
+          </a:p>
+        </p:txBody>
+      </p:sp>
+      <p:sp>
+        <p:nvSpPr>
+          <p:cNvPr id="3" name="Textplatzhalter 2"/>
+          <p:cNvSpPr>
+            <a:spLocks noGrp="1"/>
+          </p:cNvSpPr>
+          <p:nvPr>
+            <p:ph type="body" sz="quarter" idx="15"/>
+          </p:nvPr>
+        </p:nvSpPr>
+        <p:spPr>
+          <a:xfrm>
+            <a:off x="971550" y="2292349"/>
+            <a:ext cx="7740650" cy="4257675"/>
+          </a:xfrm>
+        </p:spPr>
+        <p:txBody>
+          <a:bodyPr/>
+          <a:lstStyle/>
+          <a:p>
+            <a:pPr marL="0" indent="0">
+              <a:buNone/>
+            </a:pPr>
+            <a:r>
+              <a:rPr lang="de-DE" sz="1000" dirty="0"/>
+              <a:t>[1] </a:t>
+            </a:r>
+            <a:r>
+              <a:rPr lang="de-DE" sz="1000" dirty="0">
+                <a:hlinkClick r:id="rId2"/>
+              </a:rPr>
+              <a:t>http://blog.gemalto.com/wp-content/uploads/2015/01/M2M-world-of-connected-services.jpg</a:t>
+            </a:r>
+            <a:r>
+              <a:rPr lang="de-DE" sz="1000" dirty="0"/>
+              <a:t> 05.11.2016</a:t>
+            </a:r>
+          </a:p>
+          <a:p>
+            <a:pPr marL="0" indent="0">
+              <a:buNone/>
+            </a:pPr>
+            <a:r>
+              <a:rPr lang="de-DE" sz="1000" dirty="0"/>
+              <a:t>[2] </a:t>
+            </a:r>
+            <a:r>
+              <a:rPr lang="de-DE" sz="1000" dirty="0">
+                <a:hlinkClick r:id="rId3"/>
+              </a:rPr>
+              <a:t>http://howtomechatronics.com/wp-content/uploads/2016/01/DHT11-DDHT22-Working-Principle.png?x57244</a:t>
+            </a:r>
+            <a:r>
+              <a:rPr lang="de-DE" sz="1000" dirty="0"/>
+              <a:t> 05.11.2016 </a:t>
+            </a:r>
+          </a:p>
+          <a:p>
+            <a:pPr marL="0" indent="0">
+              <a:buNone/>
+            </a:pPr>
+            <a:r>
+              <a:rPr lang="de-DE" sz="1000" dirty="0"/>
+              <a:t>[3] </a:t>
+            </a:r>
+            <a:r>
+              <a:rPr lang="de-DE" sz="1000" dirty="0">
+                <a:hlinkClick r:id="rId4"/>
+              </a:rPr>
+              <a:t>http://ic4l.net/wp-content/uploads/dht11-module-300x300.png</a:t>
+            </a:r>
+            <a:r>
+              <a:rPr lang="de-DE" sz="1000" dirty="0"/>
+              <a:t> 05.11.2016</a:t>
+            </a:r>
+          </a:p>
+          <a:p>
+            <a:pPr marL="0" indent="0">
+              <a:buNone/>
+            </a:pPr>
+            <a:r>
+              <a:rPr lang="de-DE" sz="1000" dirty="0"/>
+              <a:t>[4] DHT11 </a:t>
+            </a:r>
+            <a:r>
+              <a:rPr lang="de-DE" sz="1000" dirty="0" err="1"/>
+              <a:t>Humidity</a:t>
+            </a:r>
+            <a:r>
+              <a:rPr lang="de-DE" sz="1000" dirty="0"/>
+              <a:t> &amp; </a:t>
+            </a:r>
+            <a:r>
+              <a:rPr lang="de-DE" sz="1000" dirty="0" err="1"/>
+              <a:t>Temperature</a:t>
+            </a:r>
+            <a:r>
+              <a:rPr lang="de-DE" sz="1000" dirty="0"/>
+              <a:t> Sensor D-</a:t>
+            </a:r>
+            <a:r>
+              <a:rPr lang="de-DE" sz="1000" dirty="0" err="1"/>
+              <a:t>Robotics</a:t>
+            </a:r>
+            <a:r>
+              <a:rPr lang="de-DE" sz="1000" dirty="0"/>
+              <a:t> UK, D-</a:t>
+            </a:r>
+            <a:r>
+              <a:rPr lang="de-DE" sz="1000" dirty="0" err="1"/>
+              <a:t>Robotics</a:t>
+            </a:r>
+            <a:r>
+              <a:rPr lang="de-DE" sz="1000" dirty="0"/>
+              <a:t> 7/30/2010 </a:t>
+            </a:r>
+            <a:r>
+              <a:rPr lang="de-DE" sz="1000" dirty="0">
+                <a:hlinkClick r:id="rId5"/>
+              </a:rPr>
+              <a:t>http://www.micropik.com/PDF/dht11.pdf</a:t>
+            </a:r>
+            <a:r>
+              <a:rPr lang="de-DE" sz="1000" dirty="0"/>
+              <a:t> Seite XX, Absatz XX 05.11.2016</a:t>
+            </a:r>
+          </a:p>
+          <a:p>
+            <a:pPr marL="0" indent="0">
+              <a:buNone/>
+            </a:pPr>
+            <a:r>
+              <a:rPr lang="de-DE" sz="1000" dirty="0"/>
+              <a:t>[5] </a:t>
+            </a:r>
+            <a:r>
+              <a:rPr lang="de-DE" sz="1000" dirty="0">
+                <a:hlinkClick r:id="rId6"/>
+              </a:rPr>
+              <a:t>https://youtu.be/VelviRLkUeo</a:t>
+            </a:r>
+            <a:r>
+              <a:rPr lang="de-DE" sz="1000" dirty="0"/>
+              <a:t> 05.11.2016</a:t>
+            </a:r>
+          </a:p>
+          <a:p>
+            <a:pPr marL="0" indent="0">
+              <a:buNone/>
+            </a:pPr>
+            <a:r>
+              <a:rPr lang="de-DE" sz="1000" dirty="0"/>
+              <a:t>[6] </a:t>
+            </a:r>
+            <a:r>
+              <a:rPr lang="de-DE" sz="1000" dirty="0">
+                <a:hlinkClick r:id="rId7"/>
+              </a:rPr>
+              <a:t>https://www.adafruit.com/about</a:t>
+            </a:r>
+            <a:r>
+              <a:rPr lang="de-DE" sz="1000" dirty="0"/>
+              <a:t> 05.11.2016</a:t>
+            </a:r>
+          </a:p>
+          <a:p>
+            <a:pPr marL="0" indent="0">
+              <a:buNone/>
+            </a:pPr>
+            <a:r>
+              <a:rPr lang="de-DE" sz="1000" dirty="0"/>
+              <a:t>[7] </a:t>
+            </a:r>
+            <a:r>
+              <a:rPr lang="de-DE" sz="1000" dirty="0">
+                <a:hlinkClick r:id="rId8"/>
+              </a:rPr>
+              <a:t>https://io.adafruit.com/logos/logo_2x.png 05.11.2016</a:t>
+            </a:r>
+            <a:endParaRPr lang="de-DE" sz="1000" dirty="0"/>
+          </a:p>
+          <a:p>
+            <a:pPr marL="0" indent="0">
+              <a:buNone/>
+            </a:pPr>
+            <a:r>
+              <a:rPr lang="de-DE" sz="1000" dirty="0"/>
+              <a:t>[8] </a:t>
+            </a:r>
+            <a:r>
+              <a:rPr lang="de-DE" sz="1000" dirty="0">
+                <a:hlinkClick r:id="rId9"/>
+              </a:rPr>
+              <a:t>http://4sitewebsolutions.com/hvac/wp-content/uploads/2013/04/carrier3.png 06.11.2016</a:t>
+            </a:r>
+            <a:r>
+              <a:rPr lang="de-DE" sz="1000" dirty="0"/>
+              <a:t> </a:t>
+            </a:r>
+          </a:p>
+          <a:p>
+            <a:pPr marL="0" indent="0">
+              <a:buNone/>
+            </a:pPr>
+            <a:r>
+              <a:rPr lang="de-DE" sz="1000" dirty="0"/>
+              <a:t>[9] </a:t>
+            </a:r>
+            <a:r>
+              <a:rPr lang="de-DE" sz="1000" dirty="0">
+                <a:hlinkClick r:id="rId10"/>
+              </a:rPr>
+              <a:t>http://www.umweltbundesamt.de/themen/gesundheit/umwelteinfluesse-auf-den-menschen/schimmel/richtig-lueften-schimmelbildung-vermeiden 06.11.2016</a:t>
+            </a:r>
+            <a:endParaRPr lang="de-DE" sz="1000" dirty="0"/>
+          </a:p>
+          <a:p>
+            <a:pPr marL="0" indent="0">
+              <a:buNone/>
+            </a:pPr>
+            <a:r>
+              <a:rPr lang="de-DE" sz="1000" dirty="0"/>
+              <a:t>[10]http://images.google.de/imgres?imgurl=http%3A%2F%2Fwww.radon.com%2Fimages%2Ffigure6.gif&amp;imgrefurl=http%3A%2F%2Fwww.radon.com%2Fradon%2Fradon_analysis.html&amp;h=268&amp;w=337&amp;tbnid=OpSfZ3xZmypDgM%3A&amp;vet=1&amp;docid=NvviVYV6guTSMM&amp;ei=WKwhWKbEJcHlUea2gfgL&amp;tbm=isch&amp;client=firefox-b-ab&amp;iact=rc&amp;uact=3&amp;dur=460&amp;page=0&amp;start=0&amp;ndsp=41&amp;ved=0ahUKEwim0KyA_ZjQAhXBchQKHWZbAL8QMwggKAQwBA&amp;bih=969&amp;biw=1920 08.11.2016 </a:t>
+            </a:r>
+          </a:p>
+          <a:p>
+            <a:pPr marL="0" indent="0">
+              <a:buNone/>
+            </a:pPr>
+            <a:r>
+              <a:rPr lang="de-DE" sz="1000" dirty="0"/>
+              <a:t>[11] </a:t>
+            </a:r>
+            <a:r>
+              <a:rPr lang="de-DE" sz="1000" dirty="0">
+                <a:hlinkClick r:id="rId11"/>
+              </a:rPr>
+              <a:t>https://www.adafruit.com/category/17</a:t>
+            </a:r>
+            <a:r>
+              <a:rPr lang="de-DE" sz="1000" dirty="0"/>
+              <a:t> 	06.12.2016</a:t>
+            </a:r>
+          </a:p>
+          <a:p>
+            <a:pPr marL="0" indent="0">
+              <a:buNone/>
+            </a:pPr>
+            <a:r>
+              <a:rPr lang="de-DE" sz="1000" dirty="0"/>
+              <a:t>[12] </a:t>
+            </a:r>
+            <a:r>
+              <a:rPr lang="de-DE" sz="1000" dirty="0">
+                <a:hlinkClick r:id="rId12"/>
+              </a:rPr>
+              <a:t>https://learn.adafruit.com/adafruit-io/overview</a:t>
+            </a:r>
+            <a:r>
+              <a:rPr lang="de-DE" sz="1000" dirty="0"/>
+              <a:t>	06.12.2016</a:t>
+            </a:r>
+          </a:p>
+          <a:p>
+            <a:pPr marL="0" indent="0">
+              <a:buNone/>
+            </a:pPr>
+            <a:r>
+              <a:rPr lang="de-DE" sz="1000" dirty="0"/>
+              <a:t>[13] </a:t>
+            </a:r>
+            <a:r>
+              <a:rPr lang="de-DE" sz="1000" dirty="0">
+                <a:hlinkClick r:id="rId13"/>
+              </a:rPr>
+              <a:t>https://learn.adafruit.com/adafruit-io/client-libraries</a:t>
+            </a:r>
+            <a:r>
+              <a:rPr lang="de-DE" sz="1000" dirty="0"/>
+              <a:t>	06.12.2016</a:t>
+            </a:r>
+          </a:p>
+          <a:p>
+            <a:pPr marL="0" indent="0">
+              <a:buNone/>
+            </a:pPr>
+            <a:r>
+              <a:rPr lang="de-DE" sz="1000" dirty="0"/>
+              <a:t>[14] </a:t>
+            </a:r>
+            <a:r>
+              <a:rPr lang="de-DE" sz="1000" dirty="0">
+                <a:hlinkClick r:id="rId14"/>
+              </a:rPr>
+              <a:t>https://learn.adafruit.com/adafruit-io/browser</a:t>
+            </a:r>
+            <a:r>
+              <a:rPr lang="de-DE" sz="1000" dirty="0"/>
+              <a:t>		06.12.2016</a:t>
+            </a:r>
+          </a:p>
+          <a:p>
+            <a:pPr marL="0" indent="0">
+              <a:buNone/>
+            </a:pPr>
+            <a:r>
+              <a:rPr lang="de-DE" sz="1000" dirty="0"/>
+              <a:t>[15] </a:t>
+            </a:r>
+            <a:r>
+              <a:rPr lang="de-DE" sz="1000" dirty="0">
+                <a:hlinkClick r:id="rId15"/>
+              </a:rPr>
+              <a:t>https://learn.adafruit.com/adafruit-io/mqtt-api</a:t>
+            </a:r>
+            <a:r>
+              <a:rPr lang="de-DE" sz="1000" dirty="0"/>
+              <a:t>		06.12.2016</a:t>
+            </a:r>
+          </a:p>
+          <a:p>
+            <a:pPr marL="0" indent="0">
+              <a:buNone/>
+            </a:pPr>
+            <a:endParaRPr lang="de-DE" sz="1000" dirty="0"/>
+          </a:p>
+          <a:p>
+            <a:pPr marL="0" indent="0">
+              <a:buNone/>
+            </a:pPr>
+            <a:endParaRPr lang="de-DE" sz="1000" dirty="0"/>
+          </a:p>
+          <a:p>
+            <a:pPr marL="0" indent="0">
+              <a:buNone/>
+            </a:pPr>
+            <a:endParaRPr lang="de-DE" sz="1000" dirty="0"/>
+          </a:p>
+          <a:p>
+            <a:pPr marL="0" indent="0">
+              <a:buNone/>
+            </a:pPr>
+            <a:endParaRPr lang="de-DE" sz="1000" dirty="0"/>
+          </a:p>
+        </p:txBody>
+      </p:sp>
+      <p:sp>
+        <p:nvSpPr>
+          <p:cNvPr id="4" name="Titel 3"/>
+          <p:cNvSpPr>
+            <a:spLocks noGrp="1"/>
+          </p:cNvSpPr>
+          <p:nvPr>
+            <p:ph type="title"/>
+          </p:nvPr>
+        </p:nvSpPr>
+        <p:spPr/>
+        <p:txBody>
+          <a:bodyPr/>
+          <a:lstStyle/>
+          <a:p>
+            <a:r>
+              <a:rPr lang="de-DE" dirty="0"/>
+              <a:t>Quellen</a:t>
+            </a:r>
+          </a:p>
+        </p:txBody>
+      </p:sp>
+      <p:sp>
+        <p:nvSpPr>
+          <p:cNvPr id="5" name="Fußzeilenplatzhalter 4"/>
+          <p:cNvSpPr>
+            <a:spLocks noGrp="1"/>
+          </p:cNvSpPr>
+          <p:nvPr>
+            <p:ph type="ftr" sz="quarter" idx="16"/>
+          </p:nvPr>
+        </p:nvSpPr>
+        <p:spPr/>
+        <p:txBody>
+          <a:bodyPr/>
+          <a:lstStyle/>
+          <a:p>
+            <a:r>
+              <a:rPr lang="en-US" altLang="de-DE"/>
+              <a:t>Hochschule Mannheim | Julia Geigl, Clemens Behr, Kevin Höfle</a:t>
+            </a:r>
+            <a:endParaRPr lang="de-DE" altLang="de-DE" dirty="0"/>
+          </a:p>
+        </p:txBody>
+      </p:sp>
+    </p:spTree>
+    <p:extLst>
+      <p:ext uri="{BB962C8B-B14F-4D97-AF65-F5344CB8AC3E}">
+        <p14:creationId xmlns:p14="http://schemas.microsoft.com/office/powerpoint/2010/main" val="3863859420"/>
+      </p:ext>
+    </p:extLst>
+  </p:cSld>
+  <p:clrMapOvr>
+    <a:masterClrMapping/>
+  </p:clrMapOvr>
+  <p:transition/>
+</p:sld>
+</file>
+
+<file path=ppt/slides/slide44.xml><?xml version="1.0" encoding="utf-8"?>
+<p:sld xmlns:a="http://schemas.openxmlformats.org/drawingml/2006/main" xmlns:r="http://schemas.openxmlformats.org/officeDocument/2006/relationships" xmlns:p="http://schemas.openxmlformats.org/presentationml/2006/main">
+  <p:cSld>
+    <p:spTree>
+      <p:nvGrpSpPr>
+        <p:cNvPr id="1" name=""/>
+        <p:cNvGrpSpPr/>
+        <p:nvPr/>
+      </p:nvGrpSpPr>
+      <p:grpSpPr>
+        <a:xfrm>
+          <a:off x="0" y="0"/>
+          <a:ext cx="0" cy="0"/>
+          <a:chOff x="0" y="0"/>
+          <a:chExt cx="0" cy="0"/>
+        </a:xfrm>
+      </p:grpSpPr>
+      <p:sp>
+        <p:nvSpPr>
+          <p:cNvPr id="2" name="Foliennummernplatzhalter 1"/>
+          <p:cNvSpPr>
+            <a:spLocks noGrp="1"/>
+          </p:cNvSpPr>
+          <p:nvPr>
+            <p:ph type="sldNum" sz="quarter" idx="11"/>
+          </p:nvPr>
+        </p:nvSpPr>
+        <p:spPr/>
+        <p:txBody>
+          <a:bodyPr/>
+          <a:lstStyle/>
+          <a:p>
+            <a:fld id="{57D12BB6-0ED4-46B6-AB23-7758AD07EFBF}" type="slidenum">
+              <a:rPr lang="de-DE" smtClean="0"/>
+              <a:pPr/>
+              <a:t>44</a:t>
             </a:fld>
             <a:endParaRPr lang="de-DE" dirty="0"/>
           </a:p>
@@ -15643,7 +18991,7 @@
 </p:sld>
 </file>
 
-<file path=ppt/slides/slide3.xml><?xml version="1.0" encoding="utf-8"?>
+<file path=ppt/slides/slide45.xml><?xml version="1.0" encoding="utf-8"?>
 <p:sld xmlns:a="http://schemas.openxmlformats.org/drawingml/2006/main" xmlns:r="http://schemas.openxmlformats.org/officeDocument/2006/relationships" xmlns:p="http://schemas.openxmlformats.org/presentationml/2006/main">
   <p:cSld>
     <p:spTree>
@@ -15678,240 +19026,7 @@
             <a:fld id="{57D12BB6-0ED4-46B6-AB23-7758AD07EFBF}" type="slidenum">
               <a:rPr lang="de-DE" smtClean="0"/>
               <a:pPr/>
-              <a:t>3</a:t>
-            </a:fld>
-            <a:endParaRPr lang="de-DE" dirty="0"/>
-          </a:p>
-        </p:txBody>
-      </p:sp>
-      <p:sp>
-        <p:nvSpPr>
-          <p:cNvPr id="4" name="Titel 3"/>
-          <p:cNvSpPr>
-            <a:spLocks noGrp="1"/>
-          </p:cNvSpPr>
-          <p:nvPr>
-            <p:ph type="title"/>
-          </p:nvPr>
-        </p:nvSpPr>
-        <p:spPr>
-          <a:xfrm>
-            <a:off x="467544" y="2960948"/>
-            <a:ext cx="5040560" cy="863600"/>
-          </a:xfrm>
-        </p:spPr>
-        <p:txBody>
-          <a:bodyPr/>
-          <a:lstStyle/>
-          <a:p>
-            <a:r>
-              <a:rPr lang="de-DE" sz="9600" dirty="0"/>
-              <a:t>INTRO</a:t>
-            </a:r>
-            <a:br>
-              <a:rPr lang="de-DE" sz="9600" dirty="0"/>
-            </a:br>
-            <a:endParaRPr lang="de-DE" sz="9600" dirty="0"/>
-          </a:p>
-        </p:txBody>
-      </p:sp>
-      <p:sp>
-        <p:nvSpPr>
-          <p:cNvPr id="5" name="Fußzeilenplatzhalter 4"/>
-          <p:cNvSpPr>
-            <a:spLocks noGrp="1"/>
-          </p:cNvSpPr>
-          <p:nvPr>
-            <p:ph type="ftr" sz="quarter" idx="16"/>
-          </p:nvPr>
-        </p:nvSpPr>
-        <p:spPr/>
-        <p:txBody>
-          <a:bodyPr/>
-          <a:lstStyle/>
-          <a:p>
-            <a:r>
-              <a:rPr lang="en-US" altLang="de-DE"/>
-              <a:t>Hochschule Mannheim | Julia Geigl, Clemens Behr, Kevin Höfle</a:t>
-            </a:r>
-            <a:endParaRPr lang="de-DE" altLang="de-DE" dirty="0"/>
-          </a:p>
-        </p:txBody>
-      </p:sp>
-    </p:spTree>
-    <p:extLst>
-      <p:ext uri="{BB962C8B-B14F-4D97-AF65-F5344CB8AC3E}">
-        <p14:creationId xmlns:p14="http://schemas.microsoft.com/office/powerpoint/2010/main" val="2053114095"/>
-      </p:ext>
-    </p:extLst>
-  </p:cSld>
-  <p:clrMapOvr>
-    <a:masterClrMapping/>
-  </p:clrMapOvr>
-  <p:transition/>
-</p:sld>
-</file>
-
-<file path=ppt/slides/slide30.xml><?xml version="1.0" encoding="utf-8"?>
-<p:sld xmlns:a="http://schemas.openxmlformats.org/drawingml/2006/main" xmlns:r="http://schemas.openxmlformats.org/officeDocument/2006/relationships" xmlns:p="http://schemas.openxmlformats.org/presentationml/2006/main">
-  <p:cSld>
-    <p:spTree>
-      <p:nvGrpSpPr>
-        <p:cNvPr id="1" name=""/>
-        <p:cNvGrpSpPr/>
-        <p:nvPr/>
-      </p:nvGrpSpPr>
-      <p:grpSpPr>
-        <a:xfrm>
-          <a:off x="0" y="0"/>
-          <a:ext cx="0" cy="0"/>
-          <a:chOff x="0" y="0"/>
-          <a:chExt cx="0" cy="0"/>
-        </a:xfrm>
-      </p:grpSpPr>
-      <p:sp>
-        <p:nvSpPr>
-          <p:cNvPr id="2" name="Foliennummernplatzhalter 1"/>
-          <p:cNvSpPr>
-            <a:spLocks noGrp="1"/>
-          </p:cNvSpPr>
-          <p:nvPr>
-            <p:ph type="sldNum" sz="quarter" idx="11"/>
-          </p:nvPr>
-        </p:nvSpPr>
-        <p:spPr/>
-        <p:txBody>
-          <a:bodyPr/>
-          <a:lstStyle/>
-          <a:p>
-            <a:fld id="{57D12BB6-0ED4-46B6-AB23-7758AD07EFBF}" type="slidenum">
-              <a:rPr lang="de-DE" smtClean="0"/>
-              <a:pPr/>
-              <a:t>30</a:t>
-            </a:fld>
-            <a:endParaRPr lang="de-DE" dirty="0"/>
-          </a:p>
-        </p:txBody>
-      </p:sp>
-      <p:sp>
-        <p:nvSpPr>
-          <p:cNvPr id="4" name="Titel 3"/>
-          <p:cNvSpPr>
-            <a:spLocks noGrp="1"/>
-          </p:cNvSpPr>
-          <p:nvPr>
-            <p:ph type="title"/>
-          </p:nvPr>
-        </p:nvSpPr>
-        <p:spPr/>
-        <p:txBody>
-          <a:bodyPr/>
-          <a:lstStyle/>
-          <a:p>
-            <a:r>
-              <a:rPr lang="de-DE" dirty="0"/>
-              <a:t>ADAFRUIT IO</a:t>
-            </a:r>
-          </a:p>
-        </p:txBody>
-      </p:sp>
-      <p:sp>
-        <p:nvSpPr>
-          <p:cNvPr id="5" name="Fußzeilenplatzhalter 4"/>
-          <p:cNvSpPr>
-            <a:spLocks noGrp="1"/>
-          </p:cNvSpPr>
-          <p:nvPr>
-            <p:ph type="ftr" sz="quarter" idx="16"/>
-          </p:nvPr>
-        </p:nvSpPr>
-        <p:spPr/>
-        <p:txBody>
-          <a:bodyPr/>
-          <a:lstStyle/>
-          <a:p>
-            <a:r>
-              <a:rPr lang="en-US" altLang="de-DE"/>
-              <a:t>Hochschule Mannheim | Julia Geigl, Clemens Behr, Kevin Höfle</a:t>
-            </a:r>
-            <a:endParaRPr lang="de-DE" altLang="de-DE" dirty="0"/>
-          </a:p>
-        </p:txBody>
-      </p:sp>
-      <p:pic>
-        <p:nvPicPr>
-          <p:cNvPr id="6" name="Inhaltsplatzhalter 3"/>
-          <p:cNvPicPr>
-            <a:picLocks noChangeAspect="1"/>
-          </p:cNvPicPr>
-          <p:nvPr/>
-        </p:nvPicPr>
-        <p:blipFill>
-          <a:blip r:embed="rId2"/>
-          <a:stretch>
-            <a:fillRect/>
-          </a:stretch>
-        </p:blipFill>
-        <p:spPr>
-          <a:xfrm>
-            <a:off x="814" y="2094214"/>
-            <a:ext cx="9143185" cy="4174542"/>
-          </a:xfrm>
-          <a:prstGeom prst="rect">
-            <a:avLst/>
-          </a:prstGeom>
-        </p:spPr>
-      </p:pic>
-    </p:spTree>
-    <p:extLst>
-      <p:ext uri="{BB962C8B-B14F-4D97-AF65-F5344CB8AC3E}">
-        <p14:creationId xmlns:p14="http://schemas.microsoft.com/office/powerpoint/2010/main" val="1435382107"/>
-      </p:ext>
-    </p:extLst>
-  </p:cSld>
-  <p:clrMapOvr>
-    <a:masterClrMapping/>
-  </p:clrMapOvr>
-  <p:transition/>
-</p:sld>
-</file>
-
-<file path=ppt/slides/slide31.xml><?xml version="1.0" encoding="utf-8"?>
-<p:sld xmlns:a="http://schemas.openxmlformats.org/drawingml/2006/main" xmlns:r="http://schemas.openxmlformats.org/officeDocument/2006/relationships" xmlns:p="http://schemas.openxmlformats.org/presentationml/2006/main">
-  <p:cSld>
-    <p:spTree>
-      <p:nvGrpSpPr>
-        <p:cNvPr id="1" name=""/>
-        <p:cNvGrpSpPr/>
-        <p:nvPr/>
-      </p:nvGrpSpPr>
-      <p:grpSpPr>
-        <a:xfrm>
-          <a:off x="0" y="0"/>
-          <a:ext cx="0" cy="0"/>
-          <a:chOff x="0" y="0"/>
-          <a:chExt cx="0" cy="0"/>
-        </a:xfrm>
-      </p:grpSpPr>
-      <p:sp>
-        <p:nvSpPr>
-          <p:cNvPr id="2" name="Foliennummernplatzhalter 1"/>
-          <p:cNvSpPr>
-            <a:spLocks noGrp="1"/>
-          </p:cNvSpPr>
-          <p:nvPr>
-            <p:ph type="sldNum" sz="quarter" idx="11"/>
-          </p:nvPr>
-        </p:nvSpPr>
-        <p:spPr/>
-        <p:txBody>
-          <a:bodyPr/>
-          <a:lstStyle/>
-          <a:p>
-            <a:fld id="{57D12BB6-0ED4-46B6-AB23-7758AD07EFBF}" type="slidenum">
-              <a:rPr lang="de-DE" smtClean="0"/>
-              <a:pPr/>
-              <a:t>31</a:t>
+              <a:t>45</a:t>
             </a:fld>
             <a:endParaRPr lang="de-DE" dirty="0"/>
           </a:p>
@@ -16012,7 +19127,7 @@
 </p:sld>
 </file>
 
-<file path=ppt/slides/slide32.xml><?xml version="1.0" encoding="utf-8"?>
+<file path=ppt/slides/slide46.xml><?xml version="1.0" encoding="utf-8"?>
 <p:sld xmlns:a="http://schemas.openxmlformats.org/drawingml/2006/main" xmlns:r="http://schemas.openxmlformats.org/officeDocument/2006/relationships" xmlns:p="http://schemas.openxmlformats.org/presentationml/2006/main">
   <p:cSld>
     <p:spTree>
@@ -16047,683 +19162,7 @@
             <a:fld id="{57D12BB6-0ED4-46B6-AB23-7758AD07EFBF}" type="slidenum">
               <a:rPr lang="de-DE" smtClean="0"/>
               <a:pPr/>
-              <a:t>32</a:t>
-            </a:fld>
-            <a:endParaRPr lang="de-DE" dirty="0"/>
-          </a:p>
-        </p:txBody>
-      </p:sp>
-      <p:sp>
-        <p:nvSpPr>
-          <p:cNvPr id="4" name="Titel 3"/>
-          <p:cNvSpPr>
-            <a:spLocks noGrp="1"/>
-          </p:cNvSpPr>
-          <p:nvPr>
-            <p:ph type="title"/>
-          </p:nvPr>
-        </p:nvSpPr>
-        <p:spPr/>
-        <p:txBody>
-          <a:bodyPr/>
-          <a:lstStyle/>
-          <a:p>
-            <a:r>
-              <a:rPr lang="de-DE" dirty="0" err="1"/>
-              <a:t>Adafruit</a:t>
-            </a:r>
-            <a:r>
-              <a:rPr lang="de-DE" dirty="0"/>
-              <a:t> IO – </a:t>
-            </a:r>
-            <a:r>
-              <a:rPr lang="de-DE" dirty="0" err="1"/>
-              <a:t>Your</a:t>
-            </a:r>
-            <a:r>
-              <a:rPr lang="de-DE" dirty="0"/>
-              <a:t> </a:t>
-            </a:r>
-            <a:r>
-              <a:rPr lang="de-DE" dirty="0" err="1"/>
-              <a:t>feeds</a:t>
-            </a:r>
-            <a:endParaRPr lang="de-DE" dirty="0"/>
-          </a:p>
-        </p:txBody>
-      </p:sp>
-      <p:sp>
-        <p:nvSpPr>
-          <p:cNvPr id="5" name="Fußzeilenplatzhalter 4"/>
-          <p:cNvSpPr>
-            <a:spLocks noGrp="1"/>
-          </p:cNvSpPr>
-          <p:nvPr>
-            <p:ph type="ftr" sz="quarter" idx="16"/>
-          </p:nvPr>
-        </p:nvSpPr>
-        <p:spPr/>
-        <p:txBody>
-          <a:bodyPr/>
-          <a:lstStyle/>
-          <a:p>
-            <a:r>
-              <a:rPr lang="en-US" altLang="de-DE"/>
-              <a:t>Hochschule Mannheim | Julia Geigl, Clemens Behr, Kevin Höfle</a:t>
-            </a:r>
-            <a:endParaRPr lang="de-DE" altLang="de-DE" dirty="0"/>
-          </a:p>
-        </p:txBody>
-      </p:sp>
-      <p:pic>
-        <p:nvPicPr>
-          <p:cNvPr id="6" name="Inhaltsplatzhalter 3"/>
-          <p:cNvPicPr>
-            <a:picLocks noChangeAspect="1"/>
-          </p:cNvPicPr>
-          <p:nvPr/>
-        </p:nvPicPr>
-        <p:blipFill>
-          <a:blip r:embed="rId2"/>
-          <a:stretch>
-            <a:fillRect/>
-          </a:stretch>
-        </p:blipFill>
-        <p:spPr>
-          <a:xfrm>
-            <a:off x="10679" y="2456892"/>
-            <a:ext cx="9132623" cy="2196244"/>
-          </a:xfrm>
-          <a:prstGeom prst="rect">
-            <a:avLst/>
-          </a:prstGeom>
-        </p:spPr>
-      </p:pic>
-    </p:spTree>
-    <p:extLst>
-      <p:ext uri="{BB962C8B-B14F-4D97-AF65-F5344CB8AC3E}">
-        <p14:creationId xmlns:p14="http://schemas.microsoft.com/office/powerpoint/2010/main" val="2769674007"/>
-      </p:ext>
-    </p:extLst>
-  </p:cSld>
-  <p:clrMapOvr>
-    <a:masterClrMapping/>
-  </p:clrMapOvr>
-  <p:transition/>
-</p:sld>
-</file>
-
-<file path=ppt/slides/slide33.xml><?xml version="1.0" encoding="utf-8"?>
-<p:sld xmlns:a="http://schemas.openxmlformats.org/drawingml/2006/main" xmlns:r="http://schemas.openxmlformats.org/officeDocument/2006/relationships" xmlns:p="http://schemas.openxmlformats.org/presentationml/2006/main">
-  <p:cSld>
-    <p:spTree>
-      <p:nvGrpSpPr>
-        <p:cNvPr id="1" name=""/>
-        <p:cNvGrpSpPr/>
-        <p:nvPr/>
-      </p:nvGrpSpPr>
-      <p:grpSpPr>
-        <a:xfrm>
-          <a:off x="0" y="0"/>
-          <a:ext cx="0" cy="0"/>
-          <a:chOff x="0" y="0"/>
-          <a:chExt cx="0" cy="0"/>
-        </a:xfrm>
-      </p:grpSpPr>
-      <p:sp>
-        <p:nvSpPr>
-          <p:cNvPr id="2" name="Foliennummernplatzhalter 1"/>
-          <p:cNvSpPr>
-            <a:spLocks noGrp="1"/>
-          </p:cNvSpPr>
-          <p:nvPr>
-            <p:ph type="sldNum" sz="quarter" idx="11"/>
-          </p:nvPr>
-        </p:nvSpPr>
-        <p:spPr/>
-        <p:txBody>
-          <a:bodyPr/>
-          <a:lstStyle/>
-          <a:p>
-            <a:fld id="{57D12BB6-0ED4-46B6-AB23-7758AD07EFBF}" type="slidenum">
-              <a:rPr lang="de-DE" smtClean="0"/>
-              <a:pPr/>
-              <a:t>33</a:t>
-            </a:fld>
-            <a:endParaRPr lang="de-DE" dirty="0"/>
-          </a:p>
-        </p:txBody>
-      </p:sp>
-      <p:sp>
-        <p:nvSpPr>
-          <p:cNvPr id="4" name="Titel 3"/>
-          <p:cNvSpPr>
-            <a:spLocks noGrp="1"/>
-          </p:cNvSpPr>
-          <p:nvPr>
-            <p:ph type="title"/>
-          </p:nvPr>
-        </p:nvSpPr>
-        <p:spPr/>
-        <p:txBody>
-          <a:bodyPr/>
-          <a:lstStyle/>
-          <a:p>
-            <a:r>
-              <a:rPr lang="de-DE" dirty="0" err="1"/>
-              <a:t>Adafruit</a:t>
-            </a:r>
-            <a:r>
-              <a:rPr lang="de-DE" dirty="0"/>
-              <a:t> IO – Create </a:t>
-            </a:r>
-            <a:r>
-              <a:rPr lang="de-DE" dirty="0" err="1"/>
-              <a:t>feed</a:t>
-            </a:r>
-            <a:endParaRPr lang="de-DE" dirty="0"/>
-          </a:p>
-        </p:txBody>
-      </p:sp>
-      <p:sp>
-        <p:nvSpPr>
-          <p:cNvPr id="5" name="Fußzeilenplatzhalter 4"/>
-          <p:cNvSpPr>
-            <a:spLocks noGrp="1"/>
-          </p:cNvSpPr>
-          <p:nvPr>
-            <p:ph type="ftr" sz="quarter" idx="16"/>
-          </p:nvPr>
-        </p:nvSpPr>
-        <p:spPr/>
-        <p:txBody>
-          <a:bodyPr/>
-          <a:lstStyle/>
-          <a:p>
-            <a:r>
-              <a:rPr lang="en-US" altLang="de-DE"/>
-              <a:t>Hochschule Mannheim | Julia Geigl, Clemens Behr, Kevin Höfle</a:t>
-            </a:r>
-            <a:endParaRPr lang="de-DE" altLang="de-DE" dirty="0"/>
-          </a:p>
-        </p:txBody>
-      </p:sp>
-      <p:pic>
-        <p:nvPicPr>
-          <p:cNvPr id="6" name="Inhaltsplatzhalter 3"/>
-          <p:cNvPicPr>
-            <a:picLocks noChangeAspect="1"/>
-          </p:cNvPicPr>
-          <p:nvPr/>
-        </p:nvPicPr>
-        <p:blipFill>
-          <a:blip r:embed="rId2"/>
-          <a:stretch>
-            <a:fillRect/>
-          </a:stretch>
-        </p:blipFill>
-        <p:spPr>
-          <a:xfrm>
-            <a:off x="107504" y="2420888"/>
-            <a:ext cx="5070023" cy="1219256"/>
-          </a:xfrm>
-          <a:prstGeom prst="rect">
-            <a:avLst/>
-          </a:prstGeom>
-        </p:spPr>
-      </p:pic>
-      <p:sp>
-        <p:nvSpPr>
-          <p:cNvPr id="7" name="Pfeil nach rechts 4"/>
-          <p:cNvSpPr/>
-          <p:nvPr/>
-        </p:nvSpPr>
-        <p:spPr>
-          <a:xfrm rot="10800000">
-            <a:off x="5088506" y="2444746"/>
-            <a:ext cx="780863" cy="454937"/>
-          </a:xfrm>
-          <a:prstGeom prst="rightArrow">
-            <a:avLst/>
-          </a:prstGeom>
-          <a:solidFill>
-            <a:srgbClr val="FF0000"/>
-          </a:solidFill>
-        </p:spPr>
-        <p:style>
-          <a:lnRef idx="2">
-            <a:schemeClr val="accent1">
-              <a:shade val="50000"/>
-            </a:schemeClr>
-          </a:lnRef>
-          <a:fillRef idx="1">
-            <a:schemeClr val="accent1"/>
-          </a:fillRef>
-          <a:effectRef idx="0">
-            <a:schemeClr val="accent1"/>
-          </a:effectRef>
-          <a:fontRef idx="minor">
-            <a:schemeClr val="lt1"/>
-          </a:fontRef>
-        </p:style>
-        <p:txBody>
-          <a:bodyPr rtlCol="0" anchor="ctr"/>
-          <a:lstStyle/>
-          <a:p>
-            <a:pPr algn="ctr"/>
-            <a:endParaRPr lang="de-DE" sz="1351">
-              <a:solidFill>
-                <a:srgbClr val="FF0000"/>
-              </a:solidFill>
-            </a:endParaRPr>
-          </a:p>
-        </p:txBody>
-      </p:sp>
-      <p:pic>
-        <p:nvPicPr>
-          <p:cNvPr id="8" name="Grafik 7"/>
-          <p:cNvPicPr>
-            <a:picLocks noChangeAspect="1"/>
-          </p:cNvPicPr>
-          <p:nvPr/>
-        </p:nvPicPr>
-        <p:blipFill>
-          <a:blip r:embed="rId3"/>
-          <a:stretch>
-            <a:fillRect/>
-          </a:stretch>
-        </p:blipFill>
-        <p:spPr>
-          <a:xfrm>
-            <a:off x="4640651" y="3720402"/>
-            <a:ext cx="4237775" cy="1614203"/>
-          </a:xfrm>
-          <a:prstGeom prst="rect">
-            <a:avLst/>
-          </a:prstGeom>
-        </p:spPr>
-      </p:pic>
-    </p:spTree>
-    <p:extLst>
-      <p:ext uri="{BB962C8B-B14F-4D97-AF65-F5344CB8AC3E}">
-        <p14:creationId xmlns:p14="http://schemas.microsoft.com/office/powerpoint/2010/main" val="3321184630"/>
-      </p:ext>
-    </p:extLst>
-  </p:cSld>
-  <p:clrMapOvr>
-    <a:masterClrMapping/>
-  </p:clrMapOvr>
-  <p:transition/>
-</p:sld>
-</file>
-
-<file path=ppt/slides/slide34.xml><?xml version="1.0" encoding="utf-8"?>
-<p:sld xmlns:a="http://schemas.openxmlformats.org/drawingml/2006/main" xmlns:r="http://schemas.openxmlformats.org/officeDocument/2006/relationships" xmlns:p="http://schemas.openxmlformats.org/presentationml/2006/main">
-  <p:cSld>
-    <p:spTree>
-      <p:nvGrpSpPr>
-        <p:cNvPr id="1" name=""/>
-        <p:cNvGrpSpPr/>
-        <p:nvPr/>
-      </p:nvGrpSpPr>
-      <p:grpSpPr>
-        <a:xfrm>
-          <a:off x="0" y="0"/>
-          <a:ext cx="0" cy="0"/>
-          <a:chOff x="0" y="0"/>
-          <a:chExt cx="0" cy="0"/>
-        </a:xfrm>
-      </p:grpSpPr>
-      <p:sp>
-        <p:nvSpPr>
-          <p:cNvPr id="2" name="Foliennummernplatzhalter 1"/>
-          <p:cNvSpPr>
-            <a:spLocks noGrp="1"/>
-          </p:cNvSpPr>
-          <p:nvPr>
-            <p:ph type="sldNum" sz="quarter" idx="11"/>
-          </p:nvPr>
-        </p:nvSpPr>
-        <p:spPr/>
-        <p:txBody>
-          <a:bodyPr/>
-          <a:lstStyle/>
-          <a:p>
-            <a:fld id="{57D12BB6-0ED4-46B6-AB23-7758AD07EFBF}" type="slidenum">
-              <a:rPr lang="de-DE" smtClean="0"/>
-              <a:pPr/>
-              <a:t>34</a:t>
-            </a:fld>
-            <a:endParaRPr lang="de-DE" dirty="0"/>
-          </a:p>
-        </p:txBody>
-      </p:sp>
-      <p:sp>
-        <p:nvSpPr>
-          <p:cNvPr id="4" name="Titel 3"/>
-          <p:cNvSpPr>
-            <a:spLocks noGrp="1"/>
-          </p:cNvSpPr>
-          <p:nvPr>
-            <p:ph type="title"/>
-          </p:nvPr>
-        </p:nvSpPr>
-        <p:spPr/>
-        <p:txBody>
-          <a:bodyPr/>
-          <a:lstStyle/>
-          <a:p>
-            <a:r>
-              <a:rPr lang="de-DE" dirty="0" err="1"/>
-              <a:t>Adafruit</a:t>
-            </a:r>
-            <a:r>
-              <a:rPr lang="de-DE" dirty="0"/>
-              <a:t> IO Feed - Key</a:t>
-            </a:r>
-          </a:p>
-        </p:txBody>
-      </p:sp>
-      <p:sp>
-        <p:nvSpPr>
-          <p:cNvPr id="5" name="Fußzeilenplatzhalter 4"/>
-          <p:cNvSpPr>
-            <a:spLocks noGrp="1"/>
-          </p:cNvSpPr>
-          <p:nvPr>
-            <p:ph type="ftr" sz="quarter" idx="16"/>
-          </p:nvPr>
-        </p:nvSpPr>
-        <p:spPr/>
-        <p:txBody>
-          <a:bodyPr/>
-          <a:lstStyle/>
-          <a:p>
-            <a:r>
-              <a:rPr lang="en-US" altLang="de-DE"/>
-              <a:t>Hochschule Mannheim | Julia Geigl, Clemens Behr, Kevin Höfle</a:t>
-            </a:r>
-            <a:endParaRPr lang="de-DE" altLang="de-DE" dirty="0"/>
-          </a:p>
-        </p:txBody>
-      </p:sp>
-      <p:pic>
-        <p:nvPicPr>
-          <p:cNvPr id="6" name="Inhaltsplatzhalter 3"/>
-          <p:cNvPicPr>
-            <a:picLocks noChangeAspect="1"/>
-          </p:cNvPicPr>
-          <p:nvPr/>
-        </p:nvPicPr>
-        <p:blipFill>
-          <a:blip r:embed="rId2"/>
-          <a:stretch>
-            <a:fillRect/>
-          </a:stretch>
-        </p:blipFill>
-        <p:spPr>
-          <a:xfrm>
-            <a:off x="71500" y="2708920"/>
-            <a:ext cx="4214917" cy="2608831"/>
-          </a:xfrm>
-          <a:prstGeom prst="rect">
-            <a:avLst/>
-          </a:prstGeom>
-        </p:spPr>
-      </p:pic>
-      <p:sp>
-        <p:nvSpPr>
-          <p:cNvPr id="7" name="Pfeil nach links 4"/>
-          <p:cNvSpPr/>
-          <p:nvPr/>
-        </p:nvSpPr>
-        <p:spPr>
-          <a:xfrm>
-            <a:off x="4196606" y="2602785"/>
-            <a:ext cx="625959" cy="391887"/>
-          </a:xfrm>
-          <a:prstGeom prst="leftArrow">
-            <a:avLst/>
-          </a:prstGeom>
-          <a:solidFill>
-            <a:srgbClr val="FF0000"/>
-          </a:solidFill>
-        </p:spPr>
-        <p:style>
-          <a:lnRef idx="2">
-            <a:schemeClr val="accent1">
-              <a:shade val="50000"/>
-            </a:schemeClr>
-          </a:lnRef>
-          <a:fillRef idx="1">
-            <a:schemeClr val="accent1"/>
-          </a:fillRef>
-          <a:effectRef idx="0">
-            <a:schemeClr val="accent1"/>
-          </a:effectRef>
-          <a:fontRef idx="minor">
-            <a:schemeClr val="lt1"/>
-          </a:fontRef>
-        </p:style>
-        <p:txBody>
-          <a:bodyPr rtlCol="0" anchor="ctr"/>
-          <a:lstStyle/>
-          <a:p>
-            <a:pPr algn="ctr"/>
-            <a:endParaRPr lang="de-DE" sz="1351"/>
-          </a:p>
-        </p:txBody>
-      </p:sp>
-      <p:pic>
-        <p:nvPicPr>
-          <p:cNvPr id="8" name="Grafik 7"/>
-          <p:cNvPicPr>
-            <a:picLocks noChangeAspect="1"/>
-          </p:cNvPicPr>
-          <p:nvPr/>
-        </p:nvPicPr>
-        <p:blipFill>
-          <a:blip r:embed="rId3"/>
-          <a:stretch>
-            <a:fillRect/>
-          </a:stretch>
-        </p:blipFill>
-        <p:spPr>
-          <a:xfrm>
-            <a:off x="4877936" y="2602788"/>
-            <a:ext cx="4069741" cy="1495007"/>
-          </a:xfrm>
-          <a:prstGeom prst="rect">
-            <a:avLst/>
-          </a:prstGeom>
-        </p:spPr>
-      </p:pic>
-    </p:spTree>
-    <p:extLst>
-      <p:ext uri="{BB962C8B-B14F-4D97-AF65-F5344CB8AC3E}">
-        <p14:creationId xmlns:p14="http://schemas.microsoft.com/office/powerpoint/2010/main" val="789033031"/>
-      </p:ext>
-    </p:extLst>
-  </p:cSld>
-  <p:clrMapOvr>
-    <a:masterClrMapping/>
-  </p:clrMapOvr>
-  <p:transition/>
-</p:sld>
-</file>
-
-<file path=ppt/slides/slide35.xml><?xml version="1.0" encoding="utf-8"?>
-<p:sld xmlns:a="http://schemas.openxmlformats.org/drawingml/2006/main" xmlns:r="http://schemas.openxmlformats.org/officeDocument/2006/relationships" xmlns:p="http://schemas.openxmlformats.org/presentationml/2006/main">
-  <p:cSld>
-    <p:spTree>
-      <p:nvGrpSpPr>
-        <p:cNvPr id="1" name=""/>
-        <p:cNvGrpSpPr/>
-        <p:nvPr/>
-      </p:nvGrpSpPr>
-      <p:grpSpPr>
-        <a:xfrm>
-          <a:off x="0" y="0"/>
-          <a:ext cx="0" cy="0"/>
-          <a:chOff x="0" y="0"/>
-          <a:chExt cx="0" cy="0"/>
-        </a:xfrm>
-      </p:grpSpPr>
-      <p:sp>
-        <p:nvSpPr>
-          <p:cNvPr id="2" name="Foliennummernplatzhalter 1"/>
-          <p:cNvSpPr>
-            <a:spLocks noGrp="1"/>
-          </p:cNvSpPr>
-          <p:nvPr>
-            <p:ph type="sldNum" sz="quarter" idx="11"/>
-          </p:nvPr>
-        </p:nvSpPr>
-        <p:spPr/>
-        <p:txBody>
-          <a:bodyPr/>
-          <a:lstStyle/>
-          <a:p>
-            <a:fld id="{57D12BB6-0ED4-46B6-AB23-7758AD07EFBF}" type="slidenum">
-              <a:rPr lang="de-DE" smtClean="0"/>
-              <a:pPr/>
-              <a:t>35</a:t>
-            </a:fld>
-            <a:endParaRPr lang="de-DE" dirty="0"/>
-          </a:p>
-        </p:txBody>
-      </p:sp>
-      <p:sp>
-        <p:nvSpPr>
-          <p:cNvPr id="4" name="Titel 3"/>
-          <p:cNvSpPr>
-            <a:spLocks noGrp="1"/>
-          </p:cNvSpPr>
-          <p:nvPr>
-            <p:ph type="title"/>
-          </p:nvPr>
-        </p:nvSpPr>
-        <p:spPr/>
-        <p:txBody>
-          <a:bodyPr/>
-          <a:lstStyle/>
-          <a:p>
-            <a:r>
-              <a:rPr lang="de-DE" dirty="0" err="1"/>
-              <a:t>Adafruit</a:t>
-            </a:r>
-            <a:r>
-              <a:rPr lang="de-DE" dirty="0"/>
-              <a:t> IO – </a:t>
-            </a:r>
-            <a:r>
-              <a:rPr lang="de-DE" dirty="0" err="1"/>
-              <a:t>Your</a:t>
-            </a:r>
-            <a:r>
-              <a:rPr lang="de-DE" dirty="0"/>
-              <a:t> Groups</a:t>
-            </a:r>
-          </a:p>
-        </p:txBody>
-      </p:sp>
-      <p:sp>
-        <p:nvSpPr>
-          <p:cNvPr id="5" name="Fußzeilenplatzhalter 4"/>
-          <p:cNvSpPr>
-            <a:spLocks noGrp="1"/>
-          </p:cNvSpPr>
-          <p:nvPr>
-            <p:ph type="ftr" sz="quarter" idx="16"/>
-          </p:nvPr>
-        </p:nvSpPr>
-        <p:spPr/>
-        <p:txBody>
-          <a:bodyPr/>
-          <a:lstStyle/>
-          <a:p>
-            <a:r>
-              <a:rPr lang="en-US" altLang="de-DE"/>
-              <a:t>Hochschule Mannheim | Julia Geigl, Clemens Behr, Kevin Höfle</a:t>
-            </a:r>
-            <a:endParaRPr lang="de-DE" altLang="de-DE" dirty="0"/>
-          </a:p>
-        </p:txBody>
-      </p:sp>
-      <p:pic>
-        <p:nvPicPr>
-          <p:cNvPr id="6" name="Inhaltsplatzhalter 3"/>
-          <p:cNvPicPr>
-            <a:picLocks noChangeAspect="1"/>
-          </p:cNvPicPr>
-          <p:nvPr/>
-        </p:nvPicPr>
-        <p:blipFill>
-          <a:blip r:embed="rId2"/>
-          <a:stretch>
-            <a:fillRect/>
-          </a:stretch>
-        </p:blipFill>
-        <p:spPr>
-          <a:xfrm>
-            <a:off x="0" y="2291366"/>
-            <a:ext cx="9135773" cy="2253758"/>
-          </a:xfrm>
-          <a:prstGeom prst="rect">
-            <a:avLst/>
-          </a:prstGeom>
-        </p:spPr>
-      </p:pic>
-    </p:spTree>
-    <p:extLst>
-      <p:ext uri="{BB962C8B-B14F-4D97-AF65-F5344CB8AC3E}">
-        <p14:creationId xmlns:p14="http://schemas.microsoft.com/office/powerpoint/2010/main" val="2151750626"/>
-      </p:ext>
-    </p:extLst>
-  </p:cSld>
-  <p:clrMapOvr>
-    <a:masterClrMapping/>
-  </p:clrMapOvr>
-  <p:transition/>
-</p:sld>
-</file>
-
-<file path=ppt/slides/slide36.xml><?xml version="1.0" encoding="utf-8"?>
-<p:sld xmlns:a="http://schemas.openxmlformats.org/drawingml/2006/main" xmlns:r="http://schemas.openxmlformats.org/officeDocument/2006/relationships" xmlns:p="http://schemas.openxmlformats.org/presentationml/2006/main">
-  <p:cSld>
-    <p:spTree>
-      <p:nvGrpSpPr>
-        <p:cNvPr id="1" name=""/>
-        <p:cNvGrpSpPr/>
-        <p:nvPr/>
-      </p:nvGrpSpPr>
-      <p:grpSpPr>
-        <a:xfrm>
-          <a:off x="0" y="0"/>
-          <a:ext cx="0" cy="0"/>
-          <a:chOff x="0" y="0"/>
-          <a:chExt cx="0" cy="0"/>
-        </a:xfrm>
-      </p:grpSpPr>
-      <p:sp>
-        <p:nvSpPr>
-          <p:cNvPr id="2" name="Foliennummernplatzhalter 1"/>
-          <p:cNvSpPr>
-            <a:spLocks noGrp="1"/>
-          </p:cNvSpPr>
-          <p:nvPr>
-            <p:ph type="sldNum" sz="quarter" idx="11"/>
-          </p:nvPr>
-        </p:nvSpPr>
-        <p:spPr/>
-        <p:txBody>
-          <a:bodyPr/>
-          <a:lstStyle/>
-          <a:p>
-            <a:fld id="{57D12BB6-0ED4-46B6-AB23-7758AD07EFBF}" type="slidenum">
-              <a:rPr lang="de-DE" smtClean="0"/>
-              <a:pPr/>
-              <a:t>36</a:t>
+              <a:t>46</a:t>
             </a:fld>
             <a:endParaRPr lang="de-DE" dirty="0"/>
           </a:p>
@@ -16814,507 +19253,6 @@
     <p:extLst>
       <p:ext uri="{BB962C8B-B14F-4D97-AF65-F5344CB8AC3E}">
         <p14:creationId xmlns:p14="http://schemas.microsoft.com/office/powerpoint/2010/main" val="3934670538"/>
-      </p:ext>
-    </p:extLst>
-  </p:cSld>
-  <p:clrMapOvr>
-    <a:masterClrMapping/>
-  </p:clrMapOvr>
-  <p:transition/>
-</p:sld>
-</file>
-
-<file path=ppt/slides/slide37.xml><?xml version="1.0" encoding="utf-8"?>
-<p:sld xmlns:a="http://schemas.openxmlformats.org/drawingml/2006/main" xmlns:r="http://schemas.openxmlformats.org/officeDocument/2006/relationships" xmlns:p="http://schemas.openxmlformats.org/presentationml/2006/main">
-  <p:cSld>
-    <p:spTree>
-      <p:nvGrpSpPr>
-        <p:cNvPr id="1" name=""/>
-        <p:cNvGrpSpPr/>
-        <p:nvPr/>
-      </p:nvGrpSpPr>
-      <p:grpSpPr>
-        <a:xfrm>
-          <a:off x="0" y="0"/>
-          <a:ext cx="0" cy="0"/>
-          <a:chOff x="0" y="0"/>
-          <a:chExt cx="0" cy="0"/>
-        </a:xfrm>
-      </p:grpSpPr>
-      <p:sp>
-        <p:nvSpPr>
-          <p:cNvPr id="2" name="Foliennummernplatzhalter 1"/>
-          <p:cNvSpPr>
-            <a:spLocks noGrp="1"/>
-          </p:cNvSpPr>
-          <p:nvPr>
-            <p:ph type="sldNum" sz="quarter" idx="11"/>
-          </p:nvPr>
-        </p:nvSpPr>
-        <p:spPr/>
-        <p:txBody>
-          <a:bodyPr/>
-          <a:lstStyle/>
-          <a:p>
-            <a:fld id="{57D12BB6-0ED4-46B6-AB23-7758AD07EFBF}" type="slidenum">
-              <a:rPr lang="de-DE" smtClean="0"/>
-              <a:pPr/>
-              <a:t>37</a:t>
-            </a:fld>
-            <a:endParaRPr lang="de-DE" dirty="0"/>
-          </a:p>
-        </p:txBody>
-      </p:sp>
-      <p:sp>
-        <p:nvSpPr>
-          <p:cNvPr id="3" name="Textplatzhalter 2"/>
-          <p:cNvSpPr>
-            <a:spLocks noGrp="1"/>
-          </p:cNvSpPr>
-          <p:nvPr>
-            <p:ph type="body" sz="quarter" idx="15"/>
-          </p:nvPr>
-        </p:nvSpPr>
-        <p:spPr/>
-        <p:txBody>
-          <a:bodyPr/>
-          <a:lstStyle/>
-          <a:p>
-            <a:pPr marL="0" indent="0">
-              <a:buNone/>
-            </a:pPr>
-            <a:r>
-              <a:rPr lang="de-DE" sz="1000" dirty="0"/>
-              <a:t>[1] </a:t>
-            </a:r>
-            <a:r>
-              <a:rPr lang="de-DE" sz="1000" dirty="0">
-                <a:hlinkClick r:id="rId2"/>
-              </a:rPr>
-              <a:t>http://blog.gemalto.com/wp-content/uploads/2015/01/M2M-world-of-connected-services.jpg</a:t>
-            </a:r>
-            <a:r>
-              <a:rPr lang="de-DE" sz="1000" dirty="0"/>
-              <a:t> 05.11.2016</a:t>
-            </a:r>
-          </a:p>
-          <a:p>
-            <a:pPr marL="0" indent="0">
-              <a:buNone/>
-            </a:pPr>
-            <a:r>
-              <a:rPr lang="de-DE" sz="1000" dirty="0"/>
-              <a:t>[2] </a:t>
-            </a:r>
-            <a:r>
-              <a:rPr lang="de-DE" sz="1000" dirty="0">
-                <a:hlinkClick r:id="rId3"/>
-              </a:rPr>
-              <a:t>http://howtomechatronics.com/wp-content/uploads/2016/01/DHT11-DDHT22-Working-Principle.png?x57244</a:t>
-            </a:r>
-            <a:r>
-              <a:rPr lang="de-DE" sz="1000" dirty="0"/>
-              <a:t> 05.11.2016 </a:t>
-            </a:r>
-          </a:p>
-          <a:p>
-            <a:pPr marL="0" indent="0">
-              <a:buNone/>
-            </a:pPr>
-            <a:r>
-              <a:rPr lang="de-DE" sz="1000" dirty="0"/>
-              <a:t>[3] </a:t>
-            </a:r>
-            <a:r>
-              <a:rPr lang="de-DE" sz="1000" dirty="0">
-                <a:hlinkClick r:id="rId4"/>
-              </a:rPr>
-              <a:t>http://ic4l.net/wp-content/uploads/dht11-module-300x300.png</a:t>
-            </a:r>
-            <a:r>
-              <a:rPr lang="de-DE" sz="1000" dirty="0"/>
-              <a:t> 05.11.2016</a:t>
-            </a:r>
-          </a:p>
-          <a:p>
-            <a:pPr marL="0" indent="0">
-              <a:buNone/>
-            </a:pPr>
-            <a:r>
-              <a:rPr lang="de-DE" sz="1000" dirty="0"/>
-              <a:t>[4] DHT11 </a:t>
-            </a:r>
-            <a:r>
-              <a:rPr lang="de-DE" sz="1000" dirty="0" err="1"/>
-              <a:t>Humidity</a:t>
-            </a:r>
-            <a:r>
-              <a:rPr lang="de-DE" sz="1000" dirty="0"/>
-              <a:t> &amp; </a:t>
-            </a:r>
-            <a:r>
-              <a:rPr lang="de-DE" sz="1000" dirty="0" err="1"/>
-              <a:t>Temperature</a:t>
-            </a:r>
-            <a:r>
-              <a:rPr lang="de-DE" sz="1000" dirty="0"/>
-              <a:t> Sensor D-</a:t>
-            </a:r>
-            <a:r>
-              <a:rPr lang="de-DE" sz="1000" dirty="0" err="1"/>
-              <a:t>Robotics</a:t>
-            </a:r>
-            <a:r>
-              <a:rPr lang="de-DE" sz="1000" dirty="0"/>
-              <a:t> UK, D-</a:t>
-            </a:r>
-            <a:r>
-              <a:rPr lang="de-DE" sz="1000" dirty="0" err="1"/>
-              <a:t>Robotics</a:t>
-            </a:r>
-            <a:r>
-              <a:rPr lang="de-DE" sz="1000" dirty="0"/>
-              <a:t> 7/30/2010 </a:t>
-            </a:r>
-            <a:r>
-              <a:rPr lang="de-DE" sz="1000" dirty="0">
-                <a:hlinkClick r:id="rId5"/>
-              </a:rPr>
-              <a:t>http://www.micropik.com/PDF/dht11.pdf</a:t>
-            </a:r>
-            <a:r>
-              <a:rPr lang="de-DE" sz="1000" dirty="0"/>
-              <a:t> Seite XX, Absatz XX 05.11.2016</a:t>
-            </a:r>
-          </a:p>
-          <a:p>
-            <a:pPr marL="0" indent="0">
-              <a:buNone/>
-            </a:pPr>
-            <a:r>
-              <a:rPr lang="de-DE" sz="1000" dirty="0"/>
-              <a:t>[5] </a:t>
-            </a:r>
-            <a:r>
-              <a:rPr lang="de-DE" sz="1000" dirty="0">
-                <a:hlinkClick r:id="rId6"/>
-              </a:rPr>
-              <a:t>https://youtu.be/VelviRLkUeo</a:t>
-            </a:r>
-            <a:r>
-              <a:rPr lang="de-DE" sz="1000" dirty="0"/>
-              <a:t> 05.11.2016</a:t>
-            </a:r>
-          </a:p>
-          <a:p>
-            <a:pPr marL="0" indent="0">
-              <a:buNone/>
-            </a:pPr>
-            <a:r>
-              <a:rPr lang="de-DE" sz="1000" dirty="0"/>
-              <a:t>[6] </a:t>
-            </a:r>
-            <a:r>
-              <a:rPr lang="de-DE" sz="1000" dirty="0">
-                <a:hlinkClick r:id="rId7"/>
-              </a:rPr>
-              <a:t>https://www.adafruit.com/about</a:t>
-            </a:r>
-            <a:r>
-              <a:rPr lang="de-DE" sz="1000" dirty="0"/>
-              <a:t> 05.11.2016</a:t>
-            </a:r>
-          </a:p>
-          <a:p>
-            <a:pPr marL="0" indent="0">
-              <a:buNone/>
-            </a:pPr>
-            <a:r>
-              <a:rPr lang="de-DE" sz="1000" dirty="0"/>
-              <a:t>[7] </a:t>
-            </a:r>
-            <a:r>
-              <a:rPr lang="de-DE" sz="1000" dirty="0">
-                <a:hlinkClick r:id="rId8"/>
-              </a:rPr>
-              <a:t>https://io.adafruit.com/logos/logo_2x.png 05.11.2016</a:t>
-            </a:r>
-            <a:endParaRPr lang="de-DE" sz="1000" dirty="0"/>
-          </a:p>
-          <a:p>
-            <a:pPr marL="0" indent="0">
-              <a:buNone/>
-            </a:pPr>
-            <a:r>
-              <a:rPr lang="de-DE" sz="1000" dirty="0"/>
-              <a:t>[8] </a:t>
-            </a:r>
-            <a:r>
-              <a:rPr lang="de-DE" sz="1000" dirty="0">
-                <a:hlinkClick r:id="rId9"/>
-              </a:rPr>
-              <a:t>http://4sitewebsolutions.com/hvac/wp-content/uploads/2013/04/carrier3.png 06.11.2016</a:t>
-            </a:r>
-            <a:r>
-              <a:rPr lang="de-DE" sz="1000" dirty="0"/>
-              <a:t> </a:t>
-            </a:r>
-          </a:p>
-          <a:p>
-            <a:pPr marL="0" indent="0">
-              <a:buNone/>
-            </a:pPr>
-            <a:r>
-              <a:rPr lang="de-DE" sz="1000" dirty="0"/>
-              <a:t>[9] </a:t>
-            </a:r>
-            <a:r>
-              <a:rPr lang="de-DE" sz="1000" dirty="0">
-                <a:hlinkClick r:id="rId10"/>
-              </a:rPr>
-              <a:t>http://www.umweltbundesamt.de/themen/gesundheit/umwelteinfluesse-auf-den-menschen/schimmel/richtig-lueften-schimmelbildung-vermeiden 06.11.2016</a:t>
-            </a:r>
-            <a:endParaRPr lang="de-DE" sz="1000" dirty="0"/>
-          </a:p>
-          <a:p>
-            <a:pPr marL="0" indent="0">
-              <a:buNone/>
-            </a:pPr>
-            <a:r>
-              <a:rPr lang="de-DE" sz="1000" dirty="0"/>
-              <a:t>[10]http://images.google.de/imgres?imgurl=http%3A%2F%2Fwww.radon.com%2Fimages%2Ffigure6.gif&amp;imgrefurl=http%3A%2F%2Fwww.radon.com%2Fradon%2Fradon_analysis.html&amp;h=268&amp;w=337&amp;tbnid=OpSfZ3xZmypDgM%3A&amp;vet=1&amp;docid=NvviVYV6guTSMM&amp;ei=WKwhWKbEJcHlUea2gfgL&amp;tbm=isch&amp;client=firefox-b-ab&amp;iact=rc&amp;uact=3&amp;dur=460&amp;page=0&amp;start=0&amp;ndsp=41&amp;ved=0ahUKEwim0KyA_ZjQAhXBchQKHWZbAL8QMwggKAQwBA&amp;bih=969&amp;biw=1920 08.11.2016 </a:t>
-            </a:r>
-          </a:p>
-          <a:p>
-            <a:endParaRPr lang="de-DE" sz="1000" dirty="0"/>
-          </a:p>
-        </p:txBody>
-      </p:sp>
-      <p:sp>
-        <p:nvSpPr>
-          <p:cNvPr id="4" name="Titel 3"/>
-          <p:cNvSpPr>
-            <a:spLocks noGrp="1"/>
-          </p:cNvSpPr>
-          <p:nvPr>
-            <p:ph type="title"/>
-          </p:nvPr>
-        </p:nvSpPr>
-        <p:spPr/>
-        <p:txBody>
-          <a:bodyPr/>
-          <a:lstStyle/>
-          <a:p>
-            <a:r>
-              <a:rPr lang="de-DE" dirty="0"/>
-              <a:t>Quellen</a:t>
-            </a:r>
-          </a:p>
-        </p:txBody>
-      </p:sp>
-      <p:sp>
-        <p:nvSpPr>
-          <p:cNvPr id="5" name="Fußzeilenplatzhalter 4"/>
-          <p:cNvSpPr>
-            <a:spLocks noGrp="1"/>
-          </p:cNvSpPr>
-          <p:nvPr>
-            <p:ph type="ftr" sz="quarter" idx="16"/>
-          </p:nvPr>
-        </p:nvSpPr>
-        <p:spPr/>
-        <p:txBody>
-          <a:bodyPr/>
-          <a:lstStyle/>
-          <a:p>
-            <a:r>
-              <a:rPr lang="en-US" altLang="de-DE"/>
-              <a:t>Hochschule Mannheim | Julia Geigl, Clemens Behr, Kevin Höfle</a:t>
-            </a:r>
-            <a:endParaRPr lang="de-DE" altLang="de-DE" dirty="0"/>
-          </a:p>
-        </p:txBody>
-      </p:sp>
-    </p:spTree>
-    <p:extLst>
-      <p:ext uri="{BB962C8B-B14F-4D97-AF65-F5344CB8AC3E}">
-        <p14:creationId xmlns:p14="http://schemas.microsoft.com/office/powerpoint/2010/main" val="3863859420"/>
-      </p:ext>
-    </p:extLst>
-  </p:cSld>
-  <p:clrMapOvr>
-    <a:masterClrMapping/>
-  </p:clrMapOvr>
-  <p:transition/>
-</p:sld>
-</file>
-
-<file path=ppt/slides/slide4.xml><?xml version="1.0" encoding="utf-8"?>
-<p:sld xmlns:a="http://schemas.openxmlformats.org/drawingml/2006/main" xmlns:r="http://schemas.openxmlformats.org/officeDocument/2006/relationships" xmlns:p="http://schemas.openxmlformats.org/presentationml/2006/main">
-  <p:cSld>
-    <p:spTree>
-      <p:nvGrpSpPr>
-        <p:cNvPr id="1" name=""/>
-        <p:cNvGrpSpPr/>
-        <p:nvPr/>
-      </p:nvGrpSpPr>
-      <p:grpSpPr>
-        <a:xfrm>
-          <a:off x="0" y="0"/>
-          <a:ext cx="0" cy="0"/>
-          <a:chOff x="0" y="0"/>
-          <a:chExt cx="0" cy="0"/>
-        </a:xfrm>
-      </p:grpSpPr>
-      <p:sp>
-        <p:nvSpPr>
-          <p:cNvPr id="2" name="Foliennummernplatzhalter 1"/>
-          <p:cNvSpPr>
-            <a:spLocks noGrp="1"/>
-          </p:cNvSpPr>
-          <p:nvPr>
-            <p:ph type="sldNum" sz="quarter" idx="11"/>
-          </p:nvPr>
-        </p:nvSpPr>
-        <p:spPr/>
-        <p:txBody>
-          <a:bodyPr/>
-          <a:lstStyle/>
-          <a:p>
-            <a:fld id="{57D12BB6-0ED4-46B6-AB23-7758AD07EFBF}" type="slidenum">
-              <a:rPr lang="de-DE" smtClean="0"/>
-              <a:pPr/>
-              <a:t>4</a:t>
-            </a:fld>
-            <a:endParaRPr lang="de-DE" dirty="0"/>
-          </a:p>
-        </p:txBody>
-      </p:sp>
-      <p:sp>
-        <p:nvSpPr>
-          <p:cNvPr id="3" name="Textplatzhalter 2"/>
-          <p:cNvSpPr>
-            <a:spLocks noGrp="1"/>
-          </p:cNvSpPr>
-          <p:nvPr>
-            <p:ph type="body" sz="quarter" idx="15"/>
-          </p:nvPr>
-        </p:nvSpPr>
-        <p:spPr/>
-        <p:txBody>
-          <a:bodyPr/>
-          <a:lstStyle/>
-          <a:p>
-            <a:pPr>
-              <a:buFont typeface="Arial" panose="020B0604020202020204" pitchFamily="34" charset="0"/>
-              <a:buChar char="•"/>
-            </a:pPr>
-            <a:r>
-              <a:rPr lang="de-DE" dirty="0"/>
-              <a:t>Messen der Luftfeuchtigkeit und Temperatur im Zusammenhang mit Fensterstatus </a:t>
-            </a:r>
-          </a:p>
-          <a:p>
-            <a:pPr marL="285750" indent="-285750">
-              <a:buFont typeface="Arial" panose="020B0604020202020204" pitchFamily="34" charset="0"/>
-              <a:buChar char="•"/>
-            </a:pPr>
-            <a:endParaRPr lang="de-DE" dirty="0"/>
-          </a:p>
-          <a:p>
-            <a:pPr>
-              <a:buFont typeface="Arial" panose="020B0604020202020204" pitchFamily="34" charset="0"/>
-              <a:buChar char="•"/>
-            </a:pPr>
-            <a:r>
-              <a:rPr lang="de-DE" dirty="0"/>
-              <a:t>Speichern und Visualisieren der Daten</a:t>
-            </a:r>
-          </a:p>
-          <a:p>
-            <a:pPr>
-              <a:buFont typeface="Arial" panose="020B0604020202020204" pitchFamily="34" charset="0"/>
-              <a:buChar char="•"/>
-            </a:pPr>
-            <a:endParaRPr lang="de-DE" dirty="0"/>
-          </a:p>
-          <a:p>
-            <a:pPr>
-              <a:buFont typeface="Arial" panose="020B0604020202020204" pitchFamily="34" charset="0"/>
-              <a:buChar char="•"/>
-            </a:pPr>
-            <a:r>
-              <a:rPr lang="de-DE" dirty="0"/>
-              <a:t>Aktion bei Überschreitung eines Feuchtigkeits- oder Temperatur-Wertes</a:t>
-            </a:r>
-          </a:p>
-          <a:p>
-            <a:pPr>
-              <a:buFont typeface="Arial" panose="020B0604020202020204" pitchFamily="34" charset="0"/>
-              <a:buChar char="•"/>
-            </a:pPr>
-            <a:endParaRPr lang="de-DE" dirty="0"/>
-          </a:p>
-          <a:p>
-            <a:pPr marL="0" indent="0">
-              <a:buNone/>
-            </a:pPr>
-            <a:endParaRPr lang="de-DE" dirty="0"/>
-          </a:p>
-          <a:p>
-            <a:endParaRPr lang="de-DE" dirty="0"/>
-          </a:p>
-        </p:txBody>
-      </p:sp>
-      <p:sp>
-        <p:nvSpPr>
-          <p:cNvPr id="4" name="Titel 3"/>
-          <p:cNvSpPr>
-            <a:spLocks noGrp="1"/>
-          </p:cNvSpPr>
-          <p:nvPr>
-            <p:ph type="title"/>
-          </p:nvPr>
-        </p:nvSpPr>
-        <p:spPr/>
-        <p:txBody>
-          <a:bodyPr/>
-          <a:lstStyle/>
-          <a:p>
-            <a:r>
-              <a:rPr lang="de-DE" dirty="0"/>
-              <a:t>Grund Konzept</a:t>
-            </a:r>
-          </a:p>
-        </p:txBody>
-      </p:sp>
-      <p:sp>
-        <p:nvSpPr>
-          <p:cNvPr id="5" name="Fußzeilenplatzhalter 4"/>
-          <p:cNvSpPr>
-            <a:spLocks noGrp="1"/>
-          </p:cNvSpPr>
-          <p:nvPr>
-            <p:ph type="ftr" sz="quarter" idx="16"/>
-          </p:nvPr>
-        </p:nvSpPr>
-        <p:spPr/>
-        <p:txBody>
-          <a:bodyPr/>
-          <a:lstStyle/>
-          <a:p>
-            <a:r>
-              <a:rPr lang="en-US" altLang="de-DE"/>
-              <a:t>Hochschule Mannheim | Julia Geigl, Clemens Behr, Kevin Höfle</a:t>
-            </a:r>
-            <a:endParaRPr lang="de-DE" altLang="de-DE" dirty="0"/>
-          </a:p>
-        </p:txBody>
-      </p:sp>
-    </p:spTree>
-    <p:extLst>
-      <p:ext uri="{BB962C8B-B14F-4D97-AF65-F5344CB8AC3E}">
-        <p14:creationId xmlns:p14="http://schemas.microsoft.com/office/powerpoint/2010/main" val="3888361227"/>
       </p:ext>
     </p:extLst>
   </p:cSld>
@@ -18093,7 +20031,6 @@
               <a:rPr lang="de-DE" dirty="0"/>
               <a:t>-Sensoren</a:t>
             </a:r>
-            <a:endParaRPr lang="de-DE" dirty="0"/>
           </a:p>
         </p:txBody>
       </p:sp>

--- a/PES_FH_VERS.pptx
+++ b/PES_FH_VERS.pptx
@@ -6,10 +6,10 @@
     <p:sldMasterId id="2147483666" r:id="rId2"/>
   </p:sldMasterIdLst>
   <p:notesMasterIdLst>
-    <p:notesMasterId r:id="rId49"/>
+    <p:notesMasterId r:id="rId51"/>
   </p:notesMasterIdLst>
   <p:handoutMasterIdLst>
-    <p:handoutMasterId r:id="rId50"/>
+    <p:handoutMasterId r:id="rId52"/>
   </p:handoutMasterIdLst>
   <p:sldIdLst>
     <p:sldId id="256" r:id="rId3"/>
@@ -22,42 +22,44 @@
     <p:sldId id="339" r:id="rId10"/>
     <p:sldId id="340" r:id="rId11"/>
     <p:sldId id="341" r:id="rId12"/>
-    <p:sldId id="342" r:id="rId13"/>
-    <p:sldId id="344" r:id="rId14"/>
-    <p:sldId id="318" r:id="rId15"/>
-    <p:sldId id="319" r:id="rId16"/>
-    <p:sldId id="320" r:id="rId17"/>
-    <p:sldId id="321" r:id="rId18"/>
-    <p:sldId id="325" r:id="rId19"/>
-    <p:sldId id="326" r:id="rId20"/>
-    <p:sldId id="327" r:id="rId21"/>
-    <p:sldId id="328" r:id="rId22"/>
+    <p:sldId id="361" r:id="rId13"/>
+    <p:sldId id="342" r:id="rId14"/>
+    <p:sldId id="344" r:id="rId15"/>
+    <p:sldId id="318" r:id="rId16"/>
+    <p:sldId id="319" r:id="rId17"/>
+    <p:sldId id="320" r:id="rId18"/>
+    <p:sldId id="321" r:id="rId19"/>
+    <p:sldId id="325" r:id="rId20"/>
+    <p:sldId id="326" r:id="rId21"/>
+    <p:sldId id="327" r:id="rId22"/>
     <p:sldId id="345" r:id="rId23"/>
     <p:sldId id="338" r:id="rId24"/>
     <p:sldId id="347" r:id="rId25"/>
-    <p:sldId id="346" r:id="rId26"/>
-    <p:sldId id="348" r:id="rId27"/>
-    <p:sldId id="349" r:id="rId28"/>
-    <p:sldId id="350" r:id="rId29"/>
-    <p:sldId id="351" r:id="rId30"/>
-    <p:sldId id="352" r:id="rId31"/>
-    <p:sldId id="353" r:id="rId32"/>
-    <p:sldId id="354" r:id="rId33"/>
-    <p:sldId id="355" r:id="rId34"/>
-    <p:sldId id="356" r:id="rId35"/>
-    <p:sldId id="332" r:id="rId36"/>
-    <p:sldId id="334" r:id="rId37"/>
-    <p:sldId id="335" r:id="rId38"/>
-    <p:sldId id="330" r:id="rId39"/>
-    <p:sldId id="333" r:id="rId40"/>
-    <p:sldId id="357" r:id="rId41"/>
-    <p:sldId id="358" r:id="rId42"/>
-    <p:sldId id="359" r:id="rId43"/>
-    <p:sldId id="360" r:id="rId44"/>
-    <p:sldId id="337" r:id="rId45"/>
-    <p:sldId id="329" r:id="rId46"/>
-    <p:sldId id="331" r:id="rId47"/>
-    <p:sldId id="336" r:id="rId48"/>
+    <p:sldId id="362" r:id="rId26"/>
+    <p:sldId id="363" r:id="rId27"/>
+    <p:sldId id="346" r:id="rId28"/>
+    <p:sldId id="348" r:id="rId29"/>
+    <p:sldId id="349" r:id="rId30"/>
+    <p:sldId id="350" r:id="rId31"/>
+    <p:sldId id="351" r:id="rId32"/>
+    <p:sldId id="352" r:id="rId33"/>
+    <p:sldId id="353" r:id="rId34"/>
+    <p:sldId id="354" r:id="rId35"/>
+    <p:sldId id="355" r:id="rId36"/>
+    <p:sldId id="356" r:id="rId37"/>
+    <p:sldId id="332" r:id="rId38"/>
+    <p:sldId id="334" r:id="rId39"/>
+    <p:sldId id="335" r:id="rId40"/>
+    <p:sldId id="330" r:id="rId41"/>
+    <p:sldId id="333" r:id="rId42"/>
+    <p:sldId id="357" r:id="rId43"/>
+    <p:sldId id="358" r:id="rId44"/>
+    <p:sldId id="359" r:id="rId45"/>
+    <p:sldId id="360" r:id="rId46"/>
+    <p:sldId id="337" r:id="rId47"/>
+    <p:sldId id="329" r:id="rId48"/>
+    <p:sldId id="331" r:id="rId49"/>
+    <p:sldId id="336" r:id="rId50"/>
   </p:sldIdLst>
   <p:sldSz cx="9144000" cy="6858000" type="screen4x3"/>
   <p:notesSz cx="6858000" cy="9144000"/>
@@ -201,6 +203,7 @@
             <p14:sldId id="339"/>
             <p14:sldId id="340"/>
             <p14:sldId id="341"/>
+            <p14:sldId id="361"/>
             <p14:sldId id="342"/>
             <p14:sldId id="344"/>
             <p14:sldId id="318"/>
@@ -210,10 +213,11 @@
             <p14:sldId id="325"/>
             <p14:sldId id="326"/>
             <p14:sldId id="327"/>
-            <p14:sldId id="328"/>
             <p14:sldId id="345"/>
             <p14:sldId id="338"/>
             <p14:sldId id="347"/>
+            <p14:sldId id="362"/>
+            <p14:sldId id="363"/>
             <p14:sldId id="346"/>
             <p14:sldId id="348"/>
             <p14:sldId id="349"/>
@@ -1673,8 +1677,8 @@
           <a:lstStyle/>
           <a:p>
             <a:r>
-              <a:rPr lang="en-US" altLang="de-DE"/>
-              <a:t>Hochschule Mannheim | Julia Geigl, Clemens Behr, Kevin Höfle</a:t>
+              <a:rPr lang="de-DE" altLang="de-DE" smtClean="0"/>
+              <a:t>Hochschule Mannheim | Julia Geigl, Klemens Behr, Kevin Höfle</a:t>
             </a:r>
             <a:endParaRPr lang="de-DE" altLang="de-DE" dirty="0"/>
           </a:p>
@@ -2218,8 +2222,8 @@
           <a:lstStyle/>
           <a:p>
             <a:r>
-              <a:rPr lang="en-US" altLang="de-DE"/>
-              <a:t>Hochschule Mannheim | Julia Geigl, Clemens Behr, Kevin Höfle</a:t>
+              <a:rPr lang="de-DE" altLang="de-DE" smtClean="0"/>
+              <a:t>Hochschule Mannheim | Julia Geigl, Klemens Behr, Kevin Höfle</a:t>
             </a:r>
             <a:endParaRPr lang="de-DE" altLang="de-DE" dirty="0"/>
           </a:p>
@@ -2438,8 +2442,8 @@
           <a:lstStyle/>
           <a:p>
             <a:r>
-              <a:rPr lang="en-US" altLang="de-DE"/>
-              <a:t>Hochschule Mannheim | Julia Geigl, Clemens Behr, Kevin Höfle</a:t>
+              <a:rPr lang="de-DE" altLang="de-DE" smtClean="0"/>
+              <a:t>Hochschule Mannheim | Julia Geigl, Klemens Behr, Kevin Höfle</a:t>
             </a:r>
             <a:endParaRPr lang="de-DE" altLang="de-DE" dirty="0"/>
           </a:p>
@@ -2644,8 +2648,8 @@
           <a:lstStyle/>
           <a:p>
             <a:r>
-              <a:rPr lang="en-US" altLang="de-DE"/>
-              <a:t>Hochschule Mannheim | Julia Geigl, Clemens Behr, Kevin Höfle</a:t>
+              <a:rPr lang="de-DE" altLang="de-DE" smtClean="0"/>
+              <a:t>Hochschule Mannheim | Julia Geigl, Klemens Behr, Kevin Höfle</a:t>
             </a:r>
             <a:endParaRPr lang="de-DE" altLang="de-DE" dirty="0"/>
           </a:p>
@@ -2801,8 +2805,8 @@
           <a:lstStyle/>
           <a:p>
             <a:r>
-              <a:rPr lang="en-US" altLang="de-DE"/>
-              <a:t>Hochschule Mannheim | Julia Geigl, Clemens Behr, Kevin Höfle</a:t>
+              <a:rPr lang="de-DE" altLang="de-DE" smtClean="0"/>
+              <a:t>Hochschule Mannheim | Julia Geigl, Klemens Behr, Kevin Höfle</a:t>
             </a:r>
             <a:endParaRPr lang="de-DE" altLang="de-DE" dirty="0"/>
           </a:p>
@@ -3213,8 +3217,8 @@
           <a:lstStyle/>
           <a:p>
             <a:r>
-              <a:rPr lang="en-US" altLang="de-DE"/>
-              <a:t>Hochschule Mannheim | Julia Geigl, Clemens Behr, Kevin Höfle</a:t>
+              <a:rPr lang="de-DE" altLang="de-DE" smtClean="0"/>
+              <a:t>Hochschule Mannheim | Julia Geigl, Klemens Behr, Kevin Höfle</a:t>
             </a:r>
             <a:endParaRPr lang="de-DE" altLang="de-DE" dirty="0"/>
           </a:p>
@@ -3431,8 +3435,8 @@
           <a:lstStyle/>
           <a:p>
             <a:r>
-              <a:rPr lang="en-US" altLang="de-DE"/>
-              <a:t>Hochschule Mannheim | Julia Geigl, Clemens Behr, Kevin Höfle</a:t>
+              <a:rPr lang="de-DE" altLang="de-DE" smtClean="0"/>
+              <a:t>Hochschule Mannheim | Julia Geigl, Klemens Behr, Kevin Höfle</a:t>
             </a:r>
             <a:endParaRPr lang="de-DE" altLang="de-DE" dirty="0"/>
           </a:p>
@@ -3577,8 +3581,8 @@
           <a:lstStyle/>
           <a:p>
             <a:r>
-              <a:rPr lang="en-US" altLang="de-DE"/>
-              <a:t>Hochschule Mannheim | Julia Geigl, Clemens Behr, Kevin Höfle</a:t>
+              <a:rPr lang="de-DE" altLang="de-DE" smtClean="0"/>
+              <a:t>Hochschule Mannheim | Julia Geigl, Klemens Behr, Kevin Höfle</a:t>
             </a:r>
             <a:endParaRPr lang="de-DE" altLang="de-DE" dirty="0"/>
           </a:p>
@@ -3723,8 +3727,8 @@
           <a:lstStyle/>
           <a:p>
             <a:r>
-              <a:rPr lang="en-US" altLang="de-DE"/>
-              <a:t>Hochschule Mannheim | Julia Geigl, Clemens Behr, Kevin Höfle</a:t>
+              <a:rPr lang="de-DE" altLang="de-DE" smtClean="0"/>
+              <a:t>Hochschule Mannheim | Julia Geigl, Klemens Behr, Kevin Höfle</a:t>
             </a:r>
             <a:endParaRPr lang="de-DE" altLang="de-DE" dirty="0"/>
           </a:p>
@@ -3899,8 +3903,8 @@
           <a:lstStyle/>
           <a:p>
             <a:r>
-              <a:rPr lang="en-US" altLang="de-DE"/>
-              <a:t>Hochschule Mannheim | Julia Geigl, Clemens Behr, Kevin Höfle</a:t>
+              <a:rPr lang="de-DE" altLang="de-DE" smtClean="0"/>
+              <a:t>Hochschule Mannheim | Julia Geigl, Klemens Behr, Kevin Höfle</a:t>
             </a:r>
             <a:endParaRPr lang="de-DE" altLang="de-DE" dirty="0"/>
           </a:p>
@@ -4090,8 +4094,8 @@
           <a:lstStyle/>
           <a:p>
             <a:r>
-              <a:rPr lang="en-US" altLang="de-DE"/>
-              <a:t>Hochschule Mannheim | Julia Geigl, Clemens Behr, Kevin Höfle</a:t>
+              <a:rPr lang="de-DE" altLang="de-DE" smtClean="0"/>
+              <a:t>Hochschule Mannheim | Julia Geigl, Klemens Behr, Kevin Höfle</a:t>
             </a:r>
             <a:endParaRPr lang="de-DE" altLang="de-DE" dirty="0"/>
           </a:p>
@@ -4304,8 +4308,8 @@
           <a:lstStyle/>
           <a:p>
             <a:r>
-              <a:rPr lang="en-US" altLang="de-DE"/>
-              <a:t>Hochschule Mannheim | Julia Geigl, Clemens Behr, Kevin Höfle</a:t>
+              <a:rPr lang="de-DE" altLang="de-DE" smtClean="0"/>
+              <a:t>Hochschule Mannheim | Julia Geigl, Klemens Behr, Kevin Höfle</a:t>
             </a:r>
             <a:endParaRPr lang="de-DE" altLang="de-DE" dirty="0"/>
           </a:p>
@@ -4501,8 +4505,8 @@
           <a:lstStyle/>
           <a:p>
             <a:r>
-              <a:rPr lang="en-US" altLang="de-DE"/>
-              <a:t>Hochschule Mannheim | Julia Geigl, Clemens Behr, Kevin Höfle</a:t>
+              <a:rPr lang="de-DE" altLang="de-DE" smtClean="0"/>
+              <a:t>Hochschule Mannheim | Julia Geigl, Klemens Behr, Kevin Höfle</a:t>
             </a:r>
             <a:endParaRPr lang="de-DE" altLang="de-DE" dirty="0"/>
           </a:p>
@@ -4649,8 +4653,8 @@
           <a:lstStyle/>
           <a:p>
             <a:r>
-              <a:rPr lang="en-US" altLang="de-DE"/>
-              <a:t>Hochschule Mannheim | Julia Geigl, Clemens Behr, Kevin Höfle</a:t>
+              <a:rPr lang="de-DE" altLang="de-DE" smtClean="0"/>
+              <a:t>Hochschule Mannheim | Julia Geigl, Klemens Behr, Kevin Höfle</a:t>
             </a:r>
             <a:endParaRPr lang="de-DE" altLang="de-DE" dirty="0"/>
           </a:p>
@@ -5052,8 +5056,8 @@
           <a:lstStyle/>
           <a:p>
             <a:r>
-              <a:rPr lang="en-US" altLang="de-DE"/>
-              <a:t>Hochschule Mannheim | Julia Geigl, Clemens Behr, Kevin Höfle</a:t>
+              <a:rPr lang="de-DE" altLang="de-DE" smtClean="0"/>
+              <a:t>Hochschule Mannheim | Julia Geigl, Klemens Behr, Kevin Höfle</a:t>
             </a:r>
             <a:endParaRPr lang="de-DE" altLang="de-DE" dirty="0"/>
           </a:p>
@@ -5261,8 +5265,8 @@
           <a:lstStyle/>
           <a:p>
             <a:r>
-              <a:rPr lang="en-US" altLang="de-DE"/>
-              <a:t>Hochschule Mannheim | Julia Geigl, Clemens Behr, Kevin Höfle</a:t>
+              <a:rPr lang="de-DE" altLang="de-DE" smtClean="0"/>
+              <a:t>Hochschule Mannheim | Julia Geigl, Klemens Behr, Kevin Höfle</a:t>
             </a:r>
             <a:endParaRPr lang="de-DE" altLang="de-DE" dirty="0"/>
           </a:p>
@@ -5398,8 +5402,8 @@
           <a:lstStyle/>
           <a:p>
             <a:r>
-              <a:rPr lang="en-US" altLang="de-DE"/>
-              <a:t>Hochschule Mannheim | Julia Geigl, Clemens Behr, Kevin Höfle</a:t>
+              <a:rPr lang="de-DE" altLang="de-DE" smtClean="0"/>
+              <a:t>Hochschule Mannheim | Julia Geigl, Klemens Behr, Kevin Höfle</a:t>
             </a:r>
             <a:endParaRPr lang="de-DE" altLang="de-DE" dirty="0"/>
           </a:p>
@@ -5535,8 +5539,8 @@
           <a:lstStyle/>
           <a:p>
             <a:r>
-              <a:rPr lang="en-US" altLang="de-DE"/>
-              <a:t>Hochschule Mannheim | Julia Geigl, Clemens Behr, Kevin Höfle</a:t>
+              <a:rPr lang="de-DE" altLang="de-DE" smtClean="0"/>
+              <a:t>Hochschule Mannheim | Julia Geigl, Klemens Behr, Kevin Höfle</a:t>
             </a:r>
             <a:endParaRPr lang="de-DE" altLang="de-DE" dirty="0"/>
           </a:p>
@@ -6010,8 +6014,8 @@
           </a:lstStyle>
           <a:p>
             <a:r>
-              <a:rPr lang="en-US" altLang="de-DE"/>
-              <a:t>Hochschule Mannheim | Julia Geigl, Clemens Behr, Kevin Höfle</a:t>
+              <a:rPr lang="de-DE" altLang="de-DE" smtClean="0"/>
+              <a:t>Hochschule Mannheim | Julia Geigl, Klemens Behr, Kevin Höfle</a:t>
             </a:r>
             <a:endParaRPr lang="de-DE" altLang="de-DE" dirty="0"/>
           </a:p>
@@ -6974,8 +6978,8 @@
           </a:lstStyle>
           <a:p>
             <a:r>
-              <a:rPr lang="en-US" altLang="de-DE"/>
-              <a:t>Hochschule Mannheim | Julia Geigl, Clemens Behr, Kevin Höfle</a:t>
+              <a:rPr lang="de-DE" altLang="de-DE" smtClean="0"/>
+              <a:t>Hochschule Mannheim | Julia Geigl, Klemens Behr, Kevin Höfle</a:t>
             </a:r>
             <a:endParaRPr lang="de-DE" altLang="de-DE" dirty="0"/>
           </a:p>
@@ -7551,7 +7555,19 @@
             </a:r>
             <a:r>
               <a:rPr lang="en-US" dirty="0"/>
-              <a:t>, Kevin Höfle, Clemens Behr</a:t>
+              <a:t>, Kevin Höfle, </a:t>
+            </a:r>
+            <a:r>
+              <a:rPr lang="en-US" dirty="0" err="1" smtClean="0"/>
+              <a:t>Klemens</a:t>
+            </a:r>
+            <a:r>
+              <a:rPr lang="en-US" dirty="0" smtClean="0"/>
+              <a:t> </a:t>
+            </a:r>
+            <a:r>
+              <a:rPr lang="en-US" dirty="0"/>
+              <a:t>Behr</a:t>
             </a:r>
           </a:p>
           <a:p>
@@ -7629,6 +7645,13 @@
     <a:masterClrMapping/>
   </p:clrMapOvr>
   <p:transition/>
+  <p:timing>
+    <p:tnLst>
+      <p:par>
+        <p:cTn id="1" dur="indefinite" restart="never" nodeType="tmRoot"/>
+      </p:par>
+    </p:tnLst>
+  </p:timing>
 </p:sld>
 </file>
 
@@ -7711,8 +7734,8 @@
           <a:lstStyle/>
           <a:p>
             <a:r>
-              <a:rPr lang="en-US" altLang="de-DE"/>
-              <a:t>Hochschule Mannheim | Julia Geigl, Clemens Behr, Kevin Höfle</a:t>
+              <a:rPr lang="de-DE" altLang="de-DE" smtClean="0"/>
+              <a:t>Hochschule Mannheim | Julia Geigl, Klemens Behr, Kevin Höfle</a:t>
             </a:r>
             <a:endParaRPr lang="de-DE" altLang="de-DE" dirty="0"/>
           </a:p>
@@ -7974,6 +7997,13 @@
     <a:masterClrMapping/>
   </p:clrMapOvr>
   <p:transition/>
+  <p:timing>
+    <p:tnLst>
+      <p:par>
+        <p:cTn id="1" dur="indefinite" restart="never" nodeType="tmRoot"/>
+      </p:par>
+    </p:tnLst>
+  </p:timing>
 </p:sld>
 </file>
 
@@ -8056,8 +8086,8 @@
           <a:lstStyle/>
           <a:p>
             <a:r>
-              <a:rPr lang="en-US" altLang="de-DE"/>
-              <a:t>Hochschule Mannheim | Julia Geigl, Clemens Behr, Kevin Höfle</a:t>
+              <a:rPr lang="de-DE" altLang="de-DE" smtClean="0"/>
+              <a:t>Hochschule Mannheim | Julia Geigl, Klemens Behr, Kevin Höfle</a:t>
             </a:r>
             <a:endParaRPr lang="de-DE" altLang="de-DE" dirty="0"/>
           </a:p>
@@ -8085,7 +8115,7 @@
         </p:blipFill>
         <p:spPr>
           <a:xfrm>
-            <a:off x="107504" y="2131718"/>
+            <a:off x="251520" y="1988840"/>
             <a:ext cx="4712500" cy="4284092"/>
           </a:xfrm>
           <a:prstGeom prst="rect">
@@ -8335,6 +8365,343 @@
           </a:p>
         </p:txBody>
       </p:sp>
+    </p:spTree>
+    <p:extLst>
+      <p:ext uri="{BB962C8B-B14F-4D97-AF65-F5344CB8AC3E}">
+        <p14:creationId xmlns:p14="http://schemas.microsoft.com/office/powerpoint/2010/main" val="1409393262"/>
+      </p:ext>
+    </p:extLst>
+  </p:cSld>
+  <p:clrMapOvr>
+    <a:masterClrMapping/>
+  </p:clrMapOvr>
+  <p:transition/>
+  <p:timing>
+    <p:tnLst>
+      <p:par>
+        <p:cTn id="1" dur="indefinite" restart="never" nodeType="tmRoot"/>
+      </p:par>
+    </p:tnLst>
+  </p:timing>
+</p:sld>
+</file>
+
+<file path=ppt/slides/slide12.xml><?xml version="1.0" encoding="utf-8"?>
+<p:sld xmlns:a="http://schemas.openxmlformats.org/drawingml/2006/main" xmlns:r="http://schemas.openxmlformats.org/officeDocument/2006/relationships" xmlns:p="http://schemas.openxmlformats.org/presentationml/2006/main">
+  <p:cSld>
+    <p:spTree>
+      <p:nvGrpSpPr>
+        <p:cNvPr id="1" name=""/>
+        <p:cNvGrpSpPr/>
+        <p:nvPr/>
+      </p:nvGrpSpPr>
+      <p:grpSpPr>
+        <a:xfrm>
+          <a:off x="0" y="0"/>
+          <a:ext cx="0" cy="0"/>
+          <a:chOff x="0" y="0"/>
+          <a:chExt cx="0" cy="0"/>
+        </a:xfrm>
+      </p:grpSpPr>
+      <p:sp>
+        <p:nvSpPr>
+          <p:cNvPr id="2" name="Foliennummernplatzhalter 1"/>
+          <p:cNvSpPr>
+            <a:spLocks noGrp="1"/>
+          </p:cNvSpPr>
+          <p:nvPr>
+            <p:ph type="sldNum" sz="quarter" idx="11"/>
+          </p:nvPr>
+        </p:nvSpPr>
+        <p:spPr/>
+        <p:txBody>
+          <a:bodyPr/>
+          <a:lstStyle/>
+          <a:p>
+            <a:fld id="{57D12BB6-0ED4-46B6-AB23-7758AD07EFBF}" type="slidenum">
+              <a:rPr lang="de-DE" smtClean="0"/>
+              <a:pPr/>
+              <a:t>12</a:t>
+            </a:fld>
+            <a:endParaRPr lang="de-DE" dirty="0"/>
+          </a:p>
+        </p:txBody>
+      </p:sp>
+      <p:sp>
+        <p:nvSpPr>
+          <p:cNvPr id="4" name="Titel 3"/>
+          <p:cNvSpPr>
+            <a:spLocks noGrp="1"/>
+          </p:cNvSpPr>
+          <p:nvPr>
+            <p:ph type="title"/>
+          </p:nvPr>
+        </p:nvSpPr>
+        <p:spPr/>
+        <p:txBody>
+          <a:bodyPr/>
+          <a:lstStyle/>
+          <a:p>
+            <a:r>
+              <a:rPr lang="de-DE" dirty="0"/>
+              <a:t>Hauptprogramm</a:t>
+            </a:r>
+          </a:p>
+        </p:txBody>
+      </p:sp>
+      <p:sp>
+        <p:nvSpPr>
+          <p:cNvPr id="5" name="Fußzeilenplatzhalter 4"/>
+          <p:cNvSpPr>
+            <a:spLocks noGrp="1"/>
+          </p:cNvSpPr>
+          <p:nvPr>
+            <p:ph type="ftr" sz="quarter" idx="16"/>
+          </p:nvPr>
+        </p:nvSpPr>
+        <p:spPr/>
+        <p:txBody>
+          <a:bodyPr/>
+          <a:lstStyle/>
+          <a:p>
+            <a:r>
+              <a:rPr lang="de-DE" altLang="de-DE" smtClean="0"/>
+              <a:t>Hochschule Mannheim | Julia Geigl, Klemens Behr, Kevin Höfle</a:t>
+            </a:r>
+            <a:endParaRPr lang="de-DE" altLang="de-DE" dirty="0"/>
+          </a:p>
+        </p:txBody>
+      </p:sp>
+      <p:sp>
+        <p:nvSpPr>
+          <p:cNvPr id="7" name="Textfeld 6"/>
+          <p:cNvSpPr txBox="1"/>
+          <p:nvPr/>
+        </p:nvSpPr>
+        <p:spPr>
+          <a:xfrm>
+            <a:off x="5076056" y="2600908"/>
+            <a:ext cx="4912242" cy="2862322"/>
+          </a:xfrm>
+          <a:prstGeom prst="rect">
+            <a:avLst/>
+          </a:prstGeom>
+          <a:noFill/>
+        </p:spPr>
+        <p:txBody>
+          <a:bodyPr wrap="square" rtlCol="0">
+            <a:spAutoFit/>
+          </a:bodyPr>
+          <a:lstStyle/>
+          <a:p>
+            <a:pPr marL="285750" indent="-285750" algn="l">
+              <a:buFont typeface="Arial" panose="020B0604020202020204" pitchFamily="34" charset="0"/>
+              <a:buChar char="•"/>
+            </a:pPr>
+            <a:r>
+              <a:rPr lang="de-DE" dirty="0">
+                <a:solidFill>
+                  <a:schemeClr val="tx1">
+                    <a:lumMod val="85000"/>
+                    <a:lumOff val="15000"/>
+                  </a:schemeClr>
+                </a:solidFill>
+                <a:latin typeface="+mj-lt"/>
+                <a:ea typeface="Yu Gothic" panose="020B0400000000000000" pitchFamily="34" charset="-128"/>
+                <a:cs typeface="Calibri Light" panose="020F0302020204030204" pitchFamily="34" charset="0"/>
+                <a:sym typeface="Wingdings" panose="05000000000000000000" pitchFamily="2" charset="2"/>
+              </a:rPr>
+              <a:t>Initialisierung</a:t>
+            </a:r>
+          </a:p>
+          <a:p>
+            <a:pPr marL="742950" lvl="1" indent="-285750" algn="l">
+              <a:buFont typeface="Arial" panose="020B0604020202020204" pitchFamily="34" charset="0"/>
+              <a:buChar char="•"/>
+            </a:pPr>
+            <a:r>
+              <a:rPr lang="de-DE" dirty="0">
+                <a:solidFill>
+                  <a:schemeClr val="tx1">
+                    <a:lumMod val="85000"/>
+                    <a:lumOff val="15000"/>
+                  </a:schemeClr>
+                </a:solidFill>
+                <a:latin typeface="+mj-lt"/>
+                <a:ea typeface="Yu Gothic" panose="020B0400000000000000" pitchFamily="34" charset="-128"/>
+                <a:cs typeface="Calibri Light" panose="020F0302020204030204" pitchFamily="34" charset="0"/>
+                <a:sym typeface="Wingdings" panose="05000000000000000000" pitchFamily="2" charset="2"/>
+              </a:rPr>
+              <a:t>Serielle Schnittstelle</a:t>
+            </a:r>
+          </a:p>
+          <a:p>
+            <a:pPr marL="742950" lvl="1" indent="-285750" algn="l">
+              <a:buFont typeface="Arial" panose="020B0604020202020204" pitchFamily="34" charset="0"/>
+              <a:buChar char="•"/>
+            </a:pPr>
+            <a:r>
+              <a:rPr lang="de-DE" dirty="0">
+                <a:solidFill>
+                  <a:schemeClr val="tx1">
+                    <a:lumMod val="85000"/>
+                    <a:lumOff val="15000"/>
+                  </a:schemeClr>
+                </a:solidFill>
+                <a:latin typeface="+mj-lt"/>
+                <a:ea typeface="Yu Gothic" panose="020B0400000000000000" pitchFamily="34" charset="-128"/>
+                <a:cs typeface="Calibri Light" panose="020F0302020204030204" pitchFamily="34" charset="0"/>
+                <a:sym typeface="Wingdings" panose="05000000000000000000" pitchFamily="2" charset="2"/>
+              </a:rPr>
+              <a:t>ESP8266</a:t>
+            </a:r>
+          </a:p>
+          <a:p>
+            <a:pPr marL="285750" indent="-285750" algn="l">
+              <a:buFont typeface="Arial" panose="020B0604020202020204" pitchFamily="34" charset="0"/>
+              <a:buChar char="•"/>
+            </a:pPr>
+            <a:endParaRPr lang="de-DE" dirty="0">
+              <a:solidFill>
+                <a:schemeClr val="tx1">
+                  <a:lumMod val="85000"/>
+                  <a:lumOff val="15000"/>
+                </a:schemeClr>
+              </a:solidFill>
+              <a:latin typeface="+mj-lt"/>
+              <a:ea typeface="Yu Gothic" panose="020B0400000000000000" pitchFamily="34" charset="-128"/>
+              <a:cs typeface="Calibri Light" panose="020F0302020204030204" pitchFamily="34" charset="0"/>
+              <a:sym typeface="Wingdings" panose="05000000000000000000" pitchFamily="2" charset="2"/>
+            </a:endParaRPr>
+          </a:p>
+          <a:p>
+            <a:pPr marL="285750" indent="-285750" algn="l">
+              <a:buFont typeface="Arial" panose="020B0604020202020204" pitchFamily="34" charset="0"/>
+              <a:buChar char="•"/>
+            </a:pPr>
+            <a:r>
+              <a:rPr lang="de-DE" dirty="0">
+                <a:solidFill>
+                  <a:schemeClr val="tx1">
+                    <a:lumMod val="85000"/>
+                    <a:lumOff val="15000"/>
+                  </a:schemeClr>
+                </a:solidFill>
+                <a:latin typeface="+mj-lt"/>
+                <a:ea typeface="Yu Gothic" panose="020B0400000000000000" pitchFamily="34" charset="-128"/>
+                <a:cs typeface="Calibri Light" panose="020F0302020204030204" pitchFamily="34" charset="0"/>
+                <a:sym typeface="Wingdings" panose="05000000000000000000" pitchFamily="2" charset="2"/>
+              </a:rPr>
+              <a:t>Endlosschleife</a:t>
+            </a:r>
+          </a:p>
+          <a:p>
+            <a:pPr marL="742950" lvl="1" indent="-285750" algn="l">
+              <a:buFont typeface="Arial" panose="020B0604020202020204" pitchFamily="34" charset="0"/>
+              <a:buChar char="•"/>
+            </a:pPr>
+            <a:r>
+              <a:rPr lang="de-DE" dirty="0">
+                <a:solidFill>
+                  <a:schemeClr val="tx1">
+                    <a:lumMod val="85000"/>
+                    <a:lumOff val="15000"/>
+                  </a:schemeClr>
+                </a:solidFill>
+                <a:latin typeface="+mj-lt"/>
+                <a:ea typeface="Yu Gothic" panose="020B0400000000000000" pitchFamily="34" charset="-128"/>
+                <a:cs typeface="Calibri Light" panose="020F0302020204030204" pitchFamily="34" charset="0"/>
+                <a:sym typeface="Wingdings" panose="05000000000000000000" pitchFamily="2" charset="2"/>
+              </a:rPr>
+              <a:t>Ausgabe über Kontrollfenster</a:t>
+            </a:r>
+          </a:p>
+          <a:p>
+            <a:pPr marL="742950" lvl="1" indent="-285750" algn="l">
+              <a:buFont typeface="Arial" panose="020B0604020202020204" pitchFamily="34" charset="0"/>
+              <a:buChar char="•"/>
+            </a:pPr>
+            <a:r>
+              <a:rPr lang="de-DE" dirty="0">
+                <a:solidFill>
+                  <a:schemeClr val="tx1">
+                    <a:lumMod val="85000"/>
+                    <a:lumOff val="15000"/>
+                  </a:schemeClr>
+                </a:solidFill>
+                <a:latin typeface="+mj-lt"/>
+                <a:ea typeface="Yu Gothic" panose="020B0400000000000000" pitchFamily="34" charset="-128"/>
+                <a:cs typeface="Calibri Light" panose="020F0302020204030204" pitchFamily="34" charset="0"/>
+                <a:sym typeface="Wingdings" panose="05000000000000000000" pitchFamily="2" charset="2"/>
+              </a:rPr>
+              <a:t>DHT11 Daten erfragen</a:t>
+            </a:r>
+          </a:p>
+          <a:p>
+            <a:pPr marL="742950" lvl="1" indent="-285750" algn="l">
+              <a:buFont typeface="Arial" panose="020B0604020202020204" pitchFamily="34" charset="0"/>
+              <a:buChar char="•"/>
+            </a:pPr>
+            <a:r>
+              <a:rPr lang="de-DE" dirty="0">
+                <a:solidFill>
+                  <a:schemeClr val="tx1">
+                    <a:lumMod val="85000"/>
+                    <a:lumOff val="15000"/>
+                  </a:schemeClr>
+                </a:solidFill>
+                <a:latin typeface="+mj-lt"/>
+                <a:ea typeface="Yu Gothic" panose="020B0400000000000000" pitchFamily="34" charset="-128"/>
+                <a:cs typeface="Calibri Light" panose="020F0302020204030204" pitchFamily="34" charset="0"/>
+                <a:sym typeface="Wingdings" panose="05000000000000000000" pitchFamily="2" charset="2"/>
+              </a:rPr>
+              <a:t>US-Daten erfragen</a:t>
+            </a:r>
+          </a:p>
+          <a:p>
+            <a:pPr marL="742950" lvl="1" indent="-285750" algn="l">
+              <a:buFont typeface="Arial" panose="020B0604020202020204" pitchFamily="34" charset="0"/>
+              <a:buChar char="•"/>
+            </a:pPr>
+            <a:r>
+              <a:rPr lang="de-DE" dirty="0">
+                <a:solidFill>
+                  <a:schemeClr val="tx1">
+                    <a:lumMod val="85000"/>
+                    <a:lumOff val="15000"/>
+                  </a:schemeClr>
+                </a:solidFill>
+                <a:latin typeface="+mj-lt"/>
+                <a:ea typeface="Yu Gothic" panose="020B0400000000000000" pitchFamily="34" charset="-128"/>
+                <a:cs typeface="Calibri Light" panose="020F0302020204030204" pitchFamily="34" charset="0"/>
+                <a:sym typeface="Wingdings" panose="05000000000000000000" pitchFamily="2" charset="2"/>
+              </a:rPr>
+              <a:t>Zustand bestimmen</a:t>
+            </a:r>
+          </a:p>
+          <a:p>
+            <a:pPr marL="742950" lvl="1" indent="-285750" algn="l">
+              <a:buFont typeface="Arial" panose="020B0604020202020204" pitchFamily="34" charset="0"/>
+              <a:buChar char="•"/>
+            </a:pPr>
+            <a:r>
+              <a:rPr lang="de-DE" dirty="0">
+                <a:solidFill>
+                  <a:schemeClr val="tx1">
+                    <a:lumMod val="85000"/>
+                    <a:lumOff val="15000"/>
+                  </a:schemeClr>
+                </a:solidFill>
+                <a:latin typeface="+mj-lt"/>
+                <a:ea typeface="Yu Gothic" panose="020B0400000000000000" pitchFamily="34" charset="-128"/>
+                <a:cs typeface="Calibri Light" panose="020F0302020204030204" pitchFamily="34" charset="0"/>
+                <a:sym typeface="Wingdings" panose="05000000000000000000" pitchFamily="2" charset="2"/>
+              </a:rPr>
+              <a:t>Versenden der Daten</a:t>
+            </a:r>
+          </a:p>
+        </p:txBody>
+      </p:sp>
       <p:sp>
         <p:nvSpPr>
           <p:cNvPr id="8" name="Rechteck 7"/>
@@ -8343,7 +8710,7 @@
         </p:nvSpPr>
         <p:spPr>
           <a:xfrm>
-            <a:off x="1992890" y="2760396"/>
+            <a:off x="1943708" y="2600908"/>
             <a:ext cx="1322057" cy="552893"/>
           </a:xfrm>
           <a:prstGeom prst="rect">
@@ -8398,7 +8765,7 @@
         </p:nvSpPr>
         <p:spPr>
           <a:xfrm>
-            <a:off x="1996434" y="3720871"/>
+            <a:off x="1947252" y="3561383"/>
             <a:ext cx="1314895" cy="552893"/>
           </a:xfrm>
           <a:prstGeom prst="rect">
@@ -8445,7 +8812,7 @@
         </p:nvSpPr>
         <p:spPr>
           <a:xfrm>
-            <a:off x="1999978" y="4670712"/>
+            <a:off x="1950796" y="4511224"/>
             <a:ext cx="1314895" cy="552893"/>
           </a:xfrm>
           <a:prstGeom prst="rect">
@@ -8472,15 +8839,19 @@
           <a:bodyPr rtlCol="0" anchor="ctr"/>
           <a:lstStyle/>
           <a:p>
-            <a:pPr algn="ctr"/>
             <a:r>
               <a:rPr lang="de-DE" dirty="0">
                 <a:solidFill>
                   <a:schemeClr val="tx1"/>
                 </a:solidFill>
               </a:rPr>
-              <a:t>Zustand</a:t>
-            </a:r>
+              <a:t>Status</a:t>
+            </a:r>
+            <a:endParaRPr lang="de-DE" dirty="0">
+              <a:solidFill>
+                <a:schemeClr val="tx1"/>
+              </a:solidFill>
+            </a:endParaRPr>
           </a:p>
         </p:txBody>
       </p:sp>
@@ -8492,7 +8863,7 @@
         </p:nvSpPr>
         <p:spPr>
           <a:xfrm>
-            <a:off x="2003523" y="5588656"/>
+            <a:off x="1954341" y="5429168"/>
             <a:ext cx="1314895" cy="552893"/>
           </a:xfrm>
           <a:prstGeom prst="rect">
@@ -8542,7 +8913,7 @@
         </p:nvCxnSpPr>
         <p:spPr>
           <a:xfrm flipV="1">
-            <a:off x="2653882" y="3313289"/>
+            <a:off x="2604700" y="3153801"/>
             <a:ext cx="37" cy="407582"/>
           </a:xfrm>
           <a:prstGeom prst="straightConnector1">
@@ -8582,7 +8953,7 @@
         </p:nvCxnSpPr>
         <p:spPr>
           <a:xfrm flipH="1" flipV="1">
-            <a:off x="2653882" y="4273764"/>
+            <a:off x="2604700" y="4114276"/>
             <a:ext cx="3544" cy="396948"/>
           </a:xfrm>
           <a:prstGeom prst="straightConnector1">
@@ -8622,7 +8993,7 @@
         </p:nvCxnSpPr>
         <p:spPr>
           <a:xfrm flipH="1" flipV="1">
-            <a:off x="2657426" y="5223605"/>
+            <a:off x="2608244" y="5064117"/>
             <a:ext cx="3545" cy="365051"/>
           </a:xfrm>
           <a:prstGeom prst="straightConnector1">
@@ -8662,7 +9033,7 @@
         </p:nvCxnSpPr>
         <p:spPr>
           <a:xfrm rot="5400000" flipH="1">
-            <a:off x="966868" y="4447447"/>
+            <a:off x="917686" y="4287959"/>
             <a:ext cx="3381153" cy="7052"/>
           </a:xfrm>
           <a:prstGeom prst="bentConnector5">
@@ -8708,409 +9079,10 @@
   <p:timing>
     <p:tnLst>
       <p:par>
-        <p:cTn id="1" dur="indefinite" restart="never" nodeType="tmRoot">
-          <p:childTnLst>
-            <p:seq concurrent="1" nextAc="seek">
-              <p:cTn id="2" dur="indefinite" nodeType="mainSeq">
-                <p:childTnLst>
-                  <p:par>
-                    <p:cTn id="3" fill="hold">
-                      <p:stCondLst>
-                        <p:cond delay="indefinite"/>
-                      </p:stCondLst>
-                      <p:childTnLst>
-                        <p:par>
-                          <p:cTn id="4" fill="hold">
-                            <p:stCondLst>
-                              <p:cond delay="0"/>
-                            </p:stCondLst>
-                            <p:childTnLst>
-                              <p:par>
-                                <p:cTn id="5" presetID="1" presetClass="exit" presetSubtype="0" fill="hold" nodeType="clickEffect">
-                                  <p:stCondLst>
-                                    <p:cond delay="0"/>
-                                  </p:stCondLst>
-                                  <p:childTnLst>
-                                    <p:set>
-                                      <p:cBhvr>
-                                        <p:cTn id="6" dur="1" fill="hold">
-                                          <p:stCondLst>
-                                            <p:cond delay="0"/>
-                                          </p:stCondLst>
-                                        </p:cTn>
-                                        <p:tgtEl>
-                                          <p:spTgt spid="6"/>
-                                        </p:tgtEl>
-                                        <p:attrNameLst>
-                                          <p:attrName>style.visibility</p:attrName>
-                                        </p:attrNameLst>
-                                      </p:cBhvr>
-                                      <p:to>
-                                        <p:strVal val="hidden"/>
-                                      </p:to>
-                                    </p:set>
-                                  </p:childTnLst>
-                                </p:cTn>
-                              </p:par>
-                              <p:par>
-                                <p:cTn id="7" presetID="1" presetClass="entr" presetSubtype="0" fill="hold" grpId="0" nodeType="withEffect">
-                                  <p:stCondLst>
-                                    <p:cond delay="0"/>
-                                  </p:stCondLst>
-                                  <p:childTnLst>
-                                    <p:set>
-                                      <p:cBhvr>
-                                        <p:cTn id="8" dur="1" fill="hold">
-                                          <p:stCondLst>
-                                            <p:cond delay="0"/>
-                                          </p:stCondLst>
-                                        </p:cTn>
-                                        <p:tgtEl>
-                                          <p:spTgt spid="8"/>
-                                        </p:tgtEl>
-                                        <p:attrNameLst>
-                                          <p:attrName>style.visibility</p:attrName>
-                                        </p:attrNameLst>
-                                      </p:cBhvr>
-                                      <p:to>
-                                        <p:strVal val="visible"/>
-                                      </p:to>
-                                    </p:set>
-                                  </p:childTnLst>
-                                </p:cTn>
-                              </p:par>
-                              <p:par>
-                                <p:cTn id="9" presetID="1" presetClass="entr" presetSubtype="0" fill="hold" grpId="0" nodeType="withEffect">
-                                  <p:stCondLst>
-                                    <p:cond delay="0"/>
-                                  </p:stCondLst>
-                                  <p:childTnLst>
-                                    <p:set>
-                                      <p:cBhvr>
-                                        <p:cTn id="10" dur="1" fill="hold">
-                                          <p:stCondLst>
-                                            <p:cond delay="0"/>
-                                          </p:stCondLst>
-                                        </p:cTn>
-                                        <p:tgtEl>
-                                          <p:spTgt spid="9"/>
-                                        </p:tgtEl>
-                                        <p:attrNameLst>
-                                          <p:attrName>style.visibility</p:attrName>
-                                        </p:attrNameLst>
-                                      </p:cBhvr>
-                                      <p:to>
-                                        <p:strVal val="visible"/>
-                                      </p:to>
-                                    </p:set>
-                                  </p:childTnLst>
-                                </p:cTn>
-                              </p:par>
-                              <p:par>
-                                <p:cTn id="11" presetID="1" presetClass="entr" presetSubtype="0" fill="hold" grpId="0" nodeType="withEffect">
-                                  <p:stCondLst>
-                                    <p:cond delay="0"/>
-                                  </p:stCondLst>
-                                  <p:childTnLst>
-                                    <p:set>
-                                      <p:cBhvr>
-                                        <p:cTn id="12" dur="1" fill="hold">
-                                          <p:stCondLst>
-                                            <p:cond delay="0"/>
-                                          </p:stCondLst>
-                                        </p:cTn>
-                                        <p:tgtEl>
-                                          <p:spTgt spid="10"/>
-                                        </p:tgtEl>
-                                        <p:attrNameLst>
-                                          <p:attrName>style.visibility</p:attrName>
-                                        </p:attrNameLst>
-                                      </p:cBhvr>
-                                      <p:to>
-                                        <p:strVal val="visible"/>
-                                      </p:to>
-                                    </p:set>
-                                  </p:childTnLst>
-                                </p:cTn>
-                              </p:par>
-                              <p:par>
-                                <p:cTn id="13" presetID="1" presetClass="entr" presetSubtype="0" fill="hold" grpId="0" nodeType="withEffect">
-                                  <p:stCondLst>
-                                    <p:cond delay="0"/>
-                                  </p:stCondLst>
-                                  <p:childTnLst>
-                                    <p:set>
-                                      <p:cBhvr>
-                                        <p:cTn id="14" dur="1" fill="hold">
-                                          <p:stCondLst>
-                                            <p:cond delay="0"/>
-                                          </p:stCondLst>
-                                        </p:cTn>
-                                        <p:tgtEl>
-                                          <p:spTgt spid="11"/>
-                                        </p:tgtEl>
-                                        <p:attrNameLst>
-                                          <p:attrName>style.visibility</p:attrName>
-                                        </p:attrNameLst>
-                                      </p:cBhvr>
-                                      <p:to>
-                                        <p:strVal val="visible"/>
-                                      </p:to>
-                                    </p:set>
-                                  </p:childTnLst>
-                                </p:cTn>
-                              </p:par>
-                              <p:par>
-                                <p:cTn id="15" presetID="1" presetClass="entr" presetSubtype="0" fill="hold" nodeType="withEffect">
-                                  <p:stCondLst>
-                                    <p:cond delay="0"/>
-                                  </p:stCondLst>
-                                  <p:childTnLst>
-                                    <p:set>
-                                      <p:cBhvr>
-                                        <p:cTn id="16" dur="1" fill="hold">
-                                          <p:stCondLst>
-                                            <p:cond delay="0"/>
-                                          </p:stCondLst>
-                                        </p:cTn>
-                                        <p:tgtEl>
-                                          <p:spTgt spid="12"/>
-                                        </p:tgtEl>
-                                        <p:attrNameLst>
-                                          <p:attrName>style.visibility</p:attrName>
-                                        </p:attrNameLst>
-                                      </p:cBhvr>
-                                      <p:to>
-                                        <p:strVal val="visible"/>
-                                      </p:to>
-                                    </p:set>
-                                  </p:childTnLst>
-                                </p:cTn>
-                              </p:par>
-                              <p:par>
-                                <p:cTn id="17" presetID="1" presetClass="entr" presetSubtype="0" fill="hold" nodeType="withEffect">
-                                  <p:stCondLst>
-                                    <p:cond delay="0"/>
-                                  </p:stCondLst>
-                                  <p:childTnLst>
-                                    <p:set>
-                                      <p:cBhvr>
-                                        <p:cTn id="18" dur="1" fill="hold">
-                                          <p:stCondLst>
-                                            <p:cond delay="0"/>
-                                          </p:stCondLst>
-                                        </p:cTn>
-                                        <p:tgtEl>
-                                          <p:spTgt spid="13"/>
-                                        </p:tgtEl>
-                                        <p:attrNameLst>
-                                          <p:attrName>style.visibility</p:attrName>
-                                        </p:attrNameLst>
-                                      </p:cBhvr>
-                                      <p:to>
-                                        <p:strVal val="visible"/>
-                                      </p:to>
-                                    </p:set>
-                                  </p:childTnLst>
-                                </p:cTn>
-                              </p:par>
-                              <p:par>
-                                <p:cTn id="19" presetID="1" presetClass="entr" presetSubtype="0" fill="hold" nodeType="withEffect">
-                                  <p:stCondLst>
-                                    <p:cond delay="0"/>
-                                  </p:stCondLst>
-                                  <p:childTnLst>
-                                    <p:set>
-                                      <p:cBhvr>
-                                        <p:cTn id="20" dur="1" fill="hold">
-                                          <p:stCondLst>
-                                            <p:cond delay="0"/>
-                                          </p:stCondLst>
-                                        </p:cTn>
-                                        <p:tgtEl>
-                                          <p:spTgt spid="14"/>
-                                        </p:tgtEl>
-                                        <p:attrNameLst>
-                                          <p:attrName>style.visibility</p:attrName>
-                                        </p:attrNameLst>
-                                      </p:cBhvr>
-                                      <p:to>
-                                        <p:strVal val="visible"/>
-                                      </p:to>
-                                    </p:set>
-                                  </p:childTnLst>
-                                </p:cTn>
-                              </p:par>
-                              <p:par>
-                                <p:cTn id="21" presetID="1" presetClass="entr" presetSubtype="0" fill="hold" nodeType="withEffect">
-                                  <p:stCondLst>
-                                    <p:cond delay="0"/>
-                                  </p:stCondLst>
-                                  <p:childTnLst>
-                                    <p:set>
-                                      <p:cBhvr>
-                                        <p:cTn id="22" dur="1" fill="hold">
-                                          <p:stCondLst>
-                                            <p:cond delay="0"/>
-                                          </p:stCondLst>
-                                        </p:cTn>
-                                        <p:tgtEl>
-                                          <p:spTgt spid="15"/>
-                                        </p:tgtEl>
-                                        <p:attrNameLst>
-                                          <p:attrName>style.visibility</p:attrName>
-                                        </p:attrNameLst>
-                                      </p:cBhvr>
-                                      <p:to>
-                                        <p:strVal val="visible"/>
-                                      </p:to>
-                                    </p:set>
-                                  </p:childTnLst>
-                                </p:cTn>
-                              </p:par>
-                            </p:childTnLst>
-                          </p:cTn>
-                        </p:par>
-                      </p:childTnLst>
-                    </p:cTn>
-                  </p:par>
-                </p:childTnLst>
-              </p:cTn>
-              <p:prevCondLst>
-                <p:cond evt="onPrev" delay="0">
-                  <p:tgtEl>
-                    <p:sldTgt/>
-                  </p:tgtEl>
-                </p:cond>
-              </p:prevCondLst>
-              <p:nextCondLst>
-                <p:cond evt="onNext" delay="0">
-                  <p:tgtEl>
-                    <p:sldTgt/>
-                  </p:tgtEl>
-                </p:cond>
-              </p:nextCondLst>
-            </p:seq>
-          </p:childTnLst>
-        </p:cTn>
+        <p:cTn id="1" dur="indefinite" restart="never" nodeType="tmRoot"/>
       </p:par>
     </p:tnLst>
-    <p:bldLst>
-      <p:bldP spid="8" grpId="0" animBg="1"/>
-      <p:bldP spid="9" grpId="0" animBg="1"/>
-      <p:bldP spid="10" grpId="0" animBg="1"/>
-      <p:bldP spid="11" grpId="0" animBg="1"/>
-    </p:bldLst>
   </p:timing>
-</p:sld>
-</file>
-
-<file path=ppt/slides/slide12.xml><?xml version="1.0" encoding="utf-8"?>
-<p:sld xmlns:a="http://schemas.openxmlformats.org/drawingml/2006/main" xmlns:r="http://schemas.openxmlformats.org/officeDocument/2006/relationships" xmlns:p="http://schemas.openxmlformats.org/presentationml/2006/main">
-  <p:cSld>
-    <p:spTree>
-      <p:nvGrpSpPr>
-        <p:cNvPr id="1" name=""/>
-        <p:cNvGrpSpPr/>
-        <p:nvPr/>
-      </p:nvGrpSpPr>
-      <p:grpSpPr>
-        <a:xfrm>
-          <a:off x="0" y="0"/>
-          <a:ext cx="0" cy="0"/>
-          <a:chOff x="0" y="0"/>
-          <a:chExt cx="0" cy="0"/>
-        </a:xfrm>
-      </p:grpSpPr>
-      <p:sp>
-        <p:nvSpPr>
-          <p:cNvPr id="2" name="Foliennummernplatzhalter 1"/>
-          <p:cNvSpPr>
-            <a:spLocks noGrp="1"/>
-          </p:cNvSpPr>
-          <p:nvPr>
-            <p:ph type="sldNum" sz="quarter" idx="11"/>
-          </p:nvPr>
-        </p:nvSpPr>
-        <p:spPr/>
-        <p:txBody>
-          <a:bodyPr/>
-          <a:lstStyle/>
-          <a:p>
-            <a:fld id="{57D12BB6-0ED4-46B6-AB23-7758AD07EFBF}" type="slidenum">
-              <a:rPr lang="de-DE" smtClean="0"/>
-              <a:pPr/>
-              <a:t>12</a:t>
-            </a:fld>
-            <a:endParaRPr lang="de-DE" dirty="0"/>
-          </a:p>
-        </p:txBody>
-      </p:sp>
-      <p:sp>
-        <p:nvSpPr>
-          <p:cNvPr id="4" name="Titel 3"/>
-          <p:cNvSpPr>
-            <a:spLocks noGrp="1"/>
-          </p:cNvSpPr>
-          <p:nvPr>
-            <p:ph type="title"/>
-          </p:nvPr>
-        </p:nvSpPr>
-        <p:spPr>
-          <a:xfrm>
-            <a:off x="683568" y="2816932"/>
-            <a:ext cx="7164796" cy="863600"/>
-          </a:xfrm>
-        </p:spPr>
-        <p:txBody>
-          <a:bodyPr/>
-          <a:lstStyle/>
-          <a:p>
-            <a:r>
-              <a:rPr lang="de-DE" sz="6600" dirty="0"/>
-              <a:t>Sensoren &amp; Bibliotheken</a:t>
-            </a:r>
-            <a:br>
-              <a:rPr lang="de-DE" sz="6600" dirty="0"/>
-            </a:br>
-            <a:endParaRPr lang="de-DE" sz="6600" dirty="0"/>
-          </a:p>
-        </p:txBody>
-      </p:sp>
-      <p:sp>
-        <p:nvSpPr>
-          <p:cNvPr id="5" name="Fußzeilenplatzhalter 4"/>
-          <p:cNvSpPr>
-            <a:spLocks noGrp="1"/>
-          </p:cNvSpPr>
-          <p:nvPr>
-            <p:ph type="ftr" sz="quarter" idx="16"/>
-          </p:nvPr>
-        </p:nvSpPr>
-        <p:spPr/>
-        <p:txBody>
-          <a:bodyPr/>
-          <a:lstStyle/>
-          <a:p>
-            <a:r>
-              <a:rPr lang="en-US" altLang="de-DE"/>
-              <a:t>Hochschule Mannheim | Julia Geigl, Clemens Behr, Kevin Höfle</a:t>
-            </a:r>
-            <a:endParaRPr lang="de-DE" altLang="de-DE" dirty="0"/>
-          </a:p>
-        </p:txBody>
-      </p:sp>
-    </p:spTree>
-    <p:extLst>
-      <p:ext uri="{BB962C8B-B14F-4D97-AF65-F5344CB8AC3E}">
-        <p14:creationId xmlns:p14="http://schemas.microsoft.com/office/powerpoint/2010/main" val="3477689075"/>
-      </p:ext>
-    </p:extLst>
-  </p:cSld>
-  <p:clrMapOvr>
-    <a:masterClrMapping/>
-  </p:clrMapOvr>
-  <p:transition/>
 </p:sld>
 </file>
 
@@ -9165,6 +9137,122 @@
             <p:ph type="title"/>
           </p:nvPr>
         </p:nvSpPr>
+        <p:spPr>
+          <a:xfrm>
+            <a:off x="683568" y="2816932"/>
+            <a:ext cx="7164796" cy="863600"/>
+          </a:xfrm>
+        </p:spPr>
+        <p:txBody>
+          <a:bodyPr/>
+          <a:lstStyle/>
+          <a:p>
+            <a:r>
+              <a:rPr lang="de-DE" sz="6600" dirty="0"/>
+              <a:t>Sensoren &amp; Bibliotheken</a:t>
+            </a:r>
+            <a:br>
+              <a:rPr lang="de-DE" sz="6600" dirty="0"/>
+            </a:br>
+            <a:endParaRPr lang="de-DE" sz="6600" dirty="0"/>
+          </a:p>
+        </p:txBody>
+      </p:sp>
+      <p:sp>
+        <p:nvSpPr>
+          <p:cNvPr id="5" name="Fußzeilenplatzhalter 4"/>
+          <p:cNvSpPr>
+            <a:spLocks noGrp="1"/>
+          </p:cNvSpPr>
+          <p:nvPr>
+            <p:ph type="ftr" sz="quarter" idx="16"/>
+          </p:nvPr>
+        </p:nvSpPr>
+        <p:spPr/>
+        <p:txBody>
+          <a:bodyPr/>
+          <a:lstStyle/>
+          <a:p>
+            <a:r>
+              <a:rPr lang="de-DE" altLang="de-DE" smtClean="0"/>
+              <a:t>Hochschule Mannheim | Julia Geigl, Klemens Behr, Kevin Höfle</a:t>
+            </a:r>
+            <a:endParaRPr lang="de-DE" altLang="de-DE" dirty="0"/>
+          </a:p>
+        </p:txBody>
+      </p:sp>
+    </p:spTree>
+    <p:extLst>
+      <p:ext uri="{BB962C8B-B14F-4D97-AF65-F5344CB8AC3E}">
+        <p14:creationId xmlns:p14="http://schemas.microsoft.com/office/powerpoint/2010/main" val="3477689075"/>
+      </p:ext>
+    </p:extLst>
+  </p:cSld>
+  <p:clrMapOvr>
+    <a:masterClrMapping/>
+  </p:clrMapOvr>
+  <p:transition/>
+  <p:timing>
+    <p:tnLst>
+      <p:par>
+        <p:cTn id="1" dur="indefinite" restart="never" nodeType="tmRoot"/>
+      </p:par>
+    </p:tnLst>
+  </p:timing>
+</p:sld>
+</file>
+
+<file path=ppt/slides/slide14.xml><?xml version="1.0" encoding="utf-8"?>
+<p:sld xmlns:a="http://schemas.openxmlformats.org/drawingml/2006/main" xmlns:r="http://schemas.openxmlformats.org/officeDocument/2006/relationships" xmlns:p="http://schemas.openxmlformats.org/presentationml/2006/main">
+  <p:cSld>
+    <p:spTree>
+      <p:nvGrpSpPr>
+        <p:cNvPr id="1" name=""/>
+        <p:cNvGrpSpPr/>
+        <p:nvPr/>
+      </p:nvGrpSpPr>
+      <p:grpSpPr>
+        <a:xfrm>
+          <a:off x="0" y="0"/>
+          <a:ext cx="0" cy="0"/>
+          <a:chOff x="0" y="0"/>
+          <a:chExt cx="0" cy="0"/>
+        </a:xfrm>
+      </p:grpSpPr>
+      <p:sp>
+        <p:nvSpPr>
+          <p:cNvPr id="2" name="Foliennummernplatzhalter 1"/>
+          <p:cNvSpPr>
+            <a:spLocks noGrp="1"/>
+          </p:cNvSpPr>
+          <p:nvPr>
+            <p:ph type="sldNum" sz="quarter" idx="11"/>
+          </p:nvPr>
+        </p:nvSpPr>
+        <p:spPr/>
+        <p:txBody>
+          <a:bodyPr/>
+          <a:lstStyle/>
+          <a:p>
+            <a:fld id="{57D12BB6-0ED4-46B6-AB23-7758AD07EFBF}" type="slidenum">
+              <a:rPr lang="de-DE" smtClean="0"/>
+              <a:pPr/>
+              <a:t>14</a:t>
+            </a:fld>
+            <a:endParaRPr lang="de-DE" dirty="0"/>
+          </a:p>
+        </p:txBody>
+      </p:sp>
+      <p:sp>
+        <p:nvSpPr>
+          <p:cNvPr id="4" name="Titel 3"/>
+          <p:cNvSpPr>
+            <a:spLocks noGrp="1"/>
+          </p:cNvSpPr>
+          <p:nvPr>
+            <p:ph type="title"/>
+          </p:nvPr>
+        </p:nvSpPr>
         <p:spPr/>
         <p:txBody>
           <a:bodyPr/>
@@ -9193,8 +9281,8 @@
           <a:lstStyle/>
           <a:p>
             <a:r>
-              <a:rPr lang="en-US" altLang="de-DE"/>
-              <a:t>Hochschule Mannheim | Julia Geigl, Clemens Behr, Kevin Höfle</a:t>
+              <a:rPr lang="de-DE" altLang="de-DE" smtClean="0"/>
+              <a:t>Hochschule Mannheim | Julia Geigl, Klemens Behr, Kevin Höfle</a:t>
             </a:r>
             <a:endParaRPr lang="de-DE" altLang="de-DE" dirty="0"/>
           </a:p>
@@ -9620,10 +9708,17 @@
     <a:masterClrMapping/>
   </p:clrMapOvr>
   <p:transition/>
+  <p:timing>
+    <p:tnLst>
+      <p:par>
+        <p:cTn id="1" dur="indefinite" restart="never" nodeType="tmRoot"/>
+      </p:par>
+    </p:tnLst>
+  </p:timing>
 </p:sld>
 </file>
 
-<file path=ppt/slides/slide14.xml><?xml version="1.0" encoding="utf-8"?>
+<file path=ppt/slides/slide15.xml><?xml version="1.0" encoding="utf-8"?>
 <p:sld xmlns:a="http://schemas.openxmlformats.org/drawingml/2006/main" xmlns:r="http://schemas.openxmlformats.org/officeDocument/2006/relationships" xmlns:p="http://schemas.openxmlformats.org/presentationml/2006/main">
   <p:cSld>
     <p:spTree>
@@ -9658,7 +9753,7 @@
             <a:fld id="{57D12BB6-0ED4-46B6-AB23-7758AD07EFBF}" type="slidenum">
               <a:rPr lang="de-DE" smtClean="0"/>
               <a:pPr/>
-              <a:t>14</a:t>
+              <a:t>15</a:t>
             </a:fld>
             <a:endParaRPr lang="de-DE" dirty="0"/>
           </a:p>
@@ -9680,12 +9775,12 @@
           <a:lstStyle/>
           <a:p>
             <a:r>
-              <a:rPr lang="de-DE" dirty="0" err="1"/>
-              <a:t>Spezfische</a:t>
+              <a:rPr lang="de-DE" dirty="0" smtClean="0"/>
+              <a:t>Spezifische </a:t>
             </a:r>
             <a:r>
               <a:rPr lang="de-DE" dirty="0"/>
-              <a:t> Daten DHT11</a:t>
+              <a:t>Daten DHT11</a:t>
             </a:r>
           </a:p>
         </p:txBody>
@@ -9706,8 +9801,8 @@
           <a:lstStyle/>
           <a:p>
             <a:r>
-              <a:rPr lang="en-US" altLang="de-DE"/>
-              <a:t>Hochschule Mannheim | Julia Geigl, Clemens Behr, Kevin Höfle</a:t>
+              <a:rPr lang="de-DE" altLang="de-DE" smtClean="0"/>
+              <a:t>Hochschule Mannheim | Julia Geigl, Klemens Behr, Kevin Höfle</a:t>
             </a:r>
             <a:endParaRPr lang="de-DE" altLang="de-DE" dirty="0"/>
           </a:p>
@@ -9787,166 +9882,13 @@
     <a:masterClrMapping/>
   </p:clrMapOvr>
   <p:transition/>
-</p:sld>
-</file>
-
-<file path=ppt/slides/slide15.xml><?xml version="1.0" encoding="utf-8"?>
-<p:sld xmlns:a="http://schemas.openxmlformats.org/drawingml/2006/main" xmlns:r="http://schemas.openxmlformats.org/officeDocument/2006/relationships" xmlns:p="http://schemas.openxmlformats.org/presentationml/2006/main">
-  <p:cSld>
-    <p:spTree>
-      <p:nvGrpSpPr>
-        <p:cNvPr id="1" name=""/>
-        <p:cNvGrpSpPr/>
-        <p:nvPr/>
-      </p:nvGrpSpPr>
-      <p:grpSpPr>
-        <a:xfrm>
-          <a:off x="0" y="0"/>
-          <a:ext cx="0" cy="0"/>
-          <a:chOff x="0" y="0"/>
-          <a:chExt cx="0" cy="0"/>
-        </a:xfrm>
-      </p:grpSpPr>
-      <p:sp>
-        <p:nvSpPr>
-          <p:cNvPr id="2" name="Foliennummernplatzhalter 1"/>
-          <p:cNvSpPr>
-            <a:spLocks noGrp="1"/>
-          </p:cNvSpPr>
-          <p:nvPr>
-            <p:ph type="sldNum" sz="quarter" idx="11"/>
-          </p:nvPr>
-        </p:nvSpPr>
-        <p:spPr/>
-        <p:txBody>
-          <a:bodyPr/>
-          <a:lstStyle/>
-          <a:p>
-            <a:fld id="{57D12BB6-0ED4-46B6-AB23-7758AD07EFBF}" type="slidenum">
-              <a:rPr lang="de-DE" smtClean="0"/>
-              <a:pPr/>
-              <a:t>15</a:t>
-            </a:fld>
-            <a:endParaRPr lang="de-DE" dirty="0"/>
-          </a:p>
-        </p:txBody>
-      </p:sp>
-      <p:sp>
-        <p:nvSpPr>
-          <p:cNvPr id="3" name="Textplatzhalter 2"/>
-          <p:cNvSpPr>
-            <a:spLocks noGrp="1"/>
-          </p:cNvSpPr>
-          <p:nvPr>
-            <p:ph type="body" sz="quarter" idx="15"/>
-          </p:nvPr>
-        </p:nvSpPr>
-        <p:spPr/>
-        <p:txBody>
-          <a:bodyPr/>
-          <a:lstStyle/>
-          <a:p>
-            <a:pPr>
-              <a:buFont typeface="Arial" panose="020B0604020202020204" pitchFamily="34" charset="0"/>
-              <a:buChar char="•"/>
-            </a:pPr>
-            <a:r>
-              <a:rPr lang="de-DE" dirty="0"/>
-              <a:t>Verwendete Bibliothek „SimpleDHT11“</a:t>
-            </a:r>
-          </a:p>
-          <a:p>
-            <a:pPr>
-              <a:buFont typeface="Arial" panose="020B0604020202020204" pitchFamily="34" charset="0"/>
-              <a:buChar char="•"/>
-            </a:pPr>
-            <a:endParaRPr lang="de-DE" dirty="0"/>
-          </a:p>
-          <a:p>
-            <a:pPr>
-              <a:buFont typeface="Arial" panose="020B0604020202020204" pitchFamily="34" charset="0"/>
-              <a:buChar char="•"/>
-            </a:pPr>
-            <a:r>
-              <a:rPr lang="de-DE" dirty="0"/>
-              <a:t>Einfach zu verwenden</a:t>
-            </a:r>
-          </a:p>
-          <a:p>
-            <a:pPr>
-              <a:buFont typeface="Arial" panose="020B0604020202020204" pitchFamily="34" charset="0"/>
-              <a:buChar char="•"/>
-            </a:pPr>
-            <a:endParaRPr lang="de-DE" dirty="0"/>
-          </a:p>
-          <a:p>
-            <a:pPr>
-              <a:buFont typeface="Arial" panose="020B0604020202020204" pitchFamily="34" charset="0"/>
-              <a:buChar char="•"/>
-            </a:pPr>
-            <a:r>
-              <a:rPr lang="de-DE" dirty="0"/>
-              <a:t>Keine externe Abhängigkeit</a:t>
-            </a:r>
-          </a:p>
-        </p:txBody>
-      </p:sp>
-      <p:sp>
-        <p:nvSpPr>
-          <p:cNvPr id="4" name="Titel 3"/>
-          <p:cNvSpPr>
-            <a:spLocks noGrp="1"/>
-          </p:cNvSpPr>
-          <p:nvPr>
-            <p:ph type="title"/>
-          </p:nvPr>
-        </p:nvSpPr>
-        <p:spPr/>
-        <p:txBody>
-          <a:bodyPr/>
-          <a:lstStyle/>
-          <a:p>
-            <a:r>
-              <a:rPr lang="de-DE" dirty="0"/>
-              <a:t>Sensor auslesen – Simple DHT11</a:t>
-            </a:r>
-          </a:p>
-        </p:txBody>
-      </p:sp>
-      <p:sp>
-        <p:nvSpPr>
-          <p:cNvPr id="5" name="Fußzeilenplatzhalter 4"/>
-          <p:cNvSpPr>
-            <a:spLocks noGrp="1"/>
-          </p:cNvSpPr>
-          <p:nvPr>
-            <p:ph type="ftr" sz="quarter" idx="16"/>
-          </p:nvPr>
-        </p:nvSpPr>
-        <p:spPr/>
-        <p:txBody>
-          <a:bodyPr/>
-          <a:lstStyle/>
-          <a:p>
-            <a:r>
-              <a:rPr lang="en-US" altLang="de-DE"/>
-              <a:t>Hochschule Mannheim | Julia Geigl, Clemens Behr, Kevin Höfle</a:t>
-            </a:r>
-            <a:endParaRPr lang="de-DE" altLang="de-DE" dirty="0"/>
-          </a:p>
-        </p:txBody>
-      </p:sp>
-    </p:spTree>
-    <p:extLst>
-      <p:ext uri="{BB962C8B-B14F-4D97-AF65-F5344CB8AC3E}">
-        <p14:creationId xmlns:p14="http://schemas.microsoft.com/office/powerpoint/2010/main" val="3336550791"/>
-      </p:ext>
-    </p:extLst>
-  </p:cSld>
-  <p:clrMapOvr>
-    <a:masterClrMapping/>
-  </p:clrMapOvr>
-  <p:transition/>
+  <p:timing>
+    <p:tnLst>
+      <p:par>
+        <p:cTn id="1" dur="indefinite" restart="never" nodeType="tmRoot"/>
+      </p:par>
+    </p:tnLst>
+  </p:timing>
 </p:sld>
 </file>
 
@@ -9993,6 +9935,173 @@
       </p:sp>
       <p:sp>
         <p:nvSpPr>
+          <p:cNvPr id="3" name="Textplatzhalter 2"/>
+          <p:cNvSpPr>
+            <a:spLocks noGrp="1"/>
+          </p:cNvSpPr>
+          <p:nvPr>
+            <p:ph type="body" sz="quarter" idx="15"/>
+          </p:nvPr>
+        </p:nvSpPr>
+        <p:spPr/>
+        <p:txBody>
+          <a:bodyPr/>
+          <a:lstStyle/>
+          <a:p>
+            <a:pPr>
+              <a:buFont typeface="Arial" panose="020B0604020202020204" pitchFamily="34" charset="0"/>
+              <a:buChar char="•"/>
+            </a:pPr>
+            <a:r>
+              <a:rPr lang="de-DE" dirty="0"/>
+              <a:t>Verwendete Bibliothek „SimpleDHT11“</a:t>
+            </a:r>
+          </a:p>
+          <a:p>
+            <a:pPr>
+              <a:buFont typeface="Arial" panose="020B0604020202020204" pitchFamily="34" charset="0"/>
+              <a:buChar char="•"/>
+            </a:pPr>
+            <a:endParaRPr lang="de-DE" dirty="0"/>
+          </a:p>
+          <a:p>
+            <a:pPr>
+              <a:buFont typeface="Arial" panose="020B0604020202020204" pitchFamily="34" charset="0"/>
+              <a:buChar char="•"/>
+            </a:pPr>
+            <a:r>
+              <a:rPr lang="de-DE" dirty="0"/>
+              <a:t>Einfach zu verwenden</a:t>
+            </a:r>
+          </a:p>
+          <a:p>
+            <a:pPr>
+              <a:buFont typeface="Arial" panose="020B0604020202020204" pitchFamily="34" charset="0"/>
+              <a:buChar char="•"/>
+            </a:pPr>
+            <a:endParaRPr lang="de-DE" dirty="0"/>
+          </a:p>
+          <a:p>
+            <a:pPr>
+              <a:buFont typeface="Arial" panose="020B0604020202020204" pitchFamily="34" charset="0"/>
+              <a:buChar char="•"/>
+            </a:pPr>
+            <a:r>
+              <a:rPr lang="de-DE" dirty="0"/>
+              <a:t>Keine externe Abhängigkeit</a:t>
+            </a:r>
+          </a:p>
+        </p:txBody>
+      </p:sp>
+      <p:sp>
+        <p:nvSpPr>
+          <p:cNvPr id="4" name="Titel 3"/>
+          <p:cNvSpPr>
+            <a:spLocks noGrp="1"/>
+          </p:cNvSpPr>
+          <p:nvPr>
+            <p:ph type="title"/>
+          </p:nvPr>
+        </p:nvSpPr>
+        <p:spPr/>
+        <p:txBody>
+          <a:bodyPr/>
+          <a:lstStyle/>
+          <a:p>
+            <a:r>
+              <a:rPr lang="de-DE" dirty="0"/>
+              <a:t>Sensor auslesen – Simple DHT11</a:t>
+            </a:r>
+          </a:p>
+        </p:txBody>
+      </p:sp>
+      <p:sp>
+        <p:nvSpPr>
+          <p:cNvPr id="5" name="Fußzeilenplatzhalter 4"/>
+          <p:cNvSpPr>
+            <a:spLocks noGrp="1"/>
+          </p:cNvSpPr>
+          <p:nvPr>
+            <p:ph type="ftr" sz="quarter" idx="16"/>
+          </p:nvPr>
+        </p:nvSpPr>
+        <p:spPr/>
+        <p:txBody>
+          <a:bodyPr/>
+          <a:lstStyle/>
+          <a:p>
+            <a:r>
+              <a:rPr lang="de-DE" altLang="de-DE" smtClean="0"/>
+              <a:t>Hochschule Mannheim | Julia Geigl, Klemens Behr, Kevin Höfle</a:t>
+            </a:r>
+            <a:endParaRPr lang="de-DE" altLang="de-DE" dirty="0"/>
+          </a:p>
+        </p:txBody>
+      </p:sp>
+    </p:spTree>
+    <p:extLst>
+      <p:ext uri="{BB962C8B-B14F-4D97-AF65-F5344CB8AC3E}">
+        <p14:creationId xmlns:p14="http://schemas.microsoft.com/office/powerpoint/2010/main" val="3336550791"/>
+      </p:ext>
+    </p:extLst>
+  </p:cSld>
+  <p:clrMapOvr>
+    <a:masterClrMapping/>
+  </p:clrMapOvr>
+  <p:transition/>
+  <p:timing>
+    <p:tnLst>
+      <p:par>
+        <p:cTn id="1" dur="indefinite" restart="never" nodeType="tmRoot"/>
+      </p:par>
+    </p:tnLst>
+  </p:timing>
+</p:sld>
+</file>
+
+<file path=ppt/slides/slide17.xml><?xml version="1.0" encoding="utf-8"?>
+<p:sld xmlns:a="http://schemas.openxmlformats.org/drawingml/2006/main" xmlns:r="http://schemas.openxmlformats.org/officeDocument/2006/relationships" xmlns:p="http://schemas.openxmlformats.org/presentationml/2006/main" show="0">
+  <p:cSld>
+    <p:spTree>
+      <p:nvGrpSpPr>
+        <p:cNvPr id="1" name=""/>
+        <p:cNvGrpSpPr/>
+        <p:nvPr/>
+      </p:nvGrpSpPr>
+      <p:grpSpPr>
+        <a:xfrm>
+          <a:off x="0" y="0"/>
+          <a:ext cx="0" cy="0"/>
+          <a:chOff x="0" y="0"/>
+          <a:chExt cx="0" cy="0"/>
+        </a:xfrm>
+      </p:grpSpPr>
+      <p:sp>
+        <p:nvSpPr>
+          <p:cNvPr id="2" name="Foliennummernplatzhalter 1"/>
+          <p:cNvSpPr>
+            <a:spLocks noGrp="1"/>
+          </p:cNvSpPr>
+          <p:nvPr>
+            <p:ph type="sldNum" sz="quarter" idx="11"/>
+          </p:nvPr>
+        </p:nvSpPr>
+        <p:spPr/>
+        <p:txBody>
+          <a:bodyPr/>
+          <a:lstStyle/>
+          <a:p>
+            <a:fld id="{57D12BB6-0ED4-46B6-AB23-7758AD07EFBF}" type="slidenum">
+              <a:rPr lang="de-DE" smtClean="0"/>
+              <a:pPr/>
+              <a:t>17</a:t>
+            </a:fld>
+            <a:endParaRPr lang="de-DE" dirty="0"/>
+          </a:p>
+        </p:txBody>
+      </p:sp>
+      <p:sp>
+        <p:nvSpPr>
           <p:cNvPr id="4" name="Titel 3"/>
           <p:cNvSpPr>
             <a:spLocks noGrp="1"/>
@@ -10029,8 +10138,8 @@
           <a:lstStyle/>
           <a:p>
             <a:r>
-              <a:rPr lang="en-US" altLang="de-DE"/>
-              <a:t>Hochschule Mannheim | Julia Geigl, Clemens Behr, Kevin Höfle</a:t>
+              <a:rPr lang="de-DE" altLang="de-DE" smtClean="0"/>
+              <a:t>Hochschule Mannheim | Julia Geigl, Klemens Behr, Kevin Höfle</a:t>
             </a:r>
             <a:endParaRPr lang="de-DE" altLang="de-DE" dirty="0"/>
           </a:p>
@@ -10500,10 +10609,17 @@
     <a:masterClrMapping/>
   </p:clrMapOvr>
   <p:transition/>
+  <p:timing>
+    <p:tnLst>
+      <p:par>
+        <p:cTn id="1" dur="indefinite" restart="never" nodeType="tmRoot"/>
+      </p:par>
+    </p:tnLst>
+  </p:timing>
 </p:sld>
 </file>
 
-<file path=ppt/slides/slide17.xml><?xml version="1.0" encoding="utf-8"?>
+<file path=ppt/slides/slide18.xml><?xml version="1.0" encoding="utf-8"?>
 <p:sld xmlns:a="http://schemas.openxmlformats.org/drawingml/2006/main" xmlns:r="http://schemas.openxmlformats.org/officeDocument/2006/relationships" xmlns:p="http://schemas.openxmlformats.org/presentationml/2006/main">
   <p:cSld>
     <p:spTree>
@@ -10538,7 +10654,7 @@
             <a:fld id="{57D12BB6-0ED4-46B6-AB23-7758AD07EFBF}" type="slidenum">
               <a:rPr lang="de-DE" smtClean="0"/>
               <a:pPr/>
-              <a:t>17</a:t>
+              <a:t>18</a:t>
             </a:fld>
             <a:endParaRPr lang="de-DE" dirty="0"/>
           </a:p>
@@ -10773,8 +10889,8 @@
           <a:lstStyle/>
           <a:p>
             <a:r>
-              <a:rPr lang="en-US" altLang="de-DE"/>
-              <a:t>Hochschule Mannheim | Julia Geigl, Clemens Behr, Kevin Höfle</a:t>
+              <a:rPr lang="de-DE" altLang="de-DE" smtClean="0"/>
+              <a:t>Hochschule Mannheim | Julia Geigl, Klemens Behr, Kevin Höfle</a:t>
             </a:r>
             <a:endParaRPr lang="de-DE" altLang="de-DE" dirty="0"/>
           </a:p>
@@ -10875,8 +10991,8 @@
           <a:p>
             <a:pPr algn="l"/>
             <a:r>
-              <a:rPr lang="de-DE" dirty="0" err="1"/>
-              <a:t>Abstatfrequenz</a:t>
+              <a:rPr lang="de-DE" dirty="0" smtClean="0"/>
+              <a:t>Abtastfrequenz</a:t>
             </a:r>
             <a:r>
               <a:rPr lang="de-DE" dirty="0"/>
@@ -11146,10 +11262,17 @@
     <a:masterClrMapping/>
   </p:clrMapOvr>
   <p:transition/>
+  <p:timing>
+    <p:tnLst>
+      <p:par>
+        <p:cTn id="1" dur="indefinite" restart="never" nodeType="tmRoot"/>
+      </p:par>
+    </p:tnLst>
+  </p:timing>
 </p:sld>
 </file>
 
-<file path=ppt/slides/slide18.xml><?xml version="1.0" encoding="utf-8"?>
+<file path=ppt/slides/slide19.xml><?xml version="1.0" encoding="utf-8"?>
 <p:sld xmlns:a="http://schemas.openxmlformats.org/drawingml/2006/main" xmlns:r="http://schemas.openxmlformats.org/officeDocument/2006/relationships" xmlns:p="http://schemas.openxmlformats.org/presentationml/2006/main">
   <p:cSld>
     <p:spTree>
@@ -11184,7 +11307,7 @@
             <a:fld id="{57D12BB6-0ED4-46B6-AB23-7758AD07EFBF}" type="slidenum">
               <a:rPr lang="de-DE" smtClean="0"/>
               <a:pPr/>
-              <a:t>18</a:t>
+              <a:t>19</a:t>
             </a:fld>
             <a:endParaRPr lang="de-DE" dirty="0"/>
           </a:p>
@@ -11228,8 +11351,8 @@
           <a:lstStyle/>
           <a:p>
             <a:r>
-              <a:rPr lang="en-US" altLang="de-DE"/>
-              <a:t>Hochschule Mannheim | Julia Geigl, Clemens Behr, Kevin Höfle</a:t>
+              <a:rPr lang="de-DE" altLang="de-DE" smtClean="0"/>
+              <a:t>Hochschule Mannheim | Julia Geigl, Klemens Behr, Kevin Höfle</a:t>
             </a:r>
             <a:endParaRPr lang="de-DE" altLang="de-DE" dirty="0"/>
           </a:p>
@@ -11361,10 +11484,17 @@
     <a:masterClrMapping/>
   </p:clrMapOvr>
   <p:transition/>
+  <p:timing>
+    <p:tnLst>
+      <p:par>
+        <p:cTn id="1" dur="indefinite" restart="never" nodeType="tmRoot"/>
+      </p:par>
+    </p:tnLst>
+  </p:timing>
 </p:sld>
 </file>
 
-<file path=ppt/slides/slide19.xml><?xml version="1.0" encoding="utf-8"?>
+<file path=ppt/slides/slide2.xml><?xml version="1.0" encoding="utf-8"?>
 <p:sld xmlns:a="http://schemas.openxmlformats.org/drawingml/2006/main" xmlns:r="http://schemas.openxmlformats.org/officeDocument/2006/relationships" xmlns:p="http://schemas.openxmlformats.org/presentationml/2006/main">
   <p:cSld>
     <p:spTree>
@@ -11383,7 +11513,38 @@
       </p:grpSpPr>
       <p:sp>
         <p:nvSpPr>
-          <p:cNvPr id="2" name="Foliennummernplatzhalter 1"/>
+          <p:cNvPr id="2" name="Footer Placeholder 1"/>
+          <p:cNvSpPr>
+            <a:spLocks noGrp="1"/>
+          </p:cNvSpPr>
+          <p:nvPr>
+            <p:ph type="ftr" sz="quarter" idx="16"/>
+          </p:nvPr>
+        </p:nvSpPr>
+        <p:spPr>
+          <a:xfrm>
+            <a:off x="791580" y="6550025"/>
+            <a:ext cx="5165576" cy="307975"/>
+          </a:xfrm>
+          <a:prstGeom prst="rect">
+            <a:avLst/>
+          </a:prstGeom>
+        </p:spPr>
+        <p:txBody>
+          <a:bodyPr/>
+          <a:lstStyle/>
+          <a:p>
+            <a:r>
+              <a:rPr lang="de-DE" altLang="de-DE" smtClean="0"/>
+              <a:t>Hochschule Mannheim | Julia Geigl, Klemens Behr, Kevin Höfle</a:t>
+            </a:r>
+            <a:endParaRPr lang="de-DE" altLang="de-DE" dirty="0"/>
+          </a:p>
+        </p:txBody>
+      </p:sp>
+      <p:sp>
+        <p:nvSpPr>
+          <p:cNvPr id="3" name="Slide Number Placeholder 2"/>
           <p:cNvSpPr>
             <a:spLocks noGrp="1"/>
           </p:cNvSpPr>
@@ -11399,7 +11560,7 @@
             <a:fld id="{57D12BB6-0ED4-46B6-AB23-7758AD07EFBF}" type="slidenum">
               <a:rPr lang="de-DE" smtClean="0"/>
               <a:pPr/>
-              <a:t>19</a:t>
+              <a:t>2</a:t>
             </a:fld>
             <a:endParaRPr lang="de-DE" dirty="0"/>
           </a:p>
@@ -11407,6 +11568,179 @@
       </p:sp>
       <p:sp>
         <p:nvSpPr>
+          <p:cNvPr id="5" name="Text Placeholder 4"/>
+          <p:cNvSpPr>
+            <a:spLocks noGrp="1"/>
+          </p:cNvSpPr>
+          <p:nvPr>
+            <p:ph type="body" sz="quarter" idx="15"/>
+          </p:nvPr>
+        </p:nvSpPr>
+        <p:spPr/>
+        <p:txBody>
+          <a:bodyPr/>
+          <a:lstStyle/>
+          <a:p>
+            <a:r>
+              <a:rPr lang="en-US" dirty="0"/>
+              <a:t>Intro</a:t>
+            </a:r>
+          </a:p>
+          <a:p>
+            <a:endParaRPr lang="en-US" dirty="0"/>
+          </a:p>
+          <a:p>
+            <a:r>
+              <a:rPr lang="en-US" dirty="0" err="1"/>
+              <a:t>Sensoren</a:t>
+            </a:r>
+            <a:r>
+              <a:rPr lang="en-US" dirty="0"/>
+              <a:t> &amp; </a:t>
+            </a:r>
+            <a:r>
+              <a:rPr lang="en-US" dirty="0" err="1"/>
+              <a:t>Bibliotheken</a:t>
+            </a:r>
+            <a:endParaRPr lang="en-US" dirty="0"/>
+          </a:p>
+          <a:p>
+            <a:endParaRPr lang="en-US" dirty="0"/>
+          </a:p>
+          <a:p>
+            <a:r>
+              <a:rPr lang="en-US" dirty="0" err="1"/>
+              <a:t>Kommunikation</a:t>
+            </a:r>
+            <a:endParaRPr lang="en-US" dirty="0"/>
+          </a:p>
+          <a:p>
+            <a:endParaRPr lang="en-US" dirty="0"/>
+          </a:p>
+          <a:p>
+            <a:r>
+              <a:rPr lang="en-US" dirty="0"/>
+              <a:t>IoT </a:t>
+            </a:r>
+            <a:r>
+              <a:rPr lang="en-US" dirty="0" err="1"/>
+              <a:t>Platfrom</a:t>
+            </a:r>
+            <a:r>
+              <a:rPr lang="en-US" dirty="0"/>
+              <a:t> – </a:t>
+            </a:r>
+            <a:r>
+              <a:rPr lang="en-US" dirty="0" err="1"/>
+              <a:t>Adafruit</a:t>
+            </a:r>
+            <a:endParaRPr lang="en-US" dirty="0"/>
+          </a:p>
+          <a:p>
+            <a:endParaRPr lang="en-US" dirty="0"/>
+          </a:p>
+          <a:p>
+            <a:r>
+              <a:rPr lang="en-US" dirty="0" err="1"/>
+              <a:t>Zukunft</a:t>
+            </a:r>
+            <a:r>
+              <a:rPr lang="en-US" dirty="0"/>
+              <a:t/>
+            </a:r>
+            <a:br>
+              <a:rPr lang="en-US" dirty="0"/>
+            </a:br>
+            <a:endParaRPr lang="en-US" dirty="0"/>
+          </a:p>
+        </p:txBody>
+      </p:sp>
+      <p:sp>
+        <p:nvSpPr>
+          <p:cNvPr id="6" name="Title 5"/>
+          <p:cNvSpPr>
+            <a:spLocks noGrp="1"/>
+          </p:cNvSpPr>
+          <p:nvPr>
+            <p:ph type="title"/>
+          </p:nvPr>
+        </p:nvSpPr>
+        <p:spPr/>
+        <p:txBody>
+          <a:bodyPr/>
+          <a:lstStyle/>
+          <a:p>
+            <a:r>
+              <a:rPr lang="de-DE" dirty="0"/>
+              <a:t>Inhalt</a:t>
+            </a:r>
+          </a:p>
+        </p:txBody>
+      </p:sp>
+    </p:spTree>
+    <p:extLst>
+      <p:ext uri="{BB962C8B-B14F-4D97-AF65-F5344CB8AC3E}">
+        <p14:creationId xmlns:p14="http://schemas.microsoft.com/office/powerpoint/2010/main" val="3016125589"/>
+      </p:ext>
+    </p:extLst>
+  </p:cSld>
+  <p:clrMapOvr>
+    <a:masterClrMapping/>
+  </p:clrMapOvr>
+  <p:transition/>
+  <p:timing>
+    <p:tnLst>
+      <p:par>
+        <p:cTn id="1" dur="indefinite" restart="never" nodeType="tmRoot"/>
+      </p:par>
+    </p:tnLst>
+  </p:timing>
+</p:sld>
+</file>
+
+<file path=ppt/slides/slide20.xml><?xml version="1.0" encoding="utf-8"?>
+<p:sld xmlns:a="http://schemas.openxmlformats.org/drawingml/2006/main" xmlns:r="http://schemas.openxmlformats.org/officeDocument/2006/relationships" xmlns:p="http://schemas.openxmlformats.org/presentationml/2006/main">
+  <p:cSld>
+    <p:spTree>
+      <p:nvGrpSpPr>
+        <p:cNvPr id="1" name=""/>
+        <p:cNvGrpSpPr/>
+        <p:nvPr/>
+      </p:nvGrpSpPr>
+      <p:grpSpPr>
+        <a:xfrm>
+          <a:off x="0" y="0"/>
+          <a:ext cx="0" cy="0"/>
+          <a:chOff x="0" y="0"/>
+          <a:chExt cx="0" cy="0"/>
+        </a:xfrm>
+      </p:grpSpPr>
+      <p:sp>
+        <p:nvSpPr>
+          <p:cNvPr id="2" name="Foliennummernplatzhalter 1"/>
+          <p:cNvSpPr>
+            <a:spLocks noGrp="1"/>
+          </p:cNvSpPr>
+          <p:nvPr>
+            <p:ph type="sldNum" sz="quarter" idx="11"/>
+          </p:nvPr>
+        </p:nvSpPr>
+        <p:spPr/>
+        <p:txBody>
+          <a:bodyPr/>
+          <a:lstStyle/>
+          <a:p>
+            <a:fld id="{57D12BB6-0ED4-46B6-AB23-7758AD07EFBF}" type="slidenum">
+              <a:rPr lang="de-DE" smtClean="0"/>
+              <a:pPr/>
+              <a:t>20</a:t>
+            </a:fld>
+            <a:endParaRPr lang="de-DE" dirty="0"/>
+          </a:p>
+        </p:txBody>
+      </p:sp>
+      <p:sp>
+        <p:nvSpPr>
           <p:cNvPr id="4" name="Titel 3"/>
           <p:cNvSpPr>
             <a:spLocks noGrp="1"/>
@@ -11443,8 +11777,8 @@
           <a:lstStyle/>
           <a:p>
             <a:r>
-              <a:rPr lang="en-US" altLang="de-DE"/>
-              <a:t>Hochschule Mannheim | Julia Geigl, Clemens Behr, Kevin Höfle</a:t>
+              <a:rPr lang="de-DE" altLang="de-DE" smtClean="0"/>
+              <a:t>Hochschule Mannheim | Julia Geigl, Klemens Behr, Kevin Höfle</a:t>
             </a:r>
             <a:endParaRPr lang="de-DE" altLang="de-DE" dirty="0"/>
           </a:p>
@@ -11817,344 +12151,13 @@
     <a:masterClrMapping/>
   </p:clrMapOvr>
   <p:transition/>
-</p:sld>
-</file>
-
-<file path=ppt/slides/slide2.xml><?xml version="1.0" encoding="utf-8"?>
-<p:sld xmlns:a="http://schemas.openxmlformats.org/drawingml/2006/main" xmlns:r="http://schemas.openxmlformats.org/officeDocument/2006/relationships" xmlns:p="http://schemas.openxmlformats.org/presentationml/2006/main">
-  <p:cSld>
-    <p:spTree>
-      <p:nvGrpSpPr>
-        <p:cNvPr id="1" name=""/>
-        <p:cNvGrpSpPr/>
-        <p:nvPr/>
-      </p:nvGrpSpPr>
-      <p:grpSpPr>
-        <a:xfrm>
-          <a:off x="0" y="0"/>
-          <a:ext cx="0" cy="0"/>
-          <a:chOff x="0" y="0"/>
-          <a:chExt cx="0" cy="0"/>
-        </a:xfrm>
-      </p:grpSpPr>
-      <p:sp>
-        <p:nvSpPr>
-          <p:cNvPr id="2" name="Footer Placeholder 1"/>
-          <p:cNvSpPr>
-            <a:spLocks noGrp="1"/>
-          </p:cNvSpPr>
-          <p:nvPr>
-            <p:ph type="ftr" sz="quarter" idx="16"/>
-          </p:nvPr>
-        </p:nvSpPr>
-        <p:spPr>
-          <a:xfrm>
-            <a:off x="791580" y="6550025"/>
-            <a:ext cx="5165576" cy="307975"/>
-          </a:xfrm>
-          <a:prstGeom prst="rect">
-            <a:avLst/>
-          </a:prstGeom>
-        </p:spPr>
-        <p:txBody>
-          <a:bodyPr/>
-          <a:lstStyle/>
-          <a:p>
-            <a:r>
-              <a:rPr lang="en-US" altLang="de-DE"/>
-              <a:t>Hochschule Mannheim | Julia Geigl, Clemens Behr, Kevin Höfle</a:t>
-            </a:r>
-            <a:endParaRPr lang="de-DE" altLang="de-DE" dirty="0"/>
-          </a:p>
-        </p:txBody>
-      </p:sp>
-      <p:sp>
-        <p:nvSpPr>
-          <p:cNvPr id="3" name="Slide Number Placeholder 2"/>
-          <p:cNvSpPr>
-            <a:spLocks noGrp="1"/>
-          </p:cNvSpPr>
-          <p:nvPr>
-            <p:ph type="sldNum" sz="quarter" idx="11"/>
-          </p:nvPr>
-        </p:nvSpPr>
-        <p:spPr/>
-        <p:txBody>
-          <a:bodyPr/>
-          <a:lstStyle/>
-          <a:p>
-            <a:fld id="{57D12BB6-0ED4-46B6-AB23-7758AD07EFBF}" type="slidenum">
-              <a:rPr lang="de-DE" smtClean="0"/>
-              <a:pPr/>
-              <a:t>2</a:t>
-            </a:fld>
-            <a:endParaRPr lang="de-DE" dirty="0"/>
-          </a:p>
-        </p:txBody>
-      </p:sp>
-      <p:sp>
-        <p:nvSpPr>
-          <p:cNvPr id="5" name="Text Placeholder 4"/>
-          <p:cNvSpPr>
-            <a:spLocks noGrp="1"/>
-          </p:cNvSpPr>
-          <p:nvPr>
-            <p:ph type="body" sz="quarter" idx="15"/>
-          </p:nvPr>
-        </p:nvSpPr>
-        <p:spPr/>
-        <p:txBody>
-          <a:bodyPr/>
-          <a:lstStyle/>
-          <a:p>
-            <a:r>
-              <a:rPr lang="en-US" dirty="0"/>
-              <a:t>Intro</a:t>
-            </a:r>
-          </a:p>
-          <a:p>
-            <a:endParaRPr lang="en-US" dirty="0"/>
-          </a:p>
-          <a:p>
-            <a:r>
-              <a:rPr lang="en-US" dirty="0" err="1"/>
-              <a:t>Sensoren</a:t>
-            </a:r>
-            <a:r>
-              <a:rPr lang="en-US" dirty="0"/>
-              <a:t> &amp; </a:t>
-            </a:r>
-            <a:r>
-              <a:rPr lang="en-US" dirty="0" err="1"/>
-              <a:t>Bibliotheken</a:t>
-            </a:r>
-            <a:endParaRPr lang="en-US" dirty="0"/>
-          </a:p>
-          <a:p>
-            <a:endParaRPr lang="en-US" dirty="0"/>
-          </a:p>
-          <a:p>
-            <a:r>
-              <a:rPr lang="en-US" dirty="0" err="1"/>
-              <a:t>Kommunikation</a:t>
-            </a:r>
-            <a:endParaRPr lang="en-US" dirty="0"/>
-          </a:p>
-          <a:p>
-            <a:endParaRPr lang="en-US" dirty="0"/>
-          </a:p>
-          <a:p>
-            <a:r>
-              <a:rPr lang="en-US" dirty="0"/>
-              <a:t>IoT </a:t>
-            </a:r>
-            <a:r>
-              <a:rPr lang="en-US" dirty="0" err="1"/>
-              <a:t>Platfrom</a:t>
-            </a:r>
-            <a:r>
-              <a:rPr lang="en-US" dirty="0"/>
-              <a:t> – </a:t>
-            </a:r>
-            <a:r>
-              <a:rPr lang="en-US" dirty="0" err="1"/>
-              <a:t>Adafruit</a:t>
-            </a:r>
-            <a:endParaRPr lang="en-US" dirty="0"/>
-          </a:p>
-          <a:p>
-            <a:endParaRPr lang="en-US" dirty="0"/>
-          </a:p>
-          <a:p>
-            <a:r>
-              <a:rPr lang="en-US" dirty="0" err="1"/>
-              <a:t>Zukunft</a:t>
-            </a:r>
-            <a:br>
-              <a:rPr lang="en-US" dirty="0"/>
-            </a:br>
-            <a:endParaRPr lang="en-US" dirty="0"/>
-          </a:p>
-        </p:txBody>
-      </p:sp>
-      <p:sp>
-        <p:nvSpPr>
-          <p:cNvPr id="6" name="Title 5"/>
-          <p:cNvSpPr>
-            <a:spLocks noGrp="1"/>
-          </p:cNvSpPr>
-          <p:nvPr>
-            <p:ph type="title"/>
-          </p:nvPr>
-        </p:nvSpPr>
-        <p:spPr/>
-        <p:txBody>
-          <a:bodyPr/>
-          <a:lstStyle/>
-          <a:p>
-            <a:r>
-              <a:rPr lang="de-DE" dirty="0"/>
-              <a:t>Inhalt</a:t>
-            </a:r>
-          </a:p>
-        </p:txBody>
-      </p:sp>
-    </p:spTree>
-    <p:extLst>
-      <p:ext uri="{BB962C8B-B14F-4D97-AF65-F5344CB8AC3E}">
-        <p14:creationId xmlns:p14="http://schemas.microsoft.com/office/powerpoint/2010/main" val="3016125589"/>
-      </p:ext>
-    </p:extLst>
-  </p:cSld>
-  <p:clrMapOvr>
-    <a:masterClrMapping/>
-  </p:clrMapOvr>
-  <p:transition/>
-</p:sld>
-</file>
-
-<file path=ppt/slides/slide20.xml><?xml version="1.0" encoding="utf-8"?>
-<p:sld xmlns:a="http://schemas.openxmlformats.org/drawingml/2006/main" xmlns:r="http://schemas.openxmlformats.org/officeDocument/2006/relationships" xmlns:p="http://schemas.openxmlformats.org/presentationml/2006/main">
-  <p:cSld>
-    <p:spTree>
-      <p:nvGrpSpPr>
-        <p:cNvPr id="1" name=""/>
-        <p:cNvGrpSpPr/>
-        <p:nvPr/>
-      </p:nvGrpSpPr>
-      <p:grpSpPr>
-        <a:xfrm>
-          <a:off x="0" y="0"/>
-          <a:ext cx="0" cy="0"/>
-          <a:chOff x="0" y="0"/>
-          <a:chExt cx="0" cy="0"/>
-        </a:xfrm>
-      </p:grpSpPr>
-      <p:sp>
-        <p:nvSpPr>
-          <p:cNvPr id="2" name="Foliennummernplatzhalter 1"/>
-          <p:cNvSpPr>
-            <a:spLocks noGrp="1"/>
-          </p:cNvSpPr>
-          <p:nvPr>
-            <p:ph type="sldNum" sz="quarter" idx="11"/>
-          </p:nvPr>
-        </p:nvSpPr>
-        <p:spPr/>
-        <p:txBody>
-          <a:bodyPr/>
-          <a:lstStyle/>
-          <a:p>
-            <a:fld id="{57D12BB6-0ED4-46B6-AB23-7758AD07EFBF}" type="slidenum">
-              <a:rPr lang="de-DE" smtClean="0"/>
-              <a:pPr/>
-              <a:t>20</a:t>
-            </a:fld>
-            <a:endParaRPr lang="de-DE" dirty="0"/>
-          </a:p>
-        </p:txBody>
-      </p:sp>
-      <p:sp>
-        <p:nvSpPr>
-          <p:cNvPr id="3" name="Textplatzhalter 2"/>
-          <p:cNvSpPr>
-            <a:spLocks noGrp="1"/>
-          </p:cNvSpPr>
-          <p:nvPr>
-            <p:ph type="body" sz="quarter" idx="15"/>
-          </p:nvPr>
-        </p:nvSpPr>
-        <p:spPr/>
-        <p:txBody>
-          <a:bodyPr/>
-          <a:lstStyle/>
-          <a:p>
-            <a:r>
-              <a:rPr lang="de-DE" dirty="0" err="1"/>
-              <a:t>To</a:t>
-            </a:r>
-            <a:r>
-              <a:rPr lang="de-DE" dirty="0"/>
-              <a:t> do </a:t>
-            </a:r>
-            <a:r>
-              <a:rPr lang="de-DE" dirty="0">
-                <a:sym typeface="Wingdings" panose="05000000000000000000" pitchFamily="2" charset="2"/>
-              </a:rPr>
-              <a:t> Herr </a:t>
-            </a:r>
-            <a:r>
-              <a:rPr lang="de-DE" dirty="0" err="1">
-                <a:sym typeface="Wingdings" panose="05000000000000000000" pitchFamily="2" charset="2"/>
-              </a:rPr>
-              <a:t>Bohli</a:t>
-            </a:r>
-            <a:r>
-              <a:rPr lang="de-DE" dirty="0">
-                <a:sym typeface="Wingdings" panose="05000000000000000000" pitchFamily="2" charset="2"/>
-              </a:rPr>
-              <a:t> fragen ob dies relevant ist</a:t>
-            </a:r>
-            <a:endParaRPr lang="de-DE" dirty="0"/>
-          </a:p>
-        </p:txBody>
-      </p:sp>
-      <p:sp>
-        <p:nvSpPr>
-          <p:cNvPr id="4" name="Titel 3"/>
-          <p:cNvSpPr>
-            <a:spLocks noGrp="1"/>
-          </p:cNvSpPr>
-          <p:nvPr>
-            <p:ph type="title"/>
-          </p:nvPr>
-        </p:nvSpPr>
-        <p:spPr/>
-        <p:txBody>
-          <a:bodyPr/>
-          <a:lstStyle/>
-          <a:p>
-            <a:r>
-              <a:rPr lang="de-DE" dirty="0"/>
-              <a:t>Implementierung des Ultraschallsensors</a:t>
-            </a:r>
-          </a:p>
-        </p:txBody>
-      </p:sp>
-      <p:sp>
-        <p:nvSpPr>
-          <p:cNvPr id="5" name="Fußzeilenplatzhalter 4"/>
-          <p:cNvSpPr>
-            <a:spLocks noGrp="1"/>
-          </p:cNvSpPr>
-          <p:nvPr>
-            <p:ph type="ftr" sz="quarter" idx="16"/>
-          </p:nvPr>
-        </p:nvSpPr>
-        <p:spPr/>
-        <p:txBody>
-          <a:bodyPr/>
-          <a:lstStyle/>
-          <a:p>
-            <a:r>
-              <a:rPr lang="en-US" altLang="de-DE"/>
-              <a:t>Hochschule Mannheim | Julia Geigl, Clemens Behr, Kevin Höfle</a:t>
-            </a:r>
-            <a:endParaRPr lang="de-DE" altLang="de-DE" dirty="0"/>
-          </a:p>
-        </p:txBody>
-      </p:sp>
-    </p:spTree>
-    <p:extLst>
-      <p:ext uri="{BB962C8B-B14F-4D97-AF65-F5344CB8AC3E}">
-        <p14:creationId xmlns:p14="http://schemas.microsoft.com/office/powerpoint/2010/main" val="1751211392"/>
-      </p:ext>
-    </p:extLst>
-  </p:cSld>
-  <p:clrMapOvr>
-    <a:masterClrMapping/>
-  </p:clrMapOvr>
-  <p:transition/>
+  <p:timing>
+    <p:tnLst>
+      <p:par>
+        <p:cTn id="1" dur="indefinite" restart="never" nodeType="tmRoot"/>
+      </p:par>
+    </p:tnLst>
+  </p:timing>
 </p:sld>
 </file>
 
@@ -12242,8 +12245,8 @@
           <a:lstStyle/>
           <a:p>
             <a:r>
-              <a:rPr lang="en-US" altLang="de-DE"/>
-              <a:t>Hochschule Mannheim | Julia Geigl, Clemens Behr, Kevin Höfle</a:t>
+              <a:rPr lang="de-DE" altLang="de-DE" smtClean="0"/>
+              <a:t>Hochschule Mannheim | Julia Geigl, Klemens Behr, Kevin Höfle</a:t>
             </a:r>
             <a:endParaRPr lang="de-DE" altLang="de-DE" dirty="0"/>
           </a:p>
@@ -12260,11 +12263,18 @@
     <a:masterClrMapping/>
   </p:clrMapOvr>
   <p:transition/>
+  <p:timing>
+    <p:tnLst>
+      <p:par>
+        <p:cTn id="1" dur="indefinite" restart="never" nodeType="tmRoot"/>
+      </p:par>
+    </p:tnLst>
+  </p:timing>
 </p:sld>
 </file>
 
 <file path=ppt/slides/slide22.xml><?xml version="1.0" encoding="utf-8"?>
-<p:sld xmlns:a="http://schemas.openxmlformats.org/drawingml/2006/main" xmlns:r="http://schemas.openxmlformats.org/officeDocument/2006/relationships" xmlns:p="http://schemas.openxmlformats.org/presentationml/2006/main">
+<p:sld xmlns:a="http://schemas.openxmlformats.org/drawingml/2006/main" xmlns:r="http://schemas.openxmlformats.org/officeDocument/2006/relationships" xmlns:p="http://schemas.openxmlformats.org/presentationml/2006/main" show="0">
   <p:cSld>
     <p:spTree>
       <p:nvGrpSpPr>
@@ -12472,8 +12482,8 @@
           <a:lstStyle/>
           <a:p>
             <a:r>
-              <a:rPr lang="en-US" altLang="de-DE"/>
-              <a:t>Hochschule Mannheim | Julia Geigl, Clemens Behr, Kevin Höfle</a:t>
+              <a:rPr lang="de-DE" altLang="de-DE" smtClean="0"/>
+              <a:t>Hochschule Mannheim | Julia Geigl, Klemens Behr, Kevin Höfle</a:t>
             </a:r>
             <a:endParaRPr lang="de-DE" altLang="de-DE" dirty="0"/>
           </a:p>
@@ -12490,11 +12500,18 @@
     <a:masterClrMapping/>
   </p:clrMapOvr>
   <p:transition/>
+  <p:timing>
+    <p:tnLst>
+      <p:par>
+        <p:cTn id="1" dur="indefinite" restart="never" nodeType="tmRoot"/>
+      </p:par>
+    </p:tnLst>
+  </p:timing>
 </p:sld>
 </file>
 
 <file path=ppt/slides/slide23.xml><?xml version="1.0" encoding="utf-8"?>
-<p:sld xmlns:a="http://schemas.openxmlformats.org/drawingml/2006/main" xmlns:r="http://schemas.openxmlformats.org/officeDocument/2006/relationships" xmlns:p="http://schemas.openxmlformats.org/presentationml/2006/main">
+<p:sld xmlns:a="http://schemas.openxmlformats.org/drawingml/2006/main" xmlns:r="http://schemas.openxmlformats.org/officeDocument/2006/relationships" xmlns:p="http://schemas.openxmlformats.org/presentationml/2006/main" show="0">
   <p:cSld>
     <p:spTree>
       <p:nvGrpSpPr>
@@ -12747,8 +12764,8 @@
           <a:lstStyle/>
           <a:p>
             <a:r>
-              <a:rPr lang="en-US" altLang="de-DE"/>
-              <a:t>Hochschule Mannheim | Julia Geigl, Clemens Behr, Kevin Höfle</a:t>
+              <a:rPr lang="de-DE" altLang="de-DE" smtClean="0"/>
+              <a:t>Hochschule Mannheim | Julia Geigl, Klemens Behr, Kevin Höfle</a:t>
             </a:r>
             <a:endParaRPr lang="de-DE" altLang="de-DE" dirty="0"/>
           </a:p>
@@ -12765,6 +12782,13 @@
     <a:masterClrMapping/>
   </p:clrMapOvr>
   <p:transition/>
+  <p:timing>
+    <p:tnLst>
+      <p:par>
+        <p:cTn id="1" dur="indefinite" restart="never" nodeType="tmRoot"/>
+      </p:par>
+    </p:tnLst>
+  </p:timing>
 </p:sld>
 </file>
 
@@ -12811,28 +12835,229 @@
       </p:sp>
       <p:sp>
         <p:nvSpPr>
-          <p:cNvPr id="4" name="Titel 3"/>
-          <p:cNvSpPr>
-            <a:spLocks noGrp="1"/>
-          </p:cNvSpPr>
-          <p:nvPr>
-            <p:ph type="title"/>
+          <p:cNvPr id="3" name="Textplatzhalter 2"/>
+          <p:cNvSpPr>
+            <a:spLocks noGrp="1"/>
+          </p:cNvSpPr>
+          <p:nvPr>
+            <p:ph type="body" sz="quarter" idx="15"/>
           </p:nvPr>
         </p:nvSpPr>
         <p:spPr>
           <a:xfrm>
-            <a:off x="179512" y="3212976"/>
-            <a:ext cx="7164796" cy="863600"/>
+            <a:off x="988070" y="1988840"/>
+            <a:ext cx="7740650" cy="3944938"/>
           </a:xfrm>
         </p:spPr>
         <p:txBody>
           <a:bodyPr/>
           <a:lstStyle/>
           <a:p>
-            <a:r>
-              <a:rPr lang="de-DE" sz="5400" dirty="0"/>
-              <a:t>PROGRAMMABLAUF</a:t>
-            </a:r>
+            <a:pPr>
+              <a:buFont typeface="Arial" panose="020B0604020202020204" pitchFamily="34" charset="0"/>
+              <a:buChar char="•"/>
+            </a:pPr>
+            <a:r>
+              <a:rPr lang="de-DE" dirty="0" smtClean="0"/>
+              <a:t>Verbindung </a:t>
+            </a:r>
+            <a:r>
+              <a:rPr lang="de-DE" dirty="0"/>
+              <a:t>beenden und Baud Rate auf </a:t>
+            </a:r>
+            <a:r>
+              <a:rPr lang="de-DE" dirty="0" smtClean="0"/>
+              <a:t>115200</a:t>
+            </a:r>
+          </a:p>
+          <a:p>
+            <a:pPr lvl="3">
+              <a:buFont typeface="Arial" panose="020B0604020202020204" pitchFamily="34" charset="0"/>
+              <a:buChar char="•"/>
+            </a:pPr>
+            <a:r>
+              <a:rPr lang="de-DE" dirty="0" smtClean="0"/>
+              <a:t>Gelegentlich andere Baudrate</a:t>
+            </a:r>
+            <a:endParaRPr lang="de-DE" dirty="0"/>
+          </a:p>
+          <a:p>
+            <a:pPr>
+              <a:buFont typeface="Arial" panose="020B0604020202020204" pitchFamily="34" charset="0"/>
+              <a:buChar char="•"/>
+            </a:pPr>
+            <a:endParaRPr lang="de-DE" dirty="0" smtClean="0"/>
+          </a:p>
+          <a:p>
+            <a:pPr>
+              <a:buFont typeface="Arial" panose="020B0604020202020204" pitchFamily="34" charset="0"/>
+              <a:buChar char="•"/>
+            </a:pPr>
+            <a:r>
+              <a:rPr lang="de-DE" dirty="0" smtClean="0"/>
+              <a:t>AT+CIPMUX=1</a:t>
+            </a:r>
+            <a:r>
+              <a:rPr lang="de-DE" dirty="0"/>
+              <a:t>		</a:t>
+            </a:r>
+            <a:endParaRPr lang="de-DE" dirty="0" smtClean="0"/>
+          </a:p>
+          <a:p>
+            <a:pPr lvl="3">
+              <a:buFont typeface="Arial" panose="020B0604020202020204" pitchFamily="34" charset="0"/>
+              <a:buChar char="•"/>
+            </a:pPr>
+            <a:r>
+              <a:rPr lang="de-DE" dirty="0" smtClean="0"/>
+              <a:t>Modus</a:t>
+            </a:r>
+            <a:r>
+              <a:rPr lang="de-DE" dirty="0"/>
+              <a:t>: mehrere Verbindungen </a:t>
+            </a:r>
+            <a:r>
+              <a:rPr lang="de-DE" dirty="0" smtClean="0"/>
+              <a:t>möglich</a:t>
+            </a:r>
+            <a:endParaRPr lang="de-DE" dirty="0"/>
+          </a:p>
+          <a:p>
+            <a:pPr>
+              <a:buFont typeface="Arial" panose="020B0604020202020204" pitchFamily="34" charset="0"/>
+              <a:buChar char="•"/>
+            </a:pPr>
+            <a:endParaRPr lang="de-DE" dirty="0" smtClean="0"/>
+          </a:p>
+          <a:p>
+            <a:pPr>
+              <a:buFont typeface="Arial" panose="020B0604020202020204" pitchFamily="34" charset="0"/>
+              <a:buChar char="•"/>
+            </a:pPr>
+            <a:r>
+              <a:rPr lang="de-DE" dirty="0" smtClean="0"/>
+              <a:t>AT+CIPSTA</a:t>
+            </a:r>
+            <a:r>
+              <a:rPr lang="de-DE" dirty="0"/>
+              <a:t>= "192.x.x.x " 	</a:t>
+            </a:r>
+            <a:endParaRPr lang="de-DE" dirty="0" smtClean="0"/>
+          </a:p>
+          <a:p>
+            <a:pPr lvl="3">
+              <a:buFont typeface="Arial" panose="020B0604020202020204" pitchFamily="34" charset="0"/>
+              <a:buChar char="•"/>
+            </a:pPr>
+            <a:r>
+              <a:rPr lang="de-DE" dirty="0" smtClean="0"/>
+              <a:t>Statische </a:t>
+            </a:r>
+            <a:r>
+              <a:rPr lang="de-DE" dirty="0"/>
+              <a:t>IP-Adresse im eigenen </a:t>
+            </a:r>
+            <a:r>
+              <a:rPr lang="de-DE" dirty="0" smtClean="0"/>
+              <a:t>Subnetz</a:t>
+            </a:r>
+          </a:p>
+          <a:p>
+            <a:pPr lvl="3">
+              <a:buFont typeface="Arial" panose="020B0604020202020204" pitchFamily="34" charset="0"/>
+              <a:buChar char="•"/>
+            </a:pPr>
+            <a:r>
+              <a:rPr lang="de-DE" dirty="0" smtClean="0"/>
+              <a:t>IP-Zuweisung über Router funktionierte nicht </a:t>
+            </a:r>
+            <a:r>
+              <a:rPr lang="de-DE" dirty="0" smtClean="0">
+                <a:sym typeface="Wingdings" panose="05000000000000000000" pitchFamily="2" charset="2"/>
+              </a:rPr>
+              <a:t> Statische IP-Adresse</a:t>
+            </a:r>
+          </a:p>
+          <a:p>
+            <a:pPr lvl="1">
+              <a:buFont typeface="Arial" panose="020B0604020202020204" pitchFamily="34" charset="0"/>
+              <a:buChar char="•"/>
+            </a:pPr>
+            <a:endParaRPr lang="de-DE" dirty="0" smtClean="0">
+              <a:sym typeface="Wingdings" panose="05000000000000000000" pitchFamily="2" charset="2"/>
+            </a:endParaRPr>
+          </a:p>
+          <a:p>
+            <a:pPr lvl="1">
+              <a:buFont typeface="Arial" panose="020B0604020202020204" pitchFamily="34" charset="0"/>
+              <a:buChar char="•"/>
+            </a:pPr>
+            <a:r>
+              <a:rPr lang="de-DE" dirty="0" err="1" smtClean="0">
+                <a:sym typeface="Wingdings" panose="05000000000000000000" pitchFamily="2" charset="2"/>
+              </a:rPr>
+              <a:t>Spannungsversorung</a:t>
+            </a:r>
+            <a:r>
+              <a:rPr lang="de-DE" dirty="0" smtClean="0">
+                <a:sym typeface="Wingdings" panose="05000000000000000000" pitchFamily="2" charset="2"/>
+              </a:rPr>
+              <a:t> / Stromschwankungen</a:t>
+            </a:r>
+          </a:p>
+          <a:p>
+            <a:pPr lvl="3">
+              <a:buFont typeface="Arial" panose="020B0604020202020204" pitchFamily="34" charset="0"/>
+              <a:buChar char="•"/>
+            </a:pPr>
+            <a:r>
+              <a:rPr lang="de-DE" dirty="0" smtClean="0">
+                <a:sym typeface="Wingdings" panose="05000000000000000000" pitchFamily="2" charset="2"/>
+              </a:rPr>
+              <a:t>Senden schlug Fehl bis extern ein Strom indiziert wurde über die Eingangspins des ESP</a:t>
+            </a:r>
+            <a:endParaRPr lang="de-DE" dirty="0"/>
+          </a:p>
+          <a:p>
+            <a:pPr>
+              <a:buFont typeface="Arial" panose="020B0604020202020204" pitchFamily="34" charset="0"/>
+              <a:buChar char="•"/>
+            </a:pPr>
+            <a:endParaRPr lang="de-DE" dirty="0"/>
+          </a:p>
+          <a:p>
+            <a:pPr>
+              <a:buFont typeface="Arial" panose="020B0604020202020204" pitchFamily="34" charset="0"/>
+              <a:buChar char="•"/>
+            </a:pPr>
+            <a:endParaRPr lang="de-DE" dirty="0"/>
+          </a:p>
+        </p:txBody>
+      </p:sp>
+      <p:sp>
+        <p:nvSpPr>
+          <p:cNvPr id="4" name="Titel 3"/>
+          <p:cNvSpPr>
+            <a:spLocks noGrp="1"/>
+          </p:cNvSpPr>
+          <p:nvPr>
+            <p:ph type="title"/>
+          </p:nvPr>
+        </p:nvSpPr>
+        <p:spPr/>
+        <p:txBody>
+          <a:bodyPr/>
+          <a:lstStyle/>
+          <a:p>
+            <a:r>
+              <a:rPr lang="de-DE" dirty="0"/>
+              <a:t>ESP - </a:t>
+            </a:r>
+            <a:r>
+              <a:rPr lang="de-DE" dirty="0" smtClean="0"/>
+              <a:t>Probleme</a:t>
+            </a:r>
+            <a:endParaRPr lang="de-DE" dirty="0"/>
           </a:p>
         </p:txBody>
       </p:sp>
@@ -12852,8 +13077,8 @@
           <a:lstStyle/>
           <a:p>
             <a:r>
-              <a:rPr lang="en-US" altLang="de-DE"/>
-              <a:t>Hochschule Mannheim | Julia Geigl, Clemens Behr, Kevin Höfle</a:t>
+              <a:rPr lang="de-DE" altLang="de-DE" smtClean="0"/>
+              <a:t>Hochschule Mannheim | Julia Geigl, Klemens Behr, Kevin Höfle</a:t>
             </a:r>
             <a:endParaRPr lang="de-DE" altLang="de-DE" dirty="0"/>
           </a:p>
@@ -12862,7 +13087,7 @@
     </p:spTree>
     <p:extLst>
       <p:ext uri="{BB962C8B-B14F-4D97-AF65-F5344CB8AC3E}">
-        <p14:creationId xmlns:p14="http://schemas.microsoft.com/office/powerpoint/2010/main" val="2801340734"/>
+        <p14:creationId xmlns:p14="http://schemas.microsoft.com/office/powerpoint/2010/main" val="468476014"/>
       </p:ext>
     </p:extLst>
   </p:cSld>
@@ -12870,6 +13095,13 @@
     <a:masterClrMapping/>
   </p:clrMapOvr>
   <p:transition/>
+  <p:timing>
+    <p:tnLst>
+      <p:par>
+        <p:cTn id="1" dur="indefinite" restart="never" nodeType="tmRoot"/>
+      </p:par>
+    </p:tnLst>
+  </p:timing>
 </p:sld>
 </file>
 
@@ -12916,6 +13148,400 @@
       </p:sp>
       <p:sp>
         <p:nvSpPr>
+          <p:cNvPr id="3" name="Textplatzhalter 2"/>
+          <p:cNvSpPr>
+            <a:spLocks noGrp="1"/>
+          </p:cNvSpPr>
+          <p:nvPr>
+            <p:ph type="body" sz="quarter" idx="15"/>
+          </p:nvPr>
+        </p:nvSpPr>
+        <p:spPr/>
+        <p:txBody>
+          <a:bodyPr/>
+          <a:lstStyle/>
+          <a:p>
+            <a:r>
+              <a:rPr lang="de-DE" dirty="0"/>
+              <a:t>AT+CIPSTART=4, "TCP", "io.adafruit.com", 80 	</a:t>
+            </a:r>
+          </a:p>
+          <a:p>
+            <a:pPr lvl="2"/>
+            <a:r>
+              <a:rPr lang="de-DE" dirty="0"/>
+              <a:t>Verbindung zum Server aufbauen</a:t>
+            </a:r>
+          </a:p>
+          <a:p>
+            <a:r>
+              <a:rPr lang="de-DE" dirty="0"/>
+              <a:t>http Header</a:t>
+            </a:r>
+          </a:p>
+          <a:p>
+            <a:pPr lvl="2"/>
+            <a:r>
+              <a:rPr lang="en-US" dirty="0"/>
+              <a:t>GET /</a:t>
+            </a:r>
+            <a:r>
+              <a:rPr lang="en-US" dirty="0" err="1"/>
+              <a:t>api</a:t>
+            </a:r>
+            <a:r>
+              <a:rPr lang="en-US" dirty="0"/>
+              <a:t>/groups/embedded/</a:t>
+            </a:r>
+            <a:r>
+              <a:rPr lang="en-US" dirty="0" err="1"/>
+              <a:t>send.json?x-aio-key</a:t>
+            </a:r>
+            <a:r>
+              <a:rPr lang="en-US" dirty="0"/>
+              <a:t>=</a:t>
+            </a:r>
+            <a:r>
+              <a:rPr lang="en-US" dirty="0" err="1"/>
+              <a:t>xxx&amp;FeedName</a:t>
+            </a:r>
+            <a:r>
+              <a:rPr lang="en-US" dirty="0"/>
+              <a:t>=</a:t>
+            </a:r>
+            <a:r>
+              <a:rPr lang="en-US" dirty="0" err="1"/>
+              <a:t>FeedValue</a:t>
+            </a:r>
+            <a:r>
+              <a:rPr lang="en-US" dirty="0"/>
+              <a:t> HTTP/1.1/r/n </a:t>
+            </a:r>
+          </a:p>
+          <a:p>
+            <a:pPr marL="457200" lvl="2" indent="0">
+              <a:spcBef>
+                <a:spcPts val="0"/>
+              </a:spcBef>
+              <a:buNone/>
+            </a:pPr>
+            <a:r>
+              <a:rPr lang="en-US" dirty="0"/>
+              <a:t>Host: </a:t>
+            </a:r>
+            <a:r>
+              <a:rPr lang="pt-BR" dirty="0"/>
+              <a:t>io.adafruit.com/r/n/r/n</a:t>
+            </a:r>
+          </a:p>
+          <a:p>
+            <a:pPr lvl="2">
+              <a:spcBef>
+                <a:spcPts val="0"/>
+              </a:spcBef>
+            </a:pPr>
+            <a:r>
+              <a:rPr lang="en-US" dirty="0"/>
+              <a:t>&amp;</a:t>
+            </a:r>
+            <a:r>
+              <a:rPr lang="en-US" dirty="0" err="1"/>
+              <a:t>FeedName</a:t>
+            </a:r>
+            <a:r>
+              <a:rPr lang="en-US" dirty="0"/>
+              <a:t>=</a:t>
+            </a:r>
+            <a:r>
+              <a:rPr lang="en-US" dirty="0" err="1"/>
+              <a:t>FeedValue</a:t>
+            </a:r>
+            <a:r>
+              <a:rPr lang="en-US" dirty="0"/>
+              <a:t> </a:t>
+            </a:r>
+            <a:endParaRPr lang="pt-BR" dirty="0"/>
+          </a:p>
+          <a:p>
+            <a:pPr>
+              <a:lnSpc>
+                <a:spcPct val="200000"/>
+              </a:lnSpc>
+              <a:spcBef>
+                <a:spcPts val="0"/>
+              </a:spcBef>
+            </a:pPr>
+            <a:r>
+              <a:rPr lang="en-US" dirty="0"/>
+              <a:t>AT+CIPSEND=4,HeaderLen</a:t>
+            </a:r>
+          </a:p>
+          <a:p>
+            <a:pPr>
+              <a:lnSpc>
+                <a:spcPct val="150000"/>
+              </a:lnSpc>
+              <a:spcBef>
+                <a:spcPts val="0"/>
+              </a:spcBef>
+            </a:pPr>
+            <a:r>
+              <a:rPr lang="en-US" dirty="0"/>
+              <a:t>Ende des </a:t>
+            </a:r>
+            <a:r>
+              <a:rPr lang="en-US" dirty="0" err="1"/>
+              <a:t>Sende</a:t>
+            </a:r>
+            <a:r>
+              <a:rPr lang="en-US" dirty="0"/>
+              <a:t>-Modus </a:t>
+            </a:r>
+            <a:r>
+              <a:rPr lang="en-US" dirty="0" err="1"/>
+              <a:t>mit</a:t>
+            </a:r>
+            <a:r>
+              <a:rPr lang="en-US" dirty="0"/>
+              <a:t> </a:t>
+            </a:r>
+            <a:r>
+              <a:rPr lang="de-DE" dirty="0"/>
+              <a:t>"</a:t>
+            </a:r>
+            <a:r>
+              <a:rPr lang="en-US" dirty="0"/>
+              <a:t>+++</a:t>
+            </a:r>
+            <a:r>
+              <a:rPr lang="de-DE" dirty="0"/>
+              <a:t>"</a:t>
+            </a:r>
+            <a:endParaRPr lang="en-US" dirty="0"/>
+          </a:p>
+        </p:txBody>
+      </p:sp>
+      <p:sp>
+        <p:nvSpPr>
+          <p:cNvPr id="4" name="Titel 3"/>
+          <p:cNvSpPr>
+            <a:spLocks noGrp="1"/>
+          </p:cNvSpPr>
+          <p:nvPr>
+            <p:ph type="title"/>
+          </p:nvPr>
+        </p:nvSpPr>
+        <p:spPr/>
+        <p:txBody>
+          <a:bodyPr/>
+          <a:lstStyle/>
+          <a:p>
+            <a:r>
+              <a:rPr lang="de-DE" dirty="0"/>
+              <a:t>ESP - Senden</a:t>
+            </a:r>
+          </a:p>
+        </p:txBody>
+      </p:sp>
+      <p:sp>
+        <p:nvSpPr>
+          <p:cNvPr id="5" name="Fußzeilenplatzhalter 4"/>
+          <p:cNvSpPr>
+            <a:spLocks noGrp="1"/>
+          </p:cNvSpPr>
+          <p:nvPr>
+            <p:ph type="ftr" sz="quarter" idx="16"/>
+          </p:nvPr>
+        </p:nvSpPr>
+        <p:spPr/>
+        <p:txBody>
+          <a:bodyPr/>
+          <a:lstStyle/>
+          <a:p>
+            <a:r>
+              <a:rPr lang="de-DE" altLang="de-DE" smtClean="0"/>
+              <a:t>Hochschule Mannheim | Julia Geigl, Klemens Behr, Kevin Höfle</a:t>
+            </a:r>
+            <a:endParaRPr lang="de-DE" altLang="de-DE" dirty="0"/>
+          </a:p>
+        </p:txBody>
+      </p:sp>
+    </p:spTree>
+    <p:extLst>
+      <p:ext uri="{BB962C8B-B14F-4D97-AF65-F5344CB8AC3E}">
+        <p14:creationId xmlns:p14="http://schemas.microsoft.com/office/powerpoint/2010/main" val="2933276753"/>
+      </p:ext>
+    </p:extLst>
+  </p:cSld>
+  <p:clrMapOvr>
+    <a:masterClrMapping/>
+  </p:clrMapOvr>
+  <p:transition/>
+  <p:timing>
+    <p:tnLst>
+      <p:par>
+        <p:cTn id="1" dur="indefinite" restart="never" nodeType="tmRoot"/>
+      </p:par>
+    </p:tnLst>
+  </p:timing>
+</p:sld>
+</file>
+
+<file path=ppt/slides/slide26.xml><?xml version="1.0" encoding="utf-8"?>
+<p:sld xmlns:a="http://schemas.openxmlformats.org/drawingml/2006/main" xmlns:r="http://schemas.openxmlformats.org/officeDocument/2006/relationships" xmlns:p="http://schemas.openxmlformats.org/presentationml/2006/main">
+  <p:cSld>
+    <p:spTree>
+      <p:nvGrpSpPr>
+        <p:cNvPr id="1" name=""/>
+        <p:cNvGrpSpPr/>
+        <p:nvPr/>
+      </p:nvGrpSpPr>
+      <p:grpSpPr>
+        <a:xfrm>
+          <a:off x="0" y="0"/>
+          <a:ext cx="0" cy="0"/>
+          <a:chOff x="0" y="0"/>
+          <a:chExt cx="0" cy="0"/>
+        </a:xfrm>
+      </p:grpSpPr>
+      <p:sp>
+        <p:nvSpPr>
+          <p:cNvPr id="2" name="Foliennummernplatzhalter 1"/>
+          <p:cNvSpPr>
+            <a:spLocks noGrp="1"/>
+          </p:cNvSpPr>
+          <p:nvPr>
+            <p:ph type="sldNum" sz="quarter" idx="11"/>
+          </p:nvPr>
+        </p:nvSpPr>
+        <p:spPr/>
+        <p:txBody>
+          <a:bodyPr/>
+          <a:lstStyle/>
+          <a:p>
+            <a:fld id="{57D12BB6-0ED4-46B6-AB23-7758AD07EFBF}" type="slidenum">
+              <a:rPr lang="de-DE" smtClean="0"/>
+              <a:pPr/>
+              <a:t>26</a:t>
+            </a:fld>
+            <a:endParaRPr lang="de-DE" dirty="0"/>
+          </a:p>
+        </p:txBody>
+      </p:sp>
+      <p:sp>
+        <p:nvSpPr>
+          <p:cNvPr id="4" name="Titel 3"/>
+          <p:cNvSpPr>
+            <a:spLocks noGrp="1"/>
+          </p:cNvSpPr>
+          <p:nvPr>
+            <p:ph type="title"/>
+          </p:nvPr>
+        </p:nvSpPr>
+        <p:spPr>
+          <a:xfrm>
+            <a:off x="179512" y="3212976"/>
+            <a:ext cx="7164796" cy="863600"/>
+          </a:xfrm>
+        </p:spPr>
+        <p:txBody>
+          <a:bodyPr/>
+          <a:lstStyle/>
+          <a:p>
+            <a:r>
+              <a:rPr lang="de-DE" sz="5400" dirty="0"/>
+              <a:t>PROGRAMMABLAUF</a:t>
+            </a:r>
+          </a:p>
+        </p:txBody>
+      </p:sp>
+      <p:sp>
+        <p:nvSpPr>
+          <p:cNvPr id="5" name="Fußzeilenplatzhalter 4"/>
+          <p:cNvSpPr>
+            <a:spLocks noGrp="1"/>
+          </p:cNvSpPr>
+          <p:nvPr>
+            <p:ph type="ftr" sz="quarter" idx="16"/>
+          </p:nvPr>
+        </p:nvSpPr>
+        <p:spPr/>
+        <p:txBody>
+          <a:bodyPr/>
+          <a:lstStyle/>
+          <a:p>
+            <a:r>
+              <a:rPr lang="de-DE" altLang="de-DE" smtClean="0"/>
+              <a:t>Hochschule Mannheim | Julia Geigl, Klemens Behr, Kevin Höfle</a:t>
+            </a:r>
+            <a:endParaRPr lang="de-DE" altLang="de-DE" dirty="0"/>
+          </a:p>
+        </p:txBody>
+      </p:sp>
+    </p:spTree>
+    <p:extLst>
+      <p:ext uri="{BB962C8B-B14F-4D97-AF65-F5344CB8AC3E}">
+        <p14:creationId xmlns:p14="http://schemas.microsoft.com/office/powerpoint/2010/main" val="2801340734"/>
+      </p:ext>
+    </p:extLst>
+  </p:cSld>
+  <p:clrMapOvr>
+    <a:masterClrMapping/>
+  </p:clrMapOvr>
+  <p:transition/>
+  <p:timing>
+    <p:tnLst>
+      <p:par>
+        <p:cTn id="1" dur="indefinite" restart="never" nodeType="tmRoot"/>
+      </p:par>
+    </p:tnLst>
+  </p:timing>
+</p:sld>
+</file>
+
+<file path=ppt/slides/slide27.xml><?xml version="1.0" encoding="utf-8"?>
+<p:sld xmlns:a="http://schemas.openxmlformats.org/drawingml/2006/main" xmlns:r="http://schemas.openxmlformats.org/officeDocument/2006/relationships" xmlns:p="http://schemas.openxmlformats.org/presentationml/2006/main">
+  <p:cSld>
+    <p:spTree>
+      <p:nvGrpSpPr>
+        <p:cNvPr id="1" name=""/>
+        <p:cNvGrpSpPr/>
+        <p:nvPr/>
+      </p:nvGrpSpPr>
+      <p:grpSpPr>
+        <a:xfrm>
+          <a:off x="0" y="0"/>
+          <a:ext cx="0" cy="0"/>
+          <a:chOff x="0" y="0"/>
+          <a:chExt cx="0" cy="0"/>
+        </a:xfrm>
+      </p:grpSpPr>
+      <p:sp>
+        <p:nvSpPr>
+          <p:cNvPr id="2" name="Foliennummernplatzhalter 1"/>
+          <p:cNvSpPr>
+            <a:spLocks noGrp="1"/>
+          </p:cNvSpPr>
+          <p:nvPr>
+            <p:ph type="sldNum" sz="quarter" idx="11"/>
+          </p:nvPr>
+        </p:nvSpPr>
+        <p:spPr/>
+        <p:txBody>
+          <a:bodyPr/>
+          <a:lstStyle/>
+          <a:p>
+            <a:fld id="{57D12BB6-0ED4-46B6-AB23-7758AD07EFBF}" type="slidenum">
+              <a:rPr lang="de-DE" smtClean="0"/>
+              <a:pPr/>
+              <a:t>27</a:t>
+            </a:fld>
+            <a:endParaRPr lang="de-DE" dirty="0"/>
+          </a:p>
+        </p:txBody>
+      </p:sp>
+      <p:sp>
+        <p:nvSpPr>
           <p:cNvPr id="4" name="Titel 3"/>
           <p:cNvSpPr>
             <a:spLocks noGrp="1"/>
@@ -12952,8 +13578,8 @@
           <a:lstStyle/>
           <a:p>
             <a:r>
-              <a:rPr lang="en-US" altLang="de-DE"/>
-              <a:t>Hochschule Mannheim | Julia Geigl, Clemens Behr, Kevin Höfle</a:t>
+              <a:rPr lang="de-DE" altLang="de-DE" smtClean="0"/>
+              <a:t>Hochschule Mannheim | Julia Geigl, Klemens Behr, Kevin Höfle</a:t>
             </a:r>
             <a:endParaRPr lang="de-DE" altLang="de-DE" dirty="0"/>
           </a:p>
@@ -13103,13 +13729,18 @@
           <a:p>
             <a:pPr algn="ctr"/>
             <a:r>
-              <a:rPr lang="de-DE" dirty="0">
+              <a:rPr lang="de-DE" dirty="0" smtClean="0">
                 <a:solidFill>
                   <a:schemeClr val="tx1"/>
                 </a:solidFill>
               </a:rPr>
-              <a:t>Zustand</a:t>
-            </a:r>
+              <a:t>Status</a:t>
+            </a:r>
+            <a:endParaRPr lang="de-DE" dirty="0">
+              <a:solidFill>
+                <a:schemeClr val="tx1"/>
+              </a:solidFill>
+            </a:endParaRPr>
           </a:p>
         </p:txBody>
       </p:sp>
@@ -13376,10 +14007,17 @@
     <a:masterClrMapping/>
   </p:clrMapOvr>
   <p:transition/>
+  <p:timing>
+    <p:tnLst>
+      <p:par>
+        <p:cTn id="1" dur="indefinite" restart="never" nodeType="tmRoot"/>
+      </p:par>
+    </p:tnLst>
+  </p:timing>
 </p:sld>
 </file>
 
-<file path=ppt/slides/slide26.xml><?xml version="1.0" encoding="utf-8"?>
+<file path=ppt/slides/slide28.xml><?xml version="1.0" encoding="utf-8"?>
 <p:sld xmlns:a="http://schemas.openxmlformats.org/drawingml/2006/main" xmlns:r="http://schemas.openxmlformats.org/officeDocument/2006/relationships" xmlns:p="http://schemas.openxmlformats.org/presentationml/2006/main">
   <p:cSld>
     <p:spTree>
@@ -13414,7 +14052,7 @@
             <a:fld id="{57D12BB6-0ED4-46B6-AB23-7758AD07EFBF}" type="slidenum">
               <a:rPr lang="de-DE" smtClean="0"/>
               <a:pPr/>
-              <a:t>26</a:t>
+              <a:t>28</a:t>
             </a:fld>
             <a:endParaRPr lang="de-DE" dirty="0"/>
           </a:p>
@@ -13458,8 +14096,8 @@
           <a:lstStyle/>
           <a:p>
             <a:r>
-              <a:rPr lang="en-US" altLang="de-DE"/>
-              <a:t>Hochschule Mannheim | Julia Geigl, Clemens Behr, Kevin Höfle</a:t>
+              <a:rPr lang="de-DE" altLang="de-DE" smtClean="0"/>
+              <a:t>Hochschule Mannheim | Julia Geigl, Klemens Behr, Kevin Höfle</a:t>
             </a:r>
             <a:endParaRPr lang="de-DE" altLang="de-DE" dirty="0"/>
           </a:p>
@@ -13607,15 +14245,19 @@
           <a:bodyPr rtlCol="0" anchor="ctr"/>
           <a:lstStyle/>
           <a:p>
-            <a:pPr algn="ctr"/>
             <a:r>
               <a:rPr lang="de-DE" dirty="0">
                 <a:solidFill>
                   <a:schemeClr val="tx1"/>
                 </a:solidFill>
               </a:rPr>
-              <a:t>Zustand</a:t>
-            </a:r>
+              <a:t>Status</a:t>
+            </a:r>
+            <a:endParaRPr lang="de-DE" dirty="0">
+              <a:solidFill>
+                <a:schemeClr val="tx1"/>
+              </a:solidFill>
+            </a:endParaRPr>
           </a:p>
         </p:txBody>
       </p:sp>
@@ -13882,10 +14524,17 @@
     <a:masterClrMapping/>
   </p:clrMapOvr>
   <p:transition/>
+  <p:timing>
+    <p:tnLst>
+      <p:par>
+        <p:cTn id="1" dur="indefinite" restart="never" nodeType="tmRoot"/>
+      </p:par>
+    </p:tnLst>
+  </p:timing>
 </p:sld>
 </file>
 
-<file path=ppt/slides/slide27.xml><?xml version="1.0" encoding="utf-8"?>
+<file path=ppt/slides/slide29.xml><?xml version="1.0" encoding="utf-8"?>
 <p:sld xmlns:a="http://schemas.openxmlformats.org/drawingml/2006/main" xmlns:r="http://schemas.openxmlformats.org/officeDocument/2006/relationships" xmlns:p="http://schemas.openxmlformats.org/presentationml/2006/main">
   <p:cSld>
     <p:spTree>
@@ -13920,7 +14569,7 @@
             <a:fld id="{57D12BB6-0ED4-46B6-AB23-7758AD07EFBF}" type="slidenum">
               <a:rPr lang="de-DE" smtClean="0"/>
               <a:pPr/>
-              <a:t>27</a:t>
+              <a:t>29</a:t>
             </a:fld>
             <a:endParaRPr lang="de-DE" dirty="0"/>
           </a:p>
@@ -13964,8 +14613,8 @@
           <a:lstStyle/>
           <a:p>
             <a:r>
-              <a:rPr lang="en-US" altLang="de-DE"/>
-              <a:t>Hochschule Mannheim | Julia Geigl, Clemens Behr, Kevin Höfle</a:t>
+              <a:rPr lang="de-DE" altLang="de-DE" smtClean="0"/>
+              <a:t>Hochschule Mannheim | Julia Geigl, Klemens Behr, Kevin Höfle</a:t>
             </a:r>
             <a:endParaRPr lang="de-DE" altLang="de-DE" dirty="0"/>
           </a:p>
@@ -14113,15 +14762,19 @@
           <a:bodyPr rtlCol="0" anchor="ctr"/>
           <a:lstStyle/>
           <a:p>
-            <a:pPr algn="ctr"/>
             <a:r>
               <a:rPr lang="de-DE" dirty="0">
                 <a:solidFill>
                   <a:schemeClr val="tx1"/>
                 </a:solidFill>
               </a:rPr>
-              <a:t>Zustand</a:t>
-            </a:r>
+              <a:t>Status</a:t>
+            </a:r>
+            <a:endParaRPr lang="de-DE" dirty="0">
+              <a:solidFill>
+                <a:schemeClr val="tx1"/>
+              </a:solidFill>
+            </a:endParaRPr>
           </a:p>
         </p:txBody>
       </p:sp>
@@ -14462,10 +15115,17 @@
     <a:masterClrMapping/>
   </p:clrMapOvr>
   <p:transition/>
+  <p:timing>
+    <p:tnLst>
+      <p:par>
+        <p:cTn id="1" dur="indefinite" restart="never" nodeType="tmRoot"/>
+      </p:par>
+    </p:tnLst>
+  </p:timing>
 </p:sld>
 </file>
 
-<file path=ppt/slides/slide28.xml><?xml version="1.0" encoding="utf-8"?>
+<file path=ppt/slides/slide3.xml><?xml version="1.0" encoding="utf-8"?>
 <p:sld xmlns:a="http://schemas.openxmlformats.org/drawingml/2006/main" xmlns:r="http://schemas.openxmlformats.org/officeDocument/2006/relationships" xmlns:p="http://schemas.openxmlformats.org/presentationml/2006/main">
   <p:cSld>
     <p:spTree>
@@ -14500,7 +15160,7 @@
             <a:fld id="{57D12BB6-0ED4-46B6-AB23-7758AD07EFBF}" type="slidenum">
               <a:rPr lang="de-DE" smtClean="0"/>
               <a:pPr/>
-              <a:t>28</a:t>
+              <a:t>3</a:t>
             </a:fld>
             <a:endParaRPr lang="de-DE" dirty="0"/>
           </a:p>
@@ -14516,6 +15176,122 @@
             <p:ph type="title"/>
           </p:nvPr>
         </p:nvSpPr>
+        <p:spPr>
+          <a:xfrm>
+            <a:off x="467544" y="2960948"/>
+            <a:ext cx="5040560" cy="863600"/>
+          </a:xfrm>
+        </p:spPr>
+        <p:txBody>
+          <a:bodyPr/>
+          <a:lstStyle/>
+          <a:p>
+            <a:r>
+              <a:rPr lang="de-DE" sz="9600" dirty="0"/>
+              <a:t>INTRO</a:t>
+            </a:r>
+            <a:br>
+              <a:rPr lang="de-DE" sz="9600" dirty="0"/>
+            </a:br>
+            <a:endParaRPr lang="de-DE" sz="9600" dirty="0"/>
+          </a:p>
+        </p:txBody>
+      </p:sp>
+      <p:sp>
+        <p:nvSpPr>
+          <p:cNvPr id="5" name="Fußzeilenplatzhalter 4"/>
+          <p:cNvSpPr>
+            <a:spLocks noGrp="1"/>
+          </p:cNvSpPr>
+          <p:nvPr>
+            <p:ph type="ftr" sz="quarter" idx="16"/>
+          </p:nvPr>
+        </p:nvSpPr>
+        <p:spPr/>
+        <p:txBody>
+          <a:bodyPr/>
+          <a:lstStyle/>
+          <a:p>
+            <a:r>
+              <a:rPr lang="de-DE" altLang="de-DE" smtClean="0"/>
+              <a:t>Hochschule Mannheim | Julia Geigl, Klemens Behr, Kevin Höfle</a:t>
+            </a:r>
+            <a:endParaRPr lang="de-DE" altLang="de-DE" dirty="0"/>
+          </a:p>
+        </p:txBody>
+      </p:sp>
+    </p:spTree>
+    <p:extLst>
+      <p:ext uri="{BB962C8B-B14F-4D97-AF65-F5344CB8AC3E}">
+        <p14:creationId xmlns:p14="http://schemas.microsoft.com/office/powerpoint/2010/main" val="2053114095"/>
+      </p:ext>
+    </p:extLst>
+  </p:cSld>
+  <p:clrMapOvr>
+    <a:masterClrMapping/>
+  </p:clrMapOvr>
+  <p:transition/>
+  <p:timing>
+    <p:tnLst>
+      <p:par>
+        <p:cTn id="1" dur="indefinite" restart="never" nodeType="tmRoot"/>
+      </p:par>
+    </p:tnLst>
+  </p:timing>
+</p:sld>
+</file>
+
+<file path=ppt/slides/slide30.xml><?xml version="1.0" encoding="utf-8"?>
+<p:sld xmlns:a="http://schemas.openxmlformats.org/drawingml/2006/main" xmlns:r="http://schemas.openxmlformats.org/officeDocument/2006/relationships" xmlns:p="http://schemas.openxmlformats.org/presentationml/2006/main">
+  <p:cSld>
+    <p:spTree>
+      <p:nvGrpSpPr>
+        <p:cNvPr id="1" name=""/>
+        <p:cNvGrpSpPr/>
+        <p:nvPr/>
+      </p:nvGrpSpPr>
+      <p:grpSpPr>
+        <a:xfrm>
+          <a:off x="0" y="0"/>
+          <a:ext cx="0" cy="0"/>
+          <a:chOff x="0" y="0"/>
+          <a:chExt cx="0" cy="0"/>
+        </a:xfrm>
+      </p:grpSpPr>
+      <p:sp>
+        <p:nvSpPr>
+          <p:cNvPr id="2" name="Foliennummernplatzhalter 1"/>
+          <p:cNvSpPr>
+            <a:spLocks noGrp="1"/>
+          </p:cNvSpPr>
+          <p:nvPr>
+            <p:ph type="sldNum" sz="quarter" idx="11"/>
+          </p:nvPr>
+        </p:nvSpPr>
+        <p:spPr/>
+        <p:txBody>
+          <a:bodyPr/>
+          <a:lstStyle/>
+          <a:p>
+            <a:fld id="{57D12BB6-0ED4-46B6-AB23-7758AD07EFBF}" type="slidenum">
+              <a:rPr lang="de-DE" smtClean="0"/>
+              <a:pPr/>
+              <a:t>30</a:t>
+            </a:fld>
+            <a:endParaRPr lang="de-DE" dirty="0"/>
+          </a:p>
+        </p:txBody>
+      </p:sp>
+      <p:sp>
+        <p:nvSpPr>
+          <p:cNvPr id="4" name="Titel 3"/>
+          <p:cNvSpPr>
+            <a:spLocks noGrp="1"/>
+          </p:cNvSpPr>
+          <p:nvPr>
+            <p:ph type="title"/>
+          </p:nvPr>
+        </p:nvSpPr>
         <p:spPr/>
         <p:txBody>
           <a:bodyPr/>
@@ -14560,8 +15336,8 @@
           <a:lstStyle/>
           <a:p>
             <a:r>
-              <a:rPr lang="en-US" altLang="de-DE"/>
-              <a:t>Hochschule Mannheim | Julia Geigl, Clemens Behr, Kevin Höfle</a:t>
+              <a:rPr lang="de-DE" altLang="de-DE" smtClean="0"/>
+              <a:t>Hochschule Mannheim | Julia Geigl, Klemens Behr, Kevin Höfle</a:t>
             </a:r>
             <a:endParaRPr lang="de-DE" altLang="de-DE" dirty="0"/>
           </a:p>
@@ -14704,15 +15480,19 @@
           <a:bodyPr rtlCol="0" anchor="ctr"/>
           <a:lstStyle/>
           <a:p>
-            <a:pPr algn="ctr"/>
             <a:r>
               <a:rPr lang="de-DE" dirty="0">
                 <a:solidFill>
                   <a:schemeClr val="tx1"/>
                 </a:solidFill>
               </a:rPr>
-              <a:t>Zustand</a:t>
-            </a:r>
+              <a:t>Status</a:t>
+            </a:r>
+            <a:endParaRPr lang="de-DE" dirty="0">
+              <a:solidFill>
+                <a:schemeClr val="tx1"/>
+              </a:solidFill>
+            </a:endParaRPr>
           </a:p>
         </p:txBody>
       </p:sp>
@@ -14989,10 +15769,17 @@
     <a:masterClrMapping/>
   </p:clrMapOvr>
   <p:transition/>
+  <p:timing>
+    <p:tnLst>
+      <p:par>
+        <p:cTn id="1" dur="indefinite" restart="never" nodeType="tmRoot"/>
+      </p:par>
+    </p:tnLst>
+  </p:timing>
 </p:sld>
 </file>
 
-<file path=ppt/slides/slide29.xml><?xml version="1.0" encoding="utf-8"?>
+<file path=ppt/slides/slide31.xml><?xml version="1.0" encoding="utf-8"?>
 <p:sld xmlns:a="http://schemas.openxmlformats.org/drawingml/2006/main" xmlns:r="http://schemas.openxmlformats.org/officeDocument/2006/relationships" xmlns:p="http://schemas.openxmlformats.org/presentationml/2006/main">
   <p:cSld>
     <p:spTree>
@@ -15027,7 +15814,7 @@
             <a:fld id="{57D12BB6-0ED4-46B6-AB23-7758AD07EFBF}" type="slidenum">
               <a:rPr lang="de-DE" smtClean="0"/>
               <a:pPr/>
-              <a:t>29</a:t>
+              <a:t>31</a:t>
             </a:fld>
             <a:endParaRPr lang="de-DE" dirty="0"/>
           </a:p>
@@ -15049,8 +15836,8 @@
           <a:lstStyle/>
           <a:p>
             <a:pPr marL="285750" indent="-285750">
-              <a:buFont typeface="Courier New" panose="02070309020205020404" pitchFamily="49" charset="0"/>
-              <a:buChar char="o"/>
+              <a:buFont typeface="Arial" panose="020B0604020202020204" pitchFamily="34" charset="0"/>
+              <a:buChar char="•"/>
             </a:pPr>
             <a:r>
               <a:rPr lang="de-DE" dirty="0"/>
@@ -15151,8 +15938,8 @@
           <a:lstStyle/>
           <a:p>
             <a:r>
-              <a:rPr lang="en-US" altLang="de-DE"/>
-              <a:t>Hochschule Mannheim | Julia Geigl, Clemens Behr, Kevin Höfle</a:t>
+              <a:rPr lang="de-DE" altLang="de-DE" smtClean="0"/>
+              <a:t>Hochschule Mannheim | Julia Geigl, Klemens Behr, Kevin Höfle</a:t>
             </a:r>
             <a:endParaRPr lang="de-DE" altLang="de-DE" dirty="0"/>
           </a:p>
@@ -15169,10 +15956,17 @@
     <a:masterClrMapping/>
   </p:clrMapOvr>
   <p:transition/>
+  <p:timing>
+    <p:tnLst>
+      <p:par>
+        <p:cTn id="1" dur="indefinite" restart="never" nodeType="tmRoot"/>
+      </p:par>
+    </p:tnLst>
+  </p:timing>
 </p:sld>
 </file>
 
-<file path=ppt/slides/slide3.xml><?xml version="1.0" encoding="utf-8"?>
+<file path=ppt/slides/slide32.xml><?xml version="1.0" encoding="utf-8"?>
 <p:sld xmlns:a="http://schemas.openxmlformats.org/drawingml/2006/main" xmlns:r="http://schemas.openxmlformats.org/officeDocument/2006/relationships" xmlns:p="http://schemas.openxmlformats.org/presentationml/2006/main">
   <p:cSld>
     <p:spTree>
@@ -15207,116 +16001,7 @@
             <a:fld id="{57D12BB6-0ED4-46B6-AB23-7758AD07EFBF}" type="slidenum">
               <a:rPr lang="de-DE" smtClean="0"/>
               <a:pPr/>
-              <a:t>3</a:t>
-            </a:fld>
-            <a:endParaRPr lang="de-DE" dirty="0"/>
-          </a:p>
-        </p:txBody>
-      </p:sp>
-      <p:sp>
-        <p:nvSpPr>
-          <p:cNvPr id="4" name="Titel 3"/>
-          <p:cNvSpPr>
-            <a:spLocks noGrp="1"/>
-          </p:cNvSpPr>
-          <p:nvPr>
-            <p:ph type="title"/>
-          </p:nvPr>
-        </p:nvSpPr>
-        <p:spPr>
-          <a:xfrm>
-            <a:off x="467544" y="2960948"/>
-            <a:ext cx="5040560" cy="863600"/>
-          </a:xfrm>
-        </p:spPr>
-        <p:txBody>
-          <a:bodyPr/>
-          <a:lstStyle/>
-          <a:p>
-            <a:r>
-              <a:rPr lang="de-DE" sz="9600" dirty="0"/>
-              <a:t>INTRO</a:t>
-            </a:r>
-            <a:br>
-              <a:rPr lang="de-DE" sz="9600" dirty="0"/>
-            </a:br>
-            <a:endParaRPr lang="de-DE" sz="9600" dirty="0"/>
-          </a:p>
-        </p:txBody>
-      </p:sp>
-      <p:sp>
-        <p:nvSpPr>
-          <p:cNvPr id="5" name="Fußzeilenplatzhalter 4"/>
-          <p:cNvSpPr>
-            <a:spLocks noGrp="1"/>
-          </p:cNvSpPr>
-          <p:nvPr>
-            <p:ph type="ftr" sz="quarter" idx="16"/>
-          </p:nvPr>
-        </p:nvSpPr>
-        <p:spPr/>
-        <p:txBody>
-          <a:bodyPr/>
-          <a:lstStyle/>
-          <a:p>
-            <a:r>
-              <a:rPr lang="en-US" altLang="de-DE"/>
-              <a:t>Hochschule Mannheim | Julia Geigl, Clemens Behr, Kevin Höfle</a:t>
-            </a:r>
-            <a:endParaRPr lang="de-DE" altLang="de-DE" dirty="0"/>
-          </a:p>
-        </p:txBody>
-      </p:sp>
-    </p:spTree>
-    <p:extLst>
-      <p:ext uri="{BB962C8B-B14F-4D97-AF65-F5344CB8AC3E}">
-        <p14:creationId xmlns:p14="http://schemas.microsoft.com/office/powerpoint/2010/main" val="2053114095"/>
-      </p:ext>
-    </p:extLst>
-  </p:cSld>
-  <p:clrMapOvr>
-    <a:masterClrMapping/>
-  </p:clrMapOvr>
-  <p:transition/>
-</p:sld>
-</file>
-
-<file path=ppt/slides/slide30.xml><?xml version="1.0" encoding="utf-8"?>
-<p:sld xmlns:a="http://schemas.openxmlformats.org/drawingml/2006/main" xmlns:r="http://schemas.openxmlformats.org/officeDocument/2006/relationships" xmlns:p="http://schemas.openxmlformats.org/presentationml/2006/main">
-  <p:cSld>
-    <p:spTree>
-      <p:nvGrpSpPr>
-        <p:cNvPr id="1" name=""/>
-        <p:cNvGrpSpPr/>
-        <p:nvPr/>
-      </p:nvGrpSpPr>
-      <p:grpSpPr>
-        <a:xfrm>
-          <a:off x="0" y="0"/>
-          <a:ext cx="0" cy="0"/>
-          <a:chOff x="0" y="0"/>
-          <a:chExt cx="0" cy="0"/>
-        </a:xfrm>
-      </p:grpSpPr>
-      <p:sp>
-        <p:nvSpPr>
-          <p:cNvPr id="2" name="Foliennummernplatzhalter 1"/>
-          <p:cNvSpPr>
-            <a:spLocks noGrp="1"/>
-          </p:cNvSpPr>
-          <p:nvPr>
-            <p:ph type="sldNum" sz="quarter" idx="11"/>
-          </p:nvPr>
-        </p:nvSpPr>
-        <p:spPr/>
-        <p:txBody>
-          <a:bodyPr/>
-          <a:lstStyle/>
-          <a:p>
-            <a:fld id="{57D12BB6-0ED4-46B6-AB23-7758AD07EFBF}" type="slidenum">
-              <a:rPr lang="de-DE" smtClean="0"/>
-              <a:pPr/>
-              <a:t>30</a:t>
+              <a:t>32</a:t>
             </a:fld>
             <a:endParaRPr lang="de-DE" dirty="0"/>
           </a:p>
@@ -15342,9 +16027,9 @@
           <a:bodyPr/>
           <a:lstStyle/>
           <a:p>
-            <a:pPr marL="285750" indent="-285750">
-              <a:buFont typeface="Courier New" panose="02070309020205020404" pitchFamily="49" charset="0"/>
-              <a:buChar char="o"/>
+            <a:pPr>
+              <a:buFont typeface="Arial" panose="020B0604020202020204" pitchFamily="34" charset="0"/>
+              <a:buChar char="•"/>
             </a:pPr>
             <a:r>
               <a:rPr lang="de-DE" sz="2000" dirty="0" err="1"/>
@@ -15393,9 +16078,9 @@
             <a:endParaRPr lang="de-DE" dirty="0"/>
           </a:p>
           <a:p>
-            <a:pPr marL="125413" lvl="1" indent="-285750">
-              <a:buFont typeface="Courier New" panose="02070309020205020404" pitchFamily="49" charset="0"/>
-              <a:buChar char="o"/>
+            <a:pPr lvl="1" indent="-342900">
+              <a:buFont typeface="Arial" panose="020B0604020202020204" pitchFamily="34" charset="0"/>
+              <a:buChar char="•"/>
             </a:pPr>
             <a:r>
               <a:rPr lang="de-DE" sz="2000" dirty="0"/>
@@ -15403,9 +16088,9 @@
             </a:r>
           </a:p>
           <a:p>
-            <a:pPr marL="125413" lvl="1" indent="-285750">
-              <a:buFont typeface="Courier New" panose="02070309020205020404" pitchFamily="49" charset="0"/>
-              <a:buChar char="o"/>
+            <a:pPr lvl="1" indent="-342900">
+              <a:buFont typeface="Arial" panose="020B0604020202020204" pitchFamily="34" charset="0"/>
+              <a:buChar char="•"/>
             </a:pPr>
             <a:r>
               <a:rPr lang="de-DE" sz="2000" dirty="0"/>
@@ -15413,16 +16098,16 @@
             </a:r>
           </a:p>
           <a:p>
-            <a:pPr marL="495300" lvl="3" indent="-285750">
+            <a:pPr lvl="3" indent="-342900">
               <a:buFont typeface="Arial" panose="020B0604020202020204" pitchFamily="34" charset="0"/>
               <a:buChar char="•"/>
             </a:pPr>
             <a:endParaRPr lang="de-DE" sz="2000" dirty="0"/>
           </a:p>
           <a:p>
-            <a:pPr marL="309563" lvl="2" indent="-285750">
-              <a:buFont typeface="Courier New" panose="02070309020205020404" pitchFamily="49" charset="0"/>
-              <a:buChar char="o"/>
+            <a:pPr lvl="2" indent="-342900">
+              <a:buFont typeface="Arial" panose="020B0604020202020204" pitchFamily="34" charset="0"/>
+              <a:buChar char="•"/>
             </a:pPr>
             <a:r>
               <a:rPr lang="de-DE" sz="2000" dirty="0" err="1"/>
@@ -15442,7 +16127,6 @@
               <a:rPr lang="de-DE" sz="2000" dirty="0"/>
               <a:t> </a:t>
             </a:r>
-            <a:endParaRPr lang="de-DE" sz="2000" dirty="0"/>
           </a:p>
           <a:p>
             <a:pPr marL="495300" lvl="3" indent="-285750">
@@ -15542,8 +16226,8 @@
           <a:lstStyle/>
           <a:p>
             <a:r>
-              <a:rPr lang="en-US" altLang="de-DE"/>
-              <a:t>Hochschule Mannheim | Julia Geigl, Clemens Behr, Kevin Höfle</a:t>
+              <a:rPr lang="de-DE" altLang="de-DE" smtClean="0"/>
+              <a:t>Hochschule Mannheim | Julia Geigl, Klemens Behr, Kevin Höfle</a:t>
             </a:r>
             <a:endParaRPr lang="de-DE" altLang="de-DE" dirty="0"/>
           </a:p>
@@ -15601,10 +16285,17 @@
     <a:masterClrMapping/>
   </p:clrMapOvr>
   <p:transition/>
+  <p:timing>
+    <p:tnLst>
+      <p:par>
+        <p:cTn id="1" dur="indefinite" restart="never" nodeType="tmRoot"/>
+      </p:par>
+    </p:tnLst>
+  </p:timing>
 </p:sld>
 </file>
 
-<file path=ppt/slides/slide31.xml><?xml version="1.0" encoding="utf-8"?>
+<file path=ppt/slides/slide33.xml><?xml version="1.0" encoding="utf-8"?>
 <p:sld xmlns:a="http://schemas.openxmlformats.org/drawingml/2006/main" xmlns:r="http://schemas.openxmlformats.org/officeDocument/2006/relationships" xmlns:p="http://schemas.openxmlformats.org/presentationml/2006/main">
   <p:cSld>
     <p:spTree>
@@ -15639,7 +16330,7 @@
             <a:fld id="{57D12BB6-0ED4-46B6-AB23-7758AD07EFBF}" type="slidenum">
               <a:rPr lang="de-DE" smtClean="0"/>
               <a:pPr/>
-              <a:t>31</a:t>
+              <a:t>33</a:t>
             </a:fld>
             <a:endParaRPr lang="de-DE" dirty="0"/>
           </a:p>
@@ -15665,9 +16356,9 @@
           <a:bodyPr/>
           <a:lstStyle/>
           <a:p>
-            <a:pPr marL="285750" indent="-285750">
-              <a:buFont typeface="Courier New" panose="02070309020205020404" pitchFamily="49" charset="0"/>
-              <a:buChar char="o"/>
+            <a:pPr>
+              <a:buFont typeface="Arial" panose="020B0604020202020204" pitchFamily="34" charset="0"/>
+              <a:buChar char="•"/>
             </a:pPr>
             <a:r>
               <a:rPr lang="de-DE" sz="2000" dirty="0"/>
@@ -15725,15 +16416,16 @@
             </a:r>
           </a:p>
           <a:p>
-            <a:pPr marL="209550" lvl="3" indent="0">
-              <a:buNone/>
+            <a:pPr marL="495300" lvl="3" indent="-285750">
+              <a:buFont typeface="Arial" panose="020B0604020202020204" pitchFamily="34" charset="0"/>
+              <a:buChar char="•"/>
             </a:pPr>
             <a:endParaRPr lang="de-DE" dirty="0"/>
           </a:p>
           <a:p>
-            <a:pPr marL="285750" lvl="1" indent="-285750">
-              <a:buFont typeface="Courier New" panose="02070309020205020404" pitchFamily="49" charset="0"/>
-              <a:buChar char="o"/>
+            <a:pPr marL="342900" lvl="1" indent="-342900">
+              <a:buFont typeface="Arial" panose="020B0604020202020204" pitchFamily="34" charset="0"/>
+              <a:buChar char="•"/>
             </a:pPr>
             <a:r>
               <a:rPr lang="de-DE" sz="2000" dirty="0"/>
@@ -15817,8 +16509,8 @@
           <a:lstStyle/>
           <a:p>
             <a:r>
-              <a:rPr lang="en-US" altLang="de-DE"/>
-              <a:t>Hochschule Mannheim | Julia Geigl, Clemens Behr, Kevin Höfle</a:t>
+              <a:rPr lang="de-DE" altLang="de-DE" smtClean="0"/>
+              <a:t>Hochschule Mannheim | Julia Geigl, Klemens Behr, Kevin Höfle</a:t>
             </a:r>
             <a:endParaRPr lang="de-DE" altLang="de-DE" dirty="0"/>
           </a:p>
@@ -15859,10 +16551,17 @@
     <a:masterClrMapping/>
   </p:clrMapOvr>
   <p:transition/>
+  <p:timing>
+    <p:tnLst>
+      <p:par>
+        <p:cTn id="1" dur="indefinite" restart="never" nodeType="tmRoot"/>
+      </p:par>
+    </p:tnLst>
+  </p:timing>
 </p:sld>
 </file>
 
-<file path=ppt/slides/slide32.xml><?xml version="1.0" encoding="utf-8"?>
+<file path=ppt/slides/slide34.xml><?xml version="1.0" encoding="utf-8"?>
 <p:sld xmlns:a="http://schemas.openxmlformats.org/drawingml/2006/main" xmlns:r="http://schemas.openxmlformats.org/officeDocument/2006/relationships" xmlns:p="http://schemas.openxmlformats.org/presentationml/2006/main">
   <p:cSld>
     <p:spTree>
@@ -15897,7 +16596,7 @@
             <a:fld id="{57D12BB6-0ED4-46B6-AB23-7758AD07EFBF}" type="slidenum">
               <a:rPr lang="de-DE" smtClean="0"/>
               <a:pPr/>
-              <a:t>32</a:t>
+              <a:t>34</a:t>
             </a:fld>
             <a:endParaRPr lang="de-DE" dirty="0"/>
           </a:p>
@@ -15919,8 +16618,8 @@
           <a:lstStyle/>
           <a:p>
             <a:pPr marL="285750" indent="-285750">
-              <a:buFont typeface="Courier New" panose="02070309020205020404" pitchFamily="49" charset="0"/>
-              <a:buChar char="o"/>
+              <a:buFont typeface="Arial" panose="020B0604020202020204" pitchFamily="34" charset="0"/>
+              <a:buChar char="•"/>
             </a:pPr>
             <a:r>
               <a:rPr lang="de-DE" dirty="0"/>
@@ -15989,8 +16688,8 @@
           <a:lstStyle/>
           <a:p>
             <a:r>
-              <a:rPr lang="en-US" altLang="de-DE"/>
-              <a:t>Hochschule Mannheim | Julia Geigl, Clemens Behr, Kevin Höfle</a:t>
+              <a:rPr lang="de-DE" altLang="de-DE" smtClean="0"/>
+              <a:t>Hochschule Mannheim | Julia Geigl, Klemens Behr, Kevin Höfle</a:t>
             </a:r>
             <a:endParaRPr lang="de-DE" altLang="de-DE" dirty="0"/>
           </a:p>
@@ -16031,10 +16730,17 @@
     <a:masterClrMapping/>
   </p:clrMapOvr>
   <p:transition/>
+  <p:timing>
+    <p:tnLst>
+      <p:par>
+        <p:cTn id="1" dur="indefinite" restart="never" nodeType="tmRoot"/>
+      </p:par>
+    </p:tnLst>
+  </p:timing>
 </p:sld>
 </file>
 
-<file path=ppt/slides/slide33.xml><?xml version="1.0" encoding="utf-8"?>
+<file path=ppt/slides/slide35.xml><?xml version="1.0" encoding="utf-8"?>
 <p:sld xmlns:a="http://schemas.openxmlformats.org/drawingml/2006/main" xmlns:r="http://schemas.openxmlformats.org/officeDocument/2006/relationships" xmlns:p="http://schemas.openxmlformats.org/presentationml/2006/main">
   <p:cSld>
     <p:spTree>
@@ -16069,7 +16775,7 @@
             <a:fld id="{57D12BB6-0ED4-46B6-AB23-7758AD07EFBF}" type="slidenum">
               <a:rPr lang="de-DE" smtClean="0"/>
               <a:pPr/>
-              <a:t>33</a:t>
+              <a:t>35</a:t>
             </a:fld>
             <a:endParaRPr lang="de-DE" dirty="0"/>
           </a:p>
@@ -16106,8 +16812,8 @@
           </a:p>
           <a:p>
             <a:pPr marL="285750" indent="-285750">
-              <a:buFont typeface="Courier New" panose="02070309020205020404" pitchFamily="49" charset="0"/>
-              <a:buChar char="o"/>
+              <a:buFont typeface="Arial" panose="020B0604020202020204" pitchFamily="34" charset="0"/>
+              <a:buChar char="•"/>
             </a:pPr>
             <a:r>
               <a:rPr lang="de-DE" dirty="0"/>
@@ -16116,8 +16822,8 @@
           </a:p>
           <a:p>
             <a:pPr marL="285750" indent="-285750">
-              <a:buFont typeface="Courier New" panose="02070309020205020404" pitchFamily="49" charset="0"/>
-              <a:buChar char="o"/>
+              <a:buFont typeface="Arial" panose="020B0604020202020204" pitchFamily="34" charset="0"/>
+              <a:buChar char="•"/>
             </a:pPr>
             <a:r>
               <a:rPr lang="de-DE" dirty="0"/>
@@ -16126,8 +16832,8 @@
           </a:p>
           <a:p>
             <a:pPr marL="285750" indent="-285750">
-              <a:buFont typeface="Courier New" panose="02070309020205020404" pitchFamily="49" charset="0"/>
-              <a:buChar char="o"/>
+              <a:buFont typeface="Arial" panose="020B0604020202020204" pitchFamily="34" charset="0"/>
+              <a:buChar char="•"/>
             </a:pPr>
             <a:r>
               <a:rPr lang="de-DE" dirty="0"/>
@@ -16136,8 +16842,8 @@
           </a:p>
           <a:p>
             <a:pPr marL="285750" indent="-285750">
-              <a:buFont typeface="Courier New" panose="02070309020205020404" pitchFamily="49" charset="0"/>
-              <a:buChar char="o"/>
+              <a:buFont typeface="Arial" panose="020B0604020202020204" pitchFamily="34" charset="0"/>
+              <a:buChar char="•"/>
             </a:pPr>
             <a:r>
               <a:rPr lang="de-DE" dirty="0"/>
@@ -16198,8 +16904,8 @@
           <a:lstStyle/>
           <a:p>
             <a:r>
-              <a:rPr lang="en-US" altLang="de-DE"/>
-              <a:t>Hochschule Mannheim | Julia Geigl, Clemens Behr, Kevin Höfle</a:t>
+              <a:rPr lang="de-DE" altLang="de-DE" smtClean="0"/>
+              <a:t>Hochschule Mannheim | Julia Geigl, Klemens Behr, Kevin Höfle</a:t>
             </a:r>
             <a:endParaRPr lang="de-DE" altLang="de-DE" dirty="0"/>
           </a:p>
@@ -16216,10 +16922,17 @@
     <a:masterClrMapping/>
   </p:clrMapOvr>
   <p:transition/>
+  <p:timing>
+    <p:tnLst>
+      <p:par>
+        <p:cTn id="1" dur="indefinite" restart="never" nodeType="tmRoot"/>
+      </p:par>
+    </p:tnLst>
+  </p:timing>
 </p:sld>
 </file>
 
-<file path=ppt/slides/slide34.xml><?xml version="1.0" encoding="utf-8"?>
+<file path=ppt/slides/slide36.xml><?xml version="1.0" encoding="utf-8"?>
 <p:sld xmlns:a="http://schemas.openxmlformats.org/drawingml/2006/main" xmlns:r="http://schemas.openxmlformats.org/officeDocument/2006/relationships" xmlns:p="http://schemas.openxmlformats.org/presentationml/2006/main">
   <p:cSld>
     <p:spTree>
@@ -16254,7 +16967,7 @@
             <a:fld id="{57D12BB6-0ED4-46B6-AB23-7758AD07EFBF}" type="slidenum">
               <a:rPr lang="de-DE" smtClean="0"/>
               <a:pPr/>
-              <a:t>34</a:t>
+              <a:t>36</a:t>
             </a:fld>
             <a:endParaRPr lang="de-DE" dirty="0"/>
           </a:p>
@@ -16302,8 +17015,8 @@
           <a:lstStyle/>
           <a:p>
             <a:r>
-              <a:rPr lang="en-US" altLang="de-DE"/>
-              <a:t>Hochschule Mannheim | Julia Geigl, Clemens Behr, Kevin Höfle</a:t>
+              <a:rPr lang="de-DE" altLang="de-DE" smtClean="0"/>
+              <a:t>Hochschule Mannheim | Julia Geigl, Klemens Behr, Kevin Höfle</a:t>
             </a:r>
             <a:endParaRPr lang="de-DE" altLang="de-DE" dirty="0"/>
           </a:p>
@@ -16341,7 +17054,7 @@
         </p:nvSpPr>
         <p:spPr>
           <a:xfrm>
-            <a:off x="719572" y="2291366"/>
+            <a:off x="503548" y="2444104"/>
             <a:ext cx="7884876" cy="400110"/>
           </a:xfrm>
           <a:prstGeom prst="rect">
@@ -16355,13 +17068,24 @@
           </a:bodyPr>
           <a:lstStyle/>
           <a:p>
-            <a:pPr marL="285750" indent="-285750" algn="l">
-              <a:buFont typeface="Courier New" panose="02070309020205020404" pitchFamily="49" charset="0"/>
-              <a:buChar char="o"/>
-            </a:pPr>
+            <a:pPr algn="l"/>
             <a:r>
               <a:rPr lang="de-DE" sz="2000" dirty="0"/>
-              <a:t>Feed enthält die Daten =&gt; Folge von Daten</a:t>
+              <a:t>Feed enthält die Daten </a:t>
+            </a:r>
+            <a:r>
+              <a:rPr lang="de-DE" sz="2000" dirty="0" smtClean="0">
+                <a:sym typeface="Wingdings" panose="05000000000000000000" pitchFamily="2" charset="2"/>
+              </a:rPr>
+              <a:t> </a:t>
+            </a:r>
+            <a:r>
+              <a:rPr lang="de-DE" sz="2000" dirty="0" smtClean="0"/>
+              <a:t> </a:t>
+            </a:r>
+            <a:r>
+              <a:rPr lang="de-DE" sz="2000" dirty="0"/>
+              <a:t>Folge von Daten</a:t>
             </a:r>
           </a:p>
         </p:txBody>
@@ -16377,11 +17101,18 @@
     <a:masterClrMapping/>
   </p:clrMapOvr>
   <p:transition/>
+  <p:timing>
+    <p:tnLst>
+      <p:par>
+        <p:cTn id="1" dur="indefinite" restart="never" nodeType="tmRoot"/>
+      </p:par>
+    </p:tnLst>
+  </p:timing>
 </p:sld>
 </file>
 
-<file path=ppt/slides/slide35.xml><?xml version="1.0" encoding="utf-8"?>
-<p:sld xmlns:a="http://schemas.openxmlformats.org/drawingml/2006/main" xmlns:r="http://schemas.openxmlformats.org/officeDocument/2006/relationships" xmlns:p="http://schemas.openxmlformats.org/presentationml/2006/main">
+<file path=ppt/slides/slide37.xml><?xml version="1.0" encoding="utf-8"?>
+<p:sld xmlns:a="http://schemas.openxmlformats.org/drawingml/2006/main" xmlns:r="http://schemas.openxmlformats.org/officeDocument/2006/relationships" xmlns:p="http://schemas.openxmlformats.org/presentationml/2006/main" show="0">
   <p:cSld>
     <p:spTree>
       <p:nvGrpSpPr>
@@ -16415,7 +17146,7 @@
             <a:fld id="{57D12BB6-0ED4-46B6-AB23-7758AD07EFBF}" type="slidenum">
               <a:rPr lang="de-DE" smtClean="0"/>
               <a:pPr/>
-              <a:t>35</a:t>
+              <a:t>37</a:t>
             </a:fld>
             <a:endParaRPr lang="de-DE" dirty="0"/>
           </a:p>
@@ -16463,8 +17194,8 @@
           <a:lstStyle/>
           <a:p>
             <a:r>
-              <a:rPr lang="en-US" altLang="de-DE"/>
-              <a:t>Hochschule Mannheim | Julia Geigl, Clemens Behr, Kevin Höfle</a:t>
+              <a:rPr lang="de-DE" altLang="de-DE" smtClean="0"/>
+              <a:t>Hochschule Mannheim | Julia Geigl, Klemens Behr, Kevin Höfle</a:t>
             </a:r>
             <a:endParaRPr lang="de-DE" altLang="de-DE" dirty="0"/>
           </a:p>
@@ -16576,10 +17307,17 @@
     <a:masterClrMapping/>
   </p:clrMapOvr>
   <p:transition/>
+  <p:timing>
+    <p:tnLst>
+      <p:par>
+        <p:cTn id="1" dur="indefinite" restart="never" nodeType="tmRoot"/>
+      </p:par>
+    </p:tnLst>
+  </p:timing>
 </p:sld>
 </file>
 
-<file path=ppt/slides/slide36.xml><?xml version="1.0" encoding="utf-8"?>
+<file path=ppt/slides/slide38.xml><?xml version="1.0" encoding="utf-8"?>
 <p:sld xmlns:a="http://schemas.openxmlformats.org/drawingml/2006/main" xmlns:r="http://schemas.openxmlformats.org/officeDocument/2006/relationships" xmlns:p="http://schemas.openxmlformats.org/presentationml/2006/main">
   <p:cSld>
     <p:spTree>
@@ -16614,7 +17352,7 @@
             <a:fld id="{57D12BB6-0ED4-46B6-AB23-7758AD07EFBF}" type="slidenum">
               <a:rPr lang="de-DE" smtClean="0"/>
               <a:pPr/>
-              <a:t>36</a:t>
+              <a:t>38</a:t>
             </a:fld>
             <a:endParaRPr lang="de-DE" dirty="0"/>
           </a:p>
@@ -16662,8 +17400,8 @@
           <a:lstStyle/>
           <a:p>
             <a:r>
-              <a:rPr lang="en-US" altLang="de-DE"/>
-              <a:t>Hochschule Mannheim | Julia Geigl, Clemens Behr, Kevin Höfle</a:t>
+              <a:rPr lang="de-DE" altLang="de-DE" smtClean="0"/>
+              <a:t>Hochschule Mannheim | Julia Geigl, Klemens Behr, Kevin Höfle</a:t>
             </a:r>
             <a:endParaRPr lang="de-DE" altLang="de-DE" dirty="0"/>
           </a:p>
@@ -16701,7 +17439,7 @@
         </p:nvSpPr>
         <p:spPr>
           <a:xfrm>
-            <a:off x="719572" y="2291366"/>
+            <a:off x="539750" y="2308571"/>
             <a:ext cx="8002252" cy="400110"/>
           </a:xfrm>
           <a:prstGeom prst="rect">
@@ -16715,10 +17453,7 @@
           </a:bodyPr>
           <a:lstStyle/>
           <a:p>
-            <a:pPr marL="285750" indent="-285750" algn="l">
-              <a:buFont typeface="Courier New" panose="02070309020205020404" pitchFamily="49" charset="0"/>
-              <a:buChar char="o"/>
-            </a:pPr>
+            <a:pPr algn="l"/>
             <a:r>
               <a:rPr lang="de-DE" sz="2000" dirty="0"/>
               <a:t>Feeds können in Gruppen eingeteilt werden</a:t>
@@ -16737,10 +17472,17 @@
     <a:masterClrMapping/>
   </p:clrMapOvr>
   <p:transition/>
+  <p:timing>
+    <p:tnLst>
+      <p:par>
+        <p:cTn id="1" dur="indefinite" restart="never" nodeType="tmRoot"/>
+      </p:par>
+    </p:tnLst>
+  </p:timing>
 </p:sld>
 </file>
 
-<file path=ppt/slides/slide37.xml><?xml version="1.0" encoding="utf-8"?>
+<file path=ppt/slides/slide39.xml><?xml version="1.0" encoding="utf-8"?>
 <p:sld xmlns:a="http://schemas.openxmlformats.org/drawingml/2006/main" xmlns:r="http://schemas.openxmlformats.org/officeDocument/2006/relationships" xmlns:p="http://schemas.openxmlformats.org/presentationml/2006/main">
   <p:cSld>
     <p:spTree>
@@ -16775,7 +17517,7 @@
             <a:fld id="{57D12BB6-0ED4-46B6-AB23-7758AD07EFBF}" type="slidenum">
               <a:rPr lang="de-DE" smtClean="0"/>
               <a:pPr/>
-              <a:t>37</a:t>
+              <a:t>39</a:t>
             </a:fld>
             <a:endParaRPr lang="de-DE" dirty="0"/>
           </a:p>
@@ -16823,8 +17565,8 @@
           <a:lstStyle/>
           <a:p>
             <a:r>
-              <a:rPr lang="en-US" altLang="de-DE"/>
-              <a:t>Hochschule Mannheim | Julia Geigl, Clemens Behr, Kevin Höfle</a:t>
+              <a:rPr lang="de-DE" altLang="de-DE" smtClean="0"/>
+              <a:t>Hochschule Mannheim | Julia Geigl, Klemens Behr, Kevin Höfle</a:t>
             </a:r>
             <a:endParaRPr lang="de-DE" altLang="de-DE" dirty="0"/>
           </a:p>
@@ -16865,10 +17607,17 @@
     <a:masterClrMapping/>
   </p:clrMapOvr>
   <p:transition/>
+  <p:timing>
+    <p:tnLst>
+      <p:par>
+        <p:cTn id="1" dur="indefinite" restart="never" nodeType="tmRoot"/>
+      </p:par>
+    </p:tnLst>
+  </p:timing>
 </p:sld>
 </file>
 
-<file path=ppt/slides/slide38.xml><?xml version="1.0" encoding="utf-8"?>
+<file path=ppt/slides/slide4.xml><?xml version="1.0" encoding="utf-8"?>
 <p:sld xmlns:a="http://schemas.openxmlformats.org/drawingml/2006/main" xmlns:r="http://schemas.openxmlformats.org/officeDocument/2006/relationships" xmlns:p="http://schemas.openxmlformats.org/presentationml/2006/main">
   <p:cSld>
     <p:spTree>
@@ -16903,7 +17652,7 @@
             <a:fld id="{57D12BB6-0ED4-46B6-AB23-7758AD07EFBF}" type="slidenum">
               <a:rPr lang="de-DE" smtClean="0"/>
               <a:pPr/>
-              <a:t>38</a:t>
+              <a:t>4</a:t>
             </a:fld>
             <a:endParaRPr lang="de-DE" dirty="0"/>
           </a:p>
@@ -16911,6 +17660,189 @@
       </p:sp>
       <p:sp>
         <p:nvSpPr>
+          <p:cNvPr id="3" name="Textplatzhalter 2"/>
+          <p:cNvSpPr>
+            <a:spLocks noGrp="1"/>
+          </p:cNvSpPr>
+          <p:nvPr>
+            <p:ph type="body" sz="quarter" idx="15"/>
+          </p:nvPr>
+        </p:nvSpPr>
+        <p:spPr/>
+        <p:txBody>
+          <a:bodyPr/>
+          <a:lstStyle/>
+          <a:p>
+            <a:pPr>
+              <a:buFont typeface="Arial" panose="020B0604020202020204" pitchFamily="34" charset="0"/>
+              <a:buChar char="•"/>
+            </a:pPr>
+            <a:r>
+              <a:rPr lang="de-DE" dirty="0"/>
+              <a:t>Messen der Luftfeuchtigkeit und Temperatur im Zusammenhang mit Fensterstatus </a:t>
+            </a:r>
+          </a:p>
+          <a:p>
+            <a:pPr marL="285750" indent="-285750">
+              <a:buFont typeface="Arial" panose="020B0604020202020204" pitchFamily="34" charset="0"/>
+              <a:buChar char="•"/>
+            </a:pPr>
+            <a:endParaRPr lang="de-DE" dirty="0"/>
+          </a:p>
+          <a:p>
+            <a:pPr>
+              <a:buFont typeface="Arial" panose="020B0604020202020204" pitchFamily="34" charset="0"/>
+              <a:buChar char="•"/>
+            </a:pPr>
+            <a:r>
+              <a:rPr lang="de-DE" dirty="0"/>
+              <a:t>Speichern und Visualisieren der Daten</a:t>
+            </a:r>
+          </a:p>
+          <a:p>
+            <a:pPr>
+              <a:buFont typeface="Arial" panose="020B0604020202020204" pitchFamily="34" charset="0"/>
+              <a:buChar char="•"/>
+            </a:pPr>
+            <a:endParaRPr lang="de-DE" dirty="0"/>
+          </a:p>
+          <a:p>
+            <a:pPr>
+              <a:buFont typeface="Arial" panose="020B0604020202020204" pitchFamily="34" charset="0"/>
+              <a:buChar char="•"/>
+            </a:pPr>
+            <a:r>
+              <a:rPr lang="de-DE" dirty="0"/>
+              <a:t>Aktion bei Überschreitung eines Feuchtigkeits- oder Temperatur-Wertes</a:t>
+            </a:r>
+          </a:p>
+          <a:p>
+            <a:pPr>
+              <a:buFont typeface="Arial" panose="020B0604020202020204" pitchFamily="34" charset="0"/>
+              <a:buChar char="•"/>
+            </a:pPr>
+            <a:endParaRPr lang="de-DE" dirty="0"/>
+          </a:p>
+          <a:p>
+            <a:pPr marL="0" indent="0">
+              <a:buNone/>
+            </a:pPr>
+            <a:endParaRPr lang="de-DE" dirty="0"/>
+          </a:p>
+          <a:p>
+            <a:endParaRPr lang="de-DE" dirty="0"/>
+          </a:p>
+        </p:txBody>
+      </p:sp>
+      <p:sp>
+        <p:nvSpPr>
+          <p:cNvPr id="4" name="Titel 3"/>
+          <p:cNvSpPr>
+            <a:spLocks noGrp="1"/>
+          </p:cNvSpPr>
+          <p:nvPr>
+            <p:ph type="title"/>
+          </p:nvPr>
+        </p:nvSpPr>
+        <p:spPr/>
+        <p:txBody>
+          <a:bodyPr/>
+          <a:lstStyle/>
+          <a:p>
+            <a:r>
+              <a:rPr lang="de-DE" dirty="0"/>
+              <a:t>Grund Konzept</a:t>
+            </a:r>
+          </a:p>
+        </p:txBody>
+      </p:sp>
+      <p:sp>
+        <p:nvSpPr>
+          <p:cNvPr id="5" name="Fußzeilenplatzhalter 4"/>
+          <p:cNvSpPr>
+            <a:spLocks noGrp="1"/>
+          </p:cNvSpPr>
+          <p:nvPr>
+            <p:ph type="ftr" sz="quarter" idx="16"/>
+          </p:nvPr>
+        </p:nvSpPr>
+        <p:spPr/>
+        <p:txBody>
+          <a:bodyPr/>
+          <a:lstStyle/>
+          <a:p>
+            <a:r>
+              <a:rPr lang="de-DE" altLang="de-DE" smtClean="0"/>
+              <a:t>Hochschule Mannheim | Julia Geigl, Klemens Behr, Kevin Höfle</a:t>
+            </a:r>
+            <a:endParaRPr lang="de-DE" altLang="de-DE" dirty="0"/>
+          </a:p>
+        </p:txBody>
+      </p:sp>
+    </p:spTree>
+    <p:extLst>
+      <p:ext uri="{BB962C8B-B14F-4D97-AF65-F5344CB8AC3E}">
+        <p14:creationId xmlns:p14="http://schemas.microsoft.com/office/powerpoint/2010/main" val="3888361227"/>
+      </p:ext>
+    </p:extLst>
+  </p:cSld>
+  <p:clrMapOvr>
+    <a:masterClrMapping/>
+  </p:clrMapOvr>
+  <p:transition/>
+  <p:timing>
+    <p:tnLst>
+      <p:par>
+        <p:cTn id="1" dur="indefinite" restart="never" nodeType="tmRoot"/>
+      </p:par>
+    </p:tnLst>
+  </p:timing>
+</p:sld>
+</file>
+
+<file path=ppt/slides/slide40.xml><?xml version="1.0" encoding="utf-8"?>
+<p:sld xmlns:a="http://schemas.openxmlformats.org/drawingml/2006/main" xmlns:r="http://schemas.openxmlformats.org/officeDocument/2006/relationships" xmlns:p="http://schemas.openxmlformats.org/presentationml/2006/main">
+  <p:cSld>
+    <p:spTree>
+      <p:nvGrpSpPr>
+        <p:cNvPr id="1" name=""/>
+        <p:cNvGrpSpPr/>
+        <p:nvPr/>
+      </p:nvGrpSpPr>
+      <p:grpSpPr>
+        <a:xfrm>
+          <a:off x="0" y="0"/>
+          <a:ext cx="0" cy="0"/>
+          <a:chOff x="0" y="0"/>
+          <a:chExt cx="0" cy="0"/>
+        </a:xfrm>
+      </p:grpSpPr>
+      <p:sp>
+        <p:nvSpPr>
+          <p:cNvPr id="2" name="Foliennummernplatzhalter 1"/>
+          <p:cNvSpPr>
+            <a:spLocks noGrp="1"/>
+          </p:cNvSpPr>
+          <p:nvPr>
+            <p:ph type="sldNum" sz="quarter" idx="11"/>
+          </p:nvPr>
+        </p:nvSpPr>
+        <p:spPr/>
+        <p:txBody>
+          <a:bodyPr/>
+          <a:lstStyle/>
+          <a:p>
+            <a:fld id="{57D12BB6-0ED4-46B6-AB23-7758AD07EFBF}" type="slidenum">
+              <a:rPr lang="de-DE" smtClean="0"/>
+              <a:pPr/>
+              <a:t>40</a:t>
+            </a:fld>
+            <a:endParaRPr lang="de-DE" dirty="0"/>
+          </a:p>
+        </p:txBody>
+      </p:sp>
+      <p:sp>
+        <p:nvSpPr>
           <p:cNvPr id="4" name="Titel 3"/>
           <p:cNvSpPr>
             <a:spLocks noGrp="1"/>
@@ -16951,8 +17883,8 @@
           <a:lstStyle/>
           <a:p>
             <a:r>
-              <a:rPr lang="en-US" altLang="de-DE"/>
-              <a:t>Hochschule Mannheim | Julia Geigl, Clemens Behr, Kevin Höfle</a:t>
+              <a:rPr lang="de-DE" altLang="de-DE" smtClean="0"/>
+              <a:t>Hochschule Mannheim | Julia Geigl, Klemens Behr, Kevin Höfle</a:t>
             </a:r>
             <a:endParaRPr lang="de-DE" altLang="de-DE" dirty="0"/>
           </a:p>
@@ -16974,7 +17906,7 @@
         </p:blipFill>
         <p:spPr>
           <a:xfrm>
-            <a:off x="1528766" y="2852936"/>
+            <a:off x="950541" y="3154966"/>
             <a:ext cx="6115050" cy="2266950"/>
           </a:xfrm>
           <a:prstGeom prst="rect">
@@ -17004,10 +17936,7 @@
           </a:bodyPr>
           <a:lstStyle/>
           <a:p>
-            <a:pPr marL="285750" indent="-285750" algn="l">
-              <a:buFont typeface="Courier New" panose="02070309020205020404" pitchFamily="49" charset="0"/>
-              <a:buChar char="o"/>
-            </a:pPr>
+            <a:pPr algn="l"/>
             <a:r>
               <a:rPr lang="de-DE" dirty="0"/>
               <a:t>User Identifikation via AIO Key</a:t>
@@ -17026,10 +17955,17 @@
     <a:masterClrMapping/>
   </p:clrMapOvr>
   <p:transition/>
+  <p:timing>
+    <p:tnLst>
+      <p:par>
+        <p:cTn id="1" dur="indefinite" restart="never" nodeType="tmRoot"/>
+      </p:par>
+    </p:tnLst>
+  </p:timing>
 </p:sld>
 </file>
 
-<file path=ppt/slides/slide39.xml><?xml version="1.0" encoding="utf-8"?>
+<file path=ppt/slides/slide41.xml><?xml version="1.0" encoding="utf-8"?>
 <p:sld xmlns:a="http://schemas.openxmlformats.org/drawingml/2006/main" xmlns:r="http://schemas.openxmlformats.org/officeDocument/2006/relationships" xmlns:p="http://schemas.openxmlformats.org/presentationml/2006/main">
   <p:cSld>
     <p:spTree>
@@ -17064,7 +18000,7 @@
             <a:fld id="{57D12BB6-0ED4-46B6-AB23-7758AD07EFBF}" type="slidenum">
               <a:rPr lang="de-DE" smtClean="0"/>
               <a:pPr/>
-              <a:t>39</a:t>
+              <a:t>41</a:t>
             </a:fld>
             <a:endParaRPr lang="de-DE" dirty="0"/>
           </a:p>
@@ -17191,8 +18127,8 @@
           <a:lstStyle/>
           <a:p>
             <a:r>
-              <a:rPr lang="en-US" altLang="de-DE"/>
-              <a:t>Hochschule Mannheim | Julia Geigl, Clemens Behr, Kevin Höfle</a:t>
+              <a:rPr lang="de-DE" altLang="de-DE" smtClean="0"/>
+              <a:t>Hochschule Mannheim | Julia Geigl, Klemens Behr, Kevin Höfle</a:t>
             </a:r>
             <a:endParaRPr lang="de-DE" altLang="de-DE" dirty="0"/>
           </a:p>
@@ -17209,10 +18145,17 @@
     <a:masterClrMapping/>
   </p:clrMapOvr>
   <p:transition/>
+  <p:timing>
+    <p:tnLst>
+      <p:par>
+        <p:cTn id="1" dur="indefinite" restart="never" nodeType="tmRoot"/>
+      </p:par>
+    </p:tnLst>
+  </p:timing>
 </p:sld>
 </file>
 
-<file path=ppt/slides/slide4.xml><?xml version="1.0" encoding="utf-8"?>
+<file path=ppt/slides/slide42.xml><?xml version="1.0" encoding="utf-8"?>
 <p:sld xmlns:a="http://schemas.openxmlformats.org/drawingml/2006/main" xmlns:r="http://schemas.openxmlformats.org/officeDocument/2006/relationships" xmlns:p="http://schemas.openxmlformats.org/presentationml/2006/main">
   <p:cSld>
     <p:spTree>
@@ -17247,7 +18190,7 @@
             <a:fld id="{57D12BB6-0ED4-46B6-AB23-7758AD07EFBF}" type="slidenum">
               <a:rPr lang="de-DE" smtClean="0"/>
               <a:pPr/>
-              <a:t>4</a:t>
+              <a:t>42</a:t>
             </a:fld>
             <a:endParaRPr lang="de-DE" dirty="0"/>
           </a:p>
@@ -17267,187 +18210,11 @@
         <p:txBody>
           <a:bodyPr/>
           <a:lstStyle/>
-          <a:p>
-            <a:pPr>
-              <a:buFont typeface="Arial" panose="020B0604020202020204" pitchFamily="34" charset="0"/>
-              <a:buChar char="•"/>
-            </a:pPr>
-            <a:r>
-              <a:rPr lang="de-DE" dirty="0"/>
-              <a:t>Messen der Luftfeuchtigkeit und Temperatur im Zusammenhang mit Fensterstatus </a:t>
-            </a:r>
-          </a:p>
           <a:p>
             <a:pPr marL="285750" indent="-285750">
               <a:buFont typeface="Arial" panose="020B0604020202020204" pitchFamily="34" charset="0"/>
               <a:buChar char="•"/>
             </a:pPr>
-            <a:endParaRPr lang="de-DE" dirty="0"/>
-          </a:p>
-          <a:p>
-            <a:pPr>
-              <a:buFont typeface="Arial" panose="020B0604020202020204" pitchFamily="34" charset="0"/>
-              <a:buChar char="•"/>
-            </a:pPr>
-            <a:r>
-              <a:rPr lang="de-DE" dirty="0"/>
-              <a:t>Speichern und Visualisieren der Daten</a:t>
-            </a:r>
-          </a:p>
-          <a:p>
-            <a:pPr>
-              <a:buFont typeface="Arial" panose="020B0604020202020204" pitchFamily="34" charset="0"/>
-              <a:buChar char="•"/>
-            </a:pPr>
-            <a:endParaRPr lang="de-DE" dirty="0"/>
-          </a:p>
-          <a:p>
-            <a:pPr>
-              <a:buFont typeface="Arial" panose="020B0604020202020204" pitchFamily="34" charset="0"/>
-              <a:buChar char="•"/>
-            </a:pPr>
-            <a:r>
-              <a:rPr lang="de-DE" dirty="0"/>
-              <a:t>Aktion bei Überschreitung eines Feuchtigkeits- oder Temperatur-Wertes</a:t>
-            </a:r>
-          </a:p>
-          <a:p>
-            <a:pPr>
-              <a:buFont typeface="Arial" panose="020B0604020202020204" pitchFamily="34" charset="0"/>
-              <a:buChar char="•"/>
-            </a:pPr>
-            <a:endParaRPr lang="de-DE" dirty="0"/>
-          </a:p>
-          <a:p>
-            <a:pPr marL="0" indent="0">
-              <a:buNone/>
-            </a:pPr>
-            <a:endParaRPr lang="de-DE" dirty="0"/>
-          </a:p>
-          <a:p>
-            <a:endParaRPr lang="de-DE" dirty="0"/>
-          </a:p>
-        </p:txBody>
-      </p:sp>
-      <p:sp>
-        <p:nvSpPr>
-          <p:cNvPr id="4" name="Titel 3"/>
-          <p:cNvSpPr>
-            <a:spLocks noGrp="1"/>
-          </p:cNvSpPr>
-          <p:nvPr>
-            <p:ph type="title"/>
-          </p:nvPr>
-        </p:nvSpPr>
-        <p:spPr/>
-        <p:txBody>
-          <a:bodyPr/>
-          <a:lstStyle/>
-          <a:p>
-            <a:r>
-              <a:rPr lang="de-DE" dirty="0"/>
-              <a:t>Grund Konzept</a:t>
-            </a:r>
-          </a:p>
-        </p:txBody>
-      </p:sp>
-      <p:sp>
-        <p:nvSpPr>
-          <p:cNvPr id="5" name="Fußzeilenplatzhalter 4"/>
-          <p:cNvSpPr>
-            <a:spLocks noGrp="1"/>
-          </p:cNvSpPr>
-          <p:nvPr>
-            <p:ph type="ftr" sz="quarter" idx="16"/>
-          </p:nvPr>
-        </p:nvSpPr>
-        <p:spPr/>
-        <p:txBody>
-          <a:bodyPr/>
-          <a:lstStyle/>
-          <a:p>
-            <a:r>
-              <a:rPr lang="en-US" altLang="de-DE"/>
-              <a:t>Hochschule Mannheim | Julia Geigl, Clemens Behr, Kevin Höfle</a:t>
-            </a:r>
-            <a:endParaRPr lang="de-DE" altLang="de-DE" dirty="0"/>
-          </a:p>
-        </p:txBody>
-      </p:sp>
-    </p:spTree>
-    <p:extLst>
-      <p:ext uri="{BB962C8B-B14F-4D97-AF65-F5344CB8AC3E}">
-        <p14:creationId xmlns:p14="http://schemas.microsoft.com/office/powerpoint/2010/main" val="3888361227"/>
-      </p:ext>
-    </p:extLst>
-  </p:cSld>
-  <p:clrMapOvr>
-    <a:masterClrMapping/>
-  </p:clrMapOvr>
-  <p:transition/>
-</p:sld>
-</file>
-
-<file path=ppt/slides/slide40.xml><?xml version="1.0" encoding="utf-8"?>
-<p:sld xmlns:a="http://schemas.openxmlformats.org/drawingml/2006/main" xmlns:r="http://schemas.openxmlformats.org/officeDocument/2006/relationships" xmlns:p="http://schemas.openxmlformats.org/presentationml/2006/main">
-  <p:cSld>
-    <p:spTree>
-      <p:nvGrpSpPr>
-        <p:cNvPr id="1" name=""/>
-        <p:cNvGrpSpPr/>
-        <p:nvPr/>
-      </p:nvGrpSpPr>
-      <p:grpSpPr>
-        <a:xfrm>
-          <a:off x="0" y="0"/>
-          <a:ext cx="0" cy="0"/>
-          <a:chOff x="0" y="0"/>
-          <a:chExt cx="0" cy="0"/>
-        </a:xfrm>
-      </p:grpSpPr>
-      <p:sp>
-        <p:nvSpPr>
-          <p:cNvPr id="2" name="Foliennummernplatzhalter 1"/>
-          <p:cNvSpPr>
-            <a:spLocks noGrp="1"/>
-          </p:cNvSpPr>
-          <p:nvPr>
-            <p:ph type="sldNum" sz="quarter" idx="11"/>
-          </p:nvPr>
-        </p:nvSpPr>
-        <p:spPr/>
-        <p:txBody>
-          <a:bodyPr/>
-          <a:lstStyle/>
-          <a:p>
-            <a:fld id="{57D12BB6-0ED4-46B6-AB23-7758AD07EFBF}" type="slidenum">
-              <a:rPr lang="de-DE" smtClean="0"/>
-              <a:pPr/>
-              <a:t>40</a:t>
-            </a:fld>
-            <a:endParaRPr lang="de-DE" dirty="0"/>
-          </a:p>
-        </p:txBody>
-      </p:sp>
-      <p:sp>
-        <p:nvSpPr>
-          <p:cNvPr id="3" name="Textplatzhalter 2"/>
-          <p:cNvSpPr>
-            <a:spLocks noGrp="1"/>
-          </p:cNvSpPr>
-          <p:nvPr>
-            <p:ph type="body" sz="quarter" idx="15"/>
-          </p:nvPr>
-        </p:nvSpPr>
-        <p:spPr/>
-        <p:txBody>
-          <a:bodyPr/>
-          <a:lstStyle/>
-          <a:p>
-            <a:pPr marL="285750" indent="-285750">
-              <a:buFont typeface="Courier New" panose="02070309020205020404" pitchFamily="49" charset="0"/>
-              <a:buChar char="o"/>
-            </a:pPr>
             <a:r>
               <a:rPr lang="de-DE" dirty="0">
                 <a:hlinkClick r:id="rId2"/>
@@ -17458,8 +18225,8 @@
           </a:p>
           <a:p>
             <a:pPr marL="285750" indent="-285750">
-              <a:buFont typeface="Courier New" panose="02070309020205020404" pitchFamily="49" charset="0"/>
-              <a:buChar char="o"/>
+              <a:buFont typeface="Arial" panose="020B0604020202020204" pitchFamily="34" charset="0"/>
+              <a:buChar char="•"/>
             </a:pPr>
             <a:r>
               <a:rPr lang="de-DE" dirty="0"/>
@@ -17567,8 +18334,8 @@
           <a:lstStyle/>
           <a:p>
             <a:r>
-              <a:rPr lang="en-US" altLang="de-DE"/>
-              <a:t>Hochschule Mannheim | Julia Geigl, Clemens Behr, Kevin Höfle</a:t>
+              <a:rPr lang="de-DE" altLang="de-DE" smtClean="0"/>
+              <a:t>Hochschule Mannheim | Julia Geigl, Klemens Behr, Kevin Höfle</a:t>
             </a:r>
             <a:endParaRPr lang="de-DE" altLang="de-DE" dirty="0"/>
           </a:p>
@@ -17609,10 +18376,17 @@
     <a:masterClrMapping/>
   </p:clrMapOvr>
   <p:transition/>
+  <p:timing>
+    <p:tnLst>
+      <p:par>
+        <p:cTn id="1" dur="indefinite" restart="never" nodeType="tmRoot"/>
+      </p:par>
+    </p:tnLst>
+  </p:timing>
 </p:sld>
 </file>
 
-<file path=ppt/slides/slide41.xml><?xml version="1.0" encoding="utf-8"?>
+<file path=ppt/slides/slide43.xml><?xml version="1.0" encoding="utf-8"?>
 <p:sld xmlns:a="http://schemas.openxmlformats.org/drawingml/2006/main" xmlns:r="http://schemas.openxmlformats.org/officeDocument/2006/relationships" xmlns:p="http://schemas.openxmlformats.org/presentationml/2006/main">
   <p:cSld>
     <p:spTree>
@@ -17647,7 +18421,7 @@
             <a:fld id="{57D12BB6-0ED4-46B6-AB23-7758AD07EFBF}" type="slidenum">
               <a:rPr lang="de-DE" smtClean="0"/>
               <a:pPr/>
-              <a:t>41</a:t>
+              <a:t>43</a:t>
             </a:fld>
             <a:endParaRPr lang="de-DE" dirty="0"/>
           </a:p>
@@ -17715,8 +18489,8 @@
           <a:lstStyle/>
           <a:p>
             <a:r>
-              <a:rPr lang="en-US" altLang="de-DE"/>
-              <a:t>Hochschule Mannheim | Julia Geigl, Clemens Behr, Kevin Höfle</a:t>
+              <a:rPr lang="de-DE" altLang="de-DE" smtClean="0"/>
+              <a:t>Hochschule Mannheim | Julia Geigl, Klemens Behr, Kevin Höfle</a:t>
             </a:r>
             <a:endParaRPr lang="de-DE" altLang="de-DE" dirty="0"/>
           </a:p>
@@ -17733,10 +18507,17 @@
     <a:masterClrMapping/>
   </p:clrMapOvr>
   <p:transition/>
+  <p:timing>
+    <p:tnLst>
+      <p:par>
+        <p:cTn id="1" dur="indefinite" restart="never" nodeType="tmRoot"/>
+      </p:par>
+    </p:tnLst>
+  </p:timing>
 </p:sld>
 </file>
 
-<file path=ppt/slides/slide42.xml><?xml version="1.0" encoding="utf-8"?>
+<file path=ppt/slides/slide44.xml><?xml version="1.0" encoding="utf-8"?>
 <p:sld xmlns:a="http://schemas.openxmlformats.org/drawingml/2006/main" xmlns:r="http://schemas.openxmlformats.org/officeDocument/2006/relationships" xmlns:p="http://schemas.openxmlformats.org/presentationml/2006/main">
   <p:cSld>
     <p:spTree>
@@ -17771,7 +18552,7 @@
             <a:fld id="{57D12BB6-0ED4-46B6-AB23-7758AD07EFBF}" type="slidenum">
               <a:rPr lang="de-DE" smtClean="0"/>
               <a:pPr/>
-              <a:t>42</a:t>
+              <a:t>44</a:t>
             </a:fld>
             <a:endParaRPr lang="de-DE" dirty="0"/>
           </a:p>
@@ -17779,12 +18560,43 @@
       </p:sp>
       <p:sp>
         <p:nvSpPr>
-          <p:cNvPr id="3" name="Textplatzhalter 2"/>
-          <p:cNvSpPr>
-            <a:spLocks noGrp="1"/>
-          </p:cNvSpPr>
-          <p:nvPr>
-            <p:ph type="body" sz="quarter" idx="15"/>
+          <p:cNvPr id="4" name="Titel 3"/>
+          <p:cNvSpPr>
+            <a:spLocks noGrp="1"/>
+          </p:cNvSpPr>
+          <p:nvPr>
+            <p:ph type="title"/>
+          </p:nvPr>
+        </p:nvSpPr>
+        <p:spPr>
+          <a:xfrm>
+            <a:off x="971550" y="1338104"/>
+            <a:ext cx="7740650" cy="863600"/>
+          </a:xfrm>
+        </p:spPr>
+        <p:txBody>
+          <a:bodyPr/>
+          <a:lstStyle/>
+          <a:p>
+            <a:r>
+              <a:rPr lang="de-DE" dirty="0" smtClean="0"/>
+              <a:t> </a:t>
+            </a:r>
+            <a:r>
+              <a:rPr lang="de-DE" dirty="0"/>
+              <a:t>Montage</a:t>
+            </a:r>
+          </a:p>
+        </p:txBody>
+      </p:sp>
+      <p:sp>
+        <p:nvSpPr>
+          <p:cNvPr id="5" name="Fußzeilenplatzhalter 4"/>
+          <p:cNvSpPr>
+            <a:spLocks noGrp="1"/>
+          </p:cNvSpPr>
+          <p:nvPr>
+            <p:ph type="ftr" sz="quarter" idx="16"/>
           </p:nvPr>
         </p:nvSpPr>
         <p:spPr/>
@@ -17792,57 +18604,9 @@
           <a:bodyPr/>
           <a:lstStyle/>
           <a:p>
-            <a:pPr marL="0" indent="0">
-              <a:buNone/>
-            </a:pPr>
-            <a:endParaRPr lang="de-DE" dirty="0"/>
-          </a:p>
-        </p:txBody>
-      </p:sp>
-      <p:sp>
-        <p:nvSpPr>
-          <p:cNvPr id="4" name="Titel 3"/>
-          <p:cNvSpPr>
-            <a:spLocks noGrp="1"/>
-          </p:cNvSpPr>
-          <p:nvPr>
-            <p:ph type="title"/>
-          </p:nvPr>
-        </p:nvSpPr>
-        <p:spPr/>
-        <p:txBody>
-          <a:bodyPr/>
-          <a:lstStyle/>
-          <a:p>
-            <a:r>
-              <a:rPr lang="de-DE" dirty="0" err="1"/>
-              <a:t>Adafruit</a:t>
-            </a:r>
-            <a:r>
-              <a:rPr lang="de-DE" dirty="0"/>
-              <a:t> IO - Montage</a:t>
-            </a:r>
-          </a:p>
-        </p:txBody>
-      </p:sp>
-      <p:sp>
-        <p:nvSpPr>
-          <p:cNvPr id="5" name="Fußzeilenplatzhalter 4"/>
-          <p:cNvSpPr>
-            <a:spLocks noGrp="1"/>
-          </p:cNvSpPr>
-          <p:nvPr>
-            <p:ph type="ftr" sz="quarter" idx="16"/>
-          </p:nvPr>
-        </p:nvSpPr>
-        <p:spPr/>
-        <p:txBody>
-          <a:bodyPr/>
-          <a:lstStyle/>
-          <a:p>
-            <a:r>
-              <a:rPr lang="en-US" altLang="de-DE"/>
-              <a:t>Hochschule Mannheim | Julia Geigl, Clemens Behr, Kevin Höfle</a:t>
+            <a:r>
+              <a:rPr lang="de-DE" altLang="de-DE" smtClean="0"/>
+              <a:t>Hochschule Mannheim | Julia Geigl, Klemens Behr, Kevin Höfle</a:t>
             </a:r>
             <a:endParaRPr lang="de-DE" altLang="de-DE" dirty="0"/>
           </a:p>
@@ -17889,10 +18653,17 @@
     <a:masterClrMapping/>
   </p:clrMapOvr>
   <p:transition/>
+  <p:timing>
+    <p:tnLst>
+      <p:par>
+        <p:cTn id="1" dur="indefinite" restart="never" nodeType="tmRoot"/>
+      </p:par>
+    </p:tnLst>
+  </p:timing>
 </p:sld>
 </file>
 
-<file path=ppt/slides/slide43.xml><?xml version="1.0" encoding="utf-8"?>
+<file path=ppt/slides/slide45.xml><?xml version="1.0" encoding="utf-8"?>
 <p:sld xmlns:a="http://schemas.openxmlformats.org/drawingml/2006/main" xmlns:r="http://schemas.openxmlformats.org/officeDocument/2006/relationships" xmlns:p="http://schemas.openxmlformats.org/presentationml/2006/main">
   <p:cSld>
     <p:spTree>
@@ -17927,7 +18698,7 @@
             <a:fld id="{57D12BB6-0ED4-46B6-AB23-7758AD07EFBF}" type="slidenum">
               <a:rPr lang="de-DE" smtClean="0"/>
               <a:pPr/>
-              <a:t>43</a:t>
+              <a:t>45</a:t>
             </a:fld>
             <a:endParaRPr lang="de-DE" dirty="0"/>
           </a:p>
@@ -18317,8 +19088,8 @@
           <a:lstStyle/>
           <a:p>
             <a:r>
-              <a:rPr lang="en-US" altLang="de-DE"/>
-              <a:t>Hochschule Mannheim | Julia Geigl, Clemens Behr, Kevin Höfle</a:t>
+              <a:rPr lang="de-DE" altLang="de-DE" smtClean="0"/>
+              <a:t>Hochschule Mannheim | Julia Geigl, Klemens Behr, Kevin Höfle</a:t>
             </a:r>
             <a:endParaRPr lang="de-DE" altLang="de-DE" dirty="0"/>
           </a:p>
@@ -18335,11 +19106,18 @@
     <a:masterClrMapping/>
   </p:clrMapOvr>
   <p:transition/>
+  <p:timing>
+    <p:tnLst>
+      <p:par>
+        <p:cTn id="1" dur="indefinite" restart="never" nodeType="tmRoot"/>
+      </p:par>
+    </p:tnLst>
+  </p:timing>
 </p:sld>
 </file>
 
-<file path=ppt/slides/slide44.xml><?xml version="1.0" encoding="utf-8"?>
-<p:sld xmlns:a="http://schemas.openxmlformats.org/drawingml/2006/main" xmlns:r="http://schemas.openxmlformats.org/officeDocument/2006/relationships" xmlns:p="http://schemas.openxmlformats.org/presentationml/2006/main">
+<file path=ppt/slides/slide46.xml><?xml version="1.0" encoding="utf-8"?>
+<p:sld xmlns:a="http://schemas.openxmlformats.org/drawingml/2006/main" xmlns:r="http://schemas.openxmlformats.org/officeDocument/2006/relationships" xmlns:p="http://schemas.openxmlformats.org/presentationml/2006/main" show="0">
   <p:cSld>
     <p:spTree>
       <p:nvGrpSpPr>
@@ -18373,7 +19151,7 @@
             <a:fld id="{57D12BB6-0ED4-46B6-AB23-7758AD07EFBF}" type="slidenum">
               <a:rPr lang="de-DE" smtClean="0"/>
               <a:pPr/>
-              <a:t>44</a:t>
+              <a:t>46</a:t>
             </a:fld>
             <a:endParaRPr lang="de-DE" dirty="0"/>
           </a:p>
@@ -18422,8 +19200,8 @@
           <a:lstStyle/>
           <a:p>
             <a:r>
-              <a:rPr lang="en-US" altLang="de-DE"/>
-              <a:t>Hochschule Mannheim | Julia Geigl, Clemens Behr, Kevin Höfle</a:t>
+              <a:rPr lang="de-DE" altLang="de-DE" smtClean="0"/>
+              <a:t>Hochschule Mannheim | Julia Geigl, Klemens Behr, Kevin Höfle</a:t>
             </a:r>
             <a:endParaRPr lang="de-DE" altLang="de-DE" dirty="0"/>
           </a:p>
@@ -18988,11 +19766,18 @@
     <a:masterClrMapping/>
   </p:clrMapOvr>
   <p:transition/>
+  <p:timing>
+    <p:tnLst>
+      <p:par>
+        <p:cTn id="1" dur="indefinite" restart="never" nodeType="tmRoot"/>
+      </p:par>
+    </p:tnLst>
+  </p:timing>
 </p:sld>
 </file>
 
-<file path=ppt/slides/slide45.xml><?xml version="1.0" encoding="utf-8"?>
-<p:sld xmlns:a="http://schemas.openxmlformats.org/drawingml/2006/main" xmlns:r="http://schemas.openxmlformats.org/officeDocument/2006/relationships" xmlns:p="http://schemas.openxmlformats.org/presentationml/2006/main">
+<file path=ppt/slides/slide47.xml><?xml version="1.0" encoding="utf-8"?>
+<p:sld xmlns:a="http://schemas.openxmlformats.org/drawingml/2006/main" xmlns:r="http://schemas.openxmlformats.org/officeDocument/2006/relationships" xmlns:p="http://schemas.openxmlformats.org/presentationml/2006/main" show="0">
   <p:cSld>
     <p:spTree>
       <p:nvGrpSpPr>
@@ -19026,7 +19811,7 @@
             <a:fld id="{57D12BB6-0ED4-46B6-AB23-7758AD07EFBF}" type="slidenum">
               <a:rPr lang="de-DE" smtClean="0"/>
               <a:pPr/>
-              <a:t>45</a:t>
+              <a:t>47</a:t>
             </a:fld>
             <a:endParaRPr lang="de-DE" dirty="0"/>
           </a:p>
@@ -19082,8 +19867,8 @@
           <a:lstStyle/>
           <a:p>
             <a:r>
-              <a:rPr lang="en-US" altLang="de-DE"/>
-              <a:t>Hochschule Mannheim | Julia Geigl, Clemens Behr, Kevin Höfle</a:t>
+              <a:rPr lang="de-DE" altLang="de-DE" smtClean="0"/>
+              <a:t>Hochschule Mannheim | Julia Geigl, Klemens Behr, Kevin Höfle</a:t>
             </a:r>
             <a:endParaRPr lang="de-DE" altLang="de-DE" dirty="0"/>
           </a:p>
@@ -19127,8 +19912,8 @@
 </p:sld>
 </file>
 
-<file path=ppt/slides/slide46.xml><?xml version="1.0" encoding="utf-8"?>
-<p:sld xmlns:a="http://schemas.openxmlformats.org/drawingml/2006/main" xmlns:r="http://schemas.openxmlformats.org/officeDocument/2006/relationships" xmlns:p="http://schemas.openxmlformats.org/presentationml/2006/main">
+<file path=ppt/slides/slide48.xml><?xml version="1.0" encoding="utf-8"?>
+<p:sld xmlns:a="http://schemas.openxmlformats.org/drawingml/2006/main" xmlns:r="http://schemas.openxmlformats.org/officeDocument/2006/relationships" xmlns:p="http://schemas.openxmlformats.org/presentationml/2006/main" show="0">
   <p:cSld>
     <p:spTree>
       <p:nvGrpSpPr>
@@ -19162,7 +19947,7 @@
             <a:fld id="{57D12BB6-0ED4-46B6-AB23-7758AD07EFBF}" type="slidenum">
               <a:rPr lang="de-DE" smtClean="0"/>
               <a:pPr/>
-              <a:t>46</a:t>
+              <a:t>48</a:t>
             </a:fld>
             <a:endParaRPr lang="de-DE" dirty="0"/>
           </a:p>
@@ -19218,8 +20003,8 @@
           <a:lstStyle/>
           <a:p>
             <a:r>
-              <a:rPr lang="en-US" altLang="de-DE"/>
-              <a:t>Hochschule Mannheim | Julia Geigl, Clemens Behr, Kevin Höfle</a:t>
+              <a:rPr lang="de-DE" altLang="de-DE" smtClean="0"/>
+              <a:t>Hochschule Mannheim | Julia Geigl, Klemens Behr, Kevin Höfle</a:t>
             </a:r>
             <a:endParaRPr lang="de-DE" altLang="de-DE" dirty="0"/>
           </a:p>
@@ -19556,8 +20341,8 @@
           <a:lstStyle/>
           <a:p>
             <a:r>
-              <a:rPr lang="en-US" altLang="de-DE"/>
-              <a:t>Hochschule Mannheim | Julia Geigl, Clemens Behr, Kevin Höfle</a:t>
+              <a:rPr lang="de-DE" altLang="de-DE" smtClean="0"/>
+              <a:t>Hochschule Mannheim | Julia Geigl, Klemens Behr, Kevin Höfle</a:t>
             </a:r>
             <a:endParaRPr lang="de-DE" altLang="de-DE" dirty="0"/>
           </a:p>
@@ -19657,6 +20442,13 @@
     <a:masterClrMapping/>
   </p:clrMapOvr>
   <p:transition/>
+  <p:timing>
+    <p:tnLst>
+      <p:par>
+        <p:cTn id="1" dur="indefinite" restart="never" nodeType="tmRoot"/>
+      </p:par>
+    </p:tnLst>
+  </p:timing>
 </p:sld>
 </file>
 
@@ -19934,8 +20726,8 @@
           <a:lstStyle/>
           <a:p>
             <a:r>
-              <a:rPr lang="en-US" altLang="de-DE"/>
-              <a:t>Hochschule Mannheim | Julia Geigl, Clemens Behr, Kevin Höfle</a:t>
+              <a:rPr lang="de-DE" altLang="de-DE" smtClean="0"/>
+              <a:t>Hochschule Mannheim | Julia Geigl, Klemens Behr, Kevin Höfle</a:t>
             </a:r>
             <a:endParaRPr lang="de-DE" altLang="de-DE" dirty="0"/>
           </a:p>
@@ -19952,6 +20744,13 @@
     <a:masterClrMapping/>
   </p:clrMapOvr>
   <p:transition/>
+  <p:timing>
+    <p:tnLst>
+      <p:par>
+        <p:cTn id="1" dur="indefinite" restart="never" nodeType="tmRoot"/>
+      </p:par>
+    </p:tnLst>
+  </p:timing>
 </p:sld>
 </file>
 
@@ -20050,8 +20849,8 @@
           <a:lstStyle/>
           <a:p>
             <a:r>
-              <a:rPr lang="en-US" altLang="de-DE"/>
-              <a:t>Hochschule Mannheim | Julia Geigl, Clemens Behr, Kevin Höfle</a:t>
+              <a:rPr lang="de-DE" altLang="de-DE" smtClean="0"/>
+              <a:t>Hochschule Mannheim | Julia Geigl, Klemens Behr, Kevin Höfle</a:t>
             </a:r>
             <a:endParaRPr lang="de-DE" altLang="de-DE" dirty="0"/>
           </a:p>
@@ -20380,6 +21179,13 @@
     <a:masterClrMapping/>
   </p:clrMapOvr>
   <p:transition/>
+  <p:timing>
+    <p:tnLst>
+      <p:par>
+        <p:cTn id="1" dur="indefinite" restart="never" nodeType="tmRoot"/>
+      </p:par>
+    </p:tnLst>
+  </p:timing>
 </p:sld>
 </file>
 
@@ -20516,8 +21322,8 @@
           <a:lstStyle/>
           <a:p>
             <a:r>
-              <a:rPr lang="en-US" altLang="de-DE"/>
-              <a:t>Hochschule Mannheim | Julia Geigl, Clemens Behr, Kevin Höfle</a:t>
+              <a:rPr lang="de-DE" altLang="de-DE" smtClean="0"/>
+              <a:t>Hochschule Mannheim | Julia Geigl, Klemens Behr, Kevin Höfle</a:t>
             </a:r>
             <a:endParaRPr lang="de-DE" altLang="de-DE" dirty="0"/>
           </a:p>
@@ -20534,11 +21340,18 @@
     <a:masterClrMapping/>
   </p:clrMapOvr>
   <p:transition/>
+  <p:timing>
+    <p:tnLst>
+      <p:par>
+        <p:cTn id="1" dur="indefinite" restart="never" nodeType="tmRoot"/>
+      </p:par>
+    </p:tnLst>
+  </p:timing>
 </p:sld>
 </file>
 
 <file path=ppt/slides/slide9.xml><?xml version="1.0" encoding="utf-8"?>
-<p:sld xmlns:a="http://schemas.openxmlformats.org/drawingml/2006/main" xmlns:r="http://schemas.openxmlformats.org/officeDocument/2006/relationships" xmlns:p="http://schemas.openxmlformats.org/presentationml/2006/main">
+<p:sld xmlns:a="http://schemas.openxmlformats.org/drawingml/2006/main" xmlns:r="http://schemas.openxmlformats.org/officeDocument/2006/relationships" xmlns:p="http://schemas.openxmlformats.org/presentationml/2006/main" show="0">
   <p:cSld>
     <p:spTree>
       <p:nvGrpSpPr>
@@ -20621,8 +21434,8 @@
           <a:lstStyle/>
           <a:p>
             <a:r>
-              <a:rPr lang="en-US" altLang="de-DE"/>
-              <a:t>Hochschule Mannheim | Julia Geigl, Clemens Behr, Kevin Höfle</a:t>
+              <a:rPr lang="de-DE" altLang="de-DE" smtClean="0"/>
+              <a:t>Hochschule Mannheim | Julia Geigl, Klemens Behr, Kevin Höfle</a:t>
             </a:r>
             <a:endParaRPr lang="de-DE" altLang="de-DE" dirty="0"/>
           </a:p>
@@ -20826,6 +21639,13 @@
     <a:masterClrMapping/>
   </p:clrMapOvr>
   <p:transition/>
+  <p:timing>
+    <p:tnLst>
+      <p:par>
+        <p:cTn id="1" dur="indefinite" restart="never" nodeType="tmRoot"/>
+      </p:par>
+    </p:tnLst>
+  </p:timing>
 </p:sld>
 </file>
 

--- a/PES_FH_VERS.pptx
+++ b/PES_FH_VERS.pptx
@@ -6,10 +6,10 @@
     <p:sldMasterId id="2147483666" r:id="rId2"/>
   </p:sldMasterIdLst>
   <p:notesMasterIdLst>
-    <p:notesMasterId r:id="rId51"/>
+    <p:notesMasterId r:id="rId52"/>
   </p:notesMasterIdLst>
   <p:handoutMasterIdLst>
-    <p:handoutMasterId r:id="rId52"/>
+    <p:handoutMasterId r:id="rId53"/>
   </p:handoutMasterIdLst>
   <p:sldIdLst>
     <p:sldId id="256" r:id="rId3"/>
@@ -57,9 +57,10 @@
     <p:sldId id="359" r:id="rId45"/>
     <p:sldId id="360" r:id="rId46"/>
     <p:sldId id="337" r:id="rId47"/>
-    <p:sldId id="329" r:id="rId48"/>
-    <p:sldId id="331" r:id="rId49"/>
-    <p:sldId id="336" r:id="rId50"/>
+    <p:sldId id="364" r:id="rId48"/>
+    <p:sldId id="329" r:id="rId49"/>
+    <p:sldId id="331" r:id="rId50"/>
+    <p:sldId id="336" r:id="rId51"/>
   </p:sldIdLst>
   <p:sldSz cx="9144000" cy="6858000" type="screen4x3"/>
   <p:notesSz cx="6858000" cy="9144000"/>
@@ -238,6 +239,7 @@
             <p14:sldId id="359"/>
             <p14:sldId id="360"/>
             <p14:sldId id="337"/>
+            <p14:sldId id="364"/>
             <p14:sldId id="329"/>
             <p14:sldId id="331"/>
             <p14:sldId id="336"/>
@@ -1161,6 +1163,3816 @@
 </p:notesMaster>
 </file>
 
+<file path=ppt/notesSlides/notesSlide1.xml><?xml version="1.0" encoding="utf-8"?>
+<p:notes xmlns:a="http://schemas.openxmlformats.org/drawingml/2006/main" xmlns:r="http://schemas.openxmlformats.org/officeDocument/2006/relationships" xmlns:p="http://schemas.openxmlformats.org/presentationml/2006/main">
+  <p:cSld>
+    <p:spTree>
+      <p:nvGrpSpPr>
+        <p:cNvPr id="1" name=""/>
+        <p:cNvGrpSpPr/>
+        <p:nvPr/>
+      </p:nvGrpSpPr>
+      <p:grpSpPr>
+        <a:xfrm>
+          <a:off x="0" y="0"/>
+          <a:ext cx="0" cy="0"/>
+          <a:chOff x="0" y="0"/>
+          <a:chExt cx="0" cy="0"/>
+        </a:xfrm>
+      </p:grpSpPr>
+      <p:sp>
+        <p:nvSpPr>
+          <p:cNvPr id="2" name="Folienbildplatzhalter 1"/>
+          <p:cNvSpPr>
+            <a:spLocks noGrp="1" noRot="1" noChangeAspect="1"/>
+          </p:cNvSpPr>
+          <p:nvPr>
+            <p:ph type="sldImg"/>
+          </p:nvPr>
+        </p:nvSpPr>
+        <p:spPr/>
+      </p:sp>
+      <p:sp>
+        <p:nvSpPr>
+          <p:cNvPr id="3" name="Notizenplatzhalter 2"/>
+          <p:cNvSpPr>
+            <a:spLocks noGrp="1"/>
+          </p:cNvSpPr>
+          <p:nvPr>
+            <p:ph type="body" idx="1"/>
+          </p:nvPr>
+        </p:nvSpPr>
+        <p:spPr/>
+        <p:txBody>
+          <a:bodyPr/>
+          <a:lstStyle/>
+          <a:p>
+            <a:r>
+              <a:rPr lang="de-DE" dirty="0"/>
+              <a:t>Kevin</a:t>
+            </a:r>
+          </a:p>
+        </p:txBody>
+      </p:sp>
+      <p:sp>
+        <p:nvSpPr>
+          <p:cNvPr id="4" name="Foliennummernplatzhalter 3"/>
+          <p:cNvSpPr>
+            <a:spLocks noGrp="1"/>
+          </p:cNvSpPr>
+          <p:nvPr>
+            <p:ph type="sldNum" sz="quarter" idx="10"/>
+          </p:nvPr>
+        </p:nvSpPr>
+        <p:spPr/>
+        <p:txBody>
+          <a:bodyPr/>
+          <a:lstStyle/>
+          <a:p>
+            <a:fld id="{1760A340-2167-4270-89CF-50EB6C0DB420}" type="slidenum">
+              <a:rPr lang="de-DE" altLang="de-DE" smtClean="0"/>
+              <a:pPr/>
+              <a:t>1</a:t>
+            </a:fld>
+            <a:endParaRPr lang="de-DE" altLang="de-DE"/>
+          </a:p>
+        </p:txBody>
+      </p:sp>
+    </p:spTree>
+    <p:extLst>
+      <p:ext uri="{BB962C8B-B14F-4D97-AF65-F5344CB8AC3E}">
+        <p14:creationId xmlns:p14="http://schemas.microsoft.com/office/powerpoint/2010/main" val="3415326074"/>
+      </p:ext>
+    </p:extLst>
+  </p:cSld>
+  <p:clrMapOvr>
+    <a:masterClrMapping/>
+  </p:clrMapOvr>
+</p:notes>
+</file>
+
+<file path=ppt/notesSlides/notesSlide10.xml><?xml version="1.0" encoding="utf-8"?>
+<p:notes xmlns:a="http://schemas.openxmlformats.org/drawingml/2006/main" xmlns:r="http://schemas.openxmlformats.org/officeDocument/2006/relationships" xmlns:p="http://schemas.openxmlformats.org/presentationml/2006/main">
+  <p:cSld>
+    <p:spTree>
+      <p:nvGrpSpPr>
+        <p:cNvPr id="1" name=""/>
+        <p:cNvGrpSpPr/>
+        <p:nvPr/>
+      </p:nvGrpSpPr>
+      <p:grpSpPr>
+        <a:xfrm>
+          <a:off x="0" y="0"/>
+          <a:ext cx="0" cy="0"/>
+          <a:chOff x="0" y="0"/>
+          <a:chExt cx="0" cy="0"/>
+        </a:xfrm>
+      </p:grpSpPr>
+      <p:sp>
+        <p:nvSpPr>
+          <p:cNvPr id="2" name="Folienbildplatzhalter 1"/>
+          <p:cNvSpPr>
+            <a:spLocks noGrp="1" noRot="1" noChangeAspect="1"/>
+          </p:cNvSpPr>
+          <p:nvPr>
+            <p:ph type="sldImg"/>
+          </p:nvPr>
+        </p:nvSpPr>
+        <p:spPr/>
+      </p:sp>
+      <p:sp>
+        <p:nvSpPr>
+          <p:cNvPr id="3" name="Notizenplatzhalter 2"/>
+          <p:cNvSpPr>
+            <a:spLocks noGrp="1"/>
+          </p:cNvSpPr>
+          <p:nvPr>
+            <p:ph type="body" idx="1"/>
+          </p:nvPr>
+        </p:nvSpPr>
+        <p:spPr/>
+        <p:txBody>
+          <a:bodyPr/>
+          <a:lstStyle/>
+          <a:p>
+            <a:pPr marL="0" marR="0" lvl="0" indent="0" algn="l" defTabSz="914400" rtl="0" eaLnBrk="0" fontAlgn="base" latinLnBrk="0" hangingPunct="0">
+              <a:lnSpc>
+                <a:spcPct val="100000"/>
+              </a:lnSpc>
+              <a:spcBef>
+                <a:spcPct val="30000"/>
+              </a:spcBef>
+              <a:spcAft>
+                <a:spcPct val="0"/>
+              </a:spcAft>
+              <a:buClrTx/>
+              <a:buSzTx/>
+              <a:buFontTx/>
+              <a:buNone/>
+              <a:tabLst/>
+              <a:defRPr/>
+            </a:pPr>
+            <a:r>
+              <a:rPr lang="de-DE" dirty="0"/>
+              <a:t>Julia</a:t>
+            </a:r>
+          </a:p>
+          <a:p>
+            <a:endParaRPr lang="de-DE" dirty="0"/>
+          </a:p>
+        </p:txBody>
+      </p:sp>
+      <p:sp>
+        <p:nvSpPr>
+          <p:cNvPr id="4" name="Foliennummernplatzhalter 3"/>
+          <p:cNvSpPr>
+            <a:spLocks noGrp="1"/>
+          </p:cNvSpPr>
+          <p:nvPr>
+            <p:ph type="sldNum" sz="quarter" idx="10"/>
+          </p:nvPr>
+        </p:nvSpPr>
+        <p:spPr/>
+        <p:txBody>
+          <a:bodyPr/>
+          <a:lstStyle/>
+          <a:p>
+            <a:fld id="{1760A340-2167-4270-89CF-50EB6C0DB420}" type="slidenum">
+              <a:rPr lang="de-DE" altLang="de-DE" smtClean="0"/>
+              <a:pPr/>
+              <a:t>12</a:t>
+            </a:fld>
+            <a:endParaRPr lang="de-DE" altLang="de-DE"/>
+          </a:p>
+        </p:txBody>
+      </p:sp>
+    </p:spTree>
+    <p:extLst>
+      <p:ext uri="{BB962C8B-B14F-4D97-AF65-F5344CB8AC3E}">
+        <p14:creationId xmlns:p14="http://schemas.microsoft.com/office/powerpoint/2010/main" val="1694675501"/>
+      </p:ext>
+    </p:extLst>
+  </p:cSld>
+  <p:clrMapOvr>
+    <a:masterClrMapping/>
+  </p:clrMapOvr>
+</p:notes>
+</file>
+
+<file path=ppt/notesSlides/notesSlide11.xml><?xml version="1.0" encoding="utf-8"?>
+<p:notes xmlns:a="http://schemas.openxmlformats.org/drawingml/2006/main" xmlns:r="http://schemas.openxmlformats.org/officeDocument/2006/relationships" xmlns:p="http://schemas.openxmlformats.org/presentationml/2006/main">
+  <p:cSld>
+    <p:spTree>
+      <p:nvGrpSpPr>
+        <p:cNvPr id="1" name=""/>
+        <p:cNvGrpSpPr/>
+        <p:nvPr/>
+      </p:nvGrpSpPr>
+      <p:grpSpPr>
+        <a:xfrm>
+          <a:off x="0" y="0"/>
+          <a:ext cx="0" cy="0"/>
+          <a:chOff x="0" y="0"/>
+          <a:chExt cx="0" cy="0"/>
+        </a:xfrm>
+      </p:grpSpPr>
+      <p:sp>
+        <p:nvSpPr>
+          <p:cNvPr id="2" name="Folienbildplatzhalter 1"/>
+          <p:cNvSpPr>
+            <a:spLocks noGrp="1" noRot="1" noChangeAspect="1"/>
+          </p:cNvSpPr>
+          <p:nvPr>
+            <p:ph type="sldImg"/>
+          </p:nvPr>
+        </p:nvSpPr>
+        <p:spPr/>
+      </p:sp>
+      <p:sp>
+        <p:nvSpPr>
+          <p:cNvPr id="3" name="Notizenplatzhalter 2"/>
+          <p:cNvSpPr>
+            <a:spLocks noGrp="1"/>
+          </p:cNvSpPr>
+          <p:nvPr>
+            <p:ph type="body" idx="1"/>
+          </p:nvPr>
+        </p:nvSpPr>
+        <p:spPr/>
+        <p:txBody>
+          <a:bodyPr/>
+          <a:lstStyle/>
+          <a:p>
+            <a:r>
+              <a:rPr lang="de-DE" dirty="0"/>
+              <a:t>kevin</a:t>
+            </a:r>
+          </a:p>
+        </p:txBody>
+      </p:sp>
+      <p:sp>
+        <p:nvSpPr>
+          <p:cNvPr id="4" name="Foliennummernplatzhalter 3"/>
+          <p:cNvSpPr>
+            <a:spLocks noGrp="1"/>
+          </p:cNvSpPr>
+          <p:nvPr>
+            <p:ph type="sldNum" sz="quarter" idx="10"/>
+          </p:nvPr>
+        </p:nvSpPr>
+        <p:spPr/>
+        <p:txBody>
+          <a:bodyPr/>
+          <a:lstStyle/>
+          <a:p>
+            <a:fld id="{1760A340-2167-4270-89CF-50EB6C0DB420}" type="slidenum">
+              <a:rPr lang="de-DE" altLang="de-DE" smtClean="0"/>
+              <a:pPr/>
+              <a:t>13</a:t>
+            </a:fld>
+            <a:endParaRPr lang="de-DE" altLang="de-DE"/>
+          </a:p>
+        </p:txBody>
+      </p:sp>
+    </p:spTree>
+    <p:extLst>
+      <p:ext uri="{BB962C8B-B14F-4D97-AF65-F5344CB8AC3E}">
+        <p14:creationId xmlns:p14="http://schemas.microsoft.com/office/powerpoint/2010/main" val="1553702799"/>
+      </p:ext>
+    </p:extLst>
+  </p:cSld>
+  <p:clrMapOvr>
+    <a:masterClrMapping/>
+  </p:clrMapOvr>
+</p:notes>
+</file>
+
+<file path=ppt/notesSlides/notesSlide12.xml><?xml version="1.0" encoding="utf-8"?>
+<p:notes xmlns:a="http://schemas.openxmlformats.org/drawingml/2006/main" xmlns:r="http://schemas.openxmlformats.org/officeDocument/2006/relationships" xmlns:p="http://schemas.openxmlformats.org/presentationml/2006/main">
+  <p:cSld>
+    <p:spTree>
+      <p:nvGrpSpPr>
+        <p:cNvPr id="1" name=""/>
+        <p:cNvGrpSpPr/>
+        <p:nvPr/>
+      </p:nvGrpSpPr>
+      <p:grpSpPr>
+        <a:xfrm>
+          <a:off x="0" y="0"/>
+          <a:ext cx="0" cy="0"/>
+          <a:chOff x="0" y="0"/>
+          <a:chExt cx="0" cy="0"/>
+        </a:xfrm>
+      </p:grpSpPr>
+      <p:sp>
+        <p:nvSpPr>
+          <p:cNvPr id="2" name="Folienbildplatzhalter 1"/>
+          <p:cNvSpPr>
+            <a:spLocks noGrp="1" noRot="1" noChangeAspect="1"/>
+          </p:cNvSpPr>
+          <p:nvPr>
+            <p:ph type="sldImg"/>
+          </p:nvPr>
+        </p:nvSpPr>
+        <p:spPr/>
+      </p:sp>
+      <p:sp>
+        <p:nvSpPr>
+          <p:cNvPr id="3" name="Notizenplatzhalter 2"/>
+          <p:cNvSpPr>
+            <a:spLocks noGrp="1"/>
+          </p:cNvSpPr>
+          <p:nvPr>
+            <p:ph type="body" idx="1"/>
+          </p:nvPr>
+        </p:nvSpPr>
+        <p:spPr/>
+        <p:txBody>
+          <a:bodyPr/>
+          <a:lstStyle/>
+          <a:p>
+            <a:r>
+              <a:rPr lang="de-DE" dirty="0"/>
+              <a:t>kevin</a:t>
+            </a:r>
+            <a:endParaRPr lang="de-DE" dirty="0"/>
+          </a:p>
+        </p:txBody>
+      </p:sp>
+      <p:sp>
+        <p:nvSpPr>
+          <p:cNvPr id="4" name="Foliennummernplatzhalter 3"/>
+          <p:cNvSpPr>
+            <a:spLocks noGrp="1"/>
+          </p:cNvSpPr>
+          <p:nvPr>
+            <p:ph type="sldNum" sz="quarter" idx="10"/>
+          </p:nvPr>
+        </p:nvSpPr>
+        <p:spPr/>
+        <p:txBody>
+          <a:bodyPr/>
+          <a:lstStyle/>
+          <a:p>
+            <a:fld id="{1760A340-2167-4270-89CF-50EB6C0DB420}" type="slidenum">
+              <a:rPr lang="de-DE" altLang="de-DE" smtClean="0"/>
+              <a:pPr/>
+              <a:t>14</a:t>
+            </a:fld>
+            <a:endParaRPr lang="de-DE" altLang="de-DE"/>
+          </a:p>
+        </p:txBody>
+      </p:sp>
+    </p:spTree>
+    <p:extLst>
+      <p:ext uri="{BB962C8B-B14F-4D97-AF65-F5344CB8AC3E}">
+        <p14:creationId xmlns:p14="http://schemas.microsoft.com/office/powerpoint/2010/main" val="819266717"/>
+      </p:ext>
+    </p:extLst>
+  </p:cSld>
+  <p:clrMapOvr>
+    <a:masterClrMapping/>
+  </p:clrMapOvr>
+</p:notes>
+</file>
+
+<file path=ppt/notesSlides/notesSlide13.xml><?xml version="1.0" encoding="utf-8"?>
+<p:notes xmlns:a="http://schemas.openxmlformats.org/drawingml/2006/main" xmlns:r="http://schemas.openxmlformats.org/officeDocument/2006/relationships" xmlns:p="http://schemas.openxmlformats.org/presentationml/2006/main">
+  <p:cSld>
+    <p:spTree>
+      <p:nvGrpSpPr>
+        <p:cNvPr id="1" name=""/>
+        <p:cNvGrpSpPr/>
+        <p:nvPr/>
+      </p:nvGrpSpPr>
+      <p:grpSpPr>
+        <a:xfrm>
+          <a:off x="0" y="0"/>
+          <a:ext cx="0" cy="0"/>
+          <a:chOff x="0" y="0"/>
+          <a:chExt cx="0" cy="0"/>
+        </a:xfrm>
+      </p:grpSpPr>
+      <p:sp>
+        <p:nvSpPr>
+          <p:cNvPr id="2" name="Folienbildplatzhalter 1"/>
+          <p:cNvSpPr>
+            <a:spLocks noGrp="1" noRot="1" noChangeAspect="1"/>
+          </p:cNvSpPr>
+          <p:nvPr>
+            <p:ph type="sldImg"/>
+          </p:nvPr>
+        </p:nvSpPr>
+        <p:spPr/>
+      </p:sp>
+      <p:sp>
+        <p:nvSpPr>
+          <p:cNvPr id="3" name="Notizenplatzhalter 2"/>
+          <p:cNvSpPr>
+            <a:spLocks noGrp="1"/>
+          </p:cNvSpPr>
+          <p:nvPr>
+            <p:ph type="body" idx="1"/>
+          </p:nvPr>
+        </p:nvSpPr>
+        <p:spPr/>
+        <p:txBody>
+          <a:bodyPr/>
+          <a:lstStyle/>
+          <a:p>
+            <a:r>
+              <a:rPr lang="de-DE" dirty="0"/>
+              <a:t>kevin</a:t>
+            </a:r>
+            <a:endParaRPr lang="de-DE" dirty="0"/>
+          </a:p>
+        </p:txBody>
+      </p:sp>
+      <p:sp>
+        <p:nvSpPr>
+          <p:cNvPr id="4" name="Foliennummernplatzhalter 3"/>
+          <p:cNvSpPr>
+            <a:spLocks noGrp="1"/>
+          </p:cNvSpPr>
+          <p:nvPr>
+            <p:ph type="sldNum" sz="quarter" idx="10"/>
+          </p:nvPr>
+        </p:nvSpPr>
+        <p:spPr/>
+        <p:txBody>
+          <a:bodyPr/>
+          <a:lstStyle/>
+          <a:p>
+            <a:fld id="{1760A340-2167-4270-89CF-50EB6C0DB420}" type="slidenum">
+              <a:rPr lang="de-DE" altLang="de-DE" smtClean="0"/>
+              <a:pPr/>
+              <a:t>15</a:t>
+            </a:fld>
+            <a:endParaRPr lang="de-DE" altLang="de-DE"/>
+          </a:p>
+        </p:txBody>
+      </p:sp>
+    </p:spTree>
+    <p:extLst>
+      <p:ext uri="{BB962C8B-B14F-4D97-AF65-F5344CB8AC3E}">
+        <p14:creationId xmlns:p14="http://schemas.microsoft.com/office/powerpoint/2010/main" val="1817534580"/>
+      </p:ext>
+    </p:extLst>
+  </p:cSld>
+  <p:clrMapOvr>
+    <a:masterClrMapping/>
+  </p:clrMapOvr>
+</p:notes>
+</file>
+
+<file path=ppt/notesSlides/notesSlide14.xml><?xml version="1.0" encoding="utf-8"?>
+<p:notes xmlns:a="http://schemas.openxmlformats.org/drawingml/2006/main" xmlns:r="http://schemas.openxmlformats.org/officeDocument/2006/relationships" xmlns:p="http://schemas.openxmlformats.org/presentationml/2006/main">
+  <p:cSld>
+    <p:spTree>
+      <p:nvGrpSpPr>
+        <p:cNvPr id="1" name=""/>
+        <p:cNvGrpSpPr/>
+        <p:nvPr/>
+      </p:nvGrpSpPr>
+      <p:grpSpPr>
+        <a:xfrm>
+          <a:off x="0" y="0"/>
+          <a:ext cx="0" cy="0"/>
+          <a:chOff x="0" y="0"/>
+          <a:chExt cx="0" cy="0"/>
+        </a:xfrm>
+      </p:grpSpPr>
+      <p:sp>
+        <p:nvSpPr>
+          <p:cNvPr id="2" name="Folienbildplatzhalter 1"/>
+          <p:cNvSpPr>
+            <a:spLocks noGrp="1" noRot="1" noChangeAspect="1"/>
+          </p:cNvSpPr>
+          <p:nvPr>
+            <p:ph type="sldImg"/>
+          </p:nvPr>
+        </p:nvSpPr>
+        <p:spPr/>
+      </p:sp>
+      <p:sp>
+        <p:nvSpPr>
+          <p:cNvPr id="3" name="Notizenplatzhalter 2"/>
+          <p:cNvSpPr>
+            <a:spLocks noGrp="1"/>
+          </p:cNvSpPr>
+          <p:nvPr>
+            <p:ph type="body" idx="1"/>
+          </p:nvPr>
+        </p:nvSpPr>
+        <p:spPr/>
+        <p:txBody>
+          <a:bodyPr/>
+          <a:lstStyle/>
+          <a:p>
+            <a:r>
+              <a:rPr lang="de-DE" dirty="0"/>
+              <a:t>kevin</a:t>
+            </a:r>
+            <a:endParaRPr lang="de-DE" dirty="0"/>
+          </a:p>
+        </p:txBody>
+      </p:sp>
+      <p:sp>
+        <p:nvSpPr>
+          <p:cNvPr id="4" name="Foliennummernplatzhalter 3"/>
+          <p:cNvSpPr>
+            <a:spLocks noGrp="1"/>
+          </p:cNvSpPr>
+          <p:nvPr>
+            <p:ph type="sldNum" sz="quarter" idx="10"/>
+          </p:nvPr>
+        </p:nvSpPr>
+        <p:spPr/>
+        <p:txBody>
+          <a:bodyPr/>
+          <a:lstStyle/>
+          <a:p>
+            <a:fld id="{1760A340-2167-4270-89CF-50EB6C0DB420}" type="slidenum">
+              <a:rPr lang="de-DE" altLang="de-DE" smtClean="0"/>
+              <a:pPr/>
+              <a:t>16</a:t>
+            </a:fld>
+            <a:endParaRPr lang="de-DE" altLang="de-DE"/>
+          </a:p>
+        </p:txBody>
+      </p:sp>
+    </p:spTree>
+    <p:extLst>
+      <p:ext uri="{BB962C8B-B14F-4D97-AF65-F5344CB8AC3E}">
+        <p14:creationId xmlns:p14="http://schemas.microsoft.com/office/powerpoint/2010/main" val="1792388886"/>
+      </p:ext>
+    </p:extLst>
+  </p:cSld>
+  <p:clrMapOvr>
+    <a:masterClrMapping/>
+  </p:clrMapOvr>
+</p:notes>
+</file>
+
+<file path=ppt/notesSlides/notesSlide15.xml><?xml version="1.0" encoding="utf-8"?>
+<p:notes xmlns:a="http://schemas.openxmlformats.org/drawingml/2006/main" xmlns:r="http://schemas.openxmlformats.org/officeDocument/2006/relationships" xmlns:p="http://schemas.openxmlformats.org/presentationml/2006/main">
+  <p:cSld>
+    <p:spTree>
+      <p:nvGrpSpPr>
+        <p:cNvPr id="1" name=""/>
+        <p:cNvGrpSpPr/>
+        <p:nvPr/>
+      </p:nvGrpSpPr>
+      <p:grpSpPr>
+        <a:xfrm>
+          <a:off x="0" y="0"/>
+          <a:ext cx="0" cy="0"/>
+          <a:chOff x="0" y="0"/>
+          <a:chExt cx="0" cy="0"/>
+        </a:xfrm>
+      </p:grpSpPr>
+      <p:sp>
+        <p:nvSpPr>
+          <p:cNvPr id="2" name="Folienbildplatzhalter 1"/>
+          <p:cNvSpPr>
+            <a:spLocks noGrp="1" noRot="1" noChangeAspect="1"/>
+          </p:cNvSpPr>
+          <p:nvPr>
+            <p:ph type="sldImg"/>
+          </p:nvPr>
+        </p:nvSpPr>
+        <p:spPr/>
+      </p:sp>
+      <p:sp>
+        <p:nvSpPr>
+          <p:cNvPr id="3" name="Notizenplatzhalter 2"/>
+          <p:cNvSpPr>
+            <a:spLocks noGrp="1"/>
+          </p:cNvSpPr>
+          <p:nvPr>
+            <p:ph type="body" idx="1"/>
+          </p:nvPr>
+        </p:nvSpPr>
+        <p:spPr/>
+        <p:txBody>
+          <a:bodyPr/>
+          <a:lstStyle/>
+          <a:p>
+            <a:r>
+              <a:rPr lang="de-DE" dirty="0"/>
+              <a:t>kevin</a:t>
+            </a:r>
+            <a:endParaRPr lang="de-DE" dirty="0"/>
+          </a:p>
+        </p:txBody>
+      </p:sp>
+      <p:sp>
+        <p:nvSpPr>
+          <p:cNvPr id="4" name="Foliennummernplatzhalter 3"/>
+          <p:cNvSpPr>
+            <a:spLocks noGrp="1"/>
+          </p:cNvSpPr>
+          <p:nvPr>
+            <p:ph type="sldNum" sz="quarter" idx="10"/>
+          </p:nvPr>
+        </p:nvSpPr>
+        <p:spPr/>
+        <p:txBody>
+          <a:bodyPr/>
+          <a:lstStyle/>
+          <a:p>
+            <a:fld id="{1760A340-2167-4270-89CF-50EB6C0DB420}" type="slidenum">
+              <a:rPr lang="de-DE" altLang="de-DE" smtClean="0"/>
+              <a:pPr/>
+              <a:t>18</a:t>
+            </a:fld>
+            <a:endParaRPr lang="de-DE" altLang="de-DE"/>
+          </a:p>
+        </p:txBody>
+      </p:sp>
+    </p:spTree>
+    <p:extLst>
+      <p:ext uri="{BB962C8B-B14F-4D97-AF65-F5344CB8AC3E}">
+        <p14:creationId xmlns:p14="http://schemas.microsoft.com/office/powerpoint/2010/main" val="2349354545"/>
+      </p:ext>
+    </p:extLst>
+  </p:cSld>
+  <p:clrMapOvr>
+    <a:masterClrMapping/>
+  </p:clrMapOvr>
+</p:notes>
+</file>
+
+<file path=ppt/notesSlides/notesSlide16.xml><?xml version="1.0" encoding="utf-8"?>
+<p:notes xmlns:a="http://schemas.openxmlformats.org/drawingml/2006/main" xmlns:r="http://schemas.openxmlformats.org/officeDocument/2006/relationships" xmlns:p="http://schemas.openxmlformats.org/presentationml/2006/main">
+  <p:cSld>
+    <p:spTree>
+      <p:nvGrpSpPr>
+        <p:cNvPr id="1" name=""/>
+        <p:cNvGrpSpPr/>
+        <p:nvPr/>
+      </p:nvGrpSpPr>
+      <p:grpSpPr>
+        <a:xfrm>
+          <a:off x="0" y="0"/>
+          <a:ext cx="0" cy="0"/>
+          <a:chOff x="0" y="0"/>
+          <a:chExt cx="0" cy="0"/>
+        </a:xfrm>
+      </p:grpSpPr>
+      <p:sp>
+        <p:nvSpPr>
+          <p:cNvPr id="2" name="Folienbildplatzhalter 1"/>
+          <p:cNvSpPr>
+            <a:spLocks noGrp="1" noRot="1" noChangeAspect="1"/>
+          </p:cNvSpPr>
+          <p:nvPr>
+            <p:ph type="sldImg"/>
+          </p:nvPr>
+        </p:nvSpPr>
+        <p:spPr/>
+      </p:sp>
+      <p:sp>
+        <p:nvSpPr>
+          <p:cNvPr id="3" name="Notizenplatzhalter 2"/>
+          <p:cNvSpPr>
+            <a:spLocks noGrp="1"/>
+          </p:cNvSpPr>
+          <p:nvPr>
+            <p:ph type="body" idx="1"/>
+          </p:nvPr>
+        </p:nvSpPr>
+        <p:spPr/>
+        <p:txBody>
+          <a:bodyPr/>
+          <a:lstStyle/>
+          <a:p>
+            <a:r>
+              <a:rPr lang="de-DE" dirty="0"/>
+              <a:t>kevin</a:t>
+            </a:r>
+            <a:endParaRPr lang="de-DE" dirty="0"/>
+          </a:p>
+        </p:txBody>
+      </p:sp>
+      <p:sp>
+        <p:nvSpPr>
+          <p:cNvPr id="4" name="Foliennummernplatzhalter 3"/>
+          <p:cNvSpPr>
+            <a:spLocks noGrp="1"/>
+          </p:cNvSpPr>
+          <p:nvPr>
+            <p:ph type="sldNum" sz="quarter" idx="10"/>
+          </p:nvPr>
+        </p:nvSpPr>
+        <p:spPr/>
+        <p:txBody>
+          <a:bodyPr/>
+          <a:lstStyle/>
+          <a:p>
+            <a:fld id="{1760A340-2167-4270-89CF-50EB6C0DB420}" type="slidenum">
+              <a:rPr lang="de-DE" altLang="de-DE" smtClean="0"/>
+              <a:pPr/>
+              <a:t>19</a:t>
+            </a:fld>
+            <a:endParaRPr lang="de-DE" altLang="de-DE"/>
+          </a:p>
+        </p:txBody>
+      </p:sp>
+    </p:spTree>
+    <p:extLst>
+      <p:ext uri="{BB962C8B-B14F-4D97-AF65-F5344CB8AC3E}">
+        <p14:creationId xmlns:p14="http://schemas.microsoft.com/office/powerpoint/2010/main" val="2457533625"/>
+      </p:ext>
+    </p:extLst>
+  </p:cSld>
+  <p:clrMapOvr>
+    <a:masterClrMapping/>
+  </p:clrMapOvr>
+</p:notes>
+</file>
+
+<file path=ppt/notesSlides/notesSlide17.xml><?xml version="1.0" encoding="utf-8"?>
+<p:notes xmlns:a="http://schemas.openxmlformats.org/drawingml/2006/main" xmlns:r="http://schemas.openxmlformats.org/officeDocument/2006/relationships" xmlns:p="http://schemas.openxmlformats.org/presentationml/2006/main">
+  <p:cSld>
+    <p:spTree>
+      <p:nvGrpSpPr>
+        <p:cNvPr id="1" name=""/>
+        <p:cNvGrpSpPr/>
+        <p:nvPr/>
+      </p:nvGrpSpPr>
+      <p:grpSpPr>
+        <a:xfrm>
+          <a:off x="0" y="0"/>
+          <a:ext cx="0" cy="0"/>
+          <a:chOff x="0" y="0"/>
+          <a:chExt cx="0" cy="0"/>
+        </a:xfrm>
+      </p:grpSpPr>
+      <p:sp>
+        <p:nvSpPr>
+          <p:cNvPr id="2" name="Folienbildplatzhalter 1"/>
+          <p:cNvSpPr>
+            <a:spLocks noGrp="1" noRot="1" noChangeAspect="1"/>
+          </p:cNvSpPr>
+          <p:nvPr>
+            <p:ph type="sldImg"/>
+          </p:nvPr>
+        </p:nvSpPr>
+        <p:spPr/>
+      </p:sp>
+      <p:sp>
+        <p:nvSpPr>
+          <p:cNvPr id="3" name="Notizenplatzhalter 2"/>
+          <p:cNvSpPr>
+            <a:spLocks noGrp="1"/>
+          </p:cNvSpPr>
+          <p:nvPr>
+            <p:ph type="body" idx="1"/>
+          </p:nvPr>
+        </p:nvSpPr>
+        <p:spPr/>
+        <p:txBody>
+          <a:bodyPr/>
+          <a:lstStyle/>
+          <a:p>
+            <a:r>
+              <a:rPr lang="de-DE" dirty="0"/>
+              <a:t>kevin</a:t>
+            </a:r>
+            <a:endParaRPr lang="de-DE" dirty="0"/>
+          </a:p>
+        </p:txBody>
+      </p:sp>
+      <p:sp>
+        <p:nvSpPr>
+          <p:cNvPr id="4" name="Foliennummernplatzhalter 3"/>
+          <p:cNvSpPr>
+            <a:spLocks noGrp="1"/>
+          </p:cNvSpPr>
+          <p:nvPr>
+            <p:ph type="sldNum" sz="quarter" idx="10"/>
+          </p:nvPr>
+        </p:nvSpPr>
+        <p:spPr/>
+        <p:txBody>
+          <a:bodyPr/>
+          <a:lstStyle/>
+          <a:p>
+            <a:fld id="{1760A340-2167-4270-89CF-50EB6C0DB420}" type="slidenum">
+              <a:rPr lang="de-DE" altLang="de-DE" smtClean="0"/>
+              <a:pPr/>
+              <a:t>20</a:t>
+            </a:fld>
+            <a:endParaRPr lang="de-DE" altLang="de-DE"/>
+          </a:p>
+        </p:txBody>
+      </p:sp>
+    </p:spTree>
+    <p:extLst>
+      <p:ext uri="{BB962C8B-B14F-4D97-AF65-F5344CB8AC3E}">
+        <p14:creationId xmlns:p14="http://schemas.microsoft.com/office/powerpoint/2010/main" val="3782355876"/>
+      </p:ext>
+    </p:extLst>
+  </p:cSld>
+  <p:clrMapOvr>
+    <a:masterClrMapping/>
+  </p:clrMapOvr>
+</p:notes>
+</file>
+
+<file path=ppt/notesSlides/notesSlide18.xml><?xml version="1.0" encoding="utf-8"?>
+<p:notes xmlns:a="http://schemas.openxmlformats.org/drawingml/2006/main" xmlns:r="http://schemas.openxmlformats.org/officeDocument/2006/relationships" xmlns:p="http://schemas.openxmlformats.org/presentationml/2006/main">
+  <p:cSld>
+    <p:spTree>
+      <p:nvGrpSpPr>
+        <p:cNvPr id="1" name=""/>
+        <p:cNvGrpSpPr/>
+        <p:nvPr/>
+      </p:nvGrpSpPr>
+      <p:grpSpPr>
+        <a:xfrm>
+          <a:off x="0" y="0"/>
+          <a:ext cx="0" cy="0"/>
+          <a:chOff x="0" y="0"/>
+          <a:chExt cx="0" cy="0"/>
+        </a:xfrm>
+      </p:grpSpPr>
+      <p:sp>
+        <p:nvSpPr>
+          <p:cNvPr id="2" name="Folienbildplatzhalter 1"/>
+          <p:cNvSpPr>
+            <a:spLocks noGrp="1" noRot="1" noChangeAspect="1"/>
+          </p:cNvSpPr>
+          <p:nvPr>
+            <p:ph type="sldImg"/>
+          </p:nvPr>
+        </p:nvSpPr>
+        <p:spPr/>
+      </p:sp>
+      <p:sp>
+        <p:nvSpPr>
+          <p:cNvPr id="3" name="Notizenplatzhalter 2"/>
+          <p:cNvSpPr>
+            <a:spLocks noGrp="1"/>
+          </p:cNvSpPr>
+          <p:nvPr>
+            <p:ph type="body" idx="1"/>
+          </p:nvPr>
+        </p:nvSpPr>
+        <p:spPr/>
+        <p:txBody>
+          <a:bodyPr/>
+          <a:lstStyle/>
+          <a:p>
+            <a:r>
+              <a:rPr lang="de-DE" dirty="0"/>
+              <a:t>Julia</a:t>
+            </a:r>
+          </a:p>
+        </p:txBody>
+      </p:sp>
+      <p:sp>
+        <p:nvSpPr>
+          <p:cNvPr id="4" name="Foliennummernplatzhalter 3"/>
+          <p:cNvSpPr>
+            <a:spLocks noGrp="1"/>
+          </p:cNvSpPr>
+          <p:nvPr>
+            <p:ph type="sldNum" sz="quarter" idx="10"/>
+          </p:nvPr>
+        </p:nvSpPr>
+        <p:spPr/>
+        <p:txBody>
+          <a:bodyPr/>
+          <a:lstStyle/>
+          <a:p>
+            <a:fld id="{1760A340-2167-4270-89CF-50EB6C0DB420}" type="slidenum">
+              <a:rPr lang="de-DE" altLang="de-DE" smtClean="0"/>
+              <a:pPr/>
+              <a:t>21</a:t>
+            </a:fld>
+            <a:endParaRPr lang="de-DE" altLang="de-DE"/>
+          </a:p>
+        </p:txBody>
+      </p:sp>
+    </p:spTree>
+    <p:extLst>
+      <p:ext uri="{BB962C8B-B14F-4D97-AF65-F5344CB8AC3E}">
+        <p14:creationId xmlns:p14="http://schemas.microsoft.com/office/powerpoint/2010/main" val="2956710273"/>
+      </p:ext>
+    </p:extLst>
+  </p:cSld>
+  <p:clrMapOvr>
+    <a:masterClrMapping/>
+  </p:clrMapOvr>
+</p:notes>
+</file>
+
+<file path=ppt/notesSlides/notesSlide19.xml><?xml version="1.0" encoding="utf-8"?>
+<p:notes xmlns:a="http://schemas.openxmlformats.org/drawingml/2006/main" xmlns:r="http://schemas.openxmlformats.org/officeDocument/2006/relationships" xmlns:p="http://schemas.openxmlformats.org/presentationml/2006/main">
+  <p:cSld>
+    <p:spTree>
+      <p:nvGrpSpPr>
+        <p:cNvPr id="1" name=""/>
+        <p:cNvGrpSpPr/>
+        <p:nvPr/>
+      </p:nvGrpSpPr>
+      <p:grpSpPr>
+        <a:xfrm>
+          <a:off x="0" y="0"/>
+          <a:ext cx="0" cy="0"/>
+          <a:chOff x="0" y="0"/>
+          <a:chExt cx="0" cy="0"/>
+        </a:xfrm>
+      </p:grpSpPr>
+      <p:sp>
+        <p:nvSpPr>
+          <p:cNvPr id="2" name="Folienbildplatzhalter 1"/>
+          <p:cNvSpPr>
+            <a:spLocks noGrp="1" noRot="1" noChangeAspect="1"/>
+          </p:cNvSpPr>
+          <p:nvPr>
+            <p:ph type="sldImg"/>
+          </p:nvPr>
+        </p:nvSpPr>
+        <p:spPr/>
+      </p:sp>
+      <p:sp>
+        <p:nvSpPr>
+          <p:cNvPr id="3" name="Notizenplatzhalter 2"/>
+          <p:cNvSpPr>
+            <a:spLocks noGrp="1"/>
+          </p:cNvSpPr>
+          <p:nvPr>
+            <p:ph type="body" idx="1"/>
+          </p:nvPr>
+        </p:nvSpPr>
+        <p:spPr/>
+        <p:txBody>
+          <a:bodyPr/>
+          <a:lstStyle/>
+          <a:p>
+            <a:r>
+              <a:rPr lang="de-DE" dirty="0"/>
+              <a:t>Julia</a:t>
+            </a:r>
+          </a:p>
+        </p:txBody>
+      </p:sp>
+      <p:sp>
+        <p:nvSpPr>
+          <p:cNvPr id="4" name="Foliennummernplatzhalter 3"/>
+          <p:cNvSpPr>
+            <a:spLocks noGrp="1"/>
+          </p:cNvSpPr>
+          <p:nvPr>
+            <p:ph type="sldNum" sz="quarter" idx="10"/>
+          </p:nvPr>
+        </p:nvSpPr>
+        <p:spPr/>
+        <p:txBody>
+          <a:bodyPr/>
+          <a:lstStyle/>
+          <a:p>
+            <a:fld id="{1760A340-2167-4270-89CF-50EB6C0DB420}" type="slidenum">
+              <a:rPr lang="de-DE" altLang="de-DE" smtClean="0"/>
+              <a:pPr/>
+              <a:t>24</a:t>
+            </a:fld>
+            <a:endParaRPr lang="de-DE" altLang="de-DE"/>
+          </a:p>
+        </p:txBody>
+      </p:sp>
+    </p:spTree>
+    <p:extLst>
+      <p:ext uri="{BB962C8B-B14F-4D97-AF65-F5344CB8AC3E}">
+        <p14:creationId xmlns:p14="http://schemas.microsoft.com/office/powerpoint/2010/main" val="548795661"/>
+      </p:ext>
+    </p:extLst>
+  </p:cSld>
+  <p:clrMapOvr>
+    <a:masterClrMapping/>
+  </p:clrMapOvr>
+</p:notes>
+</file>
+
+<file path=ppt/notesSlides/notesSlide2.xml><?xml version="1.0" encoding="utf-8"?>
+<p:notes xmlns:a="http://schemas.openxmlformats.org/drawingml/2006/main" xmlns:r="http://schemas.openxmlformats.org/officeDocument/2006/relationships" xmlns:p="http://schemas.openxmlformats.org/presentationml/2006/main">
+  <p:cSld>
+    <p:spTree>
+      <p:nvGrpSpPr>
+        <p:cNvPr id="1" name=""/>
+        <p:cNvGrpSpPr/>
+        <p:nvPr/>
+      </p:nvGrpSpPr>
+      <p:grpSpPr>
+        <a:xfrm>
+          <a:off x="0" y="0"/>
+          <a:ext cx="0" cy="0"/>
+          <a:chOff x="0" y="0"/>
+          <a:chExt cx="0" cy="0"/>
+        </a:xfrm>
+      </p:grpSpPr>
+      <p:sp>
+        <p:nvSpPr>
+          <p:cNvPr id="2" name="Folienbildplatzhalter 1"/>
+          <p:cNvSpPr>
+            <a:spLocks noGrp="1" noRot="1" noChangeAspect="1"/>
+          </p:cNvSpPr>
+          <p:nvPr>
+            <p:ph type="sldImg"/>
+          </p:nvPr>
+        </p:nvSpPr>
+        <p:spPr/>
+      </p:sp>
+      <p:sp>
+        <p:nvSpPr>
+          <p:cNvPr id="3" name="Notizenplatzhalter 2"/>
+          <p:cNvSpPr>
+            <a:spLocks noGrp="1"/>
+          </p:cNvSpPr>
+          <p:nvPr>
+            <p:ph type="body" idx="1"/>
+          </p:nvPr>
+        </p:nvSpPr>
+        <p:spPr/>
+        <p:txBody>
+          <a:bodyPr/>
+          <a:lstStyle/>
+          <a:p>
+            <a:pPr marL="0" marR="0" lvl="0" indent="0" algn="l" defTabSz="914400" rtl="0" eaLnBrk="0" fontAlgn="base" latinLnBrk="0" hangingPunct="0">
+              <a:lnSpc>
+                <a:spcPct val="100000"/>
+              </a:lnSpc>
+              <a:spcBef>
+                <a:spcPct val="30000"/>
+              </a:spcBef>
+              <a:spcAft>
+                <a:spcPct val="0"/>
+              </a:spcAft>
+              <a:buClrTx/>
+              <a:buSzTx/>
+              <a:buFontTx/>
+              <a:buNone/>
+              <a:tabLst/>
+              <a:defRPr/>
+            </a:pPr>
+            <a:r>
+              <a:rPr lang="de-DE" dirty="0"/>
+              <a:t>Kevin</a:t>
+            </a:r>
+          </a:p>
+          <a:p>
+            <a:endParaRPr lang="de-DE" dirty="0"/>
+          </a:p>
+        </p:txBody>
+      </p:sp>
+      <p:sp>
+        <p:nvSpPr>
+          <p:cNvPr id="4" name="Foliennummernplatzhalter 3"/>
+          <p:cNvSpPr>
+            <a:spLocks noGrp="1"/>
+          </p:cNvSpPr>
+          <p:nvPr>
+            <p:ph type="sldNum" sz="quarter" idx="10"/>
+          </p:nvPr>
+        </p:nvSpPr>
+        <p:spPr/>
+        <p:txBody>
+          <a:bodyPr/>
+          <a:lstStyle/>
+          <a:p>
+            <a:fld id="{1760A340-2167-4270-89CF-50EB6C0DB420}" type="slidenum">
+              <a:rPr lang="de-DE" altLang="de-DE" smtClean="0"/>
+              <a:pPr/>
+              <a:t>2</a:t>
+            </a:fld>
+            <a:endParaRPr lang="de-DE" altLang="de-DE"/>
+          </a:p>
+        </p:txBody>
+      </p:sp>
+    </p:spTree>
+    <p:extLst>
+      <p:ext uri="{BB962C8B-B14F-4D97-AF65-F5344CB8AC3E}">
+        <p14:creationId xmlns:p14="http://schemas.microsoft.com/office/powerpoint/2010/main" val="1497417341"/>
+      </p:ext>
+    </p:extLst>
+  </p:cSld>
+  <p:clrMapOvr>
+    <a:masterClrMapping/>
+  </p:clrMapOvr>
+</p:notes>
+</file>
+
+<file path=ppt/notesSlides/notesSlide20.xml><?xml version="1.0" encoding="utf-8"?>
+<p:notes xmlns:a="http://schemas.openxmlformats.org/drawingml/2006/main" xmlns:r="http://schemas.openxmlformats.org/officeDocument/2006/relationships" xmlns:p="http://schemas.openxmlformats.org/presentationml/2006/main">
+  <p:cSld>
+    <p:spTree>
+      <p:nvGrpSpPr>
+        <p:cNvPr id="1" name=""/>
+        <p:cNvGrpSpPr/>
+        <p:nvPr/>
+      </p:nvGrpSpPr>
+      <p:grpSpPr>
+        <a:xfrm>
+          <a:off x="0" y="0"/>
+          <a:ext cx="0" cy="0"/>
+          <a:chOff x="0" y="0"/>
+          <a:chExt cx="0" cy="0"/>
+        </a:xfrm>
+      </p:grpSpPr>
+      <p:sp>
+        <p:nvSpPr>
+          <p:cNvPr id="2" name="Folienbildplatzhalter 1"/>
+          <p:cNvSpPr>
+            <a:spLocks noGrp="1" noRot="1" noChangeAspect="1"/>
+          </p:cNvSpPr>
+          <p:nvPr>
+            <p:ph type="sldImg"/>
+          </p:nvPr>
+        </p:nvSpPr>
+        <p:spPr/>
+      </p:sp>
+      <p:sp>
+        <p:nvSpPr>
+          <p:cNvPr id="3" name="Notizenplatzhalter 2"/>
+          <p:cNvSpPr>
+            <a:spLocks noGrp="1"/>
+          </p:cNvSpPr>
+          <p:nvPr>
+            <p:ph type="body" idx="1"/>
+          </p:nvPr>
+        </p:nvSpPr>
+        <p:spPr/>
+        <p:txBody>
+          <a:bodyPr/>
+          <a:lstStyle/>
+          <a:p>
+            <a:r>
+              <a:rPr lang="de-DE" dirty="0"/>
+              <a:t>Julia</a:t>
+            </a:r>
+          </a:p>
+        </p:txBody>
+      </p:sp>
+      <p:sp>
+        <p:nvSpPr>
+          <p:cNvPr id="4" name="Foliennummernplatzhalter 3"/>
+          <p:cNvSpPr>
+            <a:spLocks noGrp="1"/>
+          </p:cNvSpPr>
+          <p:nvPr>
+            <p:ph type="sldNum" sz="quarter" idx="10"/>
+          </p:nvPr>
+        </p:nvSpPr>
+        <p:spPr/>
+        <p:txBody>
+          <a:bodyPr/>
+          <a:lstStyle/>
+          <a:p>
+            <a:fld id="{1760A340-2167-4270-89CF-50EB6C0DB420}" type="slidenum">
+              <a:rPr lang="de-DE" altLang="de-DE" smtClean="0"/>
+              <a:pPr/>
+              <a:t>25</a:t>
+            </a:fld>
+            <a:endParaRPr lang="de-DE" altLang="de-DE"/>
+          </a:p>
+        </p:txBody>
+      </p:sp>
+    </p:spTree>
+    <p:extLst>
+      <p:ext uri="{BB962C8B-B14F-4D97-AF65-F5344CB8AC3E}">
+        <p14:creationId xmlns:p14="http://schemas.microsoft.com/office/powerpoint/2010/main" val="469591932"/>
+      </p:ext>
+    </p:extLst>
+  </p:cSld>
+  <p:clrMapOvr>
+    <a:masterClrMapping/>
+  </p:clrMapOvr>
+</p:notes>
+</file>
+
+<file path=ppt/notesSlides/notesSlide21.xml><?xml version="1.0" encoding="utf-8"?>
+<p:notes xmlns:a="http://schemas.openxmlformats.org/drawingml/2006/main" xmlns:r="http://schemas.openxmlformats.org/officeDocument/2006/relationships" xmlns:p="http://schemas.openxmlformats.org/presentationml/2006/main">
+  <p:cSld>
+    <p:spTree>
+      <p:nvGrpSpPr>
+        <p:cNvPr id="1" name=""/>
+        <p:cNvGrpSpPr/>
+        <p:nvPr/>
+      </p:nvGrpSpPr>
+      <p:grpSpPr>
+        <a:xfrm>
+          <a:off x="0" y="0"/>
+          <a:ext cx="0" cy="0"/>
+          <a:chOff x="0" y="0"/>
+          <a:chExt cx="0" cy="0"/>
+        </a:xfrm>
+      </p:grpSpPr>
+      <p:sp>
+        <p:nvSpPr>
+          <p:cNvPr id="2" name="Folienbildplatzhalter 1"/>
+          <p:cNvSpPr>
+            <a:spLocks noGrp="1" noRot="1" noChangeAspect="1"/>
+          </p:cNvSpPr>
+          <p:nvPr>
+            <p:ph type="sldImg"/>
+          </p:nvPr>
+        </p:nvSpPr>
+        <p:spPr/>
+      </p:sp>
+      <p:sp>
+        <p:nvSpPr>
+          <p:cNvPr id="3" name="Notizenplatzhalter 2"/>
+          <p:cNvSpPr>
+            <a:spLocks noGrp="1"/>
+          </p:cNvSpPr>
+          <p:nvPr>
+            <p:ph type="body" idx="1"/>
+          </p:nvPr>
+        </p:nvSpPr>
+        <p:spPr/>
+        <p:txBody>
+          <a:bodyPr/>
+          <a:lstStyle/>
+          <a:p>
+            <a:r>
+              <a:rPr lang="de-DE" dirty="0"/>
+              <a:t>Julia</a:t>
+            </a:r>
+          </a:p>
+        </p:txBody>
+      </p:sp>
+      <p:sp>
+        <p:nvSpPr>
+          <p:cNvPr id="4" name="Foliennummernplatzhalter 3"/>
+          <p:cNvSpPr>
+            <a:spLocks noGrp="1"/>
+          </p:cNvSpPr>
+          <p:nvPr>
+            <p:ph type="sldNum" sz="quarter" idx="10"/>
+          </p:nvPr>
+        </p:nvSpPr>
+        <p:spPr/>
+        <p:txBody>
+          <a:bodyPr/>
+          <a:lstStyle/>
+          <a:p>
+            <a:fld id="{1760A340-2167-4270-89CF-50EB6C0DB420}" type="slidenum">
+              <a:rPr lang="de-DE" altLang="de-DE" smtClean="0"/>
+              <a:pPr/>
+              <a:t>26</a:t>
+            </a:fld>
+            <a:endParaRPr lang="de-DE" altLang="de-DE"/>
+          </a:p>
+        </p:txBody>
+      </p:sp>
+    </p:spTree>
+    <p:extLst>
+      <p:ext uri="{BB962C8B-B14F-4D97-AF65-F5344CB8AC3E}">
+        <p14:creationId xmlns:p14="http://schemas.microsoft.com/office/powerpoint/2010/main" val="3481184052"/>
+      </p:ext>
+    </p:extLst>
+  </p:cSld>
+  <p:clrMapOvr>
+    <a:masterClrMapping/>
+  </p:clrMapOvr>
+</p:notes>
+</file>
+
+<file path=ppt/notesSlides/notesSlide22.xml><?xml version="1.0" encoding="utf-8"?>
+<p:notes xmlns:a="http://schemas.openxmlformats.org/drawingml/2006/main" xmlns:r="http://schemas.openxmlformats.org/officeDocument/2006/relationships" xmlns:p="http://schemas.openxmlformats.org/presentationml/2006/main">
+  <p:cSld>
+    <p:spTree>
+      <p:nvGrpSpPr>
+        <p:cNvPr id="1" name=""/>
+        <p:cNvGrpSpPr/>
+        <p:nvPr/>
+      </p:nvGrpSpPr>
+      <p:grpSpPr>
+        <a:xfrm>
+          <a:off x="0" y="0"/>
+          <a:ext cx="0" cy="0"/>
+          <a:chOff x="0" y="0"/>
+          <a:chExt cx="0" cy="0"/>
+        </a:xfrm>
+      </p:grpSpPr>
+      <p:sp>
+        <p:nvSpPr>
+          <p:cNvPr id="2" name="Folienbildplatzhalter 1"/>
+          <p:cNvSpPr>
+            <a:spLocks noGrp="1" noRot="1" noChangeAspect="1"/>
+          </p:cNvSpPr>
+          <p:nvPr>
+            <p:ph type="sldImg"/>
+          </p:nvPr>
+        </p:nvSpPr>
+        <p:spPr/>
+      </p:sp>
+      <p:sp>
+        <p:nvSpPr>
+          <p:cNvPr id="3" name="Notizenplatzhalter 2"/>
+          <p:cNvSpPr>
+            <a:spLocks noGrp="1"/>
+          </p:cNvSpPr>
+          <p:nvPr>
+            <p:ph type="body" idx="1"/>
+          </p:nvPr>
+        </p:nvSpPr>
+        <p:spPr/>
+        <p:txBody>
+          <a:bodyPr/>
+          <a:lstStyle/>
+          <a:p>
+            <a:pPr marL="0" marR="0" lvl="0" indent="0" algn="l" defTabSz="914400" rtl="0" eaLnBrk="0" fontAlgn="base" latinLnBrk="0" hangingPunct="0">
+              <a:lnSpc>
+                <a:spcPct val="100000"/>
+              </a:lnSpc>
+              <a:spcBef>
+                <a:spcPct val="30000"/>
+              </a:spcBef>
+              <a:spcAft>
+                <a:spcPct val="0"/>
+              </a:spcAft>
+              <a:buClrTx/>
+              <a:buSzTx/>
+              <a:buFontTx/>
+              <a:buNone/>
+              <a:tabLst/>
+              <a:defRPr/>
+            </a:pPr>
+            <a:r>
+              <a:rPr lang="de-DE" dirty="0"/>
+              <a:t>Julia</a:t>
+            </a:r>
+          </a:p>
+          <a:p>
+            <a:endParaRPr lang="de-DE" dirty="0"/>
+          </a:p>
+        </p:txBody>
+      </p:sp>
+      <p:sp>
+        <p:nvSpPr>
+          <p:cNvPr id="4" name="Foliennummernplatzhalter 3"/>
+          <p:cNvSpPr>
+            <a:spLocks noGrp="1"/>
+          </p:cNvSpPr>
+          <p:nvPr>
+            <p:ph type="sldNum" sz="quarter" idx="10"/>
+          </p:nvPr>
+        </p:nvSpPr>
+        <p:spPr/>
+        <p:txBody>
+          <a:bodyPr/>
+          <a:lstStyle/>
+          <a:p>
+            <a:fld id="{1760A340-2167-4270-89CF-50EB6C0DB420}" type="slidenum">
+              <a:rPr lang="de-DE" altLang="de-DE" smtClean="0"/>
+              <a:pPr/>
+              <a:t>27</a:t>
+            </a:fld>
+            <a:endParaRPr lang="de-DE" altLang="de-DE"/>
+          </a:p>
+        </p:txBody>
+      </p:sp>
+    </p:spTree>
+    <p:extLst>
+      <p:ext uri="{BB962C8B-B14F-4D97-AF65-F5344CB8AC3E}">
+        <p14:creationId xmlns:p14="http://schemas.microsoft.com/office/powerpoint/2010/main" val="2104223504"/>
+      </p:ext>
+    </p:extLst>
+  </p:cSld>
+  <p:clrMapOvr>
+    <a:masterClrMapping/>
+  </p:clrMapOvr>
+</p:notes>
+</file>
+
+<file path=ppt/notesSlides/notesSlide23.xml><?xml version="1.0" encoding="utf-8"?>
+<p:notes xmlns:a="http://schemas.openxmlformats.org/drawingml/2006/main" xmlns:r="http://schemas.openxmlformats.org/officeDocument/2006/relationships" xmlns:p="http://schemas.openxmlformats.org/presentationml/2006/main">
+  <p:cSld>
+    <p:spTree>
+      <p:nvGrpSpPr>
+        <p:cNvPr id="1" name=""/>
+        <p:cNvGrpSpPr/>
+        <p:nvPr/>
+      </p:nvGrpSpPr>
+      <p:grpSpPr>
+        <a:xfrm>
+          <a:off x="0" y="0"/>
+          <a:ext cx="0" cy="0"/>
+          <a:chOff x="0" y="0"/>
+          <a:chExt cx="0" cy="0"/>
+        </a:xfrm>
+      </p:grpSpPr>
+      <p:sp>
+        <p:nvSpPr>
+          <p:cNvPr id="2" name="Folienbildplatzhalter 1"/>
+          <p:cNvSpPr>
+            <a:spLocks noGrp="1" noRot="1" noChangeAspect="1"/>
+          </p:cNvSpPr>
+          <p:nvPr>
+            <p:ph type="sldImg"/>
+          </p:nvPr>
+        </p:nvSpPr>
+        <p:spPr/>
+      </p:sp>
+      <p:sp>
+        <p:nvSpPr>
+          <p:cNvPr id="3" name="Notizenplatzhalter 2"/>
+          <p:cNvSpPr>
+            <a:spLocks noGrp="1"/>
+          </p:cNvSpPr>
+          <p:nvPr>
+            <p:ph type="body" idx="1"/>
+          </p:nvPr>
+        </p:nvSpPr>
+        <p:spPr/>
+        <p:txBody>
+          <a:bodyPr/>
+          <a:lstStyle/>
+          <a:p>
+            <a:pPr marL="0" marR="0" lvl="0" indent="0" algn="l" defTabSz="914400" rtl="0" eaLnBrk="0" fontAlgn="base" latinLnBrk="0" hangingPunct="0">
+              <a:lnSpc>
+                <a:spcPct val="100000"/>
+              </a:lnSpc>
+              <a:spcBef>
+                <a:spcPct val="30000"/>
+              </a:spcBef>
+              <a:spcAft>
+                <a:spcPct val="0"/>
+              </a:spcAft>
+              <a:buClrTx/>
+              <a:buSzTx/>
+              <a:buFontTx/>
+              <a:buNone/>
+              <a:tabLst/>
+              <a:defRPr/>
+            </a:pPr>
+            <a:r>
+              <a:rPr lang="de-DE" dirty="0"/>
+              <a:t>Julia</a:t>
+            </a:r>
+          </a:p>
+          <a:p>
+            <a:endParaRPr lang="de-DE" dirty="0"/>
+          </a:p>
+        </p:txBody>
+      </p:sp>
+      <p:sp>
+        <p:nvSpPr>
+          <p:cNvPr id="4" name="Foliennummernplatzhalter 3"/>
+          <p:cNvSpPr>
+            <a:spLocks noGrp="1"/>
+          </p:cNvSpPr>
+          <p:nvPr>
+            <p:ph type="sldNum" sz="quarter" idx="10"/>
+          </p:nvPr>
+        </p:nvSpPr>
+        <p:spPr/>
+        <p:txBody>
+          <a:bodyPr/>
+          <a:lstStyle/>
+          <a:p>
+            <a:fld id="{1760A340-2167-4270-89CF-50EB6C0DB420}" type="slidenum">
+              <a:rPr lang="de-DE" altLang="de-DE" smtClean="0"/>
+              <a:pPr/>
+              <a:t>28</a:t>
+            </a:fld>
+            <a:endParaRPr lang="de-DE" altLang="de-DE"/>
+          </a:p>
+        </p:txBody>
+      </p:sp>
+    </p:spTree>
+    <p:extLst>
+      <p:ext uri="{BB962C8B-B14F-4D97-AF65-F5344CB8AC3E}">
+        <p14:creationId xmlns:p14="http://schemas.microsoft.com/office/powerpoint/2010/main" val="2513976667"/>
+      </p:ext>
+    </p:extLst>
+  </p:cSld>
+  <p:clrMapOvr>
+    <a:masterClrMapping/>
+  </p:clrMapOvr>
+</p:notes>
+</file>
+
+<file path=ppt/notesSlides/notesSlide24.xml><?xml version="1.0" encoding="utf-8"?>
+<p:notes xmlns:a="http://schemas.openxmlformats.org/drawingml/2006/main" xmlns:r="http://schemas.openxmlformats.org/officeDocument/2006/relationships" xmlns:p="http://schemas.openxmlformats.org/presentationml/2006/main">
+  <p:cSld>
+    <p:spTree>
+      <p:nvGrpSpPr>
+        <p:cNvPr id="1" name=""/>
+        <p:cNvGrpSpPr/>
+        <p:nvPr/>
+      </p:nvGrpSpPr>
+      <p:grpSpPr>
+        <a:xfrm>
+          <a:off x="0" y="0"/>
+          <a:ext cx="0" cy="0"/>
+          <a:chOff x="0" y="0"/>
+          <a:chExt cx="0" cy="0"/>
+        </a:xfrm>
+      </p:grpSpPr>
+      <p:sp>
+        <p:nvSpPr>
+          <p:cNvPr id="2" name="Folienbildplatzhalter 1"/>
+          <p:cNvSpPr>
+            <a:spLocks noGrp="1" noRot="1" noChangeAspect="1"/>
+          </p:cNvSpPr>
+          <p:nvPr>
+            <p:ph type="sldImg"/>
+          </p:nvPr>
+        </p:nvSpPr>
+        <p:spPr/>
+      </p:sp>
+      <p:sp>
+        <p:nvSpPr>
+          <p:cNvPr id="3" name="Notizenplatzhalter 2"/>
+          <p:cNvSpPr>
+            <a:spLocks noGrp="1"/>
+          </p:cNvSpPr>
+          <p:nvPr>
+            <p:ph type="body" idx="1"/>
+          </p:nvPr>
+        </p:nvSpPr>
+        <p:spPr/>
+        <p:txBody>
+          <a:bodyPr/>
+          <a:lstStyle/>
+          <a:p>
+            <a:pPr marL="0" marR="0" lvl="0" indent="0" algn="l" defTabSz="914400" rtl="0" eaLnBrk="0" fontAlgn="base" latinLnBrk="0" hangingPunct="0">
+              <a:lnSpc>
+                <a:spcPct val="100000"/>
+              </a:lnSpc>
+              <a:spcBef>
+                <a:spcPct val="30000"/>
+              </a:spcBef>
+              <a:spcAft>
+                <a:spcPct val="0"/>
+              </a:spcAft>
+              <a:buClrTx/>
+              <a:buSzTx/>
+              <a:buFontTx/>
+              <a:buNone/>
+              <a:tabLst/>
+              <a:defRPr/>
+            </a:pPr>
+            <a:r>
+              <a:rPr lang="de-DE" dirty="0"/>
+              <a:t>Julia</a:t>
+            </a:r>
+          </a:p>
+          <a:p>
+            <a:endParaRPr lang="de-DE" dirty="0"/>
+          </a:p>
+        </p:txBody>
+      </p:sp>
+      <p:sp>
+        <p:nvSpPr>
+          <p:cNvPr id="4" name="Foliennummernplatzhalter 3"/>
+          <p:cNvSpPr>
+            <a:spLocks noGrp="1"/>
+          </p:cNvSpPr>
+          <p:nvPr>
+            <p:ph type="sldNum" sz="quarter" idx="10"/>
+          </p:nvPr>
+        </p:nvSpPr>
+        <p:spPr/>
+        <p:txBody>
+          <a:bodyPr/>
+          <a:lstStyle/>
+          <a:p>
+            <a:fld id="{1760A340-2167-4270-89CF-50EB6C0DB420}" type="slidenum">
+              <a:rPr lang="de-DE" altLang="de-DE" smtClean="0"/>
+              <a:pPr/>
+              <a:t>29</a:t>
+            </a:fld>
+            <a:endParaRPr lang="de-DE" altLang="de-DE"/>
+          </a:p>
+        </p:txBody>
+      </p:sp>
+    </p:spTree>
+    <p:extLst>
+      <p:ext uri="{BB962C8B-B14F-4D97-AF65-F5344CB8AC3E}">
+        <p14:creationId xmlns:p14="http://schemas.microsoft.com/office/powerpoint/2010/main" val="641508604"/>
+      </p:ext>
+    </p:extLst>
+  </p:cSld>
+  <p:clrMapOvr>
+    <a:masterClrMapping/>
+  </p:clrMapOvr>
+</p:notes>
+</file>
+
+<file path=ppt/notesSlides/notesSlide25.xml><?xml version="1.0" encoding="utf-8"?>
+<p:notes xmlns:a="http://schemas.openxmlformats.org/drawingml/2006/main" xmlns:r="http://schemas.openxmlformats.org/officeDocument/2006/relationships" xmlns:p="http://schemas.openxmlformats.org/presentationml/2006/main">
+  <p:cSld>
+    <p:spTree>
+      <p:nvGrpSpPr>
+        <p:cNvPr id="1" name=""/>
+        <p:cNvGrpSpPr/>
+        <p:nvPr/>
+      </p:nvGrpSpPr>
+      <p:grpSpPr>
+        <a:xfrm>
+          <a:off x="0" y="0"/>
+          <a:ext cx="0" cy="0"/>
+          <a:chOff x="0" y="0"/>
+          <a:chExt cx="0" cy="0"/>
+        </a:xfrm>
+      </p:grpSpPr>
+      <p:sp>
+        <p:nvSpPr>
+          <p:cNvPr id="2" name="Folienbildplatzhalter 1"/>
+          <p:cNvSpPr>
+            <a:spLocks noGrp="1" noRot="1" noChangeAspect="1"/>
+          </p:cNvSpPr>
+          <p:nvPr>
+            <p:ph type="sldImg"/>
+          </p:nvPr>
+        </p:nvSpPr>
+        <p:spPr/>
+      </p:sp>
+      <p:sp>
+        <p:nvSpPr>
+          <p:cNvPr id="3" name="Notizenplatzhalter 2"/>
+          <p:cNvSpPr>
+            <a:spLocks noGrp="1"/>
+          </p:cNvSpPr>
+          <p:nvPr>
+            <p:ph type="body" idx="1"/>
+          </p:nvPr>
+        </p:nvSpPr>
+        <p:spPr/>
+        <p:txBody>
+          <a:bodyPr/>
+          <a:lstStyle/>
+          <a:p>
+            <a:pPr marL="0" marR="0" lvl="0" indent="0" algn="l" defTabSz="914400" rtl="0" eaLnBrk="0" fontAlgn="base" latinLnBrk="0" hangingPunct="0">
+              <a:lnSpc>
+                <a:spcPct val="100000"/>
+              </a:lnSpc>
+              <a:spcBef>
+                <a:spcPct val="30000"/>
+              </a:spcBef>
+              <a:spcAft>
+                <a:spcPct val="0"/>
+              </a:spcAft>
+              <a:buClrTx/>
+              <a:buSzTx/>
+              <a:buFontTx/>
+              <a:buNone/>
+              <a:tabLst/>
+              <a:defRPr/>
+            </a:pPr>
+            <a:r>
+              <a:rPr lang="de-DE" dirty="0"/>
+              <a:t>Julia</a:t>
+            </a:r>
+          </a:p>
+          <a:p>
+            <a:endParaRPr lang="de-DE" dirty="0"/>
+          </a:p>
+        </p:txBody>
+      </p:sp>
+      <p:sp>
+        <p:nvSpPr>
+          <p:cNvPr id="4" name="Foliennummernplatzhalter 3"/>
+          <p:cNvSpPr>
+            <a:spLocks noGrp="1"/>
+          </p:cNvSpPr>
+          <p:nvPr>
+            <p:ph type="sldNum" sz="quarter" idx="10"/>
+          </p:nvPr>
+        </p:nvSpPr>
+        <p:spPr/>
+        <p:txBody>
+          <a:bodyPr/>
+          <a:lstStyle/>
+          <a:p>
+            <a:fld id="{1760A340-2167-4270-89CF-50EB6C0DB420}" type="slidenum">
+              <a:rPr lang="de-DE" altLang="de-DE" smtClean="0"/>
+              <a:pPr/>
+              <a:t>30</a:t>
+            </a:fld>
+            <a:endParaRPr lang="de-DE" altLang="de-DE"/>
+          </a:p>
+        </p:txBody>
+      </p:sp>
+    </p:spTree>
+    <p:extLst>
+      <p:ext uri="{BB962C8B-B14F-4D97-AF65-F5344CB8AC3E}">
+        <p14:creationId xmlns:p14="http://schemas.microsoft.com/office/powerpoint/2010/main" val="924237947"/>
+      </p:ext>
+    </p:extLst>
+  </p:cSld>
+  <p:clrMapOvr>
+    <a:masterClrMapping/>
+  </p:clrMapOvr>
+</p:notes>
+</file>
+
+<file path=ppt/notesSlides/notesSlide26.xml><?xml version="1.0" encoding="utf-8"?>
+<p:notes xmlns:a="http://schemas.openxmlformats.org/drawingml/2006/main" xmlns:r="http://schemas.openxmlformats.org/officeDocument/2006/relationships" xmlns:p="http://schemas.openxmlformats.org/presentationml/2006/main">
+  <p:cSld>
+    <p:spTree>
+      <p:nvGrpSpPr>
+        <p:cNvPr id="1" name=""/>
+        <p:cNvGrpSpPr/>
+        <p:nvPr/>
+      </p:nvGrpSpPr>
+      <p:grpSpPr>
+        <a:xfrm>
+          <a:off x="0" y="0"/>
+          <a:ext cx="0" cy="0"/>
+          <a:chOff x="0" y="0"/>
+          <a:chExt cx="0" cy="0"/>
+        </a:xfrm>
+      </p:grpSpPr>
+      <p:sp>
+        <p:nvSpPr>
+          <p:cNvPr id="2" name="Folienbildplatzhalter 1"/>
+          <p:cNvSpPr>
+            <a:spLocks noGrp="1" noRot="1" noChangeAspect="1"/>
+          </p:cNvSpPr>
+          <p:nvPr>
+            <p:ph type="sldImg"/>
+          </p:nvPr>
+        </p:nvSpPr>
+        <p:spPr/>
+      </p:sp>
+      <p:sp>
+        <p:nvSpPr>
+          <p:cNvPr id="3" name="Notizenplatzhalter 2"/>
+          <p:cNvSpPr>
+            <a:spLocks noGrp="1"/>
+          </p:cNvSpPr>
+          <p:nvPr>
+            <p:ph type="body" idx="1"/>
+          </p:nvPr>
+        </p:nvSpPr>
+        <p:spPr/>
+        <p:txBody>
+          <a:bodyPr/>
+          <a:lstStyle/>
+          <a:p>
+            <a:pPr marL="0" marR="0" lvl="0" indent="0" algn="l" defTabSz="914400" rtl="0" eaLnBrk="0" fontAlgn="base" latinLnBrk="0" hangingPunct="0">
+              <a:lnSpc>
+                <a:spcPct val="100000"/>
+              </a:lnSpc>
+              <a:spcBef>
+                <a:spcPct val="30000"/>
+              </a:spcBef>
+              <a:spcAft>
+                <a:spcPct val="0"/>
+              </a:spcAft>
+              <a:buClrTx/>
+              <a:buSzTx/>
+              <a:buFontTx/>
+              <a:buNone/>
+              <a:tabLst/>
+              <a:defRPr/>
+            </a:pPr>
+            <a:r>
+              <a:rPr lang="de-DE" dirty="0"/>
+              <a:t>Julia</a:t>
+            </a:r>
+          </a:p>
+          <a:p>
+            <a:endParaRPr lang="de-DE" dirty="0"/>
+          </a:p>
+        </p:txBody>
+      </p:sp>
+      <p:sp>
+        <p:nvSpPr>
+          <p:cNvPr id="4" name="Foliennummernplatzhalter 3"/>
+          <p:cNvSpPr>
+            <a:spLocks noGrp="1"/>
+          </p:cNvSpPr>
+          <p:nvPr>
+            <p:ph type="sldNum" sz="quarter" idx="10"/>
+          </p:nvPr>
+        </p:nvSpPr>
+        <p:spPr/>
+        <p:txBody>
+          <a:bodyPr/>
+          <a:lstStyle/>
+          <a:p>
+            <a:fld id="{1760A340-2167-4270-89CF-50EB6C0DB420}" type="slidenum">
+              <a:rPr lang="de-DE" altLang="de-DE" smtClean="0"/>
+              <a:pPr/>
+              <a:t>31</a:t>
+            </a:fld>
+            <a:endParaRPr lang="de-DE" altLang="de-DE"/>
+          </a:p>
+        </p:txBody>
+      </p:sp>
+    </p:spTree>
+    <p:extLst>
+      <p:ext uri="{BB962C8B-B14F-4D97-AF65-F5344CB8AC3E}">
+        <p14:creationId xmlns:p14="http://schemas.microsoft.com/office/powerpoint/2010/main" val="3214901784"/>
+      </p:ext>
+    </p:extLst>
+  </p:cSld>
+  <p:clrMapOvr>
+    <a:masterClrMapping/>
+  </p:clrMapOvr>
+</p:notes>
+</file>
+
+<file path=ppt/notesSlides/notesSlide27.xml><?xml version="1.0" encoding="utf-8"?>
+<p:notes xmlns:a="http://schemas.openxmlformats.org/drawingml/2006/main" xmlns:r="http://schemas.openxmlformats.org/officeDocument/2006/relationships" xmlns:p="http://schemas.openxmlformats.org/presentationml/2006/main">
+  <p:cSld>
+    <p:spTree>
+      <p:nvGrpSpPr>
+        <p:cNvPr id="1" name=""/>
+        <p:cNvGrpSpPr/>
+        <p:nvPr/>
+      </p:nvGrpSpPr>
+      <p:grpSpPr>
+        <a:xfrm>
+          <a:off x="0" y="0"/>
+          <a:ext cx="0" cy="0"/>
+          <a:chOff x="0" y="0"/>
+          <a:chExt cx="0" cy="0"/>
+        </a:xfrm>
+      </p:grpSpPr>
+      <p:sp>
+        <p:nvSpPr>
+          <p:cNvPr id="2" name="Folienbildplatzhalter 1"/>
+          <p:cNvSpPr>
+            <a:spLocks noGrp="1" noRot="1" noChangeAspect="1"/>
+          </p:cNvSpPr>
+          <p:nvPr>
+            <p:ph type="sldImg"/>
+          </p:nvPr>
+        </p:nvSpPr>
+        <p:spPr/>
+      </p:sp>
+      <p:sp>
+        <p:nvSpPr>
+          <p:cNvPr id="3" name="Notizenplatzhalter 2"/>
+          <p:cNvSpPr>
+            <a:spLocks noGrp="1"/>
+          </p:cNvSpPr>
+          <p:nvPr>
+            <p:ph type="body" idx="1"/>
+          </p:nvPr>
+        </p:nvSpPr>
+        <p:spPr/>
+        <p:txBody>
+          <a:bodyPr/>
+          <a:lstStyle/>
+          <a:p>
+            <a:r>
+              <a:rPr lang="de-DE" dirty="0"/>
+              <a:t>Klemens</a:t>
+            </a:r>
+          </a:p>
+        </p:txBody>
+      </p:sp>
+      <p:sp>
+        <p:nvSpPr>
+          <p:cNvPr id="4" name="Foliennummernplatzhalter 3"/>
+          <p:cNvSpPr>
+            <a:spLocks noGrp="1"/>
+          </p:cNvSpPr>
+          <p:nvPr>
+            <p:ph type="sldNum" sz="quarter" idx="10"/>
+          </p:nvPr>
+        </p:nvSpPr>
+        <p:spPr/>
+        <p:txBody>
+          <a:bodyPr/>
+          <a:lstStyle/>
+          <a:p>
+            <a:fld id="{1760A340-2167-4270-89CF-50EB6C0DB420}" type="slidenum">
+              <a:rPr lang="de-DE" altLang="de-DE" smtClean="0"/>
+              <a:pPr/>
+              <a:t>32</a:t>
+            </a:fld>
+            <a:endParaRPr lang="de-DE" altLang="de-DE"/>
+          </a:p>
+        </p:txBody>
+      </p:sp>
+    </p:spTree>
+    <p:extLst>
+      <p:ext uri="{BB962C8B-B14F-4D97-AF65-F5344CB8AC3E}">
+        <p14:creationId xmlns:p14="http://schemas.microsoft.com/office/powerpoint/2010/main" val="1560448706"/>
+      </p:ext>
+    </p:extLst>
+  </p:cSld>
+  <p:clrMapOvr>
+    <a:masterClrMapping/>
+  </p:clrMapOvr>
+</p:notes>
+</file>
+
+<file path=ppt/notesSlides/notesSlide28.xml><?xml version="1.0" encoding="utf-8"?>
+<p:notes xmlns:a="http://schemas.openxmlformats.org/drawingml/2006/main" xmlns:r="http://schemas.openxmlformats.org/officeDocument/2006/relationships" xmlns:p="http://schemas.openxmlformats.org/presentationml/2006/main">
+  <p:cSld>
+    <p:spTree>
+      <p:nvGrpSpPr>
+        <p:cNvPr id="1" name=""/>
+        <p:cNvGrpSpPr/>
+        <p:nvPr/>
+      </p:nvGrpSpPr>
+      <p:grpSpPr>
+        <a:xfrm>
+          <a:off x="0" y="0"/>
+          <a:ext cx="0" cy="0"/>
+          <a:chOff x="0" y="0"/>
+          <a:chExt cx="0" cy="0"/>
+        </a:xfrm>
+      </p:grpSpPr>
+      <p:sp>
+        <p:nvSpPr>
+          <p:cNvPr id="2" name="Folienbildplatzhalter 1"/>
+          <p:cNvSpPr>
+            <a:spLocks noGrp="1" noRot="1" noChangeAspect="1"/>
+          </p:cNvSpPr>
+          <p:nvPr>
+            <p:ph type="sldImg"/>
+          </p:nvPr>
+        </p:nvSpPr>
+        <p:spPr/>
+      </p:sp>
+      <p:sp>
+        <p:nvSpPr>
+          <p:cNvPr id="3" name="Notizenplatzhalter 2"/>
+          <p:cNvSpPr>
+            <a:spLocks noGrp="1"/>
+          </p:cNvSpPr>
+          <p:nvPr>
+            <p:ph type="body" idx="1"/>
+          </p:nvPr>
+        </p:nvSpPr>
+        <p:spPr/>
+        <p:txBody>
+          <a:bodyPr/>
+          <a:lstStyle/>
+          <a:p>
+            <a:pPr marL="0" marR="0" lvl="0" indent="0" algn="l" defTabSz="914400" rtl="0" eaLnBrk="0" fontAlgn="base" latinLnBrk="0" hangingPunct="0">
+              <a:lnSpc>
+                <a:spcPct val="100000"/>
+              </a:lnSpc>
+              <a:spcBef>
+                <a:spcPct val="30000"/>
+              </a:spcBef>
+              <a:spcAft>
+                <a:spcPct val="0"/>
+              </a:spcAft>
+              <a:buClrTx/>
+              <a:buSzTx/>
+              <a:buFontTx/>
+              <a:buNone/>
+              <a:tabLst/>
+              <a:defRPr/>
+            </a:pPr>
+            <a:r>
+              <a:rPr lang="de-DE" dirty="0"/>
+              <a:t>Klemens</a:t>
+            </a:r>
+          </a:p>
+          <a:p>
+            <a:endParaRPr lang="de-DE" dirty="0"/>
+          </a:p>
+        </p:txBody>
+      </p:sp>
+      <p:sp>
+        <p:nvSpPr>
+          <p:cNvPr id="4" name="Foliennummernplatzhalter 3"/>
+          <p:cNvSpPr>
+            <a:spLocks noGrp="1"/>
+          </p:cNvSpPr>
+          <p:nvPr>
+            <p:ph type="sldNum" sz="quarter" idx="10"/>
+          </p:nvPr>
+        </p:nvSpPr>
+        <p:spPr/>
+        <p:txBody>
+          <a:bodyPr/>
+          <a:lstStyle/>
+          <a:p>
+            <a:fld id="{1760A340-2167-4270-89CF-50EB6C0DB420}" type="slidenum">
+              <a:rPr lang="de-DE" altLang="de-DE" smtClean="0"/>
+              <a:pPr/>
+              <a:t>33</a:t>
+            </a:fld>
+            <a:endParaRPr lang="de-DE" altLang="de-DE"/>
+          </a:p>
+        </p:txBody>
+      </p:sp>
+    </p:spTree>
+    <p:extLst>
+      <p:ext uri="{BB962C8B-B14F-4D97-AF65-F5344CB8AC3E}">
+        <p14:creationId xmlns:p14="http://schemas.microsoft.com/office/powerpoint/2010/main" val="4178248153"/>
+      </p:ext>
+    </p:extLst>
+  </p:cSld>
+  <p:clrMapOvr>
+    <a:masterClrMapping/>
+  </p:clrMapOvr>
+</p:notes>
+</file>
+
+<file path=ppt/notesSlides/notesSlide29.xml><?xml version="1.0" encoding="utf-8"?>
+<p:notes xmlns:a="http://schemas.openxmlformats.org/drawingml/2006/main" xmlns:r="http://schemas.openxmlformats.org/officeDocument/2006/relationships" xmlns:p="http://schemas.openxmlformats.org/presentationml/2006/main">
+  <p:cSld>
+    <p:spTree>
+      <p:nvGrpSpPr>
+        <p:cNvPr id="1" name=""/>
+        <p:cNvGrpSpPr/>
+        <p:nvPr/>
+      </p:nvGrpSpPr>
+      <p:grpSpPr>
+        <a:xfrm>
+          <a:off x="0" y="0"/>
+          <a:ext cx="0" cy="0"/>
+          <a:chOff x="0" y="0"/>
+          <a:chExt cx="0" cy="0"/>
+        </a:xfrm>
+      </p:grpSpPr>
+      <p:sp>
+        <p:nvSpPr>
+          <p:cNvPr id="2" name="Folienbildplatzhalter 1"/>
+          <p:cNvSpPr>
+            <a:spLocks noGrp="1" noRot="1" noChangeAspect="1"/>
+          </p:cNvSpPr>
+          <p:nvPr>
+            <p:ph type="sldImg"/>
+          </p:nvPr>
+        </p:nvSpPr>
+        <p:spPr/>
+      </p:sp>
+      <p:sp>
+        <p:nvSpPr>
+          <p:cNvPr id="3" name="Notizenplatzhalter 2"/>
+          <p:cNvSpPr>
+            <a:spLocks noGrp="1"/>
+          </p:cNvSpPr>
+          <p:nvPr>
+            <p:ph type="body" idx="1"/>
+          </p:nvPr>
+        </p:nvSpPr>
+        <p:spPr/>
+        <p:txBody>
+          <a:bodyPr/>
+          <a:lstStyle/>
+          <a:p>
+            <a:pPr marL="0" marR="0" lvl="0" indent="0" algn="l" defTabSz="914400" rtl="0" eaLnBrk="0" fontAlgn="base" latinLnBrk="0" hangingPunct="0">
+              <a:lnSpc>
+                <a:spcPct val="100000"/>
+              </a:lnSpc>
+              <a:spcBef>
+                <a:spcPct val="30000"/>
+              </a:spcBef>
+              <a:spcAft>
+                <a:spcPct val="0"/>
+              </a:spcAft>
+              <a:buClrTx/>
+              <a:buSzTx/>
+              <a:buFontTx/>
+              <a:buNone/>
+              <a:tabLst/>
+              <a:defRPr/>
+            </a:pPr>
+            <a:r>
+              <a:rPr lang="de-DE" dirty="0"/>
+              <a:t>Klemens</a:t>
+            </a:r>
+          </a:p>
+          <a:p>
+            <a:endParaRPr lang="de-DE" dirty="0"/>
+          </a:p>
+        </p:txBody>
+      </p:sp>
+      <p:sp>
+        <p:nvSpPr>
+          <p:cNvPr id="4" name="Foliennummernplatzhalter 3"/>
+          <p:cNvSpPr>
+            <a:spLocks noGrp="1"/>
+          </p:cNvSpPr>
+          <p:nvPr>
+            <p:ph type="sldNum" sz="quarter" idx="10"/>
+          </p:nvPr>
+        </p:nvSpPr>
+        <p:spPr/>
+        <p:txBody>
+          <a:bodyPr/>
+          <a:lstStyle/>
+          <a:p>
+            <a:fld id="{1760A340-2167-4270-89CF-50EB6C0DB420}" type="slidenum">
+              <a:rPr lang="de-DE" altLang="de-DE" smtClean="0"/>
+              <a:pPr/>
+              <a:t>34</a:t>
+            </a:fld>
+            <a:endParaRPr lang="de-DE" altLang="de-DE"/>
+          </a:p>
+        </p:txBody>
+      </p:sp>
+    </p:spTree>
+    <p:extLst>
+      <p:ext uri="{BB962C8B-B14F-4D97-AF65-F5344CB8AC3E}">
+        <p14:creationId xmlns:p14="http://schemas.microsoft.com/office/powerpoint/2010/main" val="3960589553"/>
+      </p:ext>
+    </p:extLst>
+  </p:cSld>
+  <p:clrMapOvr>
+    <a:masterClrMapping/>
+  </p:clrMapOvr>
+</p:notes>
+</file>
+
+<file path=ppt/notesSlides/notesSlide3.xml><?xml version="1.0" encoding="utf-8"?>
+<p:notes xmlns:a="http://schemas.openxmlformats.org/drawingml/2006/main" xmlns:r="http://schemas.openxmlformats.org/officeDocument/2006/relationships" xmlns:p="http://schemas.openxmlformats.org/presentationml/2006/main">
+  <p:cSld>
+    <p:spTree>
+      <p:nvGrpSpPr>
+        <p:cNvPr id="1" name=""/>
+        <p:cNvGrpSpPr/>
+        <p:nvPr/>
+      </p:nvGrpSpPr>
+      <p:grpSpPr>
+        <a:xfrm>
+          <a:off x="0" y="0"/>
+          <a:ext cx="0" cy="0"/>
+          <a:chOff x="0" y="0"/>
+          <a:chExt cx="0" cy="0"/>
+        </a:xfrm>
+      </p:grpSpPr>
+      <p:sp>
+        <p:nvSpPr>
+          <p:cNvPr id="2" name="Folienbildplatzhalter 1"/>
+          <p:cNvSpPr>
+            <a:spLocks noGrp="1" noRot="1" noChangeAspect="1"/>
+          </p:cNvSpPr>
+          <p:nvPr>
+            <p:ph type="sldImg"/>
+          </p:nvPr>
+        </p:nvSpPr>
+        <p:spPr/>
+      </p:sp>
+      <p:sp>
+        <p:nvSpPr>
+          <p:cNvPr id="3" name="Notizenplatzhalter 2"/>
+          <p:cNvSpPr>
+            <a:spLocks noGrp="1"/>
+          </p:cNvSpPr>
+          <p:nvPr>
+            <p:ph type="body" idx="1"/>
+          </p:nvPr>
+        </p:nvSpPr>
+        <p:spPr/>
+        <p:txBody>
+          <a:bodyPr/>
+          <a:lstStyle/>
+          <a:p>
+            <a:pPr marL="0" marR="0" lvl="0" indent="0" algn="l" defTabSz="914400" rtl="0" eaLnBrk="0" fontAlgn="base" latinLnBrk="0" hangingPunct="0">
+              <a:lnSpc>
+                <a:spcPct val="100000"/>
+              </a:lnSpc>
+              <a:spcBef>
+                <a:spcPct val="30000"/>
+              </a:spcBef>
+              <a:spcAft>
+                <a:spcPct val="0"/>
+              </a:spcAft>
+              <a:buClrTx/>
+              <a:buSzTx/>
+              <a:buFontTx/>
+              <a:buNone/>
+              <a:tabLst/>
+              <a:defRPr/>
+            </a:pPr>
+            <a:r>
+              <a:rPr lang="de-DE" dirty="0"/>
+              <a:t>Kevin</a:t>
+            </a:r>
+          </a:p>
+          <a:p>
+            <a:endParaRPr lang="de-DE" dirty="0"/>
+          </a:p>
+        </p:txBody>
+      </p:sp>
+      <p:sp>
+        <p:nvSpPr>
+          <p:cNvPr id="4" name="Foliennummernplatzhalter 3"/>
+          <p:cNvSpPr>
+            <a:spLocks noGrp="1"/>
+          </p:cNvSpPr>
+          <p:nvPr>
+            <p:ph type="sldNum" sz="quarter" idx="10"/>
+          </p:nvPr>
+        </p:nvSpPr>
+        <p:spPr/>
+        <p:txBody>
+          <a:bodyPr/>
+          <a:lstStyle/>
+          <a:p>
+            <a:fld id="{1760A340-2167-4270-89CF-50EB6C0DB420}" type="slidenum">
+              <a:rPr lang="de-DE" altLang="de-DE" smtClean="0"/>
+              <a:pPr/>
+              <a:t>3</a:t>
+            </a:fld>
+            <a:endParaRPr lang="de-DE" altLang="de-DE"/>
+          </a:p>
+        </p:txBody>
+      </p:sp>
+    </p:spTree>
+    <p:extLst>
+      <p:ext uri="{BB962C8B-B14F-4D97-AF65-F5344CB8AC3E}">
+        <p14:creationId xmlns:p14="http://schemas.microsoft.com/office/powerpoint/2010/main" val="3561489803"/>
+      </p:ext>
+    </p:extLst>
+  </p:cSld>
+  <p:clrMapOvr>
+    <a:masterClrMapping/>
+  </p:clrMapOvr>
+</p:notes>
+</file>
+
+<file path=ppt/notesSlides/notesSlide30.xml><?xml version="1.0" encoding="utf-8"?>
+<p:notes xmlns:a="http://schemas.openxmlformats.org/drawingml/2006/main" xmlns:r="http://schemas.openxmlformats.org/officeDocument/2006/relationships" xmlns:p="http://schemas.openxmlformats.org/presentationml/2006/main">
+  <p:cSld>
+    <p:spTree>
+      <p:nvGrpSpPr>
+        <p:cNvPr id="1" name=""/>
+        <p:cNvGrpSpPr/>
+        <p:nvPr/>
+      </p:nvGrpSpPr>
+      <p:grpSpPr>
+        <a:xfrm>
+          <a:off x="0" y="0"/>
+          <a:ext cx="0" cy="0"/>
+          <a:chOff x="0" y="0"/>
+          <a:chExt cx="0" cy="0"/>
+        </a:xfrm>
+      </p:grpSpPr>
+      <p:sp>
+        <p:nvSpPr>
+          <p:cNvPr id="2" name="Folienbildplatzhalter 1"/>
+          <p:cNvSpPr>
+            <a:spLocks noGrp="1" noRot="1" noChangeAspect="1"/>
+          </p:cNvSpPr>
+          <p:nvPr>
+            <p:ph type="sldImg"/>
+          </p:nvPr>
+        </p:nvSpPr>
+        <p:spPr/>
+      </p:sp>
+      <p:sp>
+        <p:nvSpPr>
+          <p:cNvPr id="3" name="Notizenplatzhalter 2"/>
+          <p:cNvSpPr>
+            <a:spLocks noGrp="1"/>
+          </p:cNvSpPr>
+          <p:nvPr>
+            <p:ph type="body" idx="1"/>
+          </p:nvPr>
+        </p:nvSpPr>
+        <p:spPr/>
+        <p:txBody>
+          <a:bodyPr/>
+          <a:lstStyle/>
+          <a:p>
+            <a:pPr marL="0" marR="0" lvl="0" indent="0" algn="l" defTabSz="914400" rtl="0" eaLnBrk="0" fontAlgn="base" latinLnBrk="0" hangingPunct="0">
+              <a:lnSpc>
+                <a:spcPct val="100000"/>
+              </a:lnSpc>
+              <a:spcBef>
+                <a:spcPct val="30000"/>
+              </a:spcBef>
+              <a:spcAft>
+                <a:spcPct val="0"/>
+              </a:spcAft>
+              <a:buClrTx/>
+              <a:buSzTx/>
+              <a:buFontTx/>
+              <a:buNone/>
+              <a:tabLst/>
+              <a:defRPr/>
+            </a:pPr>
+            <a:r>
+              <a:rPr lang="de-DE" dirty="0"/>
+              <a:t>Klemens</a:t>
+            </a:r>
+          </a:p>
+          <a:p>
+            <a:endParaRPr lang="de-DE" dirty="0"/>
+          </a:p>
+        </p:txBody>
+      </p:sp>
+      <p:sp>
+        <p:nvSpPr>
+          <p:cNvPr id="4" name="Foliennummernplatzhalter 3"/>
+          <p:cNvSpPr>
+            <a:spLocks noGrp="1"/>
+          </p:cNvSpPr>
+          <p:nvPr>
+            <p:ph type="sldNum" sz="quarter" idx="10"/>
+          </p:nvPr>
+        </p:nvSpPr>
+        <p:spPr/>
+        <p:txBody>
+          <a:bodyPr/>
+          <a:lstStyle/>
+          <a:p>
+            <a:fld id="{1760A340-2167-4270-89CF-50EB6C0DB420}" type="slidenum">
+              <a:rPr lang="de-DE" altLang="de-DE" smtClean="0"/>
+              <a:pPr/>
+              <a:t>35</a:t>
+            </a:fld>
+            <a:endParaRPr lang="de-DE" altLang="de-DE"/>
+          </a:p>
+        </p:txBody>
+      </p:sp>
+    </p:spTree>
+    <p:extLst>
+      <p:ext uri="{BB962C8B-B14F-4D97-AF65-F5344CB8AC3E}">
+        <p14:creationId xmlns:p14="http://schemas.microsoft.com/office/powerpoint/2010/main" val="3146656331"/>
+      </p:ext>
+    </p:extLst>
+  </p:cSld>
+  <p:clrMapOvr>
+    <a:masterClrMapping/>
+  </p:clrMapOvr>
+</p:notes>
+</file>
+
+<file path=ppt/notesSlides/notesSlide31.xml><?xml version="1.0" encoding="utf-8"?>
+<p:notes xmlns:a="http://schemas.openxmlformats.org/drawingml/2006/main" xmlns:r="http://schemas.openxmlformats.org/officeDocument/2006/relationships" xmlns:p="http://schemas.openxmlformats.org/presentationml/2006/main">
+  <p:cSld>
+    <p:spTree>
+      <p:nvGrpSpPr>
+        <p:cNvPr id="1" name=""/>
+        <p:cNvGrpSpPr/>
+        <p:nvPr/>
+      </p:nvGrpSpPr>
+      <p:grpSpPr>
+        <a:xfrm>
+          <a:off x="0" y="0"/>
+          <a:ext cx="0" cy="0"/>
+          <a:chOff x="0" y="0"/>
+          <a:chExt cx="0" cy="0"/>
+        </a:xfrm>
+      </p:grpSpPr>
+      <p:sp>
+        <p:nvSpPr>
+          <p:cNvPr id="2" name="Folienbildplatzhalter 1"/>
+          <p:cNvSpPr>
+            <a:spLocks noGrp="1" noRot="1" noChangeAspect="1"/>
+          </p:cNvSpPr>
+          <p:nvPr>
+            <p:ph type="sldImg"/>
+          </p:nvPr>
+        </p:nvSpPr>
+        <p:spPr/>
+      </p:sp>
+      <p:sp>
+        <p:nvSpPr>
+          <p:cNvPr id="3" name="Notizenplatzhalter 2"/>
+          <p:cNvSpPr>
+            <a:spLocks noGrp="1"/>
+          </p:cNvSpPr>
+          <p:nvPr>
+            <p:ph type="body" idx="1"/>
+          </p:nvPr>
+        </p:nvSpPr>
+        <p:spPr/>
+        <p:txBody>
+          <a:bodyPr/>
+          <a:lstStyle/>
+          <a:p>
+            <a:pPr marL="0" marR="0" lvl="0" indent="0" algn="l" defTabSz="914400" rtl="0" eaLnBrk="0" fontAlgn="base" latinLnBrk="0" hangingPunct="0">
+              <a:lnSpc>
+                <a:spcPct val="100000"/>
+              </a:lnSpc>
+              <a:spcBef>
+                <a:spcPct val="30000"/>
+              </a:spcBef>
+              <a:spcAft>
+                <a:spcPct val="0"/>
+              </a:spcAft>
+              <a:buClrTx/>
+              <a:buSzTx/>
+              <a:buFontTx/>
+              <a:buNone/>
+              <a:tabLst/>
+              <a:defRPr/>
+            </a:pPr>
+            <a:r>
+              <a:rPr lang="de-DE" dirty="0"/>
+              <a:t>Klemens</a:t>
+            </a:r>
+          </a:p>
+          <a:p>
+            <a:endParaRPr lang="de-DE" dirty="0"/>
+          </a:p>
+        </p:txBody>
+      </p:sp>
+      <p:sp>
+        <p:nvSpPr>
+          <p:cNvPr id="4" name="Foliennummernplatzhalter 3"/>
+          <p:cNvSpPr>
+            <a:spLocks noGrp="1"/>
+          </p:cNvSpPr>
+          <p:nvPr>
+            <p:ph type="sldNum" sz="quarter" idx="10"/>
+          </p:nvPr>
+        </p:nvSpPr>
+        <p:spPr/>
+        <p:txBody>
+          <a:bodyPr/>
+          <a:lstStyle/>
+          <a:p>
+            <a:fld id="{1760A340-2167-4270-89CF-50EB6C0DB420}" type="slidenum">
+              <a:rPr lang="de-DE" altLang="de-DE" smtClean="0"/>
+              <a:pPr/>
+              <a:t>36</a:t>
+            </a:fld>
+            <a:endParaRPr lang="de-DE" altLang="de-DE"/>
+          </a:p>
+        </p:txBody>
+      </p:sp>
+    </p:spTree>
+    <p:extLst>
+      <p:ext uri="{BB962C8B-B14F-4D97-AF65-F5344CB8AC3E}">
+        <p14:creationId xmlns:p14="http://schemas.microsoft.com/office/powerpoint/2010/main" val="3093826715"/>
+      </p:ext>
+    </p:extLst>
+  </p:cSld>
+  <p:clrMapOvr>
+    <a:masterClrMapping/>
+  </p:clrMapOvr>
+</p:notes>
+</file>
+
+<file path=ppt/notesSlides/notesSlide32.xml><?xml version="1.0" encoding="utf-8"?>
+<p:notes xmlns:a="http://schemas.openxmlformats.org/drawingml/2006/main" xmlns:r="http://schemas.openxmlformats.org/officeDocument/2006/relationships" xmlns:p="http://schemas.openxmlformats.org/presentationml/2006/main">
+  <p:cSld>
+    <p:spTree>
+      <p:nvGrpSpPr>
+        <p:cNvPr id="1" name=""/>
+        <p:cNvGrpSpPr/>
+        <p:nvPr/>
+      </p:nvGrpSpPr>
+      <p:grpSpPr>
+        <a:xfrm>
+          <a:off x="0" y="0"/>
+          <a:ext cx="0" cy="0"/>
+          <a:chOff x="0" y="0"/>
+          <a:chExt cx="0" cy="0"/>
+        </a:xfrm>
+      </p:grpSpPr>
+      <p:sp>
+        <p:nvSpPr>
+          <p:cNvPr id="2" name="Folienbildplatzhalter 1"/>
+          <p:cNvSpPr>
+            <a:spLocks noGrp="1" noRot="1" noChangeAspect="1"/>
+          </p:cNvSpPr>
+          <p:nvPr>
+            <p:ph type="sldImg"/>
+          </p:nvPr>
+        </p:nvSpPr>
+        <p:spPr/>
+      </p:sp>
+      <p:sp>
+        <p:nvSpPr>
+          <p:cNvPr id="3" name="Notizenplatzhalter 2"/>
+          <p:cNvSpPr>
+            <a:spLocks noGrp="1"/>
+          </p:cNvSpPr>
+          <p:nvPr>
+            <p:ph type="body" idx="1"/>
+          </p:nvPr>
+        </p:nvSpPr>
+        <p:spPr/>
+        <p:txBody>
+          <a:bodyPr/>
+          <a:lstStyle/>
+          <a:p>
+            <a:pPr marL="0" marR="0" lvl="0" indent="0" algn="l" defTabSz="914400" rtl="0" eaLnBrk="0" fontAlgn="base" latinLnBrk="0" hangingPunct="0">
+              <a:lnSpc>
+                <a:spcPct val="100000"/>
+              </a:lnSpc>
+              <a:spcBef>
+                <a:spcPct val="30000"/>
+              </a:spcBef>
+              <a:spcAft>
+                <a:spcPct val="0"/>
+              </a:spcAft>
+              <a:buClrTx/>
+              <a:buSzTx/>
+              <a:buFontTx/>
+              <a:buNone/>
+              <a:tabLst/>
+              <a:defRPr/>
+            </a:pPr>
+            <a:r>
+              <a:rPr lang="de-DE" dirty="0"/>
+              <a:t>Klemens</a:t>
+            </a:r>
+          </a:p>
+          <a:p>
+            <a:endParaRPr lang="de-DE" dirty="0"/>
+          </a:p>
+        </p:txBody>
+      </p:sp>
+      <p:sp>
+        <p:nvSpPr>
+          <p:cNvPr id="4" name="Foliennummernplatzhalter 3"/>
+          <p:cNvSpPr>
+            <a:spLocks noGrp="1"/>
+          </p:cNvSpPr>
+          <p:nvPr>
+            <p:ph type="sldNum" sz="quarter" idx="10"/>
+          </p:nvPr>
+        </p:nvSpPr>
+        <p:spPr/>
+        <p:txBody>
+          <a:bodyPr/>
+          <a:lstStyle/>
+          <a:p>
+            <a:fld id="{1760A340-2167-4270-89CF-50EB6C0DB420}" type="slidenum">
+              <a:rPr lang="de-DE" altLang="de-DE" smtClean="0"/>
+              <a:pPr/>
+              <a:t>38</a:t>
+            </a:fld>
+            <a:endParaRPr lang="de-DE" altLang="de-DE"/>
+          </a:p>
+        </p:txBody>
+      </p:sp>
+    </p:spTree>
+    <p:extLst>
+      <p:ext uri="{BB962C8B-B14F-4D97-AF65-F5344CB8AC3E}">
+        <p14:creationId xmlns:p14="http://schemas.microsoft.com/office/powerpoint/2010/main" val="3304151976"/>
+      </p:ext>
+    </p:extLst>
+  </p:cSld>
+  <p:clrMapOvr>
+    <a:masterClrMapping/>
+  </p:clrMapOvr>
+</p:notes>
+</file>
+
+<file path=ppt/notesSlides/notesSlide33.xml><?xml version="1.0" encoding="utf-8"?>
+<p:notes xmlns:a="http://schemas.openxmlformats.org/drawingml/2006/main" xmlns:r="http://schemas.openxmlformats.org/officeDocument/2006/relationships" xmlns:p="http://schemas.openxmlformats.org/presentationml/2006/main">
+  <p:cSld>
+    <p:spTree>
+      <p:nvGrpSpPr>
+        <p:cNvPr id="1" name=""/>
+        <p:cNvGrpSpPr/>
+        <p:nvPr/>
+      </p:nvGrpSpPr>
+      <p:grpSpPr>
+        <a:xfrm>
+          <a:off x="0" y="0"/>
+          <a:ext cx="0" cy="0"/>
+          <a:chOff x="0" y="0"/>
+          <a:chExt cx="0" cy="0"/>
+        </a:xfrm>
+      </p:grpSpPr>
+      <p:sp>
+        <p:nvSpPr>
+          <p:cNvPr id="2" name="Folienbildplatzhalter 1"/>
+          <p:cNvSpPr>
+            <a:spLocks noGrp="1" noRot="1" noChangeAspect="1"/>
+          </p:cNvSpPr>
+          <p:nvPr>
+            <p:ph type="sldImg"/>
+          </p:nvPr>
+        </p:nvSpPr>
+        <p:spPr/>
+      </p:sp>
+      <p:sp>
+        <p:nvSpPr>
+          <p:cNvPr id="3" name="Notizenplatzhalter 2"/>
+          <p:cNvSpPr>
+            <a:spLocks noGrp="1"/>
+          </p:cNvSpPr>
+          <p:nvPr>
+            <p:ph type="body" idx="1"/>
+          </p:nvPr>
+        </p:nvSpPr>
+        <p:spPr/>
+        <p:txBody>
+          <a:bodyPr/>
+          <a:lstStyle/>
+          <a:p>
+            <a:pPr marL="0" marR="0" lvl="0" indent="0" algn="l" defTabSz="914400" rtl="0" eaLnBrk="0" fontAlgn="base" latinLnBrk="0" hangingPunct="0">
+              <a:lnSpc>
+                <a:spcPct val="100000"/>
+              </a:lnSpc>
+              <a:spcBef>
+                <a:spcPct val="30000"/>
+              </a:spcBef>
+              <a:spcAft>
+                <a:spcPct val="0"/>
+              </a:spcAft>
+              <a:buClrTx/>
+              <a:buSzTx/>
+              <a:buFontTx/>
+              <a:buNone/>
+              <a:tabLst/>
+              <a:defRPr/>
+            </a:pPr>
+            <a:r>
+              <a:rPr lang="de-DE" dirty="0"/>
+              <a:t>Klemens</a:t>
+            </a:r>
+          </a:p>
+          <a:p>
+            <a:endParaRPr lang="de-DE" dirty="0"/>
+          </a:p>
+        </p:txBody>
+      </p:sp>
+      <p:sp>
+        <p:nvSpPr>
+          <p:cNvPr id="4" name="Foliennummernplatzhalter 3"/>
+          <p:cNvSpPr>
+            <a:spLocks noGrp="1"/>
+          </p:cNvSpPr>
+          <p:nvPr>
+            <p:ph type="sldNum" sz="quarter" idx="10"/>
+          </p:nvPr>
+        </p:nvSpPr>
+        <p:spPr/>
+        <p:txBody>
+          <a:bodyPr/>
+          <a:lstStyle/>
+          <a:p>
+            <a:fld id="{1760A340-2167-4270-89CF-50EB6C0DB420}" type="slidenum">
+              <a:rPr lang="de-DE" altLang="de-DE" smtClean="0"/>
+              <a:pPr/>
+              <a:t>39</a:t>
+            </a:fld>
+            <a:endParaRPr lang="de-DE" altLang="de-DE"/>
+          </a:p>
+        </p:txBody>
+      </p:sp>
+    </p:spTree>
+    <p:extLst>
+      <p:ext uri="{BB962C8B-B14F-4D97-AF65-F5344CB8AC3E}">
+        <p14:creationId xmlns:p14="http://schemas.microsoft.com/office/powerpoint/2010/main" val="3824539131"/>
+      </p:ext>
+    </p:extLst>
+  </p:cSld>
+  <p:clrMapOvr>
+    <a:masterClrMapping/>
+  </p:clrMapOvr>
+</p:notes>
+</file>
+
+<file path=ppt/notesSlides/notesSlide34.xml><?xml version="1.0" encoding="utf-8"?>
+<p:notes xmlns:a="http://schemas.openxmlformats.org/drawingml/2006/main" xmlns:r="http://schemas.openxmlformats.org/officeDocument/2006/relationships" xmlns:p="http://schemas.openxmlformats.org/presentationml/2006/main">
+  <p:cSld>
+    <p:spTree>
+      <p:nvGrpSpPr>
+        <p:cNvPr id="1" name=""/>
+        <p:cNvGrpSpPr/>
+        <p:nvPr/>
+      </p:nvGrpSpPr>
+      <p:grpSpPr>
+        <a:xfrm>
+          <a:off x="0" y="0"/>
+          <a:ext cx="0" cy="0"/>
+          <a:chOff x="0" y="0"/>
+          <a:chExt cx="0" cy="0"/>
+        </a:xfrm>
+      </p:grpSpPr>
+      <p:sp>
+        <p:nvSpPr>
+          <p:cNvPr id="2" name="Folienbildplatzhalter 1"/>
+          <p:cNvSpPr>
+            <a:spLocks noGrp="1" noRot="1" noChangeAspect="1"/>
+          </p:cNvSpPr>
+          <p:nvPr>
+            <p:ph type="sldImg"/>
+          </p:nvPr>
+        </p:nvSpPr>
+        <p:spPr/>
+      </p:sp>
+      <p:sp>
+        <p:nvSpPr>
+          <p:cNvPr id="3" name="Notizenplatzhalter 2"/>
+          <p:cNvSpPr>
+            <a:spLocks noGrp="1"/>
+          </p:cNvSpPr>
+          <p:nvPr>
+            <p:ph type="body" idx="1"/>
+          </p:nvPr>
+        </p:nvSpPr>
+        <p:spPr/>
+        <p:txBody>
+          <a:bodyPr/>
+          <a:lstStyle/>
+          <a:p>
+            <a:pPr marL="0" marR="0" lvl="0" indent="0" algn="l" defTabSz="914400" rtl="0" eaLnBrk="0" fontAlgn="base" latinLnBrk="0" hangingPunct="0">
+              <a:lnSpc>
+                <a:spcPct val="100000"/>
+              </a:lnSpc>
+              <a:spcBef>
+                <a:spcPct val="30000"/>
+              </a:spcBef>
+              <a:spcAft>
+                <a:spcPct val="0"/>
+              </a:spcAft>
+              <a:buClrTx/>
+              <a:buSzTx/>
+              <a:buFontTx/>
+              <a:buNone/>
+              <a:tabLst/>
+              <a:defRPr/>
+            </a:pPr>
+            <a:r>
+              <a:rPr lang="de-DE" dirty="0"/>
+              <a:t>Klemens</a:t>
+            </a:r>
+          </a:p>
+          <a:p>
+            <a:endParaRPr lang="de-DE" dirty="0"/>
+          </a:p>
+        </p:txBody>
+      </p:sp>
+      <p:sp>
+        <p:nvSpPr>
+          <p:cNvPr id="4" name="Foliennummernplatzhalter 3"/>
+          <p:cNvSpPr>
+            <a:spLocks noGrp="1"/>
+          </p:cNvSpPr>
+          <p:nvPr>
+            <p:ph type="sldNum" sz="quarter" idx="10"/>
+          </p:nvPr>
+        </p:nvSpPr>
+        <p:spPr/>
+        <p:txBody>
+          <a:bodyPr/>
+          <a:lstStyle/>
+          <a:p>
+            <a:fld id="{1760A340-2167-4270-89CF-50EB6C0DB420}" type="slidenum">
+              <a:rPr lang="de-DE" altLang="de-DE" smtClean="0"/>
+              <a:pPr/>
+              <a:t>40</a:t>
+            </a:fld>
+            <a:endParaRPr lang="de-DE" altLang="de-DE"/>
+          </a:p>
+        </p:txBody>
+      </p:sp>
+    </p:spTree>
+    <p:extLst>
+      <p:ext uri="{BB962C8B-B14F-4D97-AF65-F5344CB8AC3E}">
+        <p14:creationId xmlns:p14="http://schemas.microsoft.com/office/powerpoint/2010/main" val="2827695497"/>
+      </p:ext>
+    </p:extLst>
+  </p:cSld>
+  <p:clrMapOvr>
+    <a:masterClrMapping/>
+  </p:clrMapOvr>
+</p:notes>
+</file>
+
+<file path=ppt/notesSlides/notesSlide35.xml><?xml version="1.0" encoding="utf-8"?>
+<p:notes xmlns:a="http://schemas.openxmlformats.org/drawingml/2006/main" xmlns:r="http://schemas.openxmlformats.org/officeDocument/2006/relationships" xmlns:p="http://schemas.openxmlformats.org/presentationml/2006/main">
+  <p:cSld>
+    <p:spTree>
+      <p:nvGrpSpPr>
+        <p:cNvPr id="1" name=""/>
+        <p:cNvGrpSpPr/>
+        <p:nvPr/>
+      </p:nvGrpSpPr>
+      <p:grpSpPr>
+        <a:xfrm>
+          <a:off x="0" y="0"/>
+          <a:ext cx="0" cy="0"/>
+          <a:chOff x="0" y="0"/>
+          <a:chExt cx="0" cy="0"/>
+        </a:xfrm>
+      </p:grpSpPr>
+      <p:sp>
+        <p:nvSpPr>
+          <p:cNvPr id="2" name="Folienbildplatzhalter 1"/>
+          <p:cNvSpPr>
+            <a:spLocks noGrp="1" noRot="1" noChangeAspect="1"/>
+          </p:cNvSpPr>
+          <p:nvPr>
+            <p:ph type="sldImg"/>
+          </p:nvPr>
+        </p:nvSpPr>
+        <p:spPr/>
+      </p:sp>
+      <p:sp>
+        <p:nvSpPr>
+          <p:cNvPr id="3" name="Notizenplatzhalter 2"/>
+          <p:cNvSpPr>
+            <a:spLocks noGrp="1"/>
+          </p:cNvSpPr>
+          <p:nvPr>
+            <p:ph type="body" idx="1"/>
+          </p:nvPr>
+        </p:nvSpPr>
+        <p:spPr/>
+        <p:txBody>
+          <a:bodyPr/>
+          <a:lstStyle/>
+          <a:p>
+            <a:pPr marL="0" marR="0" lvl="0" indent="0" algn="l" defTabSz="914400" rtl="0" eaLnBrk="0" fontAlgn="base" latinLnBrk="0" hangingPunct="0">
+              <a:lnSpc>
+                <a:spcPct val="100000"/>
+              </a:lnSpc>
+              <a:spcBef>
+                <a:spcPct val="30000"/>
+              </a:spcBef>
+              <a:spcAft>
+                <a:spcPct val="0"/>
+              </a:spcAft>
+              <a:buClrTx/>
+              <a:buSzTx/>
+              <a:buFontTx/>
+              <a:buNone/>
+              <a:tabLst/>
+              <a:defRPr/>
+            </a:pPr>
+            <a:r>
+              <a:rPr lang="de-DE" dirty="0"/>
+              <a:t>Klemens</a:t>
+            </a:r>
+          </a:p>
+          <a:p>
+            <a:endParaRPr lang="de-DE" dirty="0"/>
+          </a:p>
+        </p:txBody>
+      </p:sp>
+      <p:sp>
+        <p:nvSpPr>
+          <p:cNvPr id="4" name="Foliennummernplatzhalter 3"/>
+          <p:cNvSpPr>
+            <a:spLocks noGrp="1"/>
+          </p:cNvSpPr>
+          <p:nvPr>
+            <p:ph type="sldNum" sz="quarter" idx="10"/>
+          </p:nvPr>
+        </p:nvSpPr>
+        <p:spPr/>
+        <p:txBody>
+          <a:bodyPr/>
+          <a:lstStyle/>
+          <a:p>
+            <a:fld id="{1760A340-2167-4270-89CF-50EB6C0DB420}" type="slidenum">
+              <a:rPr lang="de-DE" altLang="de-DE" smtClean="0"/>
+              <a:pPr/>
+              <a:t>41</a:t>
+            </a:fld>
+            <a:endParaRPr lang="de-DE" altLang="de-DE"/>
+          </a:p>
+        </p:txBody>
+      </p:sp>
+    </p:spTree>
+    <p:extLst>
+      <p:ext uri="{BB962C8B-B14F-4D97-AF65-F5344CB8AC3E}">
+        <p14:creationId xmlns:p14="http://schemas.microsoft.com/office/powerpoint/2010/main" val="905146764"/>
+      </p:ext>
+    </p:extLst>
+  </p:cSld>
+  <p:clrMapOvr>
+    <a:masterClrMapping/>
+  </p:clrMapOvr>
+</p:notes>
+</file>
+
+<file path=ppt/notesSlides/notesSlide36.xml><?xml version="1.0" encoding="utf-8"?>
+<p:notes xmlns:a="http://schemas.openxmlformats.org/drawingml/2006/main" xmlns:r="http://schemas.openxmlformats.org/officeDocument/2006/relationships" xmlns:p="http://schemas.openxmlformats.org/presentationml/2006/main">
+  <p:cSld>
+    <p:spTree>
+      <p:nvGrpSpPr>
+        <p:cNvPr id="1" name=""/>
+        <p:cNvGrpSpPr/>
+        <p:nvPr/>
+      </p:nvGrpSpPr>
+      <p:grpSpPr>
+        <a:xfrm>
+          <a:off x="0" y="0"/>
+          <a:ext cx="0" cy="0"/>
+          <a:chOff x="0" y="0"/>
+          <a:chExt cx="0" cy="0"/>
+        </a:xfrm>
+      </p:grpSpPr>
+      <p:sp>
+        <p:nvSpPr>
+          <p:cNvPr id="2" name="Folienbildplatzhalter 1"/>
+          <p:cNvSpPr>
+            <a:spLocks noGrp="1" noRot="1" noChangeAspect="1"/>
+          </p:cNvSpPr>
+          <p:nvPr>
+            <p:ph type="sldImg"/>
+          </p:nvPr>
+        </p:nvSpPr>
+        <p:spPr/>
+      </p:sp>
+      <p:sp>
+        <p:nvSpPr>
+          <p:cNvPr id="3" name="Notizenplatzhalter 2"/>
+          <p:cNvSpPr>
+            <a:spLocks noGrp="1"/>
+          </p:cNvSpPr>
+          <p:nvPr>
+            <p:ph type="body" idx="1"/>
+          </p:nvPr>
+        </p:nvSpPr>
+        <p:spPr/>
+        <p:txBody>
+          <a:bodyPr/>
+          <a:lstStyle/>
+          <a:p>
+            <a:pPr marL="0" marR="0" lvl="0" indent="0" algn="l" defTabSz="914400" rtl="0" eaLnBrk="0" fontAlgn="base" latinLnBrk="0" hangingPunct="0">
+              <a:lnSpc>
+                <a:spcPct val="100000"/>
+              </a:lnSpc>
+              <a:spcBef>
+                <a:spcPct val="30000"/>
+              </a:spcBef>
+              <a:spcAft>
+                <a:spcPct val="0"/>
+              </a:spcAft>
+              <a:buClrTx/>
+              <a:buSzTx/>
+              <a:buFontTx/>
+              <a:buNone/>
+              <a:tabLst/>
+              <a:defRPr/>
+            </a:pPr>
+            <a:r>
+              <a:rPr lang="de-DE" dirty="0"/>
+              <a:t>Klemens</a:t>
+            </a:r>
+          </a:p>
+          <a:p>
+            <a:endParaRPr lang="de-DE" dirty="0"/>
+          </a:p>
+        </p:txBody>
+      </p:sp>
+      <p:sp>
+        <p:nvSpPr>
+          <p:cNvPr id="4" name="Foliennummernplatzhalter 3"/>
+          <p:cNvSpPr>
+            <a:spLocks noGrp="1"/>
+          </p:cNvSpPr>
+          <p:nvPr>
+            <p:ph type="sldNum" sz="quarter" idx="10"/>
+          </p:nvPr>
+        </p:nvSpPr>
+        <p:spPr/>
+        <p:txBody>
+          <a:bodyPr/>
+          <a:lstStyle/>
+          <a:p>
+            <a:fld id="{1760A340-2167-4270-89CF-50EB6C0DB420}" type="slidenum">
+              <a:rPr lang="de-DE" altLang="de-DE" smtClean="0"/>
+              <a:pPr/>
+              <a:t>42</a:t>
+            </a:fld>
+            <a:endParaRPr lang="de-DE" altLang="de-DE"/>
+          </a:p>
+        </p:txBody>
+      </p:sp>
+    </p:spTree>
+    <p:extLst>
+      <p:ext uri="{BB962C8B-B14F-4D97-AF65-F5344CB8AC3E}">
+        <p14:creationId xmlns:p14="http://schemas.microsoft.com/office/powerpoint/2010/main" val="3610773146"/>
+      </p:ext>
+    </p:extLst>
+  </p:cSld>
+  <p:clrMapOvr>
+    <a:masterClrMapping/>
+  </p:clrMapOvr>
+</p:notes>
+</file>
+
+<file path=ppt/notesSlides/notesSlide37.xml><?xml version="1.0" encoding="utf-8"?>
+<p:notes xmlns:a="http://schemas.openxmlformats.org/drawingml/2006/main" xmlns:r="http://schemas.openxmlformats.org/officeDocument/2006/relationships" xmlns:p="http://schemas.openxmlformats.org/presentationml/2006/main">
+  <p:cSld>
+    <p:spTree>
+      <p:nvGrpSpPr>
+        <p:cNvPr id="1" name=""/>
+        <p:cNvGrpSpPr/>
+        <p:nvPr/>
+      </p:nvGrpSpPr>
+      <p:grpSpPr>
+        <a:xfrm>
+          <a:off x="0" y="0"/>
+          <a:ext cx="0" cy="0"/>
+          <a:chOff x="0" y="0"/>
+          <a:chExt cx="0" cy="0"/>
+        </a:xfrm>
+      </p:grpSpPr>
+      <p:sp>
+        <p:nvSpPr>
+          <p:cNvPr id="2" name="Folienbildplatzhalter 1"/>
+          <p:cNvSpPr>
+            <a:spLocks noGrp="1" noRot="1" noChangeAspect="1"/>
+          </p:cNvSpPr>
+          <p:nvPr>
+            <p:ph type="sldImg"/>
+          </p:nvPr>
+        </p:nvSpPr>
+        <p:spPr/>
+      </p:sp>
+      <p:sp>
+        <p:nvSpPr>
+          <p:cNvPr id="3" name="Notizenplatzhalter 2"/>
+          <p:cNvSpPr>
+            <a:spLocks noGrp="1"/>
+          </p:cNvSpPr>
+          <p:nvPr>
+            <p:ph type="body" idx="1"/>
+          </p:nvPr>
+        </p:nvSpPr>
+        <p:spPr/>
+        <p:txBody>
+          <a:bodyPr/>
+          <a:lstStyle/>
+          <a:p>
+            <a:pPr marL="0" marR="0" lvl="0" indent="0" algn="l" defTabSz="914400" rtl="0" eaLnBrk="0" fontAlgn="base" latinLnBrk="0" hangingPunct="0">
+              <a:lnSpc>
+                <a:spcPct val="100000"/>
+              </a:lnSpc>
+              <a:spcBef>
+                <a:spcPct val="30000"/>
+              </a:spcBef>
+              <a:spcAft>
+                <a:spcPct val="0"/>
+              </a:spcAft>
+              <a:buClrTx/>
+              <a:buSzTx/>
+              <a:buFontTx/>
+              <a:buNone/>
+              <a:tabLst/>
+              <a:defRPr/>
+            </a:pPr>
+            <a:r>
+              <a:rPr lang="de-DE" dirty="0"/>
+              <a:t>Klemens</a:t>
+            </a:r>
+          </a:p>
+          <a:p>
+            <a:endParaRPr lang="de-DE" dirty="0"/>
+          </a:p>
+        </p:txBody>
+      </p:sp>
+      <p:sp>
+        <p:nvSpPr>
+          <p:cNvPr id="4" name="Foliennummernplatzhalter 3"/>
+          <p:cNvSpPr>
+            <a:spLocks noGrp="1"/>
+          </p:cNvSpPr>
+          <p:nvPr>
+            <p:ph type="sldNum" sz="quarter" idx="10"/>
+          </p:nvPr>
+        </p:nvSpPr>
+        <p:spPr/>
+        <p:txBody>
+          <a:bodyPr/>
+          <a:lstStyle/>
+          <a:p>
+            <a:fld id="{1760A340-2167-4270-89CF-50EB6C0DB420}" type="slidenum">
+              <a:rPr lang="de-DE" altLang="de-DE" smtClean="0"/>
+              <a:pPr/>
+              <a:t>43</a:t>
+            </a:fld>
+            <a:endParaRPr lang="de-DE" altLang="de-DE"/>
+          </a:p>
+        </p:txBody>
+      </p:sp>
+    </p:spTree>
+    <p:extLst>
+      <p:ext uri="{BB962C8B-B14F-4D97-AF65-F5344CB8AC3E}">
+        <p14:creationId xmlns:p14="http://schemas.microsoft.com/office/powerpoint/2010/main" val="3965556485"/>
+      </p:ext>
+    </p:extLst>
+  </p:cSld>
+  <p:clrMapOvr>
+    <a:masterClrMapping/>
+  </p:clrMapOvr>
+</p:notes>
+</file>
+
+<file path=ppt/notesSlides/notesSlide38.xml><?xml version="1.0" encoding="utf-8"?>
+<p:notes xmlns:a="http://schemas.openxmlformats.org/drawingml/2006/main" xmlns:r="http://schemas.openxmlformats.org/officeDocument/2006/relationships" xmlns:p="http://schemas.openxmlformats.org/presentationml/2006/main">
+  <p:cSld>
+    <p:spTree>
+      <p:nvGrpSpPr>
+        <p:cNvPr id="1" name=""/>
+        <p:cNvGrpSpPr/>
+        <p:nvPr/>
+      </p:nvGrpSpPr>
+      <p:grpSpPr>
+        <a:xfrm>
+          <a:off x="0" y="0"/>
+          <a:ext cx="0" cy="0"/>
+          <a:chOff x="0" y="0"/>
+          <a:chExt cx="0" cy="0"/>
+        </a:xfrm>
+      </p:grpSpPr>
+      <p:sp>
+        <p:nvSpPr>
+          <p:cNvPr id="2" name="Folienbildplatzhalter 1"/>
+          <p:cNvSpPr>
+            <a:spLocks noGrp="1" noRot="1" noChangeAspect="1"/>
+          </p:cNvSpPr>
+          <p:nvPr>
+            <p:ph type="sldImg"/>
+          </p:nvPr>
+        </p:nvSpPr>
+        <p:spPr/>
+      </p:sp>
+      <p:sp>
+        <p:nvSpPr>
+          <p:cNvPr id="3" name="Notizenplatzhalter 2"/>
+          <p:cNvSpPr>
+            <a:spLocks noGrp="1"/>
+          </p:cNvSpPr>
+          <p:nvPr>
+            <p:ph type="body" idx="1"/>
+          </p:nvPr>
+        </p:nvSpPr>
+        <p:spPr/>
+        <p:txBody>
+          <a:bodyPr/>
+          <a:lstStyle/>
+          <a:p>
+            <a:pPr marL="0" marR="0" lvl="0" indent="0" algn="l" defTabSz="914400" rtl="0" eaLnBrk="0" fontAlgn="base" latinLnBrk="0" hangingPunct="0">
+              <a:lnSpc>
+                <a:spcPct val="100000"/>
+              </a:lnSpc>
+              <a:spcBef>
+                <a:spcPct val="30000"/>
+              </a:spcBef>
+              <a:spcAft>
+                <a:spcPct val="0"/>
+              </a:spcAft>
+              <a:buClrTx/>
+              <a:buSzTx/>
+              <a:buFontTx/>
+              <a:buNone/>
+              <a:tabLst/>
+              <a:defRPr/>
+            </a:pPr>
+            <a:r>
+              <a:rPr lang="de-DE" dirty="0"/>
+              <a:t>Klemens</a:t>
+            </a:r>
+          </a:p>
+          <a:p>
+            <a:endParaRPr lang="de-DE" dirty="0"/>
+          </a:p>
+        </p:txBody>
+      </p:sp>
+      <p:sp>
+        <p:nvSpPr>
+          <p:cNvPr id="4" name="Foliennummernplatzhalter 3"/>
+          <p:cNvSpPr>
+            <a:spLocks noGrp="1"/>
+          </p:cNvSpPr>
+          <p:nvPr>
+            <p:ph type="sldNum" sz="quarter" idx="10"/>
+          </p:nvPr>
+        </p:nvSpPr>
+        <p:spPr/>
+        <p:txBody>
+          <a:bodyPr/>
+          <a:lstStyle/>
+          <a:p>
+            <a:fld id="{1760A340-2167-4270-89CF-50EB6C0DB420}" type="slidenum">
+              <a:rPr lang="de-DE" altLang="de-DE" smtClean="0"/>
+              <a:pPr/>
+              <a:t>44</a:t>
+            </a:fld>
+            <a:endParaRPr lang="de-DE" altLang="de-DE"/>
+          </a:p>
+        </p:txBody>
+      </p:sp>
+    </p:spTree>
+    <p:extLst>
+      <p:ext uri="{BB962C8B-B14F-4D97-AF65-F5344CB8AC3E}">
+        <p14:creationId xmlns:p14="http://schemas.microsoft.com/office/powerpoint/2010/main" val="184994313"/>
+      </p:ext>
+    </p:extLst>
+  </p:cSld>
+  <p:clrMapOvr>
+    <a:masterClrMapping/>
+  </p:clrMapOvr>
+</p:notes>
+</file>
+
+<file path=ppt/notesSlides/notesSlide4.xml><?xml version="1.0" encoding="utf-8"?>
+<p:notes xmlns:a="http://schemas.openxmlformats.org/drawingml/2006/main" xmlns:r="http://schemas.openxmlformats.org/officeDocument/2006/relationships" xmlns:p="http://schemas.openxmlformats.org/presentationml/2006/main">
+  <p:cSld>
+    <p:spTree>
+      <p:nvGrpSpPr>
+        <p:cNvPr id="1" name=""/>
+        <p:cNvGrpSpPr/>
+        <p:nvPr/>
+      </p:nvGrpSpPr>
+      <p:grpSpPr>
+        <a:xfrm>
+          <a:off x="0" y="0"/>
+          <a:ext cx="0" cy="0"/>
+          <a:chOff x="0" y="0"/>
+          <a:chExt cx="0" cy="0"/>
+        </a:xfrm>
+      </p:grpSpPr>
+      <p:sp>
+        <p:nvSpPr>
+          <p:cNvPr id="2" name="Folienbildplatzhalter 1"/>
+          <p:cNvSpPr>
+            <a:spLocks noGrp="1" noRot="1" noChangeAspect="1"/>
+          </p:cNvSpPr>
+          <p:nvPr>
+            <p:ph type="sldImg"/>
+          </p:nvPr>
+        </p:nvSpPr>
+        <p:spPr/>
+      </p:sp>
+      <p:sp>
+        <p:nvSpPr>
+          <p:cNvPr id="3" name="Notizenplatzhalter 2"/>
+          <p:cNvSpPr>
+            <a:spLocks noGrp="1"/>
+          </p:cNvSpPr>
+          <p:nvPr>
+            <p:ph type="body" idx="1"/>
+          </p:nvPr>
+        </p:nvSpPr>
+        <p:spPr/>
+        <p:txBody>
+          <a:bodyPr/>
+          <a:lstStyle/>
+          <a:p>
+            <a:pPr marL="0" marR="0" lvl="0" indent="0" algn="l" defTabSz="914400" rtl="0" eaLnBrk="0" fontAlgn="base" latinLnBrk="0" hangingPunct="0">
+              <a:lnSpc>
+                <a:spcPct val="100000"/>
+              </a:lnSpc>
+              <a:spcBef>
+                <a:spcPct val="30000"/>
+              </a:spcBef>
+              <a:spcAft>
+                <a:spcPct val="0"/>
+              </a:spcAft>
+              <a:buClrTx/>
+              <a:buSzTx/>
+              <a:buFontTx/>
+              <a:buNone/>
+              <a:tabLst/>
+              <a:defRPr/>
+            </a:pPr>
+            <a:r>
+              <a:rPr lang="de-DE" dirty="0"/>
+              <a:t>Kevin</a:t>
+            </a:r>
+          </a:p>
+          <a:p>
+            <a:endParaRPr lang="de-DE" dirty="0"/>
+          </a:p>
+        </p:txBody>
+      </p:sp>
+      <p:sp>
+        <p:nvSpPr>
+          <p:cNvPr id="4" name="Foliennummernplatzhalter 3"/>
+          <p:cNvSpPr>
+            <a:spLocks noGrp="1"/>
+          </p:cNvSpPr>
+          <p:nvPr>
+            <p:ph type="sldNum" sz="quarter" idx="10"/>
+          </p:nvPr>
+        </p:nvSpPr>
+        <p:spPr/>
+        <p:txBody>
+          <a:bodyPr/>
+          <a:lstStyle/>
+          <a:p>
+            <a:fld id="{1760A340-2167-4270-89CF-50EB6C0DB420}" type="slidenum">
+              <a:rPr lang="de-DE" altLang="de-DE" smtClean="0"/>
+              <a:pPr/>
+              <a:t>4</a:t>
+            </a:fld>
+            <a:endParaRPr lang="de-DE" altLang="de-DE"/>
+          </a:p>
+        </p:txBody>
+      </p:sp>
+    </p:spTree>
+    <p:extLst>
+      <p:ext uri="{BB962C8B-B14F-4D97-AF65-F5344CB8AC3E}">
+        <p14:creationId xmlns:p14="http://schemas.microsoft.com/office/powerpoint/2010/main" val="425790533"/>
+      </p:ext>
+    </p:extLst>
+  </p:cSld>
+  <p:clrMapOvr>
+    <a:masterClrMapping/>
+  </p:clrMapOvr>
+</p:notes>
+</file>
+
+<file path=ppt/notesSlides/notesSlide5.xml><?xml version="1.0" encoding="utf-8"?>
+<p:notes xmlns:a="http://schemas.openxmlformats.org/drawingml/2006/main" xmlns:r="http://schemas.openxmlformats.org/officeDocument/2006/relationships" xmlns:p="http://schemas.openxmlformats.org/presentationml/2006/main">
+  <p:cSld>
+    <p:spTree>
+      <p:nvGrpSpPr>
+        <p:cNvPr id="1" name=""/>
+        <p:cNvGrpSpPr/>
+        <p:nvPr/>
+      </p:nvGrpSpPr>
+      <p:grpSpPr>
+        <a:xfrm>
+          <a:off x="0" y="0"/>
+          <a:ext cx="0" cy="0"/>
+          <a:chOff x="0" y="0"/>
+          <a:chExt cx="0" cy="0"/>
+        </a:xfrm>
+      </p:grpSpPr>
+      <p:sp>
+        <p:nvSpPr>
+          <p:cNvPr id="2" name="Folienbildplatzhalter 1"/>
+          <p:cNvSpPr>
+            <a:spLocks noGrp="1" noRot="1" noChangeAspect="1"/>
+          </p:cNvSpPr>
+          <p:nvPr>
+            <p:ph type="sldImg"/>
+          </p:nvPr>
+        </p:nvSpPr>
+        <p:spPr/>
+      </p:sp>
+      <p:sp>
+        <p:nvSpPr>
+          <p:cNvPr id="3" name="Notizenplatzhalter 2"/>
+          <p:cNvSpPr>
+            <a:spLocks noGrp="1"/>
+          </p:cNvSpPr>
+          <p:nvPr>
+            <p:ph type="body" idx="1"/>
+          </p:nvPr>
+        </p:nvSpPr>
+        <p:spPr/>
+        <p:txBody>
+          <a:bodyPr/>
+          <a:lstStyle/>
+          <a:p>
+            <a:pPr marL="0" marR="0" lvl="0" indent="0" algn="l" defTabSz="914400" rtl="0" eaLnBrk="0" fontAlgn="base" latinLnBrk="0" hangingPunct="0">
+              <a:lnSpc>
+                <a:spcPct val="100000"/>
+              </a:lnSpc>
+              <a:spcBef>
+                <a:spcPct val="30000"/>
+              </a:spcBef>
+              <a:spcAft>
+                <a:spcPct val="0"/>
+              </a:spcAft>
+              <a:buClrTx/>
+              <a:buSzTx/>
+              <a:buFontTx/>
+              <a:buNone/>
+              <a:tabLst/>
+              <a:defRPr/>
+            </a:pPr>
+            <a:r>
+              <a:rPr lang="de-DE" dirty="0"/>
+              <a:t>Kevin</a:t>
+            </a:r>
+          </a:p>
+          <a:p>
+            <a:endParaRPr lang="de-DE" dirty="0"/>
+          </a:p>
+        </p:txBody>
+      </p:sp>
+      <p:sp>
+        <p:nvSpPr>
+          <p:cNvPr id="4" name="Foliennummernplatzhalter 3"/>
+          <p:cNvSpPr>
+            <a:spLocks noGrp="1"/>
+          </p:cNvSpPr>
+          <p:nvPr>
+            <p:ph type="sldNum" sz="quarter" idx="10"/>
+          </p:nvPr>
+        </p:nvSpPr>
+        <p:spPr/>
+        <p:txBody>
+          <a:bodyPr/>
+          <a:lstStyle/>
+          <a:p>
+            <a:fld id="{1760A340-2167-4270-89CF-50EB6C0DB420}" type="slidenum">
+              <a:rPr lang="de-DE" altLang="de-DE" smtClean="0"/>
+              <a:pPr/>
+              <a:t>5</a:t>
+            </a:fld>
+            <a:endParaRPr lang="de-DE" altLang="de-DE"/>
+          </a:p>
+        </p:txBody>
+      </p:sp>
+    </p:spTree>
+    <p:extLst>
+      <p:ext uri="{BB962C8B-B14F-4D97-AF65-F5344CB8AC3E}">
+        <p14:creationId xmlns:p14="http://schemas.microsoft.com/office/powerpoint/2010/main" val="3405182698"/>
+      </p:ext>
+    </p:extLst>
+  </p:cSld>
+  <p:clrMapOvr>
+    <a:masterClrMapping/>
+  </p:clrMapOvr>
+</p:notes>
+</file>
+
+<file path=ppt/notesSlides/notesSlide6.xml><?xml version="1.0" encoding="utf-8"?>
+<p:notes xmlns:a="http://schemas.openxmlformats.org/drawingml/2006/main" xmlns:r="http://schemas.openxmlformats.org/officeDocument/2006/relationships" xmlns:p="http://schemas.openxmlformats.org/presentationml/2006/main">
+  <p:cSld>
+    <p:spTree>
+      <p:nvGrpSpPr>
+        <p:cNvPr id="1" name=""/>
+        <p:cNvGrpSpPr/>
+        <p:nvPr/>
+      </p:nvGrpSpPr>
+      <p:grpSpPr>
+        <a:xfrm>
+          <a:off x="0" y="0"/>
+          <a:ext cx="0" cy="0"/>
+          <a:chOff x="0" y="0"/>
+          <a:chExt cx="0" cy="0"/>
+        </a:xfrm>
+      </p:grpSpPr>
+      <p:sp>
+        <p:nvSpPr>
+          <p:cNvPr id="2" name="Folienbildplatzhalter 1"/>
+          <p:cNvSpPr>
+            <a:spLocks noGrp="1" noRot="1" noChangeAspect="1"/>
+          </p:cNvSpPr>
+          <p:nvPr>
+            <p:ph type="sldImg"/>
+          </p:nvPr>
+        </p:nvSpPr>
+        <p:spPr/>
+      </p:sp>
+      <p:sp>
+        <p:nvSpPr>
+          <p:cNvPr id="3" name="Notizenplatzhalter 2"/>
+          <p:cNvSpPr>
+            <a:spLocks noGrp="1"/>
+          </p:cNvSpPr>
+          <p:nvPr>
+            <p:ph type="body" idx="1"/>
+          </p:nvPr>
+        </p:nvSpPr>
+        <p:spPr/>
+        <p:txBody>
+          <a:bodyPr/>
+          <a:lstStyle/>
+          <a:p>
+            <a:pPr marL="0" marR="0" lvl="0" indent="0" algn="l" defTabSz="914400" rtl="0" eaLnBrk="0" fontAlgn="base" latinLnBrk="0" hangingPunct="0">
+              <a:lnSpc>
+                <a:spcPct val="100000"/>
+              </a:lnSpc>
+              <a:spcBef>
+                <a:spcPct val="30000"/>
+              </a:spcBef>
+              <a:spcAft>
+                <a:spcPct val="0"/>
+              </a:spcAft>
+              <a:buClrTx/>
+              <a:buSzTx/>
+              <a:buFontTx/>
+              <a:buNone/>
+              <a:tabLst/>
+              <a:defRPr/>
+            </a:pPr>
+            <a:r>
+              <a:rPr lang="de-DE" dirty="0"/>
+              <a:t>Kevin</a:t>
+            </a:r>
+          </a:p>
+          <a:p>
+            <a:endParaRPr lang="de-DE" dirty="0"/>
+          </a:p>
+        </p:txBody>
+      </p:sp>
+      <p:sp>
+        <p:nvSpPr>
+          <p:cNvPr id="4" name="Foliennummernplatzhalter 3"/>
+          <p:cNvSpPr>
+            <a:spLocks noGrp="1"/>
+          </p:cNvSpPr>
+          <p:nvPr>
+            <p:ph type="sldNum" sz="quarter" idx="10"/>
+          </p:nvPr>
+        </p:nvSpPr>
+        <p:spPr/>
+        <p:txBody>
+          <a:bodyPr/>
+          <a:lstStyle/>
+          <a:p>
+            <a:fld id="{1760A340-2167-4270-89CF-50EB6C0DB420}" type="slidenum">
+              <a:rPr lang="de-DE" altLang="de-DE" smtClean="0"/>
+              <a:pPr/>
+              <a:t>7</a:t>
+            </a:fld>
+            <a:endParaRPr lang="de-DE" altLang="de-DE"/>
+          </a:p>
+        </p:txBody>
+      </p:sp>
+    </p:spTree>
+    <p:extLst>
+      <p:ext uri="{BB962C8B-B14F-4D97-AF65-F5344CB8AC3E}">
+        <p14:creationId xmlns:p14="http://schemas.microsoft.com/office/powerpoint/2010/main" val="3106942894"/>
+      </p:ext>
+    </p:extLst>
+  </p:cSld>
+  <p:clrMapOvr>
+    <a:masterClrMapping/>
+  </p:clrMapOvr>
+</p:notes>
+</file>
+
+<file path=ppt/notesSlides/notesSlide7.xml><?xml version="1.0" encoding="utf-8"?>
+<p:notes xmlns:a="http://schemas.openxmlformats.org/drawingml/2006/main" xmlns:r="http://schemas.openxmlformats.org/officeDocument/2006/relationships" xmlns:p="http://schemas.openxmlformats.org/presentationml/2006/main">
+  <p:cSld>
+    <p:spTree>
+      <p:nvGrpSpPr>
+        <p:cNvPr id="1" name=""/>
+        <p:cNvGrpSpPr/>
+        <p:nvPr/>
+      </p:nvGrpSpPr>
+      <p:grpSpPr>
+        <a:xfrm>
+          <a:off x="0" y="0"/>
+          <a:ext cx="0" cy="0"/>
+          <a:chOff x="0" y="0"/>
+          <a:chExt cx="0" cy="0"/>
+        </a:xfrm>
+      </p:grpSpPr>
+      <p:sp>
+        <p:nvSpPr>
+          <p:cNvPr id="2" name="Folienbildplatzhalter 1"/>
+          <p:cNvSpPr>
+            <a:spLocks noGrp="1" noRot="1" noChangeAspect="1"/>
+          </p:cNvSpPr>
+          <p:nvPr>
+            <p:ph type="sldImg"/>
+          </p:nvPr>
+        </p:nvSpPr>
+        <p:spPr/>
+      </p:sp>
+      <p:sp>
+        <p:nvSpPr>
+          <p:cNvPr id="3" name="Notizenplatzhalter 2"/>
+          <p:cNvSpPr>
+            <a:spLocks noGrp="1"/>
+          </p:cNvSpPr>
+          <p:nvPr>
+            <p:ph type="body" idx="1"/>
+          </p:nvPr>
+        </p:nvSpPr>
+        <p:spPr/>
+        <p:txBody>
+          <a:bodyPr/>
+          <a:lstStyle/>
+          <a:p>
+            <a:pPr marL="0" marR="0" lvl="0" indent="0" algn="l" defTabSz="914400" rtl="0" eaLnBrk="0" fontAlgn="base" latinLnBrk="0" hangingPunct="0">
+              <a:lnSpc>
+                <a:spcPct val="100000"/>
+              </a:lnSpc>
+              <a:spcBef>
+                <a:spcPct val="30000"/>
+              </a:spcBef>
+              <a:spcAft>
+                <a:spcPct val="0"/>
+              </a:spcAft>
+              <a:buClrTx/>
+              <a:buSzTx/>
+              <a:buFontTx/>
+              <a:buNone/>
+              <a:tabLst/>
+              <a:defRPr/>
+            </a:pPr>
+            <a:r>
+              <a:rPr lang="de-DE" dirty="0"/>
+              <a:t>Kevin</a:t>
+            </a:r>
+          </a:p>
+          <a:p>
+            <a:endParaRPr lang="de-DE" dirty="0"/>
+          </a:p>
+        </p:txBody>
+      </p:sp>
+      <p:sp>
+        <p:nvSpPr>
+          <p:cNvPr id="4" name="Foliennummernplatzhalter 3"/>
+          <p:cNvSpPr>
+            <a:spLocks noGrp="1"/>
+          </p:cNvSpPr>
+          <p:nvPr>
+            <p:ph type="sldNum" sz="quarter" idx="10"/>
+          </p:nvPr>
+        </p:nvSpPr>
+        <p:spPr/>
+        <p:txBody>
+          <a:bodyPr/>
+          <a:lstStyle/>
+          <a:p>
+            <a:fld id="{1760A340-2167-4270-89CF-50EB6C0DB420}" type="slidenum">
+              <a:rPr lang="de-DE" altLang="de-DE" smtClean="0"/>
+              <a:pPr/>
+              <a:t>8</a:t>
+            </a:fld>
+            <a:endParaRPr lang="de-DE" altLang="de-DE"/>
+          </a:p>
+        </p:txBody>
+      </p:sp>
+    </p:spTree>
+    <p:extLst>
+      <p:ext uri="{BB962C8B-B14F-4D97-AF65-F5344CB8AC3E}">
+        <p14:creationId xmlns:p14="http://schemas.microsoft.com/office/powerpoint/2010/main" val="2391543318"/>
+      </p:ext>
+    </p:extLst>
+  </p:cSld>
+  <p:clrMapOvr>
+    <a:masterClrMapping/>
+  </p:clrMapOvr>
+</p:notes>
+</file>
+
+<file path=ppt/notesSlides/notesSlide8.xml><?xml version="1.0" encoding="utf-8"?>
+<p:notes xmlns:a="http://schemas.openxmlformats.org/drawingml/2006/main" xmlns:r="http://schemas.openxmlformats.org/officeDocument/2006/relationships" xmlns:p="http://schemas.openxmlformats.org/presentationml/2006/main">
+  <p:cSld>
+    <p:spTree>
+      <p:nvGrpSpPr>
+        <p:cNvPr id="1" name=""/>
+        <p:cNvGrpSpPr/>
+        <p:nvPr/>
+      </p:nvGrpSpPr>
+      <p:grpSpPr>
+        <a:xfrm>
+          <a:off x="0" y="0"/>
+          <a:ext cx="0" cy="0"/>
+          <a:chOff x="0" y="0"/>
+          <a:chExt cx="0" cy="0"/>
+        </a:xfrm>
+      </p:grpSpPr>
+      <p:sp>
+        <p:nvSpPr>
+          <p:cNvPr id="2" name="Folienbildplatzhalter 1"/>
+          <p:cNvSpPr>
+            <a:spLocks noGrp="1" noRot="1" noChangeAspect="1"/>
+          </p:cNvSpPr>
+          <p:nvPr>
+            <p:ph type="sldImg"/>
+          </p:nvPr>
+        </p:nvSpPr>
+        <p:spPr/>
+      </p:sp>
+      <p:sp>
+        <p:nvSpPr>
+          <p:cNvPr id="3" name="Notizenplatzhalter 2"/>
+          <p:cNvSpPr>
+            <a:spLocks noGrp="1"/>
+          </p:cNvSpPr>
+          <p:nvPr>
+            <p:ph type="body" idx="1"/>
+          </p:nvPr>
+        </p:nvSpPr>
+        <p:spPr/>
+        <p:txBody>
+          <a:bodyPr/>
+          <a:lstStyle/>
+          <a:p>
+            <a:r>
+              <a:rPr lang="de-DE" dirty="0"/>
+              <a:t>Julia</a:t>
+            </a:r>
+          </a:p>
+        </p:txBody>
+      </p:sp>
+      <p:sp>
+        <p:nvSpPr>
+          <p:cNvPr id="4" name="Foliennummernplatzhalter 3"/>
+          <p:cNvSpPr>
+            <a:spLocks noGrp="1"/>
+          </p:cNvSpPr>
+          <p:nvPr>
+            <p:ph type="sldNum" sz="quarter" idx="10"/>
+          </p:nvPr>
+        </p:nvSpPr>
+        <p:spPr/>
+        <p:txBody>
+          <a:bodyPr/>
+          <a:lstStyle/>
+          <a:p>
+            <a:fld id="{1760A340-2167-4270-89CF-50EB6C0DB420}" type="slidenum">
+              <a:rPr lang="de-DE" altLang="de-DE" smtClean="0"/>
+              <a:pPr/>
+              <a:t>10</a:t>
+            </a:fld>
+            <a:endParaRPr lang="de-DE" altLang="de-DE"/>
+          </a:p>
+        </p:txBody>
+      </p:sp>
+    </p:spTree>
+    <p:extLst>
+      <p:ext uri="{BB962C8B-B14F-4D97-AF65-F5344CB8AC3E}">
+        <p14:creationId xmlns:p14="http://schemas.microsoft.com/office/powerpoint/2010/main" val="2870853119"/>
+      </p:ext>
+    </p:extLst>
+  </p:cSld>
+  <p:clrMapOvr>
+    <a:masterClrMapping/>
+  </p:clrMapOvr>
+</p:notes>
+</file>
+
+<file path=ppt/notesSlides/notesSlide9.xml><?xml version="1.0" encoding="utf-8"?>
+<p:notes xmlns:a="http://schemas.openxmlformats.org/drawingml/2006/main" xmlns:r="http://schemas.openxmlformats.org/officeDocument/2006/relationships" xmlns:p="http://schemas.openxmlformats.org/presentationml/2006/main">
+  <p:cSld>
+    <p:spTree>
+      <p:nvGrpSpPr>
+        <p:cNvPr id="1" name=""/>
+        <p:cNvGrpSpPr/>
+        <p:nvPr/>
+      </p:nvGrpSpPr>
+      <p:grpSpPr>
+        <a:xfrm>
+          <a:off x="0" y="0"/>
+          <a:ext cx="0" cy="0"/>
+          <a:chOff x="0" y="0"/>
+          <a:chExt cx="0" cy="0"/>
+        </a:xfrm>
+      </p:grpSpPr>
+      <p:sp>
+        <p:nvSpPr>
+          <p:cNvPr id="2" name="Folienbildplatzhalter 1"/>
+          <p:cNvSpPr>
+            <a:spLocks noGrp="1" noRot="1" noChangeAspect="1"/>
+          </p:cNvSpPr>
+          <p:nvPr>
+            <p:ph type="sldImg"/>
+          </p:nvPr>
+        </p:nvSpPr>
+        <p:spPr/>
+      </p:sp>
+      <p:sp>
+        <p:nvSpPr>
+          <p:cNvPr id="3" name="Notizenplatzhalter 2"/>
+          <p:cNvSpPr>
+            <a:spLocks noGrp="1"/>
+          </p:cNvSpPr>
+          <p:nvPr>
+            <p:ph type="body" idx="1"/>
+          </p:nvPr>
+        </p:nvSpPr>
+        <p:spPr/>
+        <p:txBody>
+          <a:bodyPr/>
+          <a:lstStyle/>
+          <a:p>
+            <a:r>
+              <a:rPr lang="de-DE" dirty="0"/>
+              <a:t>Julia</a:t>
+            </a:r>
+          </a:p>
+        </p:txBody>
+      </p:sp>
+      <p:sp>
+        <p:nvSpPr>
+          <p:cNvPr id="4" name="Foliennummernplatzhalter 3"/>
+          <p:cNvSpPr>
+            <a:spLocks noGrp="1"/>
+          </p:cNvSpPr>
+          <p:nvPr>
+            <p:ph type="sldNum" sz="quarter" idx="10"/>
+          </p:nvPr>
+        </p:nvSpPr>
+        <p:spPr/>
+        <p:txBody>
+          <a:bodyPr/>
+          <a:lstStyle/>
+          <a:p>
+            <a:fld id="{1760A340-2167-4270-89CF-50EB6C0DB420}" type="slidenum">
+              <a:rPr lang="de-DE" altLang="de-DE" smtClean="0"/>
+              <a:pPr/>
+              <a:t>11</a:t>
+            </a:fld>
+            <a:endParaRPr lang="de-DE" altLang="de-DE"/>
+          </a:p>
+        </p:txBody>
+      </p:sp>
+    </p:spTree>
+    <p:extLst>
+      <p:ext uri="{BB962C8B-B14F-4D97-AF65-F5344CB8AC3E}">
+        <p14:creationId xmlns:p14="http://schemas.microsoft.com/office/powerpoint/2010/main" val="2782299310"/>
+      </p:ext>
+    </p:extLst>
+  </p:cSld>
+  <p:clrMapOvr>
+    <a:masterClrMapping/>
+  </p:clrMapOvr>
+</p:notes>
+</file>
+
 <file path=ppt/slideLayouts/slideLayout1.xml><?xml version="1.0" encoding="utf-8"?>
 <p:sldLayout xmlns:a="http://schemas.openxmlformats.org/drawingml/2006/main" xmlns:r="http://schemas.openxmlformats.org/officeDocument/2006/relationships" xmlns:p="http://schemas.openxmlformats.org/presentationml/2006/main" showMasterSp="0" preserve="1" userDrawn="1">
   <p:cSld name="Titelfolie">
@@ -1677,7 +5489,7 @@
           <a:lstStyle/>
           <a:p>
             <a:r>
-              <a:rPr lang="de-DE" altLang="de-DE" smtClean="0"/>
+              <a:rPr lang="de-DE" altLang="de-DE"/>
               <a:t>Hochschule Mannheim | Julia Geigl, Klemens Behr, Kevin Höfle</a:t>
             </a:r>
             <a:endParaRPr lang="de-DE" altLang="de-DE" dirty="0"/>
@@ -2222,7 +6034,7 @@
           <a:lstStyle/>
           <a:p>
             <a:r>
-              <a:rPr lang="de-DE" altLang="de-DE" smtClean="0"/>
+              <a:rPr lang="de-DE" altLang="de-DE"/>
               <a:t>Hochschule Mannheim | Julia Geigl, Klemens Behr, Kevin Höfle</a:t>
             </a:r>
             <a:endParaRPr lang="de-DE" altLang="de-DE" dirty="0"/>
@@ -2442,7 +6254,7 @@
           <a:lstStyle/>
           <a:p>
             <a:r>
-              <a:rPr lang="de-DE" altLang="de-DE" smtClean="0"/>
+              <a:rPr lang="de-DE" altLang="de-DE"/>
               <a:t>Hochschule Mannheim | Julia Geigl, Klemens Behr, Kevin Höfle</a:t>
             </a:r>
             <a:endParaRPr lang="de-DE" altLang="de-DE" dirty="0"/>
@@ -2648,7 +6460,7 @@
           <a:lstStyle/>
           <a:p>
             <a:r>
-              <a:rPr lang="de-DE" altLang="de-DE" smtClean="0"/>
+              <a:rPr lang="de-DE" altLang="de-DE"/>
               <a:t>Hochschule Mannheim | Julia Geigl, Klemens Behr, Kevin Höfle</a:t>
             </a:r>
             <a:endParaRPr lang="de-DE" altLang="de-DE" dirty="0"/>
@@ -2805,7 +6617,7 @@
           <a:lstStyle/>
           <a:p>
             <a:r>
-              <a:rPr lang="de-DE" altLang="de-DE" smtClean="0"/>
+              <a:rPr lang="de-DE" altLang="de-DE"/>
               <a:t>Hochschule Mannheim | Julia Geigl, Klemens Behr, Kevin Höfle</a:t>
             </a:r>
             <a:endParaRPr lang="de-DE" altLang="de-DE" dirty="0"/>
@@ -3217,7 +7029,7 @@
           <a:lstStyle/>
           <a:p>
             <a:r>
-              <a:rPr lang="de-DE" altLang="de-DE" smtClean="0"/>
+              <a:rPr lang="de-DE" altLang="de-DE"/>
               <a:t>Hochschule Mannheim | Julia Geigl, Klemens Behr, Kevin Höfle</a:t>
             </a:r>
             <a:endParaRPr lang="de-DE" altLang="de-DE" dirty="0"/>
@@ -3435,7 +7247,7 @@
           <a:lstStyle/>
           <a:p>
             <a:r>
-              <a:rPr lang="de-DE" altLang="de-DE" smtClean="0"/>
+              <a:rPr lang="de-DE" altLang="de-DE"/>
               <a:t>Hochschule Mannheim | Julia Geigl, Klemens Behr, Kevin Höfle</a:t>
             </a:r>
             <a:endParaRPr lang="de-DE" altLang="de-DE" dirty="0"/>
@@ -3581,7 +7393,7 @@
           <a:lstStyle/>
           <a:p>
             <a:r>
-              <a:rPr lang="de-DE" altLang="de-DE" smtClean="0"/>
+              <a:rPr lang="de-DE" altLang="de-DE"/>
               <a:t>Hochschule Mannheim | Julia Geigl, Klemens Behr, Kevin Höfle</a:t>
             </a:r>
             <a:endParaRPr lang="de-DE" altLang="de-DE" dirty="0"/>
@@ -3727,7 +7539,7 @@
           <a:lstStyle/>
           <a:p>
             <a:r>
-              <a:rPr lang="de-DE" altLang="de-DE" smtClean="0"/>
+              <a:rPr lang="de-DE" altLang="de-DE"/>
               <a:t>Hochschule Mannheim | Julia Geigl, Klemens Behr, Kevin Höfle</a:t>
             </a:r>
             <a:endParaRPr lang="de-DE" altLang="de-DE" dirty="0"/>
@@ -3903,7 +7715,7 @@
           <a:lstStyle/>
           <a:p>
             <a:r>
-              <a:rPr lang="de-DE" altLang="de-DE" smtClean="0"/>
+              <a:rPr lang="de-DE" altLang="de-DE"/>
               <a:t>Hochschule Mannheim | Julia Geigl, Klemens Behr, Kevin Höfle</a:t>
             </a:r>
             <a:endParaRPr lang="de-DE" altLang="de-DE" dirty="0"/>
@@ -4094,7 +7906,7 @@
           <a:lstStyle/>
           <a:p>
             <a:r>
-              <a:rPr lang="de-DE" altLang="de-DE" smtClean="0"/>
+              <a:rPr lang="de-DE" altLang="de-DE"/>
               <a:t>Hochschule Mannheim | Julia Geigl, Klemens Behr, Kevin Höfle</a:t>
             </a:r>
             <a:endParaRPr lang="de-DE" altLang="de-DE" dirty="0"/>
@@ -4308,7 +8120,7 @@
           <a:lstStyle/>
           <a:p>
             <a:r>
-              <a:rPr lang="de-DE" altLang="de-DE" smtClean="0"/>
+              <a:rPr lang="de-DE" altLang="de-DE"/>
               <a:t>Hochschule Mannheim | Julia Geigl, Klemens Behr, Kevin Höfle</a:t>
             </a:r>
             <a:endParaRPr lang="de-DE" altLang="de-DE" dirty="0"/>
@@ -4505,7 +8317,7 @@
           <a:lstStyle/>
           <a:p>
             <a:r>
-              <a:rPr lang="de-DE" altLang="de-DE" smtClean="0"/>
+              <a:rPr lang="de-DE" altLang="de-DE"/>
               <a:t>Hochschule Mannheim | Julia Geigl, Klemens Behr, Kevin Höfle</a:t>
             </a:r>
             <a:endParaRPr lang="de-DE" altLang="de-DE" dirty="0"/>
@@ -4653,7 +8465,7 @@
           <a:lstStyle/>
           <a:p>
             <a:r>
-              <a:rPr lang="de-DE" altLang="de-DE" smtClean="0"/>
+              <a:rPr lang="de-DE" altLang="de-DE"/>
               <a:t>Hochschule Mannheim | Julia Geigl, Klemens Behr, Kevin Höfle</a:t>
             </a:r>
             <a:endParaRPr lang="de-DE" altLang="de-DE" dirty="0"/>
@@ -5056,7 +8868,7 @@
           <a:lstStyle/>
           <a:p>
             <a:r>
-              <a:rPr lang="de-DE" altLang="de-DE" smtClean="0"/>
+              <a:rPr lang="de-DE" altLang="de-DE"/>
               <a:t>Hochschule Mannheim | Julia Geigl, Klemens Behr, Kevin Höfle</a:t>
             </a:r>
             <a:endParaRPr lang="de-DE" altLang="de-DE" dirty="0"/>
@@ -5265,7 +9077,7 @@
           <a:lstStyle/>
           <a:p>
             <a:r>
-              <a:rPr lang="de-DE" altLang="de-DE" smtClean="0"/>
+              <a:rPr lang="de-DE" altLang="de-DE"/>
               <a:t>Hochschule Mannheim | Julia Geigl, Klemens Behr, Kevin Höfle</a:t>
             </a:r>
             <a:endParaRPr lang="de-DE" altLang="de-DE" dirty="0"/>
@@ -5402,7 +9214,7 @@
           <a:lstStyle/>
           <a:p>
             <a:r>
-              <a:rPr lang="de-DE" altLang="de-DE" smtClean="0"/>
+              <a:rPr lang="de-DE" altLang="de-DE"/>
               <a:t>Hochschule Mannheim | Julia Geigl, Klemens Behr, Kevin Höfle</a:t>
             </a:r>
             <a:endParaRPr lang="de-DE" altLang="de-DE" dirty="0"/>
@@ -5539,7 +9351,7 @@
           <a:lstStyle/>
           <a:p>
             <a:r>
-              <a:rPr lang="de-DE" altLang="de-DE" smtClean="0"/>
+              <a:rPr lang="de-DE" altLang="de-DE"/>
               <a:t>Hochschule Mannheim | Julia Geigl, Klemens Behr, Kevin Höfle</a:t>
             </a:r>
             <a:endParaRPr lang="de-DE" altLang="de-DE" dirty="0"/>
@@ -6014,7 +9826,7 @@
           </a:lstStyle>
           <a:p>
             <a:r>
-              <a:rPr lang="de-DE" altLang="de-DE" smtClean="0"/>
+              <a:rPr lang="de-DE" altLang="de-DE"/>
               <a:t>Hochschule Mannheim | Julia Geigl, Klemens Behr, Kevin Höfle</a:t>
             </a:r>
             <a:endParaRPr lang="de-DE" altLang="de-DE" dirty="0"/>
@@ -6978,7 +10790,7 @@
           </a:lstStyle>
           <a:p>
             <a:r>
-              <a:rPr lang="de-DE" altLang="de-DE" smtClean="0"/>
+              <a:rPr lang="de-DE" altLang="de-DE"/>
               <a:t>Hochschule Mannheim | Julia Geigl, Klemens Behr, Kevin Höfle</a:t>
             </a:r>
             <a:endParaRPr lang="de-DE" altLang="de-DE" dirty="0"/>
@@ -7558,16 +11370,12 @@
               <a:t>, Kevin Höfle, </a:t>
             </a:r>
             <a:r>
-              <a:rPr lang="en-US" dirty="0" err="1" smtClean="0"/>
+              <a:rPr lang="en-US" dirty="0" err="1"/>
               <a:t>Klemens</a:t>
             </a:r>
             <a:r>
-              <a:rPr lang="en-US" dirty="0" smtClean="0"/>
-              <a:t> </a:t>
-            </a:r>
-            <a:r>
               <a:rPr lang="en-US" dirty="0"/>
-              <a:t>Behr</a:t>
+              <a:t> Behr</a:t>
             </a:r>
           </a:p>
           <a:p>
@@ -7645,13 +11453,6 @@
     <a:masterClrMapping/>
   </p:clrMapOvr>
   <p:transition/>
-  <p:timing>
-    <p:tnLst>
-      <p:par>
-        <p:cTn id="1" dur="indefinite" restart="never" nodeType="tmRoot"/>
-      </p:par>
-    </p:tnLst>
-  </p:timing>
 </p:sld>
 </file>
 
@@ -7734,7 +11535,7 @@
           <a:lstStyle/>
           <a:p>
             <a:r>
-              <a:rPr lang="de-DE" altLang="de-DE" smtClean="0"/>
+              <a:rPr lang="de-DE" altLang="de-DE"/>
               <a:t>Hochschule Mannheim | Julia Geigl, Klemens Behr, Kevin Höfle</a:t>
             </a:r>
             <a:endParaRPr lang="de-DE" altLang="de-DE" dirty="0"/>
@@ -7840,7 +11641,7 @@
           <p:nvPr/>
         </p:nvPicPr>
         <p:blipFill>
-          <a:blip r:embed="rId2"/>
+          <a:blip r:embed="rId3"/>
           <a:stretch>
             <a:fillRect/>
           </a:stretch>
@@ -7867,7 +11668,7 @@
           <p:nvPr/>
         </p:nvPicPr>
         <p:blipFill>
-          <a:blip r:embed="rId3"/>
+          <a:blip r:embed="rId4"/>
           <a:stretch>
             <a:fillRect/>
           </a:stretch>
@@ -7931,7 +11732,7 @@
           <p:nvPr/>
         </p:nvPicPr>
         <p:blipFill>
-          <a:blip r:embed="rId4"/>
+          <a:blip r:embed="rId5"/>
           <a:stretch>
             <a:fillRect/>
           </a:stretch>
@@ -7997,13 +11798,6 @@
     <a:masterClrMapping/>
   </p:clrMapOvr>
   <p:transition/>
-  <p:timing>
-    <p:tnLst>
-      <p:par>
-        <p:cTn id="1" dur="indefinite" restart="never" nodeType="tmRoot"/>
-      </p:par>
-    </p:tnLst>
-  </p:timing>
 </p:sld>
 </file>
 
@@ -8086,7 +11880,7 @@
           <a:lstStyle/>
           <a:p>
             <a:r>
-              <a:rPr lang="de-DE" altLang="de-DE" smtClean="0"/>
+              <a:rPr lang="de-DE" altLang="de-DE"/>
               <a:t>Hochschule Mannheim | Julia Geigl, Klemens Behr, Kevin Höfle</a:t>
             </a:r>
             <a:endParaRPr lang="de-DE" altLang="de-DE" dirty="0"/>
@@ -8102,7 +11896,7 @@
           <p:nvPr/>
         </p:nvPicPr>
         <p:blipFill>
-          <a:blip r:embed="rId2">
+          <a:blip r:embed="rId3">
             <a:extLst>
               <a:ext uri="{28A0092B-C50C-407E-A947-70E740481C1C}">
                 <a14:useLocalDpi xmlns:a14="http://schemas.microsoft.com/office/drawing/2010/main" val="0"/>
@@ -8376,13 +12170,6 @@
     <a:masterClrMapping/>
   </p:clrMapOvr>
   <p:transition/>
-  <p:timing>
-    <p:tnLst>
-      <p:par>
-        <p:cTn id="1" dur="indefinite" restart="never" nodeType="tmRoot"/>
-      </p:par>
-    </p:tnLst>
-  </p:timing>
 </p:sld>
 </file>
 
@@ -8465,7 +12252,7 @@
           <a:lstStyle/>
           <a:p>
             <a:r>
-              <a:rPr lang="de-DE" altLang="de-DE" smtClean="0"/>
+              <a:rPr lang="de-DE" altLang="de-DE"/>
               <a:t>Hochschule Mannheim | Julia Geigl, Klemens Behr, Kevin Höfle</a:t>
             </a:r>
             <a:endParaRPr lang="de-DE" altLang="de-DE" dirty="0"/>
@@ -8847,11 +12634,6 @@
               </a:rPr>
               <a:t>Status</a:t>
             </a:r>
-            <a:endParaRPr lang="de-DE" dirty="0">
-              <a:solidFill>
-                <a:schemeClr val="tx1"/>
-              </a:solidFill>
-            </a:endParaRPr>
           </a:p>
         </p:txBody>
       </p:sp>
@@ -9076,13 +12858,6 @@
     <a:masterClrMapping/>
   </p:clrMapOvr>
   <p:transition/>
-  <p:timing>
-    <p:tnLst>
-      <p:par>
-        <p:cTn id="1" dur="indefinite" restart="never" nodeType="tmRoot"/>
-      </p:par>
-    </p:tnLst>
-  </p:timing>
 </p:sld>
 </file>
 
@@ -9174,7 +12949,7 @@
           <a:lstStyle/>
           <a:p>
             <a:r>
-              <a:rPr lang="de-DE" altLang="de-DE" smtClean="0"/>
+              <a:rPr lang="de-DE" altLang="de-DE"/>
               <a:t>Hochschule Mannheim | Julia Geigl, Klemens Behr, Kevin Höfle</a:t>
             </a:r>
             <a:endParaRPr lang="de-DE" altLang="de-DE" dirty="0"/>
@@ -9192,13 +12967,6 @@
     <a:masterClrMapping/>
   </p:clrMapOvr>
   <p:transition/>
-  <p:timing>
-    <p:tnLst>
-      <p:par>
-        <p:cTn id="1" dur="indefinite" restart="never" nodeType="tmRoot"/>
-      </p:par>
-    </p:tnLst>
-  </p:timing>
 </p:sld>
 </file>
 
@@ -9281,7 +13049,7 @@
           <a:lstStyle/>
           <a:p>
             <a:r>
-              <a:rPr lang="de-DE" altLang="de-DE" smtClean="0"/>
+              <a:rPr lang="de-DE" altLang="de-DE"/>
               <a:t>Hochschule Mannheim | Julia Geigl, Klemens Behr, Kevin Höfle</a:t>
             </a:r>
             <a:endParaRPr lang="de-DE" altLang="de-DE" dirty="0"/>
@@ -9297,7 +13065,7 @@
           <p:nvPr/>
         </p:nvPicPr>
         <p:blipFill>
-          <a:blip r:embed="rId2">
+          <a:blip r:embed="rId3">
             <a:extLst>
               <a:ext uri="{28A0092B-C50C-407E-A947-70E740481C1C}">
                 <a14:useLocalDpi xmlns:a14="http://schemas.microsoft.com/office/drawing/2010/main" val="0"/>
@@ -9338,7 +13106,7 @@
           <p:nvPr/>
         </p:nvPicPr>
         <p:blipFill>
-          <a:blip r:embed="rId3">
+          <a:blip r:embed="rId4">
             <a:extLst>
               <a:ext uri="{28A0092B-C50C-407E-A947-70E740481C1C}">
                 <a14:useLocalDpi xmlns:a14="http://schemas.microsoft.com/office/drawing/2010/main" val="0"/>
@@ -9708,13 +13476,6 @@
     <a:masterClrMapping/>
   </p:clrMapOvr>
   <p:transition/>
-  <p:timing>
-    <p:tnLst>
-      <p:par>
-        <p:cTn id="1" dur="indefinite" restart="never" nodeType="tmRoot"/>
-      </p:par>
-    </p:tnLst>
-  </p:timing>
 </p:sld>
 </file>
 
@@ -9775,12 +13536,8 @@
           <a:lstStyle/>
           <a:p>
             <a:r>
-              <a:rPr lang="de-DE" dirty="0" smtClean="0"/>
-              <a:t>Spezifische </a:t>
-            </a:r>
-            <a:r>
               <a:rPr lang="de-DE" dirty="0"/>
-              <a:t>Daten DHT11</a:t>
+              <a:t>Spezifische Daten DHT11</a:t>
             </a:r>
           </a:p>
         </p:txBody>
@@ -9801,7 +13558,7 @@
           <a:lstStyle/>
           <a:p>
             <a:r>
-              <a:rPr lang="de-DE" altLang="de-DE" smtClean="0"/>
+              <a:rPr lang="de-DE" altLang="de-DE"/>
               <a:t>Hochschule Mannheim | Julia Geigl, Klemens Behr, Kevin Höfle</a:t>
             </a:r>
             <a:endParaRPr lang="de-DE" altLang="de-DE" dirty="0"/>
@@ -9817,7 +13574,7 @@
           <p:nvPr/>
         </p:nvPicPr>
         <p:blipFill>
-          <a:blip r:embed="rId2"/>
+          <a:blip r:embed="rId3"/>
           <a:stretch>
             <a:fillRect/>
           </a:stretch>
@@ -9882,13 +13639,6 @@
     <a:masterClrMapping/>
   </p:clrMapOvr>
   <p:transition/>
-  <p:timing>
-    <p:tnLst>
-      <p:par>
-        <p:cTn id="1" dur="indefinite" restart="never" nodeType="tmRoot"/>
-      </p:par>
-    </p:tnLst>
-  </p:timing>
 </p:sld>
 </file>
 
@@ -10031,7 +13781,7 @@
           <a:lstStyle/>
           <a:p>
             <a:r>
-              <a:rPr lang="de-DE" altLang="de-DE" smtClean="0"/>
+              <a:rPr lang="de-DE" altLang="de-DE"/>
               <a:t>Hochschule Mannheim | Julia Geigl, Klemens Behr, Kevin Höfle</a:t>
             </a:r>
             <a:endParaRPr lang="de-DE" altLang="de-DE" dirty="0"/>
@@ -10049,13 +13799,6 @@
     <a:masterClrMapping/>
   </p:clrMapOvr>
   <p:transition/>
-  <p:timing>
-    <p:tnLst>
-      <p:par>
-        <p:cTn id="1" dur="indefinite" restart="never" nodeType="tmRoot"/>
-      </p:par>
-    </p:tnLst>
-  </p:timing>
 </p:sld>
 </file>
 
@@ -10138,7 +13881,7 @@
           <a:lstStyle/>
           <a:p>
             <a:r>
-              <a:rPr lang="de-DE" altLang="de-DE" smtClean="0"/>
+              <a:rPr lang="de-DE" altLang="de-DE"/>
               <a:t>Hochschule Mannheim | Julia Geigl, Klemens Behr, Kevin Höfle</a:t>
             </a:r>
             <a:endParaRPr lang="de-DE" altLang="de-DE" dirty="0"/>
@@ -10609,13 +14352,6 @@
     <a:masterClrMapping/>
   </p:clrMapOvr>
   <p:transition/>
-  <p:timing>
-    <p:tnLst>
-      <p:par>
-        <p:cTn id="1" dur="indefinite" restart="never" nodeType="tmRoot"/>
-      </p:par>
-    </p:tnLst>
-  </p:timing>
 </p:sld>
 </file>
 
@@ -10889,7 +14625,7 @@
           <a:lstStyle/>
           <a:p>
             <a:r>
-              <a:rPr lang="de-DE" altLang="de-DE" smtClean="0"/>
+              <a:rPr lang="de-DE" altLang="de-DE"/>
               <a:t>Hochschule Mannheim | Julia Geigl, Klemens Behr, Kevin Höfle</a:t>
             </a:r>
             <a:endParaRPr lang="de-DE" altLang="de-DE" dirty="0"/>
@@ -10991,12 +14727,8 @@
           <a:p>
             <a:pPr algn="l"/>
             <a:r>
-              <a:rPr lang="de-DE" dirty="0" smtClean="0"/>
-              <a:t>Abtastfrequenz</a:t>
-            </a:r>
-            <a:r>
               <a:rPr lang="de-DE" dirty="0"/>
-              <a:t>: 1 Hz </a:t>
+              <a:t>Abtastfrequenz: 1 Hz </a:t>
             </a:r>
           </a:p>
           <a:p>
@@ -11262,13 +14994,6 @@
     <a:masterClrMapping/>
   </p:clrMapOvr>
   <p:transition/>
-  <p:timing>
-    <p:tnLst>
-      <p:par>
-        <p:cTn id="1" dur="indefinite" restart="never" nodeType="tmRoot"/>
-      </p:par>
-    </p:tnLst>
-  </p:timing>
 </p:sld>
 </file>
 
@@ -11351,7 +15076,7 @@
           <a:lstStyle/>
           <a:p>
             <a:r>
-              <a:rPr lang="de-DE" altLang="de-DE" smtClean="0"/>
+              <a:rPr lang="de-DE" altLang="de-DE"/>
               <a:t>Hochschule Mannheim | Julia Geigl, Klemens Behr, Kevin Höfle</a:t>
             </a:r>
             <a:endParaRPr lang="de-DE" altLang="de-DE" dirty="0"/>
@@ -11367,7 +15092,7 @@
           <p:nvPr/>
         </p:nvPicPr>
         <p:blipFill>
-          <a:blip r:embed="rId2">
+          <a:blip r:embed="rId3">
             <a:extLst>
               <a:ext uri="{28A0092B-C50C-407E-A947-70E740481C1C}">
                 <a14:useLocalDpi xmlns:a14="http://schemas.microsoft.com/office/drawing/2010/main" val="0"/>
@@ -11484,13 +15209,6 @@
     <a:masterClrMapping/>
   </p:clrMapOvr>
   <p:transition/>
-  <p:timing>
-    <p:tnLst>
-      <p:par>
-        <p:cTn id="1" dur="indefinite" restart="never" nodeType="tmRoot"/>
-      </p:par>
-    </p:tnLst>
-  </p:timing>
 </p:sld>
 </file>
 
@@ -11535,7 +15253,7 @@
           <a:lstStyle/>
           <a:p>
             <a:r>
-              <a:rPr lang="de-DE" altLang="de-DE" smtClean="0"/>
+              <a:rPr lang="de-DE" altLang="de-DE"/>
               <a:t>Hochschule Mannheim | Julia Geigl, Klemens Behr, Kevin Höfle</a:t>
             </a:r>
             <a:endParaRPr lang="de-DE" altLang="de-DE" dirty="0"/>
@@ -11612,6 +15330,19 @@
               <a:rPr lang="en-US" dirty="0" err="1"/>
               <a:t>Kommunikation</a:t>
             </a:r>
+            <a:r>
+              <a:rPr lang="en-US" dirty="0"/>
+              <a:t> / ESP</a:t>
+            </a:r>
+          </a:p>
+          <a:p>
+            <a:endParaRPr lang="en-US" dirty="0"/>
+          </a:p>
+          <a:p>
+            <a:r>
+              <a:rPr lang="en-US" dirty="0" err="1"/>
+              <a:t>Programmablauf</a:t>
+            </a:r>
             <a:endParaRPr lang="en-US" dirty="0"/>
           </a:p>
           <a:p>
@@ -11640,14 +15371,9 @@
             <a:endParaRPr lang="en-US" dirty="0"/>
           </a:p>
           <a:p>
-            <a:r>
-              <a:rPr lang="en-US" dirty="0" err="1"/>
-              <a:t>Zukunft</a:t>
-            </a:r>
-            <a:r>
-              <a:rPr lang="en-US" dirty="0"/>
-              <a:t/>
-            </a:r>
+            <a:pPr marL="0" indent="0">
+              <a:buNone/>
+            </a:pPr>
             <a:br>
               <a:rPr lang="en-US" dirty="0"/>
             </a:br>
@@ -11688,13 +15414,6 @@
     <a:masterClrMapping/>
   </p:clrMapOvr>
   <p:transition/>
-  <p:timing>
-    <p:tnLst>
-      <p:par>
-        <p:cTn id="1" dur="indefinite" restart="never" nodeType="tmRoot"/>
-      </p:par>
-    </p:tnLst>
-  </p:timing>
 </p:sld>
 </file>
 
@@ -11777,7 +15496,7 @@
           <a:lstStyle/>
           <a:p>
             <a:r>
-              <a:rPr lang="de-DE" altLang="de-DE" smtClean="0"/>
+              <a:rPr lang="de-DE" altLang="de-DE"/>
               <a:t>Hochschule Mannheim | Julia Geigl, Klemens Behr, Kevin Höfle</a:t>
             </a:r>
             <a:endParaRPr lang="de-DE" altLang="de-DE" dirty="0"/>
@@ -11793,7 +15512,7 @@
           <p:nvPr/>
         </p:nvPicPr>
         <p:blipFill>
-          <a:blip r:embed="rId2">
+          <a:blip r:embed="rId3">
             <a:extLst>
               <a:ext uri="{28A0092B-C50C-407E-A947-70E740481C1C}">
                 <a14:useLocalDpi xmlns:a14="http://schemas.microsoft.com/office/drawing/2010/main" val="0"/>
@@ -11968,7 +15687,7 @@
           <p:nvPr/>
         </p:nvPicPr>
         <p:blipFill rotWithShape="1">
-          <a:blip r:embed="rId3" cstate="print">
+          <a:blip r:embed="rId4" cstate="print">
             <a:extLst>
               <a:ext uri="{28A0092B-C50C-407E-A947-70E740481C1C}">
                 <a14:useLocalDpi xmlns:a14="http://schemas.microsoft.com/office/drawing/2010/main" val="0"/>
@@ -12151,13 +15870,6 @@
     <a:masterClrMapping/>
   </p:clrMapOvr>
   <p:transition/>
-  <p:timing>
-    <p:tnLst>
-      <p:par>
-        <p:cTn id="1" dur="indefinite" restart="never" nodeType="tmRoot"/>
-      </p:par>
-    </p:tnLst>
-  </p:timing>
 </p:sld>
 </file>
 
@@ -12245,7 +15957,7 @@
           <a:lstStyle/>
           <a:p>
             <a:r>
-              <a:rPr lang="de-DE" altLang="de-DE" smtClean="0"/>
+              <a:rPr lang="de-DE" altLang="de-DE"/>
               <a:t>Hochschule Mannheim | Julia Geigl, Klemens Behr, Kevin Höfle</a:t>
             </a:r>
             <a:endParaRPr lang="de-DE" altLang="de-DE" dirty="0"/>
@@ -12263,13 +15975,6 @@
     <a:masterClrMapping/>
   </p:clrMapOvr>
   <p:transition/>
-  <p:timing>
-    <p:tnLst>
-      <p:par>
-        <p:cTn id="1" dur="indefinite" restart="never" nodeType="tmRoot"/>
-      </p:par>
-    </p:tnLst>
-  </p:timing>
 </p:sld>
 </file>
 
@@ -12482,7 +16187,7 @@
           <a:lstStyle/>
           <a:p>
             <a:r>
-              <a:rPr lang="de-DE" altLang="de-DE" smtClean="0"/>
+              <a:rPr lang="de-DE" altLang="de-DE"/>
               <a:t>Hochschule Mannheim | Julia Geigl, Klemens Behr, Kevin Höfle</a:t>
             </a:r>
             <a:endParaRPr lang="de-DE" altLang="de-DE" dirty="0"/>
@@ -12500,13 +16205,6 @@
     <a:masterClrMapping/>
   </p:clrMapOvr>
   <p:transition/>
-  <p:timing>
-    <p:tnLst>
-      <p:par>
-        <p:cTn id="1" dur="indefinite" restart="never" nodeType="tmRoot"/>
-      </p:par>
-    </p:tnLst>
-  </p:timing>
 </p:sld>
 </file>
 
@@ -12764,7 +16462,7 @@
           <a:lstStyle/>
           <a:p>
             <a:r>
-              <a:rPr lang="de-DE" altLang="de-DE" smtClean="0"/>
+              <a:rPr lang="de-DE" altLang="de-DE"/>
               <a:t>Hochschule Mannheim | Julia Geigl, Klemens Behr, Kevin Höfle</a:t>
             </a:r>
             <a:endParaRPr lang="de-DE" altLang="de-DE" dirty="0"/>
@@ -12782,13 +16480,6 @@
     <a:masterClrMapping/>
   </p:clrMapOvr>
   <p:transition/>
-  <p:timing>
-    <p:tnLst>
-      <p:par>
-        <p:cTn id="1" dur="indefinite" restart="never" nodeType="tmRoot"/>
-      </p:par>
-    </p:tnLst>
-  </p:timing>
 </p:sld>
 </file>
 
@@ -12858,16 +16549,8 @@
               <a:buChar char="•"/>
             </a:pPr>
             <a:r>
-              <a:rPr lang="de-DE" dirty="0" smtClean="0"/>
-              <a:t>Verbindung </a:t>
-            </a:r>
-            <a:r>
               <a:rPr lang="de-DE" dirty="0"/>
-              <a:t>beenden und Baud Rate auf </a:t>
-            </a:r>
-            <a:r>
-              <a:rPr lang="de-DE" dirty="0" smtClean="0"/>
-              <a:t>115200</a:t>
+              <a:t>Verbindung beenden und Baud Rate auf 115200</a:t>
             </a:r>
           </a:p>
           <a:p>
@@ -12876,147 +16559,9 @@
               <a:buChar char="•"/>
             </a:pPr>
             <a:r>
-              <a:rPr lang="de-DE" dirty="0" smtClean="0"/>
+              <a:rPr lang="de-DE" dirty="0"/>
               <a:t>Gelegentlich andere Baudrate</a:t>
             </a:r>
-            <a:endParaRPr lang="de-DE" dirty="0"/>
-          </a:p>
-          <a:p>
-            <a:pPr>
-              <a:buFont typeface="Arial" panose="020B0604020202020204" pitchFamily="34" charset="0"/>
-              <a:buChar char="•"/>
-            </a:pPr>
-            <a:endParaRPr lang="de-DE" dirty="0" smtClean="0"/>
-          </a:p>
-          <a:p>
-            <a:pPr>
-              <a:buFont typeface="Arial" panose="020B0604020202020204" pitchFamily="34" charset="0"/>
-              <a:buChar char="•"/>
-            </a:pPr>
-            <a:r>
-              <a:rPr lang="de-DE" dirty="0" smtClean="0"/>
-              <a:t>AT+CIPMUX=1</a:t>
-            </a:r>
-            <a:r>
-              <a:rPr lang="de-DE" dirty="0"/>
-              <a:t>		</a:t>
-            </a:r>
-            <a:endParaRPr lang="de-DE" dirty="0" smtClean="0"/>
-          </a:p>
-          <a:p>
-            <a:pPr lvl="3">
-              <a:buFont typeface="Arial" panose="020B0604020202020204" pitchFamily="34" charset="0"/>
-              <a:buChar char="•"/>
-            </a:pPr>
-            <a:r>
-              <a:rPr lang="de-DE" dirty="0" smtClean="0"/>
-              <a:t>Modus</a:t>
-            </a:r>
-            <a:r>
-              <a:rPr lang="de-DE" dirty="0"/>
-              <a:t>: mehrere Verbindungen </a:t>
-            </a:r>
-            <a:r>
-              <a:rPr lang="de-DE" dirty="0" smtClean="0"/>
-              <a:t>möglich</a:t>
-            </a:r>
-            <a:endParaRPr lang="de-DE" dirty="0"/>
-          </a:p>
-          <a:p>
-            <a:pPr>
-              <a:buFont typeface="Arial" panose="020B0604020202020204" pitchFamily="34" charset="0"/>
-              <a:buChar char="•"/>
-            </a:pPr>
-            <a:endParaRPr lang="de-DE" dirty="0" smtClean="0"/>
-          </a:p>
-          <a:p>
-            <a:pPr>
-              <a:buFont typeface="Arial" panose="020B0604020202020204" pitchFamily="34" charset="0"/>
-              <a:buChar char="•"/>
-            </a:pPr>
-            <a:r>
-              <a:rPr lang="de-DE" dirty="0" smtClean="0"/>
-              <a:t>AT+CIPSTA</a:t>
-            </a:r>
-            <a:r>
-              <a:rPr lang="de-DE" dirty="0"/>
-              <a:t>= "192.x.x.x " 	</a:t>
-            </a:r>
-            <a:endParaRPr lang="de-DE" dirty="0" smtClean="0"/>
-          </a:p>
-          <a:p>
-            <a:pPr lvl="3">
-              <a:buFont typeface="Arial" panose="020B0604020202020204" pitchFamily="34" charset="0"/>
-              <a:buChar char="•"/>
-            </a:pPr>
-            <a:r>
-              <a:rPr lang="de-DE" dirty="0" smtClean="0"/>
-              <a:t>Statische </a:t>
-            </a:r>
-            <a:r>
-              <a:rPr lang="de-DE" dirty="0"/>
-              <a:t>IP-Adresse im eigenen </a:t>
-            </a:r>
-            <a:r>
-              <a:rPr lang="de-DE" dirty="0" smtClean="0"/>
-              <a:t>Subnetz</a:t>
-            </a:r>
-          </a:p>
-          <a:p>
-            <a:pPr lvl="3">
-              <a:buFont typeface="Arial" panose="020B0604020202020204" pitchFamily="34" charset="0"/>
-              <a:buChar char="•"/>
-            </a:pPr>
-            <a:r>
-              <a:rPr lang="de-DE" dirty="0" smtClean="0"/>
-              <a:t>IP-Zuweisung über Router funktionierte nicht </a:t>
-            </a:r>
-            <a:r>
-              <a:rPr lang="de-DE" dirty="0" smtClean="0">
-                <a:sym typeface="Wingdings" panose="05000000000000000000" pitchFamily="2" charset="2"/>
-              </a:rPr>
-              <a:t> Statische IP-Adresse</a:t>
-            </a:r>
-          </a:p>
-          <a:p>
-            <a:pPr lvl="1">
-              <a:buFont typeface="Arial" panose="020B0604020202020204" pitchFamily="34" charset="0"/>
-              <a:buChar char="•"/>
-            </a:pPr>
-            <a:endParaRPr lang="de-DE" dirty="0" smtClean="0">
-              <a:sym typeface="Wingdings" panose="05000000000000000000" pitchFamily="2" charset="2"/>
-            </a:endParaRPr>
-          </a:p>
-          <a:p>
-            <a:pPr lvl="1">
-              <a:buFont typeface="Arial" panose="020B0604020202020204" pitchFamily="34" charset="0"/>
-              <a:buChar char="•"/>
-            </a:pPr>
-            <a:r>
-              <a:rPr lang="de-DE" dirty="0" err="1" smtClean="0">
-                <a:sym typeface="Wingdings" panose="05000000000000000000" pitchFamily="2" charset="2"/>
-              </a:rPr>
-              <a:t>Spannungsversorung</a:t>
-            </a:r>
-            <a:r>
-              <a:rPr lang="de-DE" dirty="0" smtClean="0">
-                <a:sym typeface="Wingdings" panose="05000000000000000000" pitchFamily="2" charset="2"/>
-              </a:rPr>
-              <a:t> / Stromschwankungen</a:t>
-            </a:r>
-          </a:p>
-          <a:p>
-            <a:pPr lvl="3">
-              <a:buFont typeface="Arial" panose="020B0604020202020204" pitchFamily="34" charset="0"/>
-              <a:buChar char="•"/>
-            </a:pPr>
-            <a:r>
-              <a:rPr lang="de-DE" dirty="0" smtClean="0">
-                <a:sym typeface="Wingdings" panose="05000000000000000000" pitchFamily="2" charset="2"/>
-              </a:rPr>
-              <a:t>Senden schlug Fehl bis extern ein Strom indiziert wurde über die Eingangspins des ESP</a:t>
-            </a:r>
-            <a:endParaRPr lang="de-DE" dirty="0"/>
           </a:p>
           <a:p>
             <a:pPr>
@@ -13030,8 +16575,118 @@
               <a:buFont typeface="Arial" panose="020B0604020202020204" pitchFamily="34" charset="0"/>
               <a:buChar char="•"/>
             </a:pPr>
+            <a:r>
+              <a:rPr lang="de-DE" dirty="0"/>
+              <a:t>AT+CIPMUX=1		</a:t>
+            </a:r>
+          </a:p>
+          <a:p>
+            <a:pPr lvl="3">
+              <a:buFont typeface="Arial" panose="020B0604020202020204" pitchFamily="34" charset="0"/>
+              <a:buChar char="•"/>
+            </a:pPr>
+            <a:r>
+              <a:rPr lang="de-DE" dirty="0"/>
+              <a:t>Modus: mehrere Verbindungen möglich</a:t>
+            </a:r>
+          </a:p>
+          <a:p>
+            <a:pPr>
+              <a:buFont typeface="Arial" panose="020B0604020202020204" pitchFamily="34" charset="0"/>
+              <a:buChar char="•"/>
+            </a:pPr>
             <a:endParaRPr lang="de-DE" dirty="0"/>
           </a:p>
+          <a:p>
+            <a:pPr>
+              <a:buFont typeface="Arial" panose="020B0604020202020204" pitchFamily="34" charset="0"/>
+              <a:buChar char="•"/>
+            </a:pPr>
+            <a:r>
+              <a:rPr lang="de-DE" dirty="0"/>
+              <a:t>AT+CIPSTA= "192.x.x.x " 	</a:t>
+            </a:r>
+          </a:p>
+          <a:p>
+            <a:pPr lvl="3">
+              <a:buFont typeface="Arial" panose="020B0604020202020204" pitchFamily="34" charset="0"/>
+              <a:buChar char="•"/>
+            </a:pPr>
+            <a:r>
+              <a:rPr lang="de-DE" dirty="0"/>
+              <a:t>Statische IP-Adresse im eigenen Subnetz</a:t>
+            </a:r>
+          </a:p>
+          <a:p>
+            <a:pPr lvl="3">
+              <a:buFont typeface="Arial" panose="020B0604020202020204" pitchFamily="34" charset="0"/>
+              <a:buChar char="•"/>
+            </a:pPr>
+            <a:r>
+              <a:rPr lang="de-DE" dirty="0"/>
+              <a:t>IP-Zuweisung über Router funktionierte nicht </a:t>
+            </a:r>
+            <a:r>
+              <a:rPr lang="de-DE" dirty="0">
+                <a:sym typeface="Wingdings" panose="05000000000000000000" pitchFamily="2" charset="2"/>
+              </a:rPr>
+              <a:t> Statische IP-Adresse</a:t>
+            </a:r>
+          </a:p>
+          <a:p>
+            <a:pPr lvl="1">
+              <a:buFont typeface="Arial" panose="020B0604020202020204" pitchFamily="34" charset="0"/>
+              <a:buChar char="•"/>
+            </a:pPr>
+            <a:endParaRPr lang="de-DE" dirty="0">
+              <a:sym typeface="Wingdings" panose="05000000000000000000" pitchFamily="2" charset="2"/>
+            </a:endParaRPr>
+          </a:p>
+          <a:p>
+            <a:pPr lvl="1">
+              <a:buFont typeface="Arial" panose="020B0604020202020204" pitchFamily="34" charset="0"/>
+              <a:buChar char="•"/>
+            </a:pPr>
+            <a:r>
+              <a:rPr lang="de-DE" dirty="0" err="1">
+                <a:sym typeface="Wingdings" panose="05000000000000000000" pitchFamily="2" charset="2"/>
+              </a:rPr>
+              <a:t>Spannungsversorung</a:t>
+            </a:r>
+            <a:r>
+              <a:rPr lang="de-DE" dirty="0">
+                <a:sym typeface="Wingdings" panose="05000000000000000000" pitchFamily="2" charset="2"/>
+              </a:rPr>
+              <a:t> / Stromschwankungen</a:t>
+            </a:r>
+          </a:p>
+          <a:p>
+            <a:pPr lvl="3">
+              <a:buFont typeface="Arial" panose="020B0604020202020204" pitchFamily="34" charset="0"/>
+              <a:buChar char="•"/>
+            </a:pPr>
+            <a:r>
+              <a:rPr lang="de-DE" dirty="0">
+                <a:sym typeface="Wingdings" panose="05000000000000000000" pitchFamily="2" charset="2"/>
+              </a:rPr>
+              <a:t>Senden schlug Fehl bis extern ein Strom indiziert wurde über die Eingangspins des ESP</a:t>
+            </a:r>
+            <a:endParaRPr lang="de-DE" dirty="0"/>
+          </a:p>
+          <a:p>
+            <a:pPr>
+              <a:buFont typeface="Arial" panose="020B0604020202020204" pitchFamily="34" charset="0"/>
+              <a:buChar char="•"/>
+            </a:pPr>
+            <a:endParaRPr lang="de-DE" dirty="0"/>
+          </a:p>
+          <a:p>
+            <a:pPr>
+              <a:buFont typeface="Arial" panose="020B0604020202020204" pitchFamily="34" charset="0"/>
+              <a:buChar char="•"/>
+            </a:pPr>
+            <a:endParaRPr lang="de-DE" dirty="0"/>
+          </a:p>
         </p:txBody>
       </p:sp>
       <p:sp>
@@ -13051,13 +16706,8 @@
           <a:p>
             <a:r>
               <a:rPr lang="de-DE" dirty="0"/>
-              <a:t>ESP - </a:t>
-            </a:r>
-            <a:r>
-              <a:rPr lang="de-DE" dirty="0" smtClean="0"/>
-              <a:t>Probleme</a:t>
-            </a:r>
-            <a:endParaRPr lang="de-DE" dirty="0"/>
+              <a:t>ESP - Probleme</a:t>
+            </a:r>
           </a:p>
         </p:txBody>
       </p:sp>
@@ -13077,7 +16727,7 @@
           <a:lstStyle/>
           <a:p>
             <a:r>
-              <a:rPr lang="de-DE" altLang="de-DE" smtClean="0"/>
+              <a:rPr lang="de-DE" altLang="de-DE"/>
               <a:t>Hochschule Mannheim | Julia Geigl, Klemens Behr, Kevin Höfle</a:t>
             </a:r>
             <a:endParaRPr lang="de-DE" altLang="de-DE" dirty="0"/>
@@ -13095,13 +16745,6 @@
     <a:masterClrMapping/>
   </p:clrMapOvr>
   <p:transition/>
-  <p:timing>
-    <p:tnLst>
-      <p:par>
-        <p:cTn id="1" dur="indefinite" restart="never" nodeType="tmRoot"/>
-      </p:par>
-    </p:tnLst>
-  </p:timing>
 </p:sld>
 </file>
 
@@ -13359,7 +17002,7 @@
           <a:lstStyle/>
           <a:p>
             <a:r>
-              <a:rPr lang="de-DE" altLang="de-DE" smtClean="0"/>
+              <a:rPr lang="de-DE" altLang="de-DE"/>
               <a:t>Hochschule Mannheim | Julia Geigl, Klemens Behr, Kevin Höfle</a:t>
             </a:r>
             <a:endParaRPr lang="de-DE" altLang="de-DE" dirty="0"/>
@@ -13377,13 +17020,6 @@
     <a:masterClrMapping/>
   </p:clrMapOvr>
   <p:transition/>
-  <p:timing>
-    <p:tnLst>
-      <p:par>
-        <p:cTn id="1" dur="indefinite" restart="never" nodeType="tmRoot"/>
-      </p:par>
-    </p:tnLst>
-  </p:timing>
 </p:sld>
 </file>
 
@@ -13471,7 +17107,7 @@
           <a:lstStyle/>
           <a:p>
             <a:r>
-              <a:rPr lang="de-DE" altLang="de-DE" smtClean="0"/>
+              <a:rPr lang="de-DE" altLang="de-DE"/>
               <a:t>Hochschule Mannheim | Julia Geigl, Klemens Behr, Kevin Höfle</a:t>
             </a:r>
             <a:endParaRPr lang="de-DE" altLang="de-DE" dirty="0"/>
@@ -13489,13 +17125,6 @@
     <a:masterClrMapping/>
   </p:clrMapOvr>
   <p:transition/>
-  <p:timing>
-    <p:tnLst>
-      <p:par>
-        <p:cTn id="1" dur="indefinite" restart="never" nodeType="tmRoot"/>
-      </p:par>
-    </p:tnLst>
-  </p:timing>
 </p:sld>
 </file>
 
@@ -13578,7 +17207,7 @@
           <a:lstStyle/>
           <a:p>
             <a:r>
-              <a:rPr lang="de-DE" altLang="de-DE" smtClean="0"/>
+              <a:rPr lang="de-DE" altLang="de-DE"/>
               <a:t>Hochschule Mannheim | Julia Geigl, Klemens Behr, Kevin Höfle</a:t>
             </a:r>
             <a:endParaRPr lang="de-DE" altLang="de-DE" dirty="0"/>
@@ -13729,18 +17358,13 @@
           <a:p>
             <a:pPr algn="ctr"/>
             <a:r>
-              <a:rPr lang="de-DE" dirty="0" smtClean="0">
+              <a:rPr lang="de-DE" dirty="0">
                 <a:solidFill>
                   <a:schemeClr val="tx1"/>
                 </a:solidFill>
               </a:rPr>
               <a:t>Status</a:t>
             </a:r>
-            <a:endParaRPr lang="de-DE" dirty="0">
-              <a:solidFill>
-                <a:schemeClr val="tx1"/>
-              </a:solidFill>
-            </a:endParaRPr>
           </a:p>
         </p:txBody>
       </p:sp>
@@ -13963,7 +17587,7 @@
           <p:nvPr/>
         </p:nvPicPr>
         <p:blipFill>
-          <a:blip r:embed="rId2">
+          <a:blip r:embed="rId3">
             <a:extLst>
               <a:ext uri="{28A0092B-C50C-407E-A947-70E740481C1C}">
                 <a14:useLocalDpi xmlns:a14="http://schemas.microsoft.com/office/drawing/2010/main" val="0"/>
@@ -14007,13 +17631,6 @@
     <a:masterClrMapping/>
   </p:clrMapOvr>
   <p:transition/>
-  <p:timing>
-    <p:tnLst>
-      <p:par>
-        <p:cTn id="1" dur="indefinite" restart="never" nodeType="tmRoot"/>
-      </p:par>
-    </p:tnLst>
-  </p:timing>
 </p:sld>
 </file>
 
@@ -14096,7 +17713,7 @@
           <a:lstStyle/>
           <a:p>
             <a:r>
-              <a:rPr lang="de-DE" altLang="de-DE" smtClean="0"/>
+              <a:rPr lang="de-DE" altLang="de-DE"/>
               <a:t>Hochschule Mannheim | Julia Geigl, Klemens Behr, Kevin Höfle</a:t>
             </a:r>
             <a:endParaRPr lang="de-DE" altLang="de-DE" dirty="0"/>
@@ -14253,11 +17870,6 @@
               </a:rPr>
               <a:t>Status</a:t>
             </a:r>
-            <a:endParaRPr lang="de-DE" dirty="0">
-              <a:solidFill>
-                <a:schemeClr val="tx1"/>
-              </a:solidFill>
-            </a:endParaRPr>
           </a:p>
         </p:txBody>
       </p:sp>
@@ -14480,7 +18092,7 @@
           <p:nvPr/>
         </p:nvPicPr>
         <p:blipFill>
-          <a:blip r:embed="rId2">
+          <a:blip r:embed="rId3">
             <a:extLst>
               <a:ext uri="{28A0092B-C50C-407E-A947-70E740481C1C}">
                 <a14:useLocalDpi xmlns:a14="http://schemas.microsoft.com/office/drawing/2010/main" val="0"/>
@@ -14524,13 +18136,6 @@
     <a:masterClrMapping/>
   </p:clrMapOvr>
   <p:transition/>
-  <p:timing>
-    <p:tnLst>
-      <p:par>
-        <p:cTn id="1" dur="indefinite" restart="never" nodeType="tmRoot"/>
-      </p:par>
-    </p:tnLst>
-  </p:timing>
 </p:sld>
 </file>
 
@@ -14613,7 +18218,7 @@
           <a:lstStyle/>
           <a:p>
             <a:r>
-              <a:rPr lang="de-DE" altLang="de-DE" smtClean="0"/>
+              <a:rPr lang="de-DE" altLang="de-DE"/>
               <a:t>Hochschule Mannheim | Julia Geigl, Klemens Behr, Kevin Höfle</a:t>
             </a:r>
             <a:endParaRPr lang="de-DE" altLang="de-DE" dirty="0"/>
@@ -14770,11 +18375,6 @@
               </a:rPr>
               <a:t>Status</a:t>
             </a:r>
-            <a:endParaRPr lang="de-DE" dirty="0">
-              <a:solidFill>
-                <a:schemeClr val="tx1"/>
-              </a:solidFill>
-            </a:endParaRPr>
           </a:p>
         </p:txBody>
       </p:sp>
@@ -15115,13 +18715,6 @@
     <a:masterClrMapping/>
   </p:clrMapOvr>
   <p:transition/>
-  <p:timing>
-    <p:tnLst>
-      <p:par>
-        <p:cTn id="1" dur="indefinite" restart="never" nodeType="tmRoot"/>
-      </p:par>
-    </p:tnLst>
-  </p:timing>
 </p:sld>
 </file>
 
@@ -15213,7 +18806,7 @@
           <a:lstStyle/>
           <a:p>
             <a:r>
-              <a:rPr lang="de-DE" altLang="de-DE" smtClean="0"/>
+              <a:rPr lang="de-DE" altLang="de-DE"/>
               <a:t>Hochschule Mannheim | Julia Geigl, Klemens Behr, Kevin Höfle</a:t>
             </a:r>
             <a:endParaRPr lang="de-DE" altLang="de-DE" dirty="0"/>
@@ -15231,13 +18824,6 @@
     <a:masterClrMapping/>
   </p:clrMapOvr>
   <p:transition/>
-  <p:timing>
-    <p:tnLst>
-      <p:par>
-        <p:cTn id="1" dur="indefinite" restart="never" nodeType="tmRoot"/>
-      </p:par>
-    </p:tnLst>
-  </p:timing>
 </p:sld>
 </file>
 
@@ -15336,7 +18922,7 @@
           <a:lstStyle/>
           <a:p>
             <a:r>
-              <a:rPr lang="de-DE" altLang="de-DE" smtClean="0"/>
+              <a:rPr lang="de-DE" altLang="de-DE"/>
               <a:t>Hochschule Mannheim | Julia Geigl, Klemens Behr, Kevin Höfle</a:t>
             </a:r>
             <a:endParaRPr lang="de-DE" altLang="de-DE" dirty="0"/>
@@ -15488,11 +19074,6 @@
               </a:rPr>
               <a:t>Status</a:t>
             </a:r>
-            <a:endParaRPr lang="de-DE" dirty="0">
-              <a:solidFill>
-                <a:schemeClr val="tx1"/>
-              </a:solidFill>
-            </a:endParaRPr>
           </a:p>
         </p:txBody>
       </p:sp>
@@ -15769,13 +19350,6 @@
     <a:masterClrMapping/>
   </p:clrMapOvr>
   <p:transition/>
-  <p:timing>
-    <p:tnLst>
-      <p:par>
-        <p:cTn id="1" dur="indefinite" restart="never" nodeType="tmRoot"/>
-      </p:par>
-    </p:tnLst>
-  </p:timing>
 </p:sld>
 </file>
 
@@ -15938,7 +19512,7 @@
           <a:lstStyle/>
           <a:p>
             <a:r>
-              <a:rPr lang="de-DE" altLang="de-DE" smtClean="0"/>
+              <a:rPr lang="de-DE" altLang="de-DE"/>
               <a:t>Hochschule Mannheim | Julia Geigl, Klemens Behr, Kevin Höfle</a:t>
             </a:r>
             <a:endParaRPr lang="de-DE" altLang="de-DE" dirty="0"/>
@@ -15956,13 +19530,6 @@
     <a:masterClrMapping/>
   </p:clrMapOvr>
   <p:transition/>
-  <p:timing>
-    <p:tnLst>
-      <p:par>
-        <p:cTn id="1" dur="indefinite" restart="never" nodeType="tmRoot"/>
-      </p:par>
-    </p:tnLst>
-  </p:timing>
 </p:sld>
 </file>
 
@@ -16119,7 +19686,7 @@
             </a:r>
             <a:r>
               <a:rPr lang="de-DE" sz="2000" dirty="0">
-                <a:hlinkClick r:id="rId2"/>
+                <a:hlinkClick r:id="rId3"/>
               </a:rPr>
               <a:t>https://io.adafruit.com/</a:t>
             </a:r>
@@ -16226,7 +19793,7 @@
           <a:lstStyle/>
           <a:p>
             <a:r>
-              <a:rPr lang="de-DE" altLang="de-DE" smtClean="0"/>
+              <a:rPr lang="de-DE" altLang="de-DE"/>
               <a:t>Hochschule Mannheim | Julia Geigl, Klemens Behr, Kevin Höfle</a:t>
             </a:r>
             <a:endParaRPr lang="de-DE" altLang="de-DE" dirty="0"/>
@@ -16242,7 +19809,7 @@
           <p:nvPr/>
         </p:nvPicPr>
         <p:blipFill>
-          <a:blip r:embed="rId3">
+          <a:blip r:embed="rId4">
             <a:extLst>
               <a:ext uri="{28A0092B-C50C-407E-A947-70E740481C1C}">
                 <a14:useLocalDpi xmlns:a14="http://schemas.microsoft.com/office/drawing/2010/main" val="0"/>
@@ -16285,13 +19852,6 @@
     <a:masterClrMapping/>
   </p:clrMapOvr>
   <p:transition/>
-  <p:timing>
-    <p:tnLst>
-      <p:par>
-        <p:cTn id="1" dur="indefinite" restart="never" nodeType="tmRoot"/>
-      </p:par>
-    </p:tnLst>
-  </p:timing>
 </p:sld>
 </file>
 
@@ -16509,7 +20069,7 @@
           <a:lstStyle/>
           <a:p>
             <a:r>
-              <a:rPr lang="de-DE" altLang="de-DE" smtClean="0"/>
+              <a:rPr lang="de-DE" altLang="de-DE"/>
               <a:t>Hochschule Mannheim | Julia Geigl, Klemens Behr, Kevin Höfle</a:t>
             </a:r>
             <a:endParaRPr lang="de-DE" altLang="de-DE" dirty="0"/>
@@ -16525,7 +20085,7 @@
           <p:nvPr/>
         </p:nvPicPr>
         <p:blipFill>
-          <a:blip r:embed="rId2"/>
+          <a:blip r:embed="rId3"/>
           <a:stretch>
             <a:fillRect/>
           </a:stretch>
@@ -16551,13 +20111,6 @@
     <a:masterClrMapping/>
   </p:clrMapOvr>
   <p:transition/>
-  <p:timing>
-    <p:tnLst>
-      <p:par>
-        <p:cTn id="1" dur="indefinite" restart="never" nodeType="tmRoot"/>
-      </p:par>
-    </p:tnLst>
-  </p:timing>
 </p:sld>
 </file>
 
@@ -16632,7 +20185,7 @@
             </a:pPr>
             <a:r>
               <a:rPr lang="de-DE" dirty="0">
-                <a:hlinkClick r:id="rId2"/>
+                <a:hlinkClick r:id="rId3"/>
               </a:rPr>
               <a:t>https://io.adafruit.com/api/docs/#!/Feeds/all</a:t>
             </a:r>
@@ -16688,7 +20241,7 @@
           <a:lstStyle/>
           <a:p>
             <a:r>
-              <a:rPr lang="de-DE" altLang="de-DE" smtClean="0"/>
+              <a:rPr lang="de-DE" altLang="de-DE"/>
               <a:t>Hochschule Mannheim | Julia Geigl, Klemens Behr, Kevin Höfle</a:t>
             </a:r>
             <a:endParaRPr lang="de-DE" altLang="de-DE" dirty="0"/>
@@ -16704,7 +20257,7 @@
           <p:nvPr/>
         </p:nvPicPr>
         <p:blipFill>
-          <a:blip r:embed="rId3"/>
+          <a:blip r:embed="rId4"/>
           <a:stretch>
             <a:fillRect/>
           </a:stretch>
@@ -16730,13 +20283,6 @@
     <a:masterClrMapping/>
   </p:clrMapOvr>
   <p:transition/>
-  <p:timing>
-    <p:tnLst>
-      <p:par>
-        <p:cTn id="1" dur="indefinite" restart="never" nodeType="tmRoot"/>
-      </p:par>
-    </p:tnLst>
-  </p:timing>
 </p:sld>
 </file>
 
@@ -16904,7 +20450,7 @@
           <a:lstStyle/>
           <a:p>
             <a:r>
-              <a:rPr lang="de-DE" altLang="de-DE" smtClean="0"/>
+              <a:rPr lang="de-DE" altLang="de-DE"/>
               <a:t>Hochschule Mannheim | Julia Geigl, Klemens Behr, Kevin Höfle</a:t>
             </a:r>
             <a:endParaRPr lang="de-DE" altLang="de-DE" dirty="0"/>
@@ -16922,13 +20468,6 @@
     <a:masterClrMapping/>
   </p:clrMapOvr>
   <p:transition/>
-  <p:timing>
-    <p:tnLst>
-      <p:par>
-        <p:cTn id="1" dur="indefinite" restart="never" nodeType="tmRoot"/>
-      </p:par>
-    </p:tnLst>
-  </p:timing>
 </p:sld>
 </file>
 
@@ -17015,7 +20554,7 @@
           <a:lstStyle/>
           <a:p>
             <a:r>
-              <a:rPr lang="de-DE" altLang="de-DE" smtClean="0"/>
+              <a:rPr lang="de-DE" altLang="de-DE"/>
               <a:t>Hochschule Mannheim | Julia Geigl, Klemens Behr, Kevin Höfle</a:t>
             </a:r>
             <a:endParaRPr lang="de-DE" altLang="de-DE" dirty="0"/>
@@ -17031,7 +20570,7 @@
           <p:nvPr/>
         </p:nvPicPr>
         <p:blipFill>
-          <a:blip r:embed="rId2"/>
+          <a:blip r:embed="rId3"/>
           <a:stretch>
             <a:fillRect/>
           </a:stretch>
@@ -17074,18 +20613,14 @@
               <a:t>Feed enthält die Daten </a:t>
             </a:r>
             <a:r>
-              <a:rPr lang="de-DE" sz="2000" dirty="0" smtClean="0">
+              <a:rPr lang="de-DE" sz="2000" dirty="0">
                 <a:sym typeface="Wingdings" panose="05000000000000000000" pitchFamily="2" charset="2"/>
               </a:rPr>
               <a:t> </a:t>
             </a:r>
             <a:r>
-              <a:rPr lang="de-DE" sz="2000" dirty="0" smtClean="0"/>
-              <a:t> </a:t>
-            </a:r>
-            <a:r>
               <a:rPr lang="de-DE" sz="2000" dirty="0"/>
-              <a:t>Folge von Daten</a:t>
+              <a:t> Folge von Daten</a:t>
             </a:r>
           </a:p>
         </p:txBody>
@@ -17101,13 +20636,6 @@
     <a:masterClrMapping/>
   </p:clrMapOvr>
   <p:transition/>
-  <p:timing>
-    <p:tnLst>
-      <p:par>
-        <p:cTn id="1" dur="indefinite" restart="never" nodeType="tmRoot"/>
-      </p:par>
-    </p:tnLst>
-  </p:timing>
 </p:sld>
 </file>
 
@@ -17194,7 +20722,7 @@
           <a:lstStyle/>
           <a:p>
             <a:r>
-              <a:rPr lang="de-DE" altLang="de-DE" smtClean="0"/>
+              <a:rPr lang="de-DE" altLang="de-DE"/>
               <a:t>Hochschule Mannheim | Julia Geigl, Klemens Behr, Kevin Höfle</a:t>
             </a:r>
             <a:endParaRPr lang="de-DE" altLang="de-DE" dirty="0"/>
@@ -17307,13 +20835,6 @@
     <a:masterClrMapping/>
   </p:clrMapOvr>
   <p:transition/>
-  <p:timing>
-    <p:tnLst>
-      <p:par>
-        <p:cTn id="1" dur="indefinite" restart="never" nodeType="tmRoot"/>
-      </p:par>
-    </p:tnLst>
-  </p:timing>
 </p:sld>
 </file>
 
@@ -17400,7 +20921,7 @@
           <a:lstStyle/>
           <a:p>
             <a:r>
-              <a:rPr lang="de-DE" altLang="de-DE" smtClean="0"/>
+              <a:rPr lang="de-DE" altLang="de-DE"/>
               <a:t>Hochschule Mannheim | Julia Geigl, Klemens Behr, Kevin Höfle</a:t>
             </a:r>
             <a:endParaRPr lang="de-DE" altLang="de-DE" dirty="0"/>
@@ -17416,7 +20937,7 @@
           <p:nvPr/>
         </p:nvPicPr>
         <p:blipFill>
-          <a:blip r:embed="rId2"/>
+          <a:blip r:embed="rId3"/>
           <a:stretch>
             <a:fillRect/>
           </a:stretch>
@@ -17472,13 +20993,6 @@
     <a:masterClrMapping/>
   </p:clrMapOvr>
   <p:transition/>
-  <p:timing>
-    <p:tnLst>
-      <p:par>
-        <p:cTn id="1" dur="indefinite" restart="never" nodeType="tmRoot"/>
-      </p:par>
-    </p:tnLst>
-  </p:timing>
 </p:sld>
 </file>
 
@@ -17565,7 +21079,7 @@
           <a:lstStyle/>
           <a:p>
             <a:r>
-              <a:rPr lang="de-DE" altLang="de-DE" smtClean="0"/>
+              <a:rPr lang="de-DE" altLang="de-DE"/>
               <a:t>Hochschule Mannheim | Julia Geigl, Klemens Behr, Kevin Höfle</a:t>
             </a:r>
             <a:endParaRPr lang="de-DE" altLang="de-DE" dirty="0"/>
@@ -17581,7 +21095,7 @@
           <p:nvPr/>
         </p:nvPicPr>
         <p:blipFill>
-          <a:blip r:embed="rId2"/>
+          <a:blip r:embed="rId3"/>
           <a:stretch>
             <a:fillRect/>
           </a:stretch>
@@ -17607,13 +21121,6 @@
     <a:masterClrMapping/>
   </p:clrMapOvr>
   <p:transition/>
-  <p:timing>
-    <p:tnLst>
-      <p:par>
-        <p:cTn id="1" dur="indefinite" restart="never" nodeType="tmRoot"/>
-      </p:par>
-    </p:tnLst>
-  </p:timing>
 </p:sld>
 </file>
 
@@ -17772,7 +21279,7 @@
           <a:lstStyle/>
           <a:p>
             <a:r>
-              <a:rPr lang="de-DE" altLang="de-DE" smtClean="0"/>
+              <a:rPr lang="de-DE" altLang="de-DE"/>
               <a:t>Hochschule Mannheim | Julia Geigl, Klemens Behr, Kevin Höfle</a:t>
             </a:r>
             <a:endParaRPr lang="de-DE" altLang="de-DE" dirty="0"/>
@@ -17790,13 +21297,6 @@
     <a:masterClrMapping/>
   </p:clrMapOvr>
   <p:transition/>
-  <p:timing>
-    <p:tnLst>
-      <p:par>
-        <p:cTn id="1" dur="indefinite" restart="never" nodeType="tmRoot"/>
-      </p:par>
-    </p:tnLst>
-  </p:timing>
 </p:sld>
 </file>
 
@@ -17883,7 +21383,7 @@
           <a:lstStyle/>
           <a:p>
             <a:r>
-              <a:rPr lang="de-DE" altLang="de-DE" smtClean="0"/>
+              <a:rPr lang="de-DE" altLang="de-DE"/>
               <a:t>Hochschule Mannheim | Julia Geigl, Klemens Behr, Kevin Höfle</a:t>
             </a:r>
             <a:endParaRPr lang="de-DE" altLang="de-DE" dirty="0"/>
@@ -17899,7 +21399,7 @@
           <p:nvPr/>
         </p:nvPicPr>
         <p:blipFill>
-          <a:blip r:embed="rId2"/>
+          <a:blip r:embed="rId3"/>
           <a:stretch>
             <a:fillRect/>
           </a:stretch>
@@ -17955,13 +21455,6 @@
     <a:masterClrMapping/>
   </p:clrMapOvr>
   <p:transition/>
-  <p:timing>
-    <p:tnLst>
-      <p:par>
-        <p:cTn id="1" dur="indefinite" restart="never" nodeType="tmRoot"/>
-      </p:par>
-    </p:tnLst>
-  </p:timing>
 </p:sld>
 </file>
 
@@ -18015,7 +21508,7 @@
           <p:nvPr/>
         </p:nvPicPr>
         <p:blipFill>
-          <a:blip r:embed="rId2"/>
+          <a:blip r:embed="rId3"/>
           <a:stretch>
             <a:fillRect/>
           </a:stretch>
@@ -18127,7 +21620,7 @@
           <a:lstStyle/>
           <a:p>
             <a:r>
-              <a:rPr lang="de-DE" altLang="de-DE" smtClean="0"/>
+              <a:rPr lang="de-DE" altLang="de-DE"/>
               <a:t>Hochschule Mannheim | Julia Geigl, Klemens Behr, Kevin Höfle</a:t>
             </a:r>
             <a:endParaRPr lang="de-DE" altLang="de-DE" dirty="0"/>
@@ -18145,13 +21638,6 @@
     <a:masterClrMapping/>
   </p:clrMapOvr>
   <p:transition/>
-  <p:timing>
-    <p:tnLst>
-      <p:par>
-        <p:cTn id="1" dur="indefinite" restart="never" nodeType="tmRoot"/>
-      </p:par>
-    </p:tnLst>
-  </p:timing>
 </p:sld>
 </file>
 
@@ -18217,7 +21703,7 @@
             </a:pPr>
             <a:r>
               <a:rPr lang="de-DE" dirty="0">
-                <a:hlinkClick r:id="rId2"/>
+                <a:hlinkClick r:id="rId3"/>
               </a:rPr>
               <a:t>https://ifttt.com/</a:t>
             </a:r>
@@ -18334,7 +21820,7 @@
           <a:lstStyle/>
           <a:p>
             <a:r>
-              <a:rPr lang="de-DE" altLang="de-DE" smtClean="0"/>
+              <a:rPr lang="de-DE" altLang="de-DE"/>
               <a:t>Hochschule Mannheim | Julia Geigl, Klemens Behr, Kevin Höfle</a:t>
             </a:r>
             <a:endParaRPr lang="de-DE" altLang="de-DE" dirty="0"/>
@@ -18350,7 +21836,7 @@
           <p:nvPr/>
         </p:nvPicPr>
         <p:blipFill>
-          <a:blip r:embed="rId3"/>
+          <a:blip r:embed="rId4"/>
           <a:stretch>
             <a:fillRect/>
           </a:stretch>
@@ -18376,13 +21862,6 @@
     <a:masterClrMapping/>
   </p:clrMapOvr>
   <p:transition/>
-  <p:timing>
-    <p:tnLst>
-      <p:par>
-        <p:cTn id="1" dur="indefinite" restart="never" nodeType="tmRoot"/>
-      </p:par>
-    </p:tnLst>
-  </p:timing>
 </p:sld>
 </file>
 
@@ -18436,7 +21915,7 @@
           <p:nvPr/>
         </p:nvPicPr>
         <p:blipFill>
-          <a:blip r:embed="rId2"/>
+          <a:blip r:embed="rId3"/>
           <a:stretch>
             <a:fillRect/>
           </a:stretch>
@@ -18489,7 +21968,7 @@
           <a:lstStyle/>
           <a:p>
             <a:r>
-              <a:rPr lang="de-DE" altLang="de-DE" smtClean="0"/>
+              <a:rPr lang="de-DE" altLang="de-DE"/>
               <a:t>Hochschule Mannheim | Julia Geigl, Klemens Behr, Kevin Höfle</a:t>
             </a:r>
             <a:endParaRPr lang="de-DE" altLang="de-DE" dirty="0"/>
@@ -18507,13 +21986,6 @@
     <a:masterClrMapping/>
   </p:clrMapOvr>
   <p:transition/>
-  <p:timing>
-    <p:tnLst>
-      <p:par>
-        <p:cTn id="1" dur="indefinite" restart="never" nodeType="tmRoot"/>
-      </p:par>
-    </p:tnLst>
-  </p:timing>
 </p:sld>
 </file>
 
@@ -18579,12 +22051,8 @@
           <a:lstStyle/>
           <a:p>
             <a:r>
-              <a:rPr lang="de-DE" dirty="0" smtClean="0"/>
-              <a:t> </a:t>
-            </a:r>
-            <a:r>
               <a:rPr lang="de-DE" dirty="0"/>
-              <a:t>Montage</a:t>
+              <a:t> Montage</a:t>
             </a:r>
           </a:p>
         </p:txBody>
@@ -18605,7 +22073,7 @@
           <a:lstStyle/>
           <a:p>
             <a:r>
-              <a:rPr lang="de-DE" altLang="de-DE" smtClean="0"/>
+              <a:rPr lang="de-DE" altLang="de-DE"/>
               <a:t>Hochschule Mannheim | Julia Geigl, Klemens Behr, Kevin Höfle</a:t>
             </a:r>
             <a:endParaRPr lang="de-DE" altLang="de-DE" dirty="0"/>
@@ -18621,7 +22089,7 @@
           <p:nvPr/>
         </p:nvPicPr>
         <p:blipFill>
-          <a:blip r:embed="rId2" cstate="print">
+          <a:blip r:embed="rId3" cstate="print">
             <a:extLst>
               <a:ext uri="{28A0092B-C50C-407E-A947-70E740481C1C}">
                 <a14:useLocalDpi xmlns:a14="http://schemas.microsoft.com/office/drawing/2010/main" val="0"/>
@@ -18653,13 +22121,6 @@
     <a:masterClrMapping/>
   </p:clrMapOvr>
   <p:transition/>
-  <p:timing>
-    <p:tnLst>
-      <p:par>
-        <p:cTn id="1" dur="indefinite" restart="never" nodeType="tmRoot"/>
-      </p:par>
-    </p:tnLst>
-  </p:timing>
 </p:sld>
 </file>
 
@@ -19088,7 +22549,7 @@
           <a:lstStyle/>
           <a:p>
             <a:r>
-              <a:rPr lang="de-DE" altLang="de-DE" smtClean="0"/>
+              <a:rPr lang="de-DE" altLang="de-DE"/>
               <a:t>Hochschule Mannheim | Julia Geigl, Klemens Behr, Kevin Höfle</a:t>
             </a:r>
             <a:endParaRPr lang="de-DE" altLang="de-DE" dirty="0"/>
@@ -19106,17 +22567,123 @@
     <a:masterClrMapping/>
   </p:clrMapOvr>
   <p:transition/>
-  <p:timing>
-    <p:tnLst>
-      <p:par>
-        <p:cTn id="1" dur="indefinite" restart="never" nodeType="tmRoot"/>
-      </p:par>
-    </p:tnLst>
-  </p:timing>
 </p:sld>
 </file>
 
 <file path=ppt/slides/slide46.xml><?xml version="1.0" encoding="utf-8"?>
+<p:sld xmlns:a="http://schemas.openxmlformats.org/drawingml/2006/main" xmlns:r="http://schemas.openxmlformats.org/officeDocument/2006/relationships" xmlns:p="http://schemas.openxmlformats.org/presentationml/2006/main">
+  <p:cSld>
+    <p:spTree>
+      <p:nvGrpSpPr>
+        <p:cNvPr id="1" name=""/>
+        <p:cNvGrpSpPr/>
+        <p:nvPr/>
+      </p:nvGrpSpPr>
+      <p:grpSpPr>
+        <a:xfrm>
+          <a:off x="0" y="0"/>
+          <a:ext cx="0" cy="0"/>
+          <a:chOff x="0" y="0"/>
+          <a:chExt cx="0" cy="0"/>
+        </a:xfrm>
+      </p:grpSpPr>
+      <p:sp>
+        <p:nvSpPr>
+          <p:cNvPr id="2" name="Foliennummernplatzhalter 1"/>
+          <p:cNvSpPr>
+            <a:spLocks noGrp="1"/>
+          </p:cNvSpPr>
+          <p:nvPr>
+            <p:ph type="sldNum" sz="quarter" idx="11"/>
+          </p:nvPr>
+        </p:nvSpPr>
+        <p:spPr/>
+        <p:txBody>
+          <a:bodyPr/>
+          <a:lstStyle/>
+          <a:p>
+            <a:fld id="{57D12BB6-0ED4-46B6-AB23-7758AD07EFBF}" type="slidenum">
+              <a:rPr lang="de-DE" smtClean="0"/>
+              <a:pPr/>
+              <a:t>46</a:t>
+            </a:fld>
+            <a:endParaRPr lang="de-DE" dirty="0"/>
+          </a:p>
+        </p:txBody>
+      </p:sp>
+      <p:sp>
+        <p:nvSpPr>
+          <p:cNvPr id="4" name="Titel 3"/>
+          <p:cNvSpPr>
+            <a:spLocks noGrp="1"/>
+          </p:cNvSpPr>
+          <p:nvPr>
+            <p:ph type="title"/>
+          </p:nvPr>
+        </p:nvSpPr>
+        <p:spPr>
+          <a:xfrm>
+            <a:off x="827584" y="2420888"/>
+            <a:ext cx="7740650" cy="863600"/>
+          </a:xfrm>
+        </p:spPr>
+        <p:txBody>
+          <a:bodyPr/>
+          <a:lstStyle/>
+          <a:p>
+            <a:pPr algn="ctr"/>
+            <a:r>
+              <a:rPr lang="de-DE" sz="5400" dirty="0"/>
+              <a:t>Vielen dank für Ihre Aufmerksamkeit,</a:t>
+            </a:r>
+            <a:br>
+              <a:rPr lang="de-DE" sz="5400" dirty="0"/>
+            </a:br>
+            <a:r>
+              <a:rPr lang="de-DE" sz="5400" dirty="0"/>
+              <a:t>Fragen ?</a:t>
+            </a:r>
+          </a:p>
+        </p:txBody>
+      </p:sp>
+      <p:sp>
+        <p:nvSpPr>
+          <p:cNvPr id="5" name="Fußzeilenplatzhalter 4"/>
+          <p:cNvSpPr>
+            <a:spLocks noGrp="1"/>
+          </p:cNvSpPr>
+          <p:nvPr>
+            <p:ph type="ftr" sz="quarter" idx="16"/>
+          </p:nvPr>
+        </p:nvSpPr>
+        <p:spPr/>
+        <p:txBody>
+          <a:bodyPr/>
+          <a:lstStyle/>
+          <a:p>
+            <a:r>
+              <a:rPr lang="de-DE" altLang="de-DE"/>
+              <a:t>Hochschule Mannheim | Julia Geigl, Klemens Behr, Kevin Höfle</a:t>
+            </a:r>
+            <a:endParaRPr lang="de-DE" altLang="de-DE" dirty="0"/>
+          </a:p>
+        </p:txBody>
+      </p:sp>
+    </p:spTree>
+    <p:extLst>
+      <p:ext uri="{BB962C8B-B14F-4D97-AF65-F5344CB8AC3E}">
+        <p14:creationId xmlns:p14="http://schemas.microsoft.com/office/powerpoint/2010/main" val="2297616057"/>
+      </p:ext>
+    </p:extLst>
+  </p:cSld>
+  <p:clrMapOvr>
+    <a:masterClrMapping/>
+  </p:clrMapOvr>
+  <p:transition/>
+</p:sld>
+</file>
+
+<file path=ppt/slides/slide47.xml><?xml version="1.0" encoding="utf-8"?>
 <p:sld xmlns:a="http://schemas.openxmlformats.org/drawingml/2006/main" xmlns:r="http://schemas.openxmlformats.org/officeDocument/2006/relationships" xmlns:p="http://schemas.openxmlformats.org/presentationml/2006/main" show="0">
   <p:cSld>
     <p:spTree>
@@ -19151,7 +22718,7 @@
             <a:fld id="{57D12BB6-0ED4-46B6-AB23-7758AD07EFBF}" type="slidenum">
               <a:rPr lang="de-DE" smtClean="0"/>
               <a:pPr/>
-              <a:t>46</a:t>
+              <a:t>47</a:t>
             </a:fld>
             <a:endParaRPr lang="de-DE" dirty="0"/>
           </a:p>
@@ -19200,7 +22767,7 @@
           <a:lstStyle/>
           <a:p>
             <a:r>
-              <a:rPr lang="de-DE" altLang="de-DE" smtClean="0"/>
+              <a:rPr lang="de-DE" altLang="de-DE"/>
               <a:t>Hochschule Mannheim | Julia Geigl, Klemens Behr, Kevin Höfle</a:t>
             </a:r>
             <a:endParaRPr lang="de-DE" altLang="de-DE" dirty="0"/>
@@ -19766,17 +23333,10 @@
     <a:masterClrMapping/>
   </p:clrMapOvr>
   <p:transition/>
-  <p:timing>
-    <p:tnLst>
-      <p:par>
-        <p:cTn id="1" dur="indefinite" restart="never" nodeType="tmRoot"/>
-      </p:par>
-    </p:tnLst>
-  </p:timing>
 </p:sld>
 </file>
 
-<file path=ppt/slides/slide47.xml><?xml version="1.0" encoding="utf-8"?>
+<file path=ppt/slides/slide48.xml><?xml version="1.0" encoding="utf-8"?>
 <p:sld xmlns:a="http://schemas.openxmlformats.org/drawingml/2006/main" xmlns:r="http://schemas.openxmlformats.org/officeDocument/2006/relationships" xmlns:p="http://schemas.openxmlformats.org/presentationml/2006/main" show="0">
   <p:cSld>
     <p:spTree>
@@ -19811,7 +23371,7 @@
             <a:fld id="{57D12BB6-0ED4-46B6-AB23-7758AD07EFBF}" type="slidenum">
               <a:rPr lang="de-DE" smtClean="0"/>
               <a:pPr/>
-              <a:t>47</a:t>
+              <a:t>48</a:t>
             </a:fld>
             <a:endParaRPr lang="de-DE" dirty="0"/>
           </a:p>
@@ -19867,7 +23427,7 @@
           <a:lstStyle/>
           <a:p>
             <a:r>
-              <a:rPr lang="de-DE" altLang="de-DE" smtClean="0"/>
+              <a:rPr lang="de-DE" altLang="de-DE"/>
               <a:t>Hochschule Mannheim | Julia Geigl, Klemens Behr, Kevin Höfle</a:t>
             </a:r>
             <a:endParaRPr lang="de-DE" altLang="de-DE" dirty="0"/>
@@ -19912,7 +23472,7 @@
 </p:sld>
 </file>
 
-<file path=ppt/slides/slide48.xml><?xml version="1.0" encoding="utf-8"?>
+<file path=ppt/slides/slide49.xml><?xml version="1.0" encoding="utf-8"?>
 <p:sld xmlns:a="http://schemas.openxmlformats.org/drawingml/2006/main" xmlns:r="http://schemas.openxmlformats.org/officeDocument/2006/relationships" xmlns:p="http://schemas.openxmlformats.org/presentationml/2006/main" show="0">
   <p:cSld>
     <p:spTree>
@@ -19947,7 +23507,7 @@
             <a:fld id="{57D12BB6-0ED4-46B6-AB23-7758AD07EFBF}" type="slidenum">
               <a:rPr lang="de-DE" smtClean="0"/>
               <a:pPr/>
-              <a:t>48</a:t>
+              <a:t>49</a:t>
             </a:fld>
             <a:endParaRPr lang="de-DE" dirty="0"/>
           </a:p>
@@ -20003,7 +23563,7 @@
           <a:lstStyle/>
           <a:p>
             <a:r>
-              <a:rPr lang="de-DE" altLang="de-DE" smtClean="0"/>
+              <a:rPr lang="de-DE" altLang="de-DE"/>
               <a:t>Hochschule Mannheim | Julia Geigl, Klemens Behr, Kevin Höfle</a:t>
             </a:r>
             <a:endParaRPr lang="de-DE" altLang="de-DE" dirty="0"/>
@@ -20341,7 +23901,7 @@
           <a:lstStyle/>
           <a:p>
             <a:r>
-              <a:rPr lang="de-DE" altLang="de-DE" smtClean="0"/>
+              <a:rPr lang="de-DE" altLang="de-DE"/>
               <a:t>Hochschule Mannheim | Julia Geigl, Klemens Behr, Kevin Höfle</a:t>
             </a:r>
             <a:endParaRPr lang="de-DE" altLang="de-DE" dirty="0"/>
@@ -20357,7 +23917,7 @@
           <p:nvPr/>
         </p:nvPicPr>
         <p:blipFill>
-          <a:blip r:embed="rId2">
+          <a:blip r:embed="rId3">
             <a:extLst>
               <a:ext uri="{28A0092B-C50C-407E-A947-70E740481C1C}">
                 <a14:useLocalDpi xmlns:a14="http://schemas.microsoft.com/office/drawing/2010/main" val="0"/>
@@ -20442,18 +24002,11 @@
     <a:masterClrMapping/>
   </p:clrMapOvr>
   <p:transition/>
-  <p:timing>
-    <p:tnLst>
-      <p:par>
-        <p:cTn id="1" dur="indefinite" restart="never" nodeType="tmRoot"/>
-      </p:par>
-    </p:tnLst>
-  </p:timing>
 </p:sld>
 </file>
 
 <file path=ppt/slides/slide6.xml><?xml version="1.0" encoding="utf-8"?>
-<p:sld xmlns:a="http://schemas.openxmlformats.org/drawingml/2006/main" xmlns:r="http://schemas.openxmlformats.org/officeDocument/2006/relationships" xmlns:p="http://schemas.openxmlformats.org/presentationml/2006/main">
+<p:sld xmlns:a="http://schemas.openxmlformats.org/drawingml/2006/main" xmlns:r="http://schemas.openxmlformats.org/officeDocument/2006/relationships" xmlns:p="http://schemas.openxmlformats.org/presentationml/2006/main" show="0">
   <p:cSld>
     <p:spTree>
       <p:nvGrpSpPr>
@@ -20726,7 +24279,7 @@
           <a:lstStyle/>
           <a:p>
             <a:r>
-              <a:rPr lang="de-DE" altLang="de-DE" smtClean="0"/>
+              <a:rPr lang="de-DE" altLang="de-DE"/>
               <a:t>Hochschule Mannheim | Julia Geigl, Klemens Behr, Kevin Höfle</a:t>
             </a:r>
             <a:endParaRPr lang="de-DE" altLang="de-DE" dirty="0"/>
@@ -20744,13 +24297,6 @@
     <a:masterClrMapping/>
   </p:clrMapOvr>
   <p:transition/>
-  <p:timing>
-    <p:tnLst>
-      <p:par>
-        <p:cTn id="1" dur="indefinite" restart="never" nodeType="tmRoot"/>
-      </p:par>
-    </p:tnLst>
-  </p:timing>
 </p:sld>
 </file>
 
@@ -20849,7 +24395,7 @@
           <a:lstStyle/>
           <a:p>
             <a:r>
-              <a:rPr lang="de-DE" altLang="de-DE" smtClean="0"/>
+              <a:rPr lang="de-DE" altLang="de-DE"/>
               <a:t>Hochschule Mannheim | Julia Geigl, Klemens Behr, Kevin Höfle</a:t>
             </a:r>
             <a:endParaRPr lang="de-DE" altLang="de-DE" dirty="0"/>
@@ -20865,7 +24411,7 @@
           <p:nvPr/>
         </p:nvPicPr>
         <p:blipFill>
-          <a:blip r:embed="rId2" cstate="print">
+          <a:blip r:embed="rId3" cstate="print">
             <a:extLst>
               <a:ext uri="{28A0092B-C50C-407E-A947-70E740481C1C}">
                 <a14:useLocalDpi xmlns:a14="http://schemas.microsoft.com/office/drawing/2010/main" val="0"/>
@@ -20906,7 +24452,7 @@
           <p:nvPr/>
         </p:nvPicPr>
         <p:blipFill>
-          <a:blip r:embed="rId3" cstate="print">
+          <a:blip r:embed="rId4" cstate="print">
             <a:extLst>
               <a:ext uri="{28A0092B-C50C-407E-A947-70E740481C1C}">
                 <a14:useLocalDpi xmlns:a14="http://schemas.microsoft.com/office/drawing/2010/main" val="0"/>
@@ -20960,7 +24506,7 @@
           <p:nvPr/>
         </p:nvPicPr>
         <p:blipFill>
-          <a:blip r:embed="rId4">
+          <a:blip r:embed="rId5">
             <a:extLst>
               <a:ext uri="{28A0092B-C50C-407E-A947-70E740481C1C}">
                 <a14:useLocalDpi xmlns:a14="http://schemas.microsoft.com/office/drawing/2010/main" val="0"/>
@@ -21179,13 +24725,6 @@
     <a:masterClrMapping/>
   </p:clrMapOvr>
   <p:transition/>
-  <p:timing>
-    <p:tnLst>
-      <p:par>
-        <p:cTn id="1" dur="indefinite" restart="never" nodeType="tmRoot"/>
-      </p:par>
-    </p:tnLst>
-  </p:timing>
 </p:sld>
 </file>
 
@@ -21322,7 +24861,7 @@
           <a:lstStyle/>
           <a:p>
             <a:r>
-              <a:rPr lang="de-DE" altLang="de-DE" smtClean="0"/>
+              <a:rPr lang="de-DE" altLang="de-DE"/>
               <a:t>Hochschule Mannheim | Julia Geigl, Klemens Behr, Kevin Höfle</a:t>
             </a:r>
             <a:endParaRPr lang="de-DE" altLang="de-DE" dirty="0"/>
@@ -21340,13 +24879,6 @@
     <a:masterClrMapping/>
   </p:clrMapOvr>
   <p:transition/>
-  <p:timing>
-    <p:tnLst>
-      <p:par>
-        <p:cTn id="1" dur="indefinite" restart="never" nodeType="tmRoot"/>
-      </p:par>
-    </p:tnLst>
-  </p:timing>
 </p:sld>
 </file>
 
@@ -21434,7 +24966,7 @@
           <a:lstStyle/>
           <a:p>
             <a:r>
-              <a:rPr lang="de-DE" altLang="de-DE" smtClean="0"/>
+              <a:rPr lang="de-DE" altLang="de-DE"/>
               <a:t>Hochschule Mannheim | Julia Geigl, Klemens Behr, Kevin Höfle</a:t>
             </a:r>
             <a:endParaRPr lang="de-DE" altLang="de-DE" dirty="0"/>
@@ -21639,13 +25171,6 @@
     <a:masterClrMapping/>
   </p:clrMapOvr>
   <p:transition/>
-  <p:timing>
-    <p:tnLst>
-      <p:par>
-        <p:cTn id="1" dur="indefinite" restart="never" nodeType="tmRoot"/>
-      </p:par>
-    </p:tnLst>
-  </p:timing>
 </p:sld>
 </file>
 

--- a/PES_FH_VERS.pptx
+++ b/PES_FH_VERS.pptx
@@ -6,10 +6,10 @@
     <p:sldMasterId id="2147483666" r:id="rId2"/>
   </p:sldMasterIdLst>
   <p:notesMasterIdLst>
-    <p:notesMasterId r:id="rId52"/>
+    <p:notesMasterId r:id="rId53"/>
   </p:notesMasterIdLst>
   <p:handoutMasterIdLst>
-    <p:handoutMasterId r:id="rId53"/>
+    <p:handoutMasterId r:id="rId54"/>
   </p:handoutMasterIdLst>
   <p:sldIdLst>
     <p:sldId id="256" r:id="rId3"/>
@@ -42,25 +42,26 @@
     <p:sldId id="349" r:id="rId30"/>
     <p:sldId id="350" r:id="rId31"/>
     <p:sldId id="351" r:id="rId32"/>
-    <p:sldId id="352" r:id="rId33"/>
-    <p:sldId id="353" r:id="rId34"/>
-    <p:sldId id="354" r:id="rId35"/>
-    <p:sldId id="355" r:id="rId36"/>
-    <p:sldId id="356" r:id="rId37"/>
-    <p:sldId id="332" r:id="rId38"/>
-    <p:sldId id="334" r:id="rId39"/>
-    <p:sldId id="335" r:id="rId40"/>
-    <p:sldId id="330" r:id="rId41"/>
-    <p:sldId id="333" r:id="rId42"/>
-    <p:sldId id="357" r:id="rId43"/>
-    <p:sldId id="358" r:id="rId44"/>
-    <p:sldId id="359" r:id="rId45"/>
-    <p:sldId id="360" r:id="rId46"/>
-    <p:sldId id="337" r:id="rId47"/>
-    <p:sldId id="364" r:id="rId48"/>
-    <p:sldId id="329" r:id="rId49"/>
-    <p:sldId id="331" r:id="rId50"/>
-    <p:sldId id="336" r:id="rId51"/>
+    <p:sldId id="365" r:id="rId33"/>
+    <p:sldId id="352" r:id="rId34"/>
+    <p:sldId id="353" r:id="rId35"/>
+    <p:sldId id="354" r:id="rId36"/>
+    <p:sldId id="355" r:id="rId37"/>
+    <p:sldId id="356" r:id="rId38"/>
+    <p:sldId id="332" r:id="rId39"/>
+    <p:sldId id="334" r:id="rId40"/>
+    <p:sldId id="335" r:id="rId41"/>
+    <p:sldId id="330" r:id="rId42"/>
+    <p:sldId id="333" r:id="rId43"/>
+    <p:sldId id="357" r:id="rId44"/>
+    <p:sldId id="358" r:id="rId45"/>
+    <p:sldId id="359" r:id="rId46"/>
+    <p:sldId id="360" r:id="rId47"/>
+    <p:sldId id="337" r:id="rId48"/>
+    <p:sldId id="364" r:id="rId49"/>
+    <p:sldId id="329" r:id="rId50"/>
+    <p:sldId id="331" r:id="rId51"/>
+    <p:sldId id="336" r:id="rId52"/>
   </p:sldIdLst>
   <p:sldSz cx="9144000" cy="6858000" type="screen4x3"/>
   <p:notesSz cx="6858000" cy="9144000"/>
@@ -224,6 +225,7 @@
             <p14:sldId id="349"/>
             <p14:sldId id="350"/>
             <p14:sldId id="351"/>
+            <p14:sldId id="365"/>
             <p14:sldId id="352"/>
             <p14:sldId id="353"/>
             <p14:sldId id="354"/>
@@ -1495,7 +1497,6 @@
               <a:rPr lang="de-DE" dirty="0"/>
               <a:t>kevin</a:t>
             </a:r>
-            <a:endParaRPr lang="de-DE" dirty="0"/>
           </a:p>
         </p:txBody>
       </p:sp>
@@ -1584,7 +1585,6 @@
               <a:rPr lang="de-DE" dirty="0"/>
               <a:t>kevin</a:t>
             </a:r>
-            <a:endParaRPr lang="de-DE" dirty="0"/>
           </a:p>
         </p:txBody>
       </p:sp>
@@ -1673,7 +1673,6 @@
               <a:rPr lang="de-DE" dirty="0"/>
               <a:t>kevin</a:t>
             </a:r>
-            <a:endParaRPr lang="de-DE" dirty="0"/>
           </a:p>
         </p:txBody>
       </p:sp>
@@ -1762,7 +1761,6 @@
               <a:rPr lang="de-DE" dirty="0"/>
               <a:t>kevin</a:t>
             </a:r>
-            <a:endParaRPr lang="de-DE" dirty="0"/>
           </a:p>
         </p:txBody>
       </p:sp>
@@ -1851,7 +1849,6 @@
               <a:rPr lang="de-DE" dirty="0"/>
               <a:t>kevin</a:t>
             </a:r>
-            <a:endParaRPr lang="de-DE" dirty="0"/>
           </a:p>
         </p:txBody>
       </p:sp>
@@ -1940,7 +1937,6 @@
               <a:rPr lang="de-DE" dirty="0"/>
               <a:t>kevin</a:t>
             </a:r>
-            <a:endParaRPr lang="de-DE" dirty="0"/>
           </a:p>
         </p:txBody>
       </p:sp>
@@ -2917,30 +2913,10 @@
           <a:bodyPr/>
           <a:lstStyle/>
           <a:p>
-            <a:pPr marL="0" marR="0" lvl="0" indent="0" algn="l" defTabSz="914400" rtl="0" eaLnBrk="0" fontAlgn="base" latinLnBrk="0" hangingPunct="0">
-              <a:lnSpc>
-                <a:spcPct val="100000"/>
-              </a:lnSpc>
-              <a:spcBef>
-                <a:spcPct val="30000"/>
-              </a:spcBef>
-              <a:spcAft>
-                <a:spcPct val="0"/>
-              </a:spcAft>
-              <a:buClrTx/>
-              <a:buSzTx/>
-              <a:buFontTx/>
-              <a:buNone/>
-              <a:tabLst/>
-              <a:defRPr/>
-            </a:pPr>
             <a:r>
               <a:rPr lang="de-DE" dirty="0"/>
               <a:t>Julia</a:t>
             </a:r>
-          </a:p>
-          <a:p>
-            <a:endParaRPr lang="de-DE" dirty="0"/>
           </a:p>
         </p:txBody>
       </p:sp>
@@ -2971,7 +2947,7 @@
     </p:spTree>
     <p:extLst>
       <p:ext uri="{BB962C8B-B14F-4D97-AF65-F5344CB8AC3E}">
-        <p14:creationId xmlns:p14="http://schemas.microsoft.com/office/powerpoint/2010/main" val="3214901784"/>
+        <p14:creationId xmlns:p14="http://schemas.microsoft.com/office/powerpoint/2010/main" val="422895301"/>
       </p:ext>
     </p:extLst>
   </p:cSld>
@@ -3025,10 +3001,30 @@
           <a:bodyPr/>
           <a:lstStyle/>
           <a:p>
+            <a:pPr marL="0" marR="0" lvl="0" indent="0" algn="l" defTabSz="914400" rtl="0" eaLnBrk="0" fontAlgn="base" latinLnBrk="0" hangingPunct="0">
+              <a:lnSpc>
+                <a:spcPct val="100000"/>
+              </a:lnSpc>
+              <a:spcBef>
+                <a:spcPct val="30000"/>
+              </a:spcBef>
+              <a:spcAft>
+                <a:spcPct val="0"/>
+              </a:spcAft>
+              <a:buClrTx/>
+              <a:buSzTx/>
+              <a:buFontTx/>
+              <a:buNone/>
+              <a:tabLst/>
+              <a:defRPr/>
+            </a:pPr>
             <a:r>
               <a:rPr lang="de-DE" dirty="0"/>
-              <a:t>Klemens</a:t>
-            </a:r>
+              <a:t>Julia</a:t>
+            </a:r>
+          </a:p>
+          <a:p>
+            <a:endParaRPr lang="de-DE" dirty="0"/>
           </a:p>
         </p:txBody>
       </p:sp>
@@ -3059,7 +3055,7 @@
     </p:spTree>
     <p:extLst>
       <p:ext uri="{BB962C8B-B14F-4D97-AF65-F5344CB8AC3E}">
-        <p14:creationId xmlns:p14="http://schemas.microsoft.com/office/powerpoint/2010/main" val="1560448706"/>
+        <p14:creationId xmlns:p14="http://schemas.microsoft.com/office/powerpoint/2010/main" val="3214901784"/>
       </p:ext>
     </p:extLst>
   </p:cSld>
@@ -3113,30 +3109,10 @@
           <a:bodyPr/>
           <a:lstStyle/>
           <a:p>
-            <a:pPr marL="0" marR="0" lvl="0" indent="0" algn="l" defTabSz="914400" rtl="0" eaLnBrk="0" fontAlgn="base" latinLnBrk="0" hangingPunct="0">
-              <a:lnSpc>
-                <a:spcPct val="100000"/>
-              </a:lnSpc>
-              <a:spcBef>
-                <a:spcPct val="30000"/>
-              </a:spcBef>
-              <a:spcAft>
-                <a:spcPct val="0"/>
-              </a:spcAft>
-              <a:buClrTx/>
-              <a:buSzTx/>
-              <a:buFontTx/>
-              <a:buNone/>
-              <a:tabLst/>
-              <a:defRPr/>
-            </a:pPr>
             <a:r>
               <a:rPr lang="de-DE" dirty="0"/>
               <a:t>Klemens</a:t>
             </a:r>
-          </a:p>
-          <a:p>
-            <a:endParaRPr lang="de-DE" dirty="0"/>
           </a:p>
         </p:txBody>
       </p:sp>
@@ -3167,7 +3143,7 @@
     </p:spTree>
     <p:extLst>
       <p:ext uri="{BB962C8B-B14F-4D97-AF65-F5344CB8AC3E}">
-        <p14:creationId xmlns:p14="http://schemas.microsoft.com/office/powerpoint/2010/main" val="4178248153"/>
+        <p14:creationId xmlns:p14="http://schemas.microsoft.com/office/powerpoint/2010/main" val="1560448706"/>
       </p:ext>
     </p:extLst>
   </p:cSld>
@@ -3275,7 +3251,7 @@
     </p:spTree>
     <p:extLst>
       <p:ext uri="{BB962C8B-B14F-4D97-AF65-F5344CB8AC3E}">
-        <p14:creationId xmlns:p14="http://schemas.microsoft.com/office/powerpoint/2010/main" val="3960589553"/>
+        <p14:creationId xmlns:p14="http://schemas.microsoft.com/office/powerpoint/2010/main" val="4178248153"/>
       </p:ext>
     </p:extLst>
   </p:cSld>
@@ -3491,7 +3467,7 @@
     </p:spTree>
     <p:extLst>
       <p:ext uri="{BB962C8B-B14F-4D97-AF65-F5344CB8AC3E}">
-        <p14:creationId xmlns:p14="http://schemas.microsoft.com/office/powerpoint/2010/main" val="3146656331"/>
+        <p14:creationId xmlns:p14="http://schemas.microsoft.com/office/powerpoint/2010/main" val="3960589553"/>
       </p:ext>
     </p:extLst>
   </p:cSld>
@@ -3599,7 +3575,7 @@
     </p:spTree>
     <p:extLst>
       <p:ext uri="{BB962C8B-B14F-4D97-AF65-F5344CB8AC3E}">
-        <p14:creationId xmlns:p14="http://schemas.microsoft.com/office/powerpoint/2010/main" val="3093826715"/>
+        <p14:creationId xmlns:p14="http://schemas.microsoft.com/office/powerpoint/2010/main" val="3146656331"/>
       </p:ext>
     </p:extLst>
   </p:cSld>
@@ -3698,7 +3674,7 @@
             <a:fld id="{1760A340-2167-4270-89CF-50EB6C0DB420}" type="slidenum">
               <a:rPr lang="de-DE" altLang="de-DE" smtClean="0"/>
               <a:pPr/>
-              <a:t>38</a:t>
+              <a:t>37</a:t>
             </a:fld>
             <a:endParaRPr lang="de-DE" altLang="de-DE"/>
           </a:p>
@@ -3707,7 +3683,7 @@
     </p:spTree>
     <p:extLst>
       <p:ext uri="{BB962C8B-B14F-4D97-AF65-F5344CB8AC3E}">
-        <p14:creationId xmlns:p14="http://schemas.microsoft.com/office/powerpoint/2010/main" val="3304151976"/>
+        <p14:creationId xmlns:p14="http://schemas.microsoft.com/office/powerpoint/2010/main" val="3093826715"/>
       </p:ext>
     </p:extLst>
   </p:cSld>
@@ -3815,7 +3791,7 @@
     </p:spTree>
     <p:extLst>
       <p:ext uri="{BB962C8B-B14F-4D97-AF65-F5344CB8AC3E}">
-        <p14:creationId xmlns:p14="http://schemas.microsoft.com/office/powerpoint/2010/main" val="3824539131"/>
+        <p14:creationId xmlns:p14="http://schemas.microsoft.com/office/powerpoint/2010/main" val="3304151976"/>
       </p:ext>
     </p:extLst>
   </p:cSld>
@@ -3923,7 +3899,7 @@
     </p:spTree>
     <p:extLst>
       <p:ext uri="{BB962C8B-B14F-4D97-AF65-F5344CB8AC3E}">
-        <p14:creationId xmlns:p14="http://schemas.microsoft.com/office/powerpoint/2010/main" val="2827695497"/>
+        <p14:creationId xmlns:p14="http://schemas.microsoft.com/office/powerpoint/2010/main" val="3824539131"/>
       </p:ext>
     </p:extLst>
   </p:cSld>
@@ -4031,7 +4007,7 @@
     </p:spTree>
     <p:extLst>
       <p:ext uri="{BB962C8B-B14F-4D97-AF65-F5344CB8AC3E}">
-        <p14:creationId xmlns:p14="http://schemas.microsoft.com/office/powerpoint/2010/main" val="905146764"/>
+        <p14:creationId xmlns:p14="http://schemas.microsoft.com/office/powerpoint/2010/main" val="2827695497"/>
       </p:ext>
     </p:extLst>
   </p:cSld>
@@ -4139,7 +4115,7 @@
     </p:spTree>
     <p:extLst>
       <p:ext uri="{BB962C8B-B14F-4D97-AF65-F5344CB8AC3E}">
-        <p14:creationId xmlns:p14="http://schemas.microsoft.com/office/powerpoint/2010/main" val="3610773146"/>
+        <p14:creationId xmlns:p14="http://schemas.microsoft.com/office/powerpoint/2010/main" val="905146764"/>
       </p:ext>
     </p:extLst>
   </p:cSld>
@@ -4247,7 +4223,7 @@
     </p:spTree>
     <p:extLst>
       <p:ext uri="{BB962C8B-B14F-4D97-AF65-F5344CB8AC3E}">
-        <p14:creationId xmlns:p14="http://schemas.microsoft.com/office/powerpoint/2010/main" val="3965556485"/>
+        <p14:creationId xmlns:p14="http://schemas.microsoft.com/office/powerpoint/2010/main" val="3610773146"/>
       </p:ext>
     </p:extLst>
   </p:cSld>
@@ -4347,6 +4323,114 @@
               <a:rPr lang="de-DE" altLang="de-DE" smtClean="0"/>
               <a:pPr/>
               <a:t>44</a:t>
+            </a:fld>
+            <a:endParaRPr lang="de-DE" altLang="de-DE"/>
+          </a:p>
+        </p:txBody>
+      </p:sp>
+    </p:spTree>
+    <p:extLst>
+      <p:ext uri="{BB962C8B-B14F-4D97-AF65-F5344CB8AC3E}">
+        <p14:creationId xmlns:p14="http://schemas.microsoft.com/office/powerpoint/2010/main" val="3965556485"/>
+      </p:ext>
+    </p:extLst>
+  </p:cSld>
+  <p:clrMapOvr>
+    <a:masterClrMapping/>
+  </p:clrMapOvr>
+</p:notes>
+</file>
+
+<file path=ppt/notesSlides/notesSlide39.xml><?xml version="1.0" encoding="utf-8"?>
+<p:notes xmlns:a="http://schemas.openxmlformats.org/drawingml/2006/main" xmlns:r="http://schemas.openxmlformats.org/officeDocument/2006/relationships" xmlns:p="http://schemas.openxmlformats.org/presentationml/2006/main">
+  <p:cSld>
+    <p:spTree>
+      <p:nvGrpSpPr>
+        <p:cNvPr id="1" name=""/>
+        <p:cNvGrpSpPr/>
+        <p:nvPr/>
+      </p:nvGrpSpPr>
+      <p:grpSpPr>
+        <a:xfrm>
+          <a:off x="0" y="0"/>
+          <a:ext cx="0" cy="0"/>
+          <a:chOff x="0" y="0"/>
+          <a:chExt cx="0" cy="0"/>
+        </a:xfrm>
+      </p:grpSpPr>
+      <p:sp>
+        <p:nvSpPr>
+          <p:cNvPr id="2" name="Folienbildplatzhalter 1"/>
+          <p:cNvSpPr>
+            <a:spLocks noGrp="1" noRot="1" noChangeAspect="1"/>
+          </p:cNvSpPr>
+          <p:nvPr>
+            <p:ph type="sldImg"/>
+          </p:nvPr>
+        </p:nvSpPr>
+        <p:spPr/>
+      </p:sp>
+      <p:sp>
+        <p:nvSpPr>
+          <p:cNvPr id="3" name="Notizenplatzhalter 2"/>
+          <p:cNvSpPr>
+            <a:spLocks noGrp="1"/>
+          </p:cNvSpPr>
+          <p:nvPr>
+            <p:ph type="body" idx="1"/>
+          </p:nvPr>
+        </p:nvSpPr>
+        <p:spPr/>
+        <p:txBody>
+          <a:bodyPr/>
+          <a:lstStyle/>
+          <a:p>
+            <a:pPr marL="0" marR="0" lvl="0" indent="0" algn="l" defTabSz="914400" rtl="0" eaLnBrk="0" fontAlgn="base" latinLnBrk="0" hangingPunct="0">
+              <a:lnSpc>
+                <a:spcPct val="100000"/>
+              </a:lnSpc>
+              <a:spcBef>
+                <a:spcPct val="30000"/>
+              </a:spcBef>
+              <a:spcAft>
+                <a:spcPct val="0"/>
+              </a:spcAft>
+              <a:buClrTx/>
+              <a:buSzTx/>
+              <a:buFontTx/>
+              <a:buNone/>
+              <a:tabLst/>
+              <a:defRPr/>
+            </a:pPr>
+            <a:r>
+              <a:rPr lang="de-DE" dirty="0"/>
+              <a:t>Klemens</a:t>
+            </a:r>
+          </a:p>
+          <a:p>
+            <a:endParaRPr lang="de-DE" dirty="0"/>
+          </a:p>
+        </p:txBody>
+      </p:sp>
+      <p:sp>
+        <p:nvSpPr>
+          <p:cNvPr id="4" name="Foliennummernplatzhalter 3"/>
+          <p:cNvSpPr>
+            <a:spLocks noGrp="1"/>
+          </p:cNvSpPr>
+          <p:nvPr>
+            <p:ph type="sldNum" sz="quarter" idx="10"/>
+          </p:nvPr>
+        </p:nvSpPr>
+        <p:spPr/>
+        <p:txBody>
+          <a:bodyPr/>
+          <a:lstStyle/>
+          <a:p>
+            <a:fld id="{1760A340-2167-4270-89CF-50EB6C0DB420}" type="slidenum">
+              <a:rPr lang="de-DE" altLang="de-DE" smtClean="0"/>
+              <a:pPr/>
+              <a:t>45</a:t>
             </a:fld>
             <a:endParaRPr lang="de-DE" altLang="de-DE"/>
           </a:p>
@@ -15374,6 +15458,10 @@
             <a:pPr marL="0" indent="0">
               <a:buNone/>
             </a:pPr>
+            <a:r>
+              <a:rPr lang="en-US" dirty="0"/>
+              <a:t/>
+            </a:r>
             <a:br>
               <a:rPr lang="en-US" dirty="0"/>
             </a:br>
@@ -19396,85 +19484,6 @@
       </p:sp>
       <p:sp>
         <p:nvSpPr>
-          <p:cNvPr id="3" name="Textplatzhalter 2"/>
-          <p:cNvSpPr>
-            <a:spLocks noGrp="1"/>
-          </p:cNvSpPr>
-          <p:nvPr>
-            <p:ph type="body" sz="quarter" idx="15"/>
-          </p:nvPr>
-        </p:nvSpPr>
-        <p:spPr/>
-        <p:txBody>
-          <a:bodyPr/>
-          <a:lstStyle/>
-          <a:p>
-            <a:pPr marL="285750" indent="-285750">
-              <a:buFont typeface="Arial" panose="020B0604020202020204" pitchFamily="34" charset="0"/>
-              <a:buChar char="•"/>
-            </a:pPr>
-            <a:r>
-              <a:rPr lang="de-DE" dirty="0"/>
-              <a:t>Elektronik, Tools und Zubehör aus New York [6], [11]</a:t>
-            </a:r>
-          </a:p>
-          <a:p>
-            <a:pPr marL="681038" lvl="4" indent="-285750">
-              <a:buFont typeface="Arial" panose="020B0604020202020204" pitchFamily="34" charset="0"/>
-              <a:buChar char="•"/>
-            </a:pPr>
-            <a:r>
-              <a:rPr lang="de-DE" dirty="0" err="1"/>
-              <a:t>Arduino</a:t>
-            </a:r>
-            <a:r>
-              <a:rPr lang="de-DE" dirty="0"/>
-              <a:t> R3</a:t>
-            </a:r>
-          </a:p>
-          <a:p>
-            <a:pPr marL="681038" lvl="4" indent="-285750">
-              <a:buFont typeface="Arial" panose="020B0604020202020204" pitchFamily="34" charset="0"/>
-              <a:buChar char="•"/>
-            </a:pPr>
-            <a:r>
-              <a:rPr lang="de-DE" dirty="0" err="1"/>
-              <a:t>Arduino</a:t>
-            </a:r>
-            <a:r>
-              <a:rPr lang="de-DE" dirty="0"/>
-              <a:t> </a:t>
-            </a:r>
-            <a:r>
-              <a:rPr lang="de-DE" dirty="0" err="1"/>
-              <a:t>Mega</a:t>
-            </a:r>
-            <a:endParaRPr lang="de-DE" dirty="0"/>
-          </a:p>
-          <a:p>
-            <a:pPr marL="0" lvl="1" indent="0">
-              <a:buNone/>
-            </a:pPr>
-            <a:endParaRPr lang="de-DE" dirty="0"/>
-          </a:p>
-          <a:p>
-            <a:pPr marL="309563" lvl="2" indent="-285750">
-              <a:buFont typeface="Arial" panose="020B0604020202020204" pitchFamily="34" charset="0"/>
-              <a:buChar char="•"/>
-            </a:pPr>
-            <a:endParaRPr lang="de-DE" dirty="0"/>
-          </a:p>
-          <a:p>
-            <a:pPr marL="309563" lvl="2" indent="-285750">
-              <a:buFont typeface="Arial" panose="020B0604020202020204" pitchFamily="34" charset="0"/>
-              <a:buChar char="•"/>
-            </a:pPr>
-            <a:endParaRPr lang="de-DE" dirty="0"/>
-          </a:p>
-        </p:txBody>
-      </p:sp>
-      <p:sp>
-        <p:nvSpPr>
           <p:cNvPr id="4" name="Titel 3"/>
           <p:cNvSpPr>
             <a:spLocks noGrp="1"/>
@@ -19483,16 +19492,25 @@
             <p:ph type="title"/>
           </p:nvPr>
         </p:nvSpPr>
-        <p:spPr/>
-        <p:txBody>
-          <a:bodyPr/>
-          <a:lstStyle/>
-          <a:p>
-            <a:r>
-              <a:rPr lang="de-DE" dirty="0" err="1"/>
-              <a:t>Adafruit</a:t>
-            </a:r>
-            <a:endParaRPr lang="de-DE" dirty="0"/>
+        <p:spPr>
+          <a:xfrm>
+            <a:off x="179512" y="3212976"/>
+            <a:ext cx="7164796" cy="863600"/>
+          </a:xfrm>
+        </p:spPr>
+        <p:txBody>
+          <a:bodyPr/>
+          <a:lstStyle/>
+          <a:p>
+            <a:r>
+              <a:rPr lang="de-DE" sz="5400" dirty="0" err="1" smtClean="0"/>
+              <a:t>IoT</a:t>
+            </a:r>
+            <a:r>
+              <a:rPr lang="de-DE" sz="5400" smtClean="0"/>
+              <a:t> Plattform</a:t>
+            </a:r>
+            <a:endParaRPr lang="de-DE" sz="5400" dirty="0"/>
           </a:p>
         </p:txBody>
       </p:sp>
@@ -19522,7 +19540,7 @@
     </p:spTree>
     <p:extLst>
       <p:ext uri="{BB962C8B-B14F-4D97-AF65-F5344CB8AC3E}">
-        <p14:creationId xmlns:p14="http://schemas.microsoft.com/office/powerpoint/2010/main" val="316495987"/>
+        <p14:creationId xmlns:p14="http://schemas.microsoft.com/office/powerpoint/2010/main" val="1197356487"/>
       </p:ext>
     </p:extLst>
   </p:cSld>
@@ -19569,6 +19587,186 @@
               <a:rPr lang="de-DE" smtClean="0"/>
               <a:pPr/>
               <a:t>32</a:t>
+            </a:fld>
+            <a:endParaRPr lang="de-DE" dirty="0"/>
+          </a:p>
+        </p:txBody>
+      </p:sp>
+      <p:sp>
+        <p:nvSpPr>
+          <p:cNvPr id="3" name="Textplatzhalter 2"/>
+          <p:cNvSpPr>
+            <a:spLocks noGrp="1"/>
+          </p:cNvSpPr>
+          <p:nvPr>
+            <p:ph type="body" sz="quarter" idx="15"/>
+          </p:nvPr>
+        </p:nvSpPr>
+        <p:spPr/>
+        <p:txBody>
+          <a:bodyPr/>
+          <a:lstStyle/>
+          <a:p>
+            <a:pPr marL="285750" indent="-285750">
+              <a:buFont typeface="Arial" panose="020B0604020202020204" pitchFamily="34" charset="0"/>
+              <a:buChar char="•"/>
+            </a:pPr>
+            <a:r>
+              <a:rPr lang="de-DE" dirty="0"/>
+              <a:t>Elektronik, Tools und Zubehör aus New York [6], [11]</a:t>
+            </a:r>
+          </a:p>
+          <a:p>
+            <a:pPr marL="681038" lvl="4" indent="-285750">
+              <a:buFont typeface="Arial" panose="020B0604020202020204" pitchFamily="34" charset="0"/>
+              <a:buChar char="•"/>
+            </a:pPr>
+            <a:r>
+              <a:rPr lang="de-DE" dirty="0" err="1"/>
+              <a:t>Arduino</a:t>
+            </a:r>
+            <a:r>
+              <a:rPr lang="de-DE" dirty="0"/>
+              <a:t> R3</a:t>
+            </a:r>
+          </a:p>
+          <a:p>
+            <a:pPr marL="681038" lvl="4" indent="-285750">
+              <a:buFont typeface="Arial" panose="020B0604020202020204" pitchFamily="34" charset="0"/>
+              <a:buChar char="•"/>
+            </a:pPr>
+            <a:r>
+              <a:rPr lang="de-DE" dirty="0" err="1"/>
+              <a:t>Arduino</a:t>
+            </a:r>
+            <a:r>
+              <a:rPr lang="de-DE" dirty="0"/>
+              <a:t> </a:t>
+            </a:r>
+            <a:r>
+              <a:rPr lang="de-DE" dirty="0" err="1"/>
+              <a:t>Mega</a:t>
+            </a:r>
+            <a:endParaRPr lang="de-DE" dirty="0"/>
+          </a:p>
+          <a:p>
+            <a:pPr marL="0" lvl="1" indent="0">
+              <a:buNone/>
+            </a:pPr>
+            <a:endParaRPr lang="de-DE" dirty="0"/>
+          </a:p>
+          <a:p>
+            <a:pPr marL="309563" lvl="2" indent="-285750">
+              <a:buFont typeface="Arial" panose="020B0604020202020204" pitchFamily="34" charset="0"/>
+              <a:buChar char="•"/>
+            </a:pPr>
+            <a:endParaRPr lang="de-DE" dirty="0"/>
+          </a:p>
+          <a:p>
+            <a:pPr marL="309563" lvl="2" indent="-285750">
+              <a:buFont typeface="Arial" panose="020B0604020202020204" pitchFamily="34" charset="0"/>
+              <a:buChar char="•"/>
+            </a:pPr>
+            <a:endParaRPr lang="de-DE" dirty="0"/>
+          </a:p>
+        </p:txBody>
+      </p:sp>
+      <p:sp>
+        <p:nvSpPr>
+          <p:cNvPr id="4" name="Titel 3"/>
+          <p:cNvSpPr>
+            <a:spLocks noGrp="1"/>
+          </p:cNvSpPr>
+          <p:nvPr>
+            <p:ph type="title"/>
+          </p:nvPr>
+        </p:nvSpPr>
+        <p:spPr/>
+        <p:txBody>
+          <a:bodyPr/>
+          <a:lstStyle/>
+          <a:p>
+            <a:r>
+              <a:rPr lang="de-DE" dirty="0" err="1"/>
+              <a:t>Adafruit</a:t>
+            </a:r>
+            <a:endParaRPr lang="de-DE" dirty="0"/>
+          </a:p>
+        </p:txBody>
+      </p:sp>
+      <p:sp>
+        <p:nvSpPr>
+          <p:cNvPr id="5" name="Fußzeilenplatzhalter 4"/>
+          <p:cNvSpPr>
+            <a:spLocks noGrp="1"/>
+          </p:cNvSpPr>
+          <p:nvPr>
+            <p:ph type="ftr" sz="quarter" idx="16"/>
+          </p:nvPr>
+        </p:nvSpPr>
+        <p:spPr/>
+        <p:txBody>
+          <a:bodyPr/>
+          <a:lstStyle/>
+          <a:p>
+            <a:r>
+              <a:rPr lang="de-DE" altLang="de-DE"/>
+              <a:t>Hochschule Mannheim | Julia Geigl, Klemens Behr, Kevin Höfle</a:t>
+            </a:r>
+            <a:endParaRPr lang="de-DE" altLang="de-DE" dirty="0"/>
+          </a:p>
+        </p:txBody>
+      </p:sp>
+    </p:spTree>
+    <p:extLst>
+      <p:ext uri="{BB962C8B-B14F-4D97-AF65-F5344CB8AC3E}">
+        <p14:creationId xmlns:p14="http://schemas.microsoft.com/office/powerpoint/2010/main" val="316495987"/>
+      </p:ext>
+    </p:extLst>
+  </p:cSld>
+  <p:clrMapOvr>
+    <a:masterClrMapping/>
+  </p:clrMapOvr>
+  <p:transition/>
+</p:sld>
+</file>
+
+<file path=ppt/slides/slide33.xml><?xml version="1.0" encoding="utf-8"?>
+<p:sld xmlns:a="http://schemas.openxmlformats.org/drawingml/2006/main" xmlns:r="http://schemas.openxmlformats.org/officeDocument/2006/relationships" xmlns:p="http://schemas.openxmlformats.org/presentationml/2006/main">
+  <p:cSld>
+    <p:spTree>
+      <p:nvGrpSpPr>
+        <p:cNvPr id="1" name=""/>
+        <p:cNvGrpSpPr/>
+        <p:nvPr/>
+      </p:nvGrpSpPr>
+      <p:grpSpPr>
+        <a:xfrm>
+          <a:off x="0" y="0"/>
+          <a:ext cx="0" cy="0"/>
+          <a:chOff x="0" y="0"/>
+          <a:chExt cx="0" cy="0"/>
+        </a:xfrm>
+      </p:grpSpPr>
+      <p:sp>
+        <p:nvSpPr>
+          <p:cNvPr id="2" name="Foliennummernplatzhalter 1"/>
+          <p:cNvSpPr>
+            <a:spLocks noGrp="1"/>
+          </p:cNvSpPr>
+          <p:nvPr>
+            <p:ph type="sldNum" sz="quarter" idx="11"/>
+          </p:nvPr>
+        </p:nvSpPr>
+        <p:spPr/>
+        <p:txBody>
+          <a:bodyPr/>
+          <a:lstStyle/>
+          <a:p>
+            <a:fld id="{57D12BB6-0ED4-46B6-AB23-7758AD07EFBF}" type="slidenum">
+              <a:rPr lang="de-DE" smtClean="0"/>
+              <a:pPr/>
+              <a:t>33</a:t>
             </a:fld>
             <a:endParaRPr lang="de-DE" dirty="0"/>
           </a:p>
@@ -19855,7 +20053,7 @@
 </p:sld>
 </file>
 
-<file path=ppt/slides/slide33.xml><?xml version="1.0" encoding="utf-8"?>
+<file path=ppt/slides/slide34.xml><?xml version="1.0" encoding="utf-8"?>
 <p:sld xmlns:a="http://schemas.openxmlformats.org/drawingml/2006/main" xmlns:r="http://schemas.openxmlformats.org/officeDocument/2006/relationships" xmlns:p="http://schemas.openxmlformats.org/presentationml/2006/main">
   <p:cSld>
     <p:spTree>
@@ -19890,7 +20088,7 @@
             <a:fld id="{57D12BB6-0ED4-46B6-AB23-7758AD07EFBF}" type="slidenum">
               <a:rPr lang="de-DE" smtClean="0"/>
               <a:pPr/>
-              <a:t>33</a:t>
+              <a:t>34</a:t>
             </a:fld>
             <a:endParaRPr lang="de-DE" dirty="0"/>
           </a:p>
@@ -20114,7 +20312,7 @@
 </p:sld>
 </file>
 
-<file path=ppt/slides/slide34.xml><?xml version="1.0" encoding="utf-8"?>
+<file path=ppt/slides/slide35.xml><?xml version="1.0" encoding="utf-8"?>
 <p:sld xmlns:a="http://schemas.openxmlformats.org/drawingml/2006/main" xmlns:r="http://schemas.openxmlformats.org/officeDocument/2006/relationships" xmlns:p="http://schemas.openxmlformats.org/presentationml/2006/main">
   <p:cSld>
     <p:spTree>
@@ -20149,7 +20347,7 @@
             <a:fld id="{57D12BB6-0ED4-46B6-AB23-7758AD07EFBF}" type="slidenum">
               <a:rPr lang="de-DE" smtClean="0"/>
               <a:pPr/>
-              <a:t>34</a:t>
+              <a:t>35</a:t>
             </a:fld>
             <a:endParaRPr lang="de-DE" dirty="0"/>
           </a:p>
@@ -20286,191 +20484,6 @@
 </p:sld>
 </file>
 
-<file path=ppt/slides/slide35.xml><?xml version="1.0" encoding="utf-8"?>
-<p:sld xmlns:a="http://schemas.openxmlformats.org/drawingml/2006/main" xmlns:r="http://schemas.openxmlformats.org/officeDocument/2006/relationships" xmlns:p="http://schemas.openxmlformats.org/presentationml/2006/main">
-  <p:cSld>
-    <p:spTree>
-      <p:nvGrpSpPr>
-        <p:cNvPr id="1" name=""/>
-        <p:cNvGrpSpPr/>
-        <p:nvPr/>
-      </p:nvGrpSpPr>
-      <p:grpSpPr>
-        <a:xfrm>
-          <a:off x="0" y="0"/>
-          <a:ext cx="0" cy="0"/>
-          <a:chOff x="0" y="0"/>
-          <a:chExt cx="0" cy="0"/>
-        </a:xfrm>
-      </p:grpSpPr>
-      <p:sp>
-        <p:nvSpPr>
-          <p:cNvPr id="2" name="Foliennummernplatzhalter 1"/>
-          <p:cNvSpPr>
-            <a:spLocks noGrp="1"/>
-          </p:cNvSpPr>
-          <p:nvPr>
-            <p:ph type="sldNum" sz="quarter" idx="11"/>
-          </p:nvPr>
-        </p:nvSpPr>
-        <p:spPr/>
-        <p:txBody>
-          <a:bodyPr/>
-          <a:lstStyle/>
-          <a:p>
-            <a:fld id="{57D12BB6-0ED4-46B6-AB23-7758AD07EFBF}" type="slidenum">
-              <a:rPr lang="de-DE" smtClean="0"/>
-              <a:pPr/>
-              <a:t>35</a:t>
-            </a:fld>
-            <a:endParaRPr lang="de-DE" dirty="0"/>
-          </a:p>
-        </p:txBody>
-      </p:sp>
-      <p:sp>
-        <p:nvSpPr>
-          <p:cNvPr id="3" name="Textplatzhalter 2"/>
-          <p:cNvSpPr>
-            <a:spLocks noGrp="1"/>
-          </p:cNvSpPr>
-          <p:nvPr>
-            <p:ph type="body" sz="quarter" idx="15"/>
-          </p:nvPr>
-        </p:nvSpPr>
-        <p:spPr/>
-        <p:txBody>
-          <a:bodyPr/>
-          <a:lstStyle/>
-          <a:p>
-            <a:pPr marL="0" indent="0">
-              <a:buNone/>
-            </a:pPr>
-            <a:r>
-              <a:rPr lang="de-DE" sz="2000" dirty="0"/>
-              <a:t>Host:	io.adafruit.com</a:t>
-            </a:r>
-          </a:p>
-          <a:p>
-            <a:pPr marL="0" indent="0">
-              <a:buNone/>
-            </a:pPr>
-            <a:endParaRPr lang="de-DE" dirty="0"/>
-          </a:p>
-          <a:p>
-            <a:pPr marL="285750" indent="-285750">
-              <a:buFont typeface="Arial" panose="020B0604020202020204" pitchFamily="34" charset="0"/>
-              <a:buChar char="•"/>
-            </a:pPr>
-            <a:r>
-              <a:rPr lang="de-DE" dirty="0"/>
-              <a:t>HTTP		=&gt; 	Port 80</a:t>
-            </a:r>
-          </a:p>
-          <a:p>
-            <a:pPr marL="285750" indent="-285750">
-              <a:buFont typeface="Arial" panose="020B0604020202020204" pitchFamily="34" charset="0"/>
-              <a:buChar char="•"/>
-            </a:pPr>
-            <a:r>
-              <a:rPr lang="de-DE" dirty="0"/>
-              <a:t>HTTPS	=&gt;	Port 443</a:t>
-            </a:r>
-          </a:p>
-          <a:p>
-            <a:pPr marL="285750" indent="-285750">
-              <a:buFont typeface="Arial" panose="020B0604020202020204" pitchFamily="34" charset="0"/>
-              <a:buChar char="•"/>
-            </a:pPr>
-            <a:r>
-              <a:rPr lang="de-DE" dirty="0"/>
-              <a:t>MQTT	=&gt;	Port 1883</a:t>
-            </a:r>
-          </a:p>
-          <a:p>
-            <a:pPr marL="285750" indent="-285750">
-              <a:buFont typeface="Arial" panose="020B0604020202020204" pitchFamily="34" charset="0"/>
-              <a:buChar char="•"/>
-            </a:pPr>
-            <a:r>
-              <a:rPr lang="de-DE" dirty="0"/>
-              <a:t>MQTT + SSL	=&gt;	Port 8883</a:t>
-            </a:r>
-          </a:p>
-          <a:p>
-            <a:pPr marL="0" indent="0">
-              <a:buNone/>
-            </a:pPr>
-            <a:r>
-              <a:rPr lang="de-DE" sz="1200" dirty="0"/>
-              <a:t>[15]</a:t>
-            </a:r>
-            <a:endParaRPr lang="de-DE" dirty="0"/>
-          </a:p>
-        </p:txBody>
-      </p:sp>
-      <p:sp>
-        <p:nvSpPr>
-          <p:cNvPr id="4" name="Titel 3"/>
-          <p:cNvSpPr>
-            <a:spLocks noGrp="1"/>
-          </p:cNvSpPr>
-          <p:nvPr>
-            <p:ph type="title"/>
-          </p:nvPr>
-        </p:nvSpPr>
-        <p:spPr/>
-        <p:txBody>
-          <a:bodyPr/>
-          <a:lstStyle/>
-          <a:p>
-            <a:r>
-              <a:rPr lang="de-DE" dirty="0" err="1"/>
-              <a:t>Adafruit</a:t>
-            </a:r>
-            <a:r>
-              <a:rPr lang="de-DE" dirty="0"/>
-              <a:t> IO - Verbindung</a:t>
-            </a:r>
-          </a:p>
-        </p:txBody>
-      </p:sp>
-      <p:sp>
-        <p:nvSpPr>
-          <p:cNvPr id="5" name="Fußzeilenplatzhalter 4"/>
-          <p:cNvSpPr>
-            <a:spLocks noGrp="1"/>
-          </p:cNvSpPr>
-          <p:nvPr>
-            <p:ph type="ftr" sz="quarter" idx="16"/>
-          </p:nvPr>
-        </p:nvSpPr>
-        <p:spPr/>
-        <p:txBody>
-          <a:bodyPr/>
-          <a:lstStyle/>
-          <a:p>
-            <a:r>
-              <a:rPr lang="de-DE" altLang="de-DE"/>
-              <a:t>Hochschule Mannheim | Julia Geigl, Klemens Behr, Kevin Höfle</a:t>
-            </a:r>
-            <a:endParaRPr lang="de-DE" altLang="de-DE" dirty="0"/>
-          </a:p>
-        </p:txBody>
-      </p:sp>
-    </p:spTree>
-    <p:extLst>
-      <p:ext uri="{BB962C8B-B14F-4D97-AF65-F5344CB8AC3E}">
-        <p14:creationId xmlns:p14="http://schemas.microsoft.com/office/powerpoint/2010/main" val="1689601534"/>
-      </p:ext>
-    </p:extLst>
-  </p:cSld>
-  <p:clrMapOvr>
-    <a:masterClrMapping/>
-  </p:clrMapOvr>
-  <p:transition/>
-</p:sld>
-</file>
-
 <file path=ppt/slides/slide36.xml><?xml version="1.0" encoding="utf-8"?>
 <p:sld xmlns:a="http://schemas.openxmlformats.org/drawingml/2006/main" xmlns:r="http://schemas.openxmlformats.org/officeDocument/2006/relationships" xmlns:p="http://schemas.openxmlformats.org/presentationml/2006/main">
   <p:cSld>
@@ -20507,6 +20520,191 @@
               <a:rPr lang="de-DE" smtClean="0"/>
               <a:pPr/>
               <a:t>36</a:t>
+            </a:fld>
+            <a:endParaRPr lang="de-DE" dirty="0"/>
+          </a:p>
+        </p:txBody>
+      </p:sp>
+      <p:sp>
+        <p:nvSpPr>
+          <p:cNvPr id="3" name="Textplatzhalter 2"/>
+          <p:cNvSpPr>
+            <a:spLocks noGrp="1"/>
+          </p:cNvSpPr>
+          <p:nvPr>
+            <p:ph type="body" sz="quarter" idx="15"/>
+          </p:nvPr>
+        </p:nvSpPr>
+        <p:spPr/>
+        <p:txBody>
+          <a:bodyPr/>
+          <a:lstStyle/>
+          <a:p>
+            <a:pPr marL="0" indent="0">
+              <a:buNone/>
+            </a:pPr>
+            <a:r>
+              <a:rPr lang="de-DE" sz="2000" dirty="0"/>
+              <a:t>Host:	io.adafruit.com</a:t>
+            </a:r>
+          </a:p>
+          <a:p>
+            <a:pPr marL="0" indent="0">
+              <a:buNone/>
+            </a:pPr>
+            <a:endParaRPr lang="de-DE" dirty="0"/>
+          </a:p>
+          <a:p>
+            <a:pPr marL="285750" indent="-285750">
+              <a:buFont typeface="Arial" panose="020B0604020202020204" pitchFamily="34" charset="0"/>
+              <a:buChar char="•"/>
+            </a:pPr>
+            <a:r>
+              <a:rPr lang="de-DE" dirty="0"/>
+              <a:t>HTTP		=&gt; 	Port 80</a:t>
+            </a:r>
+          </a:p>
+          <a:p>
+            <a:pPr marL="285750" indent="-285750">
+              <a:buFont typeface="Arial" panose="020B0604020202020204" pitchFamily="34" charset="0"/>
+              <a:buChar char="•"/>
+            </a:pPr>
+            <a:r>
+              <a:rPr lang="de-DE" dirty="0"/>
+              <a:t>HTTPS	=&gt;	Port 443</a:t>
+            </a:r>
+          </a:p>
+          <a:p>
+            <a:pPr marL="285750" indent="-285750">
+              <a:buFont typeface="Arial" panose="020B0604020202020204" pitchFamily="34" charset="0"/>
+              <a:buChar char="•"/>
+            </a:pPr>
+            <a:r>
+              <a:rPr lang="de-DE" dirty="0"/>
+              <a:t>MQTT	=&gt;	Port 1883</a:t>
+            </a:r>
+          </a:p>
+          <a:p>
+            <a:pPr marL="285750" indent="-285750">
+              <a:buFont typeface="Arial" panose="020B0604020202020204" pitchFamily="34" charset="0"/>
+              <a:buChar char="•"/>
+            </a:pPr>
+            <a:r>
+              <a:rPr lang="de-DE" dirty="0"/>
+              <a:t>MQTT + SSL	=&gt;	Port 8883</a:t>
+            </a:r>
+          </a:p>
+          <a:p>
+            <a:pPr marL="0" indent="0">
+              <a:buNone/>
+            </a:pPr>
+            <a:r>
+              <a:rPr lang="de-DE" sz="1200" dirty="0"/>
+              <a:t>[15]</a:t>
+            </a:r>
+            <a:endParaRPr lang="de-DE" dirty="0"/>
+          </a:p>
+        </p:txBody>
+      </p:sp>
+      <p:sp>
+        <p:nvSpPr>
+          <p:cNvPr id="4" name="Titel 3"/>
+          <p:cNvSpPr>
+            <a:spLocks noGrp="1"/>
+          </p:cNvSpPr>
+          <p:nvPr>
+            <p:ph type="title"/>
+          </p:nvPr>
+        </p:nvSpPr>
+        <p:spPr/>
+        <p:txBody>
+          <a:bodyPr/>
+          <a:lstStyle/>
+          <a:p>
+            <a:r>
+              <a:rPr lang="de-DE" dirty="0" err="1"/>
+              <a:t>Adafruit</a:t>
+            </a:r>
+            <a:r>
+              <a:rPr lang="de-DE" dirty="0"/>
+              <a:t> IO - Verbindung</a:t>
+            </a:r>
+          </a:p>
+        </p:txBody>
+      </p:sp>
+      <p:sp>
+        <p:nvSpPr>
+          <p:cNvPr id="5" name="Fußzeilenplatzhalter 4"/>
+          <p:cNvSpPr>
+            <a:spLocks noGrp="1"/>
+          </p:cNvSpPr>
+          <p:nvPr>
+            <p:ph type="ftr" sz="quarter" idx="16"/>
+          </p:nvPr>
+        </p:nvSpPr>
+        <p:spPr/>
+        <p:txBody>
+          <a:bodyPr/>
+          <a:lstStyle/>
+          <a:p>
+            <a:r>
+              <a:rPr lang="de-DE" altLang="de-DE"/>
+              <a:t>Hochschule Mannheim | Julia Geigl, Klemens Behr, Kevin Höfle</a:t>
+            </a:r>
+            <a:endParaRPr lang="de-DE" altLang="de-DE" dirty="0"/>
+          </a:p>
+        </p:txBody>
+      </p:sp>
+    </p:spTree>
+    <p:extLst>
+      <p:ext uri="{BB962C8B-B14F-4D97-AF65-F5344CB8AC3E}">
+        <p14:creationId xmlns:p14="http://schemas.microsoft.com/office/powerpoint/2010/main" val="1689601534"/>
+      </p:ext>
+    </p:extLst>
+  </p:cSld>
+  <p:clrMapOvr>
+    <a:masterClrMapping/>
+  </p:clrMapOvr>
+  <p:transition/>
+</p:sld>
+</file>
+
+<file path=ppt/slides/slide37.xml><?xml version="1.0" encoding="utf-8"?>
+<p:sld xmlns:a="http://schemas.openxmlformats.org/drawingml/2006/main" xmlns:r="http://schemas.openxmlformats.org/officeDocument/2006/relationships" xmlns:p="http://schemas.openxmlformats.org/presentationml/2006/main">
+  <p:cSld>
+    <p:spTree>
+      <p:nvGrpSpPr>
+        <p:cNvPr id="1" name=""/>
+        <p:cNvGrpSpPr/>
+        <p:nvPr/>
+      </p:nvGrpSpPr>
+      <p:grpSpPr>
+        <a:xfrm>
+          <a:off x="0" y="0"/>
+          <a:ext cx="0" cy="0"/>
+          <a:chOff x="0" y="0"/>
+          <a:chExt cx="0" cy="0"/>
+        </a:xfrm>
+      </p:grpSpPr>
+      <p:sp>
+        <p:nvSpPr>
+          <p:cNvPr id="2" name="Foliennummernplatzhalter 1"/>
+          <p:cNvSpPr>
+            <a:spLocks noGrp="1"/>
+          </p:cNvSpPr>
+          <p:nvPr>
+            <p:ph type="sldNum" sz="quarter" idx="11"/>
+          </p:nvPr>
+        </p:nvSpPr>
+        <p:spPr/>
+        <p:txBody>
+          <a:bodyPr/>
+          <a:lstStyle/>
+          <a:p>
+            <a:fld id="{57D12BB6-0ED4-46B6-AB23-7758AD07EFBF}" type="slidenum">
+              <a:rPr lang="de-DE" smtClean="0"/>
+              <a:pPr/>
+              <a:t>37</a:t>
             </a:fld>
             <a:endParaRPr lang="de-DE" dirty="0"/>
           </a:p>
@@ -20639,7 +20837,7 @@
 </p:sld>
 </file>
 
-<file path=ppt/slides/slide37.xml><?xml version="1.0" encoding="utf-8"?>
+<file path=ppt/slides/slide38.xml><?xml version="1.0" encoding="utf-8"?>
 <p:sld xmlns:a="http://schemas.openxmlformats.org/drawingml/2006/main" xmlns:r="http://schemas.openxmlformats.org/officeDocument/2006/relationships" xmlns:p="http://schemas.openxmlformats.org/presentationml/2006/main" show="0">
   <p:cSld>
     <p:spTree>
@@ -20674,7 +20872,7 @@
             <a:fld id="{57D12BB6-0ED4-46B6-AB23-7758AD07EFBF}" type="slidenum">
               <a:rPr lang="de-DE" smtClean="0"/>
               <a:pPr/>
-              <a:t>37</a:t>
+              <a:t>38</a:t>
             </a:fld>
             <a:endParaRPr lang="de-DE" dirty="0"/>
           </a:p>
@@ -20838,7 +21036,7 @@
 </p:sld>
 </file>
 
-<file path=ppt/slides/slide38.xml><?xml version="1.0" encoding="utf-8"?>
+<file path=ppt/slides/slide39.xml><?xml version="1.0" encoding="utf-8"?>
 <p:sld xmlns:a="http://schemas.openxmlformats.org/drawingml/2006/main" xmlns:r="http://schemas.openxmlformats.org/officeDocument/2006/relationships" xmlns:p="http://schemas.openxmlformats.org/presentationml/2006/main">
   <p:cSld>
     <p:spTree>
@@ -20873,7 +21071,7 @@
             <a:fld id="{57D12BB6-0ED4-46B6-AB23-7758AD07EFBF}" type="slidenum">
               <a:rPr lang="de-DE" smtClean="0"/>
               <a:pPr/>
-              <a:t>38</a:t>
+              <a:t>39</a:t>
             </a:fld>
             <a:endParaRPr lang="de-DE" dirty="0"/>
           </a:p>
@@ -20996,7 +21194,7 @@
 </p:sld>
 </file>
 
-<file path=ppt/slides/slide39.xml><?xml version="1.0" encoding="utf-8"?>
+<file path=ppt/slides/slide4.xml><?xml version="1.0" encoding="utf-8"?>
 <p:sld xmlns:a="http://schemas.openxmlformats.org/drawingml/2006/main" xmlns:r="http://schemas.openxmlformats.org/officeDocument/2006/relationships" xmlns:p="http://schemas.openxmlformats.org/presentationml/2006/main">
   <p:cSld>
     <p:spTree>
@@ -21031,7 +21229,183 @@
             <a:fld id="{57D12BB6-0ED4-46B6-AB23-7758AD07EFBF}" type="slidenum">
               <a:rPr lang="de-DE" smtClean="0"/>
               <a:pPr/>
-              <a:t>39</a:t>
+              <a:t>4</a:t>
+            </a:fld>
+            <a:endParaRPr lang="de-DE" dirty="0"/>
+          </a:p>
+        </p:txBody>
+      </p:sp>
+      <p:sp>
+        <p:nvSpPr>
+          <p:cNvPr id="3" name="Textplatzhalter 2"/>
+          <p:cNvSpPr>
+            <a:spLocks noGrp="1"/>
+          </p:cNvSpPr>
+          <p:nvPr>
+            <p:ph type="body" sz="quarter" idx="15"/>
+          </p:nvPr>
+        </p:nvSpPr>
+        <p:spPr/>
+        <p:txBody>
+          <a:bodyPr/>
+          <a:lstStyle/>
+          <a:p>
+            <a:pPr>
+              <a:buFont typeface="Arial" panose="020B0604020202020204" pitchFamily="34" charset="0"/>
+              <a:buChar char="•"/>
+            </a:pPr>
+            <a:r>
+              <a:rPr lang="de-DE" dirty="0"/>
+              <a:t>Messen der Luftfeuchtigkeit und Temperatur im Zusammenhang mit Fensterstatus </a:t>
+            </a:r>
+          </a:p>
+          <a:p>
+            <a:pPr marL="285750" indent="-285750">
+              <a:buFont typeface="Arial" panose="020B0604020202020204" pitchFamily="34" charset="0"/>
+              <a:buChar char="•"/>
+            </a:pPr>
+            <a:endParaRPr lang="de-DE" dirty="0"/>
+          </a:p>
+          <a:p>
+            <a:pPr>
+              <a:buFont typeface="Arial" panose="020B0604020202020204" pitchFamily="34" charset="0"/>
+              <a:buChar char="•"/>
+            </a:pPr>
+            <a:r>
+              <a:rPr lang="de-DE" dirty="0"/>
+              <a:t>Speichern und Visualisieren der Daten</a:t>
+            </a:r>
+          </a:p>
+          <a:p>
+            <a:pPr>
+              <a:buFont typeface="Arial" panose="020B0604020202020204" pitchFamily="34" charset="0"/>
+              <a:buChar char="•"/>
+            </a:pPr>
+            <a:endParaRPr lang="de-DE" dirty="0"/>
+          </a:p>
+          <a:p>
+            <a:pPr>
+              <a:buFont typeface="Arial" panose="020B0604020202020204" pitchFamily="34" charset="0"/>
+              <a:buChar char="•"/>
+            </a:pPr>
+            <a:r>
+              <a:rPr lang="de-DE" dirty="0"/>
+              <a:t>Aktion bei Überschreitung eines Feuchtigkeits- oder Temperatur-Wertes</a:t>
+            </a:r>
+          </a:p>
+          <a:p>
+            <a:pPr>
+              <a:buFont typeface="Arial" panose="020B0604020202020204" pitchFamily="34" charset="0"/>
+              <a:buChar char="•"/>
+            </a:pPr>
+            <a:endParaRPr lang="de-DE" dirty="0"/>
+          </a:p>
+          <a:p>
+            <a:pPr marL="0" indent="0">
+              <a:buNone/>
+            </a:pPr>
+            <a:endParaRPr lang="de-DE" dirty="0"/>
+          </a:p>
+          <a:p>
+            <a:endParaRPr lang="de-DE" dirty="0"/>
+          </a:p>
+        </p:txBody>
+      </p:sp>
+      <p:sp>
+        <p:nvSpPr>
+          <p:cNvPr id="4" name="Titel 3"/>
+          <p:cNvSpPr>
+            <a:spLocks noGrp="1"/>
+          </p:cNvSpPr>
+          <p:nvPr>
+            <p:ph type="title"/>
+          </p:nvPr>
+        </p:nvSpPr>
+        <p:spPr/>
+        <p:txBody>
+          <a:bodyPr/>
+          <a:lstStyle/>
+          <a:p>
+            <a:r>
+              <a:rPr lang="de-DE" dirty="0"/>
+              <a:t>Grund Konzept</a:t>
+            </a:r>
+          </a:p>
+        </p:txBody>
+      </p:sp>
+      <p:sp>
+        <p:nvSpPr>
+          <p:cNvPr id="5" name="Fußzeilenplatzhalter 4"/>
+          <p:cNvSpPr>
+            <a:spLocks noGrp="1"/>
+          </p:cNvSpPr>
+          <p:nvPr>
+            <p:ph type="ftr" sz="quarter" idx="16"/>
+          </p:nvPr>
+        </p:nvSpPr>
+        <p:spPr/>
+        <p:txBody>
+          <a:bodyPr/>
+          <a:lstStyle/>
+          <a:p>
+            <a:r>
+              <a:rPr lang="de-DE" altLang="de-DE"/>
+              <a:t>Hochschule Mannheim | Julia Geigl, Klemens Behr, Kevin Höfle</a:t>
+            </a:r>
+            <a:endParaRPr lang="de-DE" altLang="de-DE" dirty="0"/>
+          </a:p>
+        </p:txBody>
+      </p:sp>
+    </p:spTree>
+    <p:extLst>
+      <p:ext uri="{BB962C8B-B14F-4D97-AF65-F5344CB8AC3E}">
+        <p14:creationId xmlns:p14="http://schemas.microsoft.com/office/powerpoint/2010/main" val="3888361227"/>
+      </p:ext>
+    </p:extLst>
+  </p:cSld>
+  <p:clrMapOvr>
+    <a:masterClrMapping/>
+  </p:clrMapOvr>
+  <p:transition/>
+</p:sld>
+</file>
+
+<file path=ppt/slides/slide40.xml><?xml version="1.0" encoding="utf-8"?>
+<p:sld xmlns:a="http://schemas.openxmlformats.org/drawingml/2006/main" xmlns:r="http://schemas.openxmlformats.org/officeDocument/2006/relationships" xmlns:p="http://schemas.openxmlformats.org/presentationml/2006/main">
+  <p:cSld>
+    <p:spTree>
+      <p:nvGrpSpPr>
+        <p:cNvPr id="1" name=""/>
+        <p:cNvGrpSpPr/>
+        <p:nvPr/>
+      </p:nvGrpSpPr>
+      <p:grpSpPr>
+        <a:xfrm>
+          <a:off x="0" y="0"/>
+          <a:ext cx="0" cy="0"/>
+          <a:chOff x="0" y="0"/>
+          <a:chExt cx="0" cy="0"/>
+        </a:xfrm>
+      </p:grpSpPr>
+      <p:sp>
+        <p:nvSpPr>
+          <p:cNvPr id="2" name="Foliennummernplatzhalter 1"/>
+          <p:cNvSpPr>
+            <a:spLocks noGrp="1"/>
+          </p:cNvSpPr>
+          <p:nvPr>
+            <p:ph type="sldNum" sz="quarter" idx="11"/>
+          </p:nvPr>
+        </p:nvSpPr>
+        <p:spPr/>
+        <p:txBody>
+          <a:bodyPr/>
+          <a:lstStyle/>
+          <a:p>
+            <a:fld id="{57D12BB6-0ED4-46B6-AB23-7758AD07EFBF}" type="slidenum">
+              <a:rPr lang="de-DE" smtClean="0"/>
+              <a:pPr/>
+              <a:t>40</a:t>
             </a:fld>
             <a:endParaRPr lang="de-DE" dirty="0"/>
           </a:p>
@@ -21124,7 +21498,7 @@
 </p:sld>
 </file>
 
-<file path=ppt/slides/slide4.xml><?xml version="1.0" encoding="utf-8"?>
+<file path=ppt/slides/slide41.xml><?xml version="1.0" encoding="utf-8"?>
 <p:sld xmlns:a="http://schemas.openxmlformats.org/drawingml/2006/main" xmlns:r="http://schemas.openxmlformats.org/officeDocument/2006/relationships" xmlns:p="http://schemas.openxmlformats.org/presentationml/2006/main">
   <p:cSld>
     <p:spTree>
@@ -21159,183 +21533,7 @@
             <a:fld id="{57D12BB6-0ED4-46B6-AB23-7758AD07EFBF}" type="slidenum">
               <a:rPr lang="de-DE" smtClean="0"/>
               <a:pPr/>
-              <a:t>4</a:t>
-            </a:fld>
-            <a:endParaRPr lang="de-DE" dirty="0"/>
-          </a:p>
-        </p:txBody>
-      </p:sp>
-      <p:sp>
-        <p:nvSpPr>
-          <p:cNvPr id="3" name="Textplatzhalter 2"/>
-          <p:cNvSpPr>
-            <a:spLocks noGrp="1"/>
-          </p:cNvSpPr>
-          <p:nvPr>
-            <p:ph type="body" sz="quarter" idx="15"/>
-          </p:nvPr>
-        </p:nvSpPr>
-        <p:spPr/>
-        <p:txBody>
-          <a:bodyPr/>
-          <a:lstStyle/>
-          <a:p>
-            <a:pPr>
-              <a:buFont typeface="Arial" panose="020B0604020202020204" pitchFamily="34" charset="0"/>
-              <a:buChar char="•"/>
-            </a:pPr>
-            <a:r>
-              <a:rPr lang="de-DE" dirty="0"/>
-              <a:t>Messen der Luftfeuchtigkeit und Temperatur im Zusammenhang mit Fensterstatus </a:t>
-            </a:r>
-          </a:p>
-          <a:p>
-            <a:pPr marL="285750" indent="-285750">
-              <a:buFont typeface="Arial" panose="020B0604020202020204" pitchFamily="34" charset="0"/>
-              <a:buChar char="•"/>
-            </a:pPr>
-            <a:endParaRPr lang="de-DE" dirty="0"/>
-          </a:p>
-          <a:p>
-            <a:pPr>
-              <a:buFont typeface="Arial" panose="020B0604020202020204" pitchFamily="34" charset="0"/>
-              <a:buChar char="•"/>
-            </a:pPr>
-            <a:r>
-              <a:rPr lang="de-DE" dirty="0"/>
-              <a:t>Speichern und Visualisieren der Daten</a:t>
-            </a:r>
-          </a:p>
-          <a:p>
-            <a:pPr>
-              <a:buFont typeface="Arial" panose="020B0604020202020204" pitchFamily="34" charset="0"/>
-              <a:buChar char="•"/>
-            </a:pPr>
-            <a:endParaRPr lang="de-DE" dirty="0"/>
-          </a:p>
-          <a:p>
-            <a:pPr>
-              <a:buFont typeface="Arial" panose="020B0604020202020204" pitchFamily="34" charset="0"/>
-              <a:buChar char="•"/>
-            </a:pPr>
-            <a:r>
-              <a:rPr lang="de-DE" dirty="0"/>
-              <a:t>Aktion bei Überschreitung eines Feuchtigkeits- oder Temperatur-Wertes</a:t>
-            </a:r>
-          </a:p>
-          <a:p>
-            <a:pPr>
-              <a:buFont typeface="Arial" panose="020B0604020202020204" pitchFamily="34" charset="0"/>
-              <a:buChar char="•"/>
-            </a:pPr>
-            <a:endParaRPr lang="de-DE" dirty="0"/>
-          </a:p>
-          <a:p>
-            <a:pPr marL="0" indent="0">
-              <a:buNone/>
-            </a:pPr>
-            <a:endParaRPr lang="de-DE" dirty="0"/>
-          </a:p>
-          <a:p>
-            <a:endParaRPr lang="de-DE" dirty="0"/>
-          </a:p>
-        </p:txBody>
-      </p:sp>
-      <p:sp>
-        <p:nvSpPr>
-          <p:cNvPr id="4" name="Titel 3"/>
-          <p:cNvSpPr>
-            <a:spLocks noGrp="1"/>
-          </p:cNvSpPr>
-          <p:nvPr>
-            <p:ph type="title"/>
-          </p:nvPr>
-        </p:nvSpPr>
-        <p:spPr/>
-        <p:txBody>
-          <a:bodyPr/>
-          <a:lstStyle/>
-          <a:p>
-            <a:r>
-              <a:rPr lang="de-DE" dirty="0"/>
-              <a:t>Grund Konzept</a:t>
-            </a:r>
-          </a:p>
-        </p:txBody>
-      </p:sp>
-      <p:sp>
-        <p:nvSpPr>
-          <p:cNvPr id="5" name="Fußzeilenplatzhalter 4"/>
-          <p:cNvSpPr>
-            <a:spLocks noGrp="1"/>
-          </p:cNvSpPr>
-          <p:nvPr>
-            <p:ph type="ftr" sz="quarter" idx="16"/>
-          </p:nvPr>
-        </p:nvSpPr>
-        <p:spPr/>
-        <p:txBody>
-          <a:bodyPr/>
-          <a:lstStyle/>
-          <a:p>
-            <a:r>
-              <a:rPr lang="de-DE" altLang="de-DE"/>
-              <a:t>Hochschule Mannheim | Julia Geigl, Klemens Behr, Kevin Höfle</a:t>
-            </a:r>
-            <a:endParaRPr lang="de-DE" altLang="de-DE" dirty="0"/>
-          </a:p>
-        </p:txBody>
-      </p:sp>
-    </p:spTree>
-    <p:extLst>
-      <p:ext uri="{BB962C8B-B14F-4D97-AF65-F5344CB8AC3E}">
-        <p14:creationId xmlns:p14="http://schemas.microsoft.com/office/powerpoint/2010/main" val="3888361227"/>
-      </p:ext>
-    </p:extLst>
-  </p:cSld>
-  <p:clrMapOvr>
-    <a:masterClrMapping/>
-  </p:clrMapOvr>
-  <p:transition/>
-</p:sld>
-</file>
-
-<file path=ppt/slides/slide40.xml><?xml version="1.0" encoding="utf-8"?>
-<p:sld xmlns:a="http://schemas.openxmlformats.org/drawingml/2006/main" xmlns:r="http://schemas.openxmlformats.org/officeDocument/2006/relationships" xmlns:p="http://schemas.openxmlformats.org/presentationml/2006/main">
-  <p:cSld>
-    <p:spTree>
-      <p:nvGrpSpPr>
-        <p:cNvPr id="1" name=""/>
-        <p:cNvGrpSpPr/>
-        <p:nvPr/>
-      </p:nvGrpSpPr>
-      <p:grpSpPr>
-        <a:xfrm>
-          <a:off x="0" y="0"/>
-          <a:ext cx="0" cy="0"/>
-          <a:chOff x="0" y="0"/>
-          <a:chExt cx="0" cy="0"/>
-        </a:xfrm>
-      </p:grpSpPr>
-      <p:sp>
-        <p:nvSpPr>
-          <p:cNvPr id="2" name="Foliennummernplatzhalter 1"/>
-          <p:cNvSpPr>
-            <a:spLocks noGrp="1"/>
-          </p:cNvSpPr>
-          <p:nvPr>
-            <p:ph type="sldNum" sz="quarter" idx="11"/>
-          </p:nvPr>
-        </p:nvSpPr>
-        <p:spPr/>
-        <p:txBody>
-          <a:bodyPr/>
-          <a:lstStyle/>
-          <a:p>
-            <a:fld id="{57D12BB6-0ED4-46B6-AB23-7758AD07EFBF}" type="slidenum">
-              <a:rPr lang="de-DE" smtClean="0"/>
-              <a:pPr/>
-              <a:t>40</a:t>
+              <a:t>41</a:t>
             </a:fld>
             <a:endParaRPr lang="de-DE" dirty="0"/>
           </a:p>
@@ -21448,189 +21646,6 @@
     <p:extLst>
       <p:ext uri="{BB962C8B-B14F-4D97-AF65-F5344CB8AC3E}">
         <p14:creationId xmlns:p14="http://schemas.microsoft.com/office/powerpoint/2010/main" val="789033031"/>
-      </p:ext>
-    </p:extLst>
-  </p:cSld>
-  <p:clrMapOvr>
-    <a:masterClrMapping/>
-  </p:clrMapOvr>
-  <p:transition/>
-</p:sld>
-</file>
-
-<file path=ppt/slides/slide41.xml><?xml version="1.0" encoding="utf-8"?>
-<p:sld xmlns:a="http://schemas.openxmlformats.org/drawingml/2006/main" xmlns:r="http://schemas.openxmlformats.org/officeDocument/2006/relationships" xmlns:p="http://schemas.openxmlformats.org/presentationml/2006/main">
-  <p:cSld>
-    <p:spTree>
-      <p:nvGrpSpPr>
-        <p:cNvPr id="1" name=""/>
-        <p:cNvGrpSpPr/>
-        <p:nvPr/>
-      </p:nvGrpSpPr>
-      <p:grpSpPr>
-        <a:xfrm>
-          <a:off x="0" y="0"/>
-          <a:ext cx="0" cy="0"/>
-          <a:chOff x="0" y="0"/>
-          <a:chExt cx="0" cy="0"/>
-        </a:xfrm>
-      </p:grpSpPr>
-      <p:sp>
-        <p:nvSpPr>
-          <p:cNvPr id="2" name="Foliennummernplatzhalter 1"/>
-          <p:cNvSpPr>
-            <a:spLocks noGrp="1"/>
-          </p:cNvSpPr>
-          <p:nvPr>
-            <p:ph type="sldNum" sz="quarter" idx="11"/>
-          </p:nvPr>
-        </p:nvSpPr>
-        <p:spPr/>
-        <p:txBody>
-          <a:bodyPr/>
-          <a:lstStyle/>
-          <a:p>
-            <a:fld id="{57D12BB6-0ED4-46B6-AB23-7758AD07EFBF}" type="slidenum">
-              <a:rPr lang="de-DE" smtClean="0"/>
-              <a:pPr/>
-              <a:t>41</a:t>
-            </a:fld>
-            <a:endParaRPr lang="de-DE" dirty="0"/>
-          </a:p>
-        </p:txBody>
-      </p:sp>
-      <p:pic>
-        <p:nvPicPr>
-          <p:cNvPr id="6" name="Grafik 5"/>
-          <p:cNvPicPr>
-            <a:picLocks noChangeAspect="1"/>
-          </p:cNvPicPr>
-          <p:nvPr/>
-        </p:nvPicPr>
-        <p:blipFill>
-          <a:blip r:embed="rId3"/>
-          <a:stretch>
-            <a:fillRect/>
-          </a:stretch>
-        </p:blipFill>
-        <p:spPr>
-          <a:xfrm>
-            <a:off x="3607921" y="3284984"/>
-            <a:ext cx="5312533" cy="2980594"/>
-          </a:xfrm>
-          <a:prstGeom prst="rect">
-            <a:avLst/>
-          </a:prstGeom>
-        </p:spPr>
-      </p:pic>
-      <p:sp>
-        <p:nvSpPr>
-          <p:cNvPr id="3" name="Textplatzhalter 2"/>
-          <p:cNvSpPr>
-            <a:spLocks noGrp="1"/>
-          </p:cNvSpPr>
-          <p:nvPr>
-            <p:ph type="body" sz="quarter" idx="15"/>
-          </p:nvPr>
-        </p:nvSpPr>
-        <p:spPr>
-          <a:xfrm>
-            <a:off x="971550" y="2292349"/>
-            <a:ext cx="7740650" cy="1496691"/>
-          </a:xfrm>
-        </p:spPr>
-        <p:txBody>
-          <a:bodyPr/>
-          <a:lstStyle/>
-          <a:p>
-            <a:pPr marL="285750" indent="-285750">
-              <a:buFont typeface="Courier New" panose="02070309020205020404" pitchFamily="49" charset="0"/>
-              <a:buChar char="o"/>
-            </a:pPr>
-            <a:r>
-              <a:rPr lang="de-DE" dirty="0"/>
-              <a:t>Trigger zur Reaktion auf Änderung von Feeds</a:t>
-            </a:r>
-          </a:p>
-          <a:p>
-            <a:pPr marL="285750" indent="-285750">
-              <a:buFont typeface="Courier New" panose="02070309020205020404" pitchFamily="49" charset="0"/>
-              <a:buChar char="o"/>
-            </a:pPr>
-            <a:r>
-              <a:rPr lang="de-DE" dirty="0"/>
-              <a:t>Reaktion:</a:t>
-            </a:r>
-          </a:p>
-          <a:p>
-            <a:pPr marL="469900" lvl="2" indent="-285750"/>
-            <a:r>
-              <a:rPr lang="de-DE" dirty="0"/>
-              <a:t>Feed Wert setzen</a:t>
-            </a:r>
-          </a:p>
-          <a:p>
-            <a:pPr marL="469900" lvl="2" indent="-285750"/>
-            <a:r>
-              <a:rPr lang="de-DE" dirty="0"/>
-              <a:t>Email versenden</a:t>
-            </a:r>
-          </a:p>
-        </p:txBody>
-      </p:sp>
-      <p:sp>
-        <p:nvSpPr>
-          <p:cNvPr id="4" name="Titel 3"/>
-          <p:cNvSpPr>
-            <a:spLocks noGrp="1"/>
-          </p:cNvSpPr>
-          <p:nvPr>
-            <p:ph type="title"/>
-          </p:nvPr>
-        </p:nvSpPr>
-        <p:spPr/>
-        <p:txBody>
-          <a:bodyPr/>
-          <a:lstStyle/>
-          <a:p>
-            <a:r>
-              <a:rPr lang="de-DE" dirty="0" err="1"/>
-              <a:t>Adafruit</a:t>
-            </a:r>
-            <a:r>
-              <a:rPr lang="de-DE" dirty="0"/>
-              <a:t> IO - Triggers</a:t>
-            </a:r>
-          </a:p>
-        </p:txBody>
-      </p:sp>
-      <p:sp>
-        <p:nvSpPr>
-          <p:cNvPr id="5" name="Fußzeilenplatzhalter 4"/>
-          <p:cNvSpPr>
-            <a:spLocks noGrp="1"/>
-          </p:cNvSpPr>
-          <p:nvPr>
-            <p:ph type="ftr" sz="quarter" idx="16"/>
-          </p:nvPr>
-        </p:nvSpPr>
-        <p:spPr/>
-        <p:txBody>
-          <a:bodyPr/>
-          <a:lstStyle/>
-          <a:p>
-            <a:r>
-              <a:rPr lang="de-DE" altLang="de-DE"/>
-              <a:t>Hochschule Mannheim | Julia Geigl, Klemens Behr, Kevin Höfle</a:t>
-            </a:r>
-            <a:endParaRPr lang="de-DE" altLang="de-DE" dirty="0"/>
-          </a:p>
-        </p:txBody>
-      </p:sp>
-    </p:spTree>
-    <p:extLst>
-      <p:ext uri="{BB962C8B-B14F-4D97-AF65-F5344CB8AC3E}">
-        <p14:creationId xmlns:p14="http://schemas.microsoft.com/office/powerpoint/2010/main" val="4255730159"/>
       </p:ext>
     </p:extLst>
   </p:cSld>
@@ -21677,6 +21692,189 @@
               <a:rPr lang="de-DE" smtClean="0"/>
               <a:pPr/>
               <a:t>42</a:t>
+            </a:fld>
+            <a:endParaRPr lang="de-DE" dirty="0"/>
+          </a:p>
+        </p:txBody>
+      </p:sp>
+      <p:pic>
+        <p:nvPicPr>
+          <p:cNvPr id="6" name="Grafik 5"/>
+          <p:cNvPicPr>
+            <a:picLocks noChangeAspect="1"/>
+          </p:cNvPicPr>
+          <p:nvPr/>
+        </p:nvPicPr>
+        <p:blipFill>
+          <a:blip r:embed="rId3"/>
+          <a:stretch>
+            <a:fillRect/>
+          </a:stretch>
+        </p:blipFill>
+        <p:spPr>
+          <a:xfrm>
+            <a:off x="3607921" y="3284984"/>
+            <a:ext cx="5312533" cy="2980594"/>
+          </a:xfrm>
+          <a:prstGeom prst="rect">
+            <a:avLst/>
+          </a:prstGeom>
+        </p:spPr>
+      </p:pic>
+      <p:sp>
+        <p:nvSpPr>
+          <p:cNvPr id="3" name="Textplatzhalter 2"/>
+          <p:cNvSpPr>
+            <a:spLocks noGrp="1"/>
+          </p:cNvSpPr>
+          <p:nvPr>
+            <p:ph type="body" sz="quarter" idx="15"/>
+          </p:nvPr>
+        </p:nvSpPr>
+        <p:spPr>
+          <a:xfrm>
+            <a:off x="971550" y="2292349"/>
+            <a:ext cx="7740650" cy="1496691"/>
+          </a:xfrm>
+        </p:spPr>
+        <p:txBody>
+          <a:bodyPr/>
+          <a:lstStyle/>
+          <a:p>
+            <a:pPr marL="285750" indent="-285750">
+              <a:buFont typeface="Courier New" panose="02070309020205020404" pitchFamily="49" charset="0"/>
+              <a:buChar char="o"/>
+            </a:pPr>
+            <a:r>
+              <a:rPr lang="de-DE" dirty="0"/>
+              <a:t>Trigger zur Reaktion auf Änderung von Feeds</a:t>
+            </a:r>
+          </a:p>
+          <a:p>
+            <a:pPr marL="285750" indent="-285750">
+              <a:buFont typeface="Courier New" panose="02070309020205020404" pitchFamily="49" charset="0"/>
+              <a:buChar char="o"/>
+            </a:pPr>
+            <a:r>
+              <a:rPr lang="de-DE" dirty="0"/>
+              <a:t>Reaktion:</a:t>
+            </a:r>
+          </a:p>
+          <a:p>
+            <a:pPr marL="469900" lvl="2" indent="-285750"/>
+            <a:r>
+              <a:rPr lang="de-DE" dirty="0"/>
+              <a:t>Feed Wert setzen</a:t>
+            </a:r>
+          </a:p>
+          <a:p>
+            <a:pPr marL="469900" lvl="2" indent="-285750"/>
+            <a:r>
+              <a:rPr lang="de-DE" dirty="0"/>
+              <a:t>Email versenden</a:t>
+            </a:r>
+          </a:p>
+        </p:txBody>
+      </p:sp>
+      <p:sp>
+        <p:nvSpPr>
+          <p:cNvPr id="4" name="Titel 3"/>
+          <p:cNvSpPr>
+            <a:spLocks noGrp="1"/>
+          </p:cNvSpPr>
+          <p:nvPr>
+            <p:ph type="title"/>
+          </p:nvPr>
+        </p:nvSpPr>
+        <p:spPr/>
+        <p:txBody>
+          <a:bodyPr/>
+          <a:lstStyle/>
+          <a:p>
+            <a:r>
+              <a:rPr lang="de-DE" dirty="0" err="1"/>
+              <a:t>Adafruit</a:t>
+            </a:r>
+            <a:r>
+              <a:rPr lang="de-DE" dirty="0"/>
+              <a:t> IO - Triggers</a:t>
+            </a:r>
+          </a:p>
+        </p:txBody>
+      </p:sp>
+      <p:sp>
+        <p:nvSpPr>
+          <p:cNvPr id="5" name="Fußzeilenplatzhalter 4"/>
+          <p:cNvSpPr>
+            <a:spLocks noGrp="1"/>
+          </p:cNvSpPr>
+          <p:nvPr>
+            <p:ph type="ftr" sz="quarter" idx="16"/>
+          </p:nvPr>
+        </p:nvSpPr>
+        <p:spPr/>
+        <p:txBody>
+          <a:bodyPr/>
+          <a:lstStyle/>
+          <a:p>
+            <a:r>
+              <a:rPr lang="de-DE" altLang="de-DE"/>
+              <a:t>Hochschule Mannheim | Julia Geigl, Klemens Behr, Kevin Höfle</a:t>
+            </a:r>
+            <a:endParaRPr lang="de-DE" altLang="de-DE" dirty="0"/>
+          </a:p>
+        </p:txBody>
+      </p:sp>
+    </p:spTree>
+    <p:extLst>
+      <p:ext uri="{BB962C8B-B14F-4D97-AF65-F5344CB8AC3E}">
+        <p14:creationId xmlns:p14="http://schemas.microsoft.com/office/powerpoint/2010/main" val="4255730159"/>
+      </p:ext>
+    </p:extLst>
+  </p:cSld>
+  <p:clrMapOvr>
+    <a:masterClrMapping/>
+  </p:clrMapOvr>
+  <p:transition/>
+</p:sld>
+</file>
+
+<file path=ppt/slides/slide43.xml><?xml version="1.0" encoding="utf-8"?>
+<p:sld xmlns:a="http://schemas.openxmlformats.org/drawingml/2006/main" xmlns:r="http://schemas.openxmlformats.org/officeDocument/2006/relationships" xmlns:p="http://schemas.openxmlformats.org/presentationml/2006/main">
+  <p:cSld>
+    <p:spTree>
+      <p:nvGrpSpPr>
+        <p:cNvPr id="1" name=""/>
+        <p:cNvGrpSpPr/>
+        <p:nvPr/>
+      </p:nvGrpSpPr>
+      <p:grpSpPr>
+        <a:xfrm>
+          <a:off x="0" y="0"/>
+          <a:ext cx="0" cy="0"/>
+          <a:chOff x="0" y="0"/>
+          <a:chExt cx="0" cy="0"/>
+        </a:xfrm>
+      </p:grpSpPr>
+      <p:sp>
+        <p:nvSpPr>
+          <p:cNvPr id="2" name="Foliennummernplatzhalter 1"/>
+          <p:cNvSpPr>
+            <a:spLocks noGrp="1"/>
+          </p:cNvSpPr>
+          <p:nvPr>
+            <p:ph type="sldNum" sz="quarter" idx="11"/>
+          </p:nvPr>
+        </p:nvSpPr>
+        <p:spPr/>
+        <p:txBody>
+          <a:bodyPr/>
+          <a:lstStyle/>
+          <a:p>
+            <a:fld id="{57D12BB6-0ED4-46B6-AB23-7758AD07EFBF}" type="slidenum">
+              <a:rPr lang="de-DE" smtClean="0"/>
+              <a:pPr/>
+              <a:t>43</a:t>
             </a:fld>
             <a:endParaRPr lang="de-DE" dirty="0"/>
           </a:p>
@@ -21865,7 +22063,7 @@
 </p:sld>
 </file>
 
-<file path=ppt/slides/slide43.xml><?xml version="1.0" encoding="utf-8"?>
+<file path=ppt/slides/slide44.xml><?xml version="1.0" encoding="utf-8"?>
 <p:sld xmlns:a="http://schemas.openxmlformats.org/drawingml/2006/main" xmlns:r="http://schemas.openxmlformats.org/officeDocument/2006/relationships" xmlns:p="http://schemas.openxmlformats.org/presentationml/2006/main">
   <p:cSld>
     <p:spTree>
@@ -21900,7 +22098,7 @@
             <a:fld id="{57D12BB6-0ED4-46B6-AB23-7758AD07EFBF}" type="slidenum">
               <a:rPr lang="de-DE" smtClean="0"/>
               <a:pPr/>
-              <a:t>43</a:t>
+              <a:t>44</a:t>
             </a:fld>
             <a:endParaRPr lang="de-DE" dirty="0"/>
           </a:p>
@@ -21989,7 +22187,7 @@
 </p:sld>
 </file>
 
-<file path=ppt/slides/slide44.xml><?xml version="1.0" encoding="utf-8"?>
+<file path=ppt/slides/slide45.xml><?xml version="1.0" encoding="utf-8"?>
 <p:sld xmlns:a="http://schemas.openxmlformats.org/drawingml/2006/main" xmlns:r="http://schemas.openxmlformats.org/officeDocument/2006/relationships" xmlns:p="http://schemas.openxmlformats.org/presentationml/2006/main">
   <p:cSld>
     <p:spTree>
@@ -22024,7 +22222,7 @@
             <a:fld id="{57D12BB6-0ED4-46B6-AB23-7758AD07EFBF}" type="slidenum">
               <a:rPr lang="de-DE" smtClean="0"/>
               <a:pPr/>
-              <a:t>44</a:t>
+              <a:t>45</a:t>
             </a:fld>
             <a:endParaRPr lang="de-DE" dirty="0"/>
           </a:p>
@@ -22124,452 +22322,6 @@
 </p:sld>
 </file>
 
-<file path=ppt/slides/slide45.xml><?xml version="1.0" encoding="utf-8"?>
-<p:sld xmlns:a="http://schemas.openxmlformats.org/drawingml/2006/main" xmlns:r="http://schemas.openxmlformats.org/officeDocument/2006/relationships" xmlns:p="http://schemas.openxmlformats.org/presentationml/2006/main">
-  <p:cSld>
-    <p:spTree>
-      <p:nvGrpSpPr>
-        <p:cNvPr id="1" name=""/>
-        <p:cNvGrpSpPr/>
-        <p:nvPr/>
-      </p:nvGrpSpPr>
-      <p:grpSpPr>
-        <a:xfrm>
-          <a:off x="0" y="0"/>
-          <a:ext cx="0" cy="0"/>
-          <a:chOff x="0" y="0"/>
-          <a:chExt cx="0" cy="0"/>
-        </a:xfrm>
-      </p:grpSpPr>
-      <p:sp>
-        <p:nvSpPr>
-          <p:cNvPr id="2" name="Foliennummernplatzhalter 1"/>
-          <p:cNvSpPr>
-            <a:spLocks noGrp="1"/>
-          </p:cNvSpPr>
-          <p:nvPr>
-            <p:ph type="sldNum" sz="quarter" idx="11"/>
-          </p:nvPr>
-        </p:nvSpPr>
-        <p:spPr/>
-        <p:txBody>
-          <a:bodyPr/>
-          <a:lstStyle/>
-          <a:p>
-            <a:fld id="{57D12BB6-0ED4-46B6-AB23-7758AD07EFBF}" type="slidenum">
-              <a:rPr lang="de-DE" smtClean="0"/>
-              <a:pPr/>
-              <a:t>45</a:t>
-            </a:fld>
-            <a:endParaRPr lang="de-DE" dirty="0"/>
-          </a:p>
-        </p:txBody>
-      </p:sp>
-      <p:sp>
-        <p:nvSpPr>
-          <p:cNvPr id="3" name="Textplatzhalter 2"/>
-          <p:cNvSpPr>
-            <a:spLocks noGrp="1"/>
-          </p:cNvSpPr>
-          <p:nvPr>
-            <p:ph type="body" sz="quarter" idx="15"/>
-          </p:nvPr>
-        </p:nvSpPr>
-        <p:spPr>
-          <a:xfrm>
-            <a:off x="971550" y="2292349"/>
-            <a:ext cx="7740650" cy="4257675"/>
-          </a:xfrm>
-        </p:spPr>
-        <p:txBody>
-          <a:bodyPr/>
-          <a:lstStyle/>
-          <a:p>
-            <a:pPr marL="0" indent="0">
-              <a:buNone/>
-            </a:pPr>
-            <a:r>
-              <a:rPr lang="de-DE" sz="1000" dirty="0"/>
-              <a:t>[1] </a:t>
-            </a:r>
-            <a:r>
-              <a:rPr lang="de-DE" sz="1000" dirty="0">
-                <a:hlinkClick r:id="rId2"/>
-              </a:rPr>
-              <a:t>http://blog.gemalto.com/wp-content/uploads/2015/01/M2M-world-of-connected-services.jpg</a:t>
-            </a:r>
-            <a:r>
-              <a:rPr lang="de-DE" sz="1000" dirty="0"/>
-              <a:t> 05.11.2016</a:t>
-            </a:r>
-          </a:p>
-          <a:p>
-            <a:pPr marL="0" indent="0">
-              <a:buNone/>
-            </a:pPr>
-            <a:r>
-              <a:rPr lang="de-DE" sz="1000" dirty="0"/>
-              <a:t>[2] </a:t>
-            </a:r>
-            <a:r>
-              <a:rPr lang="de-DE" sz="1000" dirty="0">
-                <a:hlinkClick r:id="rId3"/>
-              </a:rPr>
-              <a:t>http://howtomechatronics.com/wp-content/uploads/2016/01/DHT11-DDHT22-Working-Principle.png?x57244</a:t>
-            </a:r>
-            <a:r>
-              <a:rPr lang="de-DE" sz="1000" dirty="0"/>
-              <a:t> 05.11.2016 </a:t>
-            </a:r>
-          </a:p>
-          <a:p>
-            <a:pPr marL="0" indent="0">
-              <a:buNone/>
-            </a:pPr>
-            <a:r>
-              <a:rPr lang="de-DE" sz="1000" dirty="0"/>
-              <a:t>[3] </a:t>
-            </a:r>
-            <a:r>
-              <a:rPr lang="de-DE" sz="1000" dirty="0">
-                <a:hlinkClick r:id="rId4"/>
-              </a:rPr>
-              <a:t>http://ic4l.net/wp-content/uploads/dht11-module-300x300.png</a:t>
-            </a:r>
-            <a:r>
-              <a:rPr lang="de-DE" sz="1000" dirty="0"/>
-              <a:t> 05.11.2016</a:t>
-            </a:r>
-          </a:p>
-          <a:p>
-            <a:pPr marL="0" indent="0">
-              <a:buNone/>
-            </a:pPr>
-            <a:r>
-              <a:rPr lang="de-DE" sz="1000" dirty="0"/>
-              <a:t>[4] DHT11 </a:t>
-            </a:r>
-            <a:r>
-              <a:rPr lang="de-DE" sz="1000" dirty="0" err="1"/>
-              <a:t>Humidity</a:t>
-            </a:r>
-            <a:r>
-              <a:rPr lang="de-DE" sz="1000" dirty="0"/>
-              <a:t> &amp; </a:t>
-            </a:r>
-            <a:r>
-              <a:rPr lang="de-DE" sz="1000" dirty="0" err="1"/>
-              <a:t>Temperature</a:t>
-            </a:r>
-            <a:r>
-              <a:rPr lang="de-DE" sz="1000" dirty="0"/>
-              <a:t> Sensor D-</a:t>
-            </a:r>
-            <a:r>
-              <a:rPr lang="de-DE" sz="1000" dirty="0" err="1"/>
-              <a:t>Robotics</a:t>
-            </a:r>
-            <a:r>
-              <a:rPr lang="de-DE" sz="1000" dirty="0"/>
-              <a:t> UK, D-</a:t>
-            </a:r>
-            <a:r>
-              <a:rPr lang="de-DE" sz="1000" dirty="0" err="1"/>
-              <a:t>Robotics</a:t>
-            </a:r>
-            <a:r>
-              <a:rPr lang="de-DE" sz="1000" dirty="0"/>
-              <a:t> 7/30/2010 </a:t>
-            </a:r>
-            <a:r>
-              <a:rPr lang="de-DE" sz="1000" dirty="0">
-                <a:hlinkClick r:id="rId5"/>
-              </a:rPr>
-              <a:t>http://www.micropik.com/PDF/dht11.pdf</a:t>
-            </a:r>
-            <a:r>
-              <a:rPr lang="de-DE" sz="1000" dirty="0"/>
-              <a:t> Seite XX, Absatz XX 05.11.2016</a:t>
-            </a:r>
-          </a:p>
-          <a:p>
-            <a:pPr marL="0" indent="0">
-              <a:buNone/>
-            </a:pPr>
-            <a:r>
-              <a:rPr lang="de-DE" sz="1000" dirty="0"/>
-              <a:t>[5] </a:t>
-            </a:r>
-            <a:r>
-              <a:rPr lang="de-DE" sz="1000" dirty="0">
-                <a:hlinkClick r:id="rId6"/>
-              </a:rPr>
-              <a:t>https://youtu.be/VelviRLkUeo</a:t>
-            </a:r>
-            <a:r>
-              <a:rPr lang="de-DE" sz="1000" dirty="0"/>
-              <a:t> 05.11.2016</a:t>
-            </a:r>
-          </a:p>
-          <a:p>
-            <a:pPr marL="0" indent="0">
-              <a:buNone/>
-            </a:pPr>
-            <a:r>
-              <a:rPr lang="de-DE" sz="1000" dirty="0"/>
-              <a:t>[6] </a:t>
-            </a:r>
-            <a:r>
-              <a:rPr lang="de-DE" sz="1000" dirty="0">
-                <a:hlinkClick r:id="rId7"/>
-              </a:rPr>
-              <a:t>https://www.adafruit.com/about</a:t>
-            </a:r>
-            <a:r>
-              <a:rPr lang="de-DE" sz="1000" dirty="0"/>
-              <a:t> 05.11.2016</a:t>
-            </a:r>
-          </a:p>
-          <a:p>
-            <a:pPr marL="0" indent="0">
-              <a:buNone/>
-            </a:pPr>
-            <a:r>
-              <a:rPr lang="de-DE" sz="1000" dirty="0"/>
-              <a:t>[7] </a:t>
-            </a:r>
-            <a:r>
-              <a:rPr lang="de-DE" sz="1000" dirty="0">
-                <a:hlinkClick r:id="rId8"/>
-              </a:rPr>
-              <a:t>https://io.adafruit.com/logos/logo_2x.png 05.11.2016</a:t>
-            </a:r>
-            <a:endParaRPr lang="de-DE" sz="1000" dirty="0"/>
-          </a:p>
-          <a:p>
-            <a:pPr marL="0" indent="0">
-              <a:buNone/>
-            </a:pPr>
-            <a:r>
-              <a:rPr lang="de-DE" sz="1000" dirty="0"/>
-              <a:t>[8] </a:t>
-            </a:r>
-            <a:r>
-              <a:rPr lang="de-DE" sz="1000" dirty="0">
-                <a:hlinkClick r:id="rId9"/>
-              </a:rPr>
-              <a:t>http://4sitewebsolutions.com/hvac/wp-content/uploads/2013/04/carrier3.png 06.11.2016</a:t>
-            </a:r>
-            <a:r>
-              <a:rPr lang="de-DE" sz="1000" dirty="0"/>
-              <a:t> </a:t>
-            </a:r>
-          </a:p>
-          <a:p>
-            <a:pPr marL="0" indent="0">
-              <a:buNone/>
-            </a:pPr>
-            <a:r>
-              <a:rPr lang="de-DE" sz="1000" dirty="0"/>
-              <a:t>[9] </a:t>
-            </a:r>
-            <a:r>
-              <a:rPr lang="de-DE" sz="1000" dirty="0">
-                <a:hlinkClick r:id="rId10"/>
-              </a:rPr>
-              <a:t>http://www.umweltbundesamt.de/themen/gesundheit/umwelteinfluesse-auf-den-menschen/schimmel/richtig-lueften-schimmelbildung-vermeiden 06.11.2016</a:t>
-            </a:r>
-            <a:endParaRPr lang="de-DE" sz="1000" dirty="0"/>
-          </a:p>
-          <a:p>
-            <a:pPr marL="0" indent="0">
-              <a:buNone/>
-            </a:pPr>
-            <a:r>
-              <a:rPr lang="de-DE" sz="1000" dirty="0"/>
-              <a:t>[10]http://images.google.de/imgres?imgurl=http%3A%2F%2Fwww.radon.com%2Fimages%2Ffigure6.gif&amp;imgrefurl=http%3A%2F%2Fwww.radon.com%2Fradon%2Fradon_analysis.html&amp;h=268&amp;w=337&amp;tbnid=OpSfZ3xZmypDgM%3A&amp;vet=1&amp;docid=NvviVYV6guTSMM&amp;ei=WKwhWKbEJcHlUea2gfgL&amp;tbm=isch&amp;client=firefox-b-ab&amp;iact=rc&amp;uact=3&amp;dur=460&amp;page=0&amp;start=0&amp;ndsp=41&amp;ved=0ahUKEwim0KyA_ZjQAhXBchQKHWZbAL8QMwggKAQwBA&amp;bih=969&amp;biw=1920 08.11.2016 </a:t>
-            </a:r>
-          </a:p>
-          <a:p>
-            <a:pPr marL="0" indent="0">
-              <a:buNone/>
-            </a:pPr>
-            <a:r>
-              <a:rPr lang="de-DE" sz="1000" dirty="0"/>
-              <a:t>[11] </a:t>
-            </a:r>
-            <a:r>
-              <a:rPr lang="de-DE" sz="1000" dirty="0">
-                <a:hlinkClick r:id="rId11"/>
-              </a:rPr>
-              <a:t>https://www.adafruit.com/category/17</a:t>
-            </a:r>
-            <a:r>
-              <a:rPr lang="de-DE" sz="1000" dirty="0"/>
-              <a:t> 	06.12.2016</a:t>
-            </a:r>
-          </a:p>
-          <a:p>
-            <a:pPr marL="0" indent="0">
-              <a:buNone/>
-            </a:pPr>
-            <a:r>
-              <a:rPr lang="de-DE" sz="1000" dirty="0"/>
-              <a:t>[12] </a:t>
-            </a:r>
-            <a:r>
-              <a:rPr lang="de-DE" sz="1000" dirty="0">
-                <a:hlinkClick r:id="rId12"/>
-              </a:rPr>
-              <a:t>https://learn.adafruit.com/adafruit-io/overview</a:t>
-            </a:r>
-            <a:r>
-              <a:rPr lang="de-DE" sz="1000" dirty="0"/>
-              <a:t>	06.12.2016</a:t>
-            </a:r>
-          </a:p>
-          <a:p>
-            <a:pPr marL="0" indent="0">
-              <a:buNone/>
-            </a:pPr>
-            <a:r>
-              <a:rPr lang="de-DE" sz="1000" dirty="0"/>
-              <a:t>[13] </a:t>
-            </a:r>
-            <a:r>
-              <a:rPr lang="de-DE" sz="1000" dirty="0">
-                <a:hlinkClick r:id="rId13"/>
-              </a:rPr>
-              <a:t>https://learn.adafruit.com/adafruit-io/client-libraries</a:t>
-            </a:r>
-            <a:r>
-              <a:rPr lang="de-DE" sz="1000" dirty="0"/>
-              <a:t>	06.12.2016</a:t>
-            </a:r>
-          </a:p>
-          <a:p>
-            <a:pPr marL="0" indent="0">
-              <a:buNone/>
-            </a:pPr>
-            <a:r>
-              <a:rPr lang="de-DE" sz="1000" dirty="0"/>
-              <a:t>[14] </a:t>
-            </a:r>
-            <a:r>
-              <a:rPr lang="de-DE" sz="1000" dirty="0">
-                <a:hlinkClick r:id="rId14"/>
-              </a:rPr>
-              <a:t>https://learn.adafruit.com/adafruit-io/browser</a:t>
-            </a:r>
-            <a:r>
-              <a:rPr lang="de-DE" sz="1000" dirty="0"/>
-              <a:t>		06.12.2016</a:t>
-            </a:r>
-          </a:p>
-          <a:p>
-            <a:pPr marL="0" indent="0">
-              <a:buNone/>
-            </a:pPr>
-            <a:r>
-              <a:rPr lang="de-DE" sz="1000" dirty="0"/>
-              <a:t>[15] </a:t>
-            </a:r>
-            <a:r>
-              <a:rPr lang="de-DE" sz="1000" dirty="0">
-                <a:hlinkClick r:id="rId15"/>
-              </a:rPr>
-              <a:t>https://learn.adafruit.com/adafruit-io/mqtt-api</a:t>
-            </a:r>
-            <a:r>
-              <a:rPr lang="de-DE" sz="1000" dirty="0"/>
-              <a:t>		06.12.2016</a:t>
-            </a:r>
-          </a:p>
-          <a:p>
-            <a:pPr marL="0" indent="0">
-              <a:buNone/>
-            </a:pPr>
-            <a:endParaRPr lang="de-DE" sz="1000" dirty="0"/>
-          </a:p>
-          <a:p>
-            <a:pPr marL="0" indent="0">
-              <a:buNone/>
-            </a:pPr>
-            <a:endParaRPr lang="de-DE" sz="1000" dirty="0"/>
-          </a:p>
-          <a:p>
-            <a:pPr marL="0" indent="0">
-              <a:buNone/>
-            </a:pPr>
-            <a:endParaRPr lang="de-DE" sz="1000" dirty="0"/>
-          </a:p>
-          <a:p>
-            <a:pPr marL="0" indent="0">
-              <a:buNone/>
-            </a:pPr>
-            <a:endParaRPr lang="de-DE" sz="1000" dirty="0"/>
-          </a:p>
-        </p:txBody>
-      </p:sp>
-      <p:sp>
-        <p:nvSpPr>
-          <p:cNvPr id="4" name="Titel 3"/>
-          <p:cNvSpPr>
-            <a:spLocks noGrp="1"/>
-          </p:cNvSpPr>
-          <p:nvPr>
-            <p:ph type="title"/>
-          </p:nvPr>
-        </p:nvSpPr>
-        <p:spPr/>
-        <p:txBody>
-          <a:bodyPr/>
-          <a:lstStyle/>
-          <a:p>
-            <a:r>
-              <a:rPr lang="de-DE" dirty="0"/>
-              <a:t>Quellen</a:t>
-            </a:r>
-          </a:p>
-        </p:txBody>
-      </p:sp>
-      <p:sp>
-        <p:nvSpPr>
-          <p:cNvPr id="5" name="Fußzeilenplatzhalter 4"/>
-          <p:cNvSpPr>
-            <a:spLocks noGrp="1"/>
-          </p:cNvSpPr>
-          <p:nvPr>
-            <p:ph type="ftr" sz="quarter" idx="16"/>
-          </p:nvPr>
-        </p:nvSpPr>
-        <p:spPr/>
-        <p:txBody>
-          <a:bodyPr/>
-          <a:lstStyle/>
-          <a:p>
-            <a:r>
-              <a:rPr lang="de-DE" altLang="de-DE"/>
-              <a:t>Hochschule Mannheim | Julia Geigl, Klemens Behr, Kevin Höfle</a:t>
-            </a:r>
-            <a:endParaRPr lang="de-DE" altLang="de-DE" dirty="0"/>
-          </a:p>
-        </p:txBody>
-      </p:sp>
-    </p:spTree>
-    <p:extLst>
-      <p:ext uri="{BB962C8B-B14F-4D97-AF65-F5344CB8AC3E}">
-        <p14:creationId xmlns:p14="http://schemas.microsoft.com/office/powerpoint/2010/main" val="3863859420"/>
-      </p:ext>
-    </p:extLst>
-  </p:cSld>
-  <p:clrMapOvr>
-    <a:masterClrMapping/>
-  </p:clrMapOvr>
-  <p:transition/>
-</p:sld>
-</file>
-
 <file path=ppt/slides/slide46.xml><?xml version="1.0" encoding="utf-8"?>
 <p:sld xmlns:a="http://schemas.openxmlformats.org/drawingml/2006/main" xmlns:r="http://schemas.openxmlformats.org/officeDocument/2006/relationships" xmlns:p="http://schemas.openxmlformats.org/presentationml/2006/main">
   <p:cSld>
@@ -22613,6 +22365,452 @@
       </p:sp>
       <p:sp>
         <p:nvSpPr>
+          <p:cNvPr id="3" name="Textplatzhalter 2"/>
+          <p:cNvSpPr>
+            <a:spLocks noGrp="1"/>
+          </p:cNvSpPr>
+          <p:nvPr>
+            <p:ph type="body" sz="quarter" idx="15"/>
+          </p:nvPr>
+        </p:nvSpPr>
+        <p:spPr>
+          <a:xfrm>
+            <a:off x="971550" y="2292349"/>
+            <a:ext cx="7740650" cy="4257675"/>
+          </a:xfrm>
+        </p:spPr>
+        <p:txBody>
+          <a:bodyPr/>
+          <a:lstStyle/>
+          <a:p>
+            <a:pPr marL="0" indent="0">
+              <a:buNone/>
+            </a:pPr>
+            <a:r>
+              <a:rPr lang="de-DE" sz="1000" dirty="0"/>
+              <a:t>[1] </a:t>
+            </a:r>
+            <a:r>
+              <a:rPr lang="de-DE" sz="1000" dirty="0">
+                <a:hlinkClick r:id="rId2"/>
+              </a:rPr>
+              <a:t>http://blog.gemalto.com/wp-content/uploads/2015/01/M2M-world-of-connected-services.jpg</a:t>
+            </a:r>
+            <a:r>
+              <a:rPr lang="de-DE" sz="1000" dirty="0"/>
+              <a:t> 05.11.2016</a:t>
+            </a:r>
+          </a:p>
+          <a:p>
+            <a:pPr marL="0" indent="0">
+              <a:buNone/>
+            </a:pPr>
+            <a:r>
+              <a:rPr lang="de-DE" sz="1000" dirty="0"/>
+              <a:t>[2] </a:t>
+            </a:r>
+            <a:r>
+              <a:rPr lang="de-DE" sz="1000" dirty="0">
+                <a:hlinkClick r:id="rId3"/>
+              </a:rPr>
+              <a:t>http://howtomechatronics.com/wp-content/uploads/2016/01/DHT11-DDHT22-Working-Principle.png?x57244</a:t>
+            </a:r>
+            <a:r>
+              <a:rPr lang="de-DE" sz="1000" dirty="0"/>
+              <a:t> 05.11.2016 </a:t>
+            </a:r>
+          </a:p>
+          <a:p>
+            <a:pPr marL="0" indent="0">
+              <a:buNone/>
+            </a:pPr>
+            <a:r>
+              <a:rPr lang="de-DE" sz="1000" dirty="0"/>
+              <a:t>[3] </a:t>
+            </a:r>
+            <a:r>
+              <a:rPr lang="de-DE" sz="1000" dirty="0">
+                <a:hlinkClick r:id="rId4"/>
+              </a:rPr>
+              <a:t>http://ic4l.net/wp-content/uploads/dht11-module-300x300.png</a:t>
+            </a:r>
+            <a:r>
+              <a:rPr lang="de-DE" sz="1000" dirty="0"/>
+              <a:t> 05.11.2016</a:t>
+            </a:r>
+          </a:p>
+          <a:p>
+            <a:pPr marL="0" indent="0">
+              <a:buNone/>
+            </a:pPr>
+            <a:r>
+              <a:rPr lang="de-DE" sz="1000" dirty="0"/>
+              <a:t>[4] DHT11 </a:t>
+            </a:r>
+            <a:r>
+              <a:rPr lang="de-DE" sz="1000" dirty="0" err="1"/>
+              <a:t>Humidity</a:t>
+            </a:r>
+            <a:r>
+              <a:rPr lang="de-DE" sz="1000" dirty="0"/>
+              <a:t> &amp; </a:t>
+            </a:r>
+            <a:r>
+              <a:rPr lang="de-DE" sz="1000" dirty="0" err="1"/>
+              <a:t>Temperature</a:t>
+            </a:r>
+            <a:r>
+              <a:rPr lang="de-DE" sz="1000" dirty="0"/>
+              <a:t> Sensor D-</a:t>
+            </a:r>
+            <a:r>
+              <a:rPr lang="de-DE" sz="1000" dirty="0" err="1"/>
+              <a:t>Robotics</a:t>
+            </a:r>
+            <a:r>
+              <a:rPr lang="de-DE" sz="1000" dirty="0"/>
+              <a:t> UK, D-</a:t>
+            </a:r>
+            <a:r>
+              <a:rPr lang="de-DE" sz="1000" dirty="0" err="1"/>
+              <a:t>Robotics</a:t>
+            </a:r>
+            <a:r>
+              <a:rPr lang="de-DE" sz="1000" dirty="0"/>
+              <a:t> 7/30/2010 </a:t>
+            </a:r>
+            <a:r>
+              <a:rPr lang="de-DE" sz="1000" dirty="0">
+                <a:hlinkClick r:id="rId5"/>
+              </a:rPr>
+              <a:t>http://www.micropik.com/PDF/dht11.pdf</a:t>
+            </a:r>
+            <a:r>
+              <a:rPr lang="de-DE" sz="1000" dirty="0"/>
+              <a:t> Seite XX, Absatz XX 05.11.2016</a:t>
+            </a:r>
+          </a:p>
+          <a:p>
+            <a:pPr marL="0" indent="0">
+              <a:buNone/>
+            </a:pPr>
+            <a:r>
+              <a:rPr lang="de-DE" sz="1000" dirty="0"/>
+              <a:t>[5] </a:t>
+            </a:r>
+            <a:r>
+              <a:rPr lang="de-DE" sz="1000" dirty="0">
+                <a:hlinkClick r:id="rId6"/>
+              </a:rPr>
+              <a:t>https://youtu.be/VelviRLkUeo</a:t>
+            </a:r>
+            <a:r>
+              <a:rPr lang="de-DE" sz="1000" dirty="0"/>
+              <a:t> 05.11.2016</a:t>
+            </a:r>
+          </a:p>
+          <a:p>
+            <a:pPr marL="0" indent="0">
+              <a:buNone/>
+            </a:pPr>
+            <a:r>
+              <a:rPr lang="de-DE" sz="1000" dirty="0"/>
+              <a:t>[6] </a:t>
+            </a:r>
+            <a:r>
+              <a:rPr lang="de-DE" sz="1000" dirty="0">
+                <a:hlinkClick r:id="rId7"/>
+              </a:rPr>
+              <a:t>https://www.adafruit.com/about</a:t>
+            </a:r>
+            <a:r>
+              <a:rPr lang="de-DE" sz="1000" dirty="0"/>
+              <a:t> 05.11.2016</a:t>
+            </a:r>
+          </a:p>
+          <a:p>
+            <a:pPr marL="0" indent="0">
+              <a:buNone/>
+            </a:pPr>
+            <a:r>
+              <a:rPr lang="de-DE" sz="1000" dirty="0"/>
+              <a:t>[7] </a:t>
+            </a:r>
+            <a:r>
+              <a:rPr lang="de-DE" sz="1000" dirty="0">
+                <a:hlinkClick r:id="rId8"/>
+              </a:rPr>
+              <a:t>https://io.adafruit.com/logos/logo_2x.png 05.11.2016</a:t>
+            </a:r>
+            <a:endParaRPr lang="de-DE" sz="1000" dirty="0"/>
+          </a:p>
+          <a:p>
+            <a:pPr marL="0" indent="0">
+              <a:buNone/>
+            </a:pPr>
+            <a:r>
+              <a:rPr lang="de-DE" sz="1000" dirty="0"/>
+              <a:t>[8] </a:t>
+            </a:r>
+            <a:r>
+              <a:rPr lang="de-DE" sz="1000" dirty="0">
+                <a:hlinkClick r:id="rId9"/>
+              </a:rPr>
+              <a:t>http://4sitewebsolutions.com/hvac/wp-content/uploads/2013/04/carrier3.png 06.11.2016</a:t>
+            </a:r>
+            <a:r>
+              <a:rPr lang="de-DE" sz="1000" dirty="0"/>
+              <a:t> </a:t>
+            </a:r>
+          </a:p>
+          <a:p>
+            <a:pPr marL="0" indent="0">
+              <a:buNone/>
+            </a:pPr>
+            <a:r>
+              <a:rPr lang="de-DE" sz="1000" dirty="0"/>
+              <a:t>[9] </a:t>
+            </a:r>
+            <a:r>
+              <a:rPr lang="de-DE" sz="1000" dirty="0">
+                <a:hlinkClick r:id="rId10"/>
+              </a:rPr>
+              <a:t>http://www.umweltbundesamt.de/themen/gesundheit/umwelteinfluesse-auf-den-menschen/schimmel/richtig-lueften-schimmelbildung-vermeiden 06.11.2016</a:t>
+            </a:r>
+            <a:endParaRPr lang="de-DE" sz="1000" dirty="0"/>
+          </a:p>
+          <a:p>
+            <a:pPr marL="0" indent="0">
+              <a:buNone/>
+            </a:pPr>
+            <a:r>
+              <a:rPr lang="de-DE" sz="1000" dirty="0"/>
+              <a:t>[10]http://images.google.de/imgres?imgurl=http%3A%2F%2Fwww.radon.com%2Fimages%2Ffigure6.gif&amp;imgrefurl=http%3A%2F%2Fwww.radon.com%2Fradon%2Fradon_analysis.html&amp;h=268&amp;w=337&amp;tbnid=OpSfZ3xZmypDgM%3A&amp;vet=1&amp;docid=NvviVYV6guTSMM&amp;ei=WKwhWKbEJcHlUea2gfgL&amp;tbm=isch&amp;client=firefox-b-ab&amp;iact=rc&amp;uact=3&amp;dur=460&amp;page=0&amp;start=0&amp;ndsp=41&amp;ved=0ahUKEwim0KyA_ZjQAhXBchQKHWZbAL8QMwggKAQwBA&amp;bih=969&amp;biw=1920 08.11.2016 </a:t>
+            </a:r>
+          </a:p>
+          <a:p>
+            <a:pPr marL="0" indent="0">
+              <a:buNone/>
+            </a:pPr>
+            <a:r>
+              <a:rPr lang="de-DE" sz="1000" dirty="0"/>
+              <a:t>[11] </a:t>
+            </a:r>
+            <a:r>
+              <a:rPr lang="de-DE" sz="1000" dirty="0">
+                <a:hlinkClick r:id="rId11"/>
+              </a:rPr>
+              <a:t>https://www.adafruit.com/category/17</a:t>
+            </a:r>
+            <a:r>
+              <a:rPr lang="de-DE" sz="1000" dirty="0"/>
+              <a:t> 	06.12.2016</a:t>
+            </a:r>
+          </a:p>
+          <a:p>
+            <a:pPr marL="0" indent="0">
+              <a:buNone/>
+            </a:pPr>
+            <a:r>
+              <a:rPr lang="de-DE" sz="1000" dirty="0"/>
+              <a:t>[12] </a:t>
+            </a:r>
+            <a:r>
+              <a:rPr lang="de-DE" sz="1000" dirty="0">
+                <a:hlinkClick r:id="rId12"/>
+              </a:rPr>
+              <a:t>https://learn.adafruit.com/adafruit-io/overview</a:t>
+            </a:r>
+            <a:r>
+              <a:rPr lang="de-DE" sz="1000" dirty="0"/>
+              <a:t>	06.12.2016</a:t>
+            </a:r>
+          </a:p>
+          <a:p>
+            <a:pPr marL="0" indent="0">
+              <a:buNone/>
+            </a:pPr>
+            <a:r>
+              <a:rPr lang="de-DE" sz="1000" dirty="0"/>
+              <a:t>[13] </a:t>
+            </a:r>
+            <a:r>
+              <a:rPr lang="de-DE" sz="1000" dirty="0">
+                <a:hlinkClick r:id="rId13"/>
+              </a:rPr>
+              <a:t>https://learn.adafruit.com/adafruit-io/client-libraries</a:t>
+            </a:r>
+            <a:r>
+              <a:rPr lang="de-DE" sz="1000" dirty="0"/>
+              <a:t>	06.12.2016</a:t>
+            </a:r>
+          </a:p>
+          <a:p>
+            <a:pPr marL="0" indent="0">
+              <a:buNone/>
+            </a:pPr>
+            <a:r>
+              <a:rPr lang="de-DE" sz="1000" dirty="0"/>
+              <a:t>[14] </a:t>
+            </a:r>
+            <a:r>
+              <a:rPr lang="de-DE" sz="1000" dirty="0">
+                <a:hlinkClick r:id="rId14"/>
+              </a:rPr>
+              <a:t>https://learn.adafruit.com/adafruit-io/browser</a:t>
+            </a:r>
+            <a:r>
+              <a:rPr lang="de-DE" sz="1000" dirty="0"/>
+              <a:t>		06.12.2016</a:t>
+            </a:r>
+          </a:p>
+          <a:p>
+            <a:pPr marL="0" indent="0">
+              <a:buNone/>
+            </a:pPr>
+            <a:r>
+              <a:rPr lang="de-DE" sz="1000" dirty="0"/>
+              <a:t>[15] </a:t>
+            </a:r>
+            <a:r>
+              <a:rPr lang="de-DE" sz="1000" dirty="0">
+                <a:hlinkClick r:id="rId15"/>
+              </a:rPr>
+              <a:t>https://learn.adafruit.com/adafruit-io/mqtt-api</a:t>
+            </a:r>
+            <a:r>
+              <a:rPr lang="de-DE" sz="1000" dirty="0"/>
+              <a:t>		06.12.2016</a:t>
+            </a:r>
+          </a:p>
+          <a:p>
+            <a:pPr marL="0" indent="0">
+              <a:buNone/>
+            </a:pPr>
+            <a:endParaRPr lang="de-DE" sz="1000" dirty="0"/>
+          </a:p>
+          <a:p>
+            <a:pPr marL="0" indent="0">
+              <a:buNone/>
+            </a:pPr>
+            <a:endParaRPr lang="de-DE" sz="1000" dirty="0"/>
+          </a:p>
+          <a:p>
+            <a:pPr marL="0" indent="0">
+              <a:buNone/>
+            </a:pPr>
+            <a:endParaRPr lang="de-DE" sz="1000" dirty="0"/>
+          </a:p>
+          <a:p>
+            <a:pPr marL="0" indent="0">
+              <a:buNone/>
+            </a:pPr>
+            <a:endParaRPr lang="de-DE" sz="1000" dirty="0"/>
+          </a:p>
+        </p:txBody>
+      </p:sp>
+      <p:sp>
+        <p:nvSpPr>
+          <p:cNvPr id="4" name="Titel 3"/>
+          <p:cNvSpPr>
+            <a:spLocks noGrp="1"/>
+          </p:cNvSpPr>
+          <p:nvPr>
+            <p:ph type="title"/>
+          </p:nvPr>
+        </p:nvSpPr>
+        <p:spPr/>
+        <p:txBody>
+          <a:bodyPr/>
+          <a:lstStyle/>
+          <a:p>
+            <a:r>
+              <a:rPr lang="de-DE" dirty="0"/>
+              <a:t>Quellen</a:t>
+            </a:r>
+          </a:p>
+        </p:txBody>
+      </p:sp>
+      <p:sp>
+        <p:nvSpPr>
+          <p:cNvPr id="5" name="Fußzeilenplatzhalter 4"/>
+          <p:cNvSpPr>
+            <a:spLocks noGrp="1"/>
+          </p:cNvSpPr>
+          <p:nvPr>
+            <p:ph type="ftr" sz="quarter" idx="16"/>
+          </p:nvPr>
+        </p:nvSpPr>
+        <p:spPr/>
+        <p:txBody>
+          <a:bodyPr/>
+          <a:lstStyle/>
+          <a:p>
+            <a:r>
+              <a:rPr lang="de-DE" altLang="de-DE"/>
+              <a:t>Hochschule Mannheim | Julia Geigl, Klemens Behr, Kevin Höfle</a:t>
+            </a:r>
+            <a:endParaRPr lang="de-DE" altLang="de-DE" dirty="0"/>
+          </a:p>
+        </p:txBody>
+      </p:sp>
+    </p:spTree>
+    <p:extLst>
+      <p:ext uri="{BB962C8B-B14F-4D97-AF65-F5344CB8AC3E}">
+        <p14:creationId xmlns:p14="http://schemas.microsoft.com/office/powerpoint/2010/main" val="3863859420"/>
+      </p:ext>
+    </p:extLst>
+  </p:cSld>
+  <p:clrMapOvr>
+    <a:masterClrMapping/>
+  </p:clrMapOvr>
+  <p:transition/>
+</p:sld>
+</file>
+
+<file path=ppt/slides/slide47.xml><?xml version="1.0" encoding="utf-8"?>
+<p:sld xmlns:a="http://schemas.openxmlformats.org/drawingml/2006/main" xmlns:r="http://schemas.openxmlformats.org/officeDocument/2006/relationships" xmlns:p="http://schemas.openxmlformats.org/presentationml/2006/main">
+  <p:cSld>
+    <p:spTree>
+      <p:nvGrpSpPr>
+        <p:cNvPr id="1" name=""/>
+        <p:cNvGrpSpPr/>
+        <p:nvPr/>
+      </p:nvGrpSpPr>
+      <p:grpSpPr>
+        <a:xfrm>
+          <a:off x="0" y="0"/>
+          <a:ext cx="0" cy="0"/>
+          <a:chOff x="0" y="0"/>
+          <a:chExt cx="0" cy="0"/>
+        </a:xfrm>
+      </p:grpSpPr>
+      <p:sp>
+        <p:nvSpPr>
+          <p:cNvPr id="2" name="Foliennummernplatzhalter 1"/>
+          <p:cNvSpPr>
+            <a:spLocks noGrp="1"/>
+          </p:cNvSpPr>
+          <p:nvPr>
+            <p:ph type="sldNum" sz="quarter" idx="11"/>
+          </p:nvPr>
+        </p:nvSpPr>
+        <p:spPr/>
+        <p:txBody>
+          <a:bodyPr/>
+          <a:lstStyle/>
+          <a:p>
+            <a:fld id="{57D12BB6-0ED4-46B6-AB23-7758AD07EFBF}" type="slidenum">
+              <a:rPr lang="de-DE" smtClean="0"/>
+              <a:pPr/>
+              <a:t>47</a:t>
+            </a:fld>
+            <a:endParaRPr lang="de-DE" dirty="0"/>
+          </a:p>
+        </p:txBody>
+      </p:sp>
+      <p:sp>
+        <p:nvSpPr>
           <p:cNvPr id="4" name="Titel 3"/>
           <p:cNvSpPr>
             <a:spLocks noGrp="1"/>
@@ -22683,7 +22881,7 @@
 </p:sld>
 </file>
 
-<file path=ppt/slides/slide47.xml><?xml version="1.0" encoding="utf-8"?>
+<file path=ppt/slides/slide48.xml><?xml version="1.0" encoding="utf-8"?>
 <p:sld xmlns:a="http://schemas.openxmlformats.org/drawingml/2006/main" xmlns:r="http://schemas.openxmlformats.org/officeDocument/2006/relationships" xmlns:p="http://schemas.openxmlformats.org/presentationml/2006/main" show="0">
   <p:cSld>
     <p:spTree>
@@ -22718,7 +22916,7 @@
             <a:fld id="{57D12BB6-0ED4-46B6-AB23-7758AD07EFBF}" type="slidenum">
               <a:rPr lang="de-DE" smtClean="0"/>
               <a:pPr/>
-              <a:t>47</a:t>
+              <a:t>48</a:t>
             </a:fld>
             <a:endParaRPr lang="de-DE" dirty="0"/>
           </a:p>
@@ -23336,7 +23534,7 @@
 </p:sld>
 </file>
 
-<file path=ppt/slides/slide48.xml><?xml version="1.0" encoding="utf-8"?>
+<file path=ppt/slides/slide49.xml><?xml version="1.0" encoding="utf-8"?>
 <p:sld xmlns:a="http://schemas.openxmlformats.org/drawingml/2006/main" xmlns:r="http://schemas.openxmlformats.org/officeDocument/2006/relationships" xmlns:p="http://schemas.openxmlformats.org/presentationml/2006/main" show="0">
   <p:cSld>
     <p:spTree>
@@ -23371,7 +23569,7 @@
             <a:fld id="{57D12BB6-0ED4-46B6-AB23-7758AD07EFBF}" type="slidenum">
               <a:rPr lang="de-DE" smtClean="0"/>
               <a:pPr/>
-              <a:t>48</a:t>
+              <a:t>49</a:t>
             </a:fld>
             <a:endParaRPr lang="de-DE" dirty="0"/>
           </a:p>
@@ -23462,142 +23660,6 @@
     <p:extLst>
       <p:ext uri="{BB962C8B-B14F-4D97-AF65-F5344CB8AC3E}">
         <p14:creationId xmlns:p14="http://schemas.microsoft.com/office/powerpoint/2010/main" val="355042386"/>
-      </p:ext>
-    </p:extLst>
-  </p:cSld>
-  <p:clrMapOvr>
-    <a:masterClrMapping/>
-  </p:clrMapOvr>
-  <p:transition/>
-</p:sld>
-</file>
-
-<file path=ppt/slides/slide49.xml><?xml version="1.0" encoding="utf-8"?>
-<p:sld xmlns:a="http://schemas.openxmlformats.org/drawingml/2006/main" xmlns:r="http://schemas.openxmlformats.org/officeDocument/2006/relationships" xmlns:p="http://schemas.openxmlformats.org/presentationml/2006/main" show="0">
-  <p:cSld>
-    <p:spTree>
-      <p:nvGrpSpPr>
-        <p:cNvPr id="1" name=""/>
-        <p:cNvGrpSpPr/>
-        <p:nvPr/>
-      </p:nvGrpSpPr>
-      <p:grpSpPr>
-        <a:xfrm>
-          <a:off x="0" y="0"/>
-          <a:ext cx="0" cy="0"/>
-          <a:chOff x="0" y="0"/>
-          <a:chExt cx="0" cy="0"/>
-        </a:xfrm>
-      </p:grpSpPr>
-      <p:sp>
-        <p:nvSpPr>
-          <p:cNvPr id="2" name="Foliennummernplatzhalter 1"/>
-          <p:cNvSpPr>
-            <a:spLocks noGrp="1"/>
-          </p:cNvSpPr>
-          <p:nvPr>
-            <p:ph type="sldNum" sz="quarter" idx="11"/>
-          </p:nvPr>
-        </p:nvSpPr>
-        <p:spPr/>
-        <p:txBody>
-          <a:bodyPr/>
-          <a:lstStyle/>
-          <a:p>
-            <a:fld id="{57D12BB6-0ED4-46B6-AB23-7758AD07EFBF}" type="slidenum">
-              <a:rPr lang="de-DE" smtClean="0"/>
-              <a:pPr/>
-              <a:t>49</a:t>
-            </a:fld>
-            <a:endParaRPr lang="de-DE" dirty="0"/>
-          </a:p>
-        </p:txBody>
-      </p:sp>
-      <p:sp>
-        <p:nvSpPr>
-          <p:cNvPr id="4" name="Titel 3"/>
-          <p:cNvSpPr>
-            <a:spLocks noGrp="1"/>
-          </p:cNvSpPr>
-          <p:nvPr>
-            <p:ph type="title"/>
-          </p:nvPr>
-        </p:nvSpPr>
-        <p:spPr/>
-        <p:txBody>
-          <a:bodyPr/>
-          <a:lstStyle/>
-          <a:p>
-            <a:r>
-              <a:rPr lang="de-DE" dirty="0" err="1"/>
-              <a:t>Adafruit</a:t>
-            </a:r>
-            <a:r>
-              <a:rPr lang="de-DE" dirty="0"/>
-              <a:t> IO – </a:t>
-            </a:r>
-            <a:r>
-              <a:rPr lang="de-DE" dirty="0" err="1"/>
-              <a:t>Your</a:t>
-            </a:r>
-            <a:r>
-              <a:rPr lang="de-DE" dirty="0"/>
-              <a:t> Dashboards</a:t>
-            </a:r>
-          </a:p>
-        </p:txBody>
-      </p:sp>
-      <p:sp>
-        <p:nvSpPr>
-          <p:cNvPr id="5" name="Fußzeilenplatzhalter 4"/>
-          <p:cNvSpPr>
-            <a:spLocks noGrp="1"/>
-          </p:cNvSpPr>
-          <p:nvPr>
-            <p:ph type="ftr" sz="quarter" idx="16"/>
-          </p:nvPr>
-        </p:nvSpPr>
-        <p:spPr/>
-        <p:txBody>
-          <a:bodyPr/>
-          <a:lstStyle/>
-          <a:p>
-            <a:r>
-              <a:rPr lang="de-DE" altLang="de-DE"/>
-              <a:t>Hochschule Mannheim | Julia Geigl, Klemens Behr, Kevin Höfle</a:t>
-            </a:r>
-            <a:endParaRPr lang="de-DE" altLang="de-DE" dirty="0"/>
-          </a:p>
-        </p:txBody>
-      </p:sp>
-      <p:pic>
-        <p:nvPicPr>
-          <p:cNvPr id="6" name="Inhaltsplatzhalter 3"/>
-          <p:cNvPicPr>
-            <a:picLocks noChangeAspect="1"/>
-          </p:cNvPicPr>
-          <p:nvPr/>
-        </p:nvPicPr>
-        <p:blipFill>
-          <a:blip r:embed="rId2"/>
-          <a:stretch>
-            <a:fillRect/>
-          </a:stretch>
-        </p:blipFill>
-        <p:spPr>
-          <a:xfrm>
-            <a:off x="-815" y="2240868"/>
-            <a:ext cx="9215889" cy="2196244"/>
-          </a:xfrm>
-          <a:prstGeom prst="rect">
-            <a:avLst/>
-          </a:prstGeom>
-        </p:spPr>
-      </p:pic>
-    </p:spTree>
-    <p:extLst>
-      <p:ext uri="{BB962C8B-B14F-4D97-AF65-F5344CB8AC3E}">
-        <p14:creationId xmlns:p14="http://schemas.microsoft.com/office/powerpoint/2010/main" val="3934670538"/>
       </p:ext>
     </p:extLst>
   </p:cSld>
@@ -23995,6 +24057,142 @@
     <p:extLst>
       <p:ext uri="{BB962C8B-B14F-4D97-AF65-F5344CB8AC3E}">
         <p14:creationId xmlns:p14="http://schemas.microsoft.com/office/powerpoint/2010/main" val="3262197473"/>
+      </p:ext>
+    </p:extLst>
+  </p:cSld>
+  <p:clrMapOvr>
+    <a:masterClrMapping/>
+  </p:clrMapOvr>
+  <p:transition/>
+</p:sld>
+</file>
+
+<file path=ppt/slides/slide50.xml><?xml version="1.0" encoding="utf-8"?>
+<p:sld xmlns:a="http://schemas.openxmlformats.org/drawingml/2006/main" xmlns:r="http://schemas.openxmlformats.org/officeDocument/2006/relationships" xmlns:p="http://schemas.openxmlformats.org/presentationml/2006/main" show="0">
+  <p:cSld>
+    <p:spTree>
+      <p:nvGrpSpPr>
+        <p:cNvPr id="1" name=""/>
+        <p:cNvGrpSpPr/>
+        <p:nvPr/>
+      </p:nvGrpSpPr>
+      <p:grpSpPr>
+        <a:xfrm>
+          <a:off x="0" y="0"/>
+          <a:ext cx="0" cy="0"/>
+          <a:chOff x="0" y="0"/>
+          <a:chExt cx="0" cy="0"/>
+        </a:xfrm>
+      </p:grpSpPr>
+      <p:sp>
+        <p:nvSpPr>
+          <p:cNvPr id="2" name="Foliennummernplatzhalter 1"/>
+          <p:cNvSpPr>
+            <a:spLocks noGrp="1"/>
+          </p:cNvSpPr>
+          <p:nvPr>
+            <p:ph type="sldNum" sz="quarter" idx="11"/>
+          </p:nvPr>
+        </p:nvSpPr>
+        <p:spPr/>
+        <p:txBody>
+          <a:bodyPr/>
+          <a:lstStyle/>
+          <a:p>
+            <a:fld id="{57D12BB6-0ED4-46B6-AB23-7758AD07EFBF}" type="slidenum">
+              <a:rPr lang="de-DE" smtClean="0"/>
+              <a:pPr/>
+              <a:t>50</a:t>
+            </a:fld>
+            <a:endParaRPr lang="de-DE" dirty="0"/>
+          </a:p>
+        </p:txBody>
+      </p:sp>
+      <p:sp>
+        <p:nvSpPr>
+          <p:cNvPr id="4" name="Titel 3"/>
+          <p:cNvSpPr>
+            <a:spLocks noGrp="1"/>
+          </p:cNvSpPr>
+          <p:nvPr>
+            <p:ph type="title"/>
+          </p:nvPr>
+        </p:nvSpPr>
+        <p:spPr/>
+        <p:txBody>
+          <a:bodyPr/>
+          <a:lstStyle/>
+          <a:p>
+            <a:r>
+              <a:rPr lang="de-DE" dirty="0" err="1"/>
+              <a:t>Adafruit</a:t>
+            </a:r>
+            <a:r>
+              <a:rPr lang="de-DE" dirty="0"/>
+              <a:t> IO – </a:t>
+            </a:r>
+            <a:r>
+              <a:rPr lang="de-DE" dirty="0" err="1"/>
+              <a:t>Your</a:t>
+            </a:r>
+            <a:r>
+              <a:rPr lang="de-DE" dirty="0"/>
+              <a:t> Dashboards</a:t>
+            </a:r>
+          </a:p>
+        </p:txBody>
+      </p:sp>
+      <p:sp>
+        <p:nvSpPr>
+          <p:cNvPr id="5" name="Fußzeilenplatzhalter 4"/>
+          <p:cNvSpPr>
+            <a:spLocks noGrp="1"/>
+          </p:cNvSpPr>
+          <p:nvPr>
+            <p:ph type="ftr" sz="quarter" idx="16"/>
+          </p:nvPr>
+        </p:nvSpPr>
+        <p:spPr/>
+        <p:txBody>
+          <a:bodyPr/>
+          <a:lstStyle/>
+          <a:p>
+            <a:r>
+              <a:rPr lang="de-DE" altLang="de-DE"/>
+              <a:t>Hochschule Mannheim | Julia Geigl, Klemens Behr, Kevin Höfle</a:t>
+            </a:r>
+            <a:endParaRPr lang="de-DE" altLang="de-DE" dirty="0"/>
+          </a:p>
+        </p:txBody>
+      </p:sp>
+      <p:pic>
+        <p:nvPicPr>
+          <p:cNvPr id="6" name="Inhaltsplatzhalter 3"/>
+          <p:cNvPicPr>
+            <a:picLocks noChangeAspect="1"/>
+          </p:cNvPicPr>
+          <p:nvPr/>
+        </p:nvPicPr>
+        <p:blipFill>
+          <a:blip r:embed="rId2"/>
+          <a:stretch>
+            <a:fillRect/>
+          </a:stretch>
+        </p:blipFill>
+        <p:spPr>
+          <a:xfrm>
+            <a:off x="-815" y="2240868"/>
+            <a:ext cx="9215889" cy="2196244"/>
+          </a:xfrm>
+          <a:prstGeom prst="rect">
+            <a:avLst/>
+          </a:prstGeom>
+        </p:spPr>
+      </p:pic>
+    </p:spTree>
+    <p:extLst>
+      <p:ext uri="{BB962C8B-B14F-4D97-AF65-F5344CB8AC3E}">
+        <p14:creationId xmlns:p14="http://schemas.microsoft.com/office/powerpoint/2010/main" val="3934670538"/>
       </p:ext>
     </p:extLst>
   </p:cSld>

--- a/PES_FH_VERS.pptx
+++ b/PES_FH_VERS.pptx
@@ -11426,23 +11426,18 @@
             <p:ph type="subTitle" idx="1"/>
           </p:nvPr>
         </p:nvSpPr>
-        <p:spPr/>
-        <p:txBody>
-          <a:bodyPr/>
-          <a:lstStyle/>
-          <a:p>
-            <a:r>
-              <a:rPr lang="en-US" dirty="0" err="1"/>
-              <a:t>Projektarbeit</a:t>
-            </a:r>
-            <a:r>
-              <a:rPr lang="en-US" dirty="0"/>
-              <a:t> PES</a:t>
-            </a:r>
-          </a:p>
-          <a:p>
-            <a:r>
-              <a:rPr lang="en-US" dirty="0"/>
+        <p:spPr>
+          <a:xfrm>
+            <a:off x="957078" y="3465004"/>
+            <a:ext cx="7740650" cy="1584325"/>
+          </a:xfrm>
+        </p:spPr>
+        <p:txBody>
+          <a:bodyPr/>
+          <a:lstStyle/>
+          <a:p>
+            <a:r>
+              <a:rPr lang="en-US" dirty="0" smtClean="0"/>
               <a:t>Julia </a:t>
             </a:r>
             <a:r>
@@ -11468,39 +11463,61 @@
               <a:t>Prof. Dr. Jens-Matthias </a:t>
             </a:r>
             <a:r>
-              <a:rPr lang="en-US" dirty="0" err="1"/>
+              <a:rPr lang="en-US" dirty="0" err="1" smtClean="0"/>
               <a:t>Bohli</a:t>
             </a:r>
             <a:endParaRPr lang="en-US" dirty="0"/>
           </a:p>
-          <a:p>
-            <a:r>
-              <a:rPr lang="en-US" dirty="0"/>
-              <a:t>Hochschule Mannheim</a:t>
+        </p:txBody>
+      </p:sp>
+      <p:sp>
+        <p:nvSpPr>
+          <p:cNvPr id="3" name="Title 2"/>
+          <p:cNvSpPr>
+            <a:spLocks noGrp="1"/>
+          </p:cNvSpPr>
+          <p:nvPr>
+            <p:ph type="title"/>
+          </p:nvPr>
+        </p:nvSpPr>
+        <p:spPr/>
+        <p:txBody>
+          <a:bodyPr/>
+          <a:lstStyle/>
+          <a:p>
+            <a:r>
+              <a:rPr lang="de-DE" dirty="0"/>
+              <a:t>IoT Projekt – </a:t>
+            </a:r>
+            <a:r>
+              <a:rPr lang="de-DE" dirty="0" smtClean="0"/>
+              <a:t>Feuchtigkeits- und Temperaturüberwachung </a:t>
+            </a:r>
+            <a:r>
+              <a:rPr lang="de-DE" dirty="0"/>
+              <a:t>mit </a:t>
+            </a:r>
+            <a:r>
+              <a:rPr lang="de-DE" dirty="0" err="1"/>
+              <a:t>Arduino</a:t>
+            </a:r>
+            <a:r>
+              <a:rPr lang="de-DE" dirty="0"/>
+              <a:t> </a:t>
+            </a:r>
+            <a:r>
+              <a:rPr lang="de-DE" dirty="0" smtClean="0"/>
+              <a:t>DUE und </a:t>
+            </a:r>
+            <a:r>
+              <a:rPr lang="de-DE" dirty="0" err="1" smtClean="0"/>
+              <a:t>Adafruit</a:t>
+            </a:r>
+            <a:r>
+              <a:rPr lang="de-DE" dirty="0" smtClean="0"/>
+              <a:t> IO</a:t>
             </a:r>
             <a:endParaRPr lang="de-DE" dirty="0"/>
-          </a:p>
-        </p:txBody>
-      </p:sp>
-      <p:sp>
-        <p:nvSpPr>
-          <p:cNvPr id="3" name="Title 2"/>
-          <p:cNvSpPr>
-            <a:spLocks noGrp="1"/>
-          </p:cNvSpPr>
-          <p:nvPr>
-            <p:ph type="title"/>
-          </p:nvPr>
-        </p:nvSpPr>
-        <p:spPr/>
-        <p:txBody>
-          <a:bodyPr/>
-          <a:lstStyle/>
-          <a:p>
-            <a:r>
-              <a:rPr lang="de-DE" dirty="0"/>
-              <a:t>IoT Projekt – Feuchtigkeitsüberwachung mit Arduino DUE</a:t>
-            </a:r>
           </a:p>
         </p:txBody>
       </p:sp>
@@ -11526,6 +11543,47 @@
           </a:p>
         </p:txBody>
       </p:sp>
+      <p:pic>
+        <p:nvPicPr>
+          <p:cNvPr id="5" name="Picture 2" descr="Adafruit Logo"/>
+          <p:cNvPicPr>
+            <a:picLocks noChangeAspect="1" noChangeArrowheads="1"/>
+          </p:cNvPicPr>
+          <p:nvPr/>
+        </p:nvPicPr>
+        <p:blipFill>
+          <a:blip r:embed="rId3">
+            <a:extLst>
+              <a:ext uri="{28A0092B-C50C-407E-A947-70E740481C1C}">
+                <a14:useLocalDpi xmlns:a14="http://schemas.microsoft.com/office/drawing/2010/main" val="0"/>
+              </a:ext>
+            </a:extLst>
+          </a:blip>
+          <a:srcRect/>
+          <a:stretch>
+            <a:fillRect/>
+          </a:stretch>
+        </p:blipFill>
+        <p:spPr bwMode="auto">
+          <a:xfrm>
+            <a:off x="6156176" y="3404479"/>
+            <a:ext cx="2457451" cy="857251"/>
+          </a:xfrm>
+          <a:prstGeom prst="rect">
+            <a:avLst/>
+          </a:prstGeom>
+          <a:noFill/>
+          <a:extLst>
+            <a:ext uri="{909E8E84-426E-40DD-AFC4-6F175D3DCCD1}">
+              <a14:hiddenFill xmlns:a14="http://schemas.microsoft.com/office/drawing/2010/main">
+                <a:solidFill>
+                  <a:srgbClr val="FFFFFF"/>
+                </a:solidFill>
+              </a14:hiddenFill>
+            </a:ext>
+          </a:extLst>
+        </p:spPr>
+      </p:pic>
     </p:spTree>
     <p:extLst>
       <p:ext uri="{BB962C8B-B14F-4D97-AF65-F5344CB8AC3E}">

--- a/PES_FH_VERS.pptx
+++ b/PES_FH_VERS.pptx
@@ -6,10 +6,10 @@
     <p:sldMasterId id="2147483666" r:id="rId2"/>
   </p:sldMasterIdLst>
   <p:notesMasterIdLst>
-    <p:notesMasterId r:id="rId53"/>
+    <p:notesMasterId r:id="rId56"/>
   </p:notesMasterIdLst>
   <p:handoutMasterIdLst>
-    <p:handoutMasterId r:id="rId54"/>
+    <p:handoutMasterId r:id="rId57"/>
   </p:handoutMasterIdLst>
   <p:sldIdLst>
     <p:sldId id="256" r:id="rId3"/>
@@ -27,41 +27,44 @@
     <p:sldId id="344" r:id="rId15"/>
     <p:sldId id="318" r:id="rId16"/>
     <p:sldId id="319" r:id="rId17"/>
-    <p:sldId id="320" r:id="rId18"/>
-    <p:sldId id="321" r:id="rId19"/>
-    <p:sldId id="325" r:id="rId20"/>
-    <p:sldId id="326" r:id="rId21"/>
-    <p:sldId id="327" r:id="rId22"/>
-    <p:sldId id="345" r:id="rId23"/>
-    <p:sldId id="338" r:id="rId24"/>
-    <p:sldId id="347" r:id="rId25"/>
-    <p:sldId id="362" r:id="rId26"/>
-    <p:sldId id="363" r:id="rId27"/>
-    <p:sldId id="346" r:id="rId28"/>
-    <p:sldId id="348" r:id="rId29"/>
-    <p:sldId id="349" r:id="rId30"/>
-    <p:sldId id="350" r:id="rId31"/>
-    <p:sldId id="351" r:id="rId32"/>
-    <p:sldId id="365" r:id="rId33"/>
-    <p:sldId id="352" r:id="rId34"/>
-    <p:sldId id="353" r:id="rId35"/>
-    <p:sldId id="354" r:id="rId36"/>
-    <p:sldId id="355" r:id="rId37"/>
-    <p:sldId id="356" r:id="rId38"/>
-    <p:sldId id="332" r:id="rId39"/>
-    <p:sldId id="334" r:id="rId40"/>
-    <p:sldId id="335" r:id="rId41"/>
-    <p:sldId id="330" r:id="rId42"/>
-    <p:sldId id="333" r:id="rId43"/>
-    <p:sldId id="357" r:id="rId44"/>
-    <p:sldId id="358" r:id="rId45"/>
-    <p:sldId id="359" r:id="rId46"/>
-    <p:sldId id="360" r:id="rId47"/>
-    <p:sldId id="337" r:id="rId48"/>
-    <p:sldId id="364" r:id="rId49"/>
-    <p:sldId id="329" r:id="rId50"/>
-    <p:sldId id="331" r:id="rId51"/>
-    <p:sldId id="336" r:id="rId52"/>
+    <p:sldId id="366" r:id="rId18"/>
+    <p:sldId id="367" r:id="rId19"/>
+    <p:sldId id="368" r:id="rId20"/>
+    <p:sldId id="320" r:id="rId21"/>
+    <p:sldId id="321" r:id="rId22"/>
+    <p:sldId id="325" r:id="rId23"/>
+    <p:sldId id="326" r:id="rId24"/>
+    <p:sldId id="327" r:id="rId25"/>
+    <p:sldId id="345" r:id="rId26"/>
+    <p:sldId id="338" r:id="rId27"/>
+    <p:sldId id="347" r:id="rId28"/>
+    <p:sldId id="362" r:id="rId29"/>
+    <p:sldId id="363" r:id="rId30"/>
+    <p:sldId id="346" r:id="rId31"/>
+    <p:sldId id="348" r:id="rId32"/>
+    <p:sldId id="349" r:id="rId33"/>
+    <p:sldId id="350" r:id="rId34"/>
+    <p:sldId id="351" r:id="rId35"/>
+    <p:sldId id="365" r:id="rId36"/>
+    <p:sldId id="352" r:id="rId37"/>
+    <p:sldId id="353" r:id="rId38"/>
+    <p:sldId id="354" r:id="rId39"/>
+    <p:sldId id="355" r:id="rId40"/>
+    <p:sldId id="356" r:id="rId41"/>
+    <p:sldId id="332" r:id="rId42"/>
+    <p:sldId id="334" r:id="rId43"/>
+    <p:sldId id="335" r:id="rId44"/>
+    <p:sldId id="330" r:id="rId45"/>
+    <p:sldId id="333" r:id="rId46"/>
+    <p:sldId id="357" r:id="rId47"/>
+    <p:sldId id="358" r:id="rId48"/>
+    <p:sldId id="359" r:id="rId49"/>
+    <p:sldId id="360" r:id="rId50"/>
+    <p:sldId id="337" r:id="rId51"/>
+    <p:sldId id="364" r:id="rId52"/>
+    <p:sldId id="329" r:id="rId53"/>
+    <p:sldId id="331" r:id="rId54"/>
+    <p:sldId id="336" r:id="rId55"/>
   </p:sldIdLst>
   <p:sldSz cx="9144000" cy="6858000" type="screen4x3"/>
   <p:notesSz cx="6858000" cy="9144000"/>
@@ -210,6 +213,9 @@
             <p14:sldId id="344"/>
             <p14:sldId id="318"/>
             <p14:sldId id="319"/>
+            <p14:sldId id="366"/>
+            <p14:sldId id="367"/>
+            <p14:sldId id="368"/>
             <p14:sldId id="320"/>
             <p14:sldId id="321"/>
             <p14:sldId id="325"/>
@@ -1694,7 +1700,7 @@
             <a:fld id="{1760A340-2167-4270-89CF-50EB6C0DB420}" type="slidenum">
               <a:rPr lang="de-DE" altLang="de-DE" smtClean="0"/>
               <a:pPr/>
-              <a:t>16</a:t>
+              <a:t>19</a:t>
             </a:fld>
             <a:endParaRPr lang="de-DE" altLang="de-DE"/>
           </a:p>
@@ -1782,7 +1788,7 @@
             <a:fld id="{1760A340-2167-4270-89CF-50EB6C0DB420}" type="slidenum">
               <a:rPr lang="de-DE" altLang="de-DE" smtClean="0"/>
               <a:pPr/>
-              <a:t>18</a:t>
+              <a:t>21</a:t>
             </a:fld>
             <a:endParaRPr lang="de-DE" altLang="de-DE"/>
           </a:p>
@@ -1870,7 +1876,7 @@
             <a:fld id="{1760A340-2167-4270-89CF-50EB6C0DB420}" type="slidenum">
               <a:rPr lang="de-DE" altLang="de-DE" smtClean="0"/>
               <a:pPr/>
-              <a:t>19</a:t>
+              <a:t>22</a:t>
             </a:fld>
             <a:endParaRPr lang="de-DE" altLang="de-DE"/>
           </a:p>
@@ -1958,7 +1964,7 @@
             <a:fld id="{1760A340-2167-4270-89CF-50EB6C0DB420}" type="slidenum">
               <a:rPr lang="de-DE" altLang="de-DE" smtClean="0"/>
               <a:pPr/>
-              <a:t>20</a:t>
+              <a:t>23</a:t>
             </a:fld>
             <a:endParaRPr lang="de-DE" altLang="de-DE"/>
           </a:p>
@@ -2046,7 +2052,7 @@
             <a:fld id="{1760A340-2167-4270-89CF-50EB6C0DB420}" type="slidenum">
               <a:rPr lang="de-DE" altLang="de-DE" smtClean="0"/>
               <a:pPr/>
-              <a:t>21</a:t>
+              <a:t>24</a:t>
             </a:fld>
             <a:endParaRPr lang="de-DE" altLang="de-DE"/>
           </a:p>
@@ -2134,7 +2140,7 @@
             <a:fld id="{1760A340-2167-4270-89CF-50EB6C0DB420}" type="slidenum">
               <a:rPr lang="de-DE" altLang="de-DE" smtClean="0"/>
               <a:pPr/>
-              <a:t>24</a:t>
+              <a:t>27</a:t>
             </a:fld>
             <a:endParaRPr lang="de-DE" altLang="de-DE"/>
           </a:p>
@@ -2330,7 +2336,7 @@
             <a:fld id="{1760A340-2167-4270-89CF-50EB6C0DB420}" type="slidenum">
               <a:rPr lang="de-DE" altLang="de-DE" smtClean="0"/>
               <a:pPr/>
-              <a:t>25</a:t>
+              <a:t>28</a:t>
             </a:fld>
             <a:endParaRPr lang="de-DE" altLang="de-DE"/>
           </a:p>
@@ -2418,7 +2424,7 @@
             <a:fld id="{1760A340-2167-4270-89CF-50EB6C0DB420}" type="slidenum">
               <a:rPr lang="de-DE" altLang="de-DE" smtClean="0"/>
               <a:pPr/>
-              <a:t>26</a:t>
+              <a:t>29</a:t>
             </a:fld>
             <a:endParaRPr lang="de-DE" altLang="de-DE"/>
           </a:p>
@@ -2526,7 +2532,7 @@
             <a:fld id="{1760A340-2167-4270-89CF-50EB6C0DB420}" type="slidenum">
               <a:rPr lang="de-DE" altLang="de-DE" smtClean="0"/>
               <a:pPr/>
-              <a:t>27</a:t>
+              <a:t>30</a:t>
             </a:fld>
             <a:endParaRPr lang="de-DE" altLang="de-DE"/>
           </a:p>
@@ -2634,7 +2640,7 @@
             <a:fld id="{1760A340-2167-4270-89CF-50EB6C0DB420}" type="slidenum">
               <a:rPr lang="de-DE" altLang="de-DE" smtClean="0"/>
               <a:pPr/>
-              <a:t>28</a:t>
+              <a:t>31</a:t>
             </a:fld>
             <a:endParaRPr lang="de-DE" altLang="de-DE"/>
           </a:p>
@@ -2742,7 +2748,7 @@
             <a:fld id="{1760A340-2167-4270-89CF-50EB6C0DB420}" type="slidenum">
               <a:rPr lang="de-DE" altLang="de-DE" smtClean="0"/>
               <a:pPr/>
-              <a:t>29</a:t>
+              <a:t>32</a:t>
             </a:fld>
             <a:endParaRPr lang="de-DE" altLang="de-DE"/>
           </a:p>
@@ -2850,7 +2856,7 @@
             <a:fld id="{1760A340-2167-4270-89CF-50EB6C0DB420}" type="slidenum">
               <a:rPr lang="de-DE" altLang="de-DE" smtClean="0"/>
               <a:pPr/>
-              <a:t>30</a:t>
+              <a:t>33</a:t>
             </a:fld>
             <a:endParaRPr lang="de-DE" altLang="de-DE"/>
           </a:p>
@@ -2938,7 +2944,7 @@
             <a:fld id="{1760A340-2167-4270-89CF-50EB6C0DB420}" type="slidenum">
               <a:rPr lang="de-DE" altLang="de-DE" smtClean="0"/>
               <a:pPr/>
-              <a:t>31</a:t>
+              <a:t>34</a:t>
             </a:fld>
             <a:endParaRPr lang="de-DE" altLang="de-DE"/>
           </a:p>
@@ -3046,7 +3052,7 @@
             <a:fld id="{1760A340-2167-4270-89CF-50EB6C0DB420}" type="slidenum">
               <a:rPr lang="de-DE" altLang="de-DE" smtClean="0"/>
               <a:pPr/>
-              <a:t>32</a:t>
+              <a:t>35</a:t>
             </a:fld>
             <a:endParaRPr lang="de-DE" altLang="de-DE"/>
           </a:p>
@@ -3134,7 +3140,7 @@
             <a:fld id="{1760A340-2167-4270-89CF-50EB6C0DB420}" type="slidenum">
               <a:rPr lang="de-DE" altLang="de-DE" smtClean="0"/>
               <a:pPr/>
-              <a:t>33</a:t>
+              <a:t>36</a:t>
             </a:fld>
             <a:endParaRPr lang="de-DE" altLang="de-DE"/>
           </a:p>
@@ -3242,7 +3248,7 @@
             <a:fld id="{1760A340-2167-4270-89CF-50EB6C0DB420}" type="slidenum">
               <a:rPr lang="de-DE" altLang="de-DE" smtClean="0"/>
               <a:pPr/>
-              <a:t>34</a:t>
+              <a:t>37</a:t>
             </a:fld>
             <a:endParaRPr lang="de-DE" altLang="de-DE"/>
           </a:p>
@@ -3458,7 +3464,7 @@
             <a:fld id="{1760A340-2167-4270-89CF-50EB6C0DB420}" type="slidenum">
               <a:rPr lang="de-DE" altLang="de-DE" smtClean="0"/>
               <a:pPr/>
-              <a:t>35</a:t>
+              <a:t>38</a:t>
             </a:fld>
             <a:endParaRPr lang="de-DE" altLang="de-DE"/>
           </a:p>
@@ -3566,7 +3572,7 @@
             <a:fld id="{1760A340-2167-4270-89CF-50EB6C0DB420}" type="slidenum">
               <a:rPr lang="de-DE" altLang="de-DE" smtClean="0"/>
               <a:pPr/>
-              <a:t>36</a:t>
+              <a:t>39</a:t>
             </a:fld>
             <a:endParaRPr lang="de-DE" altLang="de-DE"/>
           </a:p>
@@ -3674,7 +3680,7 @@
             <a:fld id="{1760A340-2167-4270-89CF-50EB6C0DB420}" type="slidenum">
               <a:rPr lang="de-DE" altLang="de-DE" smtClean="0"/>
               <a:pPr/>
-              <a:t>37</a:t>
+              <a:t>40</a:t>
             </a:fld>
             <a:endParaRPr lang="de-DE" altLang="de-DE"/>
           </a:p>
@@ -3782,7 +3788,7 @@
             <a:fld id="{1760A340-2167-4270-89CF-50EB6C0DB420}" type="slidenum">
               <a:rPr lang="de-DE" altLang="de-DE" smtClean="0"/>
               <a:pPr/>
-              <a:t>39</a:t>
+              <a:t>42</a:t>
             </a:fld>
             <a:endParaRPr lang="de-DE" altLang="de-DE"/>
           </a:p>
@@ -3890,7 +3896,7 @@
             <a:fld id="{1760A340-2167-4270-89CF-50EB6C0DB420}" type="slidenum">
               <a:rPr lang="de-DE" altLang="de-DE" smtClean="0"/>
               <a:pPr/>
-              <a:t>40</a:t>
+              <a:t>43</a:t>
             </a:fld>
             <a:endParaRPr lang="de-DE" altLang="de-DE"/>
           </a:p>
@@ -3998,7 +4004,7 @@
             <a:fld id="{1760A340-2167-4270-89CF-50EB6C0DB420}" type="slidenum">
               <a:rPr lang="de-DE" altLang="de-DE" smtClean="0"/>
               <a:pPr/>
-              <a:t>41</a:t>
+              <a:t>44</a:t>
             </a:fld>
             <a:endParaRPr lang="de-DE" altLang="de-DE"/>
           </a:p>
@@ -4106,7 +4112,7 @@
             <a:fld id="{1760A340-2167-4270-89CF-50EB6C0DB420}" type="slidenum">
               <a:rPr lang="de-DE" altLang="de-DE" smtClean="0"/>
               <a:pPr/>
-              <a:t>42</a:t>
+              <a:t>45</a:t>
             </a:fld>
             <a:endParaRPr lang="de-DE" altLang="de-DE"/>
           </a:p>
@@ -4214,7 +4220,7 @@
             <a:fld id="{1760A340-2167-4270-89CF-50EB6C0DB420}" type="slidenum">
               <a:rPr lang="de-DE" altLang="de-DE" smtClean="0"/>
               <a:pPr/>
-              <a:t>43</a:t>
+              <a:t>46</a:t>
             </a:fld>
             <a:endParaRPr lang="de-DE" altLang="de-DE"/>
           </a:p>
@@ -4322,7 +4328,7 @@
             <a:fld id="{1760A340-2167-4270-89CF-50EB6C0DB420}" type="slidenum">
               <a:rPr lang="de-DE" altLang="de-DE" smtClean="0"/>
               <a:pPr/>
-              <a:t>44</a:t>
+              <a:t>47</a:t>
             </a:fld>
             <a:endParaRPr lang="de-DE" altLang="de-DE"/>
           </a:p>
@@ -4430,7 +4436,7 @@
             <a:fld id="{1760A340-2167-4270-89CF-50EB6C0DB420}" type="slidenum">
               <a:rPr lang="de-DE" altLang="de-DE" smtClean="0"/>
               <a:pPr/>
-              <a:t>45</a:t>
+              <a:t>48</a:t>
             </a:fld>
             <a:endParaRPr lang="de-DE" altLang="de-DE"/>
           </a:p>
@@ -13622,7 +13628,7 @@
 </file>
 
 <file path=ppt/slides/slide15.xml><?xml version="1.0" encoding="utf-8"?>
-<p:sld xmlns:a="http://schemas.openxmlformats.org/drawingml/2006/main" xmlns:r="http://schemas.openxmlformats.org/officeDocument/2006/relationships" xmlns:p="http://schemas.openxmlformats.org/presentationml/2006/main">
+<p:sld xmlns:a="http://schemas.openxmlformats.org/drawingml/2006/main" xmlns:r="http://schemas.openxmlformats.org/officeDocument/2006/relationships" xmlns:p="http://schemas.openxmlformats.org/presentationml/2006/main" show="0">
   <p:cSld>
     <p:spTree>
       <p:nvGrpSpPr>
@@ -13723,7 +13729,7 @@
         </p:blipFill>
         <p:spPr>
           <a:xfrm>
-            <a:off x="742509" y="2175132"/>
+            <a:off x="704309" y="1969509"/>
             <a:ext cx="8275132" cy="1613908"/>
           </a:xfrm>
           <a:prstGeom prst="rect">
@@ -13770,6 +13776,563 @@
           </a:p>
         </p:txBody>
       </p:sp>
+      <p:graphicFrame>
+        <p:nvGraphicFramePr>
+          <p:cNvPr id="8" name="Tabelle 7"/>
+          <p:cNvGraphicFramePr>
+            <a:graphicFrameLocks noGrp="1"/>
+          </p:cNvGraphicFramePr>
+          <p:nvPr>
+            <p:extLst>
+              <p:ext uri="{D42A27DB-BD31-4B8C-83A1-F6EECF244321}">
+                <p14:modId xmlns:p14="http://schemas.microsoft.com/office/powerpoint/2010/main" val="83512365"/>
+              </p:ext>
+            </p:extLst>
+          </p:nvPr>
+        </p:nvGraphicFramePr>
+        <p:xfrm>
+          <a:off x="0" y="3144634"/>
+          <a:ext cx="9144001" cy="2108200"/>
+        </p:xfrm>
+        <a:graphic>
+          <a:graphicData uri="http://schemas.openxmlformats.org/drawingml/2006/table">
+            <a:tbl>
+              <a:tblPr firstRow="1" bandRow="1">
+                <a:tableStyleId>{5C22544A-7EE6-4342-B048-85BDC9FD1C3A}</a:tableStyleId>
+              </a:tblPr>
+              <a:tblGrid>
+                <a:gridCol w="1583668">
+                  <a:extLst>
+                    <a:ext uri="{9D8B030D-6E8A-4147-A177-3AD203B41FA5}">
+                      <a16:colId xmlns:a16="http://schemas.microsoft.com/office/drawing/2014/main" val="3717458139"/>
+                    </a:ext>
+                  </a:extLst>
+                </a:gridCol>
+                <a:gridCol w="1764196">
+                  <a:extLst>
+                    <a:ext uri="{9D8B030D-6E8A-4147-A177-3AD203B41FA5}">
+                      <a16:colId xmlns:a16="http://schemas.microsoft.com/office/drawing/2014/main" val="70899588"/>
+                    </a:ext>
+                  </a:extLst>
+                </a:gridCol>
+                <a:gridCol w="1584176">
+                  <a:extLst>
+                    <a:ext uri="{9D8B030D-6E8A-4147-A177-3AD203B41FA5}">
+                      <a16:colId xmlns:a16="http://schemas.microsoft.com/office/drawing/2014/main" val="1325853478"/>
+                    </a:ext>
+                  </a:extLst>
+                </a:gridCol>
+                <a:gridCol w="1512168">
+                  <a:extLst>
+                    <a:ext uri="{9D8B030D-6E8A-4147-A177-3AD203B41FA5}">
+                      <a16:colId xmlns:a16="http://schemas.microsoft.com/office/drawing/2014/main" val="3780816783"/>
+                    </a:ext>
+                  </a:extLst>
+                </a:gridCol>
+                <a:gridCol w="1368152">
+                  <a:extLst>
+                    <a:ext uri="{9D8B030D-6E8A-4147-A177-3AD203B41FA5}">
+                      <a16:colId xmlns:a16="http://schemas.microsoft.com/office/drawing/2014/main" val="65223837"/>
+                    </a:ext>
+                  </a:extLst>
+                </a:gridCol>
+                <a:gridCol w="1331641">
+                  <a:extLst>
+                    <a:ext uri="{9D8B030D-6E8A-4147-A177-3AD203B41FA5}">
+                      <a16:colId xmlns:a16="http://schemas.microsoft.com/office/drawing/2014/main" val="246599727"/>
+                    </a:ext>
+                  </a:extLst>
+                </a:gridCol>
+              </a:tblGrid>
+              <a:tr h="370840">
+                <a:tc>
+                  <a:txBody>
+                    <a:bodyPr/>
+                    <a:lstStyle/>
+                    <a:p>
+                      <a:pPr algn="ctr"/>
+                      <a:r>
+                        <a:rPr lang="de-DE" dirty="0" smtClean="0"/>
+                        <a:t>DHT11</a:t>
+                      </a:r>
+                      <a:endParaRPr lang="de-DE" dirty="0"/>
+                    </a:p>
+                  </a:txBody>
+                  <a:tcPr/>
+                </a:tc>
+                <a:tc>
+                  <a:txBody>
+                    <a:bodyPr/>
+                    <a:lstStyle/>
+                    <a:p>
+                      <a:pPr algn="ctr"/>
+                      <a:r>
+                        <a:rPr lang="de-DE" dirty="0" smtClean="0"/>
+                        <a:t>Bedingungen</a:t>
+                      </a:r>
+                      <a:endParaRPr lang="de-DE" dirty="0"/>
+                    </a:p>
+                  </a:txBody>
+                  <a:tcPr/>
+                </a:tc>
+                <a:tc>
+                  <a:txBody>
+                    <a:bodyPr/>
+                    <a:lstStyle/>
+                    <a:p>
+                      <a:pPr marL="0" marR="0" indent="0" algn="ctr" defTabSz="914400" rtl="0" eaLnBrk="1" fontAlgn="auto" latinLnBrk="0" hangingPunct="1">
+                        <a:lnSpc>
+                          <a:spcPct val="100000"/>
+                        </a:lnSpc>
+                        <a:spcBef>
+                          <a:spcPts val="0"/>
+                        </a:spcBef>
+                        <a:spcAft>
+                          <a:spcPts val="0"/>
+                        </a:spcAft>
+                        <a:buClrTx/>
+                        <a:buSzTx/>
+                        <a:buFontTx/>
+                        <a:buNone/>
+                        <a:tabLst/>
+                        <a:defRPr/>
+                      </a:pPr>
+                      <a:r>
+                        <a:rPr lang="de-DE" dirty="0" smtClean="0"/>
+                        <a:t>Reichweite</a:t>
+                      </a:r>
+                    </a:p>
+                  </a:txBody>
+                  <a:tcPr/>
+                </a:tc>
+                <a:tc>
+                  <a:txBody>
+                    <a:bodyPr/>
+                    <a:lstStyle/>
+                    <a:p>
+                      <a:pPr algn="ctr"/>
+                      <a:r>
+                        <a:rPr lang="de-DE" dirty="0" smtClean="0"/>
+                        <a:t>Genauigkeit</a:t>
+                      </a:r>
+                      <a:endParaRPr lang="de-DE" dirty="0"/>
+                    </a:p>
+                  </a:txBody>
+                  <a:tcPr/>
+                </a:tc>
+                <a:tc>
+                  <a:txBody>
+                    <a:bodyPr/>
+                    <a:lstStyle/>
+                    <a:p>
+                      <a:pPr algn="ctr"/>
+                      <a:r>
+                        <a:rPr lang="de-DE" dirty="0" smtClean="0"/>
+                        <a:t>Response</a:t>
+                      </a:r>
+                      <a:r>
+                        <a:rPr lang="de-DE" baseline="0" dirty="0" smtClean="0"/>
+                        <a:t> </a:t>
+                      </a:r>
+                    </a:p>
+                    <a:p>
+                      <a:pPr algn="ctr"/>
+                      <a:r>
+                        <a:rPr lang="de-DE" baseline="0" dirty="0" smtClean="0"/>
+                        <a:t>Time</a:t>
+                      </a:r>
+                      <a:endParaRPr lang="de-DE" dirty="0"/>
+                    </a:p>
+                  </a:txBody>
+                  <a:tcPr/>
+                </a:tc>
+                <a:tc>
+                  <a:txBody>
+                    <a:bodyPr/>
+                    <a:lstStyle/>
+                    <a:p>
+                      <a:pPr algn="ctr"/>
+                      <a:r>
+                        <a:rPr lang="de-DE" dirty="0" smtClean="0"/>
+                        <a:t>Auflösung</a:t>
+                      </a:r>
+                      <a:endParaRPr lang="de-DE" dirty="0"/>
+                    </a:p>
+                  </a:txBody>
+                  <a:tcPr/>
+                </a:tc>
+                <a:extLst>
+                  <a:ext uri="{0D108BD9-81ED-4DB2-BD59-A6C34878D82A}">
+                    <a16:rowId xmlns:a16="http://schemas.microsoft.com/office/drawing/2014/main" val="3818207720"/>
+                  </a:ext>
+                </a:extLst>
+              </a:tr>
+              <a:tr h="123613">
+                <a:tc rowSpan="3">
+                  <a:txBody>
+                    <a:bodyPr/>
+                    <a:lstStyle/>
+                    <a:p>
+                      <a:pPr algn="ctr"/>
+                      <a:r>
+                        <a:rPr lang="de-DE" dirty="0" smtClean="0"/>
+                        <a:t>Feuchtigkeit</a:t>
+                      </a:r>
+                      <a:endParaRPr lang="de-DE" dirty="0"/>
+                    </a:p>
+                  </a:txBody>
+                  <a:tcPr/>
+                </a:tc>
+                <a:tc>
+                  <a:txBody>
+                    <a:bodyPr/>
+                    <a:lstStyle/>
+                    <a:p>
+                      <a:pPr algn="ctr"/>
+                      <a:r>
+                        <a:rPr lang="de-DE" dirty="0" smtClean="0"/>
+                        <a:t>0° C</a:t>
+                      </a:r>
+                      <a:endParaRPr lang="de-DE" dirty="0"/>
+                    </a:p>
+                  </a:txBody>
+                  <a:tcPr/>
+                </a:tc>
+                <a:tc>
+                  <a:txBody>
+                    <a:bodyPr/>
+                    <a:lstStyle/>
+                    <a:p>
+                      <a:pPr algn="ctr"/>
+                      <a:r>
+                        <a:rPr lang="de-DE" dirty="0" smtClean="0"/>
+                        <a:t>30% - 90%</a:t>
+                      </a:r>
+                      <a:endParaRPr lang="de-DE" dirty="0"/>
+                    </a:p>
+                  </a:txBody>
+                  <a:tcPr/>
+                </a:tc>
+                <a:tc rowSpan="3">
+                  <a:txBody>
+                    <a:bodyPr/>
+                    <a:lstStyle/>
+                    <a:p>
+                      <a:pPr algn="ctr"/>
+                      <a:r>
+                        <a:rPr lang="de-DE" dirty="0" smtClean="0"/>
+                        <a:t>+ /</a:t>
+                      </a:r>
+                      <a:r>
+                        <a:rPr lang="de-DE" baseline="0" dirty="0" smtClean="0"/>
+                        <a:t> - 5%</a:t>
+                      </a:r>
+                      <a:endParaRPr lang="de-DE" dirty="0"/>
+                    </a:p>
+                  </a:txBody>
+                  <a:tcPr/>
+                </a:tc>
+                <a:tc rowSpan="3">
+                  <a:txBody>
+                    <a:bodyPr/>
+                    <a:lstStyle/>
+                    <a:p>
+                      <a:pPr algn="ctr"/>
+                      <a:r>
+                        <a:rPr lang="de-DE" dirty="0" smtClean="0"/>
+                        <a:t>Min:</a:t>
+                      </a:r>
+                      <a:r>
+                        <a:rPr lang="de-DE" baseline="0" dirty="0" smtClean="0"/>
+                        <a:t> 6s</a:t>
+                      </a:r>
+                      <a:br>
+                        <a:rPr lang="de-DE" baseline="0" dirty="0" smtClean="0"/>
+                      </a:br>
+                      <a:r>
+                        <a:rPr lang="de-DE" baseline="0" dirty="0" err="1" smtClean="0"/>
+                        <a:t>Typical</a:t>
+                      </a:r>
+                      <a:r>
+                        <a:rPr lang="de-DE" baseline="0" dirty="0" smtClean="0"/>
+                        <a:t>: 10 s</a:t>
+                      </a:r>
+                      <a:endParaRPr lang="de-DE" dirty="0"/>
+                    </a:p>
+                  </a:txBody>
+                  <a:tcPr/>
+                </a:tc>
+                <a:tc rowSpan="3">
+                  <a:txBody>
+                    <a:bodyPr/>
+                    <a:lstStyle/>
+                    <a:p>
+                      <a:pPr algn="ctr"/>
+                      <a:endParaRPr lang="de-DE" dirty="0"/>
+                    </a:p>
+                  </a:txBody>
+                  <a:tcPr/>
+                </a:tc>
+                <a:extLst>
+                  <a:ext uri="{0D108BD9-81ED-4DB2-BD59-A6C34878D82A}">
+                    <a16:rowId xmlns:a16="http://schemas.microsoft.com/office/drawing/2014/main" val="387343928"/>
+                  </a:ext>
+                </a:extLst>
+              </a:tr>
+              <a:tr h="242147">
+                <a:tc vMerge="1">
+                  <a:txBody>
+                    <a:bodyPr/>
+                    <a:lstStyle/>
+                    <a:p>
+                      <a:endParaRPr lang="de-DE"/>
+                    </a:p>
+                  </a:txBody>
+                  <a:tcPr/>
+                </a:tc>
+                <a:tc>
+                  <a:txBody>
+                    <a:bodyPr/>
+                    <a:lstStyle/>
+                    <a:p>
+                      <a:pPr algn="ctr"/>
+                      <a:r>
+                        <a:rPr lang="de-DE" dirty="0" smtClean="0">
+                          <a:solidFill>
+                            <a:srgbClr val="FF0000"/>
+                          </a:solidFill>
+                        </a:rPr>
+                        <a:t>25° C</a:t>
+                      </a:r>
+                      <a:endParaRPr lang="de-DE" dirty="0">
+                        <a:solidFill>
+                          <a:srgbClr val="FF0000"/>
+                        </a:solidFill>
+                      </a:endParaRPr>
+                    </a:p>
+                  </a:txBody>
+                  <a:tcPr/>
+                </a:tc>
+                <a:tc>
+                  <a:txBody>
+                    <a:bodyPr/>
+                    <a:lstStyle/>
+                    <a:p>
+                      <a:pPr algn="ctr"/>
+                      <a:r>
+                        <a:rPr lang="de-DE" dirty="0" smtClean="0">
+                          <a:solidFill>
+                            <a:srgbClr val="FF0000"/>
+                          </a:solidFill>
+                        </a:rPr>
+                        <a:t>20% - 90%</a:t>
+                      </a:r>
+                      <a:endParaRPr lang="de-DE" dirty="0">
+                        <a:solidFill>
+                          <a:srgbClr val="FF0000"/>
+                        </a:solidFill>
+                      </a:endParaRPr>
+                    </a:p>
+                  </a:txBody>
+                  <a:tcPr/>
+                </a:tc>
+                <a:tc vMerge="1">
+                  <a:txBody>
+                    <a:bodyPr/>
+                    <a:lstStyle/>
+                    <a:p>
+                      <a:endParaRPr lang="de-DE"/>
+                    </a:p>
+                  </a:txBody>
+                  <a:tcPr/>
+                </a:tc>
+                <a:tc vMerge="1">
+                  <a:txBody>
+                    <a:bodyPr/>
+                    <a:lstStyle/>
+                    <a:p>
+                      <a:endParaRPr lang="de-DE"/>
+                    </a:p>
+                  </a:txBody>
+                  <a:tcPr/>
+                </a:tc>
+                <a:tc vMerge="1">
+                  <a:txBody>
+                    <a:bodyPr/>
+                    <a:lstStyle/>
+                    <a:p>
+                      <a:endParaRPr lang="de-DE"/>
+                    </a:p>
+                  </a:txBody>
+                  <a:tcPr/>
+                </a:tc>
+                <a:extLst>
+                  <a:ext uri="{0D108BD9-81ED-4DB2-BD59-A6C34878D82A}">
+                    <a16:rowId xmlns:a16="http://schemas.microsoft.com/office/drawing/2014/main" val="3609730887"/>
+                  </a:ext>
+                </a:extLst>
+              </a:tr>
+              <a:tr h="123613">
+                <a:tc vMerge="1">
+                  <a:txBody>
+                    <a:bodyPr/>
+                    <a:lstStyle/>
+                    <a:p>
+                      <a:endParaRPr lang="de-DE"/>
+                    </a:p>
+                  </a:txBody>
+                  <a:tcPr/>
+                </a:tc>
+                <a:tc>
+                  <a:txBody>
+                    <a:bodyPr/>
+                    <a:lstStyle/>
+                    <a:p>
+                      <a:pPr algn="ctr"/>
+                      <a:r>
+                        <a:rPr lang="de-DE" dirty="0" smtClean="0"/>
+                        <a:t>50° C</a:t>
+                      </a:r>
+                      <a:endParaRPr lang="de-DE" dirty="0"/>
+                    </a:p>
+                  </a:txBody>
+                  <a:tcPr/>
+                </a:tc>
+                <a:tc>
+                  <a:txBody>
+                    <a:bodyPr/>
+                    <a:lstStyle/>
+                    <a:p>
+                      <a:pPr algn="ctr"/>
+                      <a:r>
+                        <a:rPr lang="de-DE" dirty="0" smtClean="0"/>
+                        <a:t>20% - 80%</a:t>
+                      </a:r>
+                      <a:endParaRPr lang="de-DE" dirty="0"/>
+                    </a:p>
+                  </a:txBody>
+                  <a:tcPr/>
+                </a:tc>
+                <a:tc vMerge="1">
+                  <a:txBody>
+                    <a:bodyPr/>
+                    <a:lstStyle/>
+                    <a:p>
+                      <a:endParaRPr lang="de-DE"/>
+                    </a:p>
+                  </a:txBody>
+                  <a:tcPr/>
+                </a:tc>
+                <a:tc vMerge="1">
+                  <a:txBody>
+                    <a:bodyPr/>
+                    <a:lstStyle/>
+                    <a:p>
+                      <a:endParaRPr lang="de-DE"/>
+                    </a:p>
+                  </a:txBody>
+                  <a:tcPr/>
+                </a:tc>
+                <a:tc vMerge="1">
+                  <a:txBody>
+                    <a:bodyPr/>
+                    <a:lstStyle/>
+                    <a:p>
+                      <a:endParaRPr lang="de-DE"/>
+                    </a:p>
+                  </a:txBody>
+                  <a:tcPr/>
+                </a:tc>
+                <a:extLst>
+                  <a:ext uri="{0D108BD9-81ED-4DB2-BD59-A6C34878D82A}">
+                    <a16:rowId xmlns:a16="http://schemas.microsoft.com/office/drawing/2014/main" val="961427197"/>
+                  </a:ext>
+                </a:extLst>
+              </a:tr>
+              <a:tr h="370840">
+                <a:tc>
+                  <a:txBody>
+                    <a:bodyPr/>
+                    <a:lstStyle/>
+                    <a:p>
+                      <a:pPr algn="ctr"/>
+                      <a:r>
+                        <a:rPr lang="de-DE" dirty="0" smtClean="0"/>
+                        <a:t>Temperatur</a:t>
+                      </a:r>
+                      <a:endParaRPr lang="de-DE" dirty="0"/>
+                    </a:p>
+                  </a:txBody>
+                  <a:tcPr/>
+                </a:tc>
+                <a:tc gridSpan="2">
+                  <a:txBody>
+                    <a:bodyPr/>
+                    <a:lstStyle/>
+                    <a:p>
+                      <a:pPr algn="ctr"/>
+                      <a:r>
+                        <a:rPr lang="de-DE" dirty="0" smtClean="0"/>
+                        <a:t>0°C – 50°C</a:t>
+                      </a:r>
+                      <a:endParaRPr lang="de-DE" dirty="0"/>
+                    </a:p>
+                  </a:txBody>
+                  <a:tcPr/>
+                </a:tc>
+                <a:tc hMerge="1">
+                  <a:txBody>
+                    <a:bodyPr/>
+                    <a:lstStyle/>
+                    <a:p>
+                      <a:endParaRPr lang="de-DE"/>
+                    </a:p>
+                  </a:txBody>
+                  <a:tcPr/>
+                </a:tc>
+                <a:tc>
+                  <a:txBody>
+                    <a:bodyPr/>
+                    <a:lstStyle/>
+                    <a:p>
+                      <a:pPr algn="ctr"/>
+                      <a:endParaRPr lang="de-DE" dirty="0"/>
+                    </a:p>
+                  </a:txBody>
+                  <a:tcPr/>
+                </a:tc>
+                <a:tc>
+                  <a:txBody>
+                    <a:bodyPr/>
+                    <a:lstStyle/>
+                    <a:p>
+                      <a:pPr algn="ctr"/>
+                      <a:endParaRPr lang="de-DE" dirty="0"/>
+                    </a:p>
+                  </a:txBody>
+                  <a:tcPr/>
+                </a:tc>
+                <a:tc>
+                  <a:txBody>
+                    <a:bodyPr/>
+                    <a:lstStyle/>
+                    <a:p>
+                      <a:pPr algn="ctr"/>
+                      <a:endParaRPr lang="de-DE" dirty="0"/>
+                    </a:p>
+                  </a:txBody>
+                  <a:tcPr/>
+                </a:tc>
+                <a:extLst>
+                  <a:ext uri="{0D108BD9-81ED-4DB2-BD59-A6C34878D82A}">
+                    <a16:rowId xmlns:a16="http://schemas.microsoft.com/office/drawing/2014/main" val="87634011"/>
+                  </a:ext>
+                </a:extLst>
+              </a:tr>
+            </a:tbl>
+          </a:graphicData>
+        </a:graphic>
+      </p:graphicFrame>
     </p:spTree>
     <p:extLst>
       <p:ext uri="{BB962C8B-B14F-4D97-AF65-F5344CB8AC3E}">
@@ -13835,76 +14398,127 @@
             <p:ph type="body" sz="quarter" idx="15"/>
           </p:nvPr>
         </p:nvSpPr>
-        <p:spPr/>
-        <p:txBody>
-          <a:bodyPr/>
-          <a:lstStyle/>
-          <a:p>
-            <a:pPr>
-              <a:buFont typeface="Arial" panose="020B0604020202020204" pitchFamily="34" charset="0"/>
-              <a:buChar char="•"/>
+        <p:spPr>
+          <a:xfrm>
+            <a:off x="971550" y="1895412"/>
+            <a:ext cx="7740650" cy="3944938"/>
+          </a:xfrm>
+        </p:spPr>
+        <p:txBody>
+          <a:bodyPr/>
+          <a:lstStyle/>
+          <a:p>
+            <a:r>
+              <a:rPr lang="de-DE" dirty="0" smtClean="0"/>
+              <a:t>Reichweite:</a:t>
+            </a:r>
+          </a:p>
+          <a:p>
+            <a:pPr lvl="2"/>
+            <a:r>
+              <a:rPr lang="de-DE" dirty="0" smtClean="0"/>
+              <a:t>Temperatur:</a:t>
+            </a:r>
+          </a:p>
+          <a:p>
+            <a:pPr lvl="3"/>
+            <a:r>
+              <a:rPr lang="de-DE" dirty="0" smtClean="0"/>
+              <a:t> 0 – 50 C°</a:t>
+            </a:r>
+          </a:p>
+          <a:p>
+            <a:pPr lvl="2"/>
+            <a:r>
+              <a:rPr lang="de-DE" dirty="0" smtClean="0"/>
+              <a:t>Feuchtigkeit:</a:t>
+            </a:r>
+          </a:p>
+          <a:p>
+            <a:pPr lvl="3"/>
+            <a:r>
+              <a:rPr lang="de-DE" dirty="0" smtClean="0"/>
+              <a:t>0° C: 30% - 90%</a:t>
+            </a:r>
+          </a:p>
+          <a:p>
+            <a:pPr lvl="3"/>
+            <a:r>
+              <a:rPr lang="de-DE" dirty="0" smtClean="0">
+                <a:solidFill>
+                  <a:srgbClr val="FF0000"/>
+                </a:solidFill>
+              </a:rPr>
+              <a:t>25° C: 20% - 90%</a:t>
+            </a:r>
+          </a:p>
+          <a:p>
+            <a:pPr lvl="3"/>
+            <a:r>
+              <a:rPr lang="de-DE" dirty="0" smtClean="0"/>
+              <a:t>50° C: 20% - 80%</a:t>
+            </a:r>
+          </a:p>
+          <a:p>
+            <a:pPr marL="1588" lvl="1" indent="0">
+              <a:buNone/>
             </a:pPr>
             <a:r>
-              <a:rPr lang="de-DE" dirty="0"/>
-              <a:t>Verwendete Bibliothek „SimpleDHT11“</a:t>
-            </a:r>
-          </a:p>
-          <a:p>
-            <a:pPr>
-              <a:buFont typeface="Arial" panose="020B0604020202020204" pitchFamily="34" charset="0"/>
-              <a:buChar char="•"/>
-            </a:pPr>
+              <a:rPr lang="de-DE" dirty="0" smtClean="0"/>
+              <a:t>2. Genauigkeit</a:t>
+            </a:r>
+          </a:p>
+          <a:p>
+            <a:pPr lvl="2"/>
+            <a:r>
+              <a:rPr lang="de-DE" dirty="0" smtClean="0"/>
+              <a:t>Temperatur: </a:t>
+            </a:r>
+          </a:p>
+          <a:p>
+            <a:pPr lvl="3"/>
+            <a:r>
+              <a:rPr lang="de-DE" dirty="0" smtClean="0"/>
+              <a:t>+ / - 2 °C</a:t>
+            </a:r>
+          </a:p>
+          <a:p>
+            <a:pPr lvl="2"/>
+            <a:r>
+              <a:rPr lang="de-DE" dirty="0" smtClean="0"/>
+              <a:t>Feuchtigkeit: </a:t>
+            </a:r>
+          </a:p>
+          <a:p>
+            <a:pPr lvl="3"/>
+            <a:r>
+              <a:rPr lang="de-DE" dirty="0" smtClean="0"/>
+              <a:t>+ / - 5° %</a:t>
+            </a:r>
+          </a:p>
+        </p:txBody>
+      </p:sp>
+      <p:sp>
+        <p:nvSpPr>
+          <p:cNvPr id="4" name="Titel 3"/>
+          <p:cNvSpPr>
+            <a:spLocks noGrp="1"/>
+          </p:cNvSpPr>
+          <p:nvPr>
+            <p:ph type="title"/>
+          </p:nvPr>
+        </p:nvSpPr>
+        <p:spPr/>
+        <p:txBody>
+          <a:bodyPr/>
+          <a:lstStyle/>
+          <a:p>
+            <a:r>
+              <a:rPr lang="de-DE" dirty="0" smtClean="0"/>
+              <a:t>Spezifische Daten DHT11</a:t>
+            </a:r>
             <a:endParaRPr lang="de-DE" dirty="0"/>
           </a:p>
-          <a:p>
-            <a:pPr>
-              <a:buFont typeface="Arial" panose="020B0604020202020204" pitchFamily="34" charset="0"/>
-              <a:buChar char="•"/>
-            </a:pPr>
-            <a:r>
-              <a:rPr lang="de-DE" dirty="0"/>
-              <a:t>Einfach zu verwenden</a:t>
-            </a:r>
-          </a:p>
-          <a:p>
-            <a:pPr>
-              <a:buFont typeface="Arial" panose="020B0604020202020204" pitchFamily="34" charset="0"/>
-              <a:buChar char="•"/>
-            </a:pPr>
-            <a:endParaRPr lang="de-DE" dirty="0"/>
-          </a:p>
-          <a:p>
-            <a:pPr>
-              <a:buFont typeface="Arial" panose="020B0604020202020204" pitchFamily="34" charset="0"/>
-              <a:buChar char="•"/>
-            </a:pPr>
-            <a:r>
-              <a:rPr lang="de-DE" dirty="0"/>
-              <a:t>Keine externe Abhängigkeit</a:t>
-            </a:r>
-          </a:p>
-        </p:txBody>
-      </p:sp>
-      <p:sp>
-        <p:nvSpPr>
-          <p:cNvPr id="4" name="Titel 3"/>
-          <p:cNvSpPr>
-            <a:spLocks noGrp="1"/>
-          </p:cNvSpPr>
-          <p:nvPr>
-            <p:ph type="title"/>
-          </p:nvPr>
-        </p:nvSpPr>
-        <p:spPr/>
-        <p:txBody>
-          <a:bodyPr/>
-          <a:lstStyle/>
-          <a:p>
-            <a:r>
-              <a:rPr lang="de-DE" dirty="0"/>
-              <a:t>Sensor auslesen – Simple DHT11</a:t>
-            </a:r>
-          </a:p>
         </p:txBody>
       </p:sp>
       <p:sp>
@@ -13923,7 +14537,7 @@
           <a:lstStyle/>
           <a:p>
             <a:r>
-              <a:rPr lang="de-DE" altLang="de-DE"/>
+              <a:rPr lang="de-DE" altLang="de-DE" smtClean="0"/>
               <a:t>Hochschule Mannheim | Julia Geigl, Klemens Behr, Kevin Höfle</a:t>
             </a:r>
             <a:endParaRPr lang="de-DE" altLang="de-DE" dirty="0"/>
@@ -13933,7 +14547,7 @@
     </p:spTree>
     <p:extLst>
       <p:ext uri="{BB962C8B-B14F-4D97-AF65-F5344CB8AC3E}">
-        <p14:creationId xmlns:p14="http://schemas.microsoft.com/office/powerpoint/2010/main" val="3336550791"/>
+        <p14:creationId xmlns:p14="http://schemas.microsoft.com/office/powerpoint/2010/main" val="2531131273"/>
       </p:ext>
     </p:extLst>
   </p:cSld>
@@ -13945,7 +14559,7 @@
 </file>
 
 <file path=ppt/slides/slide17.xml><?xml version="1.0" encoding="utf-8"?>
-<p:sld xmlns:a="http://schemas.openxmlformats.org/drawingml/2006/main" xmlns:r="http://schemas.openxmlformats.org/officeDocument/2006/relationships" xmlns:p="http://schemas.openxmlformats.org/presentationml/2006/main" show="0">
+<p:sld xmlns:a="http://schemas.openxmlformats.org/drawingml/2006/main" xmlns:r="http://schemas.openxmlformats.org/officeDocument/2006/relationships" xmlns:p="http://schemas.openxmlformats.org/presentationml/2006/main">
   <p:cSld>
     <p:spTree>
       <p:nvGrpSpPr>
@@ -13987,6 +14601,74 @@
       </p:sp>
       <p:sp>
         <p:nvSpPr>
+          <p:cNvPr id="3" name="Textplatzhalter 2"/>
+          <p:cNvSpPr>
+            <a:spLocks noGrp="1"/>
+          </p:cNvSpPr>
+          <p:nvPr>
+            <p:ph type="body" sz="quarter" idx="15"/>
+          </p:nvPr>
+        </p:nvSpPr>
+        <p:spPr/>
+        <p:txBody>
+          <a:bodyPr/>
+          <a:lstStyle/>
+          <a:p>
+            <a:pPr marL="0" indent="0">
+              <a:buNone/>
+            </a:pPr>
+            <a:r>
+              <a:rPr lang="de-DE" dirty="0" smtClean="0"/>
+              <a:t>3. Antwortzeiten:</a:t>
+            </a:r>
+          </a:p>
+          <a:p>
+            <a:pPr marL="495300" lvl="3" indent="-285750">
+              <a:buFont typeface="Arial" panose="020B0604020202020204" pitchFamily="34" charset="0"/>
+              <a:buChar char="•"/>
+            </a:pPr>
+            <a:r>
+              <a:rPr lang="de-DE" dirty="0" smtClean="0"/>
+              <a:t>Min: 6s</a:t>
+            </a:r>
+          </a:p>
+          <a:p>
+            <a:pPr marL="495300" lvl="3" indent="-285750">
+              <a:buFont typeface="Arial" panose="020B0604020202020204" pitchFamily="34" charset="0"/>
+              <a:buChar char="•"/>
+            </a:pPr>
+            <a:r>
+              <a:rPr lang="de-DE" dirty="0" smtClean="0"/>
+              <a:t>Max: 30s</a:t>
+            </a:r>
+          </a:p>
+          <a:p>
+            <a:pPr marL="209550" lvl="3" indent="0">
+              <a:buNone/>
+            </a:pPr>
+            <a:endParaRPr lang="de-DE" dirty="0" smtClean="0"/>
+          </a:p>
+          <a:p>
+            <a:pPr marL="23813" lvl="2" indent="0">
+              <a:buNone/>
+            </a:pPr>
+            <a:r>
+              <a:rPr lang="de-DE" dirty="0" smtClean="0"/>
+              <a:t>4. Abtastfrequenz:</a:t>
+            </a:r>
+          </a:p>
+          <a:p>
+            <a:pPr marL="495300" lvl="3" indent="-285750"/>
+            <a:r>
+              <a:rPr lang="de-DE" dirty="0" smtClean="0"/>
+              <a:t>1 Hz</a:t>
+            </a:r>
+            <a:endParaRPr lang="de-DE" dirty="0"/>
+          </a:p>
+        </p:txBody>
+      </p:sp>
+      <p:sp>
+        <p:nvSpPr>
           <p:cNvPr id="4" name="Titel 3"/>
           <p:cNvSpPr>
             <a:spLocks noGrp="1"/>
@@ -14001,9 +14683,10 @@
           <a:lstStyle/>
           <a:p>
             <a:r>
-              <a:rPr lang="de-DE" dirty="0"/>
-              <a:t>Simple DHT</a:t>
-            </a:r>
+              <a:rPr lang="de-DE" dirty="0" smtClean="0"/>
+              <a:t>Spezifische Daten DHT11</a:t>
+            </a:r>
+            <a:endParaRPr lang="de-DE" dirty="0"/>
           </a:p>
         </p:txBody>
       </p:sp>
@@ -14023,470 +14706,17 @@
           <a:lstStyle/>
           <a:p>
             <a:r>
-              <a:rPr lang="de-DE" altLang="de-DE"/>
+              <a:rPr lang="de-DE" altLang="de-DE" smtClean="0"/>
               <a:t>Hochschule Mannheim | Julia Geigl, Klemens Behr, Kevin Höfle</a:t>
             </a:r>
             <a:endParaRPr lang="de-DE" altLang="de-DE" dirty="0"/>
-          </a:p>
-        </p:txBody>
-      </p:sp>
-      <p:sp>
-        <p:nvSpPr>
-          <p:cNvPr id="6" name="Rechteck 5"/>
-          <p:cNvSpPr/>
-          <p:nvPr/>
-        </p:nvSpPr>
-        <p:spPr>
-          <a:xfrm>
-            <a:off x="971550" y="2408437"/>
-            <a:ext cx="5690267" cy="1496291"/>
-          </a:xfrm>
-          <a:prstGeom prst="rect">
-            <a:avLst/>
-          </a:prstGeom>
-        </p:spPr>
-        <p:style>
-          <a:lnRef idx="2">
-            <a:schemeClr val="dk1"/>
-          </a:lnRef>
-          <a:fillRef idx="1">
-            <a:schemeClr val="lt1"/>
-          </a:fillRef>
-          <a:effectRef idx="0">
-            <a:schemeClr val="dk1"/>
-          </a:effectRef>
-          <a:fontRef idx="minor">
-            <a:schemeClr val="dk1"/>
-          </a:fontRef>
-        </p:style>
-        <p:txBody>
-          <a:bodyPr rtlCol="0" anchor="ctr"/>
-          <a:lstStyle/>
-          <a:p>
-            <a:pPr algn="l"/>
-            <a:r>
-              <a:rPr lang="de-DE" sz="1351" dirty="0"/>
-              <a:t>+ </a:t>
-            </a:r>
-            <a:r>
-              <a:rPr lang="de-DE" sz="1351" dirty="0" err="1">
-                <a:solidFill>
-                  <a:srgbClr val="0070C0"/>
-                </a:solidFill>
-              </a:rPr>
-              <a:t>int</a:t>
-            </a:r>
-            <a:r>
-              <a:rPr lang="de-DE" sz="1351" dirty="0"/>
-              <a:t> </a:t>
-            </a:r>
-            <a:r>
-              <a:rPr lang="de-DE" sz="1351" dirty="0" err="1"/>
-              <a:t>read</a:t>
-            </a:r>
-            <a:r>
-              <a:rPr lang="de-DE" sz="1351" dirty="0"/>
-              <a:t>(</a:t>
-            </a:r>
-            <a:r>
-              <a:rPr lang="de-DE" sz="1351" dirty="0" err="1">
-                <a:solidFill>
-                  <a:srgbClr val="0070C0"/>
-                </a:solidFill>
-              </a:rPr>
-              <a:t>int</a:t>
-            </a:r>
-            <a:r>
-              <a:rPr lang="de-DE" sz="1351" dirty="0"/>
-              <a:t> </a:t>
-            </a:r>
-            <a:r>
-              <a:rPr lang="de-DE" sz="1351" dirty="0" err="1"/>
-              <a:t>pin</a:t>
-            </a:r>
-            <a:r>
-              <a:rPr lang="de-DE" sz="1351" dirty="0"/>
-              <a:t>, </a:t>
-            </a:r>
-            <a:r>
-              <a:rPr lang="de-DE" sz="1351" dirty="0" err="1"/>
-              <a:t>byte</a:t>
-            </a:r>
-            <a:r>
-              <a:rPr lang="de-DE" sz="1351" dirty="0"/>
-              <a:t>* </a:t>
-            </a:r>
-            <a:r>
-              <a:rPr lang="de-DE" sz="1351" dirty="0" err="1"/>
-              <a:t>ptemperature</a:t>
-            </a:r>
-            <a:r>
-              <a:rPr lang="de-DE" sz="1351" dirty="0"/>
-              <a:t>, </a:t>
-            </a:r>
-            <a:r>
-              <a:rPr lang="de-DE" sz="1351" dirty="0" err="1"/>
-              <a:t>byte</a:t>
-            </a:r>
-            <a:r>
-              <a:rPr lang="de-DE" sz="1351" dirty="0"/>
-              <a:t>* </a:t>
-            </a:r>
-            <a:r>
-              <a:rPr lang="de-DE" sz="1351" dirty="0" err="1"/>
-              <a:t>phumidity</a:t>
-            </a:r>
-            <a:r>
-              <a:rPr lang="de-DE" sz="1351" dirty="0"/>
-              <a:t>, </a:t>
-            </a:r>
-            <a:r>
-              <a:rPr lang="de-DE" sz="1351" dirty="0" err="1"/>
-              <a:t>byte</a:t>
-            </a:r>
-            <a:r>
-              <a:rPr lang="de-DE" sz="1351" dirty="0"/>
-              <a:t> </a:t>
-            </a:r>
-            <a:r>
-              <a:rPr lang="de-DE" sz="1351" dirty="0" err="1"/>
-              <a:t>pdata</a:t>
-            </a:r>
-            <a:r>
-              <a:rPr lang="de-DE" sz="1351" dirty="0"/>
-              <a:t>[40])</a:t>
-            </a:r>
-          </a:p>
-          <a:p>
-            <a:pPr algn="l"/>
-            <a:r>
-              <a:rPr lang="de-DE" sz="1351" dirty="0"/>
-              <a:t>-  </a:t>
-            </a:r>
-            <a:r>
-              <a:rPr lang="de-DE" sz="1351" dirty="0" err="1">
-                <a:solidFill>
-                  <a:srgbClr val="0070C0"/>
-                </a:solidFill>
-              </a:rPr>
-              <a:t>int</a:t>
-            </a:r>
-            <a:r>
-              <a:rPr lang="de-DE" sz="1351" dirty="0"/>
-              <a:t> </a:t>
-            </a:r>
-            <a:r>
-              <a:rPr lang="de-DE" sz="1351" dirty="0" err="1"/>
-              <a:t>confirm</a:t>
-            </a:r>
-            <a:r>
-              <a:rPr lang="de-DE" sz="1351" dirty="0"/>
-              <a:t>(</a:t>
-            </a:r>
-            <a:r>
-              <a:rPr lang="de-DE" sz="1351" dirty="0" err="1">
-                <a:solidFill>
-                  <a:srgbClr val="0070C0"/>
-                </a:solidFill>
-              </a:rPr>
-              <a:t>int</a:t>
-            </a:r>
-            <a:r>
-              <a:rPr lang="de-DE" sz="1351" dirty="0"/>
-              <a:t> </a:t>
-            </a:r>
-            <a:r>
-              <a:rPr lang="de-DE" sz="1351" dirty="0" err="1"/>
-              <a:t>pin</a:t>
-            </a:r>
-            <a:r>
-              <a:rPr lang="de-DE" sz="1351" dirty="0"/>
-              <a:t>, </a:t>
-            </a:r>
-            <a:r>
-              <a:rPr lang="de-DE" sz="1351" dirty="0" err="1"/>
-              <a:t>int</a:t>
-            </a:r>
-            <a:r>
-              <a:rPr lang="de-DE" sz="1351" dirty="0"/>
-              <a:t> </a:t>
-            </a:r>
-            <a:r>
-              <a:rPr lang="de-DE" sz="1351" dirty="0" err="1"/>
-              <a:t>us</a:t>
-            </a:r>
-            <a:r>
-              <a:rPr lang="de-DE" sz="1351" dirty="0"/>
-              <a:t>, </a:t>
-            </a:r>
-            <a:r>
-              <a:rPr lang="de-DE" sz="1351" dirty="0" err="1"/>
-              <a:t>byte</a:t>
-            </a:r>
-            <a:r>
-              <a:rPr lang="de-DE" sz="1351" dirty="0"/>
-              <a:t> </a:t>
-            </a:r>
-            <a:r>
-              <a:rPr lang="de-DE" sz="1351" dirty="0" err="1"/>
-              <a:t>level</a:t>
-            </a:r>
-            <a:r>
-              <a:rPr lang="de-DE" sz="1351" dirty="0"/>
-              <a:t>)</a:t>
-            </a:r>
-          </a:p>
-          <a:p>
-            <a:pPr algn="l"/>
-            <a:r>
-              <a:rPr lang="de-DE" sz="1351" dirty="0"/>
-              <a:t>-  </a:t>
-            </a:r>
-            <a:r>
-              <a:rPr lang="de-DE" sz="1351" dirty="0" err="1"/>
-              <a:t>byte</a:t>
-            </a:r>
-            <a:r>
-              <a:rPr lang="de-DE" sz="1351" dirty="0"/>
-              <a:t> bits2byte (</a:t>
-            </a:r>
-            <a:r>
-              <a:rPr lang="de-DE" sz="1351" dirty="0" err="1"/>
-              <a:t>byte</a:t>
-            </a:r>
-            <a:r>
-              <a:rPr lang="de-DE" sz="1351" dirty="0"/>
-              <a:t> </a:t>
-            </a:r>
-            <a:r>
-              <a:rPr lang="de-DE" sz="1351" dirty="0" err="1"/>
-              <a:t>data</a:t>
-            </a:r>
-            <a:r>
-              <a:rPr lang="de-DE" sz="1351" dirty="0"/>
-              <a:t>[8])</a:t>
-            </a:r>
-          </a:p>
-          <a:p>
-            <a:pPr algn="l"/>
-            <a:r>
-              <a:rPr lang="de-DE" sz="1351" dirty="0"/>
-              <a:t>-  </a:t>
-            </a:r>
-            <a:r>
-              <a:rPr lang="de-DE" sz="1351" dirty="0" err="1">
-                <a:solidFill>
-                  <a:srgbClr val="0070C0"/>
-                </a:solidFill>
-              </a:rPr>
-              <a:t>int</a:t>
-            </a:r>
-            <a:r>
-              <a:rPr lang="de-DE" sz="1351" dirty="0"/>
-              <a:t> sample(</a:t>
-            </a:r>
-            <a:r>
-              <a:rPr lang="de-DE" sz="1351" dirty="0" err="1">
-                <a:solidFill>
-                  <a:srgbClr val="0070C0"/>
-                </a:solidFill>
-              </a:rPr>
-              <a:t>int</a:t>
-            </a:r>
-            <a:r>
-              <a:rPr lang="de-DE" sz="1351" dirty="0"/>
-              <a:t> </a:t>
-            </a:r>
-            <a:r>
-              <a:rPr lang="de-DE" sz="1351" dirty="0" err="1"/>
-              <a:t>pin</a:t>
-            </a:r>
-            <a:r>
-              <a:rPr lang="de-DE" sz="1351" dirty="0"/>
-              <a:t>, </a:t>
-            </a:r>
-            <a:r>
-              <a:rPr lang="de-DE" sz="1351" dirty="0" err="1"/>
-              <a:t>byte</a:t>
-            </a:r>
-            <a:r>
-              <a:rPr lang="de-DE" sz="1351" dirty="0"/>
-              <a:t> </a:t>
-            </a:r>
-            <a:r>
-              <a:rPr lang="de-DE" sz="1351" dirty="0" err="1"/>
-              <a:t>data</a:t>
-            </a:r>
-            <a:r>
-              <a:rPr lang="de-DE" sz="1351" dirty="0"/>
-              <a:t>[40])</a:t>
-            </a:r>
-            <a:br>
-              <a:rPr lang="de-DE" sz="1351" dirty="0"/>
-            </a:br>
-            <a:r>
-              <a:rPr lang="de-DE" sz="1351" dirty="0"/>
-              <a:t>-  </a:t>
-            </a:r>
-            <a:r>
-              <a:rPr lang="de-DE" sz="1351" dirty="0" err="1">
-                <a:solidFill>
-                  <a:srgbClr val="0070C0"/>
-                </a:solidFill>
-              </a:rPr>
-              <a:t>int</a:t>
-            </a:r>
-            <a:r>
-              <a:rPr lang="de-DE" sz="1351" dirty="0"/>
-              <a:t> parse(</a:t>
-            </a:r>
-            <a:r>
-              <a:rPr lang="de-DE" sz="1351" dirty="0" err="1"/>
-              <a:t>byte</a:t>
-            </a:r>
-            <a:r>
-              <a:rPr lang="de-DE" sz="1351" dirty="0"/>
-              <a:t> </a:t>
-            </a:r>
-            <a:r>
-              <a:rPr lang="de-DE" sz="1351" dirty="0" err="1"/>
-              <a:t>data</a:t>
-            </a:r>
-            <a:r>
-              <a:rPr lang="de-DE" sz="1351" dirty="0"/>
-              <a:t>[40], </a:t>
-            </a:r>
-            <a:r>
-              <a:rPr lang="de-DE" sz="1351" dirty="0" err="1"/>
-              <a:t>byte</a:t>
-            </a:r>
-            <a:r>
-              <a:rPr lang="de-DE" sz="1351" dirty="0"/>
-              <a:t>* </a:t>
-            </a:r>
-            <a:r>
-              <a:rPr lang="de-DE" sz="1351" dirty="0" err="1"/>
-              <a:t>ptemperature</a:t>
-            </a:r>
-            <a:r>
-              <a:rPr lang="de-DE" sz="1351" dirty="0"/>
-              <a:t>, </a:t>
-            </a:r>
-            <a:r>
-              <a:rPr lang="de-DE" sz="1351" dirty="0" err="1"/>
-              <a:t>byte</a:t>
-            </a:r>
-            <a:r>
-              <a:rPr lang="de-DE" sz="1351" dirty="0"/>
-              <a:t>* </a:t>
-            </a:r>
-            <a:r>
-              <a:rPr lang="de-DE" sz="1351" dirty="0" err="1"/>
-              <a:t>phumidity</a:t>
-            </a:r>
-            <a:r>
-              <a:rPr lang="de-DE" sz="1351" dirty="0"/>
-              <a:t>) </a:t>
-            </a:r>
-          </a:p>
-        </p:txBody>
-      </p:sp>
-      <p:sp>
-        <p:nvSpPr>
-          <p:cNvPr id="7" name="Rechteck 6"/>
-          <p:cNvSpPr/>
-          <p:nvPr/>
-        </p:nvSpPr>
-        <p:spPr>
-          <a:xfrm>
-            <a:off x="971550" y="1915901"/>
-            <a:ext cx="5690267" cy="492531"/>
-          </a:xfrm>
-          <a:prstGeom prst="rect">
-            <a:avLst/>
-          </a:prstGeom>
-        </p:spPr>
-        <p:style>
-          <a:lnRef idx="2">
-            <a:schemeClr val="dk1"/>
-          </a:lnRef>
-          <a:fillRef idx="1">
-            <a:schemeClr val="lt1"/>
-          </a:fillRef>
-          <a:effectRef idx="0">
-            <a:schemeClr val="dk1"/>
-          </a:effectRef>
-          <a:fontRef idx="minor">
-            <a:schemeClr val="dk1"/>
-          </a:fontRef>
-        </p:style>
-        <p:txBody>
-          <a:bodyPr rtlCol="0" anchor="ctr"/>
-          <a:lstStyle/>
-          <a:p>
-            <a:pPr algn="ctr"/>
-            <a:r>
-              <a:rPr lang="de-DE" sz="1351" dirty="0"/>
-              <a:t>SimpleDHT11</a:t>
-            </a:r>
-          </a:p>
-        </p:txBody>
-      </p:sp>
-      <p:sp>
-        <p:nvSpPr>
-          <p:cNvPr id="8" name="Textfeld 7"/>
-          <p:cNvSpPr txBox="1"/>
-          <p:nvPr/>
-        </p:nvSpPr>
-        <p:spPr>
-          <a:xfrm>
-            <a:off x="971551" y="4074794"/>
-            <a:ext cx="5754383" cy="369332"/>
-          </a:xfrm>
-          <a:prstGeom prst="rect">
-            <a:avLst/>
-          </a:prstGeom>
-          <a:noFill/>
-        </p:spPr>
-        <p:txBody>
-          <a:bodyPr wrap="square" rtlCol="0">
-            <a:spAutoFit/>
-          </a:bodyPr>
-          <a:lstStyle/>
-          <a:p>
-            <a:pPr algn="l"/>
-            <a:r>
-              <a:rPr lang="de-DE" dirty="0"/>
-              <a:t>Von Interesse ist nur die </a:t>
-            </a:r>
-            <a:r>
-              <a:rPr lang="de-DE" dirty="0" err="1"/>
-              <a:t>public</a:t>
-            </a:r>
-            <a:r>
-              <a:rPr lang="de-DE" dirty="0"/>
-              <a:t> </a:t>
-            </a:r>
-            <a:r>
-              <a:rPr lang="de-DE" dirty="0" err="1"/>
-              <a:t>read</a:t>
-            </a:r>
-            <a:r>
-              <a:rPr lang="de-DE" dirty="0"/>
-              <a:t> </a:t>
-            </a:r>
-            <a:r>
-              <a:rPr lang="de-DE" dirty="0" err="1"/>
-              <a:t>function</a:t>
-            </a:r>
-            <a:endParaRPr lang="de-DE" dirty="0"/>
           </a:p>
         </p:txBody>
       </p:sp>
     </p:spTree>
     <p:extLst>
       <p:ext uri="{BB962C8B-B14F-4D97-AF65-F5344CB8AC3E}">
-        <p14:creationId xmlns:p14="http://schemas.microsoft.com/office/powerpoint/2010/main" val="2606732352"/>
+        <p14:creationId xmlns:p14="http://schemas.microsoft.com/office/powerpoint/2010/main" val="721612179"/>
       </p:ext>
     </p:extLst>
   </p:cSld>
@@ -14533,6 +14763,1942 @@
               <a:rPr lang="de-DE" smtClean="0"/>
               <a:pPr/>
               <a:t>18</a:t>
+            </a:fld>
+            <a:endParaRPr lang="de-DE" dirty="0"/>
+          </a:p>
+        </p:txBody>
+      </p:sp>
+      <p:sp>
+        <p:nvSpPr>
+          <p:cNvPr id="4" name="Titel 3"/>
+          <p:cNvSpPr>
+            <a:spLocks noGrp="1"/>
+          </p:cNvSpPr>
+          <p:nvPr>
+            <p:ph type="title"/>
+          </p:nvPr>
+        </p:nvSpPr>
+        <p:spPr>
+          <a:xfrm>
+            <a:off x="444732" y="1439736"/>
+            <a:ext cx="7740650" cy="863600"/>
+          </a:xfrm>
+        </p:spPr>
+        <p:txBody>
+          <a:bodyPr/>
+          <a:lstStyle/>
+          <a:p>
+            <a:r>
+              <a:rPr lang="de-DE" dirty="0" smtClean="0"/>
+              <a:t>Datenpaket – DHT11</a:t>
+            </a:r>
+            <a:endParaRPr lang="de-DE" dirty="0"/>
+          </a:p>
+        </p:txBody>
+      </p:sp>
+      <p:sp>
+        <p:nvSpPr>
+          <p:cNvPr id="5" name="Fußzeilenplatzhalter 4"/>
+          <p:cNvSpPr>
+            <a:spLocks noGrp="1"/>
+          </p:cNvSpPr>
+          <p:nvPr>
+            <p:ph type="ftr" sz="quarter" idx="16"/>
+          </p:nvPr>
+        </p:nvSpPr>
+        <p:spPr/>
+        <p:txBody>
+          <a:bodyPr/>
+          <a:lstStyle/>
+          <a:p>
+            <a:r>
+              <a:rPr lang="de-DE" altLang="de-DE" dirty="0" smtClean="0"/>
+              <a:t>Hochschule Mannheim | Julia </a:t>
+            </a:r>
+            <a:r>
+              <a:rPr lang="de-DE" altLang="de-DE" dirty="0" err="1" smtClean="0"/>
+              <a:t>Geigl</a:t>
+            </a:r>
+            <a:r>
+              <a:rPr lang="de-DE" altLang="de-DE" dirty="0" smtClean="0"/>
+              <a:t>, Klemens Behr, Kevin Höfle</a:t>
+            </a:r>
+            <a:endParaRPr lang="de-DE" altLang="de-DE" dirty="0"/>
+          </a:p>
+        </p:txBody>
+      </p:sp>
+      <p:sp>
+        <p:nvSpPr>
+          <p:cNvPr id="6" name="Rechteck 5"/>
+          <p:cNvSpPr/>
+          <p:nvPr/>
+        </p:nvSpPr>
+        <p:spPr bwMode="auto">
+          <a:xfrm>
+            <a:off x="467544" y="3176972"/>
+            <a:ext cx="1584176" cy="936104"/>
+          </a:xfrm>
+          <a:prstGeom prst="rect">
+            <a:avLst/>
+          </a:prstGeom>
+          <a:noFill/>
+          <a:ln w="19050" cap="flat" cmpd="sng" algn="ctr">
+            <a:solidFill>
+              <a:schemeClr val="hlink"/>
+            </a:solidFill>
+            <a:prstDash val="solid"/>
+            <a:round/>
+            <a:headEnd type="none" w="med" len="med"/>
+            <a:tailEnd type="none" w="med" len="med"/>
+          </a:ln>
+          <a:effectLst/>
+          <a:extLst>
+            <a:ext uri="{909E8E84-426E-40DD-AFC4-6F175D3DCCD1}">
+              <a14:hiddenFill xmlns:a14="http://schemas.microsoft.com/office/drawing/2010/main">
+                <a:solidFill>
+                  <a:schemeClr val="tx2"/>
+                </a:solidFill>
+              </a14:hiddenFill>
+            </a:ext>
+            <a:ext uri="{AF507438-7753-43E0-B8FC-AC1667EBCBE1}">
+              <a14:hiddenEffects xmlns:a14="http://schemas.microsoft.com/office/drawing/2010/main">
+                <a:effectLst>
+                  <a:outerShdw dist="35921" dir="2700000" algn="ctr" rotWithShape="0">
+                    <a:schemeClr val="bg2"/>
+                  </a:outerShdw>
+                </a:effectLst>
+              </a14:hiddenEffects>
+            </a:ext>
+          </a:extLst>
+        </p:spPr>
+        <p:txBody>
+          <a:bodyPr vert="horz" wrap="square" lIns="90000" tIns="46800" rIns="90000" bIns="46800" numCol="1" rtlCol="0" anchor="ctr" anchorCtr="0" compatLnSpc="1">
+            <a:prstTxWarp prst="textNoShape">
+              <a:avLst/>
+            </a:prstTxWarp>
+          </a:bodyPr>
+          <a:lstStyle/>
+          <a:p>
+            <a:pPr marL="0" marR="0" indent="0" algn="ctr" defTabSz="914400" rtl="0" eaLnBrk="0" fontAlgn="base" latinLnBrk="0" hangingPunct="0">
+              <a:lnSpc>
+                <a:spcPct val="100000"/>
+              </a:lnSpc>
+              <a:spcBef>
+                <a:spcPct val="0"/>
+              </a:spcBef>
+              <a:spcAft>
+                <a:spcPct val="0"/>
+              </a:spcAft>
+              <a:buClrTx/>
+              <a:buSzTx/>
+              <a:buFontTx/>
+              <a:buNone/>
+              <a:tabLst/>
+            </a:pPr>
+            <a:r>
+              <a:rPr kumimoji="0" lang="de-DE" sz="1800" b="0" i="0" u="none" strike="noStrike" cap="none" normalizeH="0" baseline="0" dirty="0" smtClean="0">
+                <a:ln>
+                  <a:noFill/>
+                </a:ln>
+                <a:solidFill>
+                  <a:schemeClr val="tx1"/>
+                </a:solidFill>
+                <a:effectLst/>
+                <a:latin typeface="Arial" charset="0"/>
+              </a:rPr>
+              <a:t>Integral</a:t>
+            </a:r>
+            <a:r>
+              <a:rPr kumimoji="0" lang="de-DE" sz="1800" b="0" i="0" u="none" strike="noStrike" cap="none" normalizeH="0" dirty="0" smtClean="0">
+                <a:ln>
+                  <a:noFill/>
+                </a:ln>
+                <a:solidFill>
+                  <a:schemeClr val="tx1"/>
+                </a:solidFill>
+                <a:effectLst/>
+                <a:latin typeface="Arial" charset="0"/>
+              </a:rPr>
+              <a:t> </a:t>
+            </a:r>
+            <a:r>
+              <a:rPr kumimoji="0" lang="de-DE" sz="1800" b="0" i="0" u="none" strike="noStrike" cap="none" normalizeH="0" dirty="0" err="1" smtClean="0">
+                <a:ln>
+                  <a:noFill/>
+                </a:ln>
+                <a:solidFill>
+                  <a:schemeClr val="tx1"/>
+                </a:solidFill>
+                <a:effectLst/>
+                <a:latin typeface="Arial" charset="0"/>
+              </a:rPr>
+              <a:t>Humdity</a:t>
+            </a:r>
+            <a:r>
+              <a:rPr kumimoji="0" lang="de-DE" sz="1800" b="0" i="0" u="none" strike="noStrike" cap="none" normalizeH="0" dirty="0" smtClean="0">
+                <a:ln>
+                  <a:noFill/>
+                </a:ln>
+                <a:solidFill>
+                  <a:schemeClr val="tx1"/>
+                </a:solidFill>
+                <a:effectLst/>
+                <a:latin typeface="Arial" charset="0"/>
+              </a:rPr>
+              <a:t>	</a:t>
+            </a:r>
+            <a:endParaRPr kumimoji="0" lang="de-DE" sz="1800" b="0" i="0" u="none" strike="noStrike" cap="none" normalizeH="0" baseline="0" dirty="0" smtClean="0">
+              <a:ln>
+                <a:noFill/>
+              </a:ln>
+              <a:solidFill>
+                <a:schemeClr val="tx1"/>
+              </a:solidFill>
+              <a:effectLst/>
+              <a:latin typeface="Arial" charset="0"/>
+            </a:endParaRPr>
+          </a:p>
+        </p:txBody>
+      </p:sp>
+      <p:sp>
+        <p:nvSpPr>
+          <p:cNvPr id="9" name="Rechteck 8"/>
+          <p:cNvSpPr/>
+          <p:nvPr/>
+        </p:nvSpPr>
+        <p:spPr bwMode="auto">
+          <a:xfrm>
+            <a:off x="2062048" y="3176972"/>
+            <a:ext cx="1584176" cy="936104"/>
+          </a:xfrm>
+          <a:prstGeom prst="rect">
+            <a:avLst/>
+          </a:prstGeom>
+          <a:noFill/>
+          <a:ln w="19050" cap="flat" cmpd="sng" algn="ctr">
+            <a:solidFill>
+              <a:schemeClr val="hlink"/>
+            </a:solidFill>
+            <a:prstDash val="solid"/>
+            <a:round/>
+            <a:headEnd type="none" w="med" len="med"/>
+            <a:tailEnd type="none" w="med" len="med"/>
+          </a:ln>
+          <a:effectLst/>
+          <a:extLst>
+            <a:ext uri="{909E8E84-426E-40DD-AFC4-6F175D3DCCD1}">
+              <a14:hiddenFill xmlns:a14="http://schemas.microsoft.com/office/drawing/2010/main">
+                <a:solidFill>
+                  <a:schemeClr val="tx2"/>
+                </a:solidFill>
+              </a14:hiddenFill>
+            </a:ext>
+            <a:ext uri="{AF507438-7753-43E0-B8FC-AC1667EBCBE1}">
+              <a14:hiddenEffects xmlns:a14="http://schemas.microsoft.com/office/drawing/2010/main">
+                <a:effectLst>
+                  <a:outerShdw dist="35921" dir="2700000" algn="ctr" rotWithShape="0">
+                    <a:schemeClr val="bg2"/>
+                  </a:outerShdw>
+                </a:effectLst>
+              </a14:hiddenEffects>
+            </a:ext>
+          </a:extLst>
+        </p:spPr>
+        <p:txBody>
+          <a:bodyPr vert="horz" wrap="square" lIns="90000" tIns="46800" rIns="90000" bIns="46800" numCol="1" rtlCol="0" anchor="ctr" anchorCtr="0" compatLnSpc="1">
+            <a:prstTxWarp prst="textNoShape">
+              <a:avLst/>
+            </a:prstTxWarp>
+          </a:bodyPr>
+          <a:lstStyle/>
+          <a:p>
+            <a:pPr marL="0" marR="0" indent="0" algn="ctr" defTabSz="914400" rtl="0" eaLnBrk="0" fontAlgn="base" latinLnBrk="0" hangingPunct="0">
+              <a:lnSpc>
+                <a:spcPct val="100000"/>
+              </a:lnSpc>
+              <a:spcBef>
+                <a:spcPct val="0"/>
+              </a:spcBef>
+              <a:spcAft>
+                <a:spcPct val="0"/>
+              </a:spcAft>
+              <a:buClrTx/>
+              <a:buSzTx/>
+              <a:buFontTx/>
+              <a:buNone/>
+              <a:tabLst/>
+            </a:pPr>
+            <a:r>
+              <a:rPr kumimoji="0" lang="de-DE" sz="1800" b="0" i="0" u="none" strike="noStrike" cap="none" normalizeH="0" baseline="0" dirty="0" err="1" smtClean="0">
+                <a:ln>
+                  <a:noFill/>
+                </a:ln>
+                <a:solidFill>
+                  <a:schemeClr val="tx1"/>
+                </a:solidFill>
+                <a:effectLst/>
+                <a:latin typeface="Arial" charset="0"/>
+              </a:rPr>
+              <a:t>Decimal</a:t>
+            </a:r>
+            <a:r>
+              <a:rPr kumimoji="0" lang="de-DE" sz="1800" b="0" i="0" u="none" strike="noStrike" cap="none" normalizeH="0" baseline="0" dirty="0" smtClean="0">
+                <a:ln>
+                  <a:noFill/>
+                </a:ln>
+                <a:solidFill>
+                  <a:schemeClr val="tx1"/>
+                </a:solidFill>
+                <a:effectLst/>
+                <a:latin typeface="Arial" charset="0"/>
+              </a:rPr>
+              <a:t> </a:t>
+            </a:r>
+            <a:r>
+              <a:rPr kumimoji="0" lang="de-DE" sz="1800" b="0" i="0" u="none" strike="noStrike" cap="none" normalizeH="0" baseline="0" dirty="0" err="1" smtClean="0">
+                <a:ln>
+                  <a:noFill/>
+                </a:ln>
+                <a:solidFill>
+                  <a:schemeClr val="tx1"/>
+                </a:solidFill>
+                <a:effectLst/>
+                <a:latin typeface="Arial" charset="0"/>
+              </a:rPr>
+              <a:t>Humidity</a:t>
+            </a:r>
+            <a:r>
+              <a:rPr kumimoji="0" lang="de-DE" sz="1800" b="0" i="0" u="none" strike="noStrike" cap="none" normalizeH="0" baseline="0" dirty="0" smtClean="0">
+                <a:ln>
+                  <a:noFill/>
+                </a:ln>
+                <a:solidFill>
+                  <a:schemeClr val="tx1"/>
+                </a:solidFill>
+                <a:effectLst/>
+                <a:latin typeface="Arial" charset="0"/>
+              </a:rPr>
+              <a:t>	</a:t>
+            </a:r>
+            <a:endParaRPr kumimoji="0" lang="de-DE" sz="1800" b="0" i="0" u="none" strike="noStrike" cap="none" normalizeH="0" baseline="0" dirty="0" smtClean="0">
+              <a:ln>
+                <a:noFill/>
+              </a:ln>
+              <a:solidFill>
+                <a:schemeClr val="tx1"/>
+              </a:solidFill>
+              <a:effectLst/>
+              <a:latin typeface="Arial" charset="0"/>
+            </a:endParaRPr>
+          </a:p>
+        </p:txBody>
+      </p:sp>
+      <p:sp>
+        <p:nvSpPr>
+          <p:cNvPr id="10" name="Rechteck 9"/>
+          <p:cNvSpPr/>
+          <p:nvPr/>
+        </p:nvSpPr>
+        <p:spPr bwMode="auto">
+          <a:xfrm>
+            <a:off x="3656552" y="3176972"/>
+            <a:ext cx="1584176" cy="936104"/>
+          </a:xfrm>
+          <a:prstGeom prst="rect">
+            <a:avLst/>
+          </a:prstGeom>
+          <a:noFill/>
+          <a:ln w="19050" cap="flat" cmpd="sng" algn="ctr">
+            <a:solidFill>
+              <a:schemeClr val="hlink"/>
+            </a:solidFill>
+            <a:prstDash val="solid"/>
+            <a:round/>
+            <a:headEnd type="none" w="med" len="med"/>
+            <a:tailEnd type="none" w="med" len="med"/>
+          </a:ln>
+          <a:effectLst/>
+          <a:extLst>
+            <a:ext uri="{909E8E84-426E-40DD-AFC4-6F175D3DCCD1}">
+              <a14:hiddenFill xmlns:a14="http://schemas.microsoft.com/office/drawing/2010/main">
+                <a:solidFill>
+                  <a:schemeClr val="tx2"/>
+                </a:solidFill>
+              </a14:hiddenFill>
+            </a:ext>
+            <a:ext uri="{AF507438-7753-43E0-B8FC-AC1667EBCBE1}">
+              <a14:hiddenEffects xmlns:a14="http://schemas.microsoft.com/office/drawing/2010/main">
+                <a:effectLst>
+                  <a:outerShdw dist="35921" dir="2700000" algn="ctr" rotWithShape="0">
+                    <a:schemeClr val="bg2"/>
+                  </a:outerShdw>
+                </a:effectLst>
+              </a14:hiddenEffects>
+            </a:ext>
+          </a:extLst>
+        </p:spPr>
+        <p:txBody>
+          <a:bodyPr vert="horz" wrap="square" lIns="90000" tIns="46800" rIns="90000" bIns="46800" numCol="1" rtlCol="0" anchor="ctr" anchorCtr="0" compatLnSpc="1">
+            <a:prstTxWarp prst="textNoShape">
+              <a:avLst/>
+            </a:prstTxWarp>
+          </a:bodyPr>
+          <a:lstStyle/>
+          <a:p>
+            <a:pPr marL="0" marR="0" indent="0" algn="ctr" defTabSz="914400" rtl="0" eaLnBrk="0" fontAlgn="base" latinLnBrk="0" hangingPunct="0">
+              <a:lnSpc>
+                <a:spcPct val="100000"/>
+              </a:lnSpc>
+              <a:spcBef>
+                <a:spcPct val="0"/>
+              </a:spcBef>
+              <a:spcAft>
+                <a:spcPct val="0"/>
+              </a:spcAft>
+              <a:buClrTx/>
+              <a:buSzTx/>
+              <a:buFontTx/>
+              <a:buNone/>
+              <a:tabLst/>
+            </a:pPr>
+            <a:r>
+              <a:rPr kumimoji="0" lang="de-DE" sz="1800" b="0" i="0" u="none" strike="noStrike" cap="none" normalizeH="0" baseline="0" dirty="0" smtClean="0">
+                <a:ln>
+                  <a:noFill/>
+                </a:ln>
+                <a:solidFill>
+                  <a:schemeClr val="tx1"/>
+                </a:solidFill>
+                <a:effectLst/>
+                <a:latin typeface="Arial" charset="0"/>
+              </a:rPr>
+              <a:t>Integral</a:t>
+            </a:r>
+            <a:r>
+              <a:rPr kumimoji="0" lang="de-DE" sz="1800" b="0" i="0" u="none" strike="noStrike" cap="none" normalizeH="0" dirty="0" smtClean="0">
+                <a:ln>
+                  <a:noFill/>
+                </a:ln>
+                <a:solidFill>
+                  <a:schemeClr val="tx1"/>
+                </a:solidFill>
+                <a:effectLst/>
+                <a:latin typeface="Arial" charset="0"/>
+              </a:rPr>
+              <a:t> Temperatur</a:t>
+            </a:r>
+            <a:endParaRPr kumimoji="0" lang="de-DE" sz="1800" b="0" i="0" u="none" strike="noStrike" cap="none" normalizeH="0" baseline="0" dirty="0" smtClean="0">
+              <a:ln>
+                <a:noFill/>
+              </a:ln>
+              <a:solidFill>
+                <a:schemeClr val="tx1"/>
+              </a:solidFill>
+              <a:effectLst/>
+              <a:latin typeface="Arial" charset="0"/>
+            </a:endParaRPr>
+          </a:p>
+        </p:txBody>
+      </p:sp>
+      <p:sp>
+        <p:nvSpPr>
+          <p:cNvPr id="11" name="Rechteck 10"/>
+          <p:cNvSpPr/>
+          <p:nvPr/>
+        </p:nvSpPr>
+        <p:spPr bwMode="auto">
+          <a:xfrm>
+            <a:off x="5251056" y="3176972"/>
+            <a:ext cx="1584176" cy="936104"/>
+          </a:xfrm>
+          <a:prstGeom prst="rect">
+            <a:avLst/>
+          </a:prstGeom>
+          <a:noFill/>
+          <a:ln w="19050" cap="flat" cmpd="sng" algn="ctr">
+            <a:solidFill>
+              <a:schemeClr val="hlink"/>
+            </a:solidFill>
+            <a:prstDash val="solid"/>
+            <a:round/>
+            <a:headEnd type="none" w="med" len="med"/>
+            <a:tailEnd type="none" w="med" len="med"/>
+          </a:ln>
+          <a:effectLst/>
+          <a:extLst>
+            <a:ext uri="{909E8E84-426E-40DD-AFC4-6F175D3DCCD1}">
+              <a14:hiddenFill xmlns:a14="http://schemas.microsoft.com/office/drawing/2010/main">
+                <a:solidFill>
+                  <a:schemeClr val="tx2"/>
+                </a:solidFill>
+              </a14:hiddenFill>
+            </a:ext>
+            <a:ext uri="{AF507438-7753-43E0-B8FC-AC1667EBCBE1}">
+              <a14:hiddenEffects xmlns:a14="http://schemas.microsoft.com/office/drawing/2010/main">
+                <a:effectLst>
+                  <a:outerShdw dist="35921" dir="2700000" algn="ctr" rotWithShape="0">
+                    <a:schemeClr val="bg2"/>
+                  </a:outerShdw>
+                </a:effectLst>
+              </a14:hiddenEffects>
+            </a:ext>
+          </a:extLst>
+        </p:spPr>
+        <p:txBody>
+          <a:bodyPr vert="horz" wrap="square" lIns="90000" tIns="46800" rIns="90000" bIns="46800" numCol="1" rtlCol="0" anchor="ctr" anchorCtr="0" compatLnSpc="1">
+            <a:prstTxWarp prst="textNoShape">
+              <a:avLst/>
+            </a:prstTxWarp>
+          </a:bodyPr>
+          <a:lstStyle/>
+          <a:p>
+            <a:pPr marL="0" marR="0" indent="0" algn="ctr" defTabSz="914400" rtl="0" eaLnBrk="0" fontAlgn="base" latinLnBrk="0" hangingPunct="0">
+              <a:lnSpc>
+                <a:spcPct val="100000"/>
+              </a:lnSpc>
+              <a:spcBef>
+                <a:spcPct val="0"/>
+              </a:spcBef>
+              <a:spcAft>
+                <a:spcPct val="0"/>
+              </a:spcAft>
+              <a:buClrTx/>
+              <a:buSzTx/>
+              <a:buFontTx/>
+              <a:buNone/>
+              <a:tabLst/>
+            </a:pPr>
+            <a:r>
+              <a:rPr kumimoji="0" lang="de-DE" sz="1800" b="0" i="0" u="none" strike="noStrike" cap="none" normalizeH="0" baseline="0" dirty="0" err="1" smtClean="0">
+                <a:ln>
+                  <a:noFill/>
+                </a:ln>
+                <a:solidFill>
+                  <a:schemeClr val="tx1"/>
+                </a:solidFill>
+                <a:effectLst/>
+                <a:latin typeface="Arial" charset="0"/>
+              </a:rPr>
+              <a:t>Decimal</a:t>
+            </a:r>
+            <a:r>
+              <a:rPr kumimoji="0" lang="de-DE" sz="1800" b="0" i="0" u="none" strike="noStrike" cap="none" normalizeH="0" baseline="0" dirty="0" smtClean="0">
+                <a:ln>
+                  <a:noFill/>
+                </a:ln>
+                <a:solidFill>
+                  <a:schemeClr val="tx1"/>
+                </a:solidFill>
+                <a:effectLst/>
+                <a:latin typeface="Arial" charset="0"/>
+              </a:rPr>
+              <a:t> </a:t>
+            </a:r>
+            <a:r>
+              <a:rPr kumimoji="0" lang="de-DE" sz="1800" b="0" i="0" u="none" strike="noStrike" cap="none" normalizeH="0" baseline="0" dirty="0" err="1" smtClean="0">
+                <a:ln>
+                  <a:noFill/>
+                </a:ln>
+                <a:solidFill>
+                  <a:schemeClr val="tx1"/>
+                </a:solidFill>
+                <a:effectLst/>
+                <a:latin typeface="Arial" charset="0"/>
+              </a:rPr>
+              <a:t>Temperature</a:t>
+            </a:r>
+            <a:endParaRPr kumimoji="0" lang="de-DE" sz="1800" b="0" i="0" u="none" strike="noStrike" cap="none" normalizeH="0" baseline="0" dirty="0" smtClean="0">
+              <a:ln>
+                <a:noFill/>
+              </a:ln>
+              <a:solidFill>
+                <a:schemeClr val="tx1"/>
+              </a:solidFill>
+              <a:effectLst/>
+              <a:latin typeface="Arial" charset="0"/>
+            </a:endParaRPr>
+          </a:p>
+        </p:txBody>
+      </p:sp>
+      <p:sp>
+        <p:nvSpPr>
+          <p:cNvPr id="12" name="Rechteck 11"/>
+          <p:cNvSpPr/>
+          <p:nvPr/>
+        </p:nvSpPr>
+        <p:spPr bwMode="auto">
+          <a:xfrm>
+            <a:off x="6835232" y="3176972"/>
+            <a:ext cx="1584176" cy="936104"/>
+          </a:xfrm>
+          <a:prstGeom prst="rect">
+            <a:avLst/>
+          </a:prstGeom>
+          <a:noFill/>
+          <a:ln w="19050" cap="flat" cmpd="sng" algn="ctr">
+            <a:solidFill>
+              <a:schemeClr val="hlink"/>
+            </a:solidFill>
+            <a:prstDash val="solid"/>
+            <a:round/>
+            <a:headEnd type="none" w="med" len="med"/>
+            <a:tailEnd type="none" w="med" len="med"/>
+          </a:ln>
+          <a:effectLst/>
+          <a:extLst>
+            <a:ext uri="{909E8E84-426E-40DD-AFC4-6F175D3DCCD1}">
+              <a14:hiddenFill xmlns:a14="http://schemas.microsoft.com/office/drawing/2010/main">
+                <a:solidFill>
+                  <a:schemeClr val="tx2"/>
+                </a:solidFill>
+              </a14:hiddenFill>
+            </a:ext>
+            <a:ext uri="{AF507438-7753-43E0-B8FC-AC1667EBCBE1}">
+              <a14:hiddenEffects xmlns:a14="http://schemas.microsoft.com/office/drawing/2010/main">
+                <a:effectLst>
+                  <a:outerShdw dist="35921" dir="2700000" algn="ctr" rotWithShape="0">
+                    <a:schemeClr val="bg2"/>
+                  </a:outerShdw>
+                </a:effectLst>
+              </a14:hiddenEffects>
+            </a:ext>
+          </a:extLst>
+        </p:spPr>
+        <p:txBody>
+          <a:bodyPr vert="horz" wrap="square" lIns="90000" tIns="46800" rIns="90000" bIns="46800" numCol="1" rtlCol="0" anchor="ctr" anchorCtr="0" compatLnSpc="1">
+            <a:prstTxWarp prst="textNoShape">
+              <a:avLst/>
+            </a:prstTxWarp>
+          </a:bodyPr>
+          <a:lstStyle/>
+          <a:p>
+            <a:pPr marL="0" marR="0" indent="0" algn="ctr" defTabSz="914400" rtl="0" eaLnBrk="0" fontAlgn="base" latinLnBrk="0" hangingPunct="0">
+              <a:lnSpc>
+                <a:spcPct val="100000"/>
+              </a:lnSpc>
+              <a:spcBef>
+                <a:spcPct val="0"/>
+              </a:spcBef>
+              <a:spcAft>
+                <a:spcPct val="0"/>
+              </a:spcAft>
+              <a:buClrTx/>
+              <a:buSzTx/>
+              <a:buFontTx/>
+              <a:buNone/>
+              <a:tabLst/>
+            </a:pPr>
+            <a:r>
+              <a:rPr kumimoji="0" lang="de-DE" sz="1800" b="0" i="0" u="none" strike="noStrike" cap="none" normalizeH="0" baseline="0" dirty="0" smtClean="0">
+                <a:ln>
+                  <a:noFill/>
+                </a:ln>
+                <a:solidFill>
+                  <a:schemeClr val="tx1"/>
+                </a:solidFill>
+                <a:effectLst/>
+                <a:latin typeface="Arial" charset="0"/>
+              </a:rPr>
+              <a:t>Check </a:t>
+            </a:r>
+            <a:r>
+              <a:rPr kumimoji="0" lang="de-DE" sz="1800" b="0" i="0" u="none" strike="noStrike" cap="none" normalizeH="0" baseline="0" dirty="0" err="1" smtClean="0">
+                <a:ln>
+                  <a:noFill/>
+                </a:ln>
+                <a:solidFill>
+                  <a:schemeClr val="tx1"/>
+                </a:solidFill>
+                <a:effectLst/>
+                <a:latin typeface="Arial" charset="0"/>
+              </a:rPr>
+              <a:t>Sum</a:t>
+            </a:r>
+            <a:endParaRPr kumimoji="0" lang="de-DE" sz="1800" b="0" i="0" u="none" strike="noStrike" cap="none" normalizeH="0" baseline="0" dirty="0" smtClean="0">
+              <a:ln>
+                <a:noFill/>
+              </a:ln>
+              <a:solidFill>
+                <a:schemeClr val="tx1"/>
+              </a:solidFill>
+              <a:effectLst/>
+              <a:latin typeface="Arial" charset="0"/>
+            </a:endParaRPr>
+          </a:p>
+        </p:txBody>
+      </p:sp>
+      <p:sp>
+        <p:nvSpPr>
+          <p:cNvPr id="15" name="Textfeld 14"/>
+          <p:cNvSpPr txBox="1"/>
+          <p:nvPr/>
+        </p:nvSpPr>
+        <p:spPr>
+          <a:xfrm>
+            <a:off x="243846" y="2807640"/>
+            <a:ext cx="468052" cy="369332"/>
+          </a:xfrm>
+          <a:prstGeom prst="rect">
+            <a:avLst/>
+          </a:prstGeom>
+          <a:noFill/>
+        </p:spPr>
+        <p:txBody>
+          <a:bodyPr wrap="square" rtlCol="0">
+            <a:spAutoFit/>
+          </a:bodyPr>
+          <a:lstStyle/>
+          <a:p>
+            <a:r>
+              <a:rPr lang="de-DE" dirty="0" smtClean="0"/>
+              <a:t>0</a:t>
+            </a:r>
+            <a:endParaRPr lang="de-DE" dirty="0"/>
+          </a:p>
+        </p:txBody>
+      </p:sp>
+      <p:sp>
+        <p:nvSpPr>
+          <p:cNvPr id="16" name="Textfeld 15"/>
+          <p:cNvSpPr txBox="1"/>
+          <p:nvPr/>
+        </p:nvSpPr>
+        <p:spPr>
+          <a:xfrm>
+            <a:off x="8185382" y="2807640"/>
+            <a:ext cx="468052" cy="369332"/>
+          </a:xfrm>
+          <a:prstGeom prst="rect">
+            <a:avLst/>
+          </a:prstGeom>
+          <a:noFill/>
+        </p:spPr>
+        <p:txBody>
+          <a:bodyPr wrap="square" rtlCol="0">
+            <a:spAutoFit/>
+          </a:bodyPr>
+          <a:lstStyle/>
+          <a:p>
+            <a:r>
+              <a:rPr lang="de-DE" dirty="0" smtClean="0"/>
+              <a:t>39</a:t>
+            </a:r>
+            <a:endParaRPr lang="de-DE" dirty="0"/>
+          </a:p>
+        </p:txBody>
+      </p:sp>
+      <p:sp>
+        <p:nvSpPr>
+          <p:cNvPr id="17" name="Textfeld 16"/>
+          <p:cNvSpPr txBox="1"/>
+          <p:nvPr/>
+        </p:nvSpPr>
+        <p:spPr>
+          <a:xfrm>
+            <a:off x="1700681" y="2807640"/>
+            <a:ext cx="468052" cy="369332"/>
+          </a:xfrm>
+          <a:prstGeom prst="rect">
+            <a:avLst/>
+          </a:prstGeom>
+          <a:noFill/>
+        </p:spPr>
+        <p:txBody>
+          <a:bodyPr wrap="square" rtlCol="0">
+            <a:spAutoFit/>
+          </a:bodyPr>
+          <a:lstStyle/>
+          <a:p>
+            <a:r>
+              <a:rPr lang="de-DE" dirty="0" smtClean="0"/>
+              <a:t>7</a:t>
+            </a:r>
+            <a:endParaRPr lang="de-DE" dirty="0"/>
+          </a:p>
+        </p:txBody>
+      </p:sp>
+      <p:sp>
+        <p:nvSpPr>
+          <p:cNvPr id="18" name="Textfeld 17"/>
+          <p:cNvSpPr txBox="1"/>
+          <p:nvPr/>
+        </p:nvSpPr>
+        <p:spPr>
+          <a:xfrm>
+            <a:off x="1963583" y="2807640"/>
+            <a:ext cx="453321" cy="369332"/>
+          </a:xfrm>
+          <a:prstGeom prst="rect">
+            <a:avLst/>
+          </a:prstGeom>
+          <a:noFill/>
+        </p:spPr>
+        <p:txBody>
+          <a:bodyPr wrap="square" rtlCol="0">
+            <a:spAutoFit/>
+          </a:bodyPr>
+          <a:lstStyle/>
+          <a:p>
+            <a:r>
+              <a:rPr lang="de-DE" dirty="0" smtClean="0"/>
+              <a:t>8</a:t>
+            </a:r>
+            <a:endParaRPr lang="de-DE" dirty="0"/>
+          </a:p>
+        </p:txBody>
+      </p:sp>
+      <p:sp>
+        <p:nvSpPr>
+          <p:cNvPr id="19" name="Textfeld 18"/>
+          <p:cNvSpPr txBox="1"/>
+          <p:nvPr/>
+        </p:nvSpPr>
+        <p:spPr>
+          <a:xfrm>
+            <a:off x="3299890" y="2807640"/>
+            <a:ext cx="453321" cy="369332"/>
+          </a:xfrm>
+          <a:prstGeom prst="rect">
+            <a:avLst/>
+          </a:prstGeom>
+          <a:noFill/>
+        </p:spPr>
+        <p:txBody>
+          <a:bodyPr wrap="square" rtlCol="0">
+            <a:spAutoFit/>
+          </a:bodyPr>
+          <a:lstStyle/>
+          <a:p>
+            <a:r>
+              <a:rPr lang="de-DE" dirty="0" smtClean="0"/>
+              <a:t>15</a:t>
+            </a:r>
+            <a:endParaRPr lang="de-DE" dirty="0"/>
+          </a:p>
+        </p:txBody>
+      </p:sp>
+      <p:sp>
+        <p:nvSpPr>
+          <p:cNvPr id="20" name="Textfeld 19"/>
+          <p:cNvSpPr txBox="1"/>
+          <p:nvPr/>
+        </p:nvSpPr>
+        <p:spPr>
+          <a:xfrm>
+            <a:off x="3587824" y="2807640"/>
+            <a:ext cx="453321" cy="369332"/>
+          </a:xfrm>
+          <a:prstGeom prst="rect">
+            <a:avLst/>
+          </a:prstGeom>
+          <a:noFill/>
+        </p:spPr>
+        <p:txBody>
+          <a:bodyPr wrap="square" rtlCol="0">
+            <a:spAutoFit/>
+          </a:bodyPr>
+          <a:lstStyle/>
+          <a:p>
+            <a:r>
+              <a:rPr lang="de-DE" dirty="0" smtClean="0"/>
+              <a:t>16</a:t>
+            </a:r>
+            <a:endParaRPr lang="de-DE" dirty="0"/>
+          </a:p>
+        </p:txBody>
+      </p:sp>
+      <p:sp>
+        <p:nvSpPr>
+          <p:cNvPr id="21" name="Textfeld 20"/>
+          <p:cNvSpPr txBox="1"/>
+          <p:nvPr/>
+        </p:nvSpPr>
+        <p:spPr>
+          <a:xfrm>
+            <a:off x="4856135" y="2807640"/>
+            <a:ext cx="453321" cy="369332"/>
+          </a:xfrm>
+          <a:prstGeom prst="rect">
+            <a:avLst/>
+          </a:prstGeom>
+          <a:noFill/>
+        </p:spPr>
+        <p:txBody>
+          <a:bodyPr wrap="square" rtlCol="0">
+            <a:spAutoFit/>
+          </a:bodyPr>
+          <a:lstStyle/>
+          <a:p>
+            <a:r>
+              <a:rPr lang="de-DE" dirty="0" smtClean="0"/>
+              <a:t>23</a:t>
+            </a:r>
+            <a:endParaRPr lang="de-DE" dirty="0"/>
+          </a:p>
+        </p:txBody>
+      </p:sp>
+      <p:sp>
+        <p:nvSpPr>
+          <p:cNvPr id="22" name="Textfeld 21"/>
+          <p:cNvSpPr txBox="1"/>
+          <p:nvPr/>
+        </p:nvSpPr>
+        <p:spPr>
+          <a:xfrm>
+            <a:off x="5240728" y="2807640"/>
+            <a:ext cx="453321" cy="369332"/>
+          </a:xfrm>
+          <a:prstGeom prst="rect">
+            <a:avLst/>
+          </a:prstGeom>
+          <a:noFill/>
+        </p:spPr>
+        <p:txBody>
+          <a:bodyPr wrap="square" rtlCol="0">
+            <a:spAutoFit/>
+          </a:bodyPr>
+          <a:lstStyle/>
+          <a:p>
+            <a:r>
+              <a:rPr lang="de-DE" dirty="0" smtClean="0"/>
+              <a:t>24</a:t>
+            </a:r>
+            <a:endParaRPr lang="de-DE" dirty="0"/>
+          </a:p>
+        </p:txBody>
+      </p:sp>
+      <p:sp>
+        <p:nvSpPr>
+          <p:cNvPr id="23" name="Textfeld 22"/>
+          <p:cNvSpPr txBox="1"/>
+          <p:nvPr/>
+        </p:nvSpPr>
+        <p:spPr>
+          <a:xfrm>
+            <a:off x="6407677" y="2807640"/>
+            <a:ext cx="453321" cy="369332"/>
+          </a:xfrm>
+          <a:prstGeom prst="rect">
+            <a:avLst/>
+          </a:prstGeom>
+          <a:noFill/>
+        </p:spPr>
+        <p:txBody>
+          <a:bodyPr wrap="square" rtlCol="0">
+            <a:spAutoFit/>
+          </a:bodyPr>
+          <a:lstStyle/>
+          <a:p>
+            <a:r>
+              <a:rPr lang="de-DE" dirty="0" smtClean="0"/>
+              <a:t>31</a:t>
+            </a:r>
+            <a:endParaRPr lang="de-DE" dirty="0"/>
+          </a:p>
+        </p:txBody>
+      </p:sp>
+      <p:sp>
+        <p:nvSpPr>
+          <p:cNvPr id="24" name="Textfeld 23"/>
+          <p:cNvSpPr txBox="1"/>
+          <p:nvPr/>
+        </p:nvSpPr>
+        <p:spPr>
+          <a:xfrm>
+            <a:off x="6791772" y="2807640"/>
+            <a:ext cx="453321" cy="369332"/>
+          </a:xfrm>
+          <a:prstGeom prst="rect">
+            <a:avLst/>
+          </a:prstGeom>
+          <a:noFill/>
+        </p:spPr>
+        <p:txBody>
+          <a:bodyPr wrap="square" rtlCol="0">
+            <a:spAutoFit/>
+          </a:bodyPr>
+          <a:lstStyle/>
+          <a:p>
+            <a:r>
+              <a:rPr lang="de-DE" dirty="0" smtClean="0"/>
+              <a:t>32</a:t>
+            </a:r>
+            <a:endParaRPr lang="de-DE" dirty="0"/>
+          </a:p>
+        </p:txBody>
+      </p:sp>
+    </p:spTree>
+    <p:extLst>
+      <p:ext uri="{BB962C8B-B14F-4D97-AF65-F5344CB8AC3E}">
+        <p14:creationId xmlns:p14="http://schemas.microsoft.com/office/powerpoint/2010/main" val="3301610204"/>
+      </p:ext>
+    </p:extLst>
+  </p:cSld>
+  <p:clrMapOvr>
+    <a:masterClrMapping/>
+  </p:clrMapOvr>
+  <p:transition/>
+</p:sld>
+</file>
+
+<file path=ppt/slides/slide19.xml><?xml version="1.0" encoding="utf-8"?>
+<p:sld xmlns:a="http://schemas.openxmlformats.org/drawingml/2006/main" xmlns:r="http://schemas.openxmlformats.org/officeDocument/2006/relationships" xmlns:p="http://schemas.openxmlformats.org/presentationml/2006/main">
+  <p:cSld>
+    <p:spTree>
+      <p:nvGrpSpPr>
+        <p:cNvPr id="1" name=""/>
+        <p:cNvGrpSpPr/>
+        <p:nvPr/>
+      </p:nvGrpSpPr>
+      <p:grpSpPr>
+        <a:xfrm>
+          <a:off x="0" y="0"/>
+          <a:ext cx="0" cy="0"/>
+          <a:chOff x="0" y="0"/>
+          <a:chExt cx="0" cy="0"/>
+        </a:xfrm>
+      </p:grpSpPr>
+      <p:sp>
+        <p:nvSpPr>
+          <p:cNvPr id="2" name="Foliennummernplatzhalter 1"/>
+          <p:cNvSpPr>
+            <a:spLocks noGrp="1"/>
+          </p:cNvSpPr>
+          <p:nvPr>
+            <p:ph type="sldNum" sz="quarter" idx="11"/>
+          </p:nvPr>
+        </p:nvSpPr>
+        <p:spPr/>
+        <p:txBody>
+          <a:bodyPr/>
+          <a:lstStyle/>
+          <a:p>
+            <a:fld id="{57D12BB6-0ED4-46B6-AB23-7758AD07EFBF}" type="slidenum">
+              <a:rPr lang="de-DE" smtClean="0"/>
+              <a:pPr/>
+              <a:t>19</a:t>
+            </a:fld>
+            <a:endParaRPr lang="de-DE" dirty="0"/>
+          </a:p>
+        </p:txBody>
+      </p:sp>
+      <p:sp>
+        <p:nvSpPr>
+          <p:cNvPr id="3" name="Textplatzhalter 2"/>
+          <p:cNvSpPr>
+            <a:spLocks noGrp="1"/>
+          </p:cNvSpPr>
+          <p:nvPr>
+            <p:ph type="body" sz="quarter" idx="15"/>
+          </p:nvPr>
+        </p:nvSpPr>
+        <p:spPr/>
+        <p:txBody>
+          <a:bodyPr/>
+          <a:lstStyle/>
+          <a:p>
+            <a:pPr>
+              <a:buFont typeface="Arial" panose="020B0604020202020204" pitchFamily="34" charset="0"/>
+              <a:buChar char="•"/>
+            </a:pPr>
+            <a:r>
+              <a:rPr lang="de-DE" dirty="0"/>
+              <a:t>Verwendete Bibliothek „SimpleDHT11“</a:t>
+            </a:r>
+          </a:p>
+          <a:p>
+            <a:pPr>
+              <a:buFont typeface="Arial" panose="020B0604020202020204" pitchFamily="34" charset="0"/>
+              <a:buChar char="•"/>
+            </a:pPr>
+            <a:endParaRPr lang="de-DE" dirty="0"/>
+          </a:p>
+          <a:p>
+            <a:pPr>
+              <a:buFont typeface="Arial" panose="020B0604020202020204" pitchFamily="34" charset="0"/>
+              <a:buChar char="•"/>
+            </a:pPr>
+            <a:r>
+              <a:rPr lang="de-DE" dirty="0"/>
+              <a:t>Einfach zu verwenden</a:t>
+            </a:r>
+          </a:p>
+          <a:p>
+            <a:pPr>
+              <a:buFont typeface="Arial" panose="020B0604020202020204" pitchFamily="34" charset="0"/>
+              <a:buChar char="•"/>
+            </a:pPr>
+            <a:endParaRPr lang="de-DE" dirty="0"/>
+          </a:p>
+          <a:p>
+            <a:pPr>
+              <a:buFont typeface="Arial" panose="020B0604020202020204" pitchFamily="34" charset="0"/>
+              <a:buChar char="•"/>
+            </a:pPr>
+            <a:r>
+              <a:rPr lang="de-DE" dirty="0"/>
+              <a:t>Keine externe Abhängigkeit</a:t>
+            </a:r>
+          </a:p>
+        </p:txBody>
+      </p:sp>
+      <p:sp>
+        <p:nvSpPr>
+          <p:cNvPr id="4" name="Titel 3"/>
+          <p:cNvSpPr>
+            <a:spLocks noGrp="1"/>
+          </p:cNvSpPr>
+          <p:nvPr>
+            <p:ph type="title"/>
+          </p:nvPr>
+        </p:nvSpPr>
+        <p:spPr/>
+        <p:txBody>
+          <a:bodyPr/>
+          <a:lstStyle/>
+          <a:p>
+            <a:r>
+              <a:rPr lang="de-DE" dirty="0"/>
+              <a:t>Sensor auslesen – Simple DHT11</a:t>
+            </a:r>
+          </a:p>
+        </p:txBody>
+      </p:sp>
+      <p:sp>
+        <p:nvSpPr>
+          <p:cNvPr id="5" name="Fußzeilenplatzhalter 4"/>
+          <p:cNvSpPr>
+            <a:spLocks noGrp="1"/>
+          </p:cNvSpPr>
+          <p:nvPr>
+            <p:ph type="ftr" sz="quarter" idx="16"/>
+          </p:nvPr>
+        </p:nvSpPr>
+        <p:spPr/>
+        <p:txBody>
+          <a:bodyPr/>
+          <a:lstStyle/>
+          <a:p>
+            <a:r>
+              <a:rPr lang="de-DE" altLang="de-DE"/>
+              <a:t>Hochschule Mannheim | Julia Geigl, Klemens Behr, Kevin Höfle</a:t>
+            </a:r>
+            <a:endParaRPr lang="de-DE" altLang="de-DE" dirty="0"/>
+          </a:p>
+        </p:txBody>
+      </p:sp>
+    </p:spTree>
+    <p:extLst>
+      <p:ext uri="{BB962C8B-B14F-4D97-AF65-F5344CB8AC3E}">
+        <p14:creationId xmlns:p14="http://schemas.microsoft.com/office/powerpoint/2010/main" val="3336550791"/>
+      </p:ext>
+    </p:extLst>
+  </p:cSld>
+  <p:clrMapOvr>
+    <a:masterClrMapping/>
+  </p:clrMapOvr>
+  <p:transition/>
+</p:sld>
+</file>
+
+<file path=ppt/slides/slide2.xml><?xml version="1.0" encoding="utf-8"?>
+<p:sld xmlns:a="http://schemas.openxmlformats.org/drawingml/2006/main" xmlns:r="http://schemas.openxmlformats.org/officeDocument/2006/relationships" xmlns:p="http://schemas.openxmlformats.org/presentationml/2006/main">
+  <p:cSld>
+    <p:spTree>
+      <p:nvGrpSpPr>
+        <p:cNvPr id="1" name=""/>
+        <p:cNvGrpSpPr/>
+        <p:nvPr/>
+      </p:nvGrpSpPr>
+      <p:grpSpPr>
+        <a:xfrm>
+          <a:off x="0" y="0"/>
+          <a:ext cx="0" cy="0"/>
+          <a:chOff x="0" y="0"/>
+          <a:chExt cx="0" cy="0"/>
+        </a:xfrm>
+      </p:grpSpPr>
+      <p:sp>
+        <p:nvSpPr>
+          <p:cNvPr id="2" name="Footer Placeholder 1"/>
+          <p:cNvSpPr>
+            <a:spLocks noGrp="1"/>
+          </p:cNvSpPr>
+          <p:nvPr>
+            <p:ph type="ftr" sz="quarter" idx="16"/>
+          </p:nvPr>
+        </p:nvSpPr>
+        <p:spPr>
+          <a:xfrm>
+            <a:off x="791580" y="6550025"/>
+            <a:ext cx="5165576" cy="307975"/>
+          </a:xfrm>
+          <a:prstGeom prst="rect">
+            <a:avLst/>
+          </a:prstGeom>
+        </p:spPr>
+        <p:txBody>
+          <a:bodyPr/>
+          <a:lstStyle/>
+          <a:p>
+            <a:r>
+              <a:rPr lang="de-DE" altLang="de-DE"/>
+              <a:t>Hochschule Mannheim | Julia Geigl, Klemens Behr, Kevin Höfle</a:t>
+            </a:r>
+            <a:endParaRPr lang="de-DE" altLang="de-DE" dirty="0"/>
+          </a:p>
+        </p:txBody>
+      </p:sp>
+      <p:sp>
+        <p:nvSpPr>
+          <p:cNvPr id="3" name="Slide Number Placeholder 2"/>
+          <p:cNvSpPr>
+            <a:spLocks noGrp="1"/>
+          </p:cNvSpPr>
+          <p:nvPr>
+            <p:ph type="sldNum" sz="quarter" idx="11"/>
+          </p:nvPr>
+        </p:nvSpPr>
+        <p:spPr/>
+        <p:txBody>
+          <a:bodyPr/>
+          <a:lstStyle/>
+          <a:p>
+            <a:fld id="{57D12BB6-0ED4-46B6-AB23-7758AD07EFBF}" type="slidenum">
+              <a:rPr lang="de-DE" smtClean="0"/>
+              <a:pPr/>
+              <a:t>2</a:t>
+            </a:fld>
+            <a:endParaRPr lang="de-DE" dirty="0"/>
+          </a:p>
+        </p:txBody>
+      </p:sp>
+      <p:sp>
+        <p:nvSpPr>
+          <p:cNvPr id="5" name="Text Placeholder 4"/>
+          <p:cNvSpPr>
+            <a:spLocks noGrp="1"/>
+          </p:cNvSpPr>
+          <p:nvPr>
+            <p:ph type="body" sz="quarter" idx="15"/>
+          </p:nvPr>
+        </p:nvSpPr>
+        <p:spPr/>
+        <p:txBody>
+          <a:bodyPr/>
+          <a:lstStyle/>
+          <a:p>
+            <a:r>
+              <a:rPr lang="en-US" dirty="0"/>
+              <a:t>Intro</a:t>
+            </a:r>
+          </a:p>
+          <a:p>
+            <a:endParaRPr lang="en-US" dirty="0"/>
+          </a:p>
+          <a:p>
+            <a:r>
+              <a:rPr lang="en-US" dirty="0" err="1"/>
+              <a:t>Sensoren</a:t>
+            </a:r>
+            <a:r>
+              <a:rPr lang="en-US" dirty="0"/>
+              <a:t> &amp; </a:t>
+            </a:r>
+            <a:r>
+              <a:rPr lang="en-US" dirty="0" err="1"/>
+              <a:t>Bibliotheken</a:t>
+            </a:r>
+            <a:endParaRPr lang="en-US" dirty="0"/>
+          </a:p>
+          <a:p>
+            <a:endParaRPr lang="en-US" dirty="0"/>
+          </a:p>
+          <a:p>
+            <a:r>
+              <a:rPr lang="en-US" dirty="0" err="1"/>
+              <a:t>Kommunikation</a:t>
+            </a:r>
+            <a:r>
+              <a:rPr lang="en-US" dirty="0"/>
+              <a:t> / ESP</a:t>
+            </a:r>
+          </a:p>
+          <a:p>
+            <a:endParaRPr lang="en-US" dirty="0"/>
+          </a:p>
+          <a:p>
+            <a:r>
+              <a:rPr lang="en-US" dirty="0" err="1"/>
+              <a:t>Programmablauf</a:t>
+            </a:r>
+            <a:endParaRPr lang="en-US" dirty="0"/>
+          </a:p>
+          <a:p>
+            <a:endParaRPr lang="en-US" dirty="0"/>
+          </a:p>
+          <a:p>
+            <a:r>
+              <a:rPr lang="en-US" dirty="0"/>
+              <a:t>IoT </a:t>
+            </a:r>
+            <a:r>
+              <a:rPr lang="en-US" dirty="0" err="1"/>
+              <a:t>Platfrom</a:t>
+            </a:r>
+            <a:r>
+              <a:rPr lang="en-US" dirty="0"/>
+              <a:t> – </a:t>
+            </a:r>
+            <a:r>
+              <a:rPr lang="en-US" dirty="0" err="1"/>
+              <a:t>Adafruit</a:t>
+            </a:r>
+            <a:endParaRPr lang="en-US" dirty="0"/>
+          </a:p>
+          <a:p>
+            <a:endParaRPr lang="en-US" dirty="0"/>
+          </a:p>
+          <a:p>
+            <a:pPr marL="0" indent="0">
+              <a:buNone/>
+            </a:pPr>
+            <a:r>
+              <a:rPr lang="en-US" dirty="0"/>
+              <a:t/>
+            </a:r>
+            <a:br>
+              <a:rPr lang="en-US" dirty="0"/>
+            </a:br>
+            <a:endParaRPr lang="en-US" dirty="0"/>
+          </a:p>
+        </p:txBody>
+      </p:sp>
+      <p:sp>
+        <p:nvSpPr>
+          <p:cNvPr id="6" name="Title 5"/>
+          <p:cNvSpPr>
+            <a:spLocks noGrp="1"/>
+          </p:cNvSpPr>
+          <p:nvPr>
+            <p:ph type="title"/>
+          </p:nvPr>
+        </p:nvSpPr>
+        <p:spPr/>
+        <p:txBody>
+          <a:bodyPr/>
+          <a:lstStyle/>
+          <a:p>
+            <a:r>
+              <a:rPr lang="de-DE" dirty="0"/>
+              <a:t>Inhalt</a:t>
+            </a:r>
+          </a:p>
+        </p:txBody>
+      </p:sp>
+    </p:spTree>
+    <p:extLst>
+      <p:ext uri="{BB962C8B-B14F-4D97-AF65-F5344CB8AC3E}">
+        <p14:creationId xmlns:p14="http://schemas.microsoft.com/office/powerpoint/2010/main" val="3016125589"/>
+      </p:ext>
+    </p:extLst>
+  </p:cSld>
+  <p:clrMapOvr>
+    <a:masterClrMapping/>
+  </p:clrMapOvr>
+  <p:transition/>
+</p:sld>
+</file>
+
+<file path=ppt/slides/slide20.xml><?xml version="1.0" encoding="utf-8"?>
+<p:sld xmlns:a="http://schemas.openxmlformats.org/drawingml/2006/main" xmlns:r="http://schemas.openxmlformats.org/officeDocument/2006/relationships" xmlns:p="http://schemas.openxmlformats.org/presentationml/2006/main" show="0">
+  <p:cSld>
+    <p:spTree>
+      <p:nvGrpSpPr>
+        <p:cNvPr id="1" name=""/>
+        <p:cNvGrpSpPr/>
+        <p:nvPr/>
+      </p:nvGrpSpPr>
+      <p:grpSpPr>
+        <a:xfrm>
+          <a:off x="0" y="0"/>
+          <a:ext cx="0" cy="0"/>
+          <a:chOff x="0" y="0"/>
+          <a:chExt cx="0" cy="0"/>
+        </a:xfrm>
+      </p:grpSpPr>
+      <p:sp>
+        <p:nvSpPr>
+          <p:cNvPr id="2" name="Foliennummernplatzhalter 1"/>
+          <p:cNvSpPr>
+            <a:spLocks noGrp="1"/>
+          </p:cNvSpPr>
+          <p:nvPr>
+            <p:ph type="sldNum" sz="quarter" idx="11"/>
+          </p:nvPr>
+        </p:nvSpPr>
+        <p:spPr/>
+        <p:txBody>
+          <a:bodyPr/>
+          <a:lstStyle/>
+          <a:p>
+            <a:fld id="{57D12BB6-0ED4-46B6-AB23-7758AD07EFBF}" type="slidenum">
+              <a:rPr lang="de-DE" smtClean="0"/>
+              <a:pPr/>
+              <a:t>20</a:t>
+            </a:fld>
+            <a:endParaRPr lang="de-DE" dirty="0"/>
+          </a:p>
+        </p:txBody>
+      </p:sp>
+      <p:sp>
+        <p:nvSpPr>
+          <p:cNvPr id="4" name="Titel 3"/>
+          <p:cNvSpPr>
+            <a:spLocks noGrp="1"/>
+          </p:cNvSpPr>
+          <p:nvPr>
+            <p:ph type="title"/>
+          </p:nvPr>
+        </p:nvSpPr>
+        <p:spPr/>
+        <p:txBody>
+          <a:bodyPr/>
+          <a:lstStyle/>
+          <a:p>
+            <a:r>
+              <a:rPr lang="de-DE" dirty="0"/>
+              <a:t>Simple DHT</a:t>
+            </a:r>
+          </a:p>
+        </p:txBody>
+      </p:sp>
+      <p:sp>
+        <p:nvSpPr>
+          <p:cNvPr id="5" name="Fußzeilenplatzhalter 4"/>
+          <p:cNvSpPr>
+            <a:spLocks noGrp="1"/>
+          </p:cNvSpPr>
+          <p:nvPr>
+            <p:ph type="ftr" sz="quarter" idx="16"/>
+          </p:nvPr>
+        </p:nvSpPr>
+        <p:spPr/>
+        <p:txBody>
+          <a:bodyPr/>
+          <a:lstStyle/>
+          <a:p>
+            <a:r>
+              <a:rPr lang="de-DE" altLang="de-DE"/>
+              <a:t>Hochschule Mannheim | Julia Geigl, Klemens Behr, Kevin Höfle</a:t>
+            </a:r>
+            <a:endParaRPr lang="de-DE" altLang="de-DE" dirty="0"/>
+          </a:p>
+        </p:txBody>
+      </p:sp>
+      <p:sp>
+        <p:nvSpPr>
+          <p:cNvPr id="6" name="Rechteck 5"/>
+          <p:cNvSpPr/>
+          <p:nvPr/>
+        </p:nvSpPr>
+        <p:spPr>
+          <a:xfrm>
+            <a:off x="971550" y="2408437"/>
+            <a:ext cx="5690267" cy="1496291"/>
+          </a:xfrm>
+          <a:prstGeom prst="rect">
+            <a:avLst/>
+          </a:prstGeom>
+        </p:spPr>
+        <p:style>
+          <a:lnRef idx="2">
+            <a:schemeClr val="dk1"/>
+          </a:lnRef>
+          <a:fillRef idx="1">
+            <a:schemeClr val="lt1"/>
+          </a:fillRef>
+          <a:effectRef idx="0">
+            <a:schemeClr val="dk1"/>
+          </a:effectRef>
+          <a:fontRef idx="minor">
+            <a:schemeClr val="dk1"/>
+          </a:fontRef>
+        </p:style>
+        <p:txBody>
+          <a:bodyPr rtlCol="0" anchor="ctr"/>
+          <a:lstStyle/>
+          <a:p>
+            <a:pPr algn="l"/>
+            <a:r>
+              <a:rPr lang="de-DE" sz="1351" dirty="0"/>
+              <a:t>+ </a:t>
+            </a:r>
+            <a:r>
+              <a:rPr lang="de-DE" sz="1351" dirty="0" err="1">
+                <a:solidFill>
+                  <a:srgbClr val="0070C0"/>
+                </a:solidFill>
+              </a:rPr>
+              <a:t>int</a:t>
+            </a:r>
+            <a:r>
+              <a:rPr lang="de-DE" sz="1351" dirty="0"/>
+              <a:t> </a:t>
+            </a:r>
+            <a:r>
+              <a:rPr lang="de-DE" sz="1351" dirty="0" err="1"/>
+              <a:t>read</a:t>
+            </a:r>
+            <a:r>
+              <a:rPr lang="de-DE" sz="1351" dirty="0"/>
+              <a:t>(</a:t>
+            </a:r>
+            <a:r>
+              <a:rPr lang="de-DE" sz="1351" dirty="0" err="1">
+                <a:solidFill>
+                  <a:srgbClr val="0070C0"/>
+                </a:solidFill>
+              </a:rPr>
+              <a:t>int</a:t>
+            </a:r>
+            <a:r>
+              <a:rPr lang="de-DE" sz="1351" dirty="0"/>
+              <a:t> </a:t>
+            </a:r>
+            <a:r>
+              <a:rPr lang="de-DE" sz="1351" dirty="0" err="1"/>
+              <a:t>pin</a:t>
+            </a:r>
+            <a:r>
+              <a:rPr lang="de-DE" sz="1351" dirty="0"/>
+              <a:t>, </a:t>
+            </a:r>
+            <a:r>
+              <a:rPr lang="de-DE" sz="1351" dirty="0" err="1"/>
+              <a:t>byte</a:t>
+            </a:r>
+            <a:r>
+              <a:rPr lang="de-DE" sz="1351" dirty="0"/>
+              <a:t>* </a:t>
+            </a:r>
+            <a:r>
+              <a:rPr lang="de-DE" sz="1351" dirty="0" err="1"/>
+              <a:t>ptemperature</a:t>
+            </a:r>
+            <a:r>
+              <a:rPr lang="de-DE" sz="1351" dirty="0"/>
+              <a:t>, </a:t>
+            </a:r>
+            <a:r>
+              <a:rPr lang="de-DE" sz="1351" dirty="0" err="1"/>
+              <a:t>byte</a:t>
+            </a:r>
+            <a:r>
+              <a:rPr lang="de-DE" sz="1351" dirty="0"/>
+              <a:t>* </a:t>
+            </a:r>
+            <a:r>
+              <a:rPr lang="de-DE" sz="1351" dirty="0" err="1"/>
+              <a:t>phumidity</a:t>
+            </a:r>
+            <a:r>
+              <a:rPr lang="de-DE" sz="1351" dirty="0"/>
+              <a:t>, </a:t>
+            </a:r>
+            <a:r>
+              <a:rPr lang="de-DE" sz="1351" dirty="0" err="1"/>
+              <a:t>byte</a:t>
+            </a:r>
+            <a:r>
+              <a:rPr lang="de-DE" sz="1351" dirty="0"/>
+              <a:t> </a:t>
+            </a:r>
+            <a:r>
+              <a:rPr lang="de-DE" sz="1351" dirty="0" err="1"/>
+              <a:t>pdata</a:t>
+            </a:r>
+            <a:r>
+              <a:rPr lang="de-DE" sz="1351" dirty="0"/>
+              <a:t>[40])</a:t>
+            </a:r>
+          </a:p>
+          <a:p>
+            <a:pPr algn="l"/>
+            <a:r>
+              <a:rPr lang="de-DE" sz="1351" dirty="0"/>
+              <a:t>-  </a:t>
+            </a:r>
+            <a:r>
+              <a:rPr lang="de-DE" sz="1351" dirty="0" err="1">
+                <a:solidFill>
+                  <a:srgbClr val="0070C0"/>
+                </a:solidFill>
+              </a:rPr>
+              <a:t>int</a:t>
+            </a:r>
+            <a:r>
+              <a:rPr lang="de-DE" sz="1351" dirty="0"/>
+              <a:t> </a:t>
+            </a:r>
+            <a:r>
+              <a:rPr lang="de-DE" sz="1351" dirty="0" err="1"/>
+              <a:t>confirm</a:t>
+            </a:r>
+            <a:r>
+              <a:rPr lang="de-DE" sz="1351" dirty="0"/>
+              <a:t>(</a:t>
+            </a:r>
+            <a:r>
+              <a:rPr lang="de-DE" sz="1351" dirty="0" err="1">
+                <a:solidFill>
+                  <a:srgbClr val="0070C0"/>
+                </a:solidFill>
+              </a:rPr>
+              <a:t>int</a:t>
+            </a:r>
+            <a:r>
+              <a:rPr lang="de-DE" sz="1351" dirty="0"/>
+              <a:t> </a:t>
+            </a:r>
+            <a:r>
+              <a:rPr lang="de-DE" sz="1351" dirty="0" err="1"/>
+              <a:t>pin</a:t>
+            </a:r>
+            <a:r>
+              <a:rPr lang="de-DE" sz="1351" dirty="0"/>
+              <a:t>, </a:t>
+            </a:r>
+            <a:r>
+              <a:rPr lang="de-DE" sz="1351" dirty="0" err="1"/>
+              <a:t>int</a:t>
+            </a:r>
+            <a:r>
+              <a:rPr lang="de-DE" sz="1351" dirty="0"/>
+              <a:t> </a:t>
+            </a:r>
+            <a:r>
+              <a:rPr lang="de-DE" sz="1351" dirty="0" err="1"/>
+              <a:t>us</a:t>
+            </a:r>
+            <a:r>
+              <a:rPr lang="de-DE" sz="1351" dirty="0"/>
+              <a:t>, </a:t>
+            </a:r>
+            <a:r>
+              <a:rPr lang="de-DE" sz="1351" dirty="0" err="1"/>
+              <a:t>byte</a:t>
+            </a:r>
+            <a:r>
+              <a:rPr lang="de-DE" sz="1351" dirty="0"/>
+              <a:t> </a:t>
+            </a:r>
+            <a:r>
+              <a:rPr lang="de-DE" sz="1351" dirty="0" err="1"/>
+              <a:t>level</a:t>
+            </a:r>
+            <a:r>
+              <a:rPr lang="de-DE" sz="1351" dirty="0"/>
+              <a:t>)</a:t>
+            </a:r>
+          </a:p>
+          <a:p>
+            <a:pPr algn="l"/>
+            <a:r>
+              <a:rPr lang="de-DE" sz="1351" dirty="0"/>
+              <a:t>-  </a:t>
+            </a:r>
+            <a:r>
+              <a:rPr lang="de-DE" sz="1351" dirty="0" err="1"/>
+              <a:t>byte</a:t>
+            </a:r>
+            <a:r>
+              <a:rPr lang="de-DE" sz="1351" dirty="0"/>
+              <a:t> bits2byte (</a:t>
+            </a:r>
+            <a:r>
+              <a:rPr lang="de-DE" sz="1351" dirty="0" err="1"/>
+              <a:t>byte</a:t>
+            </a:r>
+            <a:r>
+              <a:rPr lang="de-DE" sz="1351" dirty="0"/>
+              <a:t> </a:t>
+            </a:r>
+            <a:r>
+              <a:rPr lang="de-DE" sz="1351" dirty="0" err="1"/>
+              <a:t>data</a:t>
+            </a:r>
+            <a:r>
+              <a:rPr lang="de-DE" sz="1351" dirty="0"/>
+              <a:t>[8])</a:t>
+            </a:r>
+          </a:p>
+          <a:p>
+            <a:pPr algn="l"/>
+            <a:r>
+              <a:rPr lang="de-DE" sz="1351" dirty="0"/>
+              <a:t>-  </a:t>
+            </a:r>
+            <a:r>
+              <a:rPr lang="de-DE" sz="1351" dirty="0" err="1">
+                <a:solidFill>
+                  <a:srgbClr val="0070C0"/>
+                </a:solidFill>
+              </a:rPr>
+              <a:t>int</a:t>
+            </a:r>
+            <a:r>
+              <a:rPr lang="de-DE" sz="1351" dirty="0"/>
+              <a:t> sample(</a:t>
+            </a:r>
+            <a:r>
+              <a:rPr lang="de-DE" sz="1351" dirty="0" err="1">
+                <a:solidFill>
+                  <a:srgbClr val="0070C0"/>
+                </a:solidFill>
+              </a:rPr>
+              <a:t>int</a:t>
+            </a:r>
+            <a:r>
+              <a:rPr lang="de-DE" sz="1351" dirty="0"/>
+              <a:t> </a:t>
+            </a:r>
+            <a:r>
+              <a:rPr lang="de-DE" sz="1351" dirty="0" err="1"/>
+              <a:t>pin</a:t>
+            </a:r>
+            <a:r>
+              <a:rPr lang="de-DE" sz="1351" dirty="0"/>
+              <a:t>, </a:t>
+            </a:r>
+            <a:r>
+              <a:rPr lang="de-DE" sz="1351" dirty="0" err="1"/>
+              <a:t>byte</a:t>
+            </a:r>
+            <a:r>
+              <a:rPr lang="de-DE" sz="1351" dirty="0"/>
+              <a:t> </a:t>
+            </a:r>
+            <a:r>
+              <a:rPr lang="de-DE" sz="1351" dirty="0" err="1"/>
+              <a:t>data</a:t>
+            </a:r>
+            <a:r>
+              <a:rPr lang="de-DE" sz="1351" dirty="0"/>
+              <a:t>[40])</a:t>
+            </a:r>
+            <a:br>
+              <a:rPr lang="de-DE" sz="1351" dirty="0"/>
+            </a:br>
+            <a:r>
+              <a:rPr lang="de-DE" sz="1351" dirty="0"/>
+              <a:t>-  </a:t>
+            </a:r>
+            <a:r>
+              <a:rPr lang="de-DE" sz="1351" dirty="0" err="1">
+                <a:solidFill>
+                  <a:srgbClr val="0070C0"/>
+                </a:solidFill>
+              </a:rPr>
+              <a:t>int</a:t>
+            </a:r>
+            <a:r>
+              <a:rPr lang="de-DE" sz="1351" dirty="0"/>
+              <a:t> parse(</a:t>
+            </a:r>
+            <a:r>
+              <a:rPr lang="de-DE" sz="1351" dirty="0" err="1"/>
+              <a:t>byte</a:t>
+            </a:r>
+            <a:r>
+              <a:rPr lang="de-DE" sz="1351" dirty="0"/>
+              <a:t> </a:t>
+            </a:r>
+            <a:r>
+              <a:rPr lang="de-DE" sz="1351" dirty="0" err="1"/>
+              <a:t>data</a:t>
+            </a:r>
+            <a:r>
+              <a:rPr lang="de-DE" sz="1351" dirty="0"/>
+              <a:t>[40], </a:t>
+            </a:r>
+            <a:r>
+              <a:rPr lang="de-DE" sz="1351" dirty="0" err="1"/>
+              <a:t>byte</a:t>
+            </a:r>
+            <a:r>
+              <a:rPr lang="de-DE" sz="1351" dirty="0"/>
+              <a:t>* </a:t>
+            </a:r>
+            <a:r>
+              <a:rPr lang="de-DE" sz="1351" dirty="0" err="1"/>
+              <a:t>ptemperature</a:t>
+            </a:r>
+            <a:r>
+              <a:rPr lang="de-DE" sz="1351" dirty="0"/>
+              <a:t>, </a:t>
+            </a:r>
+            <a:r>
+              <a:rPr lang="de-DE" sz="1351" dirty="0" err="1"/>
+              <a:t>byte</a:t>
+            </a:r>
+            <a:r>
+              <a:rPr lang="de-DE" sz="1351" dirty="0"/>
+              <a:t>* </a:t>
+            </a:r>
+            <a:r>
+              <a:rPr lang="de-DE" sz="1351" dirty="0" err="1"/>
+              <a:t>phumidity</a:t>
+            </a:r>
+            <a:r>
+              <a:rPr lang="de-DE" sz="1351" dirty="0"/>
+              <a:t>) </a:t>
+            </a:r>
+          </a:p>
+        </p:txBody>
+      </p:sp>
+      <p:sp>
+        <p:nvSpPr>
+          <p:cNvPr id="7" name="Rechteck 6"/>
+          <p:cNvSpPr/>
+          <p:nvPr/>
+        </p:nvSpPr>
+        <p:spPr>
+          <a:xfrm>
+            <a:off x="971550" y="1915901"/>
+            <a:ext cx="5690267" cy="492531"/>
+          </a:xfrm>
+          <a:prstGeom prst="rect">
+            <a:avLst/>
+          </a:prstGeom>
+        </p:spPr>
+        <p:style>
+          <a:lnRef idx="2">
+            <a:schemeClr val="dk1"/>
+          </a:lnRef>
+          <a:fillRef idx="1">
+            <a:schemeClr val="lt1"/>
+          </a:fillRef>
+          <a:effectRef idx="0">
+            <a:schemeClr val="dk1"/>
+          </a:effectRef>
+          <a:fontRef idx="minor">
+            <a:schemeClr val="dk1"/>
+          </a:fontRef>
+        </p:style>
+        <p:txBody>
+          <a:bodyPr rtlCol="0" anchor="ctr"/>
+          <a:lstStyle/>
+          <a:p>
+            <a:pPr algn="ctr"/>
+            <a:r>
+              <a:rPr lang="de-DE" sz="1351" dirty="0"/>
+              <a:t>SimpleDHT11</a:t>
+            </a:r>
+          </a:p>
+        </p:txBody>
+      </p:sp>
+      <p:sp>
+        <p:nvSpPr>
+          <p:cNvPr id="8" name="Textfeld 7"/>
+          <p:cNvSpPr txBox="1"/>
+          <p:nvPr/>
+        </p:nvSpPr>
+        <p:spPr>
+          <a:xfrm>
+            <a:off x="971551" y="4074794"/>
+            <a:ext cx="5754383" cy="369332"/>
+          </a:xfrm>
+          <a:prstGeom prst="rect">
+            <a:avLst/>
+          </a:prstGeom>
+          <a:noFill/>
+        </p:spPr>
+        <p:txBody>
+          <a:bodyPr wrap="square" rtlCol="0">
+            <a:spAutoFit/>
+          </a:bodyPr>
+          <a:lstStyle/>
+          <a:p>
+            <a:pPr algn="l"/>
+            <a:r>
+              <a:rPr lang="de-DE" dirty="0"/>
+              <a:t>Von Interesse ist nur die </a:t>
+            </a:r>
+            <a:r>
+              <a:rPr lang="de-DE" dirty="0" err="1"/>
+              <a:t>public</a:t>
+            </a:r>
+            <a:r>
+              <a:rPr lang="de-DE" dirty="0"/>
+              <a:t> </a:t>
+            </a:r>
+            <a:r>
+              <a:rPr lang="de-DE" dirty="0" err="1"/>
+              <a:t>read</a:t>
+            </a:r>
+            <a:r>
+              <a:rPr lang="de-DE" dirty="0"/>
+              <a:t> </a:t>
+            </a:r>
+            <a:r>
+              <a:rPr lang="de-DE" dirty="0" err="1"/>
+              <a:t>function</a:t>
+            </a:r>
+            <a:endParaRPr lang="de-DE" dirty="0"/>
+          </a:p>
+        </p:txBody>
+      </p:sp>
+    </p:spTree>
+    <p:extLst>
+      <p:ext uri="{BB962C8B-B14F-4D97-AF65-F5344CB8AC3E}">
+        <p14:creationId xmlns:p14="http://schemas.microsoft.com/office/powerpoint/2010/main" val="2606732352"/>
+      </p:ext>
+    </p:extLst>
+  </p:cSld>
+  <p:clrMapOvr>
+    <a:masterClrMapping/>
+  </p:clrMapOvr>
+  <p:transition/>
+</p:sld>
+</file>
+
+<file path=ppt/slides/slide21.xml><?xml version="1.0" encoding="utf-8"?>
+<p:sld xmlns:a="http://schemas.openxmlformats.org/drawingml/2006/main" xmlns:r="http://schemas.openxmlformats.org/officeDocument/2006/relationships" xmlns:p="http://schemas.openxmlformats.org/presentationml/2006/main">
+  <p:cSld>
+    <p:spTree>
+      <p:nvGrpSpPr>
+        <p:cNvPr id="1" name=""/>
+        <p:cNvGrpSpPr/>
+        <p:nvPr/>
+      </p:nvGrpSpPr>
+      <p:grpSpPr>
+        <a:xfrm>
+          <a:off x="0" y="0"/>
+          <a:ext cx="0" cy="0"/>
+          <a:chOff x="0" y="0"/>
+          <a:chExt cx="0" cy="0"/>
+        </a:xfrm>
+      </p:grpSpPr>
+      <p:sp>
+        <p:nvSpPr>
+          <p:cNvPr id="2" name="Foliennummernplatzhalter 1"/>
+          <p:cNvSpPr>
+            <a:spLocks noGrp="1"/>
+          </p:cNvSpPr>
+          <p:nvPr>
+            <p:ph type="sldNum" sz="quarter" idx="11"/>
+          </p:nvPr>
+        </p:nvSpPr>
+        <p:spPr/>
+        <p:txBody>
+          <a:bodyPr/>
+          <a:lstStyle/>
+          <a:p>
+            <a:fld id="{57D12BB6-0ED4-46B6-AB23-7758AD07EFBF}" type="slidenum">
+              <a:rPr lang="de-DE" smtClean="0"/>
+              <a:pPr/>
+              <a:t>21</a:t>
             </a:fld>
             <a:endParaRPr lang="de-DE" dirty="0"/>
           </a:p>
@@ -15139,7 +17305,7 @@
 </p:sld>
 </file>
 
-<file path=ppt/slides/slide19.xml><?xml version="1.0" encoding="utf-8"?>
+<file path=ppt/slides/slide22.xml><?xml version="1.0" encoding="utf-8"?>
 <p:sld xmlns:a="http://schemas.openxmlformats.org/drawingml/2006/main" xmlns:r="http://schemas.openxmlformats.org/officeDocument/2006/relationships" xmlns:p="http://schemas.openxmlformats.org/presentationml/2006/main">
   <p:cSld>
     <p:spTree>
@@ -15174,7 +17340,7 @@
             <a:fld id="{57D12BB6-0ED4-46B6-AB23-7758AD07EFBF}" type="slidenum">
               <a:rPr lang="de-DE" smtClean="0"/>
               <a:pPr/>
-              <a:t>19</a:t>
+              <a:t>22</a:t>
             </a:fld>
             <a:endParaRPr lang="de-DE" dirty="0"/>
           </a:p>
@@ -15354,7 +17520,7 @@
 </p:sld>
 </file>
 
-<file path=ppt/slides/slide2.xml><?xml version="1.0" encoding="utf-8"?>
+<file path=ppt/slides/slide23.xml><?xml version="1.0" encoding="utf-8"?>
 <p:sld xmlns:a="http://schemas.openxmlformats.org/drawingml/2006/main" xmlns:r="http://schemas.openxmlformats.org/officeDocument/2006/relationships" xmlns:p="http://schemas.openxmlformats.org/presentationml/2006/main">
   <p:cSld>
     <p:spTree>
@@ -15373,38 +17539,7 @@
       </p:grpSpPr>
       <p:sp>
         <p:nvSpPr>
-          <p:cNvPr id="2" name="Footer Placeholder 1"/>
-          <p:cNvSpPr>
-            <a:spLocks noGrp="1"/>
-          </p:cNvSpPr>
-          <p:nvPr>
-            <p:ph type="ftr" sz="quarter" idx="16"/>
-          </p:nvPr>
-        </p:nvSpPr>
-        <p:spPr>
-          <a:xfrm>
-            <a:off x="791580" y="6550025"/>
-            <a:ext cx="5165576" cy="307975"/>
-          </a:xfrm>
-          <a:prstGeom prst="rect">
-            <a:avLst/>
-          </a:prstGeom>
-        </p:spPr>
-        <p:txBody>
-          <a:bodyPr/>
-          <a:lstStyle/>
-          <a:p>
-            <a:r>
-              <a:rPr lang="de-DE" altLang="de-DE"/>
-              <a:t>Hochschule Mannheim | Julia Geigl, Klemens Behr, Kevin Höfle</a:t>
-            </a:r>
-            <a:endParaRPr lang="de-DE" altLang="de-DE" dirty="0"/>
-          </a:p>
-        </p:txBody>
-      </p:sp>
-      <p:sp>
-        <p:nvSpPr>
-          <p:cNvPr id="3" name="Slide Number Placeholder 2"/>
+          <p:cNvPr id="2" name="Foliennummernplatzhalter 1"/>
           <p:cNvSpPr>
             <a:spLocks noGrp="1"/>
           </p:cNvSpPr>
@@ -15420,185 +17555,7 @@
             <a:fld id="{57D12BB6-0ED4-46B6-AB23-7758AD07EFBF}" type="slidenum">
               <a:rPr lang="de-DE" smtClean="0"/>
               <a:pPr/>
-              <a:t>2</a:t>
-            </a:fld>
-            <a:endParaRPr lang="de-DE" dirty="0"/>
-          </a:p>
-        </p:txBody>
-      </p:sp>
-      <p:sp>
-        <p:nvSpPr>
-          <p:cNvPr id="5" name="Text Placeholder 4"/>
-          <p:cNvSpPr>
-            <a:spLocks noGrp="1"/>
-          </p:cNvSpPr>
-          <p:nvPr>
-            <p:ph type="body" sz="quarter" idx="15"/>
-          </p:nvPr>
-        </p:nvSpPr>
-        <p:spPr/>
-        <p:txBody>
-          <a:bodyPr/>
-          <a:lstStyle/>
-          <a:p>
-            <a:r>
-              <a:rPr lang="en-US" dirty="0"/>
-              <a:t>Intro</a:t>
-            </a:r>
-          </a:p>
-          <a:p>
-            <a:endParaRPr lang="en-US" dirty="0"/>
-          </a:p>
-          <a:p>
-            <a:r>
-              <a:rPr lang="en-US" dirty="0" err="1"/>
-              <a:t>Sensoren</a:t>
-            </a:r>
-            <a:r>
-              <a:rPr lang="en-US" dirty="0"/>
-              <a:t> &amp; </a:t>
-            </a:r>
-            <a:r>
-              <a:rPr lang="en-US" dirty="0" err="1"/>
-              <a:t>Bibliotheken</a:t>
-            </a:r>
-            <a:endParaRPr lang="en-US" dirty="0"/>
-          </a:p>
-          <a:p>
-            <a:endParaRPr lang="en-US" dirty="0"/>
-          </a:p>
-          <a:p>
-            <a:r>
-              <a:rPr lang="en-US" dirty="0" err="1"/>
-              <a:t>Kommunikation</a:t>
-            </a:r>
-            <a:r>
-              <a:rPr lang="en-US" dirty="0"/>
-              <a:t> / ESP</a:t>
-            </a:r>
-          </a:p>
-          <a:p>
-            <a:endParaRPr lang="en-US" dirty="0"/>
-          </a:p>
-          <a:p>
-            <a:r>
-              <a:rPr lang="en-US" dirty="0" err="1"/>
-              <a:t>Programmablauf</a:t>
-            </a:r>
-            <a:endParaRPr lang="en-US" dirty="0"/>
-          </a:p>
-          <a:p>
-            <a:endParaRPr lang="en-US" dirty="0"/>
-          </a:p>
-          <a:p>
-            <a:r>
-              <a:rPr lang="en-US" dirty="0"/>
-              <a:t>IoT </a:t>
-            </a:r>
-            <a:r>
-              <a:rPr lang="en-US" dirty="0" err="1"/>
-              <a:t>Platfrom</a:t>
-            </a:r>
-            <a:r>
-              <a:rPr lang="en-US" dirty="0"/>
-              <a:t> – </a:t>
-            </a:r>
-            <a:r>
-              <a:rPr lang="en-US" dirty="0" err="1"/>
-              <a:t>Adafruit</a:t>
-            </a:r>
-            <a:endParaRPr lang="en-US" dirty="0"/>
-          </a:p>
-          <a:p>
-            <a:endParaRPr lang="en-US" dirty="0"/>
-          </a:p>
-          <a:p>
-            <a:pPr marL="0" indent="0">
-              <a:buNone/>
-            </a:pPr>
-            <a:r>
-              <a:rPr lang="en-US" dirty="0"/>
-              <a:t/>
-            </a:r>
-            <a:br>
-              <a:rPr lang="en-US" dirty="0"/>
-            </a:br>
-            <a:endParaRPr lang="en-US" dirty="0"/>
-          </a:p>
-        </p:txBody>
-      </p:sp>
-      <p:sp>
-        <p:nvSpPr>
-          <p:cNvPr id="6" name="Title 5"/>
-          <p:cNvSpPr>
-            <a:spLocks noGrp="1"/>
-          </p:cNvSpPr>
-          <p:nvPr>
-            <p:ph type="title"/>
-          </p:nvPr>
-        </p:nvSpPr>
-        <p:spPr/>
-        <p:txBody>
-          <a:bodyPr/>
-          <a:lstStyle/>
-          <a:p>
-            <a:r>
-              <a:rPr lang="de-DE" dirty="0"/>
-              <a:t>Inhalt</a:t>
-            </a:r>
-          </a:p>
-        </p:txBody>
-      </p:sp>
-    </p:spTree>
-    <p:extLst>
-      <p:ext uri="{BB962C8B-B14F-4D97-AF65-F5344CB8AC3E}">
-        <p14:creationId xmlns:p14="http://schemas.microsoft.com/office/powerpoint/2010/main" val="3016125589"/>
-      </p:ext>
-    </p:extLst>
-  </p:cSld>
-  <p:clrMapOvr>
-    <a:masterClrMapping/>
-  </p:clrMapOvr>
-  <p:transition/>
-</p:sld>
-</file>
-
-<file path=ppt/slides/slide20.xml><?xml version="1.0" encoding="utf-8"?>
-<p:sld xmlns:a="http://schemas.openxmlformats.org/drawingml/2006/main" xmlns:r="http://schemas.openxmlformats.org/officeDocument/2006/relationships" xmlns:p="http://schemas.openxmlformats.org/presentationml/2006/main">
-  <p:cSld>
-    <p:spTree>
-      <p:nvGrpSpPr>
-        <p:cNvPr id="1" name=""/>
-        <p:cNvGrpSpPr/>
-        <p:nvPr/>
-      </p:nvGrpSpPr>
-      <p:grpSpPr>
-        <a:xfrm>
-          <a:off x="0" y="0"/>
-          <a:ext cx="0" cy="0"/>
-          <a:chOff x="0" y="0"/>
-          <a:chExt cx="0" cy="0"/>
-        </a:xfrm>
-      </p:grpSpPr>
-      <p:sp>
-        <p:nvSpPr>
-          <p:cNvPr id="2" name="Foliennummernplatzhalter 1"/>
-          <p:cNvSpPr>
-            <a:spLocks noGrp="1"/>
-          </p:cNvSpPr>
-          <p:nvPr>
-            <p:ph type="sldNum" sz="quarter" idx="11"/>
-          </p:nvPr>
-        </p:nvSpPr>
-        <p:spPr/>
-        <p:txBody>
-          <a:bodyPr/>
-          <a:lstStyle/>
-          <a:p>
-            <a:fld id="{57D12BB6-0ED4-46B6-AB23-7758AD07EFBF}" type="slidenum">
-              <a:rPr lang="de-DE" smtClean="0"/>
-              <a:pPr/>
-              <a:t>20</a:t>
+              <a:t>23</a:t>
             </a:fld>
             <a:endParaRPr lang="de-DE" dirty="0"/>
           </a:p>
@@ -16019,616 +17976,6 @@
 </p:sld>
 </file>
 
-<file path=ppt/slides/slide21.xml><?xml version="1.0" encoding="utf-8"?>
-<p:sld xmlns:a="http://schemas.openxmlformats.org/drawingml/2006/main" xmlns:r="http://schemas.openxmlformats.org/officeDocument/2006/relationships" xmlns:p="http://schemas.openxmlformats.org/presentationml/2006/main">
-  <p:cSld>
-    <p:spTree>
-      <p:nvGrpSpPr>
-        <p:cNvPr id="1" name=""/>
-        <p:cNvGrpSpPr/>
-        <p:nvPr/>
-      </p:nvGrpSpPr>
-      <p:grpSpPr>
-        <a:xfrm>
-          <a:off x="0" y="0"/>
-          <a:ext cx="0" cy="0"/>
-          <a:chOff x="0" y="0"/>
-          <a:chExt cx="0" cy="0"/>
-        </a:xfrm>
-      </p:grpSpPr>
-      <p:sp>
-        <p:nvSpPr>
-          <p:cNvPr id="2" name="Foliennummernplatzhalter 1"/>
-          <p:cNvSpPr>
-            <a:spLocks noGrp="1"/>
-          </p:cNvSpPr>
-          <p:nvPr>
-            <p:ph type="sldNum" sz="quarter" idx="11"/>
-          </p:nvPr>
-        </p:nvSpPr>
-        <p:spPr/>
-        <p:txBody>
-          <a:bodyPr/>
-          <a:lstStyle/>
-          <a:p>
-            <a:fld id="{57D12BB6-0ED4-46B6-AB23-7758AD07EFBF}" type="slidenum">
-              <a:rPr lang="de-DE" smtClean="0"/>
-              <a:pPr/>
-              <a:t>21</a:t>
-            </a:fld>
-            <a:endParaRPr lang="de-DE" dirty="0"/>
-          </a:p>
-        </p:txBody>
-      </p:sp>
-      <p:sp>
-        <p:nvSpPr>
-          <p:cNvPr id="4" name="Titel 3"/>
-          <p:cNvSpPr>
-            <a:spLocks noGrp="1"/>
-          </p:cNvSpPr>
-          <p:nvPr>
-            <p:ph type="title"/>
-          </p:nvPr>
-        </p:nvSpPr>
-        <p:spPr>
-          <a:xfrm>
-            <a:off x="683568" y="2816932"/>
-            <a:ext cx="7164796" cy="863600"/>
-          </a:xfrm>
-        </p:spPr>
-        <p:txBody>
-          <a:bodyPr/>
-          <a:lstStyle/>
-          <a:p>
-            <a:r>
-              <a:rPr lang="de-DE" sz="11500" dirty="0"/>
-              <a:t>ESP</a:t>
-            </a:r>
-          </a:p>
-        </p:txBody>
-      </p:sp>
-      <p:sp>
-        <p:nvSpPr>
-          <p:cNvPr id="5" name="Fußzeilenplatzhalter 4"/>
-          <p:cNvSpPr>
-            <a:spLocks noGrp="1"/>
-          </p:cNvSpPr>
-          <p:nvPr>
-            <p:ph type="ftr" sz="quarter" idx="16"/>
-          </p:nvPr>
-        </p:nvSpPr>
-        <p:spPr/>
-        <p:txBody>
-          <a:bodyPr/>
-          <a:lstStyle/>
-          <a:p>
-            <a:r>
-              <a:rPr lang="de-DE" altLang="de-DE"/>
-              <a:t>Hochschule Mannheim | Julia Geigl, Klemens Behr, Kevin Höfle</a:t>
-            </a:r>
-            <a:endParaRPr lang="de-DE" altLang="de-DE" dirty="0"/>
-          </a:p>
-        </p:txBody>
-      </p:sp>
-    </p:spTree>
-    <p:extLst>
-      <p:ext uri="{BB962C8B-B14F-4D97-AF65-F5344CB8AC3E}">
-        <p14:creationId xmlns:p14="http://schemas.microsoft.com/office/powerpoint/2010/main" val="1147743980"/>
-      </p:ext>
-    </p:extLst>
-  </p:cSld>
-  <p:clrMapOvr>
-    <a:masterClrMapping/>
-  </p:clrMapOvr>
-  <p:transition/>
-</p:sld>
-</file>
-
-<file path=ppt/slides/slide22.xml><?xml version="1.0" encoding="utf-8"?>
-<p:sld xmlns:a="http://schemas.openxmlformats.org/drawingml/2006/main" xmlns:r="http://schemas.openxmlformats.org/officeDocument/2006/relationships" xmlns:p="http://schemas.openxmlformats.org/presentationml/2006/main" show="0">
-  <p:cSld>
-    <p:spTree>
-      <p:nvGrpSpPr>
-        <p:cNvPr id="1" name=""/>
-        <p:cNvGrpSpPr/>
-        <p:nvPr/>
-      </p:nvGrpSpPr>
-      <p:grpSpPr>
-        <a:xfrm>
-          <a:off x="0" y="0"/>
-          <a:ext cx="0" cy="0"/>
-          <a:chOff x="0" y="0"/>
-          <a:chExt cx="0" cy="0"/>
-        </a:xfrm>
-      </p:grpSpPr>
-      <p:sp>
-        <p:nvSpPr>
-          <p:cNvPr id="2" name="Foliennummernplatzhalter 1"/>
-          <p:cNvSpPr>
-            <a:spLocks noGrp="1"/>
-          </p:cNvSpPr>
-          <p:nvPr>
-            <p:ph type="sldNum" sz="quarter" idx="11"/>
-          </p:nvPr>
-        </p:nvSpPr>
-        <p:spPr/>
-        <p:txBody>
-          <a:bodyPr/>
-          <a:lstStyle/>
-          <a:p>
-            <a:fld id="{57D12BB6-0ED4-46B6-AB23-7758AD07EFBF}" type="slidenum">
-              <a:rPr lang="de-DE" smtClean="0"/>
-              <a:pPr/>
-              <a:t>22</a:t>
-            </a:fld>
-            <a:endParaRPr lang="de-DE" dirty="0"/>
-          </a:p>
-        </p:txBody>
-      </p:sp>
-      <p:sp>
-        <p:nvSpPr>
-          <p:cNvPr id="3" name="Textplatzhalter 2"/>
-          <p:cNvSpPr>
-            <a:spLocks noGrp="1"/>
-          </p:cNvSpPr>
-          <p:nvPr>
-            <p:ph type="body" sz="quarter" idx="15"/>
-          </p:nvPr>
-        </p:nvSpPr>
-        <p:spPr/>
-        <p:txBody>
-          <a:bodyPr/>
-          <a:lstStyle/>
-          <a:p>
-            <a:pPr>
-              <a:buFont typeface="Arial" panose="020B0604020202020204" pitchFamily="34" charset="0"/>
-              <a:buChar char="•"/>
-            </a:pPr>
-            <a:r>
-              <a:rPr lang="de-DE" dirty="0"/>
-              <a:t>Pin 53 Ausgang und High</a:t>
-            </a:r>
-          </a:p>
-          <a:p>
-            <a:pPr>
-              <a:buFont typeface="Arial" panose="020B0604020202020204" pitchFamily="34" charset="0"/>
-              <a:buChar char="•"/>
-            </a:pPr>
-            <a:r>
-              <a:rPr lang="de-DE" dirty="0"/>
-              <a:t>Baud Rate auf 74880 </a:t>
-            </a:r>
-          </a:p>
-          <a:p>
-            <a:pPr>
-              <a:buFont typeface="Arial" panose="020B0604020202020204" pitchFamily="34" charset="0"/>
-              <a:buChar char="•"/>
-            </a:pPr>
-            <a:r>
-              <a:rPr lang="de-DE" dirty="0"/>
-              <a:t>AT+RST</a:t>
-            </a:r>
-          </a:p>
-          <a:p>
-            <a:pPr>
-              <a:buFont typeface="Arial" panose="020B0604020202020204" pitchFamily="34" charset="0"/>
-              <a:buChar char="•"/>
-            </a:pPr>
-            <a:r>
-              <a:rPr lang="de-DE" dirty="0"/>
-              <a:t>Verbindung beenden und Baud Rate auf 115200</a:t>
-            </a:r>
-          </a:p>
-          <a:p>
-            <a:pPr>
-              <a:buFont typeface="Arial" panose="020B0604020202020204" pitchFamily="34" charset="0"/>
-              <a:buChar char="•"/>
-            </a:pPr>
-            <a:r>
-              <a:rPr lang="de-DE" dirty="0"/>
-              <a:t>AT+CWMODE=1			Automatische </a:t>
-            </a:r>
-            <a:r>
-              <a:rPr lang="de-DE" dirty="0" err="1"/>
-              <a:t>reconnection</a:t>
-            </a:r>
-            <a:endParaRPr lang="de-DE" dirty="0"/>
-          </a:p>
-          <a:p>
-            <a:pPr>
-              <a:buFont typeface="Arial" panose="020B0604020202020204" pitchFamily="34" charset="0"/>
-              <a:buChar char="•"/>
-            </a:pPr>
-            <a:r>
-              <a:rPr lang="de-DE" dirty="0"/>
-              <a:t>AT+CWQAP				Alle Access-Points schließen</a:t>
-            </a:r>
-          </a:p>
-          <a:p>
-            <a:pPr>
-              <a:buFont typeface="Arial" panose="020B0604020202020204" pitchFamily="34" charset="0"/>
-              <a:buChar char="•"/>
-            </a:pPr>
-            <a:r>
-              <a:rPr lang="de-DE" dirty="0"/>
-              <a:t>AT+CIPMUX=1			Modus: mehrere Verbindungen möglich</a:t>
-            </a:r>
-          </a:p>
-          <a:p>
-            <a:pPr>
-              <a:buFont typeface="Arial" panose="020B0604020202020204" pitchFamily="34" charset="0"/>
-              <a:buChar char="•"/>
-            </a:pPr>
-            <a:r>
-              <a:rPr lang="de-DE" dirty="0"/>
-              <a:t>AT+CIPSTA= "192.x.x.x " 		Statische IP-Adresse im eigenen Subnetz</a:t>
-            </a:r>
-          </a:p>
-          <a:p>
-            <a:pPr>
-              <a:buFont typeface="Arial" panose="020B0604020202020204" pitchFamily="34" charset="0"/>
-              <a:buChar char="•"/>
-            </a:pPr>
-            <a:r>
-              <a:rPr lang="de-DE" dirty="0"/>
-              <a:t>AT+CWJAP="SSID" "PASSWORD "  	Verbindung zu Wifi-Point</a:t>
-            </a:r>
-          </a:p>
-          <a:p>
-            <a:pPr>
-              <a:buFont typeface="Arial" panose="020B0604020202020204" pitchFamily="34" charset="0"/>
-              <a:buChar char="•"/>
-            </a:pPr>
-            <a:endParaRPr lang="de-DE" dirty="0"/>
-          </a:p>
-          <a:p>
-            <a:pPr>
-              <a:buFont typeface="Arial" panose="020B0604020202020204" pitchFamily="34" charset="0"/>
-              <a:buChar char="•"/>
-            </a:pPr>
-            <a:endParaRPr lang="de-DE" dirty="0"/>
-          </a:p>
-        </p:txBody>
-      </p:sp>
-      <p:sp>
-        <p:nvSpPr>
-          <p:cNvPr id="4" name="Titel 3"/>
-          <p:cNvSpPr>
-            <a:spLocks noGrp="1"/>
-          </p:cNvSpPr>
-          <p:nvPr>
-            <p:ph type="title"/>
-          </p:nvPr>
-        </p:nvSpPr>
-        <p:spPr/>
-        <p:txBody>
-          <a:bodyPr/>
-          <a:lstStyle/>
-          <a:p>
-            <a:r>
-              <a:rPr lang="de-DE" dirty="0"/>
-              <a:t>ESP - </a:t>
-            </a:r>
-            <a:r>
-              <a:rPr lang="de-DE" dirty="0" err="1"/>
-              <a:t>Initalisierung</a:t>
-            </a:r>
-            <a:endParaRPr lang="de-DE" dirty="0"/>
-          </a:p>
-        </p:txBody>
-      </p:sp>
-      <p:sp>
-        <p:nvSpPr>
-          <p:cNvPr id="5" name="Fußzeilenplatzhalter 4"/>
-          <p:cNvSpPr>
-            <a:spLocks noGrp="1"/>
-          </p:cNvSpPr>
-          <p:nvPr>
-            <p:ph type="ftr" sz="quarter" idx="16"/>
-          </p:nvPr>
-        </p:nvSpPr>
-        <p:spPr/>
-        <p:txBody>
-          <a:bodyPr/>
-          <a:lstStyle/>
-          <a:p>
-            <a:r>
-              <a:rPr lang="de-DE" altLang="de-DE"/>
-              <a:t>Hochschule Mannheim | Julia Geigl, Klemens Behr, Kevin Höfle</a:t>
-            </a:r>
-            <a:endParaRPr lang="de-DE" altLang="de-DE" dirty="0"/>
-          </a:p>
-        </p:txBody>
-      </p:sp>
-    </p:spTree>
-    <p:extLst>
-      <p:ext uri="{BB962C8B-B14F-4D97-AF65-F5344CB8AC3E}">
-        <p14:creationId xmlns:p14="http://schemas.microsoft.com/office/powerpoint/2010/main" val="718627724"/>
-      </p:ext>
-    </p:extLst>
-  </p:cSld>
-  <p:clrMapOvr>
-    <a:masterClrMapping/>
-  </p:clrMapOvr>
-  <p:transition/>
-</p:sld>
-</file>
-
-<file path=ppt/slides/slide23.xml><?xml version="1.0" encoding="utf-8"?>
-<p:sld xmlns:a="http://schemas.openxmlformats.org/drawingml/2006/main" xmlns:r="http://schemas.openxmlformats.org/officeDocument/2006/relationships" xmlns:p="http://schemas.openxmlformats.org/presentationml/2006/main" show="0">
-  <p:cSld>
-    <p:spTree>
-      <p:nvGrpSpPr>
-        <p:cNvPr id="1" name=""/>
-        <p:cNvGrpSpPr/>
-        <p:nvPr/>
-      </p:nvGrpSpPr>
-      <p:grpSpPr>
-        <a:xfrm>
-          <a:off x="0" y="0"/>
-          <a:ext cx="0" cy="0"/>
-          <a:chOff x="0" y="0"/>
-          <a:chExt cx="0" cy="0"/>
-        </a:xfrm>
-      </p:grpSpPr>
-      <p:sp>
-        <p:nvSpPr>
-          <p:cNvPr id="2" name="Foliennummernplatzhalter 1"/>
-          <p:cNvSpPr>
-            <a:spLocks noGrp="1"/>
-          </p:cNvSpPr>
-          <p:nvPr>
-            <p:ph type="sldNum" sz="quarter" idx="11"/>
-          </p:nvPr>
-        </p:nvSpPr>
-        <p:spPr/>
-        <p:txBody>
-          <a:bodyPr/>
-          <a:lstStyle/>
-          <a:p>
-            <a:fld id="{57D12BB6-0ED4-46B6-AB23-7758AD07EFBF}" type="slidenum">
-              <a:rPr lang="de-DE" smtClean="0"/>
-              <a:pPr/>
-              <a:t>23</a:t>
-            </a:fld>
-            <a:endParaRPr lang="de-DE" dirty="0"/>
-          </a:p>
-        </p:txBody>
-      </p:sp>
-      <p:sp>
-        <p:nvSpPr>
-          <p:cNvPr id="3" name="Textplatzhalter 2"/>
-          <p:cNvSpPr>
-            <a:spLocks noGrp="1"/>
-          </p:cNvSpPr>
-          <p:nvPr>
-            <p:ph type="body" sz="quarter" idx="15"/>
-          </p:nvPr>
-        </p:nvSpPr>
-        <p:spPr/>
-        <p:txBody>
-          <a:bodyPr/>
-          <a:lstStyle/>
-          <a:p>
-            <a:r>
-              <a:rPr lang="de-DE" dirty="0"/>
-              <a:t>AT+CIPSTART=4, "TCP", "io.adafruit.com", 80 	</a:t>
-            </a:r>
-          </a:p>
-          <a:p>
-            <a:pPr lvl="2"/>
-            <a:r>
-              <a:rPr lang="de-DE" dirty="0"/>
-              <a:t>Verbindung zum Server aufbauen</a:t>
-            </a:r>
-          </a:p>
-          <a:p>
-            <a:r>
-              <a:rPr lang="de-DE" dirty="0"/>
-              <a:t>http Header</a:t>
-            </a:r>
-          </a:p>
-          <a:p>
-            <a:pPr lvl="1"/>
-            <a:r>
-              <a:rPr lang="en-US" dirty="0"/>
-              <a:t>GET /</a:t>
-            </a:r>
-            <a:r>
-              <a:rPr lang="en-US" dirty="0" err="1"/>
-              <a:t>api</a:t>
-            </a:r>
-            <a:r>
-              <a:rPr lang="en-US" dirty="0"/>
-              <a:t>/groups/embedded/</a:t>
-            </a:r>
-            <a:r>
-              <a:rPr lang="en-US" dirty="0" err="1"/>
-              <a:t>send.json?x-aio-key</a:t>
-            </a:r>
-            <a:r>
-              <a:rPr lang="en-US" dirty="0"/>
-              <a:t>=</a:t>
-            </a:r>
-            <a:r>
-              <a:rPr lang="en-US" dirty="0" err="1"/>
-              <a:t>xxx&amp;FeedName</a:t>
-            </a:r>
-            <a:r>
-              <a:rPr lang="en-US" dirty="0"/>
-              <a:t>=</a:t>
-            </a:r>
-            <a:r>
-              <a:rPr lang="en-US" dirty="0" err="1"/>
-              <a:t>FeedValue</a:t>
-            </a:r>
-            <a:r>
-              <a:rPr lang="en-US" dirty="0"/>
-              <a:t> HTTP/1.1/r/n </a:t>
-            </a:r>
-          </a:p>
-          <a:p>
-            <a:pPr marL="457200" lvl="2" indent="0">
-              <a:spcBef>
-                <a:spcPts val="0"/>
-              </a:spcBef>
-              <a:buNone/>
-            </a:pPr>
-            <a:r>
-              <a:rPr lang="en-US" dirty="0"/>
-              <a:t>Host: </a:t>
-            </a:r>
-            <a:r>
-              <a:rPr lang="pt-BR" dirty="0"/>
-              <a:t>io.adafruit.com/r/n/r/n</a:t>
-            </a:r>
-          </a:p>
-          <a:p>
-            <a:pPr lvl="2">
-              <a:spcBef>
-                <a:spcPts val="0"/>
-              </a:spcBef>
-            </a:pPr>
-            <a:r>
-              <a:rPr lang="en-US" dirty="0"/>
-              <a:t>&amp;</a:t>
-            </a:r>
-            <a:r>
-              <a:rPr lang="en-US" dirty="0" err="1"/>
-              <a:t>FeedName</a:t>
-            </a:r>
-            <a:r>
-              <a:rPr lang="en-US" dirty="0"/>
-              <a:t>=</a:t>
-            </a:r>
-            <a:r>
-              <a:rPr lang="en-US" dirty="0" err="1"/>
-              <a:t>FeedValue</a:t>
-            </a:r>
-            <a:r>
-              <a:rPr lang="en-US" dirty="0"/>
-              <a:t> </a:t>
-            </a:r>
-            <a:endParaRPr lang="pt-BR" dirty="0"/>
-          </a:p>
-          <a:p>
-            <a:pPr>
-              <a:lnSpc>
-                <a:spcPct val="200000"/>
-              </a:lnSpc>
-              <a:spcBef>
-                <a:spcPts val="0"/>
-              </a:spcBef>
-            </a:pPr>
-            <a:r>
-              <a:rPr lang="en-US" dirty="0"/>
-              <a:t>AT+CIPSEND=4,HeaderLen</a:t>
-            </a:r>
-          </a:p>
-          <a:p>
-            <a:pPr>
-              <a:lnSpc>
-                <a:spcPct val="150000"/>
-              </a:lnSpc>
-              <a:spcBef>
-                <a:spcPts val="0"/>
-              </a:spcBef>
-            </a:pPr>
-            <a:r>
-              <a:rPr lang="en-US" dirty="0"/>
-              <a:t>Ende des </a:t>
-            </a:r>
-            <a:r>
-              <a:rPr lang="en-US" dirty="0" err="1"/>
-              <a:t>Sende</a:t>
-            </a:r>
-            <a:r>
-              <a:rPr lang="en-US" dirty="0"/>
-              <a:t>-Modus </a:t>
-            </a:r>
-            <a:r>
-              <a:rPr lang="en-US" dirty="0" err="1"/>
-              <a:t>mit</a:t>
-            </a:r>
-            <a:r>
-              <a:rPr lang="en-US" dirty="0"/>
-              <a:t> </a:t>
-            </a:r>
-            <a:r>
-              <a:rPr lang="de-DE" dirty="0"/>
-              <a:t>"</a:t>
-            </a:r>
-            <a:r>
-              <a:rPr lang="en-US" dirty="0"/>
-              <a:t>+++</a:t>
-            </a:r>
-            <a:r>
-              <a:rPr lang="de-DE" dirty="0"/>
-              <a:t>"</a:t>
-            </a:r>
-            <a:endParaRPr lang="en-US" dirty="0"/>
-          </a:p>
-        </p:txBody>
-      </p:sp>
-      <p:sp>
-        <p:nvSpPr>
-          <p:cNvPr id="4" name="Titel 3"/>
-          <p:cNvSpPr>
-            <a:spLocks noGrp="1"/>
-          </p:cNvSpPr>
-          <p:nvPr>
-            <p:ph type="title"/>
-          </p:nvPr>
-        </p:nvSpPr>
-        <p:spPr/>
-        <p:txBody>
-          <a:bodyPr/>
-          <a:lstStyle/>
-          <a:p>
-            <a:r>
-              <a:rPr lang="de-DE" dirty="0"/>
-              <a:t>ESP - Senden</a:t>
-            </a:r>
-          </a:p>
-        </p:txBody>
-      </p:sp>
-      <p:sp>
-        <p:nvSpPr>
-          <p:cNvPr id="5" name="Fußzeilenplatzhalter 4"/>
-          <p:cNvSpPr>
-            <a:spLocks noGrp="1"/>
-          </p:cNvSpPr>
-          <p:nvPr>
-            <p:ph type="ftr" sz="quarter" idx="16"/>
-          </p:nvPr>
-        </p:nvSpPr>
-        <p:spPr/>
-        <p:txBody>
-          <a:bodyPr/>
-          <a:lstStyle/>
-          <a:p>
-            <a:r>
-              <a:rPr lang="de-DE" altLang="de-DE"/>
-              <a:t>Hochschule Mannheim | Julia Geigl, Klemens Behr, Kevin Höfle</a:t>
-            </a:r>
-            <a:endParaRPr lang="de-DE" altLang="de-DE" dirty="0"/>
-          </a:p>
-        </p:txBody>
-      </p:sp>
-    </p:spTree>
-    <p:extLst>
-      <p:ext uri="{BB962C8B-B14F-4D97-AF65-F5344CB8AC3E}">
-        <p14:creationId xmlns:p14="http://schemas.microsoft.com/office/powerpoint/2010/main" val="3722343416"/>
-      </p:ext>
-    </p:extLst>
-  </p:cSld>
-  <p:clrMapOvr>
-    <a:masterClrMapping/>
-  </p:clrMapOvr>
-  <p:transition/>
-</p:sld>
-</file>
-
 <file path=ppt/slides/slide24.xml><?xml version="1.0" encoding="utf-8"?>
 <p:sld xmlns:a="http://schemas.openxmlformats.org/drawingml/2006/main" xmlns:r="http://schemas.openxmlformats.org/officeDocument/2006/relationships" xmlns:p="http://schemas.openxmlformats.org/presentationml/2006/main">
   <p:cSld>
@@ -16672,187 +18019,27 @@
       </p:sp>
       <p:sp>
         <p:nvSpPr>
-          <p:cNvPr id="3" name="Textplatzhalter 2"/>
-          <p:cNvSpPr>
-            <a:spLocks noGrp="1"/>
-          </p:cNvSpPr>
-          <p:nvPr>
-            <p:ph type="body" sz="quarter" idx="15"/>
+          <p:cNvPr id="4" name="Titel 3"/>
+          <p:cNvSpPr>
+            <a:spLocks noGrp="1"/>
+          </p:cNvSpPr>
+          <p:nvPr>
+            <p:ph type="title"/>
           </p:nvPr>
         </p:nvSpPr>
         <p:spPr>
           <a:xfrm>
-            <a:off x="988070" y="1988840"/>
-            <a:ext cx="7740650" cy="3944938"/>
+            <a:off x="683568" y="2816932"/>
+            <a:ext cx="7164796" cy="863600"/>
           </a:xfrm>
         </p:spPr>
         <p:txBody>
           <a:bodyPr/>
           <a:lstStyle/>
           <a:p>
-            <a:pPr>
-              <a:buFont typeface="Arial" panose="020B0604020202020204" pitchFamily="34" charset="0"/>
-              <a:buChar char="•"/>
-            </a:pPr>
-            <a:r>
-              <a:rPr lang="de-DE" dirty="0"/>
-              <a:t>Verbindung beenden und Baud Rate auf 115200</a:t>
-            </a:r>
-          </a:p>
-          <a:p>
-            <a:pPr lvl="3">
-              <a:buFont typeface="Arial" panose="020B0604020202020204" pitchFamily="34" charset="0"/>
-              <a:buChar char="•"/>
-            </a:pPr>
-            <a:r>
-              <a:rPr lang="de-DE" dirty="0"/>
-              <a:t>Gelegentlich andere Baudrate</a:t>
-            </a:r>
-          </a:p>
-          <a:p>
-            <a:pPr>
-              <a:buFont typeface="Arial" panose="020B0604020202020204" pitchFamily="34" charset="0"/>
-              <a:buChar char="•"/>
-            </a:pPr>
-            <a:endParaRPr lang="de-DE" dirty="0"/>
-          </a:p>
-          <a:p>
-            <a:pPr>
-              <a:buFont typeface="Arial" panose="020B0604020202020204" pitchFamily="34" charset="0"/>
-              <a:buChar char="•"/>
-            </a:pPr>
-            <a:r>
-              <a:rPr lang="de-DE" dirty="0"/>
-              <a:t>AT+CIPMUX=1		</a:t>
-            </a:r>
-          </a:p>
-          <a:p>
-            <a:pPr lvl="3">
-              <a:buFont typeface="Arial" panose="020B0604020202020204" pitchFamily="34" charset="0"/>
-              <a:buChar char="•"/>
-            </a:pPr>
-            <a:r>
-              <a:rPr lang="de-DE" dirty="0"/>
-              <a:t>Modus: mehrere Verbindungen möglich</a:t>
-            </a:r>
-          </a:p>
-          <a:p>
-            <a:pPr>
-              <a:buFont typeface="Arial" panose="020B0604020202020204" pitchFamily="34" charset="0"/>
-              <a:buChar char="•"/>
-            </a:pPr>
-            <a:endParaRPr lang="de-DE" dirty="0"/>
-          </a:p>
-          <a:p>
-            <a:pPr>
-              <a:buFont typeface="Arial" panose="020B0604020202020204" pitchFamily="34" charset="0"/>
-              <a:buChar char="•"/>
-            </a:pPr>
-            <a:r>
-              <a:rPr lang="de-DE" dirty="0"/>
-              <a:t>AT+CIPSTA= "192.x.x.x " 	</a:t>
-            </a:r>
-          </a:p>
-          <a:p>
-            <a:pPr lvl="3">
-              <a:buFont typeface="Arial" panose="020B0604020202020204" pitchFamily="34" charset="0"/>
-              <a:buChar char="•"/>
-            </a:pPr>
-            <a:r>
-              <a:rPr lang="de-DE" dirty="0"/>
-              <a:t>Statische IP-Adresse im eigenen Subnetz</a:t>
-            </a:r>
-          </a:p>
-          <a:p>
-            <a:pPr lvl="3">
-              <a:buFont typeface="Arial" panose="020B0604020202020204" pitchFamily="34" charset="0"/>
-              <a:buChar char="•"/>
-            </a:pPr>
-            <a:r>
-              <a:rPr lang="de-DE" dirty="0"/>
-              <a:t>IP-Zuweisung über Router funktionierte nicht </a:t>
-            </a:r>
-            <a:r>
-              <a:rPr lang="de-DE" dirty="0">
-                <a:sym typeface="Wingdings" panose="05000000000000000000" pitchFamily="2" charset="2"/>
-              </a:rPr>
-              <a:t> Statische IP-Adresse</a:t>
-            </a:r>
-          </a:p>
-          <a:p>
-            <a:pPr lvl="1">
-              <a:buFont typeface="Arial" panose="020B0604020202020204" pitchFamily="34" charset="0"/>
-              <a:buChar char="•"/>
-            </a:pPr>
-            <a:endParaRPr lang="de-DE" dirty="0">
-              <a:sym typeface="Wingdings" panose="05000000000000000000" pitchFamily="2" charset="2"/>
-            </a:endParaRPr>
-          </a:p>
-          <a:p>
-            <a:pPr lvl="1">
-              <a:buFont typeface="Arial" panose="020B0604020202020204" pitchFamily="34" charset="0"/>
-              <a:buChar char="•"/>
-            </a:pPr>
-            <a:r>
-              <a:rPr lang="de-DE" dirty="0" err="1">
-                <a:sym typeface="Wingdings" panose="05000000000000000000" pitchFamily="2" charset="2"/>
-              </a:rPr>
-              <a:t>Spannungsversorung</a:t>
-            </a:r>
-            <a:r>
-              <a:rPr lang="de-DE" dirty="0">
-                <a:sym typeface="Wingdings" panose="05000000000000000000" pitchFamily="2" charset="2"/>
-              </a:rPr>
-              <a:t> / Stromschwankungen</a:t>
-            </a:r>
-          </a:p>
-          <a:p>
-            <a:pPr lvl="3">
-              <a:buFont typeface="Arial" panose="020B0604020202020204" pitchFamily="34" charset="0"/>
-              <a:buChar char="•"/>
-            </a:pPr>
-            <a:r>
-              <a:rPr lang="de-DE" dirty="0">
-                <a:sym typeface="Wingdings" panose="05000000000000000000" pitchFamily="2" charset="2"/>
-              </a:rPr>
-              <a:t>Senden schlug Fehl bis extern ein Strom indiziert wurde über die Eingangspins des ESP</a:t>
-            </a:r>
-            <a:endParaRPr lang="de-DE" dirty="0"/>
-          </a:p>
-          <a:p>
-            <a:pPr>
-              <a:buFont typeface="Arial" panose="020B0604020202020204" pitchFamily="34" charset="0"/>
-              <a:buChar char="•"/>
-            </a:pPr>
-            <a:endParaRPr lang="de-DE" dirty="0"/>
-          </a:p>
-          <a:p>
-            <a:pPr>
-              <a:buFont typeface="Arial" panose="020B0604020202020204" pitchFamily="34" charset="0"/>
-              <a:buChar char="•"/>
-            </a:pPr>
-            <a:endParaRPr lang="de-DE" dirty="0"/>
-          </a:p>
-        </p:txBody>
-      </p:sp>
-      <p:sp>
-        <p:nvSpPr>
-          <p:cNvPr id="4" name="Titel 3"/>
-          <p:cNvSpPr>
-            <a:spLocks noGrp="1"/>
-          </p:cNvSpPr>
-          <p:nvPr>
-            <p:ph type="title"/>
-          </p:nvPr>
-        </p:nvSpPr>
-        <p:spPr/>
-        <p:txBody>
-          <a:bodyPr/>
-          <a:lstStyle/>
-          <a:p>
-            <a:r>
-              <a:rPr lang="de-DE" dirty="0"/>
-              <a:t>ESP - Probleme</a:t>
+            <a:r>
+              <a:rPr lang="de-DE" sz="11500" dirty="0"/>
+              <a:t>ESP</a:t>
             </a:r>
           </a:p>
         </p:txBody>
@@ -16883,7 +18070,7 @@
     </p:spTree>
     <p:extLst>
       <p:ext uri="{BB962C8B-B14F-4D97-AF65-F5344CB8AC3E}">
-        <p14:creationId xmlns:p14="http://schemas.microsoft.com/office/powerpoint/2010/main" val="468476014"/>
+        <p14:creationId xmlns:p14="http://schemas.microsoft.com/office/powerpoint/2010/main" val="1147743980"/>
       </p:ext>
     </p:extLst>
   </p:cSld>
@@ -16895,7 +18082,7 @@
 </file>
 
 <file path=ppt/slides/slide25.xml><?xml version="1.0" encoding="utf-8"?>
-<p:sld xmlns:a="http://schemas.openxmlformats.org/drawingml/2006/main" xmlns:r="http://schemas.openxmlformats.org/officeDocument/2006/relationships" xmlns:p="http://schemas.openxmlformats.org/presentationml/2006/main">
+<p:sld xmlns:a="http://schemas.openxmlformats.org/drawingml/2006/main" xmlns:r="http://schemas.openxmlformats.org/officeDocument/2006/relationships" xmlns:p="http://schemas.openxmlformats.org/presentationml/2006/main" show="0">
   <p:cSld>
     <p:spTree>
       <p:nvGrpSpPr>
@@ -16950,163 +18137,113 @@
           <a:bodyPr/>
           <a:lstStyle/>
           <a:p>
+            <a:pPr>
+              <a:buFont typeface="Arial" panose="020B0604020202020204" pitchFamily="34" charset="0"/>
+              <a:buChar char="•"/>
+            </a:pPr>
             <a:r>
               <a:rPr lang="de-DE" dirty="0"/>
-              <a:t>AT+CIPSTART=4, "TCP", "io.adafruit.com", 80 	</a:t>
-            </a:r>
-          </a:p>
-          <a:p>
-            <a:pPr lvl="2"/>
+              <a:t>Pin 53 Ausgang und High</a:t>
+            </a:r>
+          </a:p>
+          <a:p>
+            <a:pPr>
+              <a:buFont typeface="Arial" panose="020B0604020202020204" pitchFamily="34" charset="0"/>
+              <a:buChar char="•"/>
+            </a:pPr>
             <a:r>
               <a:rPr lang="de-DE" dirty="0"/>
-              <a:t>Verbindung zum Server aufbauen</a:t>
-            </a:r>
-          </a:p>
-          <a:p>
+              <a:t>Baud Rate auf 74880 </a:t>
+            </a:r>
+          </a:p>
+          <a:p>
+            <a:pPr>
+              <a:buFont typeface="Arial" panose="020B0604020202020204" pitchFamily="34" charset="0"/>
+              <a:buChar char="•"/>
+            </a:pPr>
             <a:r>
               <a:rPr lang="de-DE" dirty="0"/>
-              <a:t>http Header</a:t>
-            </a:r>
-          </a:p>
-          <a:p>
-            <a:pPr lvl="2"/>
-            <a:r>
-              <a:rPr lang="en-US" dirty="0"/>
-              <a:t>GET /</a:t>
-            </a:r>
-            <a:r>
-              <a:rPr lang="en-US" dirty="0" err="1"/>
-              <a:t>api</a:t>
-            </a:r>
-            <a:r>
-              <a:rPr lang="en-US" dirty="0"/>
-              <a:t>/groups/embedded/</a:t>
-            </a:r>
-            <a:r>
-              <a:rPr lang="en-US" dirty="0" err="1"/>
-              <a:t>send.json?x-aio-key</a:t>
-            </a:r>
-            <a:r>
-              <a:rPr lang="en-US" dirty="0"/>
-              <a:t>=</a:t>
-            </a:r>
-            <a:r>
-              <a:rPr lang="en-US" dirty="0" err="1"/>
-              <a:t>xxx&amp;FeedName</a:t>
-            </a:r>
-            <a:r>
-              <a:rPr lang="en-US" dirty="0"/>
-              <a:t>=</a:t>
-            </a:r>
-            <a:r>
-              <a:rPr lang="en-US" dirty="0" err="1"/>
-              <a:t>FeedValue</a:t>
-            </a:r>
-            <a:r>
-              <a:rPr lang="en-US" dirty="0"/>
-              <a:t> HTTP/1.1/r/n </a:t>
-            </a:r>
-          </a:p>
-          <a:p>
-            <a:pPr marL="457200" lvl="2" indent="0">
-              <a:spcBef>
-                <a:spcPts val="0"/>
-              </a:spcBef>
-              <a:buNone/>
+              <a:t>AT+RST</a:t>
+            </a:r>
+          </a:p>
+          <a:p>
+            <a:pPr>
+              <a:buFont typeface="Arial" panose="020B0604020202020204" pitchFamily="34" charset="0"/>
+              <a:buChar char="•"/>
             </a:pPr>
             <a:r>
-              <a:rPr lang="en-US" dirty="0"/>
-              <a:t>Host: </a:t>
-            </a:r>
-            <a:r>
-              <a:rPr lang="pt-BR" dirty="0"/>
-              <a:t>io.adafruit.com/r/n/r/n</a:t>
-            </a:r>
-          </a:p>
-          <a:p>
-            <a:pPr lvl="2">
-              <a:spcBef>
-                <a:spcPts val="0"/>
-              </a:spcBef>
+              <a:rPr lang="de-DE" dirty="0"/>
+              <a:t>Verbindung beenden und Baud Rate auf 115200</a:t>
+            </a:r>
+          </a:p>
+          <a:p>
+            <a:pPr>
+              <a:buFont typeface="Arial" panose="020B0604020202020204" pitchFamily="34" charset="0"/>
+              <a:buChar char="•"/>
             </a:pPr>
             <a:r>
-              <a:rPr lang="en-US" dirty="0"/>
-              <a:t>&amp;</a:t>
-            </a:r>
-            <a:r>
-              <a:rPr lang="en-US" dirty="0" err="1"/>
-              <a:t>FeedName</a:t>
-            </a:r>
-            <a:r>
-              <a:rPr lang="en-US" dirty="0"/>
-              <a:t>=</a:t>
-            </a:r>
-            <a:r>
-              <a:rPr lang="en-US" dirty="0" err="1"/>
-              <a:t>FeedValue</a:t>
-            </a:r>
-            <a:r>
-              <a:rPr lang="en-US" dirty="0"/>
-              <a:t> </a:t>
-            </a:r>
-            <a:endParaRPr lang="pt-BR" dirty="0"/>
+              <a:rPr lang="de-DE" dirty="0"/>
+              <a:t>AT+CWMODE=1			Automatische </a:t>
+            </a:r>
+            <a:r>
+              <a:rPr lang="de-DE" dirty="0" err="1"/>
+              <a:t>reconnection</a:t>
+            </a:r>
+            <a:endParaRPr lang="de-DE" dirty="0"/>
           </a:p>
           <a:p>
             <a:pPr>
-              <a:lnSpc>
-                <a:spcPct val="200000"/>
-              </a:lnSpc>
-              <a:spcBef>
-                <a:spcPts val="0"/>
-              </a:spcBef>
+              <a:buFont typeface="Arial" panose="020B0604020202020204" pitchFamily="34" charset="0"/>
+              <a:buChar char="•"/>
             </a:pPr>
             <a:r>
-              <a:rPr lang="en-US" dirty="0"/>
-              <a:t>AT+CIPSEND=4,HeaderLen</a:t>
+              <a:rPr lang="de-DE" dirty="0"/>
+              <a:t>AT+CWQAP				Alle Access-Points schließen</a:t>
             </a:r>
           </a:p>
           <a:p>
             <a:pPr>
-              <a:lnSpc>
-                <a:spcPct val="150000"/>
-              </a:lnSpc>
-              <a:spcBef>
-                <a:spcPts val="0"/>
-              </a:spcBef>
+              <a:buFont typeface="Arial" panose="020B0604020202020204" pitchFamily="34" charset="0"/>
+              <a:buChar char="•"/>
             </a:pPr>
             <a:r>
-              <a:rPr lang="en-US" dirty="0"/>
-              <a:t>Ende des </a:t>
-            </a:r>
-            <a:r>
-              <a:rPr lang="en-US" dirty="0" err="1"/>
-              <a:t>Sende</a:t>
-            </a:r>
-            <a:r>
-              <a:rPr lang="en-US" dirty="0"/>
-              <a:t>-Modus </a:t>
-            </a:r>
-            <a:r>
-              <a:rPr lang="en-US" dirty="0" err="1"/>
-              <a:t>mit</a:t>
-            </a:r>
-            <a:r>
-              <a:rPr lang="en-US" dirty="0"/>
-              <a:t> </a:t>
-            </a:r>
-            <a:r>
               <a:rPr lang="de-DE" dirty="0"/>
-              <a:t>"</a:t>
-            </a:r>
-            <a:r>
-              <a:rPr lang="en-US" dirty="0"/>
-              <a:t>+++</a:t>
-            </a:r>
+              <a:t>AT+CIPMUX=1			Modus: mehrere Verbindungen möglich</a:t>
+            </a:r>
+          </a:p>
+          <a:p>
+            <a:pPr>
+              <a:buFont typeface="Arial" panose="020B0604020202020204" pitchFamily="34" charset="0"/>
+              <a:buChar char="•"/>
+            </a:pPr>
             <a:r>
               <a:rPr lang="de-DE" dirty="0"/>
-              <a:t>"</a:t>
-            </a:r>
-            <a:endParaRPr lang="en-US" dirty="0"/>
+              <a:t>AT+CIPSTA= "192.x.x.x " 		Statische IP-Adresse im eigenen Subnetz</a:t>
+            </a:r>
+          </a:p>
+          <a:p>
+            <a:pPr>
+              <a:buFont typeface="Arial" panose="020B0604020202020204" pitchFamily="34" charset="0"/>
+              <a:buChar char="•"/>
+            </a:pPr>
+            <a:r>
+              <a:rPr lang="de-DE" dirty="0"/>
+              <a:t>AT+CWJAP="SSID" "PASSWORD "  	Verbindung zu Wifi-Point</a:t>
+            </a:r>
+          </a:p>
+          <a:p>
+            <a:pPr>
+              <a:buFont typeface="Arial" panose="020B0604020202020204" pitchFamily="34" charset="0"/>
+              <a:buChar char="•"/>
+            </a:pPr>
+            <a:endParaRPr lang="de-DE" dirty="0"/>
+          </a:p>
+          <a:p>
+            <a:pPr>
+              <a:buFont typeface="Arial" panose="020B0604020202020204" pitchFamily="34" charset="0"/>
+              <a:buChar char="•"/>
+            </a:pPr>
+            <a:endParaRPr lang="de-DE" dirty="0"/>
           </a:p>
         </p:txBody>
       </p:sp>
@@ -17127,8 +18264,13 @@
           <a:p>
             <a:r>
               <a:rPr lang="de-DE" dirty="0"/>
-              <a:t>ESP - Senden</a:t>
-            </a:r>
+              <a:t>ESP - </a:t>
+            </a:r>
+            <a:r>
+              <a:rPr lang="de-DE" dirty="0" err="1"/>
+              <a:t>Initalisierung</a:t>
+            </a:r>
+            <a:endParaRPr lang="de-DE" dirty="0"/>
           </a:p>
         </p:txBody>
       </p:sp>
@@ -17158,7 +18300,7 @@
     </p:spTree>
     <p:extLst>
       <p:ext uri="{BB962C8B-B14F-4D97-AF65-F5344CB8AC3E}">
-        <p14:creationId xmlns:p14="http://schemas.microsoft.com/office/powerpoint/2010/main" val="2933276753"/>
+        <p14:creationId xmlns:p14="http://schemas.microsoft.com/office/powerpoint/2010/main" val="718627724"/>
       </p:ext>
     </p:extLst>
   </p:cSld>
@@ -17170,7 +18312,7 @@
 </file>
 
 <file path=ppt/slides/slide26.xml><?xml version="1.0" encoding="utf-8"?>
-<p:sld xmlns:a="http://schemas.openxmlformats.org/drawingml/2006/main" xmlns:r="http://schemas.openxmlformats.org/officeDocument/2006/relationships" xmlns:p="http://schemas.openxmlformats.org/presentationml/2006/main">
+<p:sld xmlns:a="http://schemas.openxmlformats.org/drawingml/2006/main" xmlns:r="http://schemas.openxmlformats.org/officeDocument/2006/relationships" xmlns:p="http://schemas.openxmlformats.org/presentationml/2006/main" show="0">
   <p:cSld>
     <p:spTree>
       <p:nvGrpSpPr>
@@ -17212,6 +18354,181 @@
       </p:sp>
       <p:sp>
         <p:nvSpPr>
+          <p:cNvPr id="3" name="Textplatzhalter 2"/>
+          <p:cNvSpPr>
+            <a:spLocks noGrp="1"/>
+          </p:cNvSpPr>
+          <p:nvPr>
+            <p:ph type="body" sz="quarter" idx="15"/>
+          </p:nvPr>
+        </p:nvSpPr>
+        <p:spPr/>
+        <p:txBody>
+          <a:bodyPr/>
+          <a:lstStyle/>
+          <a:p>
+            <a:r>
+              <a:rPr lang="de-DE" dirty="0"/>
+              <a:t>AT+CIPSTART=4, "TCP", "io.adafruit.com", 80 	</a:t>
+            </a:r>
+          </a:p>
+          <a:p>
+            <a:pPr lvl="2"/>
+            <a:r>
+              <a:rPr lang="de-DE" dirty="0"/>
+              <a:t>Verbindung zum Server aufbauen</a:t>
+            </a:r>
+          </a:p>
+          <a:p>
+            <a:r>
+              <a:rPr lang="de-DE" dirty="0"/>
+              <a:t>http Header</a:t>
+            </a:r>
+          </a:p>
+          <a:p>
+            <a:pPr lvl="1"/>
+            <a:r>
+              <a:rPr lang="en-US" dirty="0"/>
+              <a:t>GET /</a:t>
+            </a:r>
+            <a:r>
+              <a:rPr lang="en-US" dirty="0" err="1"/>
+              <a:t>api</a:t>
+            </a:r>
+            <a:r>
+              <a:rPr lang="en-US" dirty="0"/>
+              <a:t>/groups/embedded/</a:t>
+            </a:r>
+            <a:r>
+              <a:rPr lang="en-US" dirty="0" err="1"/>
+              <a:t>send.json?x-aio-key</a:t>
+            </a:r>
+            <a:r>
+              <a:rPr lang="en-US" dirty="0"/>
+              <a:t>=</a:t>
+            </a:r>
+            <a:r>
+              <a:rPr lang="en-US" dirty="0" err="1"/>
+              <a:t>xxx&amp;FeedName</a:t>
+            </a:r>
+            <a:r>
+              <a:rPr lang="en-US" dirty="0"/>
+              <a:t>=</a:t>
+            </a:r>
+            <a:r>
+              <a:rPr lang="en-US" dirty="0" err="1"/>
+              <a:t>FeedValue</a:t>
+            </a:r>
+            <a:r>
+              <a:rPr lang="en-US" dirty="0"/>
+              <a:t> HTTP/1.1/r/n </a:t>
+            </a:r>
+          </a:p>
+          <a:p>
+            <a:pPr marL="457200" lvl="2" indent="0">
+              <a:spcBef>
+                <a:spcPts val="0"/>
+              </a:spcBef>
+              <a:buNone/>
+            </a:pPr>
+            <a:r>
+              <a:rPr lang="en-US" dirty="0"/>
+              <a:t>Host: </a:t>
+            </a:r>
+            <a:r>
+              <a:rPr lang="pt-BR" dirty="0"/>
+              <a:t>io.adafruit.com/r/n/r/n</a:t>
+            </a:r>
+          </a:p>
+          <a:p>
+            <a:pPr lvl="2">
+              <a:spcBef>
+                <a:spcPts val="0"/>
+              </a:spcBef>
+            </a:pPr>
+            <a:r>
+              <a:rPr lang="en-US" dirty="0"/>
+              <a:t>&amp;</a:t>
+            </a:r>
+            <a:r>
+              <a:rPr lang="en-US" dirty="0" err="1"/>
+              <a:t>FeedName</a:t>
+            </a:r>
+            <a:r>
+              <a:rPr lang="en-US" dirty="0"/>
+              <a:t>=</a:t>
+            </a:r>
+            <a:r>
+              <a:rPr lang="en-US" dirty="0" err="1"/>
+              <a:t>FeedValue</a:t>
+            </a:r>
+            <a:r>
+              <a:rPr lang="en-US" dirty="0"/>
+              <a:t> </a:t>
+            </a:r>
+            <a:endParaRPr lang="pt-BR" dirty="0"/>
+          </a:p>
+          <a:p>
+            <a:pPr>
+              <a:lnSpc>
+                <a:spcPct val="200000"/>
+              </a:lnSpc>
+              <a:spcBef>
+                <a:spcPts val="0"/>
+              </a:spcBef>
+            </a:pPr>
+            <a:r>
+              <a:rPr lang="en-US" dirty="0"/>
+              <a:t>AT+CIPSEND=4,HeaderLen</a:t>
+            </a:r>
+          </a:p>
+          <a:p>
+            <a:pPr>
+              <a:lnSpc>
+                <a:spcPct val="150000"/>
+              </a:lnSpc>
+              <a:spcBef>
+                <a:spcPts val="0"/>
+              </a:spcBef>
+            </a:pPr>
+            <a:r>
+              <a:rPr lang="en-US" dirty="0"/>
+              <a:t>Ende des </a:t>
+            </a:r>
+            <a:r>
+              <a:rPr lang="en-US" dirty="0" err="1"/>
+              <a:t>Sende</a:t>
+            </a:r>
+            <a:r>
+              <a:rPr lang="en-US" dirty="0"/>
+              <a:t>-Modus </a:t>
+            </a:r>
+            <a:r>
+              <a:rPr lang="en-US" dirty="0" err="1"/>
+              <a:t>mit</a:t>
+            </a:r>
+            <a:r>
+              <a:rPr lang="en-US" dirty="0"/>
+              <a:t> </a:t>
+            </a:r>
+            <a:r>
+              <a:rPr lang="de-DE" dirty="0"/>
+              <a:t>"</a:t>
+            </a:r>
+            <a:r>
+              <a:rPr lang="en-US" dirty="0"/>
+              <a:t>+++</a:t>
+            </a:r>
+            <a:r>
+              <a:rPr lang="de-DE" dirty="0"/>
+              <a:t>"</a:t>
+            </a:r>
+            <a:endParaRPr lang="en-US" dirty="0"/>
+          </a:p>
+        </p:txBody>
+      </p:sp>
+      <p:sp>
+        <p:nvSpPr>
           <p:cNvPr id="4" name="Titel 3"/>
           <p:cNvSpPr>
             <a:spLocks noGrp="1"/>
@@ -17220,19 +18537,14 @@
             <p:ph type="title"/>
           </p:nvPr>
         </p:nvSpPr>
-        <p:spPr>
-          <a:xfrm>
-            <a:off x="179512" y="3212976"/>
-            <a:ext cx="7164796" cy="863600"/>
-          </a:xfrm>
-        </p:spPr>
-        <p:txBody>
-          <a:bodyPr/>
-          <a:lstStyle/>
-          <a:p>
-            <a:r>
-              <a:rPr lang="de-DE" sz="5400" dirty="0"/>
-              <a:t>PROGRAMMABLAUF</a:t>
+        <p:spPr/>
+        <p:txBody>
+          <a:bodyPr/>
+          <a:lstStyle/>
+          <a:p>
+            <a:r>
+              <a:rPr lang="de-DE" dirty="0"/>
+              <a:t>ESP - Senden</a:t>
             </a:r>
           </a:p>
         </p:txBody>
@@ -17263,7 +18575,7 @@
     </p:spTree>
     <p:extLst>
       <p:ext uri="{BB962C8B-B14F-4D97-AF65-F5344CB8AC3E}">
-        <p14:creationId xmlns:p14="http://schemas.microsoft.com/office/powerpoint/2010/main" val="2801340734"/>
+        <p14:creationId xmlns:p14="http://schemas.microsoft.com/office/powerpoint/2010/main" val="3722343416"/>
       </p:ext>
     </p:extLst>
   </p:cSld>
@@ -17310,6 +18622,760 @@
               <a:rPr lang="de-DE" smtClean="0"/>
               <a:pPr/>
               <a:t>27</a:t>
+            </a:fld>
+            <a:endParaRPr lang="de-DE" dirty="0"/>
+          </a:p>
+        </p:txBody>
+      </p:sp>
+      <p:sp>
+        <p:nvSpPr>
+          <p:cNvPr id="3" name="Textplatzhalter 2"/>
+          <p:cNvSpPr>
+            <a:spLocks noGrp="1"/>
+          </p:cNvSpPr>
+          <p:nvPr>
+            <p:ph type="body" sz="quarter" idx="15"/>
+          </p:nvPr>
+        </p:nvSpPr>
+        <p:spPr>
+          <a:xfrm>
+            <a:off x="988070" y="1988840"/>
+            <a:ext cx="7740650" cy="3944938"/>
+          </a:xfrm>
+        </p:spPr>
+        <p:txBody>
+          <a:bodyPr/>
+          <a:lstStyle/>
+          <a:p>
+            <a:pPr>
+              <a:buFont typeface="Arial" panose="020B0604020202020204" pitchFamily="34" charset="0"/>
+              <a:buChar char="•"/>
+            </a:pPr>
+            <a:r>
+              <a:rPr lang="de-DE" dirty="0"/>
+              <a:t>Verbindung beenden und Baud Rate auf 115200</a:t>
+            </a:r>
+          </a:p>
+          <a:p>
+            <a:pPr lvl="3">
+              <a:buFont typeface="Arial" panose="020B0604020202020204" pitchFamily="34" charset="0"/>
+              <a:buChar char="•"/>
+            </a:pPr>
+            <a:r>
+              <a:rPr lang="de-DE" dirty="0"/>
+              <a:t>Gelegentlich andere Baudrate</a:t>
+            </a:r>
+          </a:p>
+          <a:p>
+            <a:pPr>
+              <a:buFont typeface="Arial" panose="020B0604020202020204" pitchFamily="34" charset="0"/>
+              <a:buChar char="•"/>
+            </a:pPr>
+            <a:endParaRPr lang="de-DE" dirty="0"/>
+          </a:p>
+          <a:p>
+            <a:pPr>
+              <a:buFont typeface="Arial" panose="020B0604020202020204" pitchFamily="34" charset="0"/>
+              <a:buChar char="•"/>
+            </a:pPr>
+            <a:r>
+              <a:rPr lang="de-DE" dirty="0"/>
+              <a:t>AT+CIPMUX=1		</a:t>
+            </a:r>
+          </a:p>
+          <a:p>
+            <a:pPr lvl="3">
+              <a:buFont typeface="Arial" panose="020B0604020202020204" pitchFamily="34" charset="0"/>
+              <a:buChar char="•"/>
+            </a:pPr>
+            <a:r>
+              <a:rPr lang="de-DE" dirty="0"/>
+              <a:t>Modus: mehrere Verbindungen möglich</a:t>
+            </a:r>
+          </a:p>
+          <a:p>
+            <a:pPr>
+              <a:buFont typeface="Arial" panose="020B0604020202020204" pitchFamily="34" charset="0"/>
+              <a:buChar char="•"/>
+            </a:pPr>
+            <a:endParaRPr lang="de-DE" dirty="0"/>
+          </a:p>
+          <a:p>
+            <a:pPr>
+              <a:buFont typeface="Arial" panose="020B0604020202020204" pitchFamily="34" charset="0"/>
+              <a:buChar char="•"/>
+            </a:pPr>
+            <a:r>
+              <a:rPr lang="de-DE" dirty="0"/>
+              <a:t>AT+CIPSTA= "192.x.x.x " 	</a:t>
+            </a:r>
+          </a:p>
+          <a:p>
+            <a:pPr lvl="3">
+              <a:buFont typeface="Arial" panose="020B0604020202020204" pitchFamily="34" charset="0"/>
+              <a:buChar char="•"/>
+            </a:pPr>
+            <a:r>
+              <a:rPr lang="de-DE" dirty="0"/>
+              <a:t>Statische IP-Adresse im eigenen Subnetz</a:t>
+            </a:r>
+          </a:p>
+          <a:p>
+            <a:pPr lvl="3">
+              <a:buFont typeface="Arial" panose="020B0604020202020204" pitchFamily="34" charset="0"/>
+              <a:buChar char="•"/>
+            </a:pPr>
+            <a:r>
+              <a:rPr lang="de-DE" dirty="0"/>
+              <a:t>IP-Zuweisung über Router funktionierte nicht </a:t>
+            </a:r>
+            <a:r>
+              <a:rPr lang="de-DE" dirty="0">
+                <a:sym typeface="Wingdings" panose="05000000000000000000" pitchFamily="2" charset="2"/>
+              </a:rPr>
+              <a:t> Statische IP-Adresse</a:t>
+            </a:r>
+          </a:p>
+          <a:p>
+            <a:pPr lvl="1">
+              <a:buFont typeface="Arial" panose="020B0604020202020204" pitchFamily="34" charset="0"/>
+              <a:buChar char="•"/>
+            </a:pPr>
+            <a:endParaRPr lang="de-DE" dirty="0">
+              <a:sym typeface="Wingdings" panose="05000000000000000000" pitchFamily="2" charset="2"/>
+            </a:endParaRPr>
+          </a:p>
+          <a:p>
+            <a:pPr lvl="1">
+              <a:buFont typeface="Arial" panose="020B0604020202020204" pitchFamily="34" charset="0"/>
+              <a:buChar char="•"/>
+            </a:pPr>
+            <a:r>
+              <a:rPr lang="de-DE" dirty="0" err="1">
+                <a:sym typeface="Wingdings" panose="05000000000000000000" pitchFamily="2" charset="2"/>
+              </a:rPr>
+              <a:t>Spannungsversorung</a:t>
+            </a:r>
+            <a:r>
+              <a:rPr lang="de-DE" dirty="0">
+                <a:sym typeface="Wingdings" panose="05000000000000000000" pitchFamily="2" charset="2"/>
+              </a:rPr>
+              <a:t> / Stromschwankungen</a:t>
+            </a:r>
+          </a:p>
+          <a:p>
+            <a:pPr lvl="3">
+              <a:buFont typeface="Arial" panose="020B0604020202020204" pitchFamily="34" charset="0"/>
+              <a:buChar char="•"/>
+            </a:pPr>
+            <a:r>
+              <a:rPr lang="de-DE" dirty="0">
+                <a:sym typeface="Wingdings" panose="05000000000000000000" pitchFamily="2" charset="2"/>
+              </a:rPr>
+              <a:t>Senden schlug Fehl bis extern ein Strom indiziert wurde über die Eingangspins des ESP</a:t>
+            </a:r>
+            <a:endParaRPr lang="de-DE" dirty="0"/>
+          </a:p>
+          <a:p>
+            <a:pPr>
+              <a:buFont typeface="Arial" panose="020B0604020202020204" pitchFamily="34" charset="0"/>
+              <a:buChar char="•"/>
+            </a:pPr>
+            <a:endParaRPr lang="de-DE" dirty="0"/>
+          </a:p>
+          <a:p>
+            <a:pPr>
+              <a:buFont typeface="Arial" panose="020B0604020202020204" pitchFamily="34" charset="0"/>
+              <a:buChar char="•"/>
+            </a:pPr>
+            <a:endParaRPr lang="de-DE" dirty="0"/>
+          </a:p>
+        </p:txBody>
+      </p:sp>
+      <p:sp>
+        <p:nvSpPr>
+          <p:cNvPr id="4" name="Titel 3"/>
+          <p:cNvSpPr>
+            <a:spLocks noGrp="1"/>
+          </p:cNvSpPr>
+          <p:nvPr>
+            <p:ph type="title"/>
+          </p:nvPr>
+        </p:nvSpPr>
+        <p:spPr/>
+        <p:txBody>
+          <a:bodyPr/>
+          <a:lstStyle/>
+          <a:p>
+            <a:r>
+              <a:rPr lang="de-DE" dirty="0"/>
+              <a:t>ESP - Probleme</a:t>
+            </a:r>
+          </a:p>
+        </p:txBody>
+      </p:sp>
+      <p:sp>
+        <p:nvSpPr>
+          <p:cNvPr id="5" name="Fußzeilenplatzhalter 4"/>
+          <p:cNvSpPr>
+            <a:spLocks noGrp="1"/>
+          </p:cNvSpPr>
+          <p:nvPr>
+            <p:ph type="ftr" sz="quarter" idx="16"/>
+          </p:nvPr>
+        </p:nvSpPr>
+        <p:spPr/>
+        <p:txBody>
+          <a:bodyPr/>
+          <a:lstStyle/>
+          <a:p>
+            <a:r>
+              <a:rPr lang="de-DE" altLang="de-DE"/>
+              <a:t>Hochschule Mannheim | Julia Geigl, Klemens Behr, Kevin Höfle</a:t>
+            </a:r>
+            <a:endParaRPr lang="de-DE" altLang="de-DE" dirty="0"/>
+          </a:p>
+        </p:txBody>
+      </p:sp>
+    </p:spTree>
+    <p:extLst>
+      <p:ext uri="{BB962C8B-B14F-4D97-AF65-F5344CB8AC3E}">
+        <p14:creationId xmlns:p14="http://schemas.microsoft.com/office/powerpoint/2010/main" val="468476014"/>
+      </p:ext>
+    </p:extLst>
+  </p:cSld>
+  <p:clrMapOvr>
+    <a:masterClrMapping/>
+  </p:clrMapOvr>
+  <p:transition/>
+</p:sld>
+</file>
+
+<file path=ppt/slides/slide28.xml><?xml version="1.0" encoding="utf-8"?>
+<p:sld xmlns:a="http://schemas.openxmlformats.org/drawingml/2006/main" xmlns:r="http://schemas.openxmlformats.org/officeDocument/2006/relationships" xmlns:p="http://schemas.openxmlformats.org/presentationml/2006/main">
+  <p:cSld>
+    <p:spTree>
+      <p:nvGrpSpPr>
+        <p:cNvPr id="1" name=""/>
+        <p:cNvGrpSpPr/>
+        <p:nvPr/>
+      </p:nvGrpSpPr>
+      <p:grpSpPr>
+        <a:xfrm>
+          <a:off x="0" y="0"/>
+          <a:ext cx="0" cy="0"/>
+          <a:chOff x="0" y="0"/>
+          <a:chExt cx="0" cy="0"/>
+        </a:xfrm>
+      </p:grpSpPr>
+      <p:sp>
+        <p:nvSpPr>
+          <p:cNvPr id="2" name="Foliennummernplatzhalter 1"/>
+          <p:cNvSpPr>
+            <a:spLocks noGrp="1"/>
+          </p:cNvSpPr>
+          <p:nvPr>
+            <p:ph type="sldNum" sz="quarter" idx="11"/>
+          </p:nvPr>
+        </p:nvSpPr>
+        <p:spPr/>
+        <p:txBody>
+          <a:bodyPr/>
+          <a:lstStyle/>
+          <a:p>
+            <a:fld id="{57D12BB6-0ED4-46B6-AB23-7758AD07EFBF}" type="slidenum">
+              <a:rPr lang="de-DE" smtClean="0"/>
+              <a:pPr/>
+              <a:t>28</a:t>
+            </a:fld>
+            <a:endParaRPr lang="de-DE" dirty="0"/>
+          </a:p>
+        </p:txBody>
+      </p:sp>
+      <p:sp>
+        <p:nvSpPr>
+          <p:cNvPr id="3" name="Textplatzhalter 2"/>
+          <p:cNvSpPr>
+            <a:spLocks noGrp="1"/>
+          </p:cNvSpPr>
+          <p:nvPr>
+            <p:ph type="body" sz="quarter" idx="15"/>
+          </p:nvPr>
+        </p:nvSpPr>
+        <p:spPr/>
+        <p:txBody>
+          <a:bodyPr/>
+          <a:lstStyle/>
+          <a:p>
+            <a:r>
+              <a:rPr lang="de-DE" dirty="0"/>
+              <a:t>AT+CIPSTART=4, "TCP", "io.adafruit.com", 80 	</a:t>
+            </a:r>
+          </a:p>
+          <a:p>
+            <a:pPr lvl="2"/>
+            <a:r>
+              <a:rPr lang="de-DE" dirty="0"/>
+              <a:t>Verbindung zum Server aufbauen</a:t>
+            </a:r>
+          </a:p>
+          <a:p>
+            <a:r>
+              <a:rPr lang="de-DE" dirty="0"/>
+              <a:t>http Header</a:t>
+            </a:r>
+          </a:p>
+          <a:p>
+            <a:pPr lvl="2"/>
+            <a:r>
+              <a:rPr lang="en-US" dirty="0"/>
+              <a:t>GET /</a:t>
+            </a:r>
+            <a:r>
+              <a:rPr lang="en-US" dirty="0" err="1"/>
+              <a:t>api</a:t>
+            </a:r>
+            <a:r>
+              <a:rPr lang="en-US" dirty="0"/>
+              <a:t>/groups/embedded/</a:t>
+            </a:r>
+            <a:r>
+              <a:rPr lang="en-US" dirty="0" err="1"/>
+              <a:t>send.json?x-aio-key</a:t>
+            </a:r>
+            <a:r>
+              <a:rPr lang="en-US" dirty="0"/>
+              <a:t>=</a:t>
+            </a:r>
+            <a:r>
+              <a:rPr lang="en-US" dirty="0" err="1"/>
+              <a:t>xxx&amp;FeedName</a:t>
+            </a:r>
+            <a:r>
+              <a:rPr lang="en-US" dirty="0"/>
+              <a:t>=</a:t>
+            </a:r>
+            <a:r>
+              <a:rPr lang="en-US" dirty="0" err="1"/>
+              <a:t>FeedValue</a:t>
+            </a:r>
+            <a:r>
+              <a:rPr lang="en-US" dirty="0"/>
+              <a:t> HTTP/1.1/r/n </a:t>
+            </a:r>
+          </a:p>
+          <a:p>
+            <a:pPr marL="457200" lvl="2" indent="0">
+              <a:spcBef>
+                <a:spcPts val="0"/>
+              </a:spcBef>
+              <a:buNone/>
+            </a:pPr>
+            <a:r>
+              <a:rPr lang="en-US" dirty="0"/>
+              <a:t>Host: </a:t>
+            </a:r>
+            <a:r>
+              <a:rPr lang="pt-BR" dirty="0"/>
+              <a:t>io.adafruit.com/r/n/r/n</a:t>
+            </a:r>
+          </a:p>
+          <a:p>
+            <a:pPr lvl="2">
+              <a:spcBef>
+                <a:spcPts val="0"/>
+              </a:spcBef>
+            </a:pPr>
+            <a:r>
+              <a:rPr lang="en-US" dirty="0"/>
+              <a:t>&amp;</a:t>
+            </a:r>
+            <a:r>
+              <a:rPr lang="en-US" dirty="0" err="1"/>
+              <a:t>FeedName</a:t>
+            </a:r>
+            <a:r>
+              <a:rPr lang="en-US" dirty="0"/>
+              <a:t>=</a:t>
+            </a:r>
+            <a:r>
+              <a:rPr lang="en-US" dirty="0" err="1"/>
+              <a:t>FeedValue</a:t>
+            </a:r>
+            <a:r>
+              <a:rPr lang="en-US" dirty="0"/>
+              <a:t> </a:t>
+            </a:r>
+            <a:endParaRPr lang="pt-BR" dirty="0"/>
+          </a:p>
+          <a:p>
+            <a:pPr>
+              <a:lnSpc>
+                <a:spcPct val="200000"/>
+              </a:lnSpc>
+              <a:spcBef>
+                <a:spcPts val="0"/>
+              </a:spcBef>
+            </a:pPr>
+            <a:r>
+              <a:rPr lang="en-US" dirty="0"/>
+              <a:t>AT+CIPSEND=4,HeaderLen</a:t>
+            </a:r>
+          </a:p>
+          <a:p>
+            <a:pPr>
+              <a:lnSpc>
+                <a:spcPct val="150000"/>
+              </a:lnSpc>
+              <a:spcBef>
+                <a:spcPts val="0"/>
+              </a:spcBef>
+            </a:pPr>
+            <a:r>
+              <a:rPr lang="en-US" dirty="0"/>
+              <a:t>Ende des </a:t>
+            </a:r>
+            <a:r>
+              <a:rPr lang="en-US" dirty="0" err="1"/>
+              <a:t>Sende</a:t>
+            </a:r>
+            <a:r>
+              <a:rPr lang="en-US" dirty="0"/>
+              <a:t>-Modus </a:t>
+            </a:r>
+            <a:r>
+              <a:rPr lang="en-US" dirty="0" err="1"/>
+              <a:t>mit</a:t>
+            </a:r>
+            <a:r>
+              <a:rPr lang="en-US" dirty="0"/>
+              <a:t> </a:t>
+            </a:r>
+            <a:r>
+              <a:rPr lang="de-DE" dirty="0"/>
+              <a:t>"</a:t>
+            </a:r>
+            <a:r>
+              <a:rPr lang="en-US" dirty="0"/>
+              <a:t>+++</a:t>
+            </a:r>
+            <a:r>
+              <a:rPr lang="de-DE" dirty="0"/>
+              <a:t>"</a:t>
+            </a:r>
+            <a:endParaRPr lang="en-US" dirty="0"/>
+          </a:p>
+        </p:txBody>
+      </p:sp>
+      <p:sp>
+        <p:nvSpPr>
+          <p:cNvPr id="4" name="Titel 3"/>
+          <p:cNvSpPr>
+            <a:spLocks noGrp="1"/>
+          </p:cNvSpPr>
+          <p:nvPr>
+            <p:ph type="title"/>
+          </p:nvPr>
+        </p:nvSpPr>
+        <p:spPr/>
+        <p:txBody>
+          <a:bodyPr/>
+          <a:lstStyle/>
+          <a:p>
+            <a:r>
+              <a:rPr lang="de-DE" dirty="0"/>
+              <a:t>ESP - Senden</a:t>
+            </a:r>
+          </a:p>
+        </p:txBody>
+      </p:sp>
+      <p:sp>
+        <p:nvSpPr>
+          <p:cNvPr id="5" name="Fußzeilenplatzhalter 4"/>
+          <p:cNvSpPr>
+            <a:spLocks noGrp="1"/>
+          </p:cNvSpPr>
+          <p:nvPr>
+            <p:ph type="ftr" sz="quarter" idx="16"/>
+          </p:nvPr>
+        </p:nvSpPr>
+        <p:spPr/>
+        <p:txBody>
+          <a:bodyPr/>
+          <a:lstStyle/>
+          <a:p>
+            <a:r>
+              <a:rPr lang="de-DE" altLang="de-DE"/>
+              <a:t>Hochschule Mannheim | Julia Geigl, Klemens Behr, Kevin Höfle</a:t>
+            </a:r>
+            <a:endParaRPr lang="de-DE" altLang="de-DE" dirty="0"/>
+          </a:p>
+        </p:txBody>
+      </p:sp>
+    </p:spTree>
+    <p:extLst>
+      <p:ext uri="{BB962C8B-B14F-4D97-AF65-F5344CB8AC3E}">
+        <p14:creationId xmlns:p14="http://schemas.microsoft.com/office/powerpoint/2010/main" val="2933276753"/>
+      </p:ext>
+    </p:extLst>
+  </p:cSld>
+  <p:clrMapOvr>
+    <a:masterClrMapping/>
+  </p:clrMapOvr>
+  <p:transition/>
+</p:sld>
+</file>
+
+<file path=ppt/slides/slide29.xml><?xml version="1.0" encoding="utf-8"?>
+<p:sld xmlns:a="http://schemas.openxmlformats.org/drawingml/2006/main" xmlns:r="http://schemas.openxmlformats.org/officeDocument/2006/relationships" xmlns:p="http://schemas.openxmlformats.org/presentationml/2006/main">
+  <p:cSld>
+    <p:spTree>
+      <p:nvGrpSpPr>
+        <p:cNvPr id="1" name=""/>
+        <p:cNvGrpSpPr/>
+        <p:nvPr/>
+      </p:nvGrpSpPr>
+      <p:grpSpPr>
+        <a:xfrm>
+          <a:off x="0" y="0"/>
+          <a:ext cx="0" cy="0"/>
+          <a:chOff x="0" y="0"/>
+          <a:chExt cx="0" cy="0"/>
+        </a:xfrm>
+      </p:grpSpPr>
+      <p:sp>
+        <p:nvSpPr>
+          <p:cNvPr id="2" name="Foliennummernplatzhalter 1"/>
+          <p:cNvSpPr>
+            <a:spLocks noGrp="1"/>
+          </p:cNvSpPr>
+          <p:nvPr>
+            <p:ph type="sldNum" sz="quarter" idx="11"/>
+          </p:nvPr>
+        </p:nvSpPr>
+        <p:spPr/>
+        <p:txBody>
+          <a:bodyPr/>
+          <a:lstStyle/>
+          <a:p>
+            <a:fld id="{57D12BB6-0ED4-46B6-AB23-7758AD07EFBF}" type="slidenum">
+              <a:rPr lang="de-DE" smtClean="0"/>
+              <a:pPr/>
+              <a:t>29</a:t>
+            </a:fld>
+            <a:endParaRPr lang="de-DE" dirty="0"/>
+          </a:p>
+        </p:txBody>
+      </p:sp>
+      <p:sp>
+        <p:nvSpPr>
+          <p:cNvPr id="4" name="Titel 3"/>
+          <p:cNvSpPr>
+            <a:spLocks noGrp="1"/>
+          </p:cNvSpPr>
+          <p:nvPr>
+            <p:ph type="title"/>
+          </p:nvPr>
+        </p:nvSpPr>
+        <p:spPr>
+          <a:xfrm>
+            <a:off x="179512" y="3212976"/>
+            <a:ext cx="7164796" cy="863600"/>
+          </a:xfrm>
+        </p:spPr>
+        <p:txBody>
+          <a:bodyPr/>
+          <a:lstStyle/>
+          <a:p>
+            <a:r>
+              <a:rPr lang="de-DE" sz="5400" dirty="0"/>
+              <a:t>PROGRAMMABLAUF</a:t>
+            </a:r>
+          </a:p>
+        </p:txBody>
+      </p:sp>
+      <p:sp>
+        <p:nvSpPr>
+          <p:cNvPr id="5" name="Fußzeilenplatzhalter 4"/>
+          <p:cNvSpPr>
+            <a:spLocks noGrp="1"/>
+          </p:cNvSpPr>
+          <p:nvPr>
+            <p:ph type="ftr" sz="quarter" idx="16"/>
+          </p:nvPr>
+        </p:nvSpPr>
+        <p:spPr/>
+        <p:txBody>
+          <a:bodyPr/>
+          <a:lstStyle/>
+          <a:p>
+            <a:r>
+              <a:rPr lang="de-DE" altLang="de-DE"/>
+              <a:t>Hochschule Mannheim | Julia Geigl, Klemens Behr, Kevin Höfle</a:t>
+            </a:r>
+            <a:endParaRPr lang="de-DE" altLang="de-DE" dirty="0"/>
+          </a:p>
+        </p:txBody>
+      </p:sp>
+    </p:spTree>
+    <p:extLst>
+      <p:ext uri="{BB962C8B-B14F-4D97-AF65-F5344CB8AC3E}">
+        <p14:creationId xmlns:p14="http://schemas.microsoft.com/office/powerpoint/2010/main" val="2801340734"/>
+      </p:ext>
+    </p:extLst>
+  </p:cSld>
+  <p:clrMapOvr>
+    <a:masterClrMapping/>
+  </p:clrMapOvr>
+  <p:transition/>
+</p:sld>
+</file>
+
+<file path=ppt/slides/slide3.xml><?xml version="1.0" encoding="utf-8"?>
+<p:sld xmlns:a="http://schemas.openxmlformats.org/drawingml/2006/main" xmlns:r="http://schemas.openxmlformats.org/officeDocument/2006/relationships" xmlns:p="http://schemas.openxmlformats.org/presentationml/2006/main">
+  <p:cSld>
+    <p:spTree>
+      <p:nvGrpSpPr>
+        <p:cNvPr id="1" name=""/>
+        <p:cNvGrpSpPr/>
+        <p:nvPr/>
+      </p:nvGrpSpPr>
+      <p:grpSpPr>
+        <a:xfrm>
+          <a:off x="0" y="0"/>
+          <a:ext cx="0" cy="0"/>
+          <a:chOff x="0" y="0"/>
+          <a:chExt cx="0" cy="0"/>
+        </a:xfrm>
+      </p:grpSpPr>
+      <p:sp>
+        <p:nvSpPr>
+          <p:cNvPr id="2" name="Foliennummernplatzhalter 1"/>
+          <p:cNvSpPr>
+            <a:spLocks noGrp="1"/>
+          </p:cNvSpPr>
+          <p:nvPr>
+            <p:ph type="sldNum" sz="quarter" idx="11"/>
+          </p:nvPr>
+        </p:nvSpPr>
+        <p:spPr/>
+        <p:txBody>
+          <a:bodyPr/>
+          <a:lstStyle/>
+          <a:p>
+            <a:fld id="{57D12BB6-0ED4-46B6-AB23-7758AD07EFBF}" type="slidenum">
+              <a:rPr lang="de-DE" smtClean="0"/>
+              <a:pPr/>
+              <a:t>3</a:t>
+            </a:fld>
+            <a:endParaRPr lang="de-DE" dirty="0"/>
+          </a:p>
+        </p:txBody>
+      </p:sp>
+      <p:sp>
+        <p:nvSpPr>
+          <p:cNvPr id="4" name="Titel 3"/>
+          <p:cNvSpPr>
+            <a:spLocks noGrp="1"/>
+          </p:cNvSpPr>
+          <p:nvPr>
+            <p:ph type="title"/>
+          </p:nvPr>
+        </p:nvSpPr>
+        <p:spPr>
+          <a:xfrm>
+            <a:off x="467544" y="2960948"/>
+            <a:ext cx="5040560" cy="863600"/>
+          </a:xfrm>
+        </p:spPr>
+        <p:txBody>
+          <a:bodyPr/>
+          <a:lstStyle/>
+          <a:p>
+            <a:r>
+              <a:rPr lang="de-DE" sz="9600" dirty="0"/>
+              <a:t>INTRO</a:t>
+            </a:r>
+            <a:br>
+              <a:rPr lang="de-DE" sz="9600" dirty="0"/>
+            </a:br>
+            <a:endParaRPr lang="de-DE" sz="9600" dirty="0"/>
+          </a:p>
+        </p:txBody>
+      </p:sp>
+      <p:sp>
+        <p:nvSpPr>
+          <p:cNvPr id="5" name="Fußzeilenplatzhalter 4"/>
+          <p:cNvSpPr>
+            <a:spLocks noGrp="1"/>
+          </p:cNvSpPr>
+          <p:nvPr>
+            <p:ph type="ftr" sz="quarter" idx="16"/>
+          </p:nvPr>
+        </p:nvSpPr>
+        <p:spPr/>
+        <p:txBody>
+          <a:bodyPr/>
+          <a:lstStyle/>
+          <a:p>
+            <a:r>
+              <a:rPr lang="de-DE" altLang="de-DE"/>
+              <a:t>Hochschule Mannheim | Julia Geigl, Klemens Behr, Kevin Höfle</a:t>
+            </a:r>
+            <a:endParaRPr lang="de-DE" altLang="de-DE" dirty="0"/>
+          </a:p>
+        </p:txBody>
+      </p:sp>
+    </p:spTree>
+    <p:extLst>
+      <p:ext uri="{BB962C8B-B14F-4D97-AF65-F5344CB8AC3E}">
+        <p14:creationId xmlns:p14="http://schemas.microsoft.com/office/powerpoint/2010/main" val="2053114095"/>
+      </p:ext>
+    </p:extLst>
+  </p:cSld>
+  <p:clrMapOvr>
+    <a:masterClrMapping/>
+  </p:clrMapOvr>
+  <p:transition/>
+</p:sld>
+</file>
+
+<file path=ppt/slides/slide30.xml><?xml version="1.0" encoding="utf-8"?>
+<p:sld xmlns:a="http://schemas.openxmlformats.org/drawingml/2006/main" xmlns:r="http://schemas.openxmlformats.org/officeDocument/2006/relationships" xmlns:p="http://schemas.openxmlformats.org/presentationml/2006/main">
+  <p:cSld>
+    <p:spTree>
+      <p:nvGrpSpPr>
+        <p:cNvPr id="1" name=""/>
+        <p:cNvGrpSpPr/>
+        <p:nvPr/>
+      </p:nvGrpSpPr>
+      <p:grpSpPr>
+        <a:xfrm>
+          <a:off x="0" y="0"/>
+          <a:ext cx="0" cy="0"/>
+          <a:chOff x="0" y="0"/>
+          <a:chExt cx="0" cy="0"/>
+        </a:xfrm>
+      </p:grpSpPr>
+      <p:sp>
+        <p:nvSpPr>
+          <p:cNvPr id="2" name="Foliennummernplatzhalter 1"/>
+          <p:cNvSpPr>
+            <a:spLocks noGrp="1"/>
+          </p:cNvSpPr>
+          <p:nvPr>
+            <p:ph type="sldNum" sz="quarter" idx="11"/>
+          </p:nvPr>
+        </p:nvSpPr>
+        <p:spPr/>
+        <p:txBody>
+          <a:bodyPr/>
+          <a:lstStyle/>
+          <a:p>
+            <a:fld id="{57D12BB6-0ED4-46B6-AB23-7758AD07EFBF}" type="slidenum">
+              <a:rPr lang="de-DE" smtClean="0"/>
+              <a:pPr/>
+              <a:t>30</a:t>
             </a:fld>
             <a:endParaRPr lang="de-DE" dirty="0"/>
           </a:p>
@@ -17780,7 +19846,7 @@
 </p:sld>
 </file>
 
-<file path=ppt/slides/slide28.xml><?xml version="1.0" encoding="utf-8"?>
+<file path=ppt/slides/slide31.xml><?xml version="1.0" encoding="utf-8"?>
 <p:sld xmlns:a="http://schemas.openxmlformats.org/drawingml/2006/main" xmlns:r="http://schemas.openxmlformats.org/officeDocument/2006/relationships" xmlns:p="http://schemas.openxmlformats.org/presentationml/2006/main">
   <p:cSld>
     <p:spTree>
@@ -17815,7 +19881,7 @@
             <a:fld id="{57D12BB6-0ED4-46B6-AB23-7758AD07EFBF}" type="slidenum">
               <a:rPr lang="de-DE" smtClean="0"/>
               <a:pPr/>
-              <a:t>28</a:t>
+              <a:t>31</a:t>
             </a:fld>
             <a:endParaRPr lang="de-DE" dirty="0"/>
           </a:p>
@@ -18285,7 +20351,7 @@
 </p:sld>
 </file>
 
-<file path=ppt/slides/slide29.xml><?xml version="1.0" encoding="utf-8"?>
+<file path=ppt/slides/slide32.xml><?xml version="1.0" encoding="utf-8"?>
 <p:sld xmlns:a="http://schemas.openxmlformats.org/drawingml/2006/main" xmlns:r="http://schemas.openxmlformats.org/officeDocument/2006/relationships" xmlns:p="http://schemas.openxmlformats.org/presentationml/2006/main">
   <p:cSld>
     <p:spTree>
@@ -18320,7 +20386,7 @@
             <a:fld id="{57D12BB6-0ED4-46B6-AB23-7758AD07EFBF}" type="slidenum">
               <a:rPr lang="de-DE" smtClean="0"/>
               <a:pPr/>
-              <a:t>29</a:t>
+              <a:t>32</a:t>
             </a:fld>
             <a:endParaRPr lang="de-DE" dirty="0"/>
           </a:p>
@@ -18864,7 +20930,7 @@
 </p:sld>
 </file>
 
-<file path=ppt/slides/slide3.xml><?xml version="1.0" encoding="utf-8"?>
+<file path=ppt/slides/slide33.xml><?xml version="1.0" encoding="utf-8"?>
 <p:sld xmlns:a="http://schemas.openxmlformats.org/drawingml/2006/main" xmlns:r="http://schemas.openxmlformats.org/officeDocument/2006/relationships" xmlns:p="http://schemas.openxmlformats.org/presentationml/2006/main">
   <p:cSld>
     <p:spTree>
@@ -18899,116 +20965,7 @@
             <a:fld id="{57D12BB6-0ED4-46B6-AB23-7758AD07EFBF}" type="slidenum">
               <a:rPr lang="de-DE" smtClean="0"/>
               <a:pPr/>
-              <a:t>3</a:t>
-            </a:fld>
-            <a:endParaRPr lang="de-DE" dirty="0"/>
-          </a:p>
-        </p:txBody>
-      </p:sp>
-      <p:sp>
-        <p:nvSpPr>
-          <p:cNvPr id="4" name="Titel 3"/>
-          <p:cNvSpPr>
-            <a:spLocks noGrp="1"/>
-          </p:cNvSpPr>
-          <p:nvPr>
-            <p:ph type="title"/>
-          </p:nvPr>
-        </p:nvSpPr>
-        <p:spPr>
-          <a:xfrm>
-            <a:off x="467544" y="2960948"/>
-            <a:ext cx="5040560" cy="863600"/>
-          </a:xfrm>
-        </p:spPr>
-        <p:txBody>
-          <a:bodyPr/>
-          <a:lstStyle/>
-          <a:p>
-            <a:r>
-              <a:rPr lang="de-DE" sz="9600" dirty="0"/>
-              <a:t>INTRO</a:t>
-            </a:r>
-            <a:br>
-              <a:rPr lang="de-DE" sz="9600" dirty="0"/>
-            </a:br>
-            <a:endParaRPr lang="de-DE" sz="9600" dirty="0"/>
-          </a:p>
-        </p:txBody>
-      </p:sp>
-      <p:sp>
-        <p:nvSpPr>
-          <p:cNvPr id="5" name="Fußzeilenplatzhalter 4"/>
-          <p:cNvSpPr>
-            <a:spLocks noGrp="1"/>
-          </p:cNvSpPr>
-          <p:nvPr>
-            <p:ph type="ftr" sz="quarter" idx="16"/>
-          </p:nvPr>
-        </p:nvSpPr>
-        <p:spPr/>
-        <p:txBody>
-          <a:bodyPr/>
-          <a:lstStyle/>
-          <a:p>
-            <a:r>
-              <a:rPr lang="de-DE" altLang="de-DE"/>
-              <a:t>Hochschule Mannheim | Julia Geigl, Klemens Behr, Kevin Höfle</a:t>
-            </a:r>
-            <a:endParaRPr lang="de-DE" altLang="de-DE" dirty="0"/>
-          </a:p>
-        </p:txBody>
-      </p:sp>
-    </p:spTree>
-    <p:extLst>
-      <p:ext uri="{BB962C8B-B14F-4D97-AF65-F5344CB8AC3E}">
-        <p14:creationId xmlns:p14="http://schemas.microsoft.com/office/powerpoint/2010/main" val="2053114095"/>
-      </p:ext>
-    </p:extLst>
-  </p:cSld>
-  <p:clrMapOvr>
-    <a:masterClrMapping/>
-  </p:clrMapOvr>
-  <p:transition/>
-</p:sld>
-</file>
-
-<file path=ppt/slides/slide30.xml><?xml version="1.0" encoding="utf-8"?>
-<p:sld xmlns:a="http://schemas.openxmlformats.org/drawingml/2006/main" xmlns:r="http://schemas.openxmlformats.org/officeDocument/2006/relationships" xmlns:p="http://schemas.openxmlformats.org/presentationml/2006/main">
-  <p:cSld>
-    <p:spTree>
-      <p:nvGrpSpPr>
-        <p:cNvPr id="1" name=""/>
-        <p:cNvGrpSpPr/>
-        <p:nvPr/>
-      </p:nvGrpSpPr>
-      <p:grpSpPr>
-        <a:xfrm>
-          <a:off x="0" y="0"/>
-          <a:ext cx="0" cy="0"/>
-          <a:chOff x="0" y="0"/>
-          <a:chExt cx="0" cy="0"/>
-        </a:xfrm>
-      </p:grpSpPr>
-      <p:sp>
-        <p:nvSpPr>
-          <p:cNvPr id="2" name="Foliennummernplatzhalter 1"/>
-          <p:cNvSpPr>
-            <a:spLocks noGrp="1"/>
-          </p:cNvSpPr>
-          <p:nvPr>
-            <p:ph type="sldNum" sz="quarter" idx="11"/>
-          </p:nvPr>
-        </p:nvSpPr>
-        <p:spPr/>
-        <p:txBody>
-          <a:bodyPr/>
-          <a:lstStyle/>
-          <a:p>
-            <a:fld id="{57D12BB6-0ED4-46B6-AB23-7758AD07EFBF}" type="slidenum">
-              <a:rPr lang="de-DE" smtClean="0"/>
-              <a:pPr/>
-              <a:t>30</a:t>
+              <a:t>33</a:t>
             </a:fld>
             <a:endParaRPr lang="de-DE" dirty="0"/>
           </a:p>
@@ -19499,7 +21456,7 @@
 </p:sld>
 </file>
 
-<file path=ppt/slides/slide31.xml><?xml version="1.0" encoding="utf-8"?>
+<file path=ppt/slides/slide34.xml><?xml version="1.0" encoding="utf-8"?>
 <p:sld xmlns:a="http://schemas.openxmlformats.org/drawingml/2006/main" xmlns:r="http://schemas.openxmlformats.org/officeDocument/2006/relationships" xmlns:p="http://schemas.openxmlformats.org/presentationml/2006/main">
   <p:cSld>
     <p:spTree>
@@ -19534,7 +21491,7 @@
             <a:fld id="{57D12BB6-0ED4-46B6-AB23-7758AD07EFBF}" type="slidenum">
               <a:rPr lang="de-DE" smtClean="0"/>
               <a:pPr/>
-              <a:t>31</a:t>
+              <a:t>34</a:t>
             </a:fld>
             <a:endParaRPr lang="de-DE" dirty="0"/>
           </a:p>
@@ -19609,7 +21566,7 @@
 </p:sld>
 </file>
 
-<file path=ppt/slides/slide32.xml><?xml version="1.0" encoding="utf-8"?>
+<file path=ppt/slides/slide35.xml><?xml version="1.0" encoding="utf-8"?>
 <p:sld xmlns:a="http://schemas.openxmlformats.org/drawingml/2006/main" xmlns:r="http://schemas.openxmlformats.org/officeDocument/2006/relationships" xmlns:p="http://schemas.openxmlformats.org/presentationml/2006/main">
   <p:cSld>
     <p:spTree>
@@ -19644,7 +21601,7 @@
             <a:fld id="{57D12BB6-0ED4-46B6-AB23-7758AD07EFBF}" type="slidenum">
               <a:rPr lang="de-DE" smtClean="0"/>
               <a:pPr/>
-              <a:t>32</a:t>
+              <a:t>35</a:t>
             </a:fld>
             <a:endParaRPr lang="de-DE" dirty="0"/>
           </a:p>
@@ -19789,7 +21746,7 @@
 </p:sld>
 </file>
 
-<file path=ppt/slides/slide33.xml><?xml version="1.0" encoding="utf-8"?>
+<file path=ppt/slides/slide36.xml><?xml version="1.0" encoding="utf-8"?>
 <p:sld xmlns:a="http://schemas.openxmlformats.org/drawingml/2006/main" xmlns:r="http://schemas.openxmlformats.org/officeDocument/2006/relationships" xmlns:p="http://schemas.openxmlformats.org/presentationml/2006/main">
   <p:cSld>
     <p:spTree>
@@ -19824,7 +21781,7 @@
             <a:fld id="{57D12BB6-0ED4-46B6-AB23-7758AD07EFBF}" type="slidenum">
               <a:rPr lang="de-DE" smtClean="0"/>
               <a:pPr/>
-              <a:t>33</a:t>
+              <a:t>36</a:t>
             </a:fld>
             <a:endParaRPr lang="de-DE" dirty="0"/>
           </a:p>
@@ -20111,7 +22068,7 @@
 </p:sld>
 </file>
 
-<file path=ppt/slides/slide34.xml><?xml version="1.0" encoding="utf-8"?>
+<file path=ppt/slides/slide37.xml><?xml version="1.0" encoding="utf-8"?>
 <p:sld xmlns:a="http://schemas.openxmlformats.org/drawingml/2006/main" xmlns:r="http://schemas.openxmlformats.org/officeDocument/2006/relationships" xmlns:p="http://schemas.openxmlformats.org/presentationml/2006/main">
   <p:cSld>
     <p:spTree>
@@ -20146,7 +22103,7 @@
             <a:fld id="{57D12BB6-0ED4-46B6-AB23-7758AD07EFBF}" type="slidenum">
               <a:rPr lang="de-DE" smtClean="0"/>
               <a:pPr/>
-              <a:t>34</a:t>
+              <a:t>37</a:t>
             </a:fld>
             <a:endParaRPr lang="de-DE" dirty="0"/>
           </a:p>
@@ -20370,7 +22327,7 @@
 </p:sld>
 </file>
 
-<file path=ppt/slides/slide35.xml><?xml version="1.0" encoding="utf-8"?>
+<file path=ppt/slides/slide38.xml><?xml version="1.0" encoding="utf-8"?>
 <p:sld xmlns:a="http://schemas.openxmlformats.org/drawingml/2006/main" xmlns:r="http://schemas.openxmlformats.org/officeDocument/2006/relationships" xmlns:p="http://schemas.openxmlformats.org/presentationml/2006/main">
   <p:cSld>
     <p:spTree>
@@ -20405,7 +22362,7 @@
             <a:fld id="{57D12BB6-0ED4-46B6-AB23-7758AD07EFBF}" type="slidenum">
               <a:rPr lang="de-DE" smtClean="0"/>
               <a:pPr/>
-              <a:t>35</a:t>
+              <a:t>38</a:t>
             </a:fld>
             <a:endParaRPr lang="de-DE" dirty="0"/>
           </a:p>
@@ -20542,7 +22499,7 @@
 </p:sld>
 </file>
 
-<file path=ppt/slides/slide36.xml><?xml version="1.0" encoding="utf-8"?>
+<file path=ppt/slides/slide39.xml><?xml version="1.0" encoding="utf-8"?>
 <p:sld xmlns:a="http://schemas.openxmlformats.org/drawingml/2006/main" xmlns:r="http://schemas.openxmlformats.org/officeDocument/2006/relationships" xmlns:p="http://schemas.openxmlformats.org/presentationml/2006/main">
   <p:cSld>
     <p:spTree>
@@ -20577,7 +22534,7 @@
             <a:fld id="{57D12BB6-0ED4-46B6-AB23-7758AD07EFBF}" type="slidenum">
               <a:rPr lang="de-DE" smtClean="0"/>
               <a:pPr/>
-              <a:t>36</a:t>
+              <a:t>39</a:t>
             </a:fld>
             <a:endParaRPr lang="de-DE" dirty="0"/>
           </a:p>
@@ -20727,7 +22684,7 @@
 </p:sld>
 </file>
 
-<file path=ppt/slides/slide37.xml><?xml version="1.0" encoding="utf-8"?>
+<file path=ppt/slides/slide4.xml><?xml version="1.0" encoding="utf-8"?>
 <p:sld xmlns:a="http://schemas.openxmlformats.org/drawingml/2006/main" xmlns:r="http://schemas.openxmlformats.org/officeDocument/2006/relationships" xmlns:p="http://schemas.openxmlformats.org/presentationml/2006/main">
   <p:cSld>
     <p:spTree>
@@ -20762,7 +22719,183 @@
             <a:fld id="{57D12BB6-0ED4-46B6-AB23-7758AD07EFBF}" type="slidenum">
               <a:rPr lang="de-DE" smtClean="0"/>
               <a:pPr/>
-              <a:t>37</a:t>
+              <a:t>4</a:t>
+            </a:fld>
+            <a:endParaRPr lang="de-DE" dirty="0"/>
+          </a:p>
+        </p:txBody>
+      </p:sp>
+      <p:sp>
+        <p:nvSpPr>
+          <p:cNvPr id="3" name="Textplatzhalter 2"/>
+          <p:cNvSpPr>
+            <a:spLocks noGrp="1"/>
+          </p:cNvSpPr>
+          <p:nvPr>
+            <p:ph type="body" sz="quarter" idx="15"/>
+          </p:nvPr>
+        </p:nvSpPr>
+        <p:spPr/>
+        <p:txBody>
+          <a:bodyPr/>
+          <a:lstStyle/>
+          <a:p>
+            <a:pPr>
+              <a:buFont typeface="Arial" panose="020B0604020202020204" pitchFamily="34" charset="0"/>
+              <a:buChar char="•"/>
+            </a:pPr>
+            <a:r>
+              <a:rPr lang="de-DE" dirty="0"/>
+              <a:t>Messen der Luftfeuchtigkeit und Temperatur im Zusammenhang mit Fensterstatus </a:t>
+            </a:r>
+          </a:p>
+          <a:p>
+            <a:pPr marL="285750" indent="-285750">
+              <a:buFont typeface="Arial" panose="020B0604020202020204" pitchFamily="34" charset="0"/>
+              <a:buChar char="•"/>
+            </a:pPr>
+            <a:endParaRPr lang="de-DE" dirty="0"/>
+          </a:p>
+          <a:p>
+            <a:pPr>
+              <a:buFont typeface="Arial" panose="020B0604020202020204" pitchFamily="34" charset="0"/>
+              <a:buChar char="•"/>
+            </a:pPr>
+            <a:r>
+              <a:rPr lang="de-DE" dirty="0"/>
+              <a:t>Speichern und Visualisieren der Daten</a:t>
+            </a:r>
+          </a:p>
+          <a:p>
+            <a:pPr>
+              <a:buFont typeface="Arial" panose="020B0604020202020204" pitchFamily="34" charset="0"/>
+              <a:buChar char="•"/>
+            </a:pPr>
+            <a:endParaRPr lang="de-DE" dirty="0"/>
+          </a:p>
+          <a:p>
+            <a:pPr>
+              <a:buFont typeface="Arial" panose="020B0604020202020204" pitchFamily="34" charset="0"/>
+              <a:buChar char="•"/>
+            </a:pPr>
+            <a:r>
+              <a:rPr lang="de-DE" dirty="0"/>
+              <a:t>Aktion bei Überschreitung eines Feuchtigkeits- oder Temperatur-Wertes</a:t>
+            </a:r>
+          </a:p>
+          <a:p>
+            <a:pPr>
+              <a:buFont typeface="Arial" panose="020B0604020202020204" pitchFamily="34" charset="0"/>
+              <a:buChar char="•"/>
+            </a:pPr>
+            <a:endParaRPr lang="de-DE" dirty="0"/>
+          </a:p>
+          <a:p>
+            <a:pPr marL="0" indent="0">
+              <a:buNone/>
+            </a:pPr>
+            <a:endParaRPr lang="de-DE" dirty="0"/>
+          </a:p>
+          <a:p>
+            <a:endParaRPr lang="de-DE" dirty="0"/>
+          </a:p>
+        </p:txBody>
+      </p:sp>
+      <p:sp>
+        <p:nvSpPr>
+          <p:cNvPr id="4" name="Titel 3"/>
+          <p:cNvSpPr>
+            <a:spLocks noGrp="1"/>
+          </p:cNvSpPr>
+          <p:nvPr>
+            <p:ph type="title"/>
+          </p:nvPr>
+        </p:nvSpPr>
+        <p:spPr/>
+        <p:txBody>
+          <a:bodyPr/>
+          <a:lstStyle/>
+          <a:p>
+            <a:r>
+              <a:rPr lang="de-DE" dirty="0"/>
+              <a:t>Grund Konzept</a:t>
+            </a:r>
+          </a:p>
+        </p:txBody>
+      </p:sp>
+      <p:sp>
+        <p:nvSpPr>
+          <p:cNvPr id="5" name="Fußzeilenplatzhalter 4"/>
+          <p:cNvSpPr>
+            <a:spLocks noGrp="1"/>
+          </p:cNvSpPr>
+          <p:nvPr>
+            <p:ph type="ftr" sz="quarter" idx="16"/>
+          </p:nvPr>
+        </p:nvSpPr>
+        <p:spPr/>
+        <p:txBody>
+          <a:bodyPr/>
+          <a:lstStyle/>
+          <a:p>
+            <a:r>
+              <a:rPr lang="de-DE" altLang="de-DE"/>
+              <a:t>Hochschule Mannheim | Julia Geigl, Klemens Behr, Kevin Höfle</a:t>
+            </a:r>
+            <a:endParaRPr lang="de-DE" altLang="de-DE" dirty="0"/>
+          </a:p>
+        </p:txBody>
+      </p:sp>
+    </p:spTree>
+    <p:extLst>
+      <p:ext uri="{BB962C8B-B14F-4D97-AF65-F5344CB8AC3E}">
+        <p14:creationId xmlns:p14="http://schemas.microsoft.com/office/powerpoint/2010/main" val="3888361227"/>
+      </p:ext>
+    </p:extLst>
+  </p:cSld>
+  <p:clrMapOvr>
+    <a:masterClrMapping/>
+  </p:clrMapOvr>
+  <p:transition/>
+</p:sld>
+</file>
+
+<file path=ppt/slides/slide40.xml><?xml version="1.0" encoding="utf-8"?>
+<p:sld xmlns:a="http://schemas.openxmlformats.org/drawingml/2006/main" xmlns:r="http://schemas.openxmlformats.org/officeDocument/2006/relationships" xmlns:p="http://schemas.openxmlformats.org/presentationml/2006/main">
+  <p:cSld>
+    <p:spTree>
+      <p:nvGrpSpPr>
+        <p:cNvPr id="1" name=""/>
+        <p:cNvGrpSpPr/>
+        <p:nvPr/>
+      </p:nvGrpSpPr>
+      <p:grpSpPr>
+        <a:xfrm>
+          <a:off x="0" y="0"/>
+          <a:ext cx="0" cy="0"/>
+          <a:chOff x="0" y="0"/>
+          <a:chExt cx="0" cy="0"/>
+        </a:xfrm>
+      </p:grpSpPr>
+      <p:sp>
+        <p:nvSpPr>
+          <p:cNvPr id="2" name="Foliennummernplatzhalter 1"/>
+          <p:cNvSpPr>
+            <a:spLocks noGrp="1"/>
+          </p:cNvSpPr>
+          <p:nvPr>
+            <p:ph type="sldNum" sz="quarter" idx="11"/>
+          </p:nvPr>
+        </p:nvSpPr>
+        <p:spPr/>
+        <p:txBody>
+          <a:bodyPr/>
+          <a:lstStyle/>
+          <a:p>
+            <a:fld id="{57D12BB6-0ED4-46B6-AB23-7758AD07EFBF}" type="slidenum">
+              <a:rPr lang="de-DE" smtClean="0"/>
+              <a:pPr/>
+              <a:t>40</a:t>
             </a:fld>
             <a:endParaRPr lang="de-DE" dirty="0"/>
           </a:p>
@@ -20895,7 +23028,7 @@
 </p:sld>
 </file>
 
-<file path=ppt/slides/slide38.xml><?xml version="1.0" encoding="utf-8"?>
+<file path=ppt/slides/slide41.xml><?xml version="1.0" encoding="utf-8"?>
 <p:sld xmlns:a="http://schemas.openxmlformats.org/drawingml/2006/main" xmlns:r="http://schemas.openxmlformats.org/officeDocument/2006/relationships" xmlns:p="http://schemas.openxmlformats.org/presentationml/2006/main" show="0">
   <p:cSld>
     <p:spTree>
@@ -20930,7 +23063,7 @@
             <a:fld id="{57D12BB6-0ED4-46B6-AB23-7758AD07EFBF}" type="slidenum">
               <a:rPr lang="de-DE" smtClean="0"/>
               <a:pPr/>
-              <a:t>38</a:t>
+              <a:t>41</a:t>
             </a:fld>
             <a:endParaRPr lang="de-DE" dirty="0"/>
           </a:p>
@@ -21094,7 +23227,7 @@
 </p:sld>
 </file>
 
-<file path=ppt/slides/slide39.xml><?xml version="1.0" encoding="utf-8"?>
+<file path=ppt/slides/slide42.xml><?xml version="1.0" encoding="utf-8"?>
 <p:sld xmlns:a="http://schemas.openxmlformats.org/drawingml/2006/main" xmlns:r="http://schemas.openxmlformats.org/officeDocument/2006/relationships" xmlns:p="http://schemas.openxmlformats.org/presentationml/2006/main">
   <p:cSld>
     <p:spTree>
@@ -21129,7 +23262,7 @@
             <a:fld id="{57D12BB6-0ED4-46B6-AB23-7758AD07EFBF}" type="slidenum">
               <a:rPr lang="de-DE" smtClean="0"/>
               <a:pPr/>
-              <a:t>39</a:t>
+              <a:t>42</a:t>
             </a:fld>
             <a:endParaRPr lang="de-DE" dirty="0"/>
           </a:p>
@@ -21252,7 +23385,7 @@
 </p:sld>
 </file>
 
-<file path=ppt/slides/slide4.xml><?xml version="1.0" encoding="utf-8"?>
+<file path=ppt/slides/slide43.xml><?xml version="1.0" encoding="utf-8"?>
 <p:sld xmlns:a="http://schemas.openxmlformats.org/drawingml/2006/main" xmlns:r="http://schemas.openxmlformats.org/officeDocument/2006/relationships" xmlns:p="http://schemas.openxmlformats.org/presentationml/2006/main">
   <p:cSld>
     <p:spTree>
@@ -21287,183 +23420,7 @@
             <a:fld id="{57D12BB6-0ED4-46B6-AB23-7758AD07EFBF}" type="slidenum">
               <a:rPr lang="de-DE" smtClean="0"/>
               <a:pPr/>
-              <a:t>4</a:t>
-            </a:fld>
-            <a:endParaRPr lang="de-DE" dirty="0"/>
-          </a:p>
-        </p:txBody>
-      </p:sp>
-      <p:sp>
-        <p:nvSpPr>
-          <p:cNvPr id="3" name="Textplatzhalter 2"/>
-          <p:cNvSpPr>
-            <a:spLocks noGrp="1"/>
-          </p:cNvSpPr>
-          <p:nvPr>
-            <p:ph type="body" sz="quarter" idx="15"/>
-          </p:nvPr>
-        </p:nvSpPr>
-        <p:spPr/>
-        <p:txBody>
-          <a:bodyPr/>
-          <a:lstStyle/>
-          <a:p>
-            <a:pPr>
-              <a:buFont typeface="Arial" panose="020B0604020202020204" pitchFamily="34" charset="0"/>
-              <a:buChar char="•"/>
-            </a:pPr>
-            <a:r>
-              <a:rPr lang="de-DE" dirty="0"/>
-              <a:t>Messen der Luftfeuchtigkeit und Temperatur im Zusammenhang mit Fensterstatus </a:t>
-            </a:r>
-          </a:p>
-          <a:p>
-            <a:pPr marL="285750" indent="-285750">
-              <a:buFont typeface="Arial" panose="020B0604020202020204" pitchFamily="34" charset="0"/>
-              <a:buChar char="•"/>
-            </a:pPr>
-            <a:endParaRPr lang="de-DE" dirty="0"/>
-          </a:p>
-          <a:p>
-            <a:pPr>
-              <a:buFont typeface="Arial" panose="020B0604020202020204" pitchFamily="34" charset="0"/>
-              <a:buChar char="•"/>
-            </a:pPr>
-            <a:r>
-              <a:rPr lang="de-DE" dirty="0"/>
-              <a:t>Speichern und Visualisieren der Daten</a:t>
-            </a:r>
-          </a:p>
-          <a:p>
-            <a:pPr>
-              <a:buFont typeface="Arial" panose="020B0604020202020204" pitchFamily="34" charset="0"/>
-              <a:buChar char="•"/>
-            </a:pPr>
-            <a:endParaRPr lang="de-DE" dirty="0"/>
-          </a:p>
-          <a:p>
-            <a:pPr>
-              <a:buFont typeface="Arial" panose="020B0604020202020204" pitchFamily="34" charset="0"/>
-              <a:buChar char="•"/>
-            </a:pPr>
-            <a:r>
-              <a:rPr lang="de-DE" dirty="0"/>
-              <a:t>Aktion bei Überschreitung eines Feuchtigkeits- oder Temperatur-Wertes</a:t>
-            </a:r>
-          </a:p>
-          <a:p>
-            <a:pPr>
-              <a:buFont typeface="Arial" panose="020B0604020202020204" pitchFamily="34" charset="0"/>
-              <a:buChar char="•"/>
-            </a:pPr>
-            <a:endParaRPr lang="de-DE" dirty="0"/>
-          </a:p>
-          <a:p>
-            <a:pPr marL="0" indent="0">
-              <a:buNone/>
-            </a:pPr>
-            <a:endParaRPr lang="de-DE" dirty="0"/>
-          </a:p>
-          <a:p>
-            <a:endParaRPr lang="de-DE" dirty="0"/>
-          </a:p>
-        </p:txBody>
-      </p:sp>
-      <p:sp>
-        <p:nvSpPr>
-          <p:cNvPr id="4" name="Titel 3"/>
-          <p:cNvSpPr>
-            <a:spLocks noGrp="1"/>
-          </p:cNvSpPr>
-          <p:nvPr>
-            <p:ph type="title"/>
-          </p:nvPr>
-        </p:nvSpPr>
-        <p:spPr/>
-        <p:txBody>
-          <a:bodyPr/>
-          <a:lstStyle/>
-          <a:p>
-            <a:r>
-              <a:rPr lang="de-DE" dirty="0"/>
-              <a:t>Grund Konzept</a:t>
-            </a:r>
-          </a:p>
-        </p:txBody>
-      </p:sp>
-      <p:sp>
-        <p:nvSpPr>
-          <p:cNvPr id="5" name="Fußzeilenplatzhalter 4"/>
-          <p:cNvSpPr>
-            <a:spLocks noGrp="1"/>
-          </p:cNvSpPr>
-          <p:nvPr>
-            <p:ph type="ftr" sz="quarter" idx="16"/>
-          </p:nvPr>
-        </p:nvSpPr>
-        <p:spPr/>
-        <p:txBody>
-          <a:bodyPr/>
-          <a:lstStyle/>
-          <a:p>
-            <a:r>
-              <a:rPr lang="de-DE" altLang="de-DE"/>
-              <a:t>Hochschule Mannheim | Julia Geigl, Klemens Behr, Kevin Höfle</a:t>
-            </a:r>
-            <a:endParaRPr lang="de-DE" altLang="de-DE" dirty="0"/>
-          </a:p>
-        </p:txBody>
-      </p:sp>
-    </p:spTree>
-    <p:extLst>
-      <p:ext uri="{BB962C8B-B14F-4D97-AF65-F5344CB8AC3E}">
-        <p14:creationId xmlns:p14="http://schemas.microsoft.com/office/powerpoint/2010/main" val="3888361227"/>
-      </p:ext>
-    </p:extLst>
-  </p:cSld>
-  <p:clrMapOvr>
-    <a:masterClrMapping/>
-  </p:clrMapOvr>
-  <p:transition/>
-</p:sld>
-</file>
-
-<file path=ppt/slides/slide40.xml><?xml version="1.0" encoding="utf-8"?>
-<p:sld xmlns:a="http://schemas.openxmlformats.org/drawingml/2006/main" xmlns:r="http://schemas.openxmlformats.org/officeDocument/2006/relationships" xmlns:p="http://schemas.openxmlformats.org/presentationml/2006/main">
-  <p:cSld>
-    <p:spTree>
-      <p:nvGrpSpPr>
-        <p:cNvPr id="1" name=""/>
-        <p:cNvGrpSpPr/>
-        <p:nvPr/>
-      </p:nvGrpSpPr>
-      <p:grpSpPr>
-        <a:xfrm>
-          <a:off x="0" y="0"/>
-          <a:ext cx="0" cy="0"/>
-          <a:chOff x="0" y="0"/>
-          <a:chExt cx="0" cy="0"/>
-        </a:xfrm>
-      </p:grpSpPr>
-      <p:sp>
-        <p:nvSpPr>
-          <p:cNvPr id="2" name="Foliennummernplatzhalter 1"/>
-          <p:cNvSpPr>
-            <a:spLocks noGrp="1"/>
-          </p:cNvSpPr>
-          <p:nvPr>
-            <p:ph type="sldNum" sz="quarter" idx="11"/>
-          </p:nvPr>
-        </p:nvSpPr>
-        <p:spPr/>
-        <p:txBody>
-          <a:bodyPr/>
-          <a:lstStyle/>
-          <a:p>
-            <a:fld id="{57D12BB6-0ED4-46B6-AB23-7758AD07EFBF}" type="slidenum">
-              <a:rPr lang="de-DE" smtClean="0"/>
-              <a:pPr/>
-              <a:t>40</a:t>
+              <a:t>43</a:t>
             </a:fld>
             <a:endParaRPr lang="de-DE" dirty="0"/>
           </a:p>
@@ -21556,7 +23513,7 @@
 </p:sld>
 </file>
 
-<file path=ppt/slides/slide41.xml><?xml version="1.0" encoding="utf-8"?>
+<file path=ppt/slides/slide44.xml><?xml version="1.0" encoding="utf-8"?>
 <p:sld xmlns:a="http://schemas.openxmlformats.org/drawingml/2006/main" xmlns:r="http://schemas.openxmlformats.org/officeDocument/2006/relationships" xmlns:p="http://schemas.openxmlformats.org/presentationml/2006/main">
   <p:cSld>
     <p:spTree>
@@ -21591,7 +23548,7 @@
             <a:fld id="{57D12BB6-0ED4-46B6-AB23-7758AD07EFBF}" type="slidenum">
               <a:rPr lang="de-DE" smtClean="0"/>
               <a:pPr/>
-              <a:t>41</a:t>
+              <a:t>44</a:t>
             </a:fld>
             <a:endParaRPr lang="de-DE" dirty="0"/>
           </a:p>
@@ -21714,7 +23671,7 @@
 </p:sld>
 </file>
 
-<file path=ppt/slides/slide42.xml><?xml version="1.0" encoding="utf-8"?>
+<file path=ppt/slides/slide45.xml><?xml version="1.0" encoding="utf-8"?>
 <p:sld xmlns:a="http://schemas.openxmlformats.org/drawingml/2006/main" xmlns:r="http://schemas.openxmlformats.org/officeDocument/2006/relationships" xmlns:p="http://schemas.openxmlformats.org/presentationml/2006/main">
   <p:cSld>
     <p:spTree>
@@ -21749,7 +23706,7 @@
             <a:fld id="{57D12BB6-0ED4-46B6-AB23-7758AD07EFBF}" type="slidenum">
               <a:rPr lang="de-DE" smtClean="0"/>
               <a:pPr/>
-              <a:t>42</a:t>
+              <a:t>45</a:t>
             </a:fld>
             <a:endParaRPr lang="de-DE" dirty="0"/>
           </a:p>
@@ -21897,7 +23854,7 @@
 </p:sld>
 </file>
 
-<file path=ppt/slides/slide43.xml><?xml version="1.0" encoding="utf-8"?>
+<file path=ppt/slides/slide46.xml><?xml version="1.0" encoding="utf-8"?>
 <p:sld xmlns:a="http://schemas.openxmlformats.org/drawingml/2006/main" xmlns:r="http://schemas.openxmlformats.org/officeDocument/2006/relationships" xmlns:p="http://schemas.openxmlformats.org/presentationml/2006/main">
   <p:cSld>
     <p:spTree>
@@ -21932,7 +23889,7 @@
             <a:fld id="{57D12BB6-0ED4-46B6-AB23-7758AD07EFBF}" type="slidenum">
               <a:rPr lang="de-DE" smtClean="0"/>
               <a:pPr/>
-              <a:t>43</a:t>
+              <a:t>46</a:t>
             </a:fld>
             <a:endParaRPr lang="de-DE" dirty="0"/>
           </a:p>
@@ -22121,7 +24078,7 @@
 </p:sld>
 </file>
 
-<file path=ppt/slides/slide44.xml><?xml version="1.0" encoding="utf-8"?>
+<file path=ppt/slides/slide47.xml><?xml version="1.0" encoding="utf-8"?>
 <p:sld xmlns:a="http://schemas.openxmlformats.org/drawingml/2006/main" xmlns:r="http://schemas.openxmlformats.org/officeDocument/2006/relationships" xmlns:p="http://schemas.openxmlformats.org/presentationml/2006/main">
   <p:cSld>
     <p:spTree>
@@ -22156,7 +24113,7 @@
             <a:fld id="{57D12BB6-0ED4-46B6-AB23-7758AD07EFBF}" type="slidenum">
               <a:rPr lang="de-DE" smtClean="0"/>
               <a:pPr/>
-              <a:t>44</a:t>
+              <a:t>47</a:t>
             </a:fld>
             <a:endParaRPr lang="de-DE" dirty="0"/>
           </a:p>
@@ -22245,7 +24202,7 @@
 </p:sld>
 </file>
 
-<file path=ppt/slides/slide45.xml><?xml version="1.0" encoding="utf-8"?>
+<file path=ppt/slides/slide48.xml><?xml version="1.0" encoding="utf-8"?>
 <p:sld xmlns:a="http://schemas.openxmlformats.org/drawingml/2006/main" xmlns:r="http://schemas.openxmlformats.org/officeDocument/2006/relationships" xmlns:p="http://schemas.openxmlformats.org/presentationml/2006/main">
   <p:cSld>
     <p:spTree>
@@ -22280,7 +24237,7 @@
             <a:fld id="{57D12BB6-0ED4-46B6-AB23-7758AD07EFBF}" type="slidenum">
               <a:rPr lang="de-DE" smtClean="0"/>
               <a:pPr/>
-              <a:t>45</a:t>
+              <a:t>48</a:t>
             </a:fld>
             <a:endParaRPr lang="de-DE" dirty="0"/>
           </a:p>
@@ -22380,7 +24337,7 @@
 </p:sld>
 </file>
 
-<file path=ppt/slides/slide46.xml><?xml version="1.0" encoding="utf-8"?>
+<file path=ppt/slides/slide49.xml><?xml version="1.0" encoding="utf-8"?>
 <p:sld xmlns:a="http://schemas.openxmlformats.org/drawingml/2006/main" xmlns:r="http://schemas.openxmlformats.org/officeDocument/2006/relationships" xmlns:p="http://schemas.openxmlformats.org/presentationml/2006/main">
   <p:cSld>
     <p:spTree>
@@ -22415,7 +24372,7 @@
             <a:fld id="{57D12BB6-0ED4-46B6-AB23-7758AD07EFBF}" type="slidenum">
               <a:rPr lang="de-DE" smtClean="0"/>
               <a:pPr/>
-              <a:t>46</a:t>
+              <a:t>49</a:t>
             </a:fld>
             <a:endParaRPr lang="de-DE" dirty="0"/>
           </a:p>
@@ -22826,7 +24783,7 @@
 </p:sld>
 </file>
 
-<file path=ppt/slides/slide47.xml><?xml version="1.0" encoding="utf-8"?>
+<file path=ppt/slides/slide5.xml><?xml version="1.0" encoding="utf-8"?>
 <p:sld xmlns:a="http://schemas.openxmlformats.org/drawingml/2006/main" xmlns:r="http://schemas.openxmlformats.org/officeDocument/2006/relationships" xmlns:p="http://schemas.openxmlformats.org/presentationml/2006/main">
   <p:cSld>
     <p:spTree>
@@ -22861,7 +24818,404 @@
             <a:fld id="{57D12BB6-0ED4-46B6-AB23-7758AD07EFBF}" type="slidenum">
               <a:rPr lang="de-DE" smtClean="0"/>
               <a:pPr/>
-              <a:t>47</a:t>
+              <a:t>5</a:t>
+            </a:fld>
+            <a:endParaRPr lang="de-DE" dirty="0"/>
+          </a:p>
+        </p:txBody>
+      </p:sp>
+      <p:sp>
+        <p:nvSpPr>
+          <p:cNvPr id="3" name="Textplatzhalter 2"/>
+          <p:cNvSpPr>
+            <a:spLocks noGrp="1"/>
+          </p:cNvSpPr>
+          <p:nvPr>
+            <p:ph type="body" sz="quarter" idx="15"/>
+          </p:nvPr>
+        </p:nvSpPr>
+        <p:spPr>
+          <a:xfrm>
+            <a:off x="5725978" y="2024844"/>
+            <a:ext cx="7740650" cy="3944938"/>
+          </a:xfrm>
+        </p:spPr>
+        <p:txBody>
+          <a:bodyPr/>
+          <a:lstStyle/>
+          <a:p>
+            <a:pPr marL="0" indent="0">
+              <a:buNone/>
+            </a:pPr>
+            <a:r>
+              <a:rPr lang="de-DE" dirty="0">
+                <a:solidFill>
+                  <a:schemeClr val="tx1">
+                    <a:lumMod val="85000"/>
+                    <a:lumOff val="15000"/>
+                  </a:schemeClr>
+                </a:solidFill>
+                <a:latin typeface="+mj-lt"/>
+                <a:ea typeface="Yu Gothic" panose="020B0400000000000000" pitchFamily="34" charset="-128"/>
+                <a:cs typeface="Calibri Light" panose="020F0302020204030204" pitchFamily="34" charset="0"/>
+              </a:rPr>
+              <a:t>Consumer &amp; Home</a:t>
+            </a:r>
+          </a:p>
+          <a:p>
+            <a:pPr marL="285750" indent="-285750">
+              <a:buFont typeface="Arial" panose="020B0604020202020204" pitchFamily="34" charset="0"/>
+              <a:buChar char="•"/>
+            </a:pPr>
+            <a:r>
+              <a:rPr lang="de-DE" dirty="0">
+                <a:solidFill>
+                  <a:schemeClr val="tx1">
+                    <a:lumMod val="85000"/>
+                    <a:lumOff val="15000"/>
+                  </a:schemeClr>
+                </a:solidFill>
+                <a:latin typeface="+mj-lt"/>
+                <a:ea typeface="Yu Gothic" panose="020B0400000000000000" pitchFamily="34" charset="-128"/>
+                <a:cs typeface="Calibri Light" panose="020F0302020204030204" pitchFamily="34" charset="0"/>
+                <a:sym typeface="Wingdings" panose="05000000000000000000" pitchFamily="2" charset="2"/>
+              </a:rPr>
+              <a:t>Convenience &amp; Entertainment</a:t>
+            </a:r>
+          </a:p>
+          <a:p>
+            <a:pPr marL="495300" lvl="3" indent="-285750">
+              <a:buFont typeface="Arial" panose="020B0604020202020204" pitchFamily="34" charset="0"/>
+              <a:buChar char="•"/>
+            </a:pPr>
+            <a:r>
+              <a:rPr lang="de-DE" dirty="0">
+                <a:solidFill>
+                  <a:schemeClr val="tx1">
+                    <a:lumMod val="85000"/>
+                    <a:lumOff val="15000"/>
+                  </a:schemeClr>
+                </a:solidFill>
+                <a:latin typeface="+mj-lt"/>
+                <a:ea typeface="Yu Gothic" panose="020B0400000000000000" pitchFamily="34" charset="-128"/>
+                <a:cs typeface="Calibri Light" panose="020F0302020204030204" pitchFamily="34" charset="0"/>
+                <a:sym typeface="Wingdings" panose="05000000000000000000" pitchFamily="2" charset="2"/>
+              </a:rPr>
+              <a:t>HVAC/</a:t>
+            </a:r>
+            <a:r>
+              <a:rPr lang="de-DE" dirty="0" err="1">
+                <a:solidFill>
+                  <a:schemeClr val="tx1">
+                    <a:lumMod val="85000"/>
+                    <a:lumOff val="15000"/>
+                  </a:schemeClr>
+                </a:solidFill>
+                <a:latin typeface="+mj-lt"/>
+                <a:ea typeface="Yu Gothic" panose="020B0400000000000000" pitchFamily="34" charset="-128"/>
+                <a:cs typeface="Calibri Light" panose="020F0302020204030204" pitchFamily="34" charset="0"/>
+                <a:sym typeface="Wingdings" panose="05000000000000000000" pitchFamily="2" charset="2"/>
+              </a:rPr>
+              <a:t>Climate</a:t>
+            </a:r>
+            <a:endParaRPr lang="de-DE" dirty="0">
+              <a:solidFill>
+                <a:schemeClr val="tx1">
+                  <a:lumMod val="85000"/>
+                  <a:lumOff val="15000"/>
+                </a:schemeClr>
+              </a:solidFill>
+              <a:latin typeface="+mj-lt"/>
+              <a:ea typeface="Yu Gothic" panose="020B0400000000000000" pitchFamily="34" charset="-128"/>
+              <a:cs typeface="Calibri Light" panose="020F0302020204030204" pitchFamily="34" charset="0"/>
+            </a:endParaRPr>
+          </a:p>
+          <a:p>
+            <a:pPr marL="0" indent="0">
+              <a:buNone/>
+            </a:pPr>
+            <a:endParaRPr lang="de-DE" dirty="0">
+              <a:solidFill>
+                <a:schemeClr val="tx1">
+                  <a:lumMod val="85000"/>
+                  <a:lumOff val="15000"/>
+                </a:schemeClr>
+              </a:solidFill>
+              <a:latin typeface="+mj-lt"/>
+              <a:ea typeface="Yu Gothic" panose="020B0400000000000000" pitchFamily="34" charset="-128"/>
+              <a:cs typeface="Calibri Light" panose="020F0302020204030204" pitchFamily="34" charset="0"/>
+            </a:endParaRPr>
+          </a:p>
+          <a:p>
+            <a:pPr marL="0" indent="0">
+              <a:buNone/>
+            </a:pPr>
+            <a:r>
+              <a:rPr lang="de-DE" dirty="0" err="1">
+                <a:solidFill>
+                  <a:schemeClr val="tx1">
+                    <a:lumMod val="85000"/>
+                    <a:lumOff val="15000"/>
+                  </a:schemeClr>
+                </a:solidFill>
+                <a:latin typeface="+mj-lt"/>
+                <a:ea typeface="Yu Gothic" panose="020B0400000000000000" pitchFamily="34" charset="-128"/>
+                <a:cs typeface="Calibri Light" panose="020F0302020204030204" pitchFamily="34" charset="0"/>
+              </a:rPr>
+              <a:t>Healthcare</a:t>
+            </a:r>
+            <a:r>
+              <a:rPr lang="de-DE" dirty="0">
+                <a:solidFill>
+                  <a:schemeClr val="tx1">
+                    <a:lumMod val="85000"/>
+                    <a:lumOff val="15000"/>
+                  </a:schemeClr>
+                </a:solidFill>
+                <a:latin typeface="+mj-lt"/>
+                <a:ea typeface="Yu Gothic" panose="020B0400000000000000" pitchFamily="34" charset="-128"/>
+                <a:cs typeface="Calibri Light" panose="020F0302020204030204" pitchFamily="34" charset="0"/>
+              </a:rPr>
+              <a:t> &amp; Life Science</a:t>
+            </a:r>
+          </a:p>
+          <a:p>
+            <a:pPr marL="285750" indent="-285750">
+              <a:buFont typeface="Arial" panose="020B0604020202020204" pitchFamily="34" charset="0"/>
+              <a:buChar char="•"/>
+            </a:pPr>
+            <a:r>
+              <a:rPr lang="de-DE" dirty="0">
+                <a:solidFill>
+                  <a:schemeClr val="tx1">
+                    <a:lumMod val="85000"/>
+                    <a:lumOff val="15000"/>
+                  </a:schemeClr>
+                </a:solidFill>
+                <a:latin typeface="+mj-lt"/>
+                <a:ea typeface="Yu Gothic" panose="020B0400000000000000" pitchFamily="34" charset="-128"/>
+                <a:cs typeface="Calibri Light" panose="020F0302020204030204" pitchFamily="34" charset="0"/>
+                <a:sym typeface="Wingdings" panose="05000000000000000000" pitchFamily="2" charset="2"/>
+              </a:rPr>
+              <a:t>In Vivo / Home</a:t>
+            </a:r>
+          </a:p>
+          <a:p>
+            <a:pPr marL="495300" lvl="3" indent="-285750">
+              <a:buFont typeface="Arial" panose="020B0604020202020204" pitchFamily="34" charset="0"/>
+              <a:buChar char="•"/>
+            </a:pPr>
+            <a:r>
+              <a:rPr lang="de-DE" dirty="0">
+                <a:solidFill>
+                  <a:schemeClr val="tx1">
+                    <a:lumMod val="85000"/>
+                    <a:lumOff val="15000"/>
+                  </a:schemeClr>
+                </a:solidFill>
+                <a:latin typeface="+mj-lt"/>
+                <a:ea typeface="Yu Gothic" panose="020B0400000000000000" pitchFamily="34" charset="-128"/>
+                <a:cs typeface="Calibri Light" panose="020F0302020204030204" pitchFamily="34" charset="0"/>
+              </a:rPr>
+              <a:t>Home Monitoring Systems</a:t>
+            </a:r>
+          </a:p>
+          <a:p>
+            <a:pPr marL="0" indent="0">
+              <a:buNone/>
+            </a:pPr>
+            <a:endParaRPr lang="de-DE" dirty="0">
+              <a:latin typeface="+mj-lt"/>
+            </a:endParaRPr>
+          </a:p>
+          <a:p>
+            <a:pPr marL="0" indent="0">
+              <a:buNone/>
+            </a:pPr>
+            <a:endParaRPr lang="de-DE" dirty="0">
+              <a:latin typeface="+mj-lt"/>
+            </a:endParaRPr>
+          </a:p>
+        </p:txBody>
+      </p:sp>
+      <p:sp>
+        <p:nvSpPr>
+          <p:cNvPr id="4" name="Titel 3"/>
+          <p:cNvSpPr>
+            <a:spLocks noGrp="1"/>
+          </p:cNvSpPr>
+          <p:nvPr>
+            <p:ph type="title"/>
+          </p:nvPr>
+        </p:nvSpPr>
+        <p:spPr/>
+        <p:txBody>
+          <a:bodyPr/>
+          <a:lstStyle/>
+          <a:p>
+            <a:r>
+              <a:rPr lang="de-DE" dirty="0"/>
+              <a:t>Ansiedlung im IoT</a:t>
+            </a:r>
+          </a:p>
+        </p:txBody>
+      </p:sp>
+      <p:sp>
+        <p:nvSpPr>
+          <p:cNvPr id="5" name="Fußzeilenplatzhalter 4"/>
+          <p:cNvSpPr>
+            <a:spLocks noGrp="1"/>
+          </p:cNvSpPr>
+          <p:nvPr>
+            <p:ph type="ftr" sz="quarter" idx="16"/>
+          </p:nvPr>
+        </p:nvSpPr>
+        <p:spPr/>
+        <p:txBody>
+          <a:bodyPr/>
+          <a:lstStyle/>
+          <a:p>
+            <a:r>
+              <a:rPr lang="de-DE" altLang="de-DE"/>
+              <a:t>Hochschule Mannheim | Julia Geigl, Klemens Behr, Kevin Höfle</a:t>
+            </a:r>
+            <a:endParaRPr lang="de-DE" altLang="de-DE" dirty="0"/>
+          </a:p>
+        </p:txBody>
+      </p:sp>
+      <p:pic>
+        <p:nvPicPr>
+          <p:cNvPr id="7" name="Picture 2" descr="http://www.erporate.com/wp-content/uploads/2015/12/internet-of-thing-sector.png"/>
+          <p:cNvPicPr>
+            <a:picLocks noChangeAspect="1" noChangeArrowheads="1"/>
+          </p:cNvPicPr>
+          <p:nvPr/>
+        </p:nvPicPr>
+        <p:blipFill>
+          <a:blip r:embed="rId3">
+            <a:extLst>
+              <a:ext uri="{28A0092B-C50C-407E-A947-70E740481C1C}">
+                <a14:useLocalDpi xmlns:a14="http://schemas.microsoft.com/office/drawing/2010/main" val="0"/>
+              </a:ext>
+            </a:extLst>
+          </a:blip>
+          <a:srcRect/>
+          <a:stretch>
+            <a:fillRect/>
+          </a:stretch>
+        </p:blipFill>
+        <p:spPr bwMode="auto">
+          <a:xfrm>
+            <a:off x="755576" y="1952836"/>
+            <a:ext cx="4750794" cy="2931340"/>
+          </a:xfrm>
+          <a:prstGeom prst="rect">
+            <a:avLst/>
+          </a:prstGeom>
+          <a:ln w="38100" cap="sq">
+            <a:solidFill>
+              <a:srgbClr val="000000"/>
+            </a:solidFill>
+            <a:prstDash val="solid"/>
+            <a:miter lim="800000"/>
+          </a:ln>
+          <a:effectLst>
+            <a:outerShdw blurRad="50800" dist="38100" dir="2700000" algn="tl" rotWithShape="0">
+              <a:srgbClr val="000000">
+                <a:alpha val="43000"/>
+              </a:srgbClr>
+            </a:outerShdw>
+          </a:effectLst>
+          <a:extLst>
+            <a:ext uri="{909E8E84-426E-40DD-AFC4-6F175D3DCCD1}">
+              <a14:hiddenFill xmlns:a14="http://schemas.microsoft.com/office/drawing/2010/main">
+                <a:solidFill>
+                  <a:srgbClr val="FFFFFF"/>
+                </a:solidFill>
+              </a14:hiddenFill>
+            </a:ext>
+          </a:extLst>
+        </p:spPr>
+      </p:pic>
+      <p:sp>
+        <p:nvSpPr>
+          <p:cNvPr id="12" name="Textfeld 11"/>
+          <p:cNvSpPr txBox="1"/>
+          <p:nvPr/>
+        </p:nvSpPr>
+        <p:spPr>
+          <a:xfrm>
+            <a:off x="215516" y="4884788"/>
+            <a:ext cx="1313304" cy="369332"/>
+          </a:xfrm>
+          <a:prstGeom prst="rect">
+            <a:avLst/>
+          </a:prstGeom>
+          <a:noFill/>
+        </p:spPr>
+        <p:txBody>
+          <a:bodyPr wrap="square" rtlCol="0">
+            <a:spAutoFit/>
+          </a:bodyPr>
+          <a:lstStyle/>
+          <a:p>
+            <a:r>
+              <a:rPr lang="de-DE" dirty="0"/>
+              <a:t>[1]</a:t>
+            </a:r>
+          </a:p>
+        </p:txBody>
+      </p:sp>
+    </p:spTree>
+    <p:extLst>
+      <p:ext uri="{BB962C8B-B14F-4D97-AF65-F5344CB8AC3E}">
+        <p14:creationId xmlns:p14="http://schemas.microsoft.com/office/powerpoint/2010/main" val="3262197473"/>
+      </p:ext>
+    </p:extLst>
+  </p:cSld>
+  <p:clrMapOvr>
+    <a:masterClrMapping/>
+  </p:clrMapOvr>
+  <p:transition/>
+</p:sld>
+</file>
+
+<file path=ppt/slides/slide50.xml><?xml version="1.0" encoding="utf-8"?>
+<p:sld xmlns:a="http://schemas.openxmlformats.org/drawingml/2006/main" xmlns:r="http://schemas.openxmlformats.org/officeDocument/2006/relationships" xmlns:p="http://schemas.openxmlformats.org/presentationml/2006/main">
+  <p:cSld>
+    <p:spTree>
+      <p:nvGrpSpPr>
+        <p:cNvPr id="1" name=""/>
+        <p:cNvGrpSpPr/>
+        <p:nvPr/>
+      </p:nvGrpSpPr>
+      <p:grpSpPr>
+        <a:xfrm>
+          <a:off x="0" y="0"/>
+          <a:ext cx="0" cy="0"/>
+          <a:chOff x="0" y="0"/>
+          <a:chExt cx="0" cy="0"/>
+        </a:xfrm>
+      </p:grpSpPr>
+      <p:sp>
+        <p:nvSpPr>
+          <p:cNvPr id="2" name="Foliennummernplatzhalter 1"/>
+          <p:cNvSpPr>
+            <a:spLocks noGrp="1"/>
+          </p:cNvSpPr>
+          <p:nvPr>
+            <p:ph type="sldNum" sz="quarter" idx="11"/>
+          </p:nvPr>
+        </p:nvSpPr>
+        <p:spPr/>
+        <p:txBody>
+          <a:bodyPr/>
+          <a:lstStyle/>
+          <a:p>
+            <a:fld id="{57D12BB6-0ED4-46B6-AB23-7758AD07EFBF}" type="slidenum">
+              <a:rPr lang="de-DE" smtClean="0"/>
+              <a:pPr/>
+              <a:t>50</a:t>
             </a:fld>
             <a:endParaRPr lang="de-DE" dirty="0"/>
           </a:p>
@@ -22939,7 +25293,7 @@
 </p:sld>
 </file>
 
-<file path=ppt/slides/slide48.xml><?xml version="1.0" encoding="utf-8"?>
+<file path=ppt/slides/slide51.xml><?xml version="1.0" encoding="utf-8"?>
 <p:sld xmlns:a="http://schemas.openxmlformats.org/drawingml/2006/main" xmlns:r="http://schemas.openxmlformats.org/officeDocument/2006/relationships" xmlns:p="http://schemas.openxmlformats.org/presentationml/2006/main" show="0">
   <p:cSld>
     <p:spTree>
@@ -22974,7 +25328,7 @@
             <a:fld id="{57D12BB6-0ED4-46B6-AB23-7758AD07EFBF}" type="slidenum">
               <a:rPr lang="de-DE" smtClean="0"/>
               <a:pPr/>
-              <a:t>48</a:t>
+              <a:t>51</a:t>
             </a:fld>
             <a:endParaRPr lang="de-DE" dirty="0"/>
           </a:p>
@@ -23592,7 +25946,7 @@
 </p:sld>
 </file>
 
-<file path=ppt/slides/slide49.xml><?xml version="1.0" encoding="utf-8"?>
+<file path=ppt/slides/slide52.xml><?xml version="1.0" encoding="utf-8"?>
 <p:sld xmlns:a="http://schemas.openxmlformats.org/drawingml/2006/main" xmlns:r="http://schemas.openxmlformats.org/officeDocument/2006/relationships" xmlns:p="http://schemas.openxmlformats.org/presentationml/2006/main" show="0">
   <p:cSld>
     <p:spTree>
@@ -23627,7 +25981,7 @@
             <a:fld id="{57D12BB6-0ED4-46B6-AB23-7758AD07EFBF}" type="slidenum">
               <a:rPr lang="de-DE" smtClean="0"/>
               <a:pPr/>
-              <a:t>49</a:t>
+              <a:t>52</a:t>
             </a:fld>
             <a:endParaRPr lang="de-DE" dirty="0"/>
           </a:p>
@@ -23728,404 +26082,7 @@
 </p:sld>
 </file>
 
-<file path=ppt/slides/slide5.xml><?xml version="1.0" encoding="utf-8"?>
-<p:sld xmlns:a="http://schemas.openxmlformats.org/drawingml/2006/main" xmlns:r="http://schemas.openxmlformats.org/officeDocument/2006/relationships" xmlns:p="http://schemas.openxmlformats.org/presentationml/2006/main">
-  <p:cSld>
-    <p:spTree>
-      <p:nvGrpSpPr>
-        <p:cNvPr id="1" name=""/>
-        <p:cNvGrpSpPr/>
-        <p:nvPr/>
-      </p:nvGrpSpPr>
-      <p:grpSpPr>
-        <a:xfrm>
-          <a:off x="0" y="0"/>
-          <a:ext cx="0" cy="0"/>
-          <a:chOff x="0" y="0"/>
-          <a:chExt cx="0" cy="0"/>
-        </a:xfrm>
-      </p:grpSpPr>
-      <p:sp>
-        <p:nvSpPr>
-          <p:cNvPr id="2" name="Foliennummernplatzhalter 1"/>
-          <p:cNvSpPr>
-            <a:spLocks noGrp="1"/>
-          </p:cNvSpPr>
-          <p:nvPr>
-            <p:ph type="sldNum" sz="quarter" idx="11"/>
-          </p:nvPr>
-        </p:nvSpPr>
-        <p:spPr/>
-        <p:txBody>
-          <a:bodyPr/>
-          <a:lstStyle/>
-          <a:p>
-            <a:fld id="{57D12BB6-0ED4-46B6-AB23-7758AD07EFBF}" type="slidenum">
-              <a:rPr lang="de-DE" smtClean="0"/>
-              <a:pPr/>
-              <a:t>5</a:t>
-            </a:fld>
-            <a:endParaRPr lang="de-DE" dirty="0"/>
-          </a:p>
-        </p:txBody>
-      </p:sp>
-      <p:sp>
-        <p:nvSpPr>
-          <p:cNvPr id="3" name="Textplatzhalter 2"/>
-          <p:cNvSpPr>
-            <a:spLocks noGrp="1"/>
-          </p:cNvSpPr>
-          <p:nvPr>
-            <p:ph type="body" sz="quarter" idx="15"/>
-          </p:nvPr>
-        </p:nvSpPr>
-        <p:spPr>
-          <a:xfrm>
-            <a:off x="5725978" y="2024844"/>
-            <a:ext cx="7740650" cy="3944938"/>
-          </a:xfrm>
-        </p:spPr>
-        <p:txBody>
-          <a:bodyPr/>
-          <a:lstStyle/>
-          <a:p>
-            <a:pPr marL="0" indent="0">
-              <a:buNone/>
-            </a:pPr>
-            <a:r>
-              <a:rPr lang="de-DE" dirty="0">
-                <a:solidFill>
-                  <a:schemeClr val="tx1">
-                    <a:lumMod val="85000"/>
-                    <a:lumOff val="15000"/>
-                  </a:schemeClr>
-                </a:solidFill>
-                <a:latin typeface="+mj-lt"/>
-                <a:ea typeface="Yu Gothic" panose="020B0400000000000000" pitchFamily="34" charset="-128"/>
-                <a:cs typeface="Calibri Light" panose="020F0302020204030204" pitchFamily="34" charset="0"/>
-              </a:rPr>
-              <a:t>Consumer &amp; Home</a:t>
-            </a:r>
-          </a:p>
-          <a:p>
-            <a:pPr marL="285750" indent="-285750">
-              <a:buFont typeface="Arial" panose="020B0604020202020204" pitchFamily="34" charset="0"/>
-              <a:buChar char="•"/>
-            </a:pPr>
-            <a:r>
-              <a:rPr lang="de-DE" dirty="0">
-                <a:solidFill>
-                  <a:schemeClr val="tx1">
-                    <a:lumMod val="85000"/>
-                    <a:lumOff val="15000"/>
-                  </a:schemeClr>
-                </a:solidFill>
-                <a:latin typeface="+mj-lt"/>
-                <a:ea typeface="Yu Gothic" panose="020B0400000000000000" pitchFamily="34" charset="-128"/>
-                <a:cs typeface="Calibri Light" panose="020F0302020204030204" pitchFamily="34" charset="0"/>
-                <a:sym typeface="Wingdings" panose="05000000000000000000" pitchFamily="2" charset="2"/>
-              </a:rPr>
-              <a:t>Convenience &amp; Entertainment</a:t>
-            </a:r>
-          </a:p>
-          <a:p>
-            <a:pPr marL="495300" lvl="3" indent="-285750">
-              <a:buFont typeface="Arial" panose="020B0604020202020204" pitchFamily="34" charset="0"/>
-              <a:buChar char="•"/>
-            </a:pPr>
-            <a:r>
-              <a:rPr lang="de-DE" dirty="0">
-                <a:solidFill>
-                  <a:schemeClr val="tx1">
-                    <a:lumMod val="85000"/>
-                    <a:lumOff val="15000"/>
-                  </a:schemeClr>
-                </a:solidFill>
-                <a:latin typeface="+mj-lt"/>
-                <a:ea typeface="Yu Gothic" panose="020B0400000000000000" pitchFamily="34" charset="-128"/>
-                <a:cs typeface="Calibri Light" panose="020F0302020204030204" pitchFamily="34" charset="0"/>
-                <a:sym typeface="Wingdings" panose="05000000000000000000" pitchFamily="2" charset="2"/>
-              </a:rPr>
-              <a:t>HVAC/</a:t>
-            </a:r>
-            <a:r>
-              <a:rPr lang="de-DE" dirty="0" err="1">
-                <a:solidFill>
-                  <a:schemeClr val="tx1">
-                    <a:lumMod val="85000"/>
-                    <a:lumOff val="15000"/>
-                  </a:schemeClr>
-                </a:solidFill>
-                <a:latin typeface="+mj-lt"/>
-                <a:ea typeface="Yu Gothic" panose="020B0400000000000000" pitchFamily="34" charset="-128"/>
-                <a:cs typeface="Calibri Light" panose="020F0302020204030204" pitchFamily="34" charset="0"/>
-                <a:sym typeface="Wingdings" panose="05000000000000000000" pitchFamily="2" charset="2"/>
-              </a:rPr>
-              <a:t>Climate</a:t>
-            </a:r>
-            <a:endParaRPr lang="de-DE" dirty="0">
-              <a:solidFill>
-                <a:schemeClr val="tx1">
-                  <a:lumMod val="85000"/>
-                  <a:lumOff val="15000"/>
-                </a:schemeClr>
-              </a:solidFill>
-              <a:latin typeface="+mj-lt"/>
-              <a:ea typeface="Yu Gothic" panose="020B0400000000000000" pitchFamily="34" charset="-128"/>
-              <a:cs typeface="Calibri Light" panose="020F0302020204030204" pitchFamily="34" charset="0"/>
-            </a:endParaRPr>
-          </a:p>
-          <a:p>
-            <a:pPr marL="0" indent="0">
-              <a:buNone/>
-            </a:pPr>
-            <a:endParaRPr lang="de-DE" dirty="0">
-              <a:solidFill>
-                <a:schemeClr val="tx1">
-                  <a:lumMod val="85000"/>
-                  <a:lumOff val="15000"/>
-                </a:schemeClr>
-              </a:solidFill>
-              <a:latin typeface="+mj-lt"/>
-              <a:ea typeface="Yu Gothic" panose="020B0400000000000000" pitchFamily="34" charset="-128"/>
-              <a:cs typeface="Calibri Light" panose="020F0302020204030204" pitchFamily="34" charset="0"/>
-            </a:endParaRPr>
-          </a:p>
-          <a:p>
-            <a:pPr marL="0" indent="0">
-              <a:buNone/>
-            </a:pPr>
-            <a:r>
-              <a:rPr lang="de-DE" dirty="0" err="1">
-                <a:solidFill>
-                  <a:schemeClr val="tx1">
-                    <a:lumMod val="85000"/>
-                    <a:lumOff val="15000"/>
-                  </a:schemeClr>
-                </a:solidFill>
-                <a:latin typeface="+mj-lt"/>
-                <a:ea typeface="Yu Gothic" panose="020B0400000000000000" pitchFamily="34" charset="-128"/>
-                <a:cs typeface="Calibri Light" panose="020F0302020204030204" pitchFamily="34" charset="0"/>
-              </a:rPr>
-              <a:t>Healthcare</a:t>
-            </a:r>
-            <a:r>
-              <a:rPr lang="de-DE" dirty="0">
-                <a:solidFill>
-                  <a:schemeClr val="tx1">
-                    <a:lumMod val="85000"/>
-                    <a:lumOff val="15000"/>
-                  </a:schemeClr>
-                </a:solidFill>
-                <a:latin typeface="+mj-lt"/>
-                <a:ea typeface="Yu Gothic" panose="020B0400000000000000" pitchFamily="34" charset="-128"/>
-                <a:cs typeface="Calibri Light" panose="020F0302020204030204" pitchFamily="34" charset="0"/>
-              </a:rPr>
-              <a:t> &amp; Life Science</a:t>
-            </a:r>
-          </a:p>
-          <a:p>
-            <a:pPr marL="285750" indent="-285750">
-              <a:buFont typeface="Arial" panose="020B0604020202020204" pitchFamily="34" charset="0"/>
-              <a:buChar char="•"/>
-            </a:pPr>
-            <a:r>
-              <a:rPr lang="de-DE" dirty="0">
-                <a:solidFill>
-                  <a:schemeClr val="tx1">
-                    <a:lumMod val="85000"/>
-                    <a:lumOff val="15000"/>
-                  </a:schemeClr>
-                </a:solidFill>
-                <a:latin typeface="+mj-lt"/>
-                <a:ea typeface="Yu Gothic" panose="020B0400000000000000" pitchFamily="34" charset="-128"/>
-                <a:cs typeface="Calibri Light" panose="020F0302020204030204" pitchFamily="34" charset="0"/>
-                <a:sym typeface="Wingdings" panose="05000000000000000000" pitchFamily="2" charset="2"/>
-              </a:rPr>
-              <a:t>In Vivo / Home</a:t>
-            </a:r>
-          </a:p>
-          <a:p>
-            <a:pPr marL="495300" lvl="3" indent="-285750">
-              <a:buFont typeface="Arial" panose="020B0604020202020204" pitchFamily="34" charset="0"/>
-              <a:buChar char="•"/>
-            </a:pPr>
-            <a:r>
-              <a:rPr lang="de-DE" dirty="0">
-                <a:solidFill>
-                  <a:schemeClr val="tx1">
-                    <a:lumMod val="85000"/>
-                    <a:lumOff val="15000"/>
-                  </a:schemeClr>
-                </a:solidFill>
-                <a:latin typeface="+mj-lt"/>
-                <a:ea typeface="Yu Gothic" panose="020B0400000000000000" pitchFamily="34" charset="-128"/>
-                <a:cs typeface="Calibri Light" panose="020F0302020204030204" pitchFamily="34" charset="0"/>
-              </a:rPr>
-              <a:t>Home Monitoring Systems</a:t>
-            </a:r>
-          </a:p>
-          <a:p>
-            <a:pPr marL="0" indent="0">
-              <a:buNone/>
-            </a:pPr>
-            <a:endParaRPr lang="de-DE" dirty="0">
-              <a:latin typeface="+mj-lt"/>
-            </a:endParaRPr>
-          </a:p>
-          <a:p>
-            <a:pPr marL="0" indent="0">
-              <a:buNone/>
-            </a:pPr>
-            <a:endParaRPr lang="de-DE" dirty="0">
-              <a:latin typeface="+mj-lt"/>
-            </a:endParaRPr>
-          </a:p>
-        </p:txBody>
-      </p:sp>
-      <p:sp>
-        <p:nvSpPr>
-          <p:cNvPr id="4" name="Titel 3"/>
-          <p:cNvSpPr>
-            <a:spLocks noGrp="1"/>
-          </p:cNvSpPr>
-          <p:nvPr>
-            <p:ph type="title"/>
-          </p:nvPr>
-        </p:nvSpPr>
-        <p:spPr/>
-        <p:txBody>
-          <a:bodyPr/>
-          <a:lstStyle/>
-          <a:p>
-            <a:r>
-              <a:rPr lang="de-DE" dirty="0"/>
-              <a:t>Ansiedlung im IoT</a:t>
-            </a:r>
-          </a:p>
-        </p:txBody>
-      </p:sp>
-      <p:sp>
-        <p:nvSpPr>
-          <p:cNvPr id="5" name="Fußzeilenplatzhalter 4"/>
-          <p:cNvSpPr>
-            <a:spLocks noGrp="1"/>
-          </p:cNvSpPr>
-          <p:nvPr>
-            <p:ph type="ftr" sz="quarter" idx="16"/>
-          </p:nvPr>
-        </p:nvSpPr>
-        <p:spPr/>
-        <p:txBody>
-          <a:bodyPr/>
-          <a:lstStyle/>
-          <a:p>
-            <a:r>
-              <a:rPr lang="de-DE" altLang="de-DE"/>
-              <a:t>Hochschule Mannheim | Julia Geigl, Klemens Behr, Kevin Höfle</a:t>
-            </a:r>
-            <a:endParaRPr lang="de-DE" altLang="de-DE" dirty="0"/>
-          </a:p>
-        </p:txBody>
-      </p:sp>
-      <p:pic>
-        <p:nvPicPr>
-          <p:cNvPr id="7" name="Picture 2" descr="http://www.erporate.com/wp-content/uploads/2015/12/internet-of-thing-sector.png"/>
-          <p:cNvPicPr>
-            <a:picLocks noChangeAspect="1" noChangeArrowheads="1"/>
-          </p:cNvPicPr>
-          <p:nvPr/>
-        </p:nvPicPr>
-        <p:blipFill>
-          <a:blip r:embed="rId3">
-            <a:extLst>
-              <a:ext uri="{28A0092B-C50C-407E-A947-70E740481C1C}">
-                <a14:useLocalDpi xmlns:a14="http://schemas.microsoft.com/office/drawing/2010/main" val="0"/>
-              </a:ext>
-            </a:extLst>
-          </a:blip>
-          <a:srcRect/>
-          <a:stretch>
-            <a:fillRect/>
-          </a:stretch>
-        </p:blipFill>
-        <p:spPr bwMode="auto">
-          <a:xfrm>
-            <a:off x="755576" y="1952836"/>
-            <a:ext cx="4750794" cy="2931340"/>
-          </a:xfrm>
-          <a:prstGeom prst="rect">
-            <a:avLst/>
-          </a:prstGeom>
-          <a:ln w="38100" cap="sq">
-            <a:solidFill>
-              <a:srgbClr val="000000"/>
-            </a:solidFill>
-            <a:prstDash val="solid"/>
-            <a:miter lim="800000"/>
-          </a:ln>
-          <a:effectLst>
-            <a:outerShdw blurRad="50800" dist="38100" dir="2700000" algn="tl" rotWithShape="0">
-              <a:srgbClr val="000000">
-                <a:alpha val="43000"/>
-              </a:srgbClr>
-            </a:outerShdw>
-          </a:effectLst>
-          <a:extLst>
-            <a:ext uri="{909E8E84-426E-40DD-AFC4-6F175D3DCCD1}">
-              <a14:hiddenFill xmlns:a14="http://schemas.microsoft.com/office/drawing/2010/main">
-                <a:solidFill>
-                  <a:srgbClr val="FFFFFF"/>
-                </a:solidFill>
-              </a14:hiddenFill>
-            </a:ext>
-          </a:extLst>
-        </p:spPr>
-      </p:pic>
-      <p:sp>
-        <p:nvSpPr>
-          <p:cNvPr id="12" name="Textfeld 11"/>
-          <p:cNvSpPr txBox="1"/>
-          <p:nvPr/>
-        </p:nvSpPr>
-        <p:spPr>
-          <a:xfrm>
-            <a:off x="215516" y="4884788"/>
-            <a:ext cx="1313304" cy="369332"/>
-          </a:xfrm>
-          <a:prstGeom prst="rect">
-            <a:avLst/>
-          </a:prstGeom>
-          <a:noFill/>
-        </p:spPr>
-        <p:txBody>
-          <a:bodyPr wrap="square" rtlCol="0">
-            <a:spAutoFit/>
-          </a:bodyPr>
-          <a:lstStyle/>
-          <a:p>
-            <a:r>
-              <a:rPr lang="de-DE" dirty="0"/>
-              <a:t>[1]</a:t>
-            </a:r>
-          </a:p>
-        </p:txBody>
-      </p:sp>
-    </p:spTree>
-    <p:extLst>
-      <p:ext uri="{BB962C8B-B14F-4D97-AF65-F5344CB8AC3E}">
-        <p14:creationId xmlns:p14="http://schemas.microsoft.com/office/powerpoint/2010/main" val="3262197473"/>
-      </p:ext>
-    </p:extLst>
-  </p:cSld>
-  <p:clrMapOvr>
-    <a:masterClrMapping/>
-  </p:clrMapOvr>
-  <p:transition/>
-</p:sld>
-</file>
-
-<file path=ppt/slides/slide50.xml><?xml version="1.0" encoding="utf-8"?>
+<file path=ppt/slides/slide53.xml><?xml version="1.0" encoding="utf-8"?>
 <p:sld xmlns:a="http://schemas.openxmlformats.org/drawingml/2006/main" xmlns:r="http://schemas.openxmlformats.org/officeDocument/2006/relationships" xmlns:p="http://schemas.openxmlformats.org/presentationml/2006/main" show="0">
   <p:cSld>
     <p:spTree>
@@ -24160,7 +26117,7 @@
             <a:fld id="{57D12BB6-0ED4-46B6-AB23-7758AD07EFBF}" type="slidenum">
               <a:rPr lang="de-DE" smtClean="0"/>
               <a:pPr/>
-              <a:t>50</a:t>
+              <a:t>53</a:t>
             </a:fld>
             <a:endParaRPr lang="de-DE" dirty="0"/>
           </a:p>

--- a/PES_FH_VERS.pptx
+++ b/PES_FH_VERS.pptx
@@ -14544,6 +14544,45 @@
           </a:p>
         </p:txBody>
       </p:sp>
+      <p:sp>
+        <p:nvSpPr>
+          <p:cNvPr id="7" name="Textfeld 6"/>
+          <p:cNvSpPr txBox="1"/>
+          <p:nvPr/>
+        </p:nvSpPr>
+        <p:spPr>
+          <a:xfrm>
+            <a:off x="8163192" y="6157891"/>
+            <a:ext cx="1117264" cy="300210"/>
+          </a:xfrm>
+          <a:prstGeom prst="rect">
+            <a:avLst/>
+          </a:prstGeom>
+          <a:noFill/>
+        </p:spPr>
+        <p:txBody>
+          <a:bodyPr wrap="square" rtlCol="0">
+            <a:spAutoFit/>
+          </a:bodyPr>
+          <a:lstStyle/>
+          <a:p>
+            <a:r>
+              <a:rPr lang="de-DE" sz="1351" dirty="0">
+                <a:solidFill>
+                  <a:schemeClr val="tx1">
+                    <a:lumMod val="85000"/>
+                    <a:lumOff val="15000"/>
+                  </a:schemeClr>
+                </a:solidFill>
+                <a:latin typeface="Yu Gothic" panose="020B0400000000000000" pitchFamily="34" charset="-128"/>
+                <a:ea typeface="Yu Gothic" panose="020B0400000000000000" pitchFamily="34" charset="-128"/>
+                <a:cs typeface="Calibri Light" panose="020F0302020204030204" pitchFamily="34" charset="0"/>
+              </a:rPr>
+              <a:t>[4]</a:t>
+            </a:r>
+          </a:p>
+        </p:txBody>
+      </p:sp>
     </p:spTree>
     <p:extLst>
       <p:ext uri="{BB962C8B-B14F-4D97-AF65-F5344CB8AC3E}">
@@ -14710,6 +14749,45 @@
               <a:t>Hochschule Mannheim | Julia Geigl, Klemens Behr, Kevin Höfle</a:t>
             </a:r>
             <a:endParaRPr lang="de-DE" altLang="de-DE" dirty="0"/>
+          </a:p>
+        </p:txBody>
+      </p:sp>
+      <p:sp>
+        <p:nvSpPr>
+          <p:cNvPr id="6" name="Textfeld 5"/>
+          <p:cNvSpPr txBox="1"/>
+          <p:nvPr/>
+        </p:nvSpPr>
+        <p:spPr>
+          <a:xfrm>
+            <a:off x="8028484" y="6087183"/>
+            <a:ext cx="1117264" cy="300210"/>
+          </a:xfrm>
+          <a:prstGeom prst="rect">
+            <a:avLst/>
+          </a:prstGeom>
+          <a:noFill/>
+        </p:spPr>
+        <p:txBody>
+          <a:bodyPr wrap="square" rtlCol="0">
+            <a:spAutoFit/>
+          </a:bodyPr>
+          <a:lstStyle/>
+          <a:p>
+            <a:r>
+              <a:rPr lang="de-DE" sz="1351" dirty="0">
+                <a:solidFill>
+                  <a:schemeClr val="tx1">
+                    <a:lumMod val="85000"/>
+                    <a:lumOff val="15000"/>
+                  </a:schemeClr>
+                </a:solidFill>
+                <a:latin typeface="Yu Gothic" panose="020B0400000000000000" pitchFamily="34" charset="-128"/>
+                <a:ea typeface="Yu Gothic" panose="020B0400000000000000" pitchFamily="34" charset="-128"/>
+                <a:cs typeface="Calibri Light" panose="020F0302020204030204" pitchFamily="34" charset="0"/>
+              </a:rPr>
+              <a:t>[4]</a:t>
+            </a:r>
           </a:p>
         </p:txBody>
       </p:sp>
@@ -15724,6 +15802,45 @@
               <a:t>32</a:t>
             </a:r>
             <a:endParaRPr lang="de-DE" dirty="0"/>
+          </a:p>
+        </p:txBody>
+      </p:sp>
+      <p:sp>
+        <p:nvSpPr>
+          <p:cNvPr id="25" name="Textfeld 24"/>
+          <p:cNvSpPr txBox="1"/>
+          <p:nvPr/>
+        </p:nvSpPr>
+        <p:spPr>
+          <a:xfrm>
+            <a:off x="8163192" y="6093296"/>
+            <a:ext cx="1117264" cy="300210"/>
+          </a:xfrm>
+          <a:prstGeom prst="rect">
+            <a:avLst/>
+          </a:prstGeom>
+          <a:noFill/>
+        </p:spPr>
+        <p:txBody>
+          <a:bodyPr wrap="square" rtlCol="0">
+            <a:spAutoFit/>
+          </a:bodyPr>
+          <a:lstStyle/>
+          <a:p>
+            <a:r>
+              <a:rPr lang="de-DE" sz="1351" dirty="0">
+                <a:solidFill>
+                  <a:schemeClr val="tx1">
+                    <a:lumMod val="85000"/>
+                    <a:lumOff val="15000"/>
+                  </a:schemeClr>
+                </a:solidFill>
+                <a:latin typeface="Yu Gothic" panose="020B0400000000000000" pitchFamily="34" charset="-128"/>
+                <a:ea typeface="Yu Gothic" panose="020B0400000000000000" pitchFamily="34" charset="-128"/>
+                <a:cs typeface="Calibri Light" panose="020F0302020204030204" pitchFamily="34" charset="0"/>
+              </a:rPr>
+              <a:t>[4]</a:t>
+            </a:r>
           </a:p>
         </p:txBody>
       </p:sp>

--- a/PES_FH_VERS.pptx
+++ b/PES_FH_VERS.pptx
@@ -6,10 +6,10 @@
     <p:sldMasterId id="2147483666" r:id="rId2"/>
   </p:sldMasterIdLst>
   <p:notesMasterIdLst>
-    <p:notesMasterId r:id="rId56"/>
+    <p:notesMasterId r:id="rId57"/>
   </p:notesMasterIdLst>
   <p:handoutMasterIdLst>
-    <p:handoutMasterId r:id="rId57"/>
+    <p:handoutMasterId r:id="rId58"/>
   </p:handoutMasterIdLst>
   <p:sldIdLst>
     <p:sldId id="256" r:id="rId3"/>
@@ -60,11 +60,12 @@
     <p:sldId id="358" r:id="rId48"/>
     <p:sldId id="359" r:id="rId49"/>
     <p:sldId id="360" r:id="rId50"/>
-    <p:sldId id="337" r:id="rId51"/>
-    <p:sldId id="364" r:id="rId52"/>
-    <p:sldId id="329" r:id="rId53"/>
-    <p:sldId id="331" r:id="rId54"/>
-    <p:sldId id="336" r:id="rId55"/>
+    <p:sldId id="369" r:id="rId51"/>
+    <p:sldId id="337" r:id="rId52"/>
+    <p:sldId id="364" r:id="rId53"/>
+    <p:sldId id="329" r:id="rId54"/>
+    <p:sldId id="331" r:id="rId55"/>
+    <p:sldId id="336" r:id="rId56"/>
   </p:sldIdLst>
   <p:sldSz cx="9144000" cy="6858000" type="screen4x3"/>
   <p:notesSz cx="6858000" cy="9144000"/>
@@ -246,6 +247,7 @@
             <p14:sldId id="358"/>
             <p14:sldId id="359"/>
             <p14:sldId id="360"/>
+            <p14:sldId id="369"/>
             <p14:sldId id="337"/>
             <p14:sldId id="364"/>
             <p14:sldId id="329"/>
@@ -13101,6 +13103,97 @@
               <a:t>Hochschule Mannheim | Julia Geigl, Klemens Behr, Kevin Höfle</a:t>
             </a:r>
             <a:endParaRPr lang="de-DE" altLang="de-DE" dirty="0"/>
+          </a:p>
+        </p:txBody>
+      </p:sp>
+      <p:sp>
+        <p:nvSpPr>
+          <p:cNvPr id="6" name="Textfeld 5"/>
+          <p:cNvSpPr txBox="1"/>
+          <p:nvPr/>
+        </p:nvSpPr>
+        <p:spPr>
+          <a:xfrm>
+            <a:off x="683568" y="4833156"/>
+            <a:ext cx="8892988" cy="369332"/>
+          </a:xfrm>
+          <a:prstGeom prst="rect">
+            <a:avLst/>
+          </a:prstGeom>
+          <a:noFill/>
+        </p:spPr>
+        <p:txBody>
+          <a:bodyPr wrap="square" rtlCol="0">
+            <a:spAutoFit/>
+          </a:bodyPr>
+          <a:lstStyle/>
+          <a:p>
+            <a:pPr algn="l"/>
+            <a:r>
+              <a:rPr lang="de-DE" dirty="0">
+                <a:solidFill>
+                  <a:schemeClr val="bg1">
+                    <a:lumMod val="75000"/>
+                  </a:schemeClr>
+                </a:solidFill>
+              </a:rPr>
+              <a:t>Intro</a:t>
+            </a:r>
+            <a:r>
+              <a:rPr lang="de-DE" dirty="0" smtClean="0"/>
+              <a:t> </a:t>
+            </a:r>
+            <a:r>
+              <a:rPr lang="de-DE" dirty="0" err="1"/>
+              <a:t>Sensoren&amp;Bibliotheken</a:t>
+            </a:r>
+            <a:r>
+              <a:rPr lang="de-DE" dirty="0" smtClean="0">
+                <a:solidFill>
+                  <a:schemeClr val="bg1">
+                    <a:lumMod val="75000"/>
+                  </a:schemeClr>
+                </a:solidFill>
+              </a:rPr>
+              <a:t> Kommunikation Programmablauf </a:t>
+            </a:r>
+            <a:r>
+              <a:rPr lang="de-DE" dirty="0" err="1" smtClean="0">
+                <a:solidFill>
+                  <a:schemeClr val="bg1">
+                    <a:lumMod val="75000"/>
+                  </a:schemeClr>
+                </a:solidFill>
+              </a:rPr>
+              <a:t>IoT</a:t>
+            </a:r>
+            <a:r>
+              <a:rPr lang="de-DE" dirty="0" smtClean="0">
+                <a:solidFill>
+                  <a:schemeClr val="bg1">
+                    <a:lumMod val="75000"/>
+                  </a:schemeClr>
+                </a:solidFill>
+              </a:rPr>
+              <a:t> </a:t>
+            </a:r>
+            <a:r>
+              <a:rPr lang="de-DE" dirty="0" err="1" smtClean="0">
+                <a:solidFill>
+                  <a:schemeClr val="bg1">
+                    <a:lumMod val="75000"/>
+                  </a:schemeClr>
+                </a:solidFill>
+              </a:rPr>
+              <a:t>Platform</a:t>
+            </a:r>
+            <a:endParaRPr lang="en-GB" dirty="0">
+              <a:solidFill>
+                <a:schemeClr val="bg1">
+                  <a:lumMod val="75000"/>
+                </a:schemeClr>
+              </a:solidFill>
+            </a:endParaRPr>
           </a:p>
         </p:txBody>
       </p:sp>
@@ -15158,16 +15251,6 @@
               </a:rPr>
               <a:t>	</a:t>
             </a:r>
-            <a:endParaRPr kumimoji="0" lang="de-DE" sz="1800" b="0" i="0" u="none" strike="noStrike" cap="none" normalizeH="0" baseline="0" dirty="0" smtClean="0">
-              <a:ln>
-                <a:noFill/>
-              </a:ln>
-              <a:solidFill>
-                <a:schemeClr val="tx1"/>
-              </a:solidFill>
-              <a:effectLst/>
-              <a:latin typeface="Arial" charset="0"/>
-            </a:endParaRPr>
           </a:p>
         </p:txBody>
       </p:sp>
@@ -17160,8 +17243,13 @@
             <a:pPr algn="l"/>
             <a:r>
               <a:rPr lang="de-DE" dirty="0"/>
-              <a:t>Reaktionszeit: 6s</a:t>
-            </a:r>
+              <a:t>Reaktionszeit: </a:t>
+            </a:r>
+            <a:r>
+              <a:rPr lang="de-DE" dirty="0" smtClean="0"/>
+              <a:t>6s – 15s</a:t>
+            </a:r>
+            <a:endParaRPr lang="de-DE" dirty="0"/>
           </a:p>
         </p:txBody>
       </p:sp>
@@ -18146,7 +18234,7 @@
         </p:nvSpPr>
         <p:spPr>
           <a:xfrm>
-            <a:off x="683568" y="2816932"/>
+            <a:off x="680392" y="2420888"/>
             <a:ext cx="7164796" cy="863600"/>
           </a:xfrm>
         </p:spPr>
@@ -18155,9 +18243,10 @@
           <a:lstStyle/>
           <a:p>
             <a:r>
-              <a:rPr lang="de-DE" sz="11500" dirty="0"/>
-              <a:t>ESP</a:t>
-            </a:r>
+              <a:rPr lang="de-DE" sz="7200" dirty="0" smtClean="0"/>
+              <a:t>Kommunikation  ESP</a:t>
+            </a:r>
+            <a:endParaRPr lang="de-DE" sz="7200" dirty="0"/>
           </a:p>
         </p:txBody>
       </p:sp>
@@ -18181,6 +18270,117 @@
               <a:t>Hochschule Mannheim | Julia Geigl, Klemens Behr, Kevin Höfle</a:t>
             </a:r>
             <a:endParaRPr lang="de-DE" altLang="de-DE" dirty="0"/>
+          </a:p>
+        </p:txBody>
+      </p:sp>
+      <p:sp>
+        <p:nvSpPr>
+          <p:cNvPr id="6" name="Textfeld 5"/>
+          <p:cNvSpPr txBox="1"/>
+          <p:nvPr/>
+        </p:nvSpPr>
+        <p:spPr>
+          <a:xfrm>
+            <a:off x="683568" y="4833156"/>
+            <a:ext cx="8892988" cy="369332"/>
+          </a:xfrm>
+          <a:prstGeom prst="rect">
+            <a:avLst/>
+          </a:prstGeom>
+          <a:noFill/>
+        </p:spPr>
+        <p:txBody>
+          <a:bodyPr wrap="square" rtlCol="0">
+            <a:spAutoFit/>
+          </a:bodyPr>
+          <a:lstStyle/>
+          <a:p>
+            <a:pPr algn="l"/>
+            <a:r>
+              <a:rPr lang="de-DE" dirty="0">
+                <a:solidFill>
+                  <a:schemeClr val="bg1">
+                    <a:lumMod val="75000"/>
+                  </a:schemeClr>
+                </a:solidFill>
+              </a:rPr>
+              <a:t>Intro</a:t>
+            </a:r>
+            <a:r>
+              <a:rPr lang="de-DE" dirty="0" smtClean="0"/>
+              <a:t> </a:t>
+            </a:r>
+            <a:r>
+              <a:rPr lang="de-DE" dirty="0" err="1">
+                <a:solidFill>
+                  <a:schemeClr val="bg1">
+                    <a:lumMod val="75000"/>
+                  </a:schemeClr>
+                </a:solidFill>
+              </a:rPr>
+              <a:t>Sensoren&amp;Bibliotheken</a:t>
+            </a:r>
+            <a:r>
+              <a:rPr lang="de-DE" dirty="0" smtClean="0">
+                <a:solidFill>
+                  <a:schemeClr val="bg1">
+                    <a:lumMod val="75000"/>
+                  </a:schemeClr>
+                </a:solidFill>
+              </a:rPr>
+              <a:t> </a:t>
+            </a:r>
+            <a:r>
+              <a:rPr lang="de-DE" dirty="0"/>
+              <a:t>Kommunikation</a:t>
+            </a:r>
+            <a:r>
+              <a:rPr lang="de-DE" dirty="0" smtClean="0">
+                <a:solidFill>
+                  <a:schemeClr val="bg1">
+                    <a:lumMod val="75000"/>
+                  </a:schemeClr>
+                </a:solidFill>
+              </a:rPr>
+              <a:t> Programmablauf </a:t>
+            </a:r>
+            <a:r>
+              <a:rPr lang="de-DE" dirty="0" err="1" smtClean="0">
+                <a:solidFill>
+                  <a:schemeClr val="bg1">
+                    <a:lumMod val="75000"/>
+                  </a:schemeClr>
+                </a:solidFill>
+              </a:rPr>
+              <a:t>IoT</a:t>
+            </a:r>
+            <a:r>
+              <a:rPr lang="de-DE" dirty="0" smtClean="0">
+                <a:solidFill>
+                  <a:schemeClr val="bg1">
+                    <a:lumMod val="75000"/>
+                  </a:schemeClr>
+                </a:solidFill>
+              </a:rPr>
+              <a:t> </a:t>
+            </a:r>
+            <a:r>
+              <a:rPr lang="de-DE" dirty="0" err="1" smtClean="0">
+                <a:solidFill>
+                  <a:schemeClr val="bg1">
+                    <a:lumMod val="75000"/>
+                  </a:schemeClr>
+                </a:solidFill>
+              </a:rPr>
+              <a:t>Platform</a:t>
+            </a:r>
+            <a:endParaRPr lang="en-GB" dirty="0">
+              <a:solidFill>
+                <a:schemeClr val="bg1">
+                  <a:lumMod val="75000"/>
+                </a:schemeClr>
+              </a:solidFill>
+            </a:endParaRPr>
           </a:p>
         </p:txBody>
       </p:sp>
@@ -19334,6 +19534,137 @@
           </a:p>
         </p:txBody>
       </p:sp>
+      <p:sp>
+        <p:nvSpPr>
+          <p:cNvPr id="6" name="Textfeld 5"/>
+          <p:cNvSpPr txBox="1"/>
+          <p:nvPr/>
+        </p:nvSpPr>
+        <p:spPr>
+          <a:xfrm>
+            <a:off x="170157" y="4653136"/>
+            <a:ext cx="8892988" cy="369332"/>
+          </a:xfrm>
+          <a:prstGeom prst="rect">
+            <a:avLst/>
+          </a:prstGeom>
+          <a:noFill/>
+        </p:spPr>
+        <p:txBody>
+          <a:bodyPr wrap="square" rtlCol="0">
+            <a:spAutoFit/>
+          </a:bodyPr>
+          <a:lstStyle/>
+          <a:p>
+            <a:pPr algn="l"/>
+            <a:r>
+              <a:rPr lang="de-DE" dirty="0">
+                <a:solidFill>
+                  <a:schemeClr val="bg1">
+                    <a:lumMod val="75000"/>
+                  </a:schemeClr>
+                </a:solidFill>
+              </a:rPr>
+              <a:t>Intro</a:t>
+            </a:r>
+            <a:r>
+              <a:rPr lang="de-DE" dirty="0" smtClean="0"/>
+              <a:t> </a:t>
+            </a:r>
+            <a:r>
+              <a:rPr lang="de-DE" dirty="0" err="1">
+                <a:solidFill>
+                  <a:schemeClr val="bg1">
+                    <a:lumMod val="75000"/>
+                  </a:schemeClr>
+                </a:solidFill>
+              </a:rPr>
+              <a:t>Sensoren&amp;Bibliotheken</a:t>
+            </a:r>
+            <a:r>
+              <a:rPr lang="de-DE" dirty="0" smtClean="0">
+                <a:solidFill>
+                  <a:schemeClr val="bg1">
+                    <a:lumMod val="75000"/>
+                  </a:schemeClr>
+                </a:solidFill>
+              </a:rPr>
+              <a:t> </a:t>
+            </a:r>
+            <a:r>
+              <a:rPr lang="de-DE" dirty="0">
+                <a:solidFill>
+                  <a:schemeClr val="bg1">
+                    <a:lumMod val="75000"/>
+                  </a:schemeClr>
+                </a:solidFill>
+              </a:rPr>
+              <a:t>Kommunikation</a:t>
+            </a:r>
+            <a:r>
+              <a:rPr lang="de-DE" dirty="0" smtClean="0">
+                <a:solidFill>
+                  <a:schemeClr val="bg1">
+                    <a:lumMod val="75000"/>
+                  </a:schemeClr>
+                </a:solidFill>
+              </a:rPr>
+              <a:t> </a:t>
+            </a:r>
+            <a:r>
+              <a:rPr lang="de-DE" dirty="0"/>
+              <a:t>Programmablauf</a:t>
+            </a:r>
+            <a:r>
+              <a:rPr lang="de-DE" dirty="0" smtClean="0">
+                <a:solidFill>
+                  <a:schemeClr val="bg1">
+                    <a:lumMod val="75000"/>
+                  </a:schemeClr>
+                </a:solidFill>
+              </a:rPr>
+              <a:t> </a:t>
+            </a:r>
+            <a:r>
+              <a:rPr lang="de-DE" dirty="0" err="1" smtClean="0">
+                <a:solidFill>
+                  <a:schemeClr val="bg1">
+                    <a:lumMod val="75000"/>
+                  </a:schemeClr>
+                </a:solidFill>
+              </a:rPr>
+              <a:t>IoT</a:t>
+            </a:r>
+            <a:r>
+              <a:rPr lang="de-DE" dirty="0" smtClean="0">
+                <a:solidFill>
+                  <a:schemeClr val="bg1">
+                    <a:lumMod val="75000"/>
+                  </a:schemeClr>
+                </a:solidFill>
+              </a:rPr>
+              <a:t> </a:t>
+            </a:r>
+            <a:r>
+              <a:rPr lang="de-DE" dirty="0" err="1" smtClean="0">
+                <a:solidFill>
+                  <a:schemeClr val="bg1">
+                    <a:lumMod val="75000"/>
+                  </a:schemeClr>
+                </a:solidFill>
+              </a:rPr>
+              <a:t>Platform</a:t>
+            </a:r>
+            <a:endParaRPr lang="en-GB" dirty="0">
+              <a:solidFill>
+                <a:schemeClr val="bg1">
+                  <a:lumMod val="75000"/>
+                </a:schemeClr>
+              </a:solidFill>
+            </a:endParaRPr>
+          </a:p>
+        </p:txBody>
+      </p:sp>
     </p:spTree>
     <p:extLst>
       <p:ext uri="{BB962C8B-B14F-4D97-AF65-F5344CB8AC3E}">
@@ -19440,6 +19771,93 @@
               <a:t>Hochschule Mannheim | Julia Geigl, Klemens Behr, Kevin Höfle</a:t>
             </a:r>
             <a:endParaRPr lang="de-DE" altLang="de-DE" dirty="0"/>
+          </a:p>
+        </p:txBody>
+      </p:sp>
+      <p:sp>
+        <p:nvSpPr>
+          <p:cNvPr id="3" name="Textfeld 2"/>
+          <p:cNvSpPr txBox="1"/>
+          <p:nvPr/>
+        </p:nvSpPr>
+        <p:spPr>
+          <a:xfrm>
+            <a:off x="467544" y="4257092"/>
+            <a:ext cx="8892988" cy="369332"/>
+          </a:xfrm>
+          <a:prstGeom prst="rect">
+            <a:avLst/>
+          </a:prstGeom>
+          <a:noFill/>
+        </p:spPr>
+        <p:txBody>
+          <a:bodyPr wrap="square" rtlCol="0">
+            <a:spAutoFit/>
+          </a:bodyPr>
+          <a:lstStyle/>
+          <a:p>
+            <a:pPr algn="l"/>
+            <a:r>
+              <a:rPr lang="de-DE" dirty="0" smtClean="0"/>
+              <a:t>Intro </a:t>
+            </a:r>
+            <a:r>
+              <a:rPr lang="de-DE" dirty="0" err="1" smtClean="0">
+                <a:solidFill>
+                  <a:schemeClr val="bg1">
+                    <a:lumMod val="75000"/>
+                  </a:schemeClr>
+                </a:solidFill>
+              </a:rPr>
+              <a:t>Sensoren&amp;Bibliotheken</a:t>
+            </a:r>
+            <a:r>
+              <a:rPr lang="de-DE" dirty="0" smtClean="0">
+                <a:solidFill>
+                  <a:schemeClr val="bg1">
+                    <a:lumMod val="75000"/>
+                  </a:schemeClr>
+                </a:solidFill>
+              </a:rPr>
+              <a:t> Kommunikation Programmablauf </a:t>
+            </a:r>
+            <a:r>
+              <a:rPr lang="de-DE" dirty="0" err="1" smtClean="0">
+                <a:solidFill>
+                  <a:schemeClr val="bg1">
+                    <a:lumMod val="75000"/>
+                  </a:schemeClr>
+                </a:solidFill>
+              </a:rPr>
+              <a:t>IoT</a:t>
+            </a:r>
+            <a:r>
+              <a:rPr lang="de-DE" dirty="0" smtClean="0">
+                <a:solidFill>
+                  <a:schemeClr val="bg1">
+                    <a:lumMod val="75000"/>
+                  </a:schemeClr>
+                </a:solidFill>
+              </a:rPr>
+              <a:t> </a:t>
+            </a:r>
+            <a:r>
+              <a:rPr lang="de-DE" dirty="0" err="1" smtClean="0">
+                <a:solidFill>
+                  <a:schemeClr val="bg1">
+                    <a:lumMod val="75000"/>
+                  </a:schemeClr>
+                </a:solidFill>
+              </a:rPr>
+              <a:t>Platform</a:t>
+            </a:r>
+            <a:endParaRPr lang="en-GB" dirty="0">
+              <a:solidFill>
+                <a:schemeClr val="bg1">
+                  <a:lumMod val="75000"/>
+                </a:schemeClr>
+              </a:solidFill>
+            </a:endParaRPr>
           </a:p>
         </p:txBody>
       </p:sp>
@@ -21116,12 +21534,20 @@
               <a:t> </a:t>
             </a:r>
             <a:r>
-              <a:rPr lang="de-DE" dirty="0" err="1"/>
-              <a:t>io</a:t>
+              <a:rPr lang="de-DE"/>
+              <a:t>i</a:t>
+            </a:r>
+            <a:r>
+              <a:rPr lang="de-DE" smtClean="0"/>
+              <a:t>o</a:t>
+            </a:r>
+            <a:r>
+              <a:rPr lang="de-DE" dirty="0" smtClean="0"/>
+              <a:t> </a:t>
             </a:r>
             <a:r>
               <a:rPr lang="de-DE" dirty="0"/>
-              <a:t> senden</a:t>
+              <a:t>senden</a:t>
             </a:r>
           </a:p>
         </p:txBody>
@@ -21669,6 +22095,119 @@
           </a:p>
         </p:txBody>
       </p:sp>
+      <p:sp>
+        <p:nvSpPr>
+          <p:cNvPr id="6" name="Textfeld 5"/>
+          <p:cNvSpPr txBox="1"/>
+          <p:nvPr/>
+        </p:nvSpPr>
+        <p:spPr>
+          <a:xfrm>
+            <a:off x="179512" y="4221088"/>
+            <a:ext cx="8892988" cy="369332"/>
+          </a:xfrm>
+          <a:prstGeom prst="rect">
+            <a:avLst/>
+          </a:prstGeom>
+          <a:noFill/>
+        </p:spPr>
+        <p:txBody>
+          <a:bodyPr wrap="square" rtlCol="0">
+            <a:spAutoFit/>
+          </a:bodyPr>
+          <a:lstStyle/>
+          <a:p>
+            <a:pPr algn="l"/>
+            <a:r>
+              <a:rPr lang="de-DE" dirty="0">
+                <a:solidFill>
+                  <a:schemeClr val="bg1">
+                    <a:lumMod val="75000"/>
+                  </a:schemeClr>
+                </a:solidFill>
+              </a:rPr>
+              <a:t>Intro</a:t>
+            </a:r>
+            <a:r>
+              <a:rPr lang="de-DE" dirty="0" smtClean="0"/>
+              <a:t> </a:t>
+            </a:r>
+            <a:r>
+              <a:rPr lang="de-DE" dirty="0" err="1">
+                <a:solidFill>
+                  <a:schemeClr val="bg1">
+                    <a:lumMod val="75000"/>
+                  </a:schemeClr>
+                </a:solidFill>
+              </a:rPr>
+              <a:t>Sensoren&amp;Bibliotheken</a:t>
+            </a:r>
+            <a:r>
+              <a:rPr lang="de-DE" dirty="0" smtClean="0">
+                <a:solidFill>
+                  <a:schemeClr val="bg1">
+                    <a:lumMod val="75000"/>
+                  </a:schemeClr>
+                </a:solidFill>
+              </a:rPr>
+              <a:t> </a:t>
+            </a:r>
+            <a:r>
+              <a:rPr lang="de-DE" dirty="0">
+                <a:solidFill>
+                  <a:schemeClr val="bg1">
+                    <a:lumMod val="75000"/>
+                  </a:schemeClr>
+                </a:solidFill>
+              </a:rPr>
+              <a:t>Kommunikation</a:t>
+            </a:r>
+            <a:r>
+              <a:rPr lang="de-DE" dirty="0" smtClean="0">
+                <a:solidFill>
+                  <a:schemeClr val="bg1">
+                    <a:lumMod val="75000"/>
+                  </a:schemeClr>
+                </a:solidFill>
+              </a:rPr>
+              <a:t> </a:t>
+            </a:r>
+            <a:r>
+              <a:rPr lang="de-DE" dirty="0">
+                <a:solidFill>
+                  <a:schemeClr val="bg1">
+                    <a:lumMod val="75000"/>
+                  </a:schemeClr>
+                </a:solidFill>
+              </a:rPr>
+              <a:t>Programmablauf</a:t>
+            </a:r>
+            <a:r>
+              <a:rPr lang="de-DE" dirty="0" smtClean="0">
+                <a:solidFill>
+                  <a:schemeClr val="bg1">
+                    <a:lumMod val="75000"/>
+                  </a:schemeClr>
+                </a:solidFill>
+              </a:rPr>
+              <a:t> </a:t>
+            </a:r>
+            <a:r>
+              <a:rPr lang="de-DE" dirty="0" err="1"/>
+              <a:t>IoT</a:t>
+            </a:r>
+            <a:r>
+              <a:rPr lang="de-DE" dirty="0"/>
+              <a:t> </a:t>
+            </a:r>
+            <a:r>
+              <a:rPr lang="de-DE" dirty="0" err="1"/>
+              <a:t>Platform</a:t>
+            </a:r>
+            <a:endParaRPr lang="en-GB" dirty="0"/>
+          </a:p>
+        </p:txBody>
+      </p:sp>
     </p:spTree>
     <p:extLst>
       <p:ext uri="{BB962C8B-B14F-4D97-AF65-F5344CB8AC3E}">
@@ -24497,369 +25036,30 @@
       </p:sp>
       <p:sp>
         <p:nvSpPr>
-          <p:cNvPr id="3" name="Textplatzhalter 2"/>
-          <p:cNvSpPr>
-            <a:spLocks noGrp="1"/>
-          </p:cNvSpPr>
-          <p:nvPr>
-            <p:ph type="body" sz="quarter" idx="15"/>
+          <p:cNvPr id="4" name="Titel 3"/>
+          <p:cNvSpPr>
+            <a:spLocks noGrp="1"/>
+          </p:cNvSpPr>
+          <p:nvPr>
+            <p:ph type="title"/>
           </p:nvPr>
         </p:nvSpPr>
         <p:spPr>
           <a:xfrm>
-            <a:off x="971550" y="2292349"/>
-            <a:ext cx="7740650" cy="4257675"/>
+            <a:off x="791580" y="2924944"/>
+            <a:ext cx="7740650" cy="4356484"/>
           </a:xfrm>
         </p:spPr>
         <p:txBody>
           <a:bodyPr/>
           <a:lstStyle/>
           <a:p>
-            <a:pPr marL="0" indent="0">
-              <a:buNone/>
-            </a:pPr>
-            <a:r>
-              <a:rPr lang="de-DE" sz="1000" dirty="0"/>
-              <a:t>[1] </a:t>
-            </a:r>
-            <a:r>
-              <a:rPr lang="de-DE" sz="1000" dirty="0">
-                <a:hlinkClick r:id="rId2"/>
-              </a:rPr>
-              <a:t>http://blog.gemalto.com/wp-content/uploads/2015/01/M2M-world-of-connected-services.jpg</a:t>
-            </a:r>
-            <a:r>
-              <a:rPr lang="de-DE" sz="1000" dirty="0"/>
-              <a:t> 05.11.2016</a:t>
-            </a:r>
-          </a:p>
-          <a:p>
-            <a:pPr marL="0" indent="0">
-              <a:buNone/>
-            </a:pPr>
-            <a:r>
-              <a:rPr lang="de-DE" sz="1000" dirty="0"/>
-              <a:t>[2] </a:t>
-            </a:r>
-            <a:r>
-              <a:rPr lang="de-DE" sz="1000" dirty="0">
-                <a:hlinkClick r:id="rId3"/>
-              </a:rPr>
-              <a:t>http://howtomechatronics.com/wp-content/uploads/2016/01/DHT11-DDHT22-Working-Principle.png?x57244</a:t>
-            </a:r>
-            <a:r>
-              <a:rPr lang="de-DE" sz="1000" dirty="0"/>
-              <a:t> 05.11.2016 </a:t>
-            </a:r>
-          </a:p>
-          <a:p>
-            <a:pPr marL="0" indent="0">
-              <a:buNone/>
-            </a:pPr>
-            <a:r>
-              <a:rPr lang="de-DE" sz="1000" dirty="0"/>
-              <a:t>[3] </a:t>
-            </a:r>
-            <a:r>
-              <a:rPr lang="de-DE" sz="1000" dirty="0">
-                <a:hlinkClick r:id="rId4"/>
-              </a:rPr>
-              <a:t>http://ic4l.net/wp-content/uploads/dht11-module-300x300.png</a:t>
-            </a:r>
-            <a:r>
-              <a:rPr lang="de-DE" sz="1000" dirty="0"/>
-              <a:t> 05.11.2016</a:t>
-            </a:r>
-          </a:p>
-          <a:p>
-            <a:pPr marL="0" indent="0">
-              <a:buNone/>
-            </a:pPr>
-            <a:r>
-              <a:rPr lang="de-DE" sz="1000" dirty="0"/>
-              <a:t>[4] DHT11 </a:t>
-            </a:r>
-            <a:r>
-              <a:rPr lang="de-DE" sz="1000" dirty="0" err="1"/>
-              <a:t>Humidity</a:t>
-            </a:r>
-            <a:r>
-              <a:rPr lang="de-DE" sz="1000" dirty="0"/>
-              <a:t> &amp; </a:t>
-            </a:r>
-            <a:r>
-              <a:rPr lang="de-DE" sz="1000" dirty="0" err="1"/>
-              <a:t>Temperature</a:t>
-            </a:r>
-            <a:r>
-              <a:rPr lang="de-DE" sz="1000" dirty="0"/>
-              <a:t> Sensor D-</a:t>
-            </a:r>
-            <a:r>
-              <a:rPr lang="de-DE" sz="1000" dirty="0" err="1"/>
-              <a:t>Robotics</a:t>
-            </a:r>
-            <a:r>
-              <a:rPr lang="de-DE" sz="1000" dirty="0"/>
-              <a:t> UK, D-</a:t>
-            </a:r>
-            <a:r>
-              <a:rPr lang="de-DE" sz="1000" dirty="0" err="1"/>
-              <a:t>Robotics</a:t>
-            </a:r>
-            <a:r>
-              <a:rPr lang="de-DE" sz="1000" dirty="0"/>
-              <a:t> 7/30/2010 </a:t>
-            </a:r>
-            <a:r>
-              <a:rPr lang="de-DE" sz="1000" dirty="0">
-                <a:hlinkClick r:id="rId5"/>
-              </a:rPr>
-              <a:t>http://www.micropik.com/PDF/dht11.pdf</a:t>
-            </a:r>
-            <a:r>
-              <a:rPr lang="de-DE" sz="1000" dirty="0"/>
-              <a:t> Seite XX, Absatz XX 05.11.2016</a:t>
-            </a:r>
-          </a:p>
-          <a:p>
-            <a:pPr marL="0" indent="0">
-              <a:buNone/>
-            </a:pPr>
-            <a:r>
-              <a:rPr lang="de-DE" sz="1000" dirty="0"/>
-              <a:t>[5] </a:t>
-            </a:r>
-            <a:r>
-              <a:rPr lang="de-DE" sz="1000" dirty="0">
-                <a:hlinkClick r:id="rId6"/>
-              </a:rPr>
-              <a:t>https://youtu.be/VelviRLkUeo</a:t>
-            </a:r>
-            <a:r>
-              <a:rPr lang="de-DE" sz="1000" dirty="0"/>
-              <a:t> 05.11.2016</a:t>
-            </a:r>
-          </a:p>
-          <a:p>
-            <a:pPr marL="0" indent="0">
-              <a:buNone/>
-            </a:pPr>
-            <a:r>
-              <a:rPr lang="de-DE" sz="1000" dirty="0"/>
-              <a:t>[6] </a:t>
-            </a:r>
-            <a:r>
-              <a:rPr lang="de-DE" sz="1000" dirty="0">
-                <a:hlinkClick r:id="rId7"/>
-              </a:rPr>
-              <a:t>https://www.adafruit.com/about</a:t>
-            </a:r>
-            <a:r>
-              <a:rPr lang="de-DE" sz="1000" dirty="0"/>
-              <a:t> 05.11.2016</a:t>
-            </a:r>
-          </a:p>
-          <a:p>
-            <a:pPr marL="0" indent="0">
-              <a:buNone/>
-            </a:pPr>
-            <a:r>
-              <a:rPr lang="de-DE" sz="1000" dirty="0"/>
-              <a:t>[7] </a:t>
-            </a:r>
-            <a:r>
-              <a:rPr lang="de-DE" sz="1000" dirty="0">
-                <a:hlinkClick r:id="rId8"/>
-              </a:rPr>
-              <a:t>https://io.adafruit.com/logos/logo_2x.png 05.11.2016</a:t>
-            </a:r>
-            <a:endParaRPr lang="de-DE" sz="1000" dirty="0"/>
-          </a:p>
-          <a:p>
-            <a:pPr marL="0" indent="0">
-              <a:buNone/>
-            </a:pPr>
-            <a:r>
-              <a:rPr lang="de-DE" sz="1000" dirty="0"/>
-              <a:t>[8] </a:t>
-            </a:r>
-            <a:r>
-              <a:rPr lang="de-DE" sz="1000" dirty="0">
-                <a:hlinkClick r:id="rId9"/>
-              </a:rPr>
-              <a:t>http://4sitewebsolutions.com/hvac/wp-content/uploads/2013/04/carrier3.png 06.11.2016</a:t>
-            </a:r>
-            <a:r>
-              <a:rPr lang="de-DE" sz="1000" dirty="0"/>
-              <a:t> </a:t>
-            </a:r>
-          </a:p>
-          <a:p>
-            <a:pPr marL="0" indent="0">
-              <a:buNone/>
-            </a:pPr>
-            <a:r>
-              <a:rPr lang="de-DE" sz="1000" dirty="0"/>
-              <a:t>[9] </a:t>
-            </a:r>
-            <a:r>
-              <a:rPr lang="de-DE" sz="1000" dirty="0">
-                <a:hlinkClick r:id="rId10"/>
-              </a:rPr>
-              <a:t>http://www.umweltbundesamt.de/themen/gesundheit/umwelteinfluesse-auf-den-menschen/schimmel/richtig-lueften-schimmelbildung-vermeiden 06.11.2016</a:t>
-            </a:r>
-            <a:endParaRPr lang="de-DE" sz="1000" dirty="0"/>
-          </a:p>
-          <a:p>
-            <a:pPr marL="0" indent="0">
-              <a:buNone/>
-            </a:pPr>
-            <a:r>
-              <a:rPr lang="de-DE" sz="1000" dirty="0"/>
-              <a:t>[10]http://images.google.de/imgres?imgurl=http%3A%2F%2Fwww.radon.com%2Fimages%2Ffigure6.gif&amp;imgrefurl=http%3A%2F%2Fwww.radon.com%2Fradon%2Fradon_analysis.html&amp;h=268&amp;w=337&amp;tbnid=OpSfZ3xZmypDgM%3A&amp;vet=1&amp;docid=NvviVYV6guTSMM&amp;ei=WKwhWKbEJcHlUea2gfgL&amp;tbm=isch&amp;client=firefox-b-ab&amp;iact=rc&amp;uact=3&amp;dur=460&amp;page=0&amp;start=0&amp;ndsp=41&amp;ved=0ahUKEwim0KyA_ZjQAhXBchQKHWZbAL8QMwggKAQwBA&amp;bih=969&amp;biw=1920 08.11.2016 </a:t>
-            </a:r>
-          </a:p>
-          <a:p>
-            <a:pPr marL="0" indent="0">
-              <a:buNone/>
-            </a:pPr>
-            <a:r>
-              <a:rPr lang="de-DE" sz="1000" dirty="0"/>
-              <a:t>[11] </a:t>
-            </a:r>
-            <a:r>
-              <a:rPr lang="de-DE" sz="1000" dirty="0">
-                <a:hlinkClick r:id="rId11"/>
-              </a:rPr>
-              <a:t>https://www.adafruit.com/category/17</a:t>
-            </a:r>
-            <a:r>
-              <a:rPr lang="de-DE" sz="1000" dirty="0"/>
-              <a:t> 	06.12.2016</a:t>
-            </a:r>
-          </a:p>
-          <a:p>
-            <a:pPr marL="0" indent="0">
-              <a:buNone/>
-            </a:pPr>
-            <a:r>
-              <a:rPr lang="de-DE" sz="1000" dirty="0"/>
-              <a:t>[12] </a:t>
-            </a:r>
-            <a:r>
-              <a:rPr lang="de-DE" sz="1000" dirty="0">
-                <a:hlinkClick r:id="rId12"/>
-              </a:rPr>
-              <a:t>https://learn.adafruit.com/adafruit-io/overview</a:t>
-            </a:r>
-            <a:r>
-              <a:rPr lang="de-DE" sz="1000" dirty="0"/>
-              <a:t>	06.12.2016</a:t>
-            </a:r>
-          </a:p>
-          <a:p>
-            <a:pPr marL="0" indent="0">
-              <a:buNone/>
-            </a:pPr>
-            <a:r>
-              <a:rPr lang="de-DE" sz="1000" dirty="0"/>
-              <a:t>[13] </a:t>
-            </a:r>
-            <a:r>
-              <a:rPr lang="de-DE" sz="1000" dirty="0">
-                <a:hlinkClick r:id="rId13"/>
-              </a:rPr>
-              <a:t>https://learn.adafruit.com/adafruit-io/client-libraries</a:t>
-            </a:r>
-            <a:r>
-              <a:rPr lang="de-DE" sz="1000" dirty="0"/>
-              <a:t>	06.12.2016</a:t>
-            </a:r>
-          </a:p>
-          <a:p>
-            <a:pPr marL="0" indent="0">
-              <a:buNone/>
-            </a:pPr>
-            <a:r>
-              <a:rPr lang="de-DE" sz="1000" dirty="0"/>
-              <a:t>[14] </a:t>
-            </a:r>
-            <a:r>
-              <a:rPr lang="de-DE" sz="1000" dirty="0">
-                <a:hlinkClick r:id="rId14"/>
-              </a:rPr>
-              <a:t>https://learn.adafruit.com/adafruit-io/browser</a:t>
-            </a:r>
-            <a:r>
-              <a:rPr lang="de-DE" sz="1000" dirty="0"/>
-              <a:t>		06.12.2016</a:t>
-            </a:r>
-          </a:p>
-          <a:p>
-            <a:pPr marL="0" indent="0">
-              <a:buNone/>
-            </a:pPr>
-            <a:r>
-              <a:rPr lang="de-DE" sz="1000" dirty="0"/>
-              <a:t>[15] </a:t>
-            </a:r>
-            <a:r>
-              <a:rPr lang="de-DE" sz="1000" dirty="0">
-                <a:hlinkClick r:id="rId15"/>
-              </a:rPr>
-              <a:t>https://learn.adafruit.com/adafruit-io/mqtt-api</a:t>
-            </a:r>
-            <a:r>
-              <a:rPr lang="de-DE" sz="1000" dirty="0"/>
-              <a:t>		06.12.2016</a:t>
-            </a:r>
-          </a:p>
-          <a:p>
-            <a:pPr marL="0" indent="0">
-              <a:buNone/>
-            </a:pPr>
-            <a:endParaRPr lang="de-DE" sz="1000" dirty="0"/>
-          </a:p>
-          <a:p>
-            <a:pPr marL="0" indent="0">
-              <a:buNone/>
-            </a:pPr>
-            <a:endParaRPr lang="de-DE" sz="1000" dirty="0"/>
-          </a:p>
-          <a:p>
-            <a:pPr marL="0" indent="0">
-              <a:buNone/>
-            </a:pPr>
-            <a:endParaRPr lang="de-DE" sz="1000" dirty="0"/>
-          </a:p>
-          <a:p>
-            <a:pPr marL="0" indent="0">
-              <a:buNone/>
-            </a:pPr>
-            <a:endParaRPr lang="de-DE" sz="1000" dirty="0"/>
-          </a:p>
-        </p:txBody>
-      </p:sp>
-      <p:sp>
-        <p:nvSpPr>
-          <p:cNvPr id="4" name="Titel 3"/>
-          <p:cNvSpPr>
-            <a:spLocks noGrp="1"/>
-          </p:cNvSpPr>
-          <p:nvPr>
-            <p:ph type="title"/>
-          </p:nvPr>
-        </p:nvSpPr>
-        <p:spPr/>
-        <p:txBody>
-          <a:bodyPr/>
-          <a:lstStyle/>
-          <a:p>
-            <a:r>
-              <a:rPr lang="de-DE" dirty="0"/>
-              <a:t>Quellen</a:t>
-            </a:r>
+            <a:pPr algn="ctr"/>
+            <a:r>
+              <a:rPr lang="de-DE" sz="9600" dirty="0" smtClean="0"/>
+              <a:t>LIVE-DEMO</a:t>
+            </a:r>
+            <a:endParaRPr lang="en-GB" sz="9600" dirty="0"/>
           </a:p>
         </p:txBody>
       </p:sp>
@@ -24879,7 +25079,7 @@
           <a:lstStyle/>
           <a:p>
             <a:r>
-              <a:rPr lang="de-DE" altLang="de-DE"/>
+              <a:rPr lang="de-DE" altLang="de-DE" smtClean="0"/>
               <a:t>Hochschule Mannheim | Julia Geigl, Klemens Behr, Kevin Höfle</a:t>
             </a:r>
             <a:endParaRPr lang="de-DE" altLang="de-DE" dirty="0"/>
@@ -24889,7 +25089,7 @@
     </p:spTree>
     <p:extLst>
       <p:ext uri="{BB962C8B-B14F-4D97-AF65-F5344CB8AC3E}">
-        <p14:creationId xmlns:p14="http://schemas.microsoft.com/office/powerpoint/2010/main" val="3863859420"/>
+        <p14:creationId xmlns:p14="http://schemas.microsoft.com/office/powerpoint/2010/main" val="3781715646"/>
       </p:ext>
     </p:extLst>
   </p:cSld>
@@ -25340,17 +25540,463 @@
       </p:sp>
       <p:sp>
         <p:nvSpPr>
-          <p:cNvPr id="4" name="Titel 3"/>
-          <p:cNvSpPr>
-            <a:spLocks noGrp="1"/>
-          </p:cNvSpPr>
-          <p:nvPr>
-            <p:ph type="title"/>
+          <p:cNvPr id="3" name="Textplatzhalter 2"/>
+          <p:cNvSpPr>
+            <a:spLocks noGrp="1"/>
+          </p:cNvSpPr>
+          <p:nvPr>
+            <p:ph type="body" sz="quarter" idx="15"/>
           </p:nvPr>
         </p:nvSpPr>
         <p:spPr>
           <a:xfrm>
-            <a:off x="827584" y="2420888"/>
+            <a:off x="971550" y="2292349"/>
+            <a:ext cx="7740650" cy="4257675"/>
+          </a:xfrm>
+        </p:spPr>
+        <p:txBody>
+          <a:bodyPr/>
+          <a:lstStyle/>
+          <a:p>
+            <a:pPr marL="0" indent="0">
+              <a:buNone/>
+            </a:pPr>
+            <a:r>
+              <a:rPr lang="de-DE" sz="1000" dirty="0"/>
+              <a:t>[1] </a:t>
+            </a:r>
+            <a:r>
+              <a:rPr lang="de-DE" sz="1000" dirty="0">
+                <a:hlinkClick r:id="rId2"/>
+              </a:rPr>
+              <a:t>http://blog.gemalto.com/wp-content/uploads/2015/01/M2M-world-of-connected-services.jpg</a:t>
+            </a:r>
+            <a:r>
+              <a:rPr lang="de-DE" sz="1000" dirty="0"/>
+              <a:t> 05.11.2016</a:t>
+            </a:r>
+          </a:p>
+          <a:p>
+            <a:pPr marL="0" indent="0">
+              <a:buNone/>
+            </a:pPr>
+            <a:r>
+              <a:rPr lang="de-DE" sz="1000" dirty="0"/>
+              <a:t>[2] </a:t>
+            </a:r>
+            <a:r>
+              <a:rPr lang="de-DE" sz="1000" dirty="0">
+                <a:hlinkClick r:id="rId3"/>
+              </a:rPr>
+              <a:t>http://howtomechatronics.com/wp-content/uploads/2016/01/DHT11-DDHT22-Working-Principle.png?x57244</a:t>
+            </a:r>
+            <a:r>
+              <a:rPr lang="de-DE" sz="1000" dirty="0"/>
+              <a:t> 05.11.2016 </a:t>
+            </a:r>
+          </a:p>
+          <a:p>
+            <a:pPr marL="0" indent="0">
+              <a:buNone/>
+            </a:pPr>
+            <a:r>
+              <a:rPr lang="de-DE" sz="1000" dirty="0"/>
+              <a:t>[3] </a:t>
+            </a:r>
+            <a:r>
+              <a:rPr lang="de-DE" sz="1000" dirty="0">
+                <a:hlinkClick r:id="rId4"/>
+              </a:rPr>
+              <a:t>http://ic4l.net/wp-content/uploads/dht11-module-300x300.png</a:t>
+            </a:r>
+            <a:r>
+              <a:rPr lang="de-DE" sz="1000" dirty="0"/>
+              <a:t> 05.11.2016</a:t>
+            </a:r>
+          </a:p>
+          <a:p>
+            <a:pPr marL="0" indent="0">
+              <a:buNone/>
+            </a:pPr>
+            <a:r>
+              <a:rPr lang="de-DE" sz="1000" dirty="0"/>
+              <a:t>[4] DHT11 </a:t>
+            </a:r>
+            <a:r>
+              <a:rPr lang="de-DE" sz="1000" dirty="0" err="1"/>
+              <a:t>Humidity</a:t>
+            </a:r>
+            <a:r>
+              <a:rPr lang="de-DE" sz="1000" dirty="0"/>
+              <a:t> &amp; </a:t>
+            </a:r>
+            <a:r>
+              <a:rPr lang="de-DE" sz="1000" dirty="0" err="1"/>
+              <a:t>Temperature</a:t>
+            </a:r>
+            <a:r>
+              <a:rPr lang="de-DE" sz="1000" dirty="0"/>
+              <a:t> Sensor D-</a:t>
+            </a:r>
+            <a:r>
+              <a:rPr lang="de-DE" sz="1000" dirty="0" err="1"/>
+              <a:t>Robotics</a:t>
+            </a:r>
+            <a:r>
+              <a:rPr lang="de-DE" sz="1000" dirty="0"/>
+              <a:t> UK, D-</a:t>
+            </a:r>
+            <a:r>
+              <a:rPr lang="de-DE" sz="1000" dirty="0" err="1"/>
+              <a:t>Robotics</a:t>
+            </a:r>
+            <a:r>
+              <a:rPr lang="de-DE" sz="1000" dirty="0"/>
+              <a:t> 7/30/2010 </a:t>
+            </a:r>
+            <a:r>
+              <a:rPr lang="de-DE" sz="1000" dirty="0">
+                <a:hlinkClick r:id="rId5"/>
+              </a:rPr>
+              <a:t>http://www.micropik.com/PDF/dht11.pdf</a:t>
+            </a:r>
+            <a:r>
+              <a:rPr lang="de-DE" sz="1000" dirty="0"/>
+              <a:t> Seite XX, Absatz XX 05.11.2016</a:t>
+            </a:r>
+          </a:p>
+          <a:p>
+            <a:pPr marL="0" indent="0">
+              <a:buNone/>
+            </a:pPr>
+            <a:r>
+              <a:rPr lang="de-DE" sz="1000" dirty="0"/>
+              <a:t>[5] </a:t>
+            </a:r>
+            <a:r>
+              <a:rPr lang="de-DE" sz="1000" dirty="0">
+                <a:hlinkClick r:id="rId6"/>
+              </a:rPr>
+              <a:t>https://youtu.be/VelviRLkUeo</a:t>
+            </a:r>
+            <a:r>
+              <a:rPr lang="de-DE" sz="1000" dirty="0"/>
+              <a:t> 05.11.2016</a:t>
+            </a:r>
+          </a:p>
+          <a:p>
+            <a:pPr marL="0" indent="0">
+              <a:buNone/>
+            </a:pPr>
+            <a:r>
+              <a:rPr lang="de-DE" sz="1000" dirty="0"/>
+              <a:t>[6] </a:t>
+            </a:r>
+            <a:r>
+              <a:rPr lang="de-DE" sz="1000" dirty="0">
+                <a:hlinkClick r:id="rId7"/>
+              </a:rPr>
+              <a:t>https://www.adafruit.com/about</a:t>
+            </a:r>
+            <a:r>
+              <a:rPr lang="de-DE" sz="1000" dirty="0"/>
+              <a:t> 05.11.2016</a:t>
+            </a:r>
+          </a:p>
+          <a:p>
+            <a:pPr marL="0" indent="0">
+              <a:buNone/>
+            </a:pPr>
+            <a:r>
+              <a:rPr lang="de-DE" sz="1000" dirty="0"/>
+              <a:t>[7] </a:t>
+            </a:r>
+            <a:r>
+              <a:rPr lang="de-DE" sz="1000" dirty="0">
+                <a:hlinkClick r:id="rId8"/>
+              </a:rPr>
+              <a:t>https://io.adafruit.com/logos/logo_2x.png 05.11.2016</a:t>
+            </a:r>
+            <a:endParaRPr lang="de-DE" sz="1000" dirty="0"/>
+          </a:p>
+          <a:p>
+            <a:pPr marL="0" indent="0">
+              <a:buNone/>
+            </a:pPr>
+            <a:r>
+              <a:rPr lang="de-DE" sz="1000" dirty="0"/>
+              <a:t>[8] </a:t>
+            </a:r>
+            <a:r>
+              <a:rPr lang="de-DE" sz="1000" dirty="0">
+                <a:hlinkClick r:id="rId9"/>
+              </a:rPr>
+              <a:t>http://4sitewebsolutions.com/hvac/wp-content/uploads/2013/04/carrier3.png 06.11.2016</a:t>
+            </a:r>
+            <a:r>
+              <a:rPr lang="de-DE" sz="1000" dirty="0"/>
+              <a:t> </a:t>
+            </a:r>
+          </a:p>
+          <a:p>
+            <a:pPr marL="0" indent="0">
+              <a:buNone/>
+            </a:pPr>
+            <a:r>
+              <a:rPr lang="de-DE" sz="1000" dirty="0"/>
+              <a:t>[9] </a:t>
+            </a:r>
+            <a:r>
+              <a:rPr lang="de-DE" sz="1000" dirty="0">
+                <a:hlinkClick r:id="rId10"/>
+              </a:rPr>
+              <a:t>http://www.umweltbundesamt.de/themen/gesundheit/umwelteinfluesse-auf-den-menschen/schimmel/richtig-lueften-schimmelbildung-vermeiden 06.11.2016</a:t>
+            </a:r>
+            <a:endParaRPr lang="de-DE" sz="1000" dirty="0"/>
+          </a:p>
+          <a:p>
+            <a:pPr marL="0" indent="0">
+              <a:buNone/>
+            </a:pPr>
+            <a:r>
+              <a:rPr lang="de-DE" sz="1000" dirty="0"/>
+              <a:t>[10]http://images.google.de/imgres?imgurl=http%3A%2F%2Fwww.radon.com%2Fimages%2Ffigure6.gif&amp;imgrefurl=http%3A%2F%2Fwww.radon.com%2Fradon%2Fradon_analysis.html&amp;h=268&amp;w=337&amp;tbnid=OpSfZ3xZmypDgM%3A&amp;vet=1&amp;docid=NvviVYV6guTSMM&amp;ei=WKwhWKbEJcHlUea2gfgL&amp;tbm=isch&amp;client=firefox-b-ab&amp;iact=rc&amp;uact=3&amp;dur=460&amp;page=0&amp;start=0&amp;ndsp=41&amp;ved=0ahUKEwim0KyA_ZjQAhXBchQKHWZbAL8QMwggKAQwBA&amp;bih=969&amp;biw=1920 08.11.2016 </a:t>
+            </a:r>
+          </a:p>
+          <a:p>
+            <a:pPr marL="0" indent="0">
+              <a:buNone/>
+            </a:pPr>
+            <a:r>
+              <a:rPr lang="de-DE" sz="1000" dirty="0"/>
+              <a:t>[11] </a:t>
+            </a:r>
+            <a:r>
+              <a:rPr lang="de-DE" sz="1000" dirty="0">
+                <a:hlinkClick r:id="rId11"/>
+              </a:rPr>
+              <a:t>https://www.adafruit.com/category/17</a:t>
+            </a:r>
+            <a:r>
+              <a:rPr lang="de-DE" sz="1000" dirty="0"/>
+              <a:t> 	06.12.2016</a:t>
+            </a:r>
+          </a:p>
+          <a:p>
+            <a:pPr marL="0" indent="0">
+              <a:buNone/>
+            </a:pPr>
+            <a:r>
+              <a:rPr lang="de-DE" sz="1000" dirty="0"/>
+              <a:t>[12] </a:t>
+            </a:r>
+            <a:r>
+              <a:rPr lang="de-DE" sz="1000" dirty="0">
+                <a:hlinkClick r:id="rId12"/>
+              </a:rPr>
+              <a:t>https://learn.adafruit.com/adafruit-io/overview</a:t>
+            </a:r>
+            <a:r>
+              <a:rPr lang="de-DE" sz="1000" dirty="0"/>
+              <a:t>	06.12.2016</a:t>
+            </a:r>
+          </a:p>
+          <a:p>
+            <a:pPr marL="0" indent="0">
+              <a:buNone/>
+            </a:pPr>
+            <a:r>
+              <a:rPr lang="de-DE" sz="1000" dirty="0"/>
+              <a:t>[13] </a:t>
+            </a:r>
+            <a:r>
+              <a:rPr lang="de-DE" sz="1000" dirty="0">
+                <a:hlinkClick r:id="rId13"/>
+              </a:rPr>
+              <a:t>https://learn.adafruit.com/adafruit-io/client-libraries</a:t>
+            </a:r>
+            <a:r>
+              <a:rPr lang="de-DE" sz="1000" dirty="0"/>
+              <a:t>	06.12.2016</a:t>
+            </a:r>
+          </a:p>
+          <a:p>
+            <a:pPr marL="0" indent="0">
+              <a:buNone/>
+            </a:pPr>
+            <a:r>
+              <a:rPr lang="de-DE" sz="1000" dirty="0"/>
+              <a:t>[14] </a:t>
+            </a:r>
+            <a:r>
+              <a:rPr lang="de-DE" sz="1000" dirty="0">
+                <a:hlinkClick r:id="rId14"/>
+              </a:rPr>
+              <a:t>https://learn.adafruit.com/adafruit-io/browser</a:t>
+            </a:r>
+            <a:r>
+              <a:rPr lang="de-DE" sz="1000" dirty="0"/>
+              <a:t>		06.12.2016</a:t>
+            </a:r>
+          </a:p>
+          <a:p>
+            <a:pPr marL="0" indent="0">
+              <a:buNone/>
+            </a:pPr>
+            <a:r>
+              <a:rPr lang="de-DE" sz="1000" dirty="0"/>
+              <a:t>[15] </a:t>
+            </a:r>
+            <a:r>
+              <a:rPr lang="de-DE" sz="1000" dirty="0">
+                <a:hlinkClick r:id="rId15"/>
+              </a:rPr>
+              <a:t>https://learn.adafruit.com/adafruit-io/mqtt-api</a:t>
+            </a:r>
+            <a:r>
+              <a:rPr lang="de-DE" sz="1000" dirty="0"/>
+              <a:t>		06.12.2016</a:t>
+            </a:r>
+          </a:p>
+          <a:p>
+            <a:pPr marL="0" indent="0">
+              <a:buNone/>
+            </a:pPr>
+            <a:endParaRPr lang="de-DE" sz="1000" dirty="0"/>
+          </a:p>
+          <a:p>
+            <a:pPr marL="0" indent="0">
+              <a:buNone/>
+            </a:pPr>
+            <a:endParaRPr lang="de-DE" sz="1000" dirty="0"/>
+          </a:p>
+          <a:p>
+            <a:pPr marL="0" indent="0">
+              <a:buNone/>
+            </a:pPr>
+            <a:endParaRPr lang="de-DE" sz="1000" dirty="0"/>
+          </a:p>
+          <a:p>
+            <a:pPr marL="0" indent="0">
+              <a:buNone/>
+            </a:pPr>
+            <a:endParaRPr lang="de-DE" sz="1000" dirty="0"/>
+          </a:p>
+        </p:txBody>
+      </p:sp>
+      <p:sp>
+        <p:nvSpPr>
+          <p:cNvPr id="4" name="Titel 3"/>
+          <p:cNvSpPr>
+            <a:spLocks noGrp="1"/>
+          </p:cNvSpPr>
+          <p:nvPr>
+            <p:ph type="title"/>
+          </p:nvPr>
+        </p:nvSpPr>
+        <p:spPr/>
+        <p:txBody>
+          <a:bodyPr/>
+          <a:lstStyle/>
+          <a:p>
+            <a:r>
+              <a:rPr lang="de-DE" dirty="0"/>
+              <a:t>Quellen</a:t>
+            </a:r>
+          </a:p>
+        </p:txBody>
+      </p:sp>
+      <p:sp>
+        <p:nvSpPr>
+          <p:cNvPr id="5" name="Fußzeilenplatzhalter 4"/>
+          <p:cNvSpPr>
+            <a:spLocks noGrp="1"/>
+          </p:cNvSpPr>
+          <p:nvPr>
+            <p:ph type="ftr" sz="quarter" idx="16"/>
+          </p:nvPr>
+        </p:nvSpPr>
+        <p:spPr/>
+        <p:txBody>
+          <a:bodyPr/>
+          <a:lstStyle/>
+          <a:p>
+            <a:r>
+              <a:rPr lang="de-DE" altLang="de-DE"/>
+              <a:t>Hochschule Mannheim | Julia Geigl, Klemens Behr, Kevin Höfle</a:t>
+            </a:r>
+            <a:endParaRPr lang="de-DE" altLang="de-DE" dirty="0"/>
+          </a:p>
+        </p:txBody>
+      </p:sp>
+    </p:spTree>
+    <p:extLst>
+      <p:ext uri="{BB962C8B-B14F-4D97-AF65-F5344CB8AC3E}">
+        <p14:creationId xmlns:p14="http://schemas.microsoft.com/office/powerpoint/2010/main" val="3863859420"/>
+      </p:ext>
+    </p:extLst>
+  </p:cSld>
+  <p:clrMapOvr>
+    <a:masterClrMapping/>
+  </p:clrMapOvr>
+  <p:transition/>
+</p:sld>
+</file>
+
+<file path=ppt/slides/slide51.xml><?xml version="1.0" encoding="utf-8"?>
+<p:sld xmlns:a="http://schemas.openxmlformats.org/drawingml/2006/main" xmlns:r="http://schemas.openxmlformats.org/officeDocument/2006/relationships" xmlns:p="http://schemas.openxmlformats.org/presentationml/2006/main">
+  <p:cSld>
+    <p:spTree>
+      <p:nvGrpSpPr>
+        <p:cNvPr id="1" name=""/>
+        <p:cNvGrpSpPr/>
+        <p:nvPr/>
+      </p:nvGrpSpPr>
+      <p:grpSpPr>
+        <a:xfrm>
+          <a:off x="0" y="0"/>
+          <a:ext cx="0" cy="0"/>
+          <a:chOff x="0" y="0"/>
+          <a:chExt cx="0" cy="0"/>
+        </a:xfrm>
+      </p:grpSpPr>
+      <p:sp>
+        <p:nvSpPr>
+          <p:cNvPr id="2" name="Foliennummernplatzhalter 1"/>
+          <p:cNvSpPr>
+            <a:spLocks noGrp="1"/>
+          </p:cNvSpPr>
+          <p:nvPr>
+            <p:ph type="sldNum" sz="quarter" idx="11"/>
+          </p:nvPr>
+        </p:nvSpPr>
+        <p:spPr/>
+        <p:txBody>
+          <a:bodyPr/>
+          <a:lstStyle/>
+          <a:p>
+            <a:fld id="{57D12BB6-0ED4-46B6-AB23-7758AD07EFBF}" type="slidenum">
+              <a:rPr lang="de-DE" smtClean="0"/>
+              <a:pPr/>
+              <a:t>51</a:t>
+            </a:fld>
+            <a:endParaRPr lang="de-DE" dirty="0"/>
+          </a:p>
+        </p:txBody>
+      </p:sp>
+      <p:sp>
+        <p:nvSpPr>
+          <p:cNvPr id="4" name="Titel 3"/>
+          <p:cNvSpPr>
+            <a:spLocks noGrp="1"/>
+          </p:cNvSpPr>
+          <p:nvPr>
+            <p:ph type="title"/>
+          </p:nvPr>
+        </p:nvSpPr>
+        <p:spPr>
+          <a:xfrm>
+            <a:off x="575556" y="2420888"/>
             <a:ext cx="7740650" cy="863600"/>
           </a:xfrm>
         </p:spPr>
@@ -25410,7 +26056,7 @@
 </p:sld>
 </file>
 
-<file path=ppt/slides/slide51.xml><?xml version="1.0" encoding="utf-8"?>
+<file path=ppt/slides/slide52.xml><?xml version="1.0" encoding="utf-8"?>
 <p:sld xmlns:a="http://schemas.openxmlformats.org/drawingml/2006/main" xmlns:r="http://schemas.openxmlformats.org/officeDocument/2006/relationships" xmlns:p="http://schemas.openxmlformats.org/presentationml/2006/main" show="0">
   <p:cSld>
     <p:spTree>
@@ -25445,7 +26091,7 @@
             <a:fld id="{57D12BB6-0ED4-46B6-AB23-7758AD07EFBF}" type="slidenum">
               <a:rPr lang="de-DE" smtClean="0"/>
               <a:pPr/>
-              <a:t>51</a:t>
+              <a:t>52</a:t>
             </a:fld>
             <a:endParaRPr lang="de-DE" dirty="0"/>
           </a:p>
@@ -26063,7 +26709,7 @@
 </p:sld>
 </file>
 
-<file path=ppt/slides/slide52.xml><?xml version="1.0" encoding="utf-8"?>
+<file path=ppt/slides/slide53.xml><?xml version="1.0" encoding="utf-8"?>
 <p:sld xmlns:a="http://schemas.openxmlformats.org/drawingml/2006/main" xmlns:r="http://schemas.openxmlformats.org/officeDocument/2006/relationships" xmlns:p="http://schemas.openxmlformats.org/presentationml/2006/main" show="0">
   <p:cSld>
     <p:spTree>
@@ -26098,7 +26744,7 @@
             <a:fld id="{57D12BB6-0ED4-46B6-AB23-7758AD07EFBF}" type="slidenum">
               <a:rPr lang="de-DE" smtClean="0"/>
               <a:pPr/>
-              <a:t>52</a:t>
+              <a:t>53</a:t>
             </a:fld>
             <a:endParaRPr lang="de-DE" dirty="0"/>
           </a:p>
@@ -26199,7 +26845,7 @@
 </p:sld>
 </file>
 
-<file path=ppt/slides/slide53.xml><?xml version="1.0" encoding="utf-8"?>
+<file path=ppt/slides/slide54.xml><?xml version="1.0" encoding="utf-8"?>
 <p:sld xmlns:a="http://schemas.openxmlformats.org/drawingml/2006/main" xmlns:r="http://schemas.openxmlformats.org/officeDocument/2006/relationships" xmlns:p="http://schemas.openxmlformats.org/presentationml/2006/main" show="0">
   <p:cSld>
     <p:spTree>
@@ -26234,7 +26880,7 @@
             <a:fld id="{57D12BB6-0ED4-46B6-AB23-7758AD07EFBF}" type="slidenum">
               <a:rPr lang="de-DE" smtClean="0"/>
               <a:pPr/>
-              <a:t>53</a:t>
+              <a:t>54</a:t>
             </a:fld>
             <a:endParaRPr lang="de-DE" dirty="0"/>
           </a:p>

--- a/PES_FH_VERS.pptx
+++ b/PES_FH_VERS.pptx
@@ -11445,7 +11445,7 @@
           <a:lstStyle/>
           <a:p>
             <a:r>
-              <a:rPr lang="en-US" dirty="0" smtClean="0"/>
+              <a:rPr lang="en-US" dirty="0"/>
               <a:t>Julia </a:t>
             </a:r>
             <a:r>
@@ -11471,7 +11471,7 @@
               <a:t>Prof. Dr. Jens-Matthias </a:t>
             </a:r>
             <a:r>
-              <a:rPr lang="en-US" dirty="0" err="1" smtClean="0"/>
+              <a:rPr lang="en-US" dirty="0" err="1"/>
               <a:t>Bohli</a:t>
             </a:r>
             <a:endParaRPr lang="en-US" dirty="0"/>
@@ -11495,15 +11495,7 @@
           <a:p>
             <a:r>
               <a:rPr lang="de-DE" dirty="0"/>
-              <a:t>IoT Projekt – </a:t>
-            </a:r>
-            <a:r>
-              <a:rPr lang="de-DE" dirty="0" smtClean="0"/>
-              <a:t>Feuchtigkeits- und Temperaturüberwachung </a:t>
-            </a:r>
-            <a:r>
-              <a:rPr lang="de-DE" dirty="0"/>
-              <a:t>mit </a:t>
+              <a:t>IoT Projekt – Feuchtigkeits- und Temperaturüberwachung mit </a:t>
             </a:r>
             <a:r>
               <a:rPr lang="de-DE" dirty="0" err="1"/>
@@ -11511,21 +11503,16 @@
             </a:r>
             <a:r>
               <a:rPr lang="de-DE" dirty="0"/>
-              <a:t> </a:t>
-            </a:r>
-            <a:r>
-              <a:rPr lang="de-DE" dirty="0" smtClean="0"/>
-              <a:t>DUE und </a:t>
-            </a:r>
-            <a:r>
-              <a:rPr lang="de-DE" dirty="0" err="1" smtClean="0"/>
+              <a:t> DUE und </a:t>
+            </a:r>
+            <a:r>
+              <a:rPr lang="de-DE" dirty="0" err="1"/>
               <a:t>Adafruit</a:t>
             </a:r>
             <a:r>
-              <a:rPr lang="de-DE" dirty="0" smtClean="0"/>
+              <a:rPr lang="de-DE" dirty="0"/>
               <a:t> IO</a:t>
             </a:r>
-            <a:endParaRPr lang="de-DE" dirty="0"/>
           </a:p>
         </p:txBody>
       </p:sp>
@@ -13140,7 +13127,7 @@
               <a:t>Intro</a:t>
             </a:r>
             <a:r>
-              <a:rPr lang="de-DE" dirty="0" smtClean="0"/>
+              <a:rPr lang="de-DE" dirty="0"/>
               <a:t> </a:t>
             </a:r>
             <a:r>
@@ -13148,7 +13135,7 @@
               <a:t>Sensoren&amp;Bibliotheken</a:t>
             </a:r>
             <a:r>
-              <a:rPr lang="de-DE" dirty="0" smtClean="0">
+              <a:rPr lang="de-DE" dirty="0">
                 <a:solidFill>
                   <a:schemeClr val="bg1">
                     <a:lumMod val="75000"/>
@@ -13158,7 +13145,7 @@
               <a:t> Kommunikation Programmablauf </a:t>
             </a:r>
             <a:r>
-              <a:rPr lang="de-DE" dirty="0" err="1" smtClean="0">
+              <a:rPr lang="de-DE" dirty="0" err="1">
                 <a:solidFill>
                   <a:schemeClr val="bg1">
                     <a:lumMod val="75000"/>
@@ -13168,7 +13155,7 @@
               <a:t>IoT</a:t>
             </a:r>
             <a:r>
-              <a:rPr lang="de-DE" dirty="0" smtClean="0">
+              <a:rPr lang="de-DE" dirty="0">
                 <a:solidFill>
                   <a:schemeClr val="bg1">
                     <a:lumMod val="75000"/>
@@ -13178,7 +13165,7 @@
               <a:t> </a:t>
             </a:r>
             <a:r>
-              <a:rPr lang="de-DE" dirty="0" err="1" smtClean="0">
+              <a:rPr lang="de-DE" dirty="0" err="1">
                 <a:solidFill>
                   <a:schemeClr val="bg1">
                     <a:lumMod val="75000"/>
@@ -13945,10 +13932,9 @@
                     <a:p>
                       <a:pPr algn="ctr"/>
                       <a:r>
-                        <a:rPr lang="de-DE" dirty="0" smtClean="0"/>
+                        <a:rPr lang="de-DE" dirty="0"/>
                         <a:t>DHT11</a:t>
                       </a:r>
-                      <a:endParaRPr lang="de-DE" dirty="0"/>
                     </a:p>
                   </a:txBody>
                   <a:tcPr/>
@@ -13960,10 +13946,9 @@
                     <a:p>
                       <a:pPr algn="ctr"/>
                       <a:r>
-                        <a:rPr lang="de-DE" dirty="0" smtClean="0"/>
+                        <a:rPr lang="de-DE" dirty="0"/>
                         <a:t>Bedingungen</a:t>
                       </a:r>
-                      <a:endParaRPr lang="de-DE" dirty="0"/>
                     </a:p>
                   </a:txBody>
                   <a:tcPr/>
@@ -13991,7 +13976,7 @@
                         <a:defRPr/>
                       </a:pPr>
                       <a:r>
-                        <a:rPr lang="de-DE" dirty="0" smtClean="0"/>
+                        <a:rPr lang="de-DE" dirty="0"/>
                         <a:t>Reichweite</a:t>
                       </a:r>
                     </a:p>
@@ -14005,10 +13990,9 @@
                     <a:p>
                       <a:pPr algn="ctr"/>
                       <a:r>
-                        <a:rPr lang="de-DE" dirty="0" smtClean="0"/>
+                        <a:rPr lang="de-DE" dirty="0"/>
                         <a:t>Genauigkeit</a:t>
                       </a:r>
-                      <a:endParaRPr lang="de-DE" dirty="0"/>
                     </a:p>
                   </a:txBody>
                   <a:tcPr/>
@@ -14020,18 +14004,18 @@
                     <a:p>
                       <a:pPr algn="ctr"/>
                       <a:r>
-                        <a:rPr lang="de-DE" dirty="0" smtClean="0"/>
+                        <a:rPr lang="de-DE" dirty="0"/>
                         <a:t>Response</a:t>
                       </a:r>
                       <a:r>
-                        <a:rPr lang="de-DE" baseline="0" dirty="0" smtClean="0"/>
+                        <a:rPr lang="de-DE" baseline="0" dirty="0"/>
                         <a:t> </a:t>
                       </a:r>
                     </a:p>
                     <a:p>
                       <a:pPr algn="ctr"/>
                       <a:r>
-                        <a:rPr lang="de-DE" baseline="0" dirty="0" smtClean="0"/>
+                        <a:rPr lang="de-DE" baseline="0" dirty="0"/>
                         <a:t>Time</a:t>
                       </a:r>
                       <a:endParaRPr lang="de-DE" dirty="0"/>
@@ -14046,10 +14030,9 @@
                     <a:p>
                       <a:pPr algn="ctr"/>
                       <a:r>
-                        <a:rPr lang="de-DE" dirty="0" smtClean="0"/>
+                        <a:rPr lang="de-DE" dirty="0"/>
                         <a:t>Auflösung</a:t>
                       </a:r>
-                      <a:endParaRPr lang="de-DE" dirty="0"/>
                     </a:p>
                   </a:txBody>
                   <a:tcPr/>
@@ -14068,10 +14051,9 @@
                     <a:p>
                       <a:pPr algn="ctr"/>
                       <a:r>
-                        <a:rPr lang="de-DE" dirty="0" smtClean="0"/>
+                        <a:rPr lang="de-DE" dirty="0"/>
                         <a:t>Feuchtigkeit</a:t>
                       </a:r>
-                      <a:endParaRPr lang="de-DE" dirty="0"/>
                     </a:p>
                   </a:txBody>
                   <a:tcPr/>
@@ -14083,10 +14065,9 @@
                     <a:p>
                       <a:pPr algn="ctr"/>
                       <a:r>
-                        <a:rPr lang="de-DE" dirty="0" smtClean="0"/>
+                        <a:rPr lang="de-DE" dirty="0"/>
                         <a:t>0° C</a:t>
                       </a:r>
-                      <a:endParaRPr lang="de-DE" dirty="0"/>
                     </a:p>
                   </a:txBody>
                   <a:tcPr/>
@@ -14098,10 +14079,9 @@
                     <a:p>
                       <a:pPr algn="ctr"/>
                       <a:r>
-                        <a:rPr lang="de-DE" dirty="0" smtClean="0"/>
+                        <a:rPr lang="de-DE" dirty="0"/>
                         <a:t>30% - 90%</a:t>
                       </a:r>
-                      <a:endParaRPr lang="de-DE" dirty="0"/>
                     </a:p>
                   </a:txBody>
                   <a:tcPr/>
@@ -14113,11 +14093,11 @@
                     <a:p>
                       <a:pPr algn="ctr"/>
                       <a:r>
-                        <a:rPr lang="de-DE" dirty="0" smtClean="0"/>
+                        <a:rPr lang="de-DE" dirty="0"/>
                         <a:t>+ /</a:t>
                       </a:r>
                       <a:r>
-                        <a:rPr lang="de-DE" baseline="0" dirty="0" smtClean="0"/>
+                        <a:rPr lang="de-DE" baseline="0" dirty="0"/>
                         <a:t> - 5%</a:t>
                       </a:r>
                       <a:endParaRPr lang="de-DE" dirty="0"/>
@@ -14132,22 +14112,22 @@
                     <a:p>
                       <a:pPr algn="ctr"/>
                       <a:r>
-                        <a:rPr lang="de-DE" dirty="0" smtClean="0"/>
+                        <a:rPr lang="de-DE" dirty="0"/>
                         <a:t>Min:</a:t>
                       </a:r>
                       <a:r>
-                        <a:rPr lang="de-DE" baseline="0" dirty="0" smtClean="0"/>
+                        <a:rPr lang="de-DE" baseline="0" dirty="0"/>
                         <a:t> 6s</a:t>
                       </a:r>
                       <a:br>
-                        <a:rPr lang="de-DE" baseline="0" dirty="0" smtClean="0"/>
+                        <a:rPr lang="de-DE" baseline="0" dirty="0"/>
                       </a:br>
                       <a:r>
-                        <a:rPr lang="de-DE" baseline="0" dirty="0" err="1" smtClean="0"/>
+                        <a:rPr lang="de-DE" baseline="0" dirty="0" err="1"/>
                         <a:t>Typical</a:t>
                       </a:r>
                       <a:r>
-                        <a:rPr lang="de-DE" baseline="0" dirty="0" smtClean="0"/>
+                        <a:rPr lang="de-DE" baseline="0" dirty="0"/>
                         <a:t>: 10 s</a:t>
                       </a:r>
                       <a:endParaRPr lang="de-DE" dirty="0"/>
@@ -14190,18 +14170,13 @@
                     <a:p>
                       <a:pPr algn="ctr"/>
                       <a:r>
-                        <a:rPr lang="de-DE" dirty="0" smtClean="0">
+                        <a:rPr lang="de-DE" dirty="0">
                           <a:solidFill>
                             <a:srgbClr val="FF0000"/>
                           </a:solidFill>
                         </a:rPr>
                         <a:t>25° C</a:t>
                       </a:r>
-                      <a:endParaRPr lang="de-DE" dirty="0">
-                        <a:solidFill>
-                          <a:srgbClr val="FF0000"/>
-                        </a:solidFill>
-                      </a:endParaRPr>
                     </a:p>
                   </a:txBody>
                   <a:tcPr/>
@@ -14213,18 +14188,13 @@
                     <a:p>
                       <a:pPr algn="ctr"/>
                       <a:r>
-                        <a:rPr lang="de-DE" dirty="0" smtClean="0">
+                        <a:rPr lang="de-DE" dirty="0">
                           <a:solidFill>
                             <a:srgbClr val="FF0000"/>
                           </a:solidFill>
                         </a:rPr>
                         <a:t>20% - 90%</a:t>
                       </a:r>
-                      <a:endParaRPr lang="de-DE" dirty="0">
-                        <a:solidFill>
-                          <a:srgbClr val="FF0000"/>
-                        </a:solidFill>
-                      </a:endParaRPr>
                     </a:p>
                   </a:txBody>
                   <a:tcPr/>
@@ -14283,10 +14253,9 @@
                     <a:p>
                       <a:pPr algn="ctr"/>
                       <a:r>
-                        <a:rPr lang="de-DE" dirty="0" smtClean="0"/>
+                        <a:rPr lang="de-DE" dirty="0"/>
                         <a:t>50° C</a:t>
                       </a:r>
-                      <a:endParaRPr lang="de-DE" dirty="0"/>
                     </a:p>
                   </a:txBody>
                   <a:tcPr/>
@@ -14298,10 +14267,9 @@
                     <a:p>
                       <a:pPr algn="ctr"/>
                       <a:r>
-                        <a:rPr lang="de-DE" dirty="0" smtClean="0"/>
+                        <a:rPr lang="de-DE" dirty="0"/>
                         <a:t>20% - 80%</a:t>
                       </a:r>
-                      <a:endParaRPr lang="de-DE" dirty="0"/>
                     </a:p>
                   </a:txBody>
                   <a:tcPr/>
@@ -14350,10 +14318,9 @@
                     <a:p>
                       <a:pPr algn="ctr"/>
                       <a:r>
-                        <a:rPr lang="de-DE" dirty="0" smtClean="0"/>
+                        <a:rPr lang="de-DE" dirty="0"/>
                         <a:t>Temperatur</a:t>
                       </a:r>
-                      <a:endParaRPr lang="de-DE" dirty="0"/>
                     </a:p>
                   </a:txBody>
                   <a:tcPr/>
@@ -14365,10 +14332,9 @@
                     <a:p>
                       <a:pPr algn="ctr"/>
                       <a:r>
-                        <a:rPr lang="de-DE" dirty="0" smtClean="0"/>
+                        <a:rPr lang="de-DE" dirty="0"/>
                         <a:t>0°C – 50°C</a:t>
                       </a:r>
-                      <a:endParaRPr lang="de-DE" dirty="0"/>
                     </a:p>
                   </a:txBody>
                   <a:tcPr/>
@@ -14502,42 +14468,42 @@
           <a:lstStyle/>
           <a:p>
             <a:r>
-              <a:rPr lang="de-DE" dirty="0" smtClean="0"/>
+              <a:rPr lang="de-DE" dirty="0"/>
               <a:t>Reichweite:</a:t>
             </a:r>
           </a:p>
           <a:p>
             <a:pPr lvl="2"/>
             <a:r>
-              <a:rPr lang="de-DE" dirty="0" smtClean="0"/>
+              <a:rPr lang="de-DE" dirty="0"/>
               <a:t>Temperatur:</a:t>
             </a:r>
           </a:p>
           <a:p>
             <a:pPr lvl="3"/>
             <a:r>
-              <a:rPr lang="de-DE" dirty="0" smtClean="0"/>
+              <a:rPr lang="de-DE" dirty="0"/>
               <a:t> 0 – 50 C°</a:t>
             </a:r>
           </a:p>
           <a:p>
             <a:pPr lvl="2"/>
             <a:r>
-              <a:rPr lang="de-DE" dirty="0" smtClean="0"/>
+              <a:rPr lang="de-DE" dirty="0"/>
               <a:t>Feuchtigkeit:</a:t>
             </a:r>
           </a:p>
           <a:p>
             <a:pPr lvl="3"/>
             <a:r>
-              <a:rPr lang="de-DE" dirty="0" smtClean="0"/>
+              <a:rPr lang="de-DE" dirty="0"/>
               <a:t>0° C: 30% - 90%</a:t>
             </a:r>
           </a:p>
           <a:p>
             <a:pPr lvl="3"/>
             <a:r>
-              <a:rPr lang="de-DE" dirty="0" smtClean="0">
+              <a:rPr lang="de-DE" dirty="0">
                 <a:solidFill>
                   <a:srgbClr val="FF0000"/>
                 </a:solidFill>
@@ -14548,7 +14514,7 @@
           <a:p>
             <a:pPr lvl="3"/>
             <a:r>
-              <a:rPr lang="de-DE" dirty="0" smtClean="0"/>
+              <a:rPr lang="de-DE" dirty="0"/>
               <a:t>50° C: 20% - 80%</a:t>
             </a:r>
           </a:p>
@@ -14557,35 +14523,35 @@
               <a:buNone/>
             </a:pPr>
             <a:r>
-              <a:rPr lang="de-DE" dirty="0" smtClean="0"/>
+              <a:rPr lang="de-DE" dirty="0"/>
               <a:t>2. Genauigkeit</a:t>
             </a:r>
           </a:p>
           <a:p>
             <a:pPr lvl="2"/>
             <a:r>
-              <a:rPr lang="de-DE" dirty="0" smtClean="0"/>
+              <a:rPr lang="de-DE" dirty="0"/>
               <a:t>Temperatur: </a:t>
             </a:r>
           </a:p>
           <a:p>
             <a:pPr lvl="3"/>
             <a:r>
-              <a:rPr lang="de-DE" dirty="0" smtClean="0"/>
+              <a:rPr lang="de-DE" dirty="0"/>
               <a:t>+ / - 2 °C</a:t>
             </a:r>
           </a:p>
           <a:p>
             <a:pPr lvl="2"/>
             <a:r>
-              <a:rPr lang="de-DE" dirty="0" smtClean="0"/>
+              <a:rPr lang="de-DE" dirty="0"/>
               <a:t>Feuchtigkeit: </a:t>
             </a:r>
           </a:p>
           <a:p>
             <a:pPr lvl="3"/>
             <a:r>
-              <a:rPr lang="de-DE" dirty="0" smtClean="0"/>
+              <a:rPr lang="de-DE" dirty="0"/>
               <a:t>+ / - 5° %</a:t>
             </a:r>
           </a:p>
@@ -14607,10 +14573,9 @@
           <a:lstStyle/>
           <a:p>
             <a:r>
-              <a:rPr lang="de-DE" dirty="0" smtClean="0"/>
+              <a:rPr lang="de-DE" dirty="0"/>
               <a:t>Spezifische Daten DHT11</a:t>
             </a:r>
-            <a:endParaRPr lang="de-DE" dirty="0"/>
           </a:p>
         </p:txBody>
       </p:sp>
@@ -14630,7 +14595,7 @@
           <a:lstStyle/>
           <a:p>
             <a:r>
-              <a:rPr lang="de-DE" altLang="de-DE" smtClean="0"/>
+              <a:rPr lang="de-DE" altLang="de-DE"/>
               <a:t>Hochschule Mannheim | Julia Geigl, Klemens Behr, Kevin Höfle</a:t>
             </a:r>
             <a:endParaRPr lang="de-DE" altLang="de-DE" dirty="0"/>
@@ -14750,7 +14715,7 @@
               <a:buNone/>
             </a:pPr>
             <a:r>
-              <a:rPr lang="de-DE" dirty="0" smtClean="0"/>
+              <a:rPr lang="de-DE" dirty="0"/>
               <a:t>3. Antwortzeiten:</a:t>
             </a:r>
           </a:p>
@@ -14760,7 +14725,7 @@
               <a:buChar char="•"/>
             </a:pPr>
             <a:r>
-              <a:rPr lang="de-DE" dirty="0" smtClean="0"/>
+              <a:rPr lang="de-DE" dirty="0"/>
               <a:t>Min: 6s</a:t>
             </a:r>
           </a:p>
@@ -14770,7 +14735,7 @@
               <a:buChar char="•"/>
             </a:pPr>
             <a:r>
-              <a:rPr lang="de-DE" dirty="0" smtClean="0"/>
+              <a:rPr lang="de-DE" dirty="0"/>
               <a:t>Max: 30s</a:t>
             </a:r>
           </a:p>
@@ -14778,24 +14743,23 @@
             <a:pPr marL="209550" lvl="3" indent="0">
               <a:buNone/>
             </a:pPr>
-            <a:endParaRPr lang="de-DE" dirty="0" smtClean="0"/>
+            <a:endParaRPr lang="de-DE" dirty="0"/>
           </a:p>
           <a:p>
             <a:pPr marL="23813" lvl="2" indent="0">
               <a:buNone/>
             </a:pPr>
             <a:r>
-              <a:rPr lang="de-DE" dirty="0" smtClean="0"/>
+              <a:rPr lang="de-DE" dirty="0"/>
               <a:t>4. Abtastfrequenz:</a:t>
             </a:r>
           </a:p>
           <a:p>
             <a:pPr marL="495300" lvl="3" indent="-285750"/>
             <a:r>
-              <a:rPr lang="de-DE" dirty="0" smtClean="0"/>
+              <a:rPr lang="de-DE" dirty="0"/>
               <a:t>1 Hz</a:t>
             </a:r>
-            <a:endParaRPr lang="de-DE" dirty="0"/>
           </a:p>
         </p:txBody>
       </p:sp>
@@ -14815,10 +14779,9 @@
           <a:lstStyle/>
           <a:p>
             <a:r>
-              <a:rPr lang="de-DE" dirty="0" smtClean="0"/>
+              <a:rPr lang="de-DE" dirty="0"/>
               <a:t>Spezifische Daten DHT11</a:t>
             </a:r>
-            <a:endParaRPr lang="de-DE" dirty="0"/>
           </a:p>
         </p:txBody>
       </p:sp>
@@ -14838,7 +14801,7 @@
           <a:lstStyle/>
           <a:p>
             <a:r>
-              <a:rPr lang="de-DE" altLang="de-DE" smtClean="0"/>
+              <a:rPr lang="de-DE" altLang="de-DE"/>
               <a:t>Hochschule Mannheim | Julia Geigl, Klemens Behr, Kevin Höfle</a:t>
             </a:r>
             <a:endParaRPr lang="de-DE" altLang="de-DE" dirty="0"/>
@@ -14960,10 +14923,9 @@
           <a:lstStyle/>
           <a:p>
             <a:r>
-              <a:rPr lang="de-DE" dirty="0" smtClean="0"/>
+              <a:rPr lang="de-DE" dirty="0"/>
               <a:t>Datenpaket – DHT11</a:t>
             </a:r>
-            <a:endParaRPr lang="de-DE" dirty="0"/>
           </a:p>
         </p:txBody>
       </p:sp>
@@ -14983,18 +14945,17 @@
           <a:lstStyle/>
           <a:p>
             <a:r>
-              <a:rPr lang="de-DE" altLang="de-DE" dirty="0" smtClean="0"/>
+              <a:rPr lang="de-DE" altLang="de-DE" dirty="0"/>
               <a:t>Hochschule Mannheim | Julia </a:t>
             </a:r>
             <a:r>
-              <a:rPr lang="de-DE" altLang="de-DE" dirty="0" err="1" smtClean="0"/>
+              <a:rPr lang="de-DE" altLang="de-DE" dirty="0" err="1"/>
               <a:t>Geigl</a:t>
             </a:r>
             <a:r>
-              <a:rPr lang="de-DE" altLang="de-DE" dirty="0" smtClean="0"/>
+              <a:rPr lang="de-DE" altLang="de-DE" dirty="0"/>
               <a:t>, Klemens Behr, Kevin Höfle</a:t>
             </a:r>
-            <a:endParaRPr lang="de-DE" altLang="de-DE" dirty="0"/>
           </a:p>
         </p:txBody>
       </p:sp>
@@ -15067,7 +15028,7 @@
               <a:tabLst/>
             </a:pPr>
             <a:r>
-              <a:rPr kumimoji="0" lang="de-DE" sz="1800" b="0" i="0" u="none" strike="noStrike" cap="none" normalizeH="0" baseline="0" dirty="0" smtClean="0">
+              <a:rPr kumimoji="0" lang="de-DE" sz="1800" b="0" i="0" u="none" strike="noStrike" cap="none" normalizeH="0" baseline="0" dirty="0">
                 <a:ln>
                   <a:noFill/>
                 </a:ln>
@@ -15080,7 +15041,7 @@
               <a:t>Integral</a:t>
             </a:r>
             <a:r>
-              <a:rPr kumimoji="0" lang="de-DE" sz="1800" b="0" i="0" u="none" strike="noStrike" cap="none" normalizeH="0" dirty="0" smtClean="0">
+              <a:rPr kumimoji="0" lang="de-DE" sz="1800" b="0" i="0" u="none" strike="noStrike" cap="none" normalizeH="0" dirty="0">
                 <a:ln>
                   <a:noFill/>
                 </a:ln>
@@ -15093,7 +15054,7 @@
               <a:t> </a:t>
             </a:r>
             <a:r>
-              <a:rPr kumimoji="0" lang="de-DE" sz="1800" b="0" i="0" u="none" strike="noStrike" cap="none" normalizeH="0" dirty="0" err="1" smtClean="0">
+              <a:rPr kumimoji="0" lang="de-DE" sz="1800" b="0" i="0" u="none" strike="noStrike" cap="none" normalizeH="0" dirty="0" err="1">
                 <a:ln>
                   <a:noFill/>
                 </a:ln>
@@ -15106,7 +15067,7 @@
               <a:t>Humdity</a:t>
             </a:r>
             <a:r>
-              <a:rPr kumimoji="0" lang="de-DE" sz="1800" b="0" i="0" u="none" strike="noStrike" cap="none" normalizeH="0" dirty="0" smtClean="0">
+              <a:rPr kumimoji="0" lang="de-DE" sz="1800" b="0" i="0" u="none" strike="noStrike" cap="none" normalizeH="0" dirty="0">
                 <a:ln>
                   <a:noFill/>
                 </a:ln>
@@ -15118,7 +15079,7 @@
               </a:rPr>
               <a:t>	</a:t>
             </a:r>
-            <a:endParaRPr kumimoji="0" lang="de-DE" sz="1800" b="0" i="0" u="none" strike="noStrike" cap="none" normalizeH="0" baseline="0" dirty="0" smtClean="0">
+            <a:endParaRPr kumimoji="0" lang="de-DE" sz="1800" b="0" i="0" u="none" strike="noStrike" cap="none" normalizeH="0" baseline="0" dirty="0">
               <a:ln>
                 <a:noFill/>
               </a:ln>
@@ -15200,7 +15161,7 @@
               <a:tabLst/>
             </a:pPr>
             <a:r>
-              <a:rPr kumimoji="0" lang="de-DE" sz="1800" b="0" i="0" u="none" strike="noStrike" cap="none" normalizeH="0" baseline="0" dirty="0" err="1" smtClean="0">
+              <a:rPr kumimoji="0" lang="de-DE" sz="1800" b="0" i="0" u="none" strike="noStrike" cap="none" normalizeH="0" baseline="0" dirty="0" err="1">
                 <a:ln>
                   <a:noFill/>
                 </a:ln>
@@ -15213,7 +15174,7 @@
               <a:t>Decimal</a:t>
             </a:r>
             <a:r>
-              <a:rPr kumimoji="0" lang="de-DE" sz="1800" b="0" i="0" u="none" strike="noStrike" cap="none" normalizeH="0" baseline="0" dirty="0" smtClean="0">
+              <a:rPr kumimoji="0" lang="de-DE" sz="1800" b="0" i="0" u="none" strike="noStrike" cap="none" normalizeH="0" baseline="0" dirty="0">
                 <a:ln>
                   <a:noFill/>
                 </a:ln>
@@ -15226,7 +15187,7 @@
               <a:t> </a:t>
             </a:r>
             <a:r>
-              <a:rPr kumimoji="0" lang="de-DE" sz="1800" b="0" i="0" u="none" strike="noStrike" cap="none" normalizeH="0" baseline="0" dirty="0" err="1" smtClean="0">
+              <a:rPr kumimoji="0" lang="de-DE" sz="1800" b="0" i="0" u="none" strike="noStrike" cap="none" normalizeH="0" baseline="0" dirty="0" err="1">
                 <a:ln>
                   <a:noFill/>
                 </a:ln>
@@ -15239,7 +15200,7 @@
               <a:t>Humidity</a:t>
             </a:r>
             <a:r>
-              <a:rPr kumimoji="0" lang="de-DE" sz="1800" b="0" i="0" u="none" strike="noStrike" cap="none" normalizeH="0" baseline="0" dirty="0" smtClean="0">
+              <a:rPr kumimoji="0" lang="de-DE" sz="1800" b="0" i="0" u="none" strike="noStrike" cap="none" normalizeH="0" baseline="0" dirty="0">
                 <a:ln>
                   <a:noFill/>
                 </a:ln>
@@ -15323,7 +15284,7 @@
               <a:tabLst/>
             </a:pPr>
             <a:r>
-              <a:rPr kumimoji="0" lang="de-DE" sz="1800" b="0" i="0" u="none" strike="noStrike" cap="none" normalizeH="0" baseline="0" dirty="0" smtClean="0">
+              <a:rPr kumimoji="0" lang="de-DE" sz="1800" b="0" i="0" u="none" strike="noStrike" cap="none" normalizeH="0" baseline="0" dirty="0">
                 <a:ln>
                   <a:noFill/>
                 </a:ln>
@@ -15336,7 +15297,7 @@
               <a:t>Integral</a:t>
             </a:r>
             <a:r>
-              <a:rPr kumimoji="0" lang="de-DE" sz="1800" b="0" i="0" u="none" strike="noStrike" cap="none" normalizeH="0" dirty="0" smtClean="0">
+              <a:rPr kumimoji="0" lang="de-DE" sz="1800" b="0" i="0" u="none" strike="noStrike" cap="none" normalizeH="0" dirty="0">
                 <a:ln>
                   <a:noFill/>
                 </a:ln>
@@ -15348,7 +15309,7 @@
               </a:rPr>
               <a:t> Temperatur</a:t>
             </a:r>
-            <a:endParaRPr kumimoji="0" lang="de-DE" sz="1800" b="0" i="0" u="none" strike="noStrike" cap="none" normalizeH="0" baseline="0" dirty="0" smtClean="0">
+            <a:endParaRPr kumimoji="0" lang="de-DE" sz="1800" b="0" i="0" u="none" strike="noStrike" cap="none" normalizeH="0" baseline="0" dirty="0">
               <a:ln>
                 <a:noFill/>
               </a:ln>
@@ -15430,7 +15391,7 @@
               <a:tabLst/>
             </a:pPr>
             <a:r>
-              <a:rPr kumimoji="0" lang="de-DE" sz="1800" b="0" i="0" u="none" strike="noStrike" cap="none" normalizeH="0" baseline="0" dirty="0" err="1" smtClean="0">
+              <a:rPr kumimoji="0" lang="de-DE" sz="1800" b="0" i="0" u="none" strike="noStrike" cap="none" normalizeH="0" baseline="0" dirty="0" err="1">
                 <a:ln>
                   <a:noFill/>
                 </a:ln>
@@ -15443,7 +15404,7 @@
               <a:t>Decimal</a:t>
             </a:r>
             <a:r>
-              <a:rPr kumimoji="0" lang="de-DE" sz="1800" b="0" i="0" u="none" strike="noStrike" cap="none" normalizeH="0" baseline="0" dirty="0" smtClean="0">
+              <a:rPr kumimoji="0" lang="de-DE" sz="1800" b="0" i="0" u="none" strike="noStrike" cap="none" normalizeH="0" baseline="0" dirty="0">
                 <a:ln>
                   <a:noFill/>
                 </a:ln>
@@ -15456,7 +15417,7 @@
               <a:t> </a:t>
             </a:r>
             <a:r>
-              <a:rPr kumimoji="0" lang="de-DE" sz="1800" b="0" i="0" u="none" strike="noStrike" cap="none" normalizeH="0" baseline="0" dirty="0" err="1" smtClean="0">
+              <a:rPr kumimoji="0" lang="de-DE" sz="1800" b="0" i="0" u="none" strike="noStrike" cap="none" normalizeH="0" baseline="0" dirty="0" err="1">
                 <a:ln>
                   <a:noFill/>
                 </a:ln>
@@ -15468,7 +15429,7 @@
               </a:rPr>
               <a:t>Temperature</a:t>
             </a:r>
-            <a:endParaRPr kumimoji="0" lang="de-DE" sz="1800" b="0" i="0" u="none" strike="noStrike" cap="none" normalizeH="0" baseline="0" dirty="0" smtClean="0">
+            <a:endParaRPr kumimoji="0" lang="de-DE" sz="1800" b="0" i="0" u="none" strike="noStrike" cap="none" normalizeH="0" baseline="0" dirty="0">
               <a:ln>
                 <a:noFill/>
               </a:ln>
@@ -15550,7 +15511,7 @@
               <a:tabLst/>
             </a:pPr>
             <a:r>
-              <a:rPr kumimoji="0" lang="de-DE" sz="1800" b="0" i="0" u="none" strike="noStrike" cap="none" normalizeH="0" baseline="0" dirty="0" smtClean="0">
+              <a:rPr kumimoji="0" lang="de-DE" sz="1800" b="0" i="0" u="none" strike="noStrike" cap="none" normalizeH="0" baseline="0" dirty="0">
                 <a:ln>
                   <a:noFill/>
                 </a:ln>
@@ -15563,7 +15524,7 @@
               <a:t>Check </a:t>
             </a:r>
             <a:r>
-              <a:rPr kumimoji="0" lang="de-DE" sz="1800" b="0" i="0" u="none" strike="noStrike" cap="none" normalizeH="0" baseline="0" dirty="0" err="1" smtClean="0">
+              <a:rPr kumimoji="0" lang="de-DE" sz="1800" b="0" i="0" u="none" strike="noStrike" cap="none" normalizeH="0" baseline="0" dirty="0" err="1">
                 <a:ln>
                   <a:noFill/>
                 </a:ln>
@@ -15575,7 +15536,7 @@
               </a:rPr>
               <a:t>Sum</a:t>
             </a:r>
-            <a:endParaRPr kumimoji="0" lang="de-DE" sz="1800" b="0" i="0" u="none" strike="noStrike" cap="none" normalizeH="0" baseline="0" dirty="0" smtClean="0">
+            <a:endParaRPr kumimoji="0" lang="de-DE" sz="1800" b="0" i="0" u="none" strike="noStrike" cap="none" normalizeH="0" baseline="0" dirty="0">
               <a:ln>
                 <a:noFill/>
               </a:ln>
@@ -15611,10 +15572,9 @@
           <a:lstStyle/>
           <a:p>
             <a:r>
-              <a:rPr lang="de-DE" dirty="0" smtClean="0"/>
+              <a:rPr lang="de-DE" dirty="0"/>
               <a:t>0</a:t>
             </a:r>
-            <a:endParaRPr lang="de-DE" dirty="0"/>
           </a:p>
         </p:txBody>
       </p:sp>
@@ -15641,10 +15601,9 @@
           <a:lstStyle/>
           <a:p>
             <a:r>
-              <a:rPr lang="de-DE" dirty="0" smtClean="0"/>
+              <a:rPr lang="de-DE" dirty="0"/>
               <a:t>39</a:t>
             </a:r>
-            <a:endParaRPr lang="de-DE" dirty="0"/>
           </a:p>
         </p:txBody>
       </p:sp>
@@ -15671,10 +15630,9 @@
           <a:lstStyle/>
           <a:p>
             <a:r>
-              <a:rPr lang="de-DE" dirty="0" smtClean="0"/>
+              <a:rPr lang="de-DE" dirty="0"/>
               <a:t>7</a:t>
             </a:r>
-            <a:endParaRPr lang="de-DE" dirty="0"/>
           </a:p>
         </p:txBody>
       </p:sp>
@@ -15701,10 +15659,9 @@
           <a:lstStyle/>
           <a:p>
             <a:r>
-              <a:rPr lang="de-DE" dirty="0" smtClean="0"/>
+              <a:rPr lang="de-DE" dirty="0"/>
               <a:t>8</a:t>
             </a:r>
-            <a:endParaRPr lang="de-DE" dirty="0"/>
           </a:p>
         </p:txBody>
       </p:sp>
@@ -15731,10 +15688,9 @@
           <a:lstStyle/>
           <a:p>
             <a:r>
-              <a:rPr lang="de-DE" dirty="0" smtClean="0"/>
+              <a:rPr lang="de-DE" dirty="0"/>
               <a:t>15</a:t>
             </a:r>
-            <a:endParaRPr lang="de-DE" dirty="0"/>
           </a:p>
         </p:txBody>
       </p:sp>
@@ -15761,10 +15717,9 @@
           <a:lstStyle/>
           <a:p>
             <a:r>
-              <a:rPr lang="de-DE" dirty="0" smtClean="0"/>
+              <a:rPr lang="de-DE" dirty="0"/>
               <a:t>16</a:t>
             </a:r>
-            <a:endParaRPr lang="de-DE" dirty="0"/>
           </a:p>
         </p:txBody>
       </p:sp>
@@ -15791,10 +15746,9 @@
           <a:lstStyle/>
           <a:p>
             <a:r>
-              <a:rPr lang="de-DE" dirty="0" smtClean="0"/>
+              <a:rPr lang="de-DE" dirty="0"/>
               <a:t>23</a:t>
             </a:r>
-            <a:endParaRPr lang="de-DE" dirty="0"/>
           </a:p>
         </p:txBody>
       </p:sp>
@@ -15821,10 +15775,9 @@
           <a:lstStyle/>
           <a:p>
             <a:r>
-              <a:rPr lang="de-DE" dirty="0" smtClean="0"/>
+              <a:rPr lang="de-DE" dirty="0"/>
               <a:t>24</a:t>
             </a:r>
-            <a:endParaRPr lang="de-DE" dirty="0"/>
           </a:p>
         </p:txBody>
       </p:sp>
@@ -15851,10 +15804,9 @@
           <a:lstStyle/>
           <a:p>
             <a:r>
-              <a:rPr lang="de-DE" dirty="0" smtClean="0"/>
+              <a:rPr lang="de-DE" dirty="0"/>
               <a:t>31</a:t>
             </a:r>
-            <a:endParaRPr lang="de-DE" dirty="0"/>
           </a:p>
         </p:txBody>
       </p:sp>
@@ -15881,10 +15833,9 @@
           <a:lstStyle/>
           <a:p>
             <a:r>
-              <a:rPr lang="de-DE" dirty="0" smtClean="0"/>
+              <a:rPr lang="de-DE" dirty="0"/>
               <a:t>32</a:t>
             </a:r>
-            <a:endParaRPr lang="de-DE" dirty="0"/>
           </a:p>
         </p:txBody>
       </p:sp>
@@ -16263,10 +16214,6 @@
             <a:pPr marL="0" indent="0">
               <a:buNone/>
             </a:pPr>
-            <a:r>
-              <a:rPr lang="en-US" dirty="0"/>
-              <a:t/>
-            </a:r>
             <a:br>
               <a:rPr lang="en-US" dirty="0"/>
             </a:br>
@@ -17243,13 +17190,8 @@
             <a:pPr algn="l"/>
             <a:r>
               <a:rPr lang="de-DE" dirty="0"/>
-              <a:t>Reaktionszeit: </a:t>
-            </a:r>
-            <a:r>
-              <a:rPr lang="de-DE" dirty="0" smtClean="0"/>
-              <a:t>6s – 15s</a:t>
-            </a:r>
-            <a:endParaRPr lang="de-DE" dirty="0"/>
+              <a:t>Reaktionszeit: 6s – 30s</a:t>
+            </a:r>
           </a:p>
         </p:txBody>
       </p:sp>
@@ -17493,6 +17435,84 @@
               <a:rPr lang="de-DE" dirty="0"/>
               <a:t>Feuchtigkeits-Variable</a:t>
             </a:r>
+          </a:p>
+        </p:txBody>
+      </p:sp>
+      <p:cxnSp>
+        <p:nvCxnSpPr>
+          <p:cNvPr id="10" name="Gerade Verbindung mit Pfeil 9"/>
+          <p:cNvCxnSpPr/>
+          <p:nvPr/>
+        </p:nvCxnSpPr>
+        <p:spPr bwMode="auto">
+          <a:xfrm flipH="1" flipV="1">
+            <a:off x="5868144" y="4401108"/>
+            <a:ext cx="1152128" cy="648072"/>
+          </a:xfrm>
+          <a:prstGeom prst="straightConnector1">
+            <a:avLst/>
+          </a:prstGeom>
+          <a:noFill/>
+          <a:ln w="19050" cap="flat" cmpd="sng" algn="ctr">
+            <a:solidFill>
+              <a:schemeClr val="hlink"/>
+            </a:solidFill>
+            <a:prstDash val="solid"/>
+            <a:round/>
+            <a:headEnd type="none" w="med" len="med"/>
+            <a:tailEnd type="triangle"/>
+          </a:ln>
+          <a:effectLst/>
+          <a:extLst>
+            <a:ext uri="{909E8E84-426E-40DD-AFC4-6F175D3DCCD1}">
+              <a14:hiddenFill xmlns:a14="http://schemas.microsoft.com/office/drawing/2010/main">
+                <a:solidFill>
+                  <a:schemeClr val="tx2"/>
+                </a:solidFill>
+              </a14:hiddenFill>
+            </a:ext>
+            <a:ext uri="{AF507438-7753-43E0-B8FC-AC1667EBCBE1}">
+              <a14:hiddenEffects xmlns:a14="http://schemas.microsoft.com/office/drawing/2010/main">
+                <a:effectLst>
+                  <a:outerShdw dist="35921" dir="2700000" algn="ctr" rotWithShape="0">
+                    <a:schemeClr val="bg2"/>
+                  </a:outerShdw>
+                </a:effectLst>
+              </a14:hiddenEffects>
+            </a:ext>
+          </a:extLst>
+        </p:spPr>
+      </p:cxnSp>
+      <p:sp>
+        <p:nvSpPr>
+          <p:cNvPr id="14" name="Textfeld 13"/>
+          <p:cNvSpPr txBox="1"/>
+          <p:nvPr/>
+        </p:nvSpPr>
+        <p:spPr>
+          <a:xfrm>
+            <a:off x="7203956" y="4935170"/>
+            <a:ext cx="1220472" cy="646331"/>
+          </a:xfrm>
+          <a:prstGeom prst="rect">
+            <a:avLst/>
+          </a:prstGeom>
+          <a:noFill/>
+        </p:spPr>
+        <p:txBody>
+          <a:bodyPr wrap="square" rtlCol="0">
+            <a:spAutoFit/>
+          </a:bodyPr>
+          <a:lstStyle/>
+          <a:p>
+            <a:r>
+              <a:rPr lang="de-DE" dirty="0" err="1"/>
+              <a:t>Rawdata</a:t>
+            </a:r>
+            <a:br>
+              <a:rPr lang="de-DE" dirty="0"/>
+            </a:br>
+            <a:endParaRPr lang="de-DE" dirty="0"/>
           </a:p>
         </p:txBody>
       </p:sp>
@@ -18243,10 +18263,9 @@
           <a:lstStyle/>
           <a:p>
             <a:r>
-              <a:rPr lang="de-DE" sz="7200" dirty="0" smtClean="0"/>
+              <a:rPr lang="de-DE" sz="7200" dirty="0"/>
               <a:t>Kommunikation  ESP</a:t>
             </a:r>
-            <a:endParaRPr lang="de-DE" sz="7200" dirty="0"/>
           </a:p>
         </p:txBody>
       </p:sp>
@@ -18307,7 +18326,7 @@
               <a:t>Intro</a:t>
             </a:r>
             <a:r>
-              <a:rPr lang="de-DE" dirty="0" smtClean="0"/>
+              <a:rPr lang="de-DE" dirty="0"/>
               <a:t> </a:t>
             </a:r>
             <a:r>
@@ -18321,7 +18340,7 @@
               <a:t>Sensoren&amp;Bibliotheken</a:t>
             </a:r>
             <a:r>
-              <a:rPr lang="de-DE" dirty="0" smtClean="0">
+              <a:rPr lang="de-DE" dirty="0">
                 <a:solidFill>
                   <a:schemeClr val="bg1">
                     <a:lumMod val="75000"/>
@@ -18335,7 +18354,7 @@
               <a:t>Kommunikation</a:t>
             </a:r>
             <a:r>
-              <a:rPr lang="de-DE" dirty="0" smtClean="0">
+              <a:rPr lang="de-DE" dirty="0">
                 <a:solidFill>
                   <a:schemeClr val="bg1">
                     <a:lumMod val="75000"/>
@@ -18345,7 +18364,7 @@
               <a:t> Programmablauf </a:t>
             </a:r>
             <a:r>
-              <a:rPr lang="de-DE" dirty="0" err="1" smtClean="0">
+              <a:rPr lang="de-DE" dirty="0" err="1">
                 <a:solidFill>
                   <a:schemeClr val="bg1">
                     <a:lumMod val="75000"/>
@@ -18355,7 +18374,7 @@
               <a:t>IoT</a:t>
             </a:r>
             <a:r>
-              <a:rPr lang="de-DE" dirty="0" smtClean="0">
+              <a:rPr lang="de-DE" dirty="0">
                 <a:solidFill>
                   <a:schemeClr val="bg1">
                     <a:lumMod val="75000"/>
@@ -18365,7 +18384,7 @@
               <a:t> </a:t>
             </a:r>
             <a:r>
-              <a:rPr lang="de-DE" dirty="0" err="1" smtClean="0">
+              <a:rPr lang="de-DE" dirty="0" err="1">
                 <a:solidFill>
                   <a:schemeClr val="bg1">
                     <a:lumMod val="75000"/>
@@ -19568,7 +19587,7 @@
               <a:t>Intro</a:t>
             </a:r>
             <a:r>
-              <a:rPr lang="de-DE" dirty="0" smtClean="0"/>
+              <a:rPr lang="de-DE" dirty="0"/>
               <a:t> </a:t>
             </a:r>
             <a:r>
@@ -19582,7 +19601,21 @@
               <a:t>Sensoren&amp;Bibliotheken</a:t>
             </a:r>
             <a:r>
-              <a:rPr lang="de-DE" dirty="0" smtClean="0">
+              <a:rPr lang="de-DE" dirty="0">
+                <a:solidFill>
+                  <a:schemeClr val="bg1">
+                    <a:lumMod val="75000"/>
+                  </a:schemeClr>
+                </a:solidFill>
+              </a:rPr>
+              <a:t> Kommunikation </a:t>
+            </a:r>
+            <a:r>
+              <a:rPr lang="de-DE" dirty="0"/>
+              <a:t>Programmablauf</a:t>
+            </a:r>
+            <a:r>
+              <a:rPr lang="de-DE" dirty="0">
                 <a:solidFill>
                   <a:schemeClr val="bg1">
                     <a:lumMod val="75000"/>
@@ -19592,6 +19625,16 @@
               <a:t> </a:t>
             </a:r>
             <a:r>
+              <a:rPr lang="de-DE" dirty="0" err="1">
+                <a:solidFill>
+                  <a:schemeClr val="bg1">
+                    <a:lumMod val="75000"/>
+                  </a:schemeClr>
+                </a:solidFill>
+              </a:rPr>
+              <a:t>IoT</a:t>
+            </a:r>
+            <a:r>
               <a:rPr lang="de-DE" dirty="0">
                 <a:solidFill>
                   <a:schemeClr val="bg1">
@@ -19599,54 +19642,10 @@
                   </a:schemeClr>
                 </a:solidFill>
               </a:rPr>
-              <a:t>Kommunikation</a:t>
-            </a:r>
-            <a:r>
-              <a:rPr lang="de-DE" dirty="0" smtClean="0">
-                <a:solidFill>
-                  <a:schemeClr val="bg1">
-                    <a:lumMod val="75000"/>
-                  </a:schemeClr>
-                </a:solidFill>
-              </a:rPr>
               <a:t> </a:t>
             </a:r>
             <a:r>
-              <a:rPr lang="de-DE" dirty="0"/>
-              <a:t>Programmablauf</a:t>
-            </a:r>
-            <a:r>
-              <a:rPr lang="de-DE" dirty="0" smtClean="0">
-                <a:solidFill>
-                  <a:schemeClr val="bg1">
-                    <a:lumMod val="75000"/>
-                  </a:schemeClr>
-                </a:solidFill>
-              </a:rPr>
-              <a:t> </a:t>
-            </a:r>
-            <a:r>
-              <a:rPr lang="de-DE" dirty="0" err="1" smtClean="0">
-                <a:solidFill>
-                  <a:schemeClr val="bg1">
-                    <a:lumMod val="75000"/>
-                  </a:schemeClr>
-                </a:solidFill>
-              </a:rPr>
-              <a:t>IoT</a:t>
-            </a:r>
-            <a:r>
-              <a:rPr lang="de-DE" dirty="0" smtClean="0">
-                <a:solidFill>
-                  <a:schemeClr val="bg1">
-                    <a:lumMod val="75000"/>
-                  </a:schemeClr>
-                </a:solidFill>
-              </a:rPr>
-              <a:t> </a:t>
-            </a:r>
-            <a:r>
-              <a:rPr lang="de-DE" dirty="0" err="1" smtClean="0">
+              <a:rPr lang="de-DE" dirty="0" err="1">
                 <a:solidFill>
                   <a:schemeClr val="bg1">
                     <a:lumMod val="75000"/>
@@ -19798,11 +19797,11 @@
           <a:p>
             <a:pPr algn="l"/>
             <a:r>
-              <a:rPr lang="de-DE" dirty="0" smtClean="0"/>
+              <a:rPr lang="de-DE" dirty="0"/>
               <a:t>Intro </a:t>
             </a:r>
             <a:r>
-              <a:rPr lang="de-DE" dirty="0" err="1" smtClean="0">
+              <a:rPr lang="de-DE" dirty="0" err="1">
                 <a:solidFill>
                   <a:schemeClr val="bg1">
                     <a:lumMod val="75000"/>
@@ -19812,7 +19811,7 @@
               <a:t>Sensoren&amp;Bibliotheken</a:t>
             </a:r>
             <a:r>
-              <a:rPr lang="de-DE" dirty="0" smtClean="0">
+              <a:rPr lang="de-DE" dirty="0">
                 <a:solidFill>
                   <a:schemeClr val="bg1">
                     <a:lumMod val="75000"/>
@@ -19822,7 +19821,7 @@
               <a:t> Kommunikation Programmablauf </a:t>
             </a:r>
             <a:r>
-              <a:rPr lang="de-DE" dirty="0" err="1" smtClean="0">
+              <a:rPr lang="de-DE" dirty="0" err="1">
                 <a:solidFill>
                   <a:schemeClr val="bg1">
                     <a:lumMod val="75000"/>
@@ -19832,7 +19831,7 @@
               <a:t>IoT</a:t>
             </a:r>
             <a:r>
-              <a:rPr lang="de-DE" dirty="0" smtClean="0">
+              <a:rPr lang="de-DE" dirty="0">
                 <a:solidFill>
                   <a:schemeClr val="bg1">
                     <a:lumMod val="75000"/>
@@ -19842,7 +19841,7 @@
               <a:t> </a:t>
             </a:r>
             <a:r>
-              <a:rPr lang="de-DE" dirty="0" err="1" smtClean="0">
+              <a:rPr lang="de-DE" dirty="0" err="1">
                 <a:solidFill>
                   <a:schemeClr val="bg1">
                     <a:lumMod val="75000"/>
@@ -21535,19 +21534,11 @@
             </a:r>
             <a:r>
               <a:rPr lang="de-DE"/>
-              <a:t>i</a:t>
-            </a:r>
-            <a:r>
-              <a:rPr lang="de-DE" smtClean="0"/>
-              <a:t>o</a:t>
-            </a:r>
-            <a:r>
-              <a:rPr lang="de-DE" dirty="0" smtClean="0"/>
-              <a:t> </a:t>
+              <a:t>io</a:t>
             </a:r>
             <a:r>
               <a:rPr lang="de-DE" dirty="0"/>
-              <a:t>senden</a:t>
+              <a:t> senden</a:t>
             </a:r>
           </a:p>
         </p:txBody>
@@ -22061,11 +22052,11 @@
           <a:lstStyle/>
           <a:p>
             <a:r>
-              <a:rPr lang="de-DE" sz="5400" dirty="0" err="1" smtClean="0"/>
+              <a:rPr lang="de-DE" sz="5400" dirty="0" err="1"/>
               <a:t>IoT</a:t>
             </a:r>
             <a:r>
-              <a:rPr lang="de-DE" sz="5400" smtClean="0"/>
+              <a:rPr lang="de-DE" sz="5400"/>
               <a:t> Plattform</a:t>
             </a:r>
             <a:endParaRPr lang="de-DE" sz="5400" dirty="0"/>
@@ -22129,7 +22120,7 @@
               <a:t>Intro</a:t>
             </a:r>
             <a:r>
-              <a:rPr lang="de-DE" dirty="0" smtClean="0"/>
+              <a:rPr lang="de-DE" dirty="0"/>
               <a:t> </a:t>
             </a:r>
             <a:r>
@@ -22143,16 +22134,6 @@
               <a:t>Sensoren&amp;Bibliotheken</a:t>
             </a:r>
             <a:r>
-              <a:rPr lang="de-DE" dirty="0" smtClean="0">
-                <a:solidFill>
-                  <a:schemeClr val="bg1">
-                    <a:lumMod val="75000"/>
-                  </a:schemeClr>
-                </a:solidFill>
-              </a:rPr>
-              <a:t> </a:t>
-            </a:r>
-            <a:r>
               <a:rPr lang="de-DE" dirty="0">
                 <a:solidFill>
                   <a:schemeClr val="bg1">
@@ -22160,37 +22141,7 @@
                   </a:schemeClr>
                 </a:solidFill>
               </a:rPr>
-              <a:t>Kommunikation</a:t>
-            </a:r>
-            <a:r>
-              <a:rPr lang="de-DE" dirty="0" smtClean="0">
-                <a:solidFill>
-                  <a:schemeClr val="bg1">
-                    <a:lumMod val="75000"/>
-                  </a:schemeClr>
-                </a:solidFill>
-              </a:rPr>
-              <a:t> </a:t>
-            </a:r>
-            <a:r>
-              <a:rPr lang="de-DE" dirty="0">
-                <a:solidFill>
-                  <a:schemeClr val="bg1">
-                    <a:lumMod val="75000"/>
-                  </a:schemeClr>
-                </a:solidFill>
-              </a:rPr>
-              <a:t>Programmablauf</a:t>
-            </a:r>
-            <a:r>
-              <a:rPr lang="de-DE" dirty="0" smtClean="0">
-                <a:solidFill>
-                  <a:schemeClr val="bg1">
-                    <a:lumMod val="75000"/>
-                  </a:schemeClr>
-                </a:solidFill>
-              </a:rPr>
-              <a:t> </a:t>
+              <a:t> Kommunikation Programmablauf </a:t>
             </a:r>
             <a:r>
               <a:rPr lang="de-DE" dirty="0" err="1"/>
@@ -25056,7 +25007,7 @@
           <a:p>
             <a:pPr algn="ctr"/>
             <a:r>
-              <a:rPr lang="de-DE" sz="9600" dirty="0" smtClean="0"/>
+              <a:rPr lang="de-DE" sz="9600" dirty="0"/>
               <a:t>LIVE-DEMO</a:t>
             </a:r>
             <a:endParaRPr lang="en-GB" sz="9600" dirty="0"/>
@@ -25079,7 +25030,7 @@
           <a:lstStyle/>
           <a:p>
             <a:r>
-              <a:rPr lang="de-DE" altLang="de-DE" smtClean="0"/>
+              <a:rPr lang="de-DE" altLang="de-DE"/>
               <a:t>Hochschule Mannheim | Julia Geigl, Klemens Behr, Kevin Höfle</a:t>
             </a:r>
             <a:endParaRPr lang="de-DE" altLang="de-DE" dirty="0"/>

--- a/PES_FH_VERS.pptx
+++ b/PES_FH_VERS.pptx
@@ -13142,37 +13142,7 @@
                   </a:schemeClr>
                 </a:solidFill>
               </a:rPr>
-              <a:t> Kommunikation Programmablauf </a:t>
-            </a:r>
-            <a:r>
-              <a:rPr lang="de-DE" dirty="0" err="1">
-                <a:solidFill>
-                  <a:schemeClr val="bg1">
-                    <a:lumMod val="75000"/>
-                  </a:schemeClr>
-                </a:solidFill>
-              </a:rPr>
-              <a:t>IoT</a:t>
-            </a:r>
-            <a:r>
-              <a:rPr lang="de-DE" dirty="0">
-                <a:solidFill>
-                  <a:schemeClr val="bg1">
-                    <a:lumMod val="75000"/>
-                  </a:schemeClr>
-                </a:solidFill>
-              </a:rPr>
-              <a:t> </a:t>
-            </a:r>
-            <a:r>
-              <a:rPr lang="de-DE" dirty="0" err="1">
-                <a:solidFill>
-                  <a:schemeClr val="bg1">
-                    <a:lumMod val="75000"/>
-                  </a:schemeClr>
-                </a:solidFill>
-              </a:rPr>
-              <a:t>Platform</a:t>
+              <a:t> Kommunikation Programmablauf IoT Plattform</a:t>
             </a:r>
             <a:endParaRPr lang="en-GB" dirty="0">
               <a:solidFill>
@@ -16195,11 +16165,11 @@
             </a:r>
             <a:r>
               <a:rPr lang="en-US" dirty="0" err="1"/>
-              <a:t>Platfrom</a:t>
+              <a:t>Plattform</a:t>
             </a:r>
             <a:r>
               <a:rPr lang="en-US" dirty="0"/>
-              <a:t> – </a:t>
+              <a:t>  – </a:t>
             </a:r>
             <a:r>
               <a:rPr lang="en-US" dirty="0" err="1"/>
@@ -18361,37 +18331,7 @@
                   </a:schemeClr>
                 </a:solidFill>
               </a:rPr>
-              <a:t> Programmablauf </a:t>
-            </a:r>
-            <a:r>
-              <a:rPr lang="de-DE" dirty="0" err="1">
-                <a:solidFill>
-                  <a:schemeClr val="bg1">
-                    <a:lumMod val="75000"/>
-                  </a:schemeClr>
-                </a:solidFill>
-              </a:rPr>
-              <a:t>IoT</a:t>
-            </a:r>
-            <a:r>
-              <a:rPr lang="de-DE" dirty="0">
-                <a:solidFill>
-                  <a:schemeClr val="bg1">
-                    <a:lumMod val="75000"/>
-                  </a:schemeClr>
-                </a:solidFill>
-              </a:rPr>
-              <a:t> </a:t>
-            </a:r>
-            <a:r>
-              <a:rPr lang="de-DE" dirty="0" err="1">
-                <a:solidFill>
-                  <a:schemeClr val="bg1">
-                    <a:lumMod val="75000"/>
-                  </a:schemeClr>
-                </a:solidFill>
-              </a:rPr>
-              <a:t>Platform</a:t>
+              <a:t> Programmablauf IoT Plattform</a:t>
             </a:r>
             <a:endParaRPr lang="en-GB" dirty="0">
               <a:solidFill>
@@ -19622,37 +19562,7 @@
                   </a:schemeClr>
                 </a:solidFill>
               </a:rPr>
-              <a:t> </a:t>
-            </a:r>
-            <a:r>
-              <a:rPr lang="de-DE" dirty="0" err="1">
-                <a:solidFill>
-                  <a:schemeClr val="bg1">
-                    <a:lumMod val="75000"/>
-                  </a:schemeClr>
-                </a:solidFill>
-              </a:rPr>
-              <a:t>IoT</a:t>
-            </a:r>
-            <a:r>
-              <a:rPr lang="de-DE" dirty="0">
-                <a:solidFill>
-                  <a:schemeClr val="bg1">
-                    <a:lumMod val="75000"/>
-                  </a:schemeClr>
-                </a:solidFill>
-              </a:rPr>
-              <a:t> </a:t>
-            </a:r>
-            <a:r>
-              <a:rPr lang="de-DE" dirty="0" err="1">
-                <a:solidFill>
-                  <a:schemeClr val="bg1">
-                    <a:lumMod val="75000"/>
-                  </a:schemeClr>
-                </a:solidFill>
-              </a:rPr>
-              <a:t>Platform</a:t>
+              <a:t> IoT Plattform</a:t>
             </a:r>
             <a:endParaRPr lang="en-GB" dirty="0">
               <a:solidFill>
@@ -19818,37 +19728,7 @@
                   </a:schemeClr>
                 </a:solidFill>
               </a:rPr>
-              <a:t> Kommunikation Programmablauf </a:t>
-            </a:r>
-            <a:r>
-              <a:rPr lang="de-DE" dirty="0" err="1">
-                <a:solidFill>
-                  <a:schemeClr val="bg1">
-                    <a:lumMod val="75000"/>
-                  </a:schemeClr>
-                </a:solidFill>
-              </a:rPr>
-              <a:t>IoT</a:t>
-            </a:r>
-            <a:r>
-              <a:rPr lang="de-DE" dirty="0">
-                <a:solidFill>
-                  <a:schemeClr val="bg1">
-                    <a:lumMod val="75000"/>
-                  </a:schemeClr>
-                </a:solidFill>
-              </a:rPr>
-              <a:t> </a:t>
-            </a:r>
-            <a:r>
-              <a:rPr lang="de-DE" dirty="0" err="1">
-                <a:solidFill>
-                  <a:schemeClr val="bg1">
-                    <a:lumMod val="75000"/>
-                  </a:schemeClr>
-                </a:solidFill>
-              </a:rPr>
-              <a:t>Platform</a:t>
+              <a:t> Kommunikation Programmablauf IoT Plattform</a:t>
             </a:r>
             <a:endParaRPr lang="en-GB" dirty="0">
               <a:solidFill>
@@ -22144,16 +22024,8 @@
               <a:t> Kommunikation Programmablauf </a:t>
             </a:r>
             <a:r>
-              <a:rPr lang="de-DE" dirty="0" err="1"/>
-              <a:t>IoT</a:t>
-            </a:r>
-            <a:r>
               <a:rPr lang="de-DE" dirty="0"/>
-              <a:t> </a:t>
-            </a:r>
-            <a:r>
-              <a:rPr lang="de-DE" dirty="0" err="1"/>
-              <a:t>Platform</a:t>
+              <a:t>IoT Plattform</a:t>
             </a:r>
             <a:endParaRPr lang="en-GB" dirty="0"/>
           </a:p>

--- a/PES_FH_VERS.pptx
+++ b/PES_FH_VERS.pptx
@@ -21668,7 +21668,6 @@
               <a:rPr lang="de-DE" dirty="0"/>
               <a:t> IO senden</a:t>
             </a:r>
-            <a:endParaRPr lang="de-DE" dirty="0"/>
           </a:p>
         </p:txBody>
       </p:sp>
@@ -26566,7 +26565,7 @@
         </p:nvSpPr>
         <p:spPr>
           <a:xfrm>
-            <a:off x="575556" y="2420888"/>
+            <a:off x="539552" y="1448780"/>
             <a:ext cx="7740650" cy="863600"/>
           </a:xfrm>
         </p:spPr>
@@ -26609,6 +26608,36 @@
               <a:t>Hochschule Mannheim | Julia Geigl, Klemens Behr, Kevin Höfle</a:t>
             </a:r>
             <a:endParaRPr lang="de-DE" altLang="de-DE" dirty="0"/>
+          </a:p>
+        </p:txBody>
+      </p:sp>
+      <p:sp>
+        <p:nvSpPr>
+          <p:cNvPr id="3" name="Textfeld 2"/>
+          <p:cNvSpPr txBox="1"/>
+          <p:nvPr/>
+        </p:nvSpPr>
+        <p:spPr>
+          <a:xfrm>
+            <a:off x="755576" y="4797152"/>
+            <a:ext cx="7236804" cy="646331"/>
+          </a:xfrm>
+          <a:prstGeom prst="rect">
+            <a:avLst/>
+          </a:prstGeom>
+          <a:noFill/>
+        </p:spPr>
+        <p:txBody>
+          <a:bodyPr wrap="square" rtlCol="0">
+            <a:spAutoFit/>
+          </a:bodyPr>
+          <a:lstStyle/>
+          <a:p>
+            <a:r>
+              <a:rPr lang="de-DE" dirty="0"/>
+              <a:t>Code verfügbar unter: https://github.com/ProjektlaborEmbeddedSecurity/Projekt</a:t>
+            </a:r>
+            <a:endParaRPr lang="de-DE" dirty="0"/>
           </a:p>
         </p:txBody>
       </p:sp>

--- a/PES_FH_VERS.pptx
+++ b/PES_FH_VERS.pptx
@@ -6,10 +6,10 @@
     <p:sldMasterId id="2147483666" r:id="rId2"/>
   </p:sldMasterIdLst>
   <p:notesMasterIdLst>
-    <p:notesMasterId r:id="rId58"/>
+    <p:notesMasterId r:id="rId59"/>
   </p:notesMasterIdLst>
   <p:handoutMasterIdLst>
-    <p:handoutMasterId r:id="rId59"/>
+    <p:handoutMasterId r:id="rId60"/>
   </p:handoutMasterIdLst>
   <p:sldIdLst>
     <p:sldId id="256" r:id="rId3"/>
@@ -52,21 +52,22 @@
     <p:sldId id="354" r:id="rId40"/>
     <p:sldId id="355" r:id="rId41"/>
     <p:sldId id="356" r:id="rId42"/>
-    <p:sldId id="332" r:id="rId43"/>
-    <p:sldId id="334" r:id="rId44"/>
-    <p:sldId id="335" r:id="rId45"/>
-    <p:sldId id="330" r:id="rId46"/>
-    <p:sldId id="333" r:id="rId47"/>
-    <p:sldId id="357" r:id="rId48"/>
-    <p:sldId id="358" r:id="rId49"/>
-    <p:sldId id="359" r:id="rId50"/>
-    <p:sldId id="360" r:id="rId51"/>
-    <p:sldId id="376" r:id="rId52"/>
-    <p:sldId id="337" r:id="rId53"/>
-    <p:sldId id="364" r:id="rId54"/>
-    <p:sldId id="329" r:id="rId55"/>
-    <p:sldId id="331" r:id="rId56"/>
-    <p:sldId id="336" r:id="rId57"/>
+    <p:sldId id="377" r:id="rId43"/>
+    <p:sldId id="332" r:id="rId44"/>
+    <p:sldId id="334" r:id="rId45"/>
+    <p:sldId id="335" r:id="rId46"/>
+    <p:sldId id="330" r:id="rId47"/>
+    <p:sldId id="333" r:id="rId48"/>
+    <p:sldId id="357" r:id="rId49"/>
+    <p:sldId id="358" r:id="rId50"/>
+    <p:sldId id="359" r:id="rId51"/>
+    <p:sldId id="360" r:id="rId52"/>
+    <p:sldId id="376" r:id="rId53"/>
+    <p:sldId id="337" r:id="rId54"/>
+    <p:sldId id="364" r:id="rId55"/>
+    <p:sldId id="329" r:id="rId56"/>
+    <p:sldId id="331" r:id="rId57"/>
+    <p:sldId id="336" r:id="rId58"/>
   </p:sldIdLst>
   <p:sldSz cx="9144000" cy="6858000" type="screen4x3"/>
   <p:notesSz cx="6858000" cy="9144000"/>
@@ -260,6 +261,7 @@
             <p14:sldId id="354"/>
             <p14:sldId id="355"/>
             <p14:sldId id="356"/>
+            <p14:sldId id="377"/>
             <p14:sldId id="332"/>
             <p14:sldId id="334"/>
             <p14:sldId id="335"/>
@@ -3801,7 +3803,7 @@
             <a:fld id="{1760A340-2167-4270-89CF-50EB6C0DB420}" type="slidenum">
               <a:rPr lang="de-DE" altLang="de-DE" smtClean="0"/>
               <a:pPr/>
-              <a:t>41</a:t>
+              <a:t>42</a:t>
             </a:fld>
             <a:endParaRPr lang="de-DE" altLang="de-DE"/>
           </a:p>
@@ -3909,7 +3911,7 @@
             <a:fld id="{1760A340-2167-4270-89CF-50EB6C0DB420}" type="slidenum">
               <a:rPr lang="de-DE" altLang="de-DE" smtClean="0"/>
               <a:pPr/>
-              <a:t>43</a:t>
+              <a:t>44</a:t>
             </a:fld>
             <a:endParaRPr lang="de-DE" altLang="de-DE"/>
           </a:p>
@@ -4017,7 +4019,7 @@
             <a:fld id="{1760A340-2167-4270-89CF-50EB6C0DB420}" type="slidenum">
               <a:rPr lang="de-DE" altLang="de-DE" smtClean="0"/>
               <a:pPr/>
-              <a:t>44</a:t>
+              <a:t>45</a:t>
             </a:fld>
             <a:endParaRPr lang="de-DE" altLang="de-DE"/>
           </a:p>
@@ -4125,7 +4127,7 @@
             <a:fld id="{1760A340-2167-4270-89CF-50EB6C0DB420}" type="slidenum">
               <a:rPr lang="de-DE" altLang="de-DE" smtClean="0"/>
               <a:pPr/>
-              <a:t>45</a:t>
+              <a:t>46</a:t>
             </a:fld>
             <a:endParaRPr lang="de-DE" altLang="de-DE"/>
           </a:p>
@@ -4233,7 +4235,7 @@
             <a:fld id="{1760A340-2167-4270-89CF-50EB6C0DB420}" type="slidenum">
               <a:rPr lang="de-DE" altLang="de-DE" smtClean="0"/>
               <a:pPr/>
-              <a:t>46</a:t>
+              <a:t>47</a:t>
             </a:fld>
             <a:endParaRPr lang="de-DE" altLang="de-DE"/>
           </a:p>
@@ -4341,7 +4343,7 @@
             <a:fld id="{1760A340-2167-4270-89CF-50EB6C0DB420}" type="slidenum">
               <a:rPr lang="de-DE" altLang="de-DE" smtClean="0"/>
               <a:pPr/>
-              <a:t>47</a:t>
+              <a:t>48</a:t>
             </a:fld>
             <a:endParaRPr lang="de-DE" altLang="de-DE"/>
           </a:p>
@@ -4449,7 +4451,7 @@
             <a:fld id="{1760A340-2167-4270-89CF-50EB6C0DB420}" type="slidenum">
               <a:rPr lang="de-DE" altLang="de-DE" smtClean="0"/>
               <a:pPr/>
-              <a:t>48</a:t>
+              <a:t>49</a:t>
             </a:fld>
             <a:endParaRPr lang="de-DE" altLang="de-DE"/>
           </a:p>
@@ -4665,7 +4667,7 @@
             <a:fld id="{1760A340-2167-4270-89CF-50EB6C0DB420}" type="slidenum">
               <a:rPr lang="de-DE" altLang="de-DE" smtClean="0"/>
               <a:pPr/>
-              <a:t>49</a:t>
+              <a:t>50</a:t>
             </a:fld>
             <a:endParaRPr lang="de-DE" altLang="de-DE"/>
           </a:p>
@@ -4753,7 +4755,7 @@
             <a:fld id="{1760A340-2167-4270-89CF-50EB6C0DB420}" type="slidenum">
               <a:rPr lang="de-DE" altLang="de-DE" smtClean="0"/>
               <a:pPr/>
-              <a:t>50</a:t>
+              <a:t>51</a:t>
             </a:fld>
             <a:endParaRPr lang="de-DE" altLang="de-DE"/>
           </a:p>
@@ -19468,7 +19470,7 @@
         </p:nvSpPr>
         <p:spPr>
           <a:xfrm>
-            <a:off x="1943708" y="2600908"/>
+            <a:off x="539552" y="2204864"/>
             <a:ext cx="1322057" cy="552893"/>
           </a:xfrm>
           <a:prstGeom prst="rect">
@@ -19523,7 +19525,7 @@
         </p:nvSpPr>
         <p:spPr>
           <a:xfrm>
-            <a:off x="1947252" y="3561383"/>
+            <a:off x="543096" y="3165339"/>
             <a:ext cx="1314895" cy="552893"/>
           </a:xfrm>
           <a:prstGeom prst="rect">
@@ -19570,7 +19572,7 @@
         </p:nvSpPr>
         <p:spPr>
           <a:xfrm>
-            <a:off x="1950796" y="4511224"/>
+            <a:off x="546640" y="4115180"/>
             <a:ext cx="1314895" cy="552893"/>
           </a:xfrm>
           <a:prstGeom prst="rect">
@@ -19616,7 +19618,7 @@
         </p:nvSpPr>
         <p:spPr>
           <a:xfrm>
-            <a:off x="1954341" y="5429168"/>
+            <a:off x="550185" y="5033124"/>
             <a:ext cx="1314895" cy="552893"/>
           </a:xfrm>
           <a:prstGeom prst="rect">
@@ -19666,7 +19668,7 @@
         </p:nvCxnSpPr>
         <p:spPr>
           <a:xfrm flipV="1">
-            <a:off x="2604700" y="3153801"/>
+            <a:off x="1200544" y="2757757"/>
             <a:ext cx="37" cy="407582"/>
           </a:xfrm>
           <a:prstGeom prst="straightConnector1">
@@ -19706,7 +19708,7 @@
         </p:nvCxnSpPr>
         <p:spPr>
           <a:xfrm flipH="1" flipV="1">
-            <a:off x="2604700" y="4114276"/>
+            <a:off x="1200544" y="3718232"/>
             <a:ext cx="3544" cy="396948"/>
           </a:xfrm>
           <a:prstGeom prst="straightConnector1">
@@ -19746,7 +19748,7 @@
         </p:nvCxnSpPr>
         <p:spPr>
           <a:xfrm flipH="1" flipV="1">
-            <a:off x="2608244" y="5064117"/>
+            <a:off x="1204088" y="4668073"/>
             <a:ext cx="3545" cy="365051"/>
           </a:xfrm>
           <a:prstGeom prst="straightConnector1">
@@ -19786,7 +19788,7 @@
         </p:nvCxnSpPr>
         <p:spPr>
           <a:xfrm rot="5400000" flipH="1">
-            <a:off x="917686" y="4287959"/>
+            <a:off x="-486470" y="3891915"/>
             <a:ext cx="3381153" cy="7052"/>
           </a:xfrm>
           <a:prstGeom prst="bentConnector5">
@@ -22707,7 +22709,7 @@
 </file>
 
 <file path=ppt/slides/slide36.xml><?xml version="1.0" encoding="utf-8"?>
-<p:sld xmlns:a="http://schemas.openxmlformats.org/drawingml/2006/main" xmlns:r="http://schemas.openxmlformats.org/officeDocument/2006/relationships" xmlns:p="http://schemas.openxmlformats.org/presentationml/2006/main">
+<p:sld xmlns:a="http://schemas.openxmlformats.org/drawingml/2006/main" xmlns:r="http://schemas.openxmlformats.org/officeDocument/2006/relationships" xmlns:p="http://schemas.openxmlformats.org/presentationml/2006/main" show="0">
   <p:cSld>
     <p:spTree>
       <p:nvGrpSpPr>
@@ -23061,7 +23063,7 @@
             </a:pPr>
             <a:r>
               <a:rPr lang="de-DE" sz="1200" dirty="0"/>
-              <a:t>API = </a:t>
+              <a:t>					API = </a:t>
             </a:r>
             <a:r>
               <a:rPr lang="de-DE" sz="1200" dirty="0" err="1"/>
@@ -23086,7 +23088,7 @@
             </a:pPr>
             <a:r>
               <a:rPr lang="de-DE" sz="1200" dirty="0"/>
-              <a:t>REST = </a:t>
+              <a:t>					REST = </a:t>
             </a:r>
             <a:r>
               <a:rPr lang="de-DE" sz="1200" dirty="0" err="1"/>
@@ -23701,7 +23703,7 @@
             </a:pPr>
             <a:r>
               <a:rPr lang="de-DE" dirty="0"/>
-              <a:t>Messen der Luftfeuchtigkeit und Temperatur im Zusammenhang mit Fensterstatus </a:t>
+              <a:t>Messen der Luftfeuchtigkeit und Temperatur im Zusammenhang mit Fensterstatus über Ultraschallsensor</a:t>
             </a:r>
           </a:p>
           <a:p>
@@ -23892,7 +23894,7 @@
             </a:pPr>
             <a:r>
               <a:rPr lang="de-DE" dirty="0"/>
-              <a:t>HTTP		=&gt; 	Port 80</a:t>
+              <a:t>HTTP		  	Port 80</a:t>
             </a:r>
           </a:p>
           <a:p>
@@ -23902,7 +23904,7 @@
             </a:pPr>
             <a:r>
               <a:rPr lang="de-DE" dirty="0"/>
-              <a:t>HTTPS	=&gt;	Port 443</a:t>
+              <a:t>HTTPS		Port 443</a:t>
             </a:r>
           </a:p>
           <a:p>
@@ -23912,7 +23914,7 @@
             </a:pPr>
             <a:r>
               <a:rPr lang="de-DE" dirty="0"/>
-              <a:t>MQTT	=&gt;	Port 1883</a:t>
+              <a:t>MQTT		Port 1883</a:t>
             </a:r>
           </a:p>
           <a:p>
@@ -23922,7 +23924,7 @@
             </a:pPr>
             <a:r>
               <a:rPr lang="de-DE" dirty="0"/>
-              <a:t>MQTT + SSL	=&gt;	Port 8883</a:t>
+              <a:t>MQTT + SSL		Port 8883</a:t>
             </a:r>
           </a:p>
           <a:p>
@@ -23958,7 +23960,7 @@
             </a:r>
             <a:r>
               <a:rPr lang="de-DE" dirty="0"/>
-              <a:t> IO - Verbindung</a:t>
+              <a:t> IO - Kommunikation</a:t>
             </a:r>
           </a:p>
         </p:txBody>
@@ -23983,6 +23985,330 @@
               <a:t>Hochschule Mannheim | Julia Geigl, Klemens Behr, Kevin Höfle</a:t>
             </a:r>
             <a:endParaRPr lang="de-DE" altLang="de-DE" dirty="0"/>
+          </a:p>
+        </p:txBody>
+      </p:sp>
+      <p:sp>
+        <p:nvSpPr>
+          <p:cNvPr id="6" name="Pfeil: nach rechts 5"/>
+          <p:cNvSpPr/>
+          <p:nvPr/>
+        </p:nvSpPr>
+        <p:spPr bwMode="auto">
+          <a:xfrm>
+            <a:off x="2770524" y="3035627"/>
+            <a:ext cx="396044" cy="288032"/>
+          </a:xfrm>
+          <a:prstGeom prst="rightArrow">
+            <a:avLst/>
+          </a:prstGeom>
+          <a:noFill/>
+          <a:ln w="19050" cap="flat" cmpd="sng" algn="ctr">
+            <a:solidFill>
+              <a:schemeClr val="hlink"/>
+            </a:solidFill>
+            <a:prstDash val="solid"/>
+            <a:round/>
+            <a:headEnd type="none" w="med" len="med"/>
+            <a:tailEnd type="none" w="med" len="med"/>
+          </a:ln>
+          <a:effectLst/>
+          <a:extLst>
+            <a:ext uri="{909E8E84-426E-40DD-AFC4-6F175D3DCCD1}">
+              <a14:hiddenFill xmlns:a14="http://schemas.microsoft.com/office/drawing/2010/main">
+                <a:solidFill>
+                  <a:schemeClr val="tx2"/>
+                </a:solidFill>
+              </a14:hiddenFill>
+            </a:ext>
+            <a:ext uri="{AF507438-7753-43E0-B8FC-AC1667EBCBE1}">
+              <a14:hiddenEffects xmlns:a14="http://schemas.microsoft.com/office/drawing/2010/main">
+                <a:effectLst>
+                  <a:outerShdw dist="35921" dir="2700000" algn="ctr" rotWithShape="0">
+                    <a:schemeClr val="bg2"/>
+                  </a:outerShdw>
+                </a:effectLst>
+              </a14:hiddenEffects>
+            </a:ext>
+          </a:extLst>
+        </p:spPr>
+        <p:txBody>
+          <a:bodyPr vert="horz" wrap="square" lIns="90000" tIns="46800" rIns="90000" bIns="46800" numCol="1" rtlCol="0" anchor="ctr" anchorCtr="0" compatLnSpc="1">
+            <a:prstTxWarp prst="textNoShape">
+              <a:avLst/>
+            </a:prstTxWarp>
+          </a:bodyPr>
+          <a:lstStyle/>
+          <a:p>
+            <a:pPr marL="0" marR="0" indent="0" algn="ctr" defTabSz="914400" rtl="0" eaLnBrk="0" fontAlgn="base" latinLnBrk="0" hangingPunct="0">
+              <a:lnSpc>
+                <a:spcPct val="100000"/>
+              </a:lnSpc>
+              <a:spcBef>
+                <a:spcPct val="0"/>
+              </a:spcBef>
+              <a:spcAft>
+                <a:spcPct val="0"/>
+              </a:spcAft>
+              <a:buClrTx/>
+              <a:buSzTx/>
+              <a:buFontTx/>
+              <a:buNone/>
+              <a:tabLst/>
+            </a:pPr>
+            <a:endParaRPr kumimoji="0" lang="de-DE" sz="1800" b="0" i="0" u="none" strike="noStrike" cap="none" normalizeH="0" baseline="0">
+              <a:ln>
+                <a:noFill/>
+              </a:ln>
+              <a:solidFill>
+                <a:schemeClr val="tx1"/>
+              </a:solidFill>
+              <a:effectLst/>
+              <a:latin typeface="Arial" charset="0"/>
+            </a:endParaRPr>
+          </a:p>
+        </p:txBody>
+      </p:sp>
+      <p:sp>
+        <p:nvSpPr>
+          <p:cNvPr id="7" name="Pfeil: nach rechts 6"/>
+          <p:cNvSpPr/>
+          <p:nvPr/>
+        </p:nvSpPr>
+        <p:spPr bwMode="auto">
+          <a:xfrm>
+            <a:off x="2780159" y="3409764"/>
+            <a:ext cx="396044" cy="288032"/>
+          </a:xfrm>
+          <a:prstGeom prst="rightArrow">
+            <a:avLst/>
+          </a:prstGeom>
+          <a:noFill/>
+          <a:ln w="19050" cap="flat" cmpd="sng" algn="ctr">
+            <a:solidFill>
+              <a:schemeClr val="hlink"/>
+            </a:solidFill>
+            <a:prstDash val="solid"/>
+            <a:round/>
+            <a:headEnd type="none" w="med" len="med"/>
+            <a:tailEnd type="none" w="med" len="med"/>
+          </a:ln>
+          <a:effectLst/>
+          <a:extLst>
+            <a:ext uri="{909E8E84-426E-40DD-AFC4-6F175D3DCCD1}">
+              <a14:hiddenFill xmlns:a14="http://schemas.microsoft.com/office/drawing/2010/main">
+                <a:solidFill>
+                  <a:schemeClr val="tx2"/>
+                </a:solidFill>
+              </a14:hiddenFill>
+            </a:ext>
+            <a:ext uri="{AF507438-7753-43E0-B8FC-AC1667EBCBE1}">
+              <a14:hiddenEffects xmlns:a14="http://schemas.microsoft.com/office/drawing/2010/main">
+                <a:effectLst>
+                  <a:outerShdw dist="35921" dir="2700000" algn="ctr" rotWithShape="0">
+                    <a:schemeClr val="bg2"/>
+                  </a:outerShdw>
+                </a:effectLst>
+              </a14:hiddenEffects>
+            </a:ext>
+          </a:extLst>
+        </p:spPr>
+        <p:txBody>
+          <a:bodyPr vert="horz" wrap="square" lIns="90000" tIns="46800" rIns="90000" bIns="46800" numCol="1" rtlCol="0" anchor="ctr" anchorCtr="0" compatLnSpc="1">
+            <a:prstTxWarp prst="textNoShape">
+              <a:avLst/>
+            </a:prstTxWarp>
+          </a:bodyPr>
+          <a:lstStyle/>
+          <a:p>
+            <a:pPr marL="0" marR="0" indent="0" algn="ctr" defTabSz="914400" rtl="0" eaLnBrk="0" fontAlgn="base" latinLnBrk="0" hangingPunct="0">
+              <a:lnSpc>
+                <a:spcPct val="100000"/>
+              </a:lnSpc>
+              <a:spcBef>
+                <a:spcPct val="0"/>
+              </a:spcBef>
+              <a:spcAft>
+                <a:spcPct val="0"/>
+              </a:spcAft>
+              <a:buClrTx/>
+              <a:buSzTx/>
+              <a:buFontTx/>
+              <a:buNone/>
+              <a:tabLst/>
+            </a:pPr>
+            <a:endParaRPr kumimoji="0" lang="de-DE" sz="1800" b="0" i="0" u="none" strike="noStrike" cap="none" normalizeH="0" baseline="0">
+              <a:ln>
+                <a:noFill/>
+              </a:ln>
+              <a:solidFill>
+                <a:schemeClr val="tx1"/>
+              </a:solidFill>
+              <a:effectLst/>
+              <a:latin typeface="Arial" charset="0"/>
+            </a:endParaRPr>
+          </a:p>
+        </p:txBody>
+      </p:sp>
+      <p:sp>
+        <p:nvSpPr>
+          <p:cNvPr id="8" name="Pfeil: nach rechts 7"/>
+          <p:cNvSpPr/>
+          <p:nvPr/>
+        </p:nvSpPr>
+        <p:spPr bwMode="auto">
+          <a:xfrm>
+            <a:off x="2772079" y="3778904"/>
+            <a:ext cx="396044" cy="288032"/>
+          </a:xfrm>
+          <a:prstGeom prst="rightArrow">
+            <a:avLst/>
+          </a:prstGeom>
+          <a:noFill/>
+          <a:ln w="19050" cap="flat" cmpd="sng" algn="ctr">
+            <a:solidFill>
+              <a:schemeClr val="hlink"/>
+            </a:solidFill>
+            <a:prstDash val="solid"/>
+            <a:round/>
+            <a:headEnd type="none" w="med" len="med"/>
+            <a:tailEnd type="none" w="med" len="med"/>
+          </a:ln>
+          <a:effectLst/>
+          <a:extLst>
+            <a:ext uri="{909E8E84-426E-40DD-AFC4-6F175D3DCCD1}">
+              <a14:hiddenFill xmlns:a14="http://schemas.microsoft.com/office/drawing/2010/main">
+                <a:solidFill>
+                  <a:schemeClr val="tx2"/>
+                </a:solidFill>
+              </a14:hiddenFill>
+            </a:ext>
+            <a:ext uri="{AF507438-7753-43E0-B8FC-AC1667EBCBE1}">
+              <a14:hiddenEffects xmlns:a14="http://schemas.microsoft.com/office/drawing/2010/main">
+                <a:effectLst>
+                  <a:outerShdw dist="35921" dir="2700000" algn="ctr" rotWithShape="0">
+                    <a:schemeClr val="bg2"/>
+                  </a:outerShdw>
+                </a:effectLst>
+              </a14:hiddenEffects>
+            </a:ext>
+          </a:extLst>
+        </p:spPr>
+        <p:txBody>
+          <a:bodyPr vert="horz" wrap="square" lIns="90000" tIns="46800" rIns="90000" bIns="46800" numCol="1" rtlCol="0" anchor="ctr" anchorCtr="0" compatLnSpc="1">
+            <a:prstTxWarp prst="textNoShape">
+              <a:avLst/>
+            </a:prstTxWarp>
+          </a:bodyPr>
+          <a:lstStyle/>
+          <a:p>
+            <a:pPr marL="0" marR="0" indent="0" algn="ctr" defTabSz="914400" rtl="0" eaLnBrk="0" fontAlgn="base" latinLnBrk="0" hangingPunct="0">
+              <a:lnSpc>
+                <a:spcPct val="100000"/>
+              </a:lnSpc>
+              <a:spcBef>
+                <a:spcPct val="0"/>
+              </a:spcBef>
+              <a:spcAft>
+                <a:spcPct val="0"/>
+              </a:spcAft>
+              <a:buClrTx/>
+              <a:buSzTx/>
+              <a:buFontTx/>
+              <a:buNone/>
+              <a:tabLst/>
+            </a:pPr>
+            <a:endParaRPr kumimoji="0" lang="de-DE" sz="1800" b="0" i="0" u="none" strike="noStrike" cap="none" normalizeH="0" baseline="0">
+              <a:ln>
+                <a:noFill/>
+              </a:ln>
+              <a:solidFill>
+                <a:schemeClr val="tx1"/>
+              </a:solidFill>
+              <a:effectLst/>
+              <a:latin typeface="Arial" charset="0"/>
+            </a:endParaRPr>
+          </a:p>
+        </p:txBody>
+      </p:sp>
+      <p:sp>
+        <p:nvSpPr>
+          <p:cNvPr id="9" name="Pfeil: nach rechts 8"/>
+          <p:cNvSpPr/>
+          <p:nvPr/>
+        </p:nvSpPr>
+        <p:spPr bwMode="auto">
+          <a:xfrm>
+            <a:off x="2786599" y="4148044"/>
+            <a:ext cx="396044" cy="288032"/>
+          </a:xfrm>
+          <a:prstGeom prst="rightArrow">
+            <a:avLst/>
+          </a:prstGeom>
+          <a:noFill/>
+          <a:ln w="19050" cap="flat" cmpd="sng" algn="ctr">
+            <a:solidFill>
+              <a:schemeClr val="hlink"/>
+            </a:solidFill>
+            <a:prstDash val="solid"/>
+            <a:round/>
+            <a:headEnd type="none" w="med" len="med"/>
+            <a:tailEnd type="none" w="med" len="med"/>
+          </a:ln>
+          <a:effectLst/>
+          <a:extLst>
+            <a:ext uri="{909E8E84-426E-40DD-AFC4-6F175D3DCCD1}">
+              <a14:hiddenFill xmlns:a14="http://schemas.microsoft.com/office/drawing/2010/main">
+                <a:solidFill>
+                  <a:schemeClr val="tx2"/>
+                </a:solidFill>
+              </a14:hiddenFill>
+            </a:ext>
+            <a:ext uri="{AF507438-7753-43E0-B8FC-AC1667EBCBE1}">
+              <a14:hiddenEffects xmlns:a14="http://schemas.microsoft.com/office/drawing/2010/main">
+                <a:effectLst>
+                  <a:outerShdw dist="35921" dir="2700000" algn="ctr" rotWithShape="0">
+                    <a:schemeClr val="bg2"/>
+                  </a:outerShdw>
+                </a:effectLst>
+              </a14:hiddenEffects>
+            </a:ext>
+          </a:extLst>
+        </p:spPr>
+        <p:txBody>
+          <a:bodyPr vert="horz" wrap="square" lIns="90000" tIns="46800" rIns="90000" bIns="46800" numCol="1" rtlCol="0" anchor="ctr" anchorCtr="0" compatLnSpc="1">
+            <a:prstTxWarp prst="textNoShape">
+              <a:avLst/>
+            </a:prstTxWarp>
+          </a:bodyPr>
+          <a:lstStyle/>
+          <a:p>
+            <a:pPr marL="0" marR="0" indent="0" algn="ctr" defTabSz="914400" rtl="0" eaLnBrk="0" fontAlgn="base" latinLnBrk="0" hangingPunct="0">
+              <a:lnSpc>
+                <a:spcPct val="100000"/>
+              </a:lnSpc>
+              <a:spcBef>
+                <a:spcPct val="0"/>
+              </a:spcBef>
+              <a:spcAft>
+                <a:spcPct val="0"/>
+              </a:spcAft>
+              <a:buClrTx/>
+              <a:buSzTx/>
+              <a:buFontTx/>
+              <a:buNone/>
+              <a:tabLst/>
+            </a:pPr>
+            <a:endParaRPr kumimoji="0" lang="de-DE" sz="1800" b="0" i="0" u="none" strike="noStrike" cap="none" normalizeH="0" baseline="0">
+              <a:ln>
+                <a:noFill/>
+              </a:ln>
+              <a:solidFill>
+                <a:schemeClr val="tx1"/>
+              </a:solidFill>
+              <a:effectLst/>
+              <a:latin typeface="Arial" charset="0"/>
+            </a:endParaRPr>
           </a:p>
         </p:txBody>
       </p:sp>
@@ -24043,6 +24369,112 @@
       </p:sp>
       <p:sp>
         <p:nvSpPr>
+          <p:cNvPr id="3" name="Textplatzhalter 2"/>
+          <p:cNvSpPr>
+            <a:spLocks noGrp="1"/>
+          </p:cNvSpPr>
+          <p:nvPr>
+            <p:ph type="body" sz="quarter" idx="15"/>
+          </p:nvPr>
+        </p:nvSpPr>
+        <p:spPr/>
+        <p:txBody>
+          <a:bodyPr/>
+          <a:lstStyle/>
+          <a:p>
+            <a:pPr marL="285750" indent="-285750">
+              <a:buFont typeface="Arial" panose="020B0604020202020204" pitchFamily="34" charset="0"/>
+              <a:buChar char="•"/>
+            </a:pPr>
+            <a:r>
+              <a:rPr lang="de-DE" dirty="0"/>
+              <a:t>Feeds: 50 000 Datensätze nach FIFO-Prinzip gespeichert</a:t>
+            </a:r>
+          </a:p>
+          <a:p>
+            <a:pPr marL="285750" indent="-285750">
+              <a:buFont typeface="Arial" panose="020B0604020202020204" pitchFamily="34" charset="0"/>
+              <a:buChar char="•"/>
+            </a:pPr>
+            <a:r>
+              <a:rPr lang="de-DE" dirty="0"/>
+              <a:t>Erlaubt sind:</a:t>
+            </a:r>
+          </a:p>
+          <a:p>
+            <a:pPr marL="495300" lvl="3" indent="-285750">
+              <a:buFont typeface="Arial" panose="020B0604020202020204" pitchFamily="34" charset="0"/>
+              <a:buChar char="•"/>
+            </a:pPr>
+            <a:r>
+              <a:rPr lang="de-DE" dirty="0"/>
+              <a:t>10 Feeds</a:t>
+            </a:r>
+          </a:p>
+          <a:p>
+            <a:pPr marL="495300" lvl="3" indent="-285750">
+              <a:buFont typeface="Arial" panose="020B0604020202020204" pitchFamily="34" charset="0"/>
+              <a:buChar char="•"/>
+            </a:pPr>
+            <a:r>
+              <a:rPr lang="de-DE" dirty="0"/>
+              <a:t>10 Groups</a:t>
+            </a:r>
+          </a:p>
+          <a:p>
+            <a:pPr marL="495300" lvl="3" indent="-285750">
+              <a:buFont typeface="Arial" panose="020B0604020202020204" pitchFamily="34" charset="0"/>
+              <a:buChar char="•"/>
+            </a:pPr>
+            <a:r>
+              <a:rPr lang="de-DE" dirty="0"/>
+              <a:t>5 Dashboards</a:t>
+            </a:r>
+          </a:p>
+          <a:p>
+            <a:pPr marL="285750" indent="-285750">
+              <a:buFont typeface="Arial" panose="020B0604020202020204" pitchFamily="34" charset="0"/>
+              <a:buChar char="•"/>
+            </a:pPr>
+            <a:r>
+              <a:rPr lang="de-DE" dirty="0"/>
+              <a:t>Datenrate:</a:t>
+            </a:r>
+          </a:p>
+          <a:p>
+            <a:pPr marL="495300" lvl="3" indent="-285750">
+              <a:buFont typeface="Arial" panose="020B0604020202020204" pitchFamily="34" charset="0"/>
+              <a:buChar char="•"/>
+            </a:pPr>
+            <a:r>
+              <a:rPr lang="de-DE" dirty="0"/>
+              <a:t>Maximum: 125 Datensätze / 60 s   ~   2 Datensätze / s </a:t>
+            </a:r>
+          </a:p>
+          <a:p>
+            <a:pPr marL="681038" lvl="4" indent="-285750">
+              <a:buFont typeface="Arial" panose="020B0604020202020204" pitchFamily="34" charset="0"/>
+              <a:buChar char="•"/>
+            </a:pPr>
+            <a:r>
+              <a:rPr lang="de-DE" dirty="0"/>
+              <a:t>~6,5h</a:t>
+            </a:r>
+          </a:p>
+          <a:p>
+            <a:pPr marL="309563" lvl="2" indent="-285750">
+              <a:buFont typeface="Arial" panose="020B0604020202020204" pitchFamily="34" charset="0"/>
+              <a:buChar char="•"/>
+            </a:pPr>
+            <a:r>
+              <a:rPr lang="de-DE" dirty="0"/>
+              <a:t>Daten werden maximal 30 Tage gespeichert</a:t>
+            </a:r>
+          </a:p>
+        </p:txBody>
+      </p:sp>
+      <p:sp>
+        <p:nvSpPr>
           <p:cNvPr id="4" name="Titel 3"/>
           <p:cNvSpPr>
             <a:spLocks noGrp="1"/>
@@ -24062,8 +24494,21 @@
             </a:r>
             <a:r>
               <a:rPr lang="de-DE" dirty="0"/>
-              <a:t> IO – Feeds</a:t>
-            </a:r>
+              <a:t> IO – Data </a:t>
+            </a:r>
+            <a:r>
+              <a:rPr lang="de-DE" dirty="0" err="1"/>
+              <a:t>Policies</a:t>
+            </a:r>
+            <a:r>
+              <a:rPr lang="de-DE" dirty="0"/>
+              <a:t> </a:t>
+            </a:r>
+            <a:r>
+              <a:rPr lang="de-DE" sz="1400" dirty="0"/>
+              <a:t>[16]</a:t>
+            </a:r>
+            <a:endParaRPr lang="de-DE" dirty="0"/>
           </a:p>
         </p:txBody>
       </p:sp>
@@ -24087,77 +24532,13 @@
               <a:t>Hochschule Mannheim | Julia Geigl, Klemens Behr, Kevin Höfle</a:t>
             </a:r>
             <a:endParaRPr lang="de-DE" altLang="de-DE" dirty="0"/>
-          </a:p>
-        </p:txBody>
-      </p:sp>
-      <p:pic>
-        <p:nvPicPr>
-          <p:cNvPr id="3" name="Grafik 2"/>
-          <p:cNvPicPr>
-            <a:picLocks noChangeAspect="1"/>
-          </p:cNvPicPr>
-          <p:nvPr/>
-        </p:nvPicPr>
-        <p:blipFill>
-          <a:blip r:embed="rId3"/>
-          <a:stretch>
-            <a:fillRect/>
-          </a:stretch>
-        </p:blipFill>
-        <p:spPr>
-          <a:xfrm>
-            <a:off x="503548" y="2996952"/>
-            <a:ext cx="8218276" cy="2972568"/>
-          </a:xfrm>
-          <a:prstGeom prst="rect">
-            <a:avLst/>
-          </a:prstGeom>
-        </p:spPr>
-      </p:pic>
-      <p:sp>
-        <p:nvSpPr>
-          <p:cNvPr id="8" name="Textfeld 7"/>
-          <p:cNvSpPr txBox="1"/>
-          <p:nvPr/>
-        </p:nvSpPr>
-        <p:spPr>
-          <a:xfrm>
-            <a:off x="503548" y="2444104"/>
-            <a:ext cx="7884876" cy="400110"/>
-          </a:xfrm>
-          <a:prstGeom prst="rect">
-            <a:avLst/>
-          </a:prstGeom>
-          <a:noFill/>
-        </p:spPr>
-        <p:txBody>
-          <a:bodyPr wrap="square" rtlCol="0">
-            <a:spAutoFit/>
-          </a:bodyPr>
-          <a:lstStyle/>
-          <a:p>
-            <a:pPr algn="l"/>
-            <a:r>
-              <a:rPr lang="de-DE" sz="2000" dirty="0"/>
-              <a:t>Feed enthält die Daten </a:t>
-            </a:r>
-            <a:r>
-              <a:rPr lang="de-DE" sz="2000" dirty="0">
-                <a:sym typeface="Wingdings" panose="05000000000000000000" pitchFamily="2" charset="2"/>
-              </a:rPr>
-              <a:t> </a:t>
-            </a:r>
-            <a:r>
-              <a:rPr lang="de-DE" sz="2000" dirty="0"/>
-              <a:t> Folge von Daten</a:t>
-            </a:r>
           </a:p>
         </p:txBody>
       </p:sp>
     </p:spTree>
     <p:extLst>
       <p:ext uri="{BB962C8B-B14F-4D97-AF65-F5344CB8AC3E}">
-        <p14:creationId xmlns:p14="http://schemas.microsoft.com/office/powerpoint/2010/main" val="2769674007"/>
+        <p14:creationId xmlns:p14="http://schemas.microsoft.com/office/powerpoint/2010/main" val="528410086"/>
       </p:ext>
     </p:extLst>
   </p:cSld>
@@ -24204,6 +24585,174 @@
               <a:rPr lang="de-DE" smtClean="0"/>
               <a:pPr/>
               <a:t>42</a:t>
+            </a:fld>
+            <a:endParaRPr lang="de-DE" dirty="0"/>
+          </a:p>
+        </p:txBody>
+      </p:sp>
+      <p:sp>
+        <p:nvSpPr>
+          <p:cNvPr id="4" name="Titel 3"/>
+          <p:cNvSpPr>
+            <a:spLocks noGrp="1"/>
+          </p:cNvSpPr>
+          <p:nvPr>
+            <p:ph type="title"/>
+          </p:nvPr>
+        </p:nvSpPr>
+        <p:spPr/>
+        <p:txBody>
+          <a:bodyPr/>
+          <a:lstStyle/>
+          <a:p>
+            <a:r>
+              <a:rPr lang="de-DE" dirty="0" err="1"/>
+              <a:t>Adafruit</a:t>
+            </a:r>
+            <a:r>
+              <a:rPr lang="de-DE" dirty="0"/>
+              <a:t> IO – Feeds</a:t>
+            </a:r>
+          </a:p>
+        </p:txBody>
+      </p:sp>
+      <p:sp>
+        <p:nvSpPr>
+          <p:cNvPr id="5" name="Fußzeilenplatzhalter 4"/>
+          <p:cNvSpPr>
+            <a:spLocks noGrp="1"/>
+          </p:cNvSpPr>
+          <p:nvPr>
+            <p:ph type="ftr" sz="quarter" idx="16"/>
+          </p:nvPr>
+        </p:nvSpPr>
+        <p:spPr/>
+        <p:txBody>
+          <a:bodyPr/>
+          <a:lstStyle/>
+          <a:p>
+            <a:r>
+              <a:rPr lang="de-DE" altLang="de-DE"/>
+              <a:t>Hochschule Mannheim | Julia Geigl, Klemens Behr, Kevin Höfle</a:t>
+            </a:r>
+            <a:endParaRPr lang="de-DE" altLang="de-DE" dirty="0"/>
+          </a:p>
+        </p:txBody>
+      </p:sp>
+      <p:pic>
+        <p:nvPicPr>
+          <p:cNvPr id="3" name="Grafik 2"/>
+          <p:cNvPicPr>
+            <a:picLocks noChangeAspect="1"/>
+          </p:cNvPicPr>
+          <p:nvPr/>
+        </p:nvPicPr>
+        <p:blipFill>
+          <a:blip r:embed="rId3"/>
+          <a:stretch>
+            <a:fillRect/>
+          </a:stretch>
+        </p:blipFill>
+        <p:spPr>
+          <a:xfrm>
+            <a:off x="503548" y="2996952"/>
+            <a:ext cx="8218276" cy="2972568"/>
+          </a:xfrm>
+          <a:prstGeom prst="rect">
+            <a:avLst/>
+          </a:prstGeom>
+        </p:spPr>
+      </p:pic>
+      <p:sp>
+        <p:nvSpPr>
+          <p:cNvPr id="8" name="Textfeld 7"/>
+          <p:cNvSpPr txBox="1"/>
+          <p:nvPr/>
+        </p:nvSpPr>
+        <p:spPr>
+          <a:xfrm>
+            <a:off x="503548" y="2444104"/>
+            <a:ext cx="7884876" cy="400110"/>
+          </a:xfrm>
+          <a:prstGeom prst="rect">
+            <a:avLst/>
+          </a:prstGeom>
+          <a:noFill/>
+        </p:spPr>
+        <p:txBody>
+          <a:bodyPr wrap="square" rtlCol="0">
+            <a:spAutoFit/>
+          </a:bodyPr>
+          <a:lstStyle/>
+          <a:p>
+            <a:pPr algn="l"/>
+            <a:r>
+              <a:rPr lang="de-DE" sz="2000" dirty="0"/>
+              <a:t>Feed enthält die Daten </a:t>
+            </a:r>
+            <a:r>
+              <a:rPr lang="de-DE" sz="2000" dirty="0">
+                <a:sym typeface="Wingdings" panose="05000000000000000000" pitchFamily="2" charset="2"/>
+              </a:rPr>
+              <a:t> </a:t>
+            </a:r>
+            <a:r>
+              <a:rPr lang="de-DE" sz="2000" dirty="0"/>
+              <a:t> Folge von Daten</a:t>
+            </a:r>
+          </a:p>
+        </p:txBody>
+      </p:sp>
+    </p:spTree>
+    <p:extLst>
+      <p:ext uri="{BB962C8B-B14F-4D97-AF65-F5344CB8AC3E}">
+        <p14:creationId xmlns:p14="http://schemas.microsoft.com/office/powerpoint/2010/main" val="2769674007"/>
+      </p:ext>
+    </p:extLst>
+  </p:cSld>
+  <p:clrMapOvr>
+    <a:masterClrMapping/>
+  </p:clrMapOvr>
+  <p:transition/>
+</p:sld>
+</file>
+
+<file path=ppt/slides/slide43.xml><?xml version="1.0" encoding="utf-8"?>
+<p:sld xmlns:a="http://schemas.openxmlformats.org/drawingml/2006/main" xmlns:r="http://schemas.openxmlformats.org/officeDocument/2006/relationships" xmlns:p="http://schemas.openxmlformats.org/presentationml/2006/main" show="0">
+  <p:cSld>
+    <p:spTree>
+      <p:nvGrpSpPr>
+        <p:cNvPr id="1" name=""/>
+        <p:cNvGrpSpPr/>
+        <p:nvPr/>
+      </p:nvGrpSpPr>
+      <p:grpSpPr>
+        <a:xfrm>
+          <a:off x="0" y="0"/>
+          <a:ext cx="0" cy="0"/>
+          <a:chOff x="0" y="0"/>
+          <a:chExt cx="0" cy="0"/>
+        </a:xfrm>
+      </p:grpSpPr>
+      <p:sp>
+        <p:nvSpPr>
+          <p:cNvPr id="2" name="Foliennummernplatzhalter 1"/>
+          <p:cNvSpPr>
+            <a:spLocks noGrp="1"/>
+          </p:cNvSpPr>
+          <p:nvPr>
+            <p:ph type="sldNum" sz="quarter" idx="11"/>
+          </p:nvPr>
+        </p:nvSpPr>
+        <p:spPr/>
+        <p:txBody>
+          <a:bodyPr/>
+          <a:lstStyle/>
+          <a:p>
+            <a:fld id="{57D12BB6-0ED4-46B6-AB23-7758AD07EFBF}" type="slidenum">
+              <a:rPr lang="de-DE" smtClean="0"/>
+              <a:pPr/>
+              <a:t>43</a:t>
             </a:fld>
             <a:endParaRPr lang="de-DE" dirty="0"/>
           </a:p>
@@ -24367,8 +24916,8 @@
 </p:sld>
 </file>
 
-<file path=ppt/slides/slide43.xml><?xml version="1.0" encoding="utf-8"?>
-<p:sld xmlns:a="http://schemas.openxmlformats.org/drawingml/2006/main" xmlns:r="http://schemas.openxmlformats.org/officeDocument/2006/relationships" xmlns:p="http://schemas.openxmlformats.org/presentationml/2006/main">
+<file path=ppt/slides/slide44.xml><?xml version="1.0" encoding="utf-8"?>
+<p:sld xmlns:a="http://schemas.openxmlformats.org/drawingml/2006/main" xmlns:r="http://schemas.openxmlformats.org/officeDocument/2006/relationships" xmlns:p="http://schemas.openxmlformats.org/presentationml/2006/main" show="0">
   <p:cSld>
     <p:spTree>
       <p:nvGrpSpPr>
@@ -24402,7 +24951,7 @@
             <a:fld id="{57D12BB6-0ED4-46B6-AB23-7758AD07EFBF}" type="slidenum">
               <a:rPr lang="de-DE" smtClean="0"/>
               <a:pPr/>
-              <a:t>43</a:t>
+              <a:t>44</a:t>
             </a:fld>
             <a:endParaRPr lang="de-DE" dirty="0"/>
           </a:p>
@@ -24525,8 +25074,8 @@
 </p:sld>
 </file>
 
-<file path=ppt/slides/slide44.xml><?xml version="1.0" encoding="utf-8"?>
-<p:sld xmlns:a="http://schemas.openxmlformats.org/drawingml/2006/main" xmlns:r="http://schemas.openxmlformats.org/officeDocument/2006/relationships" xmlns:p="http://schemas.openxmlformats.org/presentationml/2006/main">
+<file path=ppt/slides/slide45.xml><?xml version="1.0" encoding="utf-8"?>
+<p:sld xmlns:a="http://schemas.openxmlformats.org/drawingml/2006/main" xmlns:r="http://schemas.openxmlformats.org/officeDocument/2006/relationships" xmlns:p="http://schemas.openxmlformats.org/presentationml/2006/main" show="0">
   <p:cSld>
     <p:spTree>
       <p:nvGrpSpPr>
@@ -24560,7 +25109,7 @@
             <a:fld id="{57D12BB6-0ED4-46B6-AB23-7758AD07EFBF}" type="slidenum">
               <a:rPr lang="de-DE" smtClean="0"/>
               <a:pPr/>
-              <a:t>44</a:t>
+              <a:t>45</a:t>
             </a:fld>
             <a:endParaRPr lang="de-DE" dirty="0"/>
           </a:p>
@@ -24631,7 +25180,7 @@
         </p:blipFill>
         <p:spPr>
           <a:xfrm>
-            <a:off x="1493478" y="2491188"/>
+            <a:off x="1295636" y="2132856"/>
             <a:ext cx="6696794" cy="3878229"/>
           </a:xfrm>
           <a:prstGeom prst="rect">
@@ -24653,8 +25202,8 @@
 </p:sld>
 </file>
 
-<file path=ppt/slides/slide45.xml><?xml version="1.0" encoding="utf-8"?>
-<p:sld xmlns:a="http://schemas.openxmlformats.org/drawingml/2006/main" xmlns:r="http://schemas.openxmlformats.org/officeDocument/2006/relationships" xmlns:p="http://schemas.openxmlformats.org/presentationml/2006/main">
+<file path=ppt/slides/slide46.xml><?xml version="1.0" encoding="utf-8"?>
+<p:sld xmlns:a="http://schemas.openxmlformats.org/drawingml/2006/main" xmlns:r="http://schemas.openxmlformats.org/officeDocument/2006/relationships" xmlns:p="http://schemas.openxmlformats.org/presentationml/2006/main" show="0">
   <p:cSld>
     <p:spTree>
       <p:nvGrpSpPr>
@@ -24688,7 +25237,7 @@
             <a:fld id="{57D12BB6-0ED4-46B6-AB23-7758AD07EFBF}" type="slidenum">
               <a:rPr lang="de-DE" smtClean="0"/>
               <a:pPr/>
-              <a:t>45</a:t>
+              <a:t>46</a:t>
             </a:fld>
             <a:endParaRPr lang="de-DE" dirty="0"/>
           </a:p>
@@ -24811,8 +25360,8 @@
 </p:sld>
 </file>
 
-<file path=ppt/slides/slide46.xml><?xml version="1.0" encoding="utf-8"?>
-<p:sld xmlns:a="http://schemas.openxmlformats.org/drawingml/2006/main" xmlns:r="http://schemas.openxmlformats.org/officeDocument/2006/relationships" xmlns:p="http://schemas.openxmlformats.org/presentationml/2006/main">
+<file path=ppt/slides/slide47.xml><?xml version="1.0" encoding="utf-8"?>
+<p:sld xmlns:a="http://schemas.openxmlformats.org/drawingml/2006/main" xmlns:r="http://schemas.openxmlformats.org/officeDocument/2006/relationships" xmlns:p="http://schemas.openxmlformats.org/presentationml/2006/main" show="0">
   <p:cSld>
     <p:spTree>
       <p:nvGrpSpPr>
@@ -24846,7 +25395,7 @@
             <a:fld id="{57D12BB6-0ED4-46B6-AB23-7758AD07EFBF}" type="slidenum">
               <a:rPr lang="de-DE" smtClean="0"/>
               <a:pPr/>
-              <a:t>46</a:t>
+              <a:t>47</a:t>
             </a:fld>
             <a:endParaRPr lang="de-DE" dirty="0"/>
           </a:p>
@@ -24897,8 +25446,8 @@
           <a:lstStyle/>
           <a:p>
             <a:pPr marL="285750" indent="-285750">
-              <a:buFont typeface="Courier New" panose="02070309020205020404" pitchFamily="49" charset="0"/>
-              <a:buChar char="o"/>
+              <a:buFont typeface="Arial" panose="020B0604020202020204" pitchFamily="34" charset="0"/>
+              <a:buChar char="•"/>
             </a:pPr>
             <a:r>
               <a:rPr lang="de-DE" dirty="0"/>
@@ -24907,8 +25456,8 @@
           </a:p>
           <a:p>
             <a:pPr marL="285750" indent="-285750">
-              <a:buFont typeface="Courier New" panose="02070309020205020404" pitchFamily="49" charset="0"/>
-              <a:buChar char="o"/>
+              <a:buFont typeface="Arial" panose="020B0604020202020204" pitchFamily="34" charset="0"/>
+              <a:buChar char="•"/>
             </a:pPr>
             <a:r>
               <a:rPr lang="de-DE" dirty="0"/>
@@ -24994,7 +25543,7 @@
 </p:sld>
 </file>
 
-<file path=ppt/slides/slide47.xml><?xml version="1.0" encoding="utf-8"?>
+<file path=ppt/slides/slide48.xml><?xml version="1.0" encoding="utf-8"?>
 <p:sld xmlns:a="http://schemas.openxmlformats.org/drawingml/2006/main" xmlns:r="http://schemas.openxmlformats.org/officeDocument/2006/relationships" xmlns:p="http://schemas.openxmlformats.org/presentationml/2006/main">
   <p:cSld>
     <p:spTree>
@@ -25029,7 +25578,7 @@
             <a:fld id="{57D12BB6-0ED4-46B6-AB23-7758AD07EFBF}" type="slidenum">
               <a:rPr lang="de-DE" smtClean="0"/>
               <a:pPr/>
-              <a:t>47</a:t>
+              <a:t>48</a:t>
             </a:fld>
             <a:endParaRPr lang="de-DE" dirty="0"/>
           </a:p>
@@ -25143,7 +25692,7 @@
             </a:r>
             <a:r>
               <a:rPr lang="de-DE" dirty="0" err="1"/>
-              <a:t>Than</a:t>
+              <a:t>Then</a:t>
             </a:r>
             <a:r>
               <a:rPr lang="de-DE" dirty="0"/>
@@ -25218,7 +25767,7 @@
 </p:sld>
 </file>
 
-<file path=ppt/slides/slide48.xml><?xml version="1.0" encoding="utf-8"?>
+<file path=ppt/slides/slide49.xml><?xml version="1.0" encoding="utf-8"?>
 <p:sld xmlns:a="http://schemas.openxmlformats.org/drawingml/2006/main" xmlns:r="http://schemas.openxmlformats.org/officeDocument/2006/relationships" xmlns:p="http://schemas.openxmlformats.org/presentationml/2006/main">
   <p:cSld>
     <p:spTree>
@@ -25253,7 +25802,7 @@
             <a:fld id="{57D12BB6-0ED4-46B6-AB23-7758AD07EFBF}" type="slidenum">
               <a:rPr lang="de-DE" smtClean="0"/>
               <a:pPr/>
-              <a:t>48</a:t>
+              <a:t>49</a:t>
             </a:fld>
             <a:endParaRPr lang="de-DE" dirty="0"/>
           </a:p>
@@ -25332,141 +25881,6 @@
     <p:extLst>
       <p:ext uri="{BB962C8B-B14F-4D97-AF65-F5344CB8AC3E}">
         <p14:creationId xmlns:p14="http://schemas.microsoft.com/office/powerpoint/2010/main" val="2060748048"/>
-      </p:ext>
-    </p:extLst>
-  </p:cSld>
-  <p:clrMapOvr>
-    <a:masterClrMapping/>
-  </p:clrMapOvr>
-  <p:transition/>
-</p:sld>
-</file>
-
-<file path=ppt/slides/slide49.xml><?xml version="1.0" encoding="utf-8"?>
-<p:sld xmlns:a="http://schemas.openxmlformats.org/drawingml/2006/main" xmlns:r="http://schemas.openxmlformats.org/officeDocument/2006/relationships" xmlns:p="http://schemas.openxmlformats.org/presentationml/2006/main" show="0">
-  <p:cSld>
-    <p:spTree>
-      <p:nvGrpSpPr>
-        <p:cNvPr id="1" name=""/>
-        <p:cNvGrpSpPr/>
-        <p:nvPr/>
-      </p:nvGrpSpPr>
-      <p:grpSpPr>
-        <a:xfrm>
-          <a:off x="0" y="0"/>
-          <a:ext cx="0" cy="0"/>
-          <a:chOff x="0" y="0"/>
-          <a:chExt cx="0" cy="0"/>
-        </a:xfrm>
-      </p:grpSpPr>
-      <p:sp>
-        <p:nvSpPr>
-          <p:cNvPr id="2" name="Foliennummernplatzhalter 1"/>
-          <p:cNvSpPr>
-            <a:spLocks noGrp="1"/>
-          </p:cNvSpPr>
-          <p:nvPr>
-            <p:ph type="sldNum" sz="quarter" idx="11"/>
-          </p:nvPr>
-        </p:nvSpPr>
-        <p:spPr/>
-        <p:txBody>
-          <a:bodyPr/>
-          <a:lstStyle/>
-          <a:p>
-            <a:fld id="{57D12BB6-0ED4-46B6-AB23-7758AD07EFBF}" type="slidenum">
-              <a:rPr lang="de-DE" smtClean="0"/>
-              <a:pPr/>
-              <a:t>49</a:t>
-            </a:fld>
-            <a:endParaRPr lang="de-DE" dirty="0"/>
-          </a:p>
-        </p:txBody>
-      </p:sp>
-      <p:sp>
-        <p:nvSpPr>
-          <p:cNvPr id="4" name="Titel 3"/>
-          <p:cNvSpPr>
-            <a:spLocks noGrp="1"/>
-          </p:cNvSpPr>
-          <p:nvPr>
-            <p:ph type="title"/>
-          </p:nvPr>
-        </p:nvSpPr>
-        <p:spPr>
-          <a:xfrm>
-            <a:off x="971550" y="1338104"/>
-            <a:ext cx="7740650" cy="863600"/>
-          </a:xfrm>
-        </p:spPr>
-        <p:txBody>
-          <a:bodyPr/>
-          <a:lstStyle/>
-          <a:p>
-            <a:r>
-              <a:rPr lang="de-DE" dirty="0"/>
-              <a:t> Montage</a:t>
-            </a:r>
-          </a:p>
-        </p:txBody>
-      </p:sp>
-      <p:sp>
-        <p:nvSpPr>
-          <p:cNvPr id="5" name="Fußzeilenplatzhalter 4"/>
-          <p:cNvSpPr>
-            <a:spLocks noGrp="1"/>
-          </p:cNvSpPr>
-          <p:nvPr>
-            <p:ph type="ftr" sz="quarter" idx="16"/>
-          </p:nvPr>
-        </p:nvSpPr>
-        <p:spPr/>
-        <p:txBody>
-          <a:bodyPr/>
-          <a:lstStyle/>
-          <a:p>
-            <a:r>
-              <a:rPr lang="de-DE" altLang="de-DE"/>
-              <a:t>Hochschule Mannheim | Julia Geigl, Klemens Behr, Kevin Höfle</a:t>
-            </a:r>
-            <a:endParaRPr lang="de-DE" altLang="de-DE" dirty="0"/>
-          </a:p>
-        </p:txBody>
-      </p:sp>
-      <p:pic>
-        <p:nvPicPr>
-          <p:cNvPr id="6" name="Grafik 5"/>
-          <p:cNvPicPr>
-            <a:picLocks noChangeAspect="1"/>
-          </p:cNvPicPr>
-          <p:nvPr/>
-        </p:nvPicPr>
-        <p:blipFill>
-          <a:blip r:embed="rId3" cstate="print">
-            <a:extLst>
-              <a:ext uri="{28A0092B-C50C-407E-A947-70E740481C1C}">
-                <a14:useLocalDpi xmlns:a14="http://schemas.microsoft.com/office/drawing/2010/main" val="0"/>
-              </a:ext>
-            </a:extLst>
-          </a:blip>
-          <a:stretch>
-            <a:fillRect/>
-          </a:stretch>
-        </p:blipFill>
-        <p:spPr>
-          <a:xfrm>
-            <a:off x="5004048" y="1427766"/>
-            <a:ext cx="2756130" cy="4906518"/>
-          </a:xfrm>
-          <a:prstGeom prst="rect">
-            <a:avLst/>
-          </a:prstGeom>
-        </p:spPr>
-      </p:pic>
-    </p:spTree>
-    <p:extLst>
-      <p:ext uri="{BB962C8B-B14F-4D97-AF65-F5344CB8AC3E}">
-        <p14:creationId xmlns:p14="http://schemas.microsoft.com/office/powerpoint/2010/main" val="3409337842"/>
       </p:ext>
     </p:extLst>
   </p:cSld>
@@ -25875,7 +26289,7 @@
 </file>
 
 <file path=ppt/slides/slide50.xml><?xml version="1.0" encoding="utf-8"?>
-<p:sld xmlns:a="http://schemas.openxmlformats.org/drawingml/2006/main" xmlns:r="http://schemas.openxmlformats.org/officeDocument/2006/relationships" xmlns:p="http://schemas.openxmlformats.org/presentationml/2006/main">
+<p:sld xmlns:a="http://schemas.openxmlformats.org/drawingml/2006/main" xmlns:r="http://schemas.openxmlformats.org/officeDocument/2006/relationships" xmlns:p="http://schemas.openxmlformats.org/presentationml/2006/main" show="0">
   <p:cSld>
     <p:spTree>
       <p:nvGrpSpPr>
@@ -25927,8 +26341,8 @@
         </p:nvSpPr>
         <p:spPr>
           <a:xfrm>
-            <a:off x="179512" y="3212976"/>
-            <a:ext cx="7164796" cy="863600"/>
+            <a:off x="971550" y="1338104"/>
+            <a:ext cx="7740650" cy="863600"/>
           </a:xfrm>
         </p:spPr>
         <p:txBody>
@@ -25936,8 +26350,8 @@
           <a:lstStyle/>
           <a:p>
             <a:r>
-              <a:rPr lang="de-DE" sz="6600" dirty="0"/>
-              <a:t>Live Demo</a:t>
+              <a:rPr lang="de-DE" dirty="0"/>
+              <a:t> Montage</a:t>
             </a:r>
           </a:p>
         </p:txBody>
@@ -25965,97 +26379,40 @@
           </a:p>
         </p:txBody>
       </p:sp>
-      <p:sp>
-        <p:nvSpPr>
-          <p:cNvPr id="6" name="Textfeld 5"/>
-          <p:cNvSpPr txBox="1"/>
+      <p:pic>
+        <p:nvPicPr>
+          <p:cNvPr id="6" name="Grafik 5"/>
+          <p:cNvPicPr>
+            <a:picLocks noChangeAspect="1"/>
+          </p:cNvPicPr>
           <p:nvPr/>
-        </p:nvSpPr>
+        </p:nvPicPr>
+        <p:blipFill>
+          <a:blip r:embed="rId3" cstate="print">
+            <a:extLst>
+              <a:ext uri="{28A0092B-C50C-407E-A947-70E740481C1C}">
+                <a14:useLocalDpi xmlns:a14="http://schemas.microsoft.com/office/drawing/2010/main" val="0"/>
+              </a:ext>
+            </a:extLst>
+          </a:blip>
+          <a:stretch>
+            <a:fillRect/>
+          </a:stretch>
+        </p:blipFill>
         <p:spPr>
           <a:xfrm>
-            <a:off x="179512" y="4221088"/>
-            <a:ext cx="8892988" cy="369332"/>
+            <a:off x="5004048" y="1427766"/>
+            <a:ext cx="2756130" cy="4906518"/>
           </a:xfrm>
           <a:prstGeom prst="rect">
             <a:avLst/>
           </a:prstGeom>
-          <a:noFill/>
         </p:spPr>
-        <p:txBody>
-          <a:bodyPr wrap="square" rtlCol="0">
-            <a:spAutoFit/>
-          </a:bodyPr>
-          <a:lstStyle/>
-          <a:p>
-            <a:pPr algn="l"/>
-            <a:r>
-              <a:rPr lang="de-DE" dirty="0">
-                <a:solidFill>
-                  <a:schemeClr val="bg1">
-                    <a:lumMod val="75000"/>
-                  </a:schemeClr>
-                </a:solidFill>
-              </a:rPr>
-              <a:t>Intro</a:t>
-            </a:r>
-            <a:r>
-              <a:rPr lang="de-DE" dirty="0"/>
-              <a:t> </a:t>
-            </a:r>
-            <a:r>
-              <a:rPr lang="de-DE" dirty="0" err="1">
-                <a:solidFill>
-                  <a:schemeClr val="bg1">
-                    <a:lumMod val="75000"/>
-                  </a:schemeClr>
-                </a:solidFill>
-              </a:rPr>
-              <a:t>Sensoren&amp;Bibliotheken</a:t>
-            </a:r>
-            <a:r>
-              <a:rPr lang="de-DE" dirty="0">
-                <a:solidFill>
-                  <a:schemeClr val="bg1">
-                    <a:lumMod val="75000"/>
-                  </a:schemeClr>
-                </a:solidFill>
-              </a:rPr>
-              <a:t> Kommunikation Programmablauf </a:t>
-            </a:r>
-            <a:r>
-              <a:rPr lang="de-DE" dirty="0" err="1">
-                <a:solidFill>
-                  <a:schemeClr val="bg1">
-                    <a:lumMod val="75000"/>
-                  </a:schemeClr>
-                </a:solidFill>
-              </a:rPr>
-              <a:t>IoT</a:t>
-            </a:r>
-            <a:r>
-              <a:rPr lang="de-DE" dirty="0">
-                <a:solidFill>
-                  <a:schemeClr val="bg1">
-                    <a:lumMod val="75000"/>
-                  </a:schemeClr>
-                </a:solidFill>
-              </a:rPr>
-              <a:t>-Plattform</a:t>
-            </a:r>
-            <a:endParaRPr lang="en-GB" dirty="0">
-              <a:solidFill>
-                <a:schemeClr val="bg1">
-                  <a:lumMod val="75000"/>
-                </a:schemeClr>
-              </a:solidFill>
-            </a:endParaRPr>
-          </a:p>
-        </p:txBody>
-      </p:sp>
+      </p:pic>
     </p:spTree>
     <p:extLst>
       <p:ext uri="{BB962C8B-B14F-4D97-AF65-F5344CB8AC3E}">
-        <p14:creationId xmlns:p14="http://schemas.microsoft.com/office/powerpoint/2010/main" val="3016203418"/>
+        <p14:creationId xmlns:p14="http://schemas.microsoft.com/office/powerpoint/2010/main" val="3409337842"/>
       </p:ext>
     </p:extLst>
   </p:cSld>
@@ -26109,368 +26466,27 @@
       </p:sp>
       <p:sp>
         <p:nvSpPr>
-          <p:cNvPr id="3" name="Textplatzhalter 2"/>
-          <p:cNvSpPr>
-            <a:spLocks noGrp="1"/>
-          </p:cNvSpPr>
-          <p:nvPr>
-            <p:ph type="body" sz="quarter" idx="15"/>
+          <p:cNvPr id="4" name="Titel 3"/>
+          <p:cNvSpPr>
+            <a:spLocks noGrp="1"/>
+          </p:cNvSpPr>
+          <p:nvPr>
+            <p:ph type="title"/>
           </p:nvPr>
         </p:nvSpPr>
         <p:spPr>
           <a:xfrm>
-            <a:off x="971550" y="2292349"/>
-            <a:ext cx="7740650" cy="4257675"/>
+            <a:off x="179512" y="3212976"/>
+            <a:ext cx="7164796" cy="863600"/>
           </a:xfrm>
         </p:spPr>
         <p:txBody>
           <a:bodyPr/>
           <a:lstStyle/>
           <a:p>
-            <a:pPr marL="0" indent="0">
-              <a:buNone/>
-            </a:pPr>
-            <a:r>
-              <a:rPr lang="de-DE" sz="1000" dirty="0"/>
-              <a:t>[1] </a:t>
-            </a:r>
-            <a:r>
-              <a:rPr lang="de-DE" sz="1000" dirty="0">
-                <a:hlinkClick r:id="rId2"/>
-              </a:rPr>
-              <a:t>http://blog.gemalto.com/wp-content/uploads/2015/01/M2M-world-of-connected-services.jpg</a:t>
-            </a:r>
-            <a:r>
-              <a:rPr lang="de-DE" sz="1000" dirty="0"/>
-              <a:t> 05.11.2016</a:t>
-            </a:r>
-          </a:p>
-          <a:p>
-            <a:pPr marL="0" indent="0">
-              <a:buNone/>
-            </a:pPr>
-            <a:r>
-              <a:rPr lang="de-DE" sz="1000" dirty="0"/>
-              <a:t>[2] </a:t>
-            </a:r>
-            <a:r>
-              <a:rPr lang="de-DE" sz="1000" dirty="0">
-                <a:hlinkClick r:id="rId3"/>
-              </a:rPr>
-              <a:t>http://howtomechatronics.com/wp-content/uploads/2016/01/DHT11-DDHT22-Working-Principle.png?x57244</a:t>
-            </a:r>
-            <a:r>
-              <a:rPr lang="de-DE" sz="1000" dirty="0"/>
-              <a:t> 05.11.2016 </a:t>
-            </a:r>
-          </a:p>
-          <a:p>
-            <a:pPr marL="0" indent="0">
-              <a:buNone/>
-            </a:pPr>
-            <a:r>
-              <a:rPr lang="de-DE" sz="1000" dirty="0"/>
-              <a:t>[3] </a:t>
-            </a:r>
-            <a:r>
-              <a:rPr lang="de-DE" sz="1000" dirty="0">
-                <a:hlinkClick r:id="rId4"/>
-              </a:rPr>
-              <a:t>http://ic4l.net/wp-content/uploads/dht11-module-300x300.png</a:t>
-            </a:r>
-            <a:r>
-              <a:rPr lang="de-DE" sz="1000" dirty="0"/>
-              <a:t> 05.11.2016</a:t>
-            </a:r>
-          </a:p>
-          <a:p>
-            <a:pPr marL="0" indent="0">
-              <a:buNone/>
-            </a:pPr>
-            <a:r>
-              <a:rPr lang="de-DE" sz="1000" dirty="0"/>
-              <a:t>[4] DHT11 </a:t>
-            </a:r>
-            <a:r>
-              <a:rPr lang="de-DE" sz="1000" dirty="0" err="1"/>
-              <a:t>Humidity</a:t>
-            </a:r>
-            <a:r>
-              <a:rPr lang="de-DE" sz="1000" dirty="0"/>
-              <a:t> &amp; </a:t>
-            </a:r>
-            <a:r>
-              <a:rPr lang="de-DE" sz="1000" dirty="0" err="1"/>
-              <a:t>Temperature</a:t>
-            </a:r>
-            <a:r>
-              <a:rPr lang="de-DE" sz="1000" dirty="0"/>
-              <a:t> Sensor D-</a:t>
-            </a:r>
-            <a:r>
-              <a:rPr lang="de-DE" sz="1000" dirty="0" err="1"/>
-              <a:t>Robotics</a:t>
-            </a:r>
-            <a:r>
-              <a:rPr lang="de-DE" sz="1000" dirty="0"/>
-              <a:t> UK, D-</a:t>
-            </a:r>
-            <a:r>
-              <a:rPr lang="de-DE" sz="1000" dirty="0" err="1"/>
-              <a:t>Robotics</a:t>
-            </a:r>
-            <a:r>
-              <a:rPr lang="de-DE" sz="1000" dirty="0"/>
-              <a:t> 7/30/2010 </a:t>
-            </a:r>
-            <a:r>
-              <a:rPr lang="de-DE" sz="1000" dirty="0">
-                <a:hlinkClick r:id="rId5"/>
-              </a:rPr>
-              <a:t>http://www.micropik.com/PDF/dht11.pdf</a:t>
-            </a:r>
-            <a:r>
-              <a:rPr lang="de-DE" sz="1000" dirty="0"/>
-              <a:t> Seite XX, Absatz XX 05.11.2016</a:t>
-            </a:r>
-          </a:p>
-          <a:p>
-            <a:pPr marL="0" indent="0">
-              <a:buNone/>
-            </a:pPr>
-            <a:r>
-              <a:rPr lang="de-DE" sz="1000" dirty="0"/>
-              <a:t>[5] </a:t>
-            </a:r>
-            <a:r>
-              <a:rPr lang="de-DE" sz="1000" dirty="0">
-                <a:hlinkClick r:id="rId6"/>
-              </a:rPr>
-              <a:t>https://youtu.be/VelviRLkUeo</a:t>
-            </a:r>
-            <a:r>
-              <a:rPr lang="de-DE" sz="1000" dirty="0"/>
-              <a:t> 05.11.2016</a:t>
-            </a:r>
-          </a:p>
-          <a:p>
-            <a:pPr marL="0" indent="0">
-              <a:buNone/>
-            </a:pPr>
-            <a:r>
-              <a:rPr lang="de-DE" sz="1000" dirty="0"/>
-              <a:t>[6] </a:t>
-            </a:r>
-            <a:r>
-              <a:rPr lang="de-DE" sz="1000" dirty="0">
-                <a:hlinkClick r:id="rId7"/>
-              </a:rPr>
-              <a:t>https://www.adafruit.com/about</a:t>
-            </a:r>
-            <a:r>
-              <a:rPr lang="de-DE" sz="1000" dirty="0"/>
-              <a:t> 05.11.2016</a:t>
-            </a:r>
-          </a:p>
-          <a:p>
-            <a:pPr marL="0" indent="0">
-              <a:buNone/>
-            </a:pPr>
-            <a:r>
-              <a:rPr lang="de-DE" sz="1000" dirty="0"/>
-              <a:t>[7] </a:t>
-            </a:r>
-            <a:r>
-              <a:rPr lang="de-DE" sz="1000" dirty="0">
-                <a:hlinkClick r:id="rId8"/>
-              </a:rPr>
-              <a:t>https://io.adafruit.com/logos/logo_2x.png 05.11.2016</a:t>
-            </a:r>
-            <a:endParaRPr lang="de-DE" sz="1000" dirty="0"/>
-          </a:p>
-          <a:p>
-            <a:pPr marL="0" indent="0">
-              <a:buNone/>
-            </a:pPr>
-            <a:r>
-              <a:rPr lang="de-DE" sz="1000" dirty="0"/>
-              <a:t>[8] </a:t>
-            </a:r>
-            <a:r>
-              <a:rPr lang="de-DE" sz="1000" dirty="0">
-                <a:hlinkClick r:id="rId9"/>
-              </a:rPr>
-              <a:t>http://4sitewebsolutions.com/hvac/wp-content/uploads/2013/04/carrier3.png 06.11.2016</a:t>
-            </a:r>
-            <a:r>
-              <a:rPr lang="de-DE" sz="1000" dirty="0"/>
-              <a:t> </a:t>
-            </a:r>
-          </a:p>
-          <a:p>
-            <a:pPr marL="0" indent="0">
-              <a:buNone/>
-            </a:pPr>
-            <a:r>
-              <a:rPr lang="de-DE" sz="1000" dirty="0"/>
-              <a:t>[9] </a:t>
-            </a:r>
-            <a:r>
-              <a:rPr lang="de-DE" sz="1000" dirty="0">
-                <a:hlinkClick r:id="rId10"/>
-              </a:rPr>
-              <a:t>http://www.umweltbundesamt.de/themen/gesundheit/umwelteinfluesse-auf-den-menschen/schimmel/richtig-lueften-schimmelbildung-vermeiden 06.11.2016</a:t>
-            </a:r>
-            <a:endParaRPr lang="de-DE" sz="1000" dirty="0"/>
-          </a:p>
-          <a:p>
-            <a:pPr marL="0" indent="0">
-              <a:buNone/>
-            </a:pPr>
-            <a:r>
-              <a:rPr lang="de-DE" sz="1000" dirty="0"/>
-              <a:t>[10]http://images.google.de/imgres?imgurl=http%3A%2F%2Fwww.radon.com%2Fimages%2Ffigure6.gif&amp;imgrefurl=http%3A%2F%2Fwww.radon.com%2Fradon%2Fradon_analysis.html&amp;h=268&amp;w=337&amp;tbnid=OpSfZ3xZmypDgM%3A&amp;vet=1&amp;docid=NvviVYV6guTSMM&amp;ei=WKwhWKbEJcHlUea2gfgL&amp;tbm=isch&amp;client=firefox-b-ab&amp;iact=rc&amp;uact=3&amp;dur=460&amp;page=0&amp;start=0&amp;ndsp=41&amp;ved=0ahUKEwim0KyA_ZjQAhXBchQKHWZbAL8QMwggKAQwBA&amp;bih=969&amp;biw=1920 08.11.2016 </a:t>
-            </a:r>
-          </a:p>
-          <a:p>
-            <a:pPr marL="0" indent="0">
-              <a:buNone/>
-            </a:pPr>
-            <a:r>
-              <a:rPr lang="de-DE" sz="1000" dirty="0"/>
-              <a:t>[11] </a:t>
-            </a:r>
-            <a:r>
-              <a:rPr lang="de-DE" sz="1000" dirty="0">
-                <a:hlinkClick r:id="rId11"/>
-              </a:rPr>
-              <a:t>https://www.adafruit.com/category/17</a:t>
-            </a:r>
-            <a:r>
-              <a:rPr lang="de-DE" sz="1000" dirty="0"/>
-              <a:t> 	06.12.2016</a:t>
-            </a:r>
-          </a:p>
-          <a:p>
-            <a:pPr marL="0" indent="0">
-              <a:buNone/>
-            </a:pPr>
-            <a:r>
-              <a:rPr lang="de-DE" sz="1000" dirty="0"/>
-              <a:t>[12] </a:t>
-            </a:r>
-            <a:r>
-              <a:rPr lang="de-DE" sz="1000" dirty="0">
-                <a:hlinkClick r:id="rId12"/>
-              </a:rPr>
-              <a:t>https://learn.adafruit.com/adafruit-io/overview</a:t>
-            </a:r>
-            <a:r>
-              <a:rPr lang="de-DE" sz="1000" dirty="0"/>
-              <a:t>	06.12.2016</a:t>
-            </a:r>
-          </a:p>
-          <a:p>
-            <a:pPr marL="0" indent="0">
-              <a:buNone/>
-            </a:pPr>
-            <a:r>
-              <a:rPr lang="de-DE" sz="1000" dirty="0"/>
-              <a:t>[13] </a:t>
-            </a:r>
-            <a:r>
-              <a:rPr lang="de-DE" sz="1000" dirty="0">
-                <a:hlinkClick r:id="rId13"/>
-              </a:rPr>
-              <a:t>https://learn.adafruit.com/adafruit-io/client-libraries</a:t>
-            </a:r>
-            <a:r>
-              <a:rPr lang="de-DE" sz="1000" dirty="0"/>
-              <a:t>	06.12.2016</a:t>
-            </a:r>
-          </a:p>
-          <a:p>
-            <a:pPr marL="0" indent="0">
-              <a:buNone/>
-            </a:pPr>
-            <a:r>
-              <a:rPr lang="de-DE" sz="1000" dirty="0"/>
-              <a:t>[14] </a:t>
-            </a:r>
-            <a:r>
-              <a:rPr lang="de-DE" sz="1000" dirty="0">
-                <a:hlinkClick r:id="rId14"/>
-              </a:rPr>
-              <a:t>https://learn.adafruit.com/adafruit-io/browser</a:t>
-            </a:r>
-            <a:r>
-              <a:rPr lang="de-DE" sz="1000" dirty="0"/>
-              <a:t>		06.12.2016</a:t>
-            </a:r>
-          </a:p>
-          <a:p>
-            <a:pPr marL="0" indent="0">
-              <a:buNone/>
-            </a:pPr>
-            <a:r>
-              <a:rPr lang="de-DE" sz="1000" dirty="0"/>
-              <a:t>[15] </a:t>
-            </a:r>
-            <a:r>
-              <a:rPr lang="de-DE" sz="1000" dirty="0">
-                <a:hlinkClick r:id="rId15"/>
-              </a:rPr>
-              <a:t>https://learn.adafruit.com/adafruit-io/mqtt-api</a:t>
-            </a:r>
-            <a:r>
-              <a:rPr lang="de-DE" sz="1000" dirty="0"/>
-              <a:t>		06.12.2016</a:t>
-            </a:r>
-          </a:p>
-          <a:p>
-            <a:pPr marL="0" indent="0">
-              <a:buNone/>
-            </a:pPr>
-            <a:endParaRPr lang="de-DE" sz="1000" dirty="0"/>
-          </a:p>
-          <a:p>
-            <a:pPr marL="0" indent="0">
-              <a:buNone/>
-            </a:pPr>
-            <a:endParaRPr lang="de-DE" sz="1000" dirty="0"/>
-          </a:p>
-          <a:p>
-            <a:pPr marL="0" indent="0">
-              <a:buNone/>
-            </a:pPr>
-            <a:endParaRPr lang="de-DE" sz="1000" dirty="0"/>
-          </a:p>
-          <a:p>
-            <a:pPr marL="0" indent="0">
-              <a:buNone/>
-            </a:pPr>
-            <a:endParaRPr lang="de-DE" sz="1000" dirty="0"/>
-          </a:p>
-        </p:txBody>
-      </p:sp>
-      <p:sp>
-        <p:nvSpPr>
-          <p:cNvPr id="4" name="Titel 3"/>
-          <p:cNvSpPr>
-            <a:spLocks noGrp="1"/>
-          </p:cNvSpPr>
-          <p:nvPr>
-            <p:ph type="title"/>
-          </p:nvPr>
-        </p:nvSpPr>
-        <p:spPr/>
-        <p:txBody>
-          <a:bodyPr/>
-          <a:lstStyle/>
-          <a:p>
-            <a:r>
-              <a:rPr lang="de-DE" dirty="0"/>
-              <a:t>Quellen</a:t>
+            <a:r>
+              <a:rPr lang="de-DE" sz="6600" dirty="0"/>
+              <a:t>Live Demo</a:t>
             </a:r>
           </a:p>
         </p:txBody>
@@ -26495,13 +26511,100 @@
               <a:t>Hochschule Mannheim | Julia Geigl, Klemens Behr, Kevin Höfle</a:t>
             </a:r>
             <a:endParaRPr lang="de-DE" altLang="de-DE" dirty="0"/>
+          </a:p>
+        </p:txBody>
+      </p:sp>
+      <p:sp>
+        <p:nvSpPr>
+          <p:cNvPr id="6" name="Textfeld 5"/>
+          <p:cNvSpPr txBox="1"/>
+          <p:nvPr/>
+        </p:nvSpPr>
+        <p:spPr>
+          <a:xfrm>
+            <a:off x="179512" y="4221088"/>
+            <a:ext cx="8892988" cy="369332"/>
+          </a:xfrm>
+          <a:prstGeom prst="rect">
+            <a:avLst/>
+          </a:prstGeom>
+          <a:noFill/>
+        </p:spPr>
+        <p:txBody>
+          <a:bodyPr wrap="square" rtlCol="0">
+            <a:spAutoFit/>
+          </a:bodyPr>
+          <a:lstStyle/>
+          <a:p>
+            <a:pPr algn="l"/>
+            <a:r>
+              <a:rPr lang="de-DE" dirty="0">
+                <a:solidFill>
+                  <a:schemeClr val="bg1">
+                    <a:lumMod val="75000"/>
+                  </a:schemeClr>
+                </a:solidFill>
+              </a:rPr>
+              <a:t>Intro</a:t>
+            </a:r>
+            <a:r>
+              <a:rPr lang="de-DE" dirty="0"/>
+              <a:t> </a:t>
+            </a:r>
+            <a:r>
+              <a:rPr lang="de-DE" dirty="0" err="1">
+                <a:solidFill>
+                  <a:schemeClr val="bg1">
+                    <a:lumMod val="75000"/>
+                  </a:schemeClr>
+                </a:solidFill>
+              </a:rPr>
+              <a:t>Sensoren&amp;Bibliotheken</a:t>
+            </a:r>
+            <a:r>
+              <a:rPr lang="de-DE" dirty="0">
+                <a:solidFill>
+                  <a:schemeClr val="bg1">
+                    <a:lumMod val="75000"/>
+                  </a:schemeClr>
+                </a:solidFill>
+              </a:rPr>
+              <a:t> Kommunikation Programmablauf </a:t>
+            </a:r>
+            <a:r>
+              <a:rPr lang="de-DE" dirty="0" err="1">
+                <a:solidFill>
+                  <a:schemeClr val="bg1">
+                    <a:lumMod val="75000"/>
+                  </a:schemeClr>
+                </a:solidFill>
+              </a:rPr>
+              <a:t>IoT</a:t>
+            </a:r>
+            <a:r>
+              <a:rPr lang="de-DE" dirty="0">
+                <a:solidFill>
+                  <a:schemeClr val="bg1">
+                    <a:lumMod val="75000"/>
+                  </a:schemeClr>
+                </a:solidFill>
+              </a:rPr>
+              <a:t>-Plattform</a:t>
+            </a:r>
+            <a:endParaRPr lang="en-GB" dirty="0">
+              <a:solidFill>
+                <a:schemeClr val="bg1">
+                  <a:lumMod val="75000"/>
+                </a:schemeClr>
+              </a:solidFill>
+            </a:endParaRPr>
           </a:p>
         </p:txBody>
       </p:sp>
     </p:spTree>
     <p:extLst>
       <p:ext uri="{BB962C8B-B14F-4D97-AF65-F5344CB8AC3E}">
-        <p14:creationId xmlns:p14="http://schemas.microsoft.com/office/powerpoint/2010/main" val="3863859420"/>
+        <p14:creationId xmlns:p14="http://schemas.microsoft.com/office/powerpoint/2010/main" val="3016203418"/>
       </p:ext>
     </p:extLst>
   </p:cSld>
@@ -26555,6 +26658,478 @@
       </p:sp>
       <p:sp>
         <p:nvSpPr>
+          <p:cNvPr id="3" name="Textplatzhalter 2"/>
+          <p:cNvSpPr>
+            <a:spLocks noGrp="1"/>
+          </p:cNvSpPr>
+          <p:nvPr>
+            <p:ph type="body" sz="quarter" idx="15"/>
+          </p:nvPr>
+        </p:nvSpPr>
+        <p:spPr>
+          <a:xfrm>
+            <a:off x="971550" y="2292349"/>
+            <a:ext cx="7740650" cy="4257675"/>
+          </a:xfrm>
+        </p:spPr>
+        <p:txBody>
+          <a:bodyPr/>
+          <a:lstStyle/>
+          <a:p>
+            <a:pPr marL="0" indent="0">
+              <a:buNone/>
+            </a:pPr>
+            <a:r>
+              <a:rPr lang="de-DE" sz="1000" dirty="0"/>
+              <a:t>[1] </a:t>
+            </a:r>
+            <a:r>
+              <a:rPr lang="de-DE" sz="1000" dirty="0">
+                <a:hlinkClick r:id="rId2"/>
+              </a:rPr>
+              <a:t>http://blog.gemalto.com/wp-content/uploads/2015/01/M2M-world-of-connected-services.jpg</a:t>
+            </a:r>
+            <a:r>
+              <a:rPr lang="de-DE" sz="1000" dirty="0"/>
+              <a:t> 05.11.2016</a:t>
+            </a:r>
+          </a:p>
+          <a:p>
+            <a:pPr marL="0" indent="0">
+              <a:buNone/>
+            </a:pPr>
+            <a:r>
+              <a:rPr lang="de-DE" sz="1000" dirty="0"/>
+              <a:t>[2] </a:t>
+            </a:r>
+            <a:r>
+              <a:rPr lang="de-DE" sz="1000" dirty="0">
+                <a:hlinkClick r:id="rId3"/>
+              </a:rPr>
+              <a:t>http://howtomechatronics.com/wp-content/uploads/2016/01/DHT11-DDHT22-Working-Principle.png?x57244</a:t>
+            </a:r>
+            <a:r>
+              <a:rPr lang="de-DE" sz="1000" dirty="0"/>
+              <a:t> 05.11.2016 </a:t>
+            </a:r>
+          </a:p>
+          <a:p>
+            <a:pPr marL="0" indent="0">
+              <a:buNone/>
+            </a:pPr>
+            <a:r>
+              <a:rPr lang="de-DE" sz="1000" dirty="0"/>
+              <a:t>[3] </a:t>
+            </a:r>
+            <a:r>
+              <a:rPr lang="de-DE" sz="1000" dirty="0">
+                <a:hlinkClick r:id="rId4"/>
+              </a:rPr>
+              <a:t>http://ic4l.net/wp-content/uploads/dht11-module-300x300.png</a:t>
+            </a:r>
+            <a:r>
+              <a:rPr lang="de-DE" sz="1000" dirty="0"/>
+              <a:t> 05.11.2016</a:t>
+            </a:r>
+          </a:p>
+          <a:p>
+            <a:pPr marL="0" indent="0">
+              <a:buNone/>
+            </a:pPr>
+            <a:r>
+              <a:rPr lang="de-DE" sz="1000" dirty="0"/>
+              <a:t>[4] DHT11 </a:t>
+            </a:r>
+            <a:r>
+              <a:rPr lang="de-DE" sz="1000" dirty="0" err="1"/>
+              <a:t>Humidity</a:t>
+            </a:r>
+            <a:r>
+              <a:rPr lang="de-DE" sz="1000" dirty="0"/>
+              <a:t> &amp; </a:t>
+            </a:r>
+            <a:r>
+              <a:rPr lang="de-DE" sz="1000" dirty="0" err="1"/>
+              <a:t>Temperature</a:t>
+            </a:r>
+            <a:r>
+              <a:rPr lang="de-DE" sz="1000" dirty="0"/>
+              <a:t> Sensor D-</a:t>
+            </a:r>
+            <a:r>
+              <a:rPr lang="de-DE" sz="1000" dirty="0" err="1"/>
+              <a:t>Robotics</a:t>
+            </a:r>
+            <a:r>
+              <a:rPr lang="de-DE" sz="1000" dirty="0"/>
+              <a:t> UK, D-</a:t>
+            </a:r>
+            <a:r>
+              <a:rPr lang="de-DE" sz="1000" dirty="0" err="1"/>
+              <a:t>Robotics</a:t>
+            </a:r>
+            <a:r>
+              <a:rPr lang="de-DE" sz="1000" dirty="0"/>
+              <a:t> 7/30/2010 </a:t>
+            </a:r>
+            <a:r>
+              <a:rPr lang="de-DE" sz="1000" dirty="0">
+                <a:hlinkClick r:id="rId5"/>
+              </a:rPr>
+              <a:t>http://www.micropik.com/PDF/dht11.pdf</a:t>
+            </a:r>
+            <a:r>
+              <a:rPr lang="de-DE" sz="1000" dirty="0"/>
+              <a:t> Seite XX, Absatz XX 05.11.2016</a:t>
+            </a:r>
+          </a:p>
+          <a:p>
+            <a:pPr marL="0" indent="0">
+              <a:buNone/>
+            </a:pPr>
+            <a:r>
+              <a:rPr lang="de-DE" sz="1000" dirty="0"/>
+              <a:t>[5] </a:t>
+            </a:r>
+            <a:r>
+              <a:rPr lang="de-DE" sz="1000" dirty="0">
+                <a:hlinkClick r:id="rId6"/>
+              </a:rPr>
+              <a:t>https://youtu.be/VelviRLkUeo</a:t>
+            </a:r>
+            <a:r>
+              <a:rPr lang="de-DE" sz="1000" dirty="0"/>
+              <a:t> 05.11.2016</a:t>
+            </a:r>
+          </a:p>
+          <a:p>
+            <a:pPr marL="0" indent="0">
+              <a:buNone/>
+            </a:pPr>
+            <a:r>
+              <a:rPr lang="de-DE" sz="1000" dirty="0"/>
+              <a:t>[6] </a:t>
+            </a:r>
+            <a:r>
+              <a:rPr lang="de-DE" sz="1000" dirty="0">
+                <a:hlinkClick r:id="rId7"/>
+              </a:rPr>
+              <a:t>https://www.adafruit.com/about</a:t>
+            </a:r>
+            <a:r>
+              <a:rPr lang="de-DE" sz="1000" dirty="0"/>
+              <a:t> 05.11.2016</a:t>
+            </a:r>
+          </a:p>
+          <a:p>
+            <a:pPr marL="0" indent="0">
+              <a:buNone/>
+            </a:pPr>
+            <a:r>
+              <a:rPr lang="de-DE" sz="1000" dirty="0"/>
+              <a:t>[7] </a:t>
+            </a:r>
+            <a:r>
+              <a:rPr lang="de-DE" sz="1000" dirty="0">
+                <a:hlinkClick r:id="rId8"/>
+              </a:rPr>
+              <a:t>https://io.adafruit.com/logos/logo_2x.png 05.11.2016</a:t>
+            </a:r>
+            <a:endParaRPr lang="de-DE" sz="1000" dirty="0"/>
+          </a:p>
+          <a:p>
+            <a:pPr marL="0" indent="0">
+              <a:buNone/>
+            </a:pPr>
+            <a:r>
+              <a:rPr lang="de-DE" sz="1000" dirty="0"/>
+              <a:t>[8] </a:t>
+            </a:r>
+            <a:r>
+              <a:rPr lang="de-DE" sz="1000" dirty="0">
+                <a:hlinkClick r:id="rId9"/>
+              </a:rPr>
+              <a:t>http://4sitewebsolutions.com/hvac/wp-content/uploads/2013/04/carrier3.png 06.11.2016</a:t>
+            </a:r>
+            <a:r>
+              <a:rPr lang="de-DE" sz="1000" dirty="0"/>
+              <a:t> </a:t>
+            </a:r>
+          </a:p>
+          <a:p>
+            <a:pPr marL="0" indent="0">
+              <a:buNone/>
+            </a:pPr>
+            <a:r>
+              <a:rPr lang="de-DE" sz="1000" dirty="0"/>
+              <a:t>[9] </a:t>
+            </a:r>
+            <a:r>
+              <a:rPr lang="de-DE" sz="1000" dirty="0">
+                <a:hlinkClick r:id="rId10"/>
+              </a:rPr>
+              <a:t>http://www.umweltbundesamt.de/themen/gesundheit/umwelteinfluesse-auf-den-menschen/schimmel/richtig-lueften-schimmelbildung-vermeiden 06.11.2016</a:t>
+            </a:r>
+            <a:endParaRPr lang="de-DE" sz="1000" dirty="0"/>
+          </a:p>
+          <a:p>
+            <a:pPr marL="0" indent="0">
+              <a:buNone/>
+            </a:pPr>
+            <a:r>
+              <a:rPr lang="de-DE" sz="1000" dirty="0"/>
+              <a:t>[10]http://images.google.de/imgres?imgurl=http%3A%2F%2Fwww.radon.com%2Fimages%2Ffigure6.gif&amp;imgrefurl=http%3A%2F%2Fwww.radon.com%2Fradon%2Fradon_analysis.html&amp;h=268&amp;w=337&amp;tbnid=OpSfZ3xZmypDgM%3A&amp;vet=1&amp;docid=NvviVYV6guTSMM&amp;ei=WKwhWKbEJcHlUea2gfgL&amp;tbm=isch&amp;client=firefox-b-ab&amp;iact=rc&amp;uact=3&amp;dur=460&amp;page=0&amp;start=0&amp;ndsp=41&amp;ved=0ahUKEwim0KyA_ZjQAhXBchQKHWZbAL8QMwggKAQwBA&amp;bih=969&amp;biw=1920 08.11.2016 </a:t>
+            </a:r>
+          </a:p>
+          <a:p>
+            <a:pPr marL="0" indent="0">
+              <a:buNone/>
+            </a:pPr>
+            <a:r>
+              <a:rPr lang="de-DE" sz="1000" dirty="0"/>
+              <a:t>[11] </a:t>
+            </a:r>
+            <a:r>
+              <a:rPr lang="de-DE" sz="1000" dirty="0">
+                <a:hlinkClick r:id="rId11"/>
+              </a:rPr>
+              <a:t>https://www.adafruit.com/category/17</a:t>
+            </a:r>
+            <a:r>
+              <a:rPr lang="de-DE" sz="1000" dirty="0"/>
+              <a:t> 	06.12.2016</a:t>
+            </a:r>
+          </a:p>
+          <a:p>
+            <a:pPr marL="0" indent="0">
+              <a:buNone/>
+            </a:pPr>
+            <a:r>
+              <a:rPr lang="de-DE" sz="1000" dirty="0"/>
+              <a:t>[12] </a:t>
+            </a:r>
+            <a:r>
+              <a:rPr lang="de-DE" sz="1000" dirty="0">
+                <a:hlinkClick r:id="rId12"/>
+              </a:rPr>
+              <a:t>https://learn.adafruit.com/adafruit-io/overview</a:t>
+            </a:r>
+            <a:r>
+              <a:rPr lang="de-DE" sz="1000" dirty="0"/>
+              <a:t>	06.12.2016</a:t>
+            </a:r>
+          </a:p>
+          <a:p>
+            <a:pPr marL="0" indent="0">
+              <a:buNone/>
+            </a:pPr>
+            <a:r>
+              <a:rPr lang="de-DE" sz="1000" dirty="0"/>
+              <a:t>[13] </a:t>
+            </a:r>
+            <a:r>
+              <a:rPr lang="de-DE" sz="1000" dirty="0">
+                <a:hlinkClick r:id="rId13"/>
+              </a:rPr>
+              <a:t>https://learn.adafruit.com/adafruit-io/client-libraries</a:t>
+            </a:r>
+            <a:r>
+              <a:rPr lang="de-DE" sz="1000" dirty="0"/>
+              <a:t>	06.12.2016</a:t>
+            </a:r>
+          </a:p>
+          <a:p>
+            <a:pPr marL="0" indent="0">
+              <a:buNone/>
+            </a:pPr>
+            <a:r>
+              <a:rPr lang="de-DE" sz="1000" dirty="0"/>
+              <a:t>[14] </a:t>
+            </a:r>
+            <a:r>
+              <a:rPr lang="de-DE" sz="1000" dirty="0">
+                <a:hlinkClick r:id="rId14"/>
+              </a:rPr>
+              <a:t>https://learn.adafruit.com/adafruit-io/browser</a:t>
+            </a:r>
+            <a:r>
+              <a:rPr lang="de-DE" sz="1000" dirty="0"/>
+              <a:t>		06.12.2016</a:t>
+            </a:r>
+          </a:p>
+          <a:p>
+            <a:pPr marL="0" indent="0">
+              <a:buNone/>
+            </a:pPr>
+            <a:r>
+              <a:rPr lang="de-DE" sz="1000" dirty="0"/>
+              <a:t>[15] </a:t>
+            </a:r>
+            <a:r>
+              <a:rPr lang="de-DE" sz="1000" dirty="0">
+                <a:hlinkClick r:id="rId15"/>
+              </a:rPr>
+              <a:t>https://learn.adafruit.com/adafruit-io/mqtt-api</a:t>
+            </a:r>
+            <a:r>
+              <a:rPr lang="de-DE" sz="1000" dirty="0"/>
+              <a:t>		06.12.2016</a:t>
+            </a:r>
+          </a:p>
+          <a:p>
+            <a:pPr marL="0" indent="0">
+              <a:buNone/>
+            </a:pPr>
+            <a:r>
+              <a:rPr lang="de-DE" sz="1000"/>
+              <a:t>[16] </a:t>
+            </a:r>
+            <a:r>
+              <a:rPr lang="de-DE" sz="1000">
+                <a:hlinkClick r:id="rId16"/>
+              </a:rPr>
+              <a:t>https</a:t>
+            </a:r>
+            <a:r>
+              <a:rPr lang="de-DE" sz="1000">
+                <a:hlinkClick r:id="rId16"/>
+              </a:rPr>
+              <a:t>://learn.adafruit.com/adafruit-io/data-policies</a:t>
+            </a:r>
+            <a:r>
+              <a:rPr lang="de-DE" sz="1000"/>
+              <a:t>	13.12.2016</a:t>
+            </a:r>
+            <a:endParaRPr lang="de-DE" sz="1000" dirty="0"/>
+          </a:p>
+          <a:p>
+            <a:pPr marL="0" indent="0">
+              <a:buNone/>
+            </a:pPr>
+            <a:endParaRPr lang="de-DE" sz="1000" dirty="0"/>
+          </a:p>
+          <a:p>
+            <a:pPr marL="0" indent="0">
+              <a:buNone/>
+            </a:pPr>
+            <a:endParaRPr lang="de-DE" sz="1000" dirty="0"/>
+          </a:p>
+          <a:p>
+            <a:pPr marL="0" indent="0">
+              <a:buNone/>
+            </a:pPr>
+            <a:endParaRPr lang="de-DE" sz="1000" dirty="0"/>
+          </a:p>
+          <a:p>
+            <a:pPr marL="0" indent="0">
+              <a:buNone/>
+            </a:pPr>
+            <a:endParaRPr lang="de-DE" sz="1000" dirty="0"/>
+          </a:p>
+        </p:txBody>
+      </p:sp>
+      <p:sp>
+        <p:nvSpPr>
+          <p:cNvPr id="4" name="Titel 3"/>
+          <p:cNvSpPr>
+            <a:spLocks noGrp="1"/>
+          </p:cNvSpPr>
+          <p:nvPr>
+            <p:ph type="title"/>
+          </p:nvPr>
+        </p:nvSpPr>
+        <p:spPr/>
+        <p:txBody>
+          <a:bodyPr/>
+          <a:lstStyle/>
+          <a:p>
+            <a:r>
+              <a:rPr lang="de-DE" dirty="0"/>
+              <a:t>Quellen</a:t>
+            </a:r>
+          </a:p>
+        </p:txBody>
+      </p:sp>
+      <p:sp>
+        <p:nvSpPr>
+          <p:cNvPr id="5" name="Fußzeilenplatzhalter 4"/>
+          <p:cNvSpPr>
+            <a:spLocks noGrp="1"/>
+          </p:cNvSpPr>
+          <p:nvPr>
+            <p:ph type="ftr" sz="quarter" idx="16"/>
+          </p:nvPr>
+        </p:nvSpPr>
+        <p:spPr/>
+        <p:txBody>
+          <a:bodyPr/>
+          <a:lstStyle/>
+          <a:p>
+            <a:r>
+              <a:rPr lang="de-DE" altLang="de-DE"/>
+              <a:t>Hochschule Mannheim | Julia Geigl, Klemens Behr, Kevin Höfle</a:t>
+            </a:r>
+            <a:endParaRPr lang="de-DE" altLang="de-DE" dirty="0"/>
+          </a:p>
+        </p:txBody>
+      </p:sp>
+    </p:spTree>
+    <p:extLst>
+      <p:ext uri="{BB962C8B-B14F-4D97-AF65-F5344CB8AC3E}">
+        <p14:creationId xmlns:p14="http://schemas.microsoft.com/office/powerpoint/2010/main" val="3863859420"/>
+      </p:ext>
+    </p:extLst>
+  </p:cSld>
+  <p:clrMapOvr>
+    <a:masterClrMapping/>
+  </p:clrMapOvr>
+  <p:transition/>
+</p:sld>
+</file>
+
+<file path=ppt/slides/slide53.xml><?xml version="1.0" encoding="utf-8"?>
+<p:sld xmlns:a="http://schemas.openxmlformats.org/drawingml/2006/main" xmlns:r="http://schemas.openxmlformats.org/officeDocument/2006/relationships" xmlns:p="http://schemas.openxmlformats.org/presentationml/2006/main">
+  <p:cSld>
+    <p:spTree>
+      <p:nvGrpSpPr>
+        <p:cNvPr id="1" name=""/>
+        <p:cNvGrpSpPr/>
+        <p:nvPr/>
+      </p:nvGrpSpPr>
+      <p:grpSpPr>
+        <a:xfrm>
+          <a:off x="0" y="0"/>
+          <a:ext cx="0" cy="0"/>
+          <a:chOff x="0" y="0"/>
+          <a:chExt cx="0" cy="0"/>
+        </a:xfrm>
+      </p:grpSpPr>
+      <p:sp>
+        <p:nvSpPr>
+          <p:cNvPr id="2" name="Foliennummernplatzhalter 1"/>
+          <p:cNvSpPr>
+            <a:spLocks noGrp="1"/>
+          </p:cNvSpPr>
+          <p:nvPr>
+            <p:ph type="sldNum" sz="quarter" idx="11"/>
+          </p:nvPr>
+        </p:nvSpPr>
+        <p:spPr/>
+        <p:txBody>
+          <a:bodyPr/>
+          <a:lstStyle/>
+          <a:p>
+            <a:fld id="{57D12BB6-0ED4-46B6-AB23-7758AD07EFBF}" type="slidenum">
+              <a:rPr lang="de-DE" smtClean="0"/>
+              <a:pPr/>
+              <a:t>53</a:t>
+            </a:fld>
+            <a:endParaRPr lang="de-DE" dirty="0"/>
+          </a:p>
+        </p:txBody>
+      </p:sp>
+      <p:sp>
+        <p:nvSpPr>
           <p:cNvPr id="4" name="Titel 3"/>
           <p:cNvSpPr>
             <a:spLocks noGrp="1"/>
@@ -26637,7 +27212,6 @@
               <a:rPr lang="de-DE" dirty="0"/>
               <a:t>Code verfügbar unter: https://github.com/ProjektlaborEmbeddedSecurity/Projekt</a:t>
             </a:r>
-            <a:endParaRPr lang="de-DE" dirty="0"/>
           </a:p>
         </p:txBody>
       </p:sp>
@@ -26655,7 +27229,7 @@
 </p:sld>
 </file>
 
-<file path=ppt/slides/slide53.xml><?xml version="1.0" encoding="utf-8"?>
+<file path=ppt/slides/slide54.xml><?xml version="1.0" encoding="utf-8"?>
 <p:sld xmlns:a="http://schemas.openxmlformats.org/drawingml/2006/main" xmlns:r="http://schemas.openxmlformats.org/officeDocument/2006/relationships" xmlns:p="http://schemas.openxmlformats.org/presentationml/2006/main" show="0">
   <p:cSld>
     <p:spTree>
@@ -26690,7 +27264,7 @@
             <a:fld id="{57D12BB6-0ED4-46B6-AB23-7758AD07EFBF}" type="slidenum">
               <a:rPr lang="de-DE" smtClean="0"/>
               <a:pPr/>
-              <a:t>53</a:t>
+              <a:t>54</a:t>
             </a:fld>
             <a:endParaRPr lang="de-DE" dirty="0"/>
           </a:p>
@@ -27308,7 +27882,7 @@
 </p:sld>
 </file>
 
-<file path=ppt/slides/slide54.xml><?xml version="1.0" encoding="utf-8"?>
+<file path=ppt/slides/slide55.xml><?xml version="1.0" encoding="utf-8"?>
 <p:sld xmlns:a="http://schemas.openxmlformats.org/drawingml/2006/main" xmlns:r="http://schemas.openxmlformats.org/officeDocument/2006/relationships" xmlns:p="http://schemas.openxmlformats.org/presentationml/2006/main" show="0">
   <p:cSld>
     <p:spTree>
@@ -27343,7 +27917,7 @@
             <a:fld id="{57D12BB6-0ED4-46B6-AB23-7758AD07EFBF}" type="slidenum">
               <a:rPr lang="de-DE" smtClean="0"/>
               <a:pPr/>
-              <a:t>54</a:t>
+              <a:t>55</a:t>
             </a:fld>
             <a:endParaRPr lang="de-DE" dirty="0"/>
           </a:p>
@@ -27444,7 +28018,7 @@
 </p:sld>
 </file>
 
-<file path=ppt/slides/slide55.xml><?xml version="1.0" encoding="utf-8"?>
+<file path=ppt/slides/slide56.xml><?xml version="1.0" encoding="utf-8"?>
 <p:sld xmlns:a="http://schemas.openxmlformats.org/drawingml/2006/main" xmlns:r="http://schemas.openxmlformats.org/officeDocument/2006/relationships" xmlns:p="http://schemas.openxmlformats.org/presentationml/2006/main" show="0">
   <p:cSld>
     <p:spTree>
@@ -27479,7 +28053,7 @@
             <a:fld id="{57D12BB6-0ED4-46B6-AB23-7758AD07EFBF}" type="slidenum">
               <a:rPr lang="de-DE" smtClean="0"/>
               <a:pPr/>
-              <a:t>55</a:t>
+              <a:t>56</a:t>
             </a:fld>
             <a:endParaRPr lang="de-DE" dirty="0"/>
           </a:p>

--- a/PES_FH_VERS.pptx
+++ b/PES_FH_VERS.pptx
@@ -12342,7 +12342,7 @@
           <a:p>
             <a:r>
               <a:rPr lang="de-DE" dirty="0"/>
-              <a:t>Feuchtigkeitssensor DHT11</a:t>
+              <a:t>Feuchtigkeits- und Temperatursensor DHT11</a:t>
             </a:r>
           </a:p>
         </p:txBody>
@@ -15838,7 +15838,7 @@
           <a:p>
             <a:r>
               <a:rPr lang="de-DE" dirty="0"/>
-              <a:t>Daten zyklisch auslesen mit:</a:t>
+              <a:t>Daten zyklisch auslesen (gibt bei Erfolg „1“ zurück)</a:t>
             </a:r>
           </a:p>
           <a:p>
@@ -26988,13 +26988,7 @@
               <a:rPr lang="de-DE" sz="1000">
                 <a:hlinkClick r:id="rId16"/>
               </a:rPr>
-              <a:t>https</a:t>
-            </a:r>
-            <a:r>
-              <a:rPr lang="de-DE" sz="1000">
-                <a:hlinkClick r:id="rId16"/>
-              </a:rPr>
-              <a:t>://learn.adafruit.com/adafruit-io/data-policies</a:t>
+              <a:t>https://learn.adafruit.com/adafruit-io/data-policies</a:t>
             </a:r>
             <a:r>
               <a:rPr lang="de-DE" sz="1000"/>
